--- a/images/theory_analysis/Spark_Kubernetes/Spark_Kubernetes.pptx
+++ b/images/theory_analysis/Spark_Kubernetes/Spark_Kubernetes.pptx
@@ -5,12 +5,14 @@
     <p:sldMasterId id="2147483648" r:id="rId1"/>
   </p:sldMasterIdLst>
   <p:notesMasterIdLst>
-    <p:notesMasterId r:id="rId5"/>
+    <p:notesMasterId r:id="rId7"/>
   </p:notesMasterIdLst>
   <p:sldIdLst>
     <p:sldId id="367" r:id="rId2"/>
     <p:sldId id="371" r:id="rId3"/>
     <p:sldId id="370" r:id="rId4"/>
+    <p:sldId id="372" r:id="rId5"/>
+    <p:sldId id="373" r:id="rId6"/>
   </p:sldIdLst>
   <p:sldSz cx="9144000" cy="5143500" type="screen16x9"/>
   <p:notesSz cx="6858000" cy="9144000"/>
@@ -215,7 +217,7 @@
           <a:p>
             <a:fld id="{6CD5550B-26C4-49A9-A5BA-636EF7BE6CE9}" type="datetimeFigureOut">
               <a:rPr lang="ko-KR" altLang="en-US" smtClean="0"/>
-              <a:t>2023. 7. 18.</a:t>
+              <a:t>2023. 7. 22.</a:t>
             </a:fld>
             <a:endParaRPr lang="ko-KR" altLang="en-US"/>
           </a:p>
@@ -650,6 +652,174 @@
 </p:notes>
 </file>
 
+<file path=ppt/notesSlides/notesSlide3.xml><?xml version="1.0" encoding="utf-8"?>
+<p:notes xmlns:a="http://schemas.openxmlformats.org/drawingml/2006/main" xmlns:r="http://schemas.openxmlformats.org/officeDocument/2006/relationships" xmlns:p="http://schemas.openxmlformats.org/presentationml/2006/main">
+  <p:cSld>
+    <p:spTree>
+      <p:nvGrpSpPr>
+        <p:cNvPr id="1" name=""/>
+        <p:cNvGrpSpPr/>
+        <p:nvPr/>
+      </p:nvGrpSpPr>
+      <p:grpSpPr>
+        <a:xfrm>
+          <a:off x="0" y="0"/>
+          <a:ext cx="0" cy="0"/>
+          <a:chOff x="0" y="0"/>
+          <a:chExt cx="0" cy="0"/>
+        </a:xfrm>
+      </p:grpSpPr>
+      <p:sp>
+        <p:nvSpPr>
+          <p:cNvPr id="2" name="Slide Image Placeholder 1"/>
+          <p:cNvSpPr>
+            <a:spLocks noGrp="1" noRot="1" noChangeAspect="1"/>
+          </p:cNvSpPr>
+          <p:nvPr>
+            <p:ph type="sldImg"/>
+          </p:nvPr>
+        </p:nvSpPr>
+        <p:spPr/>
+      </p:sp>
+      <p:sp>
+        <p:nvSpPr>
+          <p:cNvPr id="3" name="Notes Placeholder 2"/>
+          <p:cNvSpPr>
+            <a:spLocks noGrp="1"/>
+          </p:cNvSpPr>
+          <p:nvPr>
+            <p:ph type="body" idx="1"/>
+          </p:nvPr>
+        </p:nvSpPr>
+        <p:spPr/>
+        <p:txBody>
+          <a:bodyPr/>
+          <a:lstStyle/>
+          <a:p>
+            <a:endParaRPr lang="en-KR"/>
+          </a:p>
+        </p:txBody>
+      </p:sp>
+      <p:sp>
+        <p:nvSpPr>
+          <p:cNvPr id="4" name="Slide Number Placeholder 3"/>
+          <p:cNvSpPr>
+            <a:spLocks noGrp="1"/>
+          </p:cNvSpPr>
+          <p:nvPr>
+            <p:ph type="sldNum" sz="quarter" idx="5"/>
+          </p:nvPr>
+        </p:nvSpPr>
+        <p:spPr/>
+        <p:txBody>
+          <a:bodyPr/>
+          <a:lstStyle/>
+          <a:p>
+            <a:fld id="{BA5DFA43-8D57-47FB-BC46-057616015C3B}" type="slidenum">
+              <a:rPr lang="ko-KR" altLang="en-US" smtClean="0"/>
+              <a:t>4</a:t>
+            </a:fld>
+            <a:endParaRPr lang="ko-KR" altLang="en-US"/>
+          </a:p>
+        </p:txBody>
+      </p:sp>
+    </p:spTree>
+    <p:extLst>
+      <p:ext uri="{BB962C8B-B14F-4D97-AF65-F5344CB8AC3E}">
+        <p14:creationId xmlns:p14="http://schemas.microsoft.com/office/powerpoint/2010/main" val="2211026077"/>
+      </p:ext>
+    </p:extLst>
+  </p:cSld>
+  <p:clrMapOvr>
+    <a:masterClrMapping/>
+  </p:clrMapOvr>
+</p:notes>
+</file>
+
+<file path=ppt/notesSlides/notesSlide4.xml><?xml version="1.0" encoding="utf-8"?>
+<p:notes xmlns:a="http://schemas.openxmlformats.org/drawingml/2006/main" xmlns:r="http://schemas.openxmlformats.org/officeDocument/2006/relationships" xmlns:p="http://schemas.openxmlformats.org/presentationml/2006/main">
+  <p:cSld>
+    <p:spTree>
+      <p:nvGrpSpPr>
+        <p:cNvPr id="1" name=""/>
+        <p:cNvGrpSpPr/>
+        <p:nvPr/>
+      </p:nvGrpSpPr>
+      <p:grpSpPr>
+        <a:xfrm>
+          <a:off x="0" y="0"/>
+          <a:ext cx="0" cy="0"/>
+          <a:chOff x="0" y="0"/>
+          <a:chExt cx="0" cy="0"/>
+        </a:xfrm>
+      </p:grpSpPr>
+      <p:sp>
+        <p:nvSpPr>
+          <p:cNvPr id="2" name="Slide Image Placeholder 1"/>
+          <p:cNvSpPr>
+            <a:spLocks noGrp="1" noRot="1" noChangeAspect="1"/>
+          </p:cNvSpPr>
+          <p:nvPr>
+            <p:ph type="sldImg"/>
+          </p:nvPr>
+        </p:nvSpPr>
+        <p:spPr/>
+      </p:sp>
+      <p:sp>
+        <p:nvSpPr>
+          <p:cNvPr id="3" name="Notes Placeholder 2"/>
+          <p:cNvSpPr>
+            <a:spLocks noGrp="1"/>
+          </p:cNvSpPr>
+          <p:nvPr>
+            <p:ph type="body" idx="1"/>
+          </p:nvPr>
+        </p:nvSpPr>
+        <p:spPr/>
+        <p:txBody>
+          <a:bodyPr/>
+          <a:lstStyle/>
+          <a:p>
+            <a:endParaRPr lang="en-KR"/>
+          </a:p>
+        </p:txBody>
+      </p:sp>
+      <p:sp>
+        <p:nvSpPr>
+          <p:cNvPr id="4" name="Slide Number Placeholder 3"/>
+          <p:cNvSpPr>
+            <a:spLocks noGrp="1"/>
+          </p:cNvSpPr>
+          <p:nvPr>
+            <p:ph type="sldNum" sz="quarter" idx="5"/>
+          </p:nvPr>
+        </p:nvSpPr>
+        <p:spPr/>
+        <p:txBody>
+          <a:bodyPr/>
+          <a:lstStyle/>
+          <a:p>
+            <a:fld id="{BA5DFA43-8D57-47FB-BC46-057616015C3B}" type="slidenum">
+              <a:rPr lang="ko-KR" altLang="en-US" smtClean="0"/>
+              <a:t>5</a:t>
+            </a:fld>
+            <a:endParaRPr lang="ko-KR" altLang="en-US"/>
+          </a:p>
+        </p:txBody>
+      </p:sp>
+    </p:spTree>
+    <p:extLst>
+      <p:ext uri="{BB962C8B-B14F-4D97-AF65-F5344CB8AC3E}">
+        <p14:creationId xmlns:p14="http://schemas.microsoft.com/office/powerpoint/2010/main" val="4185120045"/>
+      </p:ext>
+    </p:extLst>
+  </p:cSld>
+  <p:clrMapOvr>
+    <a:masterClrMapping/>
+  </p:clrMapOvr>
+</p:notes>
+</file>
+
 <file path=ppt/slideLayouts/slideLayout1.xml><?xml version="1.0" encoding="utf-8"?>
 <p:sldLayout xmlns:a="http://schemas.openxmlformats.org/drawingml/2006/main" xmlns:r="http://schemas.openxmlformats.org/officeDocument/2006/relationships" xmlns:p="http://schemas.openxmlformats.org/presentationml/2006/main" type="title" preserve="1">
   <p:cSld name="제목 슬라이드">
@@ -829,7 +999,7 @@
           <a:p>
             <a:fld id="{FB30EDBD-1C2D-4C1E-B459-B60219FAB484}" type="datetimeFigureOut">
               <a:rPr lang="ko-KR" altLang="en-US" smtClean="0"/>
-              <a:t>2023. 7. 18.</a:t>
+              <a:t>2023. 7. 22.</a:t>
             </a:fld>
             <a:endParaRPr lang="ko-KR" altLang="en-US"/>
           </a:p>
@@ -992,7 +1162,7 @@
           <a:p>
             <a:fld id="{FB30EDBD-1C2D-4C1E-B459-B60219FAB484}" type="datetimeFigureOut">
               <a:rPr lang="ko-KR" altLang="en-US" smtClean="0"/>
-              <a:t>2023. 7. 18.</a:t>
+              <a:t>2023. 7. 22.</a:t>
             </a:fld>
             <a:endParaRPr lang="ko-KR" altLang="en-US"/>
           </a:p>
@@ -1165,7 +1335,7 @@
           <a:p>
             <a:fld id="{FB30EDBD-1C2D-4C1E-B459-B60219FAB484}" type="datetimeFigureOut">
               <a:rPr lang="ko-KR" altLang="en-US" smtClean="0"/>
-              <a:t>2023. 7. 18.</a:t>
+              <a:t>2023. 7. 22.</a:t>
             </a:fld>
             <a:endParaRPr lang="ko-KR" altLang="en-US"/>
           </a:p>
@@ -1328,7 +1498,7 @@
           <a:p>
             <a:fld id="{FB30EDBD-1C2D-4C1E-B459-B60219FAB484}" type="datetimeFigureOut">
               <a:rPr lang="ko-KR" altLang="en-US" smtClean="0"/>
-              <a:t>2023. 7. 18.</a:t>
+              <a:t>2023. 7. 22.</a:t>
             </a:fld>
             <a:endParaRPr lang="ko-KR" altLang="en-US"/>
           </a:p>
@@ -1568,7 +1738,7 @@
           <a:p>
             <a:fld id="{FB30EDBD-1C2D-4C1E-B459-B60219FAB484}" type="datetimeFigureOut">
               <a:rPr lang="ko-KR" altLang="en-US" smtClean="0"/>
-              <a:t>2023. 7. 18.</a:t>
+              <a:t>2023. 7. 22.</a:t>
             </a:fld>
             <a:endParaRPr lang="ko-KR" altLang="en-US"/>
           </a:p>
@@ -1848,7 +2018,7 @@
           <a:p>
             <a:fld id="{FB30EDBD-1C2D-4C1E-B459-B60219FAB484}" type="datetimeFigureOut">
               <a:rPr lang="ko-KR" altLang="en-US" smtClean="0"/>
-              <a:t>2023. 7. 18.</a:t>
+              <a:t>2023. 7. 22.</a:t>
             </a:fld>
             <a:endParaRPr lang="ko-KR" altLang="en-US"/>
           </a:p>
@@ -2262,7 +2432,7 @@
           <a:p>
             <a:fld id="{FB30EDBD-1C2D-4C1E-B459-B60219FAB484}" type="datetimeFigureOut">
               <a:rPr lang="ko-KR" altLang="en-US" smtClean="0"/>
-              <a:t>2023. 7. 18.</a:t>
+              <a:t>2023. 7. 22.</a:t>
             </a:fld>
             <a:endParaRPr lang="ko-KR" altLang="en-US"/>
           </a:p>
@@ -2374,7 +2544,7 @@
           <a:p>
             <a:fld id="{FB30EDBD-1C2D-4C1E-B459-B60219FAB484}" type="datetimeFigureOut">
               <a:rPr lang="ko-KR" altLang="en-US" smtClean="0"/>
-              <a:t>2023. 7. 18.</a:t>
+              <a:t>2023. 7. 22.</a:t>
             </a:fld>
             <a:endParaRPr lang="ko-KR" altLang="en-US"/>
           </a:p>
@@ -2464,7 +2634,7 @@
           <a:p>
             <a:fld id="{FB30EDBD-1C2D-4C1E-B459-B60219FAB484}" type="datetimeFigureOut">
               <a:rPr lang="ko-KR" altLang="en-US" smtClean="0"/>
-              <a:t>2023. 7. 18.</a:t>
+              <a:t>2023. 7. 22.</a:t>
             </a:fld>
             <a:endParaRPr lang="ko-KR" altLang="en-US"/>
           </a:p>
@@ -2734,7 +2904,7 @@
           <a:p>
             <a:fld id="{FB30EDBD-1C2D-4C1E-B459-B60219FAB484}" type="datetimeFigureOut">
               <a:rPr lang="ko-KR" altLang="en-US" smtClean="0"/>
-              <a:t>2023. 7. 18.</a:t>
+              <a:t>2023. 7. 22.</a:t>
             </a:fld>
             <a:endParaRPr lang="ko-KR" altLang="en-US"/>
           </a:p>
@@ -2981,7 +3151,7 @@
           <a:p>
             <a:fld id="{FB30EDBD-1C2D-4C1E-B459-B60219FAB484}" type="datetimeFigureOut">
               <a:rPr lang="ko-KR" altLang="en-US" smtClean="0"/>
-              <a:t>2023. 7. 18.</a:t>
+              <a:t>2023. 7. 22.</a:t>
             </a:fld>
             <a:endParaRPr lang="ko-KR" altLang="en-US"/>
           </a:p>
@@ -3187,7 +3357,7 @@
           <a:p>
             <a:fld id="{FB30EDBD-1C2D-4C1E-B459-B60219FAB484}" type="datetimeFigureOut">
               <a:rPr lang="ko-KR" altLang="en-US" smtClean="0"/>
-              <a:t>2023. 7. 18.</a:t>
+              <a:t>2023. 7. 22.</a:t>
             </a:fld>
             <a:endParaRPr lang="ko-KR" altLang="en-US"/>
           </a:p>
@@ -3889,7 +4059,7 @@
         </p:nvSpPr>
         <p:spPr>
           <a:xfrm>
-            <a:off x="693427" y="2196073"/>
+            <a:off x="693427" y="1926614"/>
             <a:ext cx="1401376" cy="386745"/>
           </a:xfrm>
           <a:prstGeom prst="roundRect">
@@ -4388,7 +4558,7 @@
         </p:blipFill>
         <p:spPr bwMode="auto">
           <a:xfrm>
-            <a:off x="1116351" y="934365"/>
+            <a:off x="1116351" y="815883"/>
             <a:ext cx="558919" cy="558919"/>
           </a:xfrm>
           <a:prstGeom prst="rect">
@@ -4424,8 +4594,8 @@
         </p:nvCxnSpPr>
         <p:spPr>
           <a:xfrm flipH="1">
-            <a:off x="1394115" y="1818489"/>
-            <a:ext cx="2236" cy="377584"/>
+            <a:off x="1394115" y="1700007"/>
+            <a:ext cx="2236" cy="226607"/>
           </a:xfrm>
           <a:prstGeom prst="straightConnector1">
             <a:avLst/>
@@ -4466,7 +4636,7 @@
         </p:nvSpPr>
         <p:spPr>
           <a:xfrm>
-            <a:off x="1180118" y="1394394"/>
+            <a:off x="1180118" y="1275912"/>
             <a:ext cx="444352" cy="246221"/>
           </a:xfrm>
           <a:prstGeom prst="rect">
@@ -4506,8 +4676,8 @@
         </p:nvCxnSpPr>
         <p:spPr>
           <a:xfrm rot="16200000" flipV="1">
-            <a:off x="3348964" y="-459868"/>
-            <a:ext cx="132603" cy="3479990"/>
+            <a:off x="3289723" y="-519109"/>
+            <a:ext cx="251085" cy="3479990"/>
           </a:xfrm>
           <a:prstGeom prst="bentConnector2">
             <a:avLst/>
@@ -4596,7 +4766,7 @@
         </p:nvSpPr>
         <p:spPr>
           <a:xfrm>
-            <a:off x="1288339" y="1602465"/>
+            <a:off x="1288339" y="1483983"/>
             <a:ext cx="216024" cy="216024"/>
           </a:xfrm>
           <a:prstGeom prst="ellipse">
@@ -4658,9 +4828,9 @@
           <p:nvPr/>
         </p:nvCxnSpPr>
         <p:spPr>
-          <a:xfrm>
-            <a:off x="3131840" y="1853179"/>
-            <a:ext cx="0" cy="934589"/>
+          <a:xfrm flipV="1">
+            <a:off x="3203848" y="1854491"/>
+            <a:ext cx="0" cy="933276"/>
           </a:xfrm>
           <a:prstGeom prst="straightConnector1">
             <a:avLst/>
@@ -4703,11 +4873,11 @@
         <p:spPr>
           <a:xfrm flipV="1">
             <a:off x="2212540" y="1600460"/>
-            <a:ext cx="703275" cy="669966"/>
+            <a:ext cx="703275" cy="400507"/>
           </a:xfrm>
           <a:prstGeom prst="bentConnector3">
             <a:avLst>
-              <a:gd name="adj1" fmla="val 48434"/>
+              <a:gd name="adj1" fmla="val 50000"/>
             </a:avLst>
           </a:prstGeom>
           <a:ln>
@@ -4749,12 +4919,12 @@
         </p:nvCxnSpPr>
         <p:spPr>
           <a:xfrm>
-            <a:off x="2208747" y="2518820"/>
-            <a:ext cx="795687" cy="343919"/>
+            <a:off x="2208747" y="2249361"/>
+            <a:ext cx="802452" cy="614212"/>
           </a:xfrm>
           <a:prstGeom prst="bentConnector3">
             <a:avLst>
-              <a:gd name="adj1" fmla="val 44085"/>
+              <a:gd name="adj1" fmla="val 44042"/>
             </a:avLst>
           </a:prstGeom>
           <a:ln>
@@ -5005,8 +5175,8 @@
         </p:nvSpPr>
         <p:spPr>
           <a:xfrm>
-            <a:off x="1418336" y="3060872"/>
-            <a:ext cx="1476738" cy="170267"/>
+            <a:off x="1418336" y="3108726"/>
+            <a:ext cx="1476738" cy="122413"/>
           </a:xfrm>
           <a:custGeom>
             <a:avLst/>
@@ -5460,7 +5630,7 @@
         </p:nvSpPr>
         <p:spPr>
           <a:xfrm>
-            <a:off x="691748" y="1846558"/>
+            <a:off x="691748" y="1654011"/>
             <a:ext cx="800220" cy="230832"/>
           </a:xfrm>
           <a:prstGeom prst="rect">
@@ -5500,7 +5670,7 @@
         </p:nvSpPr>
         <p:spPr>
           <a:xfrm>
-            <a:off x="1634053" y="1812750"/>
+            <a:off x="1634053" y="1543291"/>
             <a:ext cx="923651" cy="369332"/>
           </a:xfrm>
           <a:prstGeom prst="rect">
@@ -5533,57 +5703,6 @@
                 </a:solidFill>
               </a:rPr>
               <a:t>driver’s config</a:t>
-            </a:r>
-          </a:p>
-        </p:txBody>
-      </p:sp>
-      <p:sp>
-        <p:nvSpPr>
-          <p:cNvPr id="49" name="TextBox 48">
-            <a:extLst>
-              <a:ext uri="{FF2B5EF4-FFF2-40B4-BE49-F238E27FC236}">
-                <a16:creationId xmlns:a16="http://schemas.microsoft.com/office/drawing/2014/main" id="{FFFD63B2-5F3F-5A78-1BFB-226BEFD6A9D5}"/>
-              </a:ext>
-            </a:extLst>
-          </p:cNvPr>
-          <p:cNvSpPr txBox="1"/>
-          <p:nvPr/>
-        </p:nvSpPr>
-        <p:spPr>
-          <a:xfrm>
-            <a:off x="1730505" y="2588152"/>
-            <a:ext cx="728084" cy="369332"/>
-          </a:xfrm>
-          <a:prstGeom prst="rect">
-            <a:avLst/>
-          </a:prstGeom>
-          <a:noFill/>
-        </p:spPr>
-        <p:txBody>
-          <a:bodyPr wrap="none" rtlCol="0">
-            <a:spAutoFit/>
-          </a:bodyPr>
-          <a:lstStyle/>
-          <a:p>
-            <a:pPr algn="ctr"/>
-            <a:r>
-              <a:rPr lang="en-KR" sz="900">
-                <a:solidFill>
-                  <a:schemeClr val="tx2"/>
-                </a:solidFill>
-              </a:rPr>
-              <a:t>Create</a:t>
-            </a:r>
-          </a:p>
-          <a:p>
-            <a:pPr algn="ctr"/>
-            <a:r>
-              <a:rPr lang="en-KR" sz="900">
-                <a:solidFill>
-                  <a:schemeClr val="tx2"/>
-                </a:solidFill>
-              </a:rPr>
-              <a:t>driver pod</a:t>
             </a:r>
           </a:p>
         </p:txBody>
@@ -5703,7 +5822,7 @@
         </p:nvSpPr>
         <p:spPr>
           <a:xfrm>
-            <a:off x="1996516" y="2162414"/>
+            <a:off x="1996516" y="1892955"/>
             <a:ext cx="216024" cy="216024"/>
           </a:xfrm>
           <a:prstGeom prst="ellipse">
@@ -5764,7 +5883,7 @@
         </p:nvSpPr>
         <p:spPr>
           <a:xfrm>
-            <a:off x="1992723" y="2410808"/>
+            <a:off x="1992723" y="2141349"/>
             <a:ext cx="216024" cy="216024"/>
           </a:xfrm>
           <a:prstGeom prst="ellipse">
@@ -6112,10 +6231,61 @@
       </p:sp>
       <p:sp>
         <p:nvSpPr>
-          <p:cNvPr id="122" name="Oval 121">
-            <a:extLst>
-              <a:ext uri="{FF2B5EF4-FFF2-40B4-BE49-F238E27FC236}">
-                <a16:creationId xmlns:a16="http://schemas.microsoft.com/office/drawing/2014/main" id="{C9AAA6F1-1E38-9F94-76F7-A033B7448B42}"/>
+          <p:cNvPr id="1029" name="TextBox 1028">
+            <a:extLst>
+              <a:ext uri="{FF2B5EF4-FFF2-40B4-BE49-F238E27FC236}">
+                <a16:creationId xmlns:a16="http://schemas.microsoft.com/office/drawing/2014/main" id="{5CDCB13E-7E28-B93D-D881-E8E76FB08B7B}"/>
+              </a:ext>
+            </a:extLst>
+          </p:cNvPr>
+          <p:cNvSpPr txBox="1"/>
+          <p:nvPr/>
+        </p:nvSpPr>
+        <p:spPr>
+          <a:xfrm>
+            <a:off x="587729" y="2862739"/>
+            <a:ext cx="920445" cy="369332"/>
+          </a:xfrm>
+          <a:prstGeom prst="rect">
+            <a:avLst/>
+          </a:prstGeom>
+          <a:noFill/>
+        </p:spPr>
+        <p:txBody>
+          <a:bodyPr wrap="none" rtlCol="0">
+            <a:spAutoFit/>
+          </a:bodyPr>
+          <a:lstStyle/>
+          <a:p>
+            <a:pPr algn="ctr"/>
+            <a:r>
+              <a:rPr lang="en-KR" sz="900">
+                <a:solidFill>
+                  <a:srgbClr val="C00000"/>
+                </a:solidFill>
+              </a:rPr>
+              <a:t>Write driver’s </a:t>
+            </a:r>
+          </a:p>
+          <a:p>
+            <a:pPr algn="ctr"/>
+            <a:r>
+              <a:rPr lang="en-KR" sz="900">
+                <a:solidFill>
+                  <a:srgbClr val="C00000"/>
+                </a:solidFill>
+              </a:rPr>
+              <a:t>event logs</a:t>
+            </a:r>
+          </a:p>
+        </p:txBody>
+      </p:sp>
+      <p:sp>
+        <p:nvSpPr>
+          <p:cNvPr id="1030" name="Oval 1029">
+            <a:extLst>
+              <a:ext uri="{FF2B5EF4-FFF2-40B4-BE49-F238E27FC236}">
+                <a16:creationId xmlns:a16="http://schemas.microsoft.com/office/drawing/2014/main" id="{D9432618-5149-A391-EA1D-74F144DF5177}"/>
               </a:ext>
             </a:extLst>
           </p:cNvPr>
@@ -6124,7 +6294,7 @@
         </p:nvSpPr>
         <p:spPr>
           <a:xfrm>
-            <a:off x="2895073" y="2946027"/>
+            <a:off x="2895073" y="3375663"/>
             <a:ext cx="216024" cy="216024"/>
           </a:xfrm>
           <a:prstGeom prst="ellipse">
@@ -6166,17 +6336,17 @@
                   <a:srgbClr val="C00000"/>
                 </a:solidFill>
               </a:rPr>
-              <a:t>1</a:t>
-            </a:r>
-          </a:p>
-        </p:txBody>
-      </p:sp>
-      <p:sp>
-        <p:nvSpPr>
-          <p:cNvPr id="1029" name="TextBox 1028">
-            <a:extLst>
-              <a:ext uri="{FF2B5EF4-FFF2-40B4-BE49-F238E27FC236}">
-                <a16:creationId xmlns:a16="http://schemas.microsoft.com/office/drawing/2014/main" id="{5CDCB13E-7E28-B93D-D881-E8E76FB08B7B}"/>
+              <a:t>2</a:t>
+            </a:r>
+          </a:p>
+        </p:txBody>
+      </p:sp>
+      <p:sp>
+        <p:nvSpPr>
+          <p:cNvPr id="1040" name="TextBox 1039">
+            <a:extLst>
+              <a:ext uri="{FF2B5EF4-FFF2-40B4-BE49-F238E27FC236}">
+                <a16:creationId xmlns:a16="http://schemas.microsoft.com/office/drawing/2014/main" id="{C29BCD48-11B4-D550-9F86-658496870C65}"/>
               </a:ext>
             </a:extLst>
           </p:cNvPr>
@@ -6185,8 +6355,8 @@
         </p:nvSpPr>
         <p:spPr>
           <a:xfrm>
-            <a:off x="587729" y="2862739"/>
-            <a:ext cx="920445" cy="369332"/>
+            <a:off x="2086424" y="3847397"/>
+            <a:ext cx="782587" cy="369332"/>
           </a:xfrm>
           <a:prstGeom prst="rect">
             <a:avLst/>
@@ -6206,7 +6376,7 @@
                   <a:srgbClr val="C00000"/>
                 </a:solidFill>
               </a:rPr>
-              <a:t>Write driver’s </a:t>
+              <a:t>Get driver’s</a:t>
             </a:r>
           </a:p>
           <a:p>
@@ -6224,10 +6394,10 @@
       </p:sp>
       <p:sp>
         <p:nvSpPr>
-          <p:cNvPr id="1030" name="Oval 1029">
-            <a:extLst>
-              <a:ext uri="{FF2B5EF4-FFF2-40B4-BE49-F238E27FC236}">
-                <a16:creationId xmlns:a16="http://schemas.microsoft.com/office/drawing/2014/main" id="{D9432618-5149-A391-EA1D-74F144DF5177}"/>
+          <p:cNvPr id="1044" name="Oval 1043">
+            <a:extLst>
+              <a:ext uri="{FF2B5EF4-FFF2-40B4-BE49-F238E27FC236}">
+                <a16:creationId xmlns:a16="http://schemas.microsoft.com/office/drawing/2014/main" id="{6444CC20-BF11-D17A-3709-C7809DCB9AE9}"/>
               </a:ext>
             </a:extLst>
           </p:cNvPr>
@@ -6236,7 +6406,7 @@
         </p:nvSpPr>
         <p:spPr>
           <a:xfrm>
-            <a:off x="2895073" y="3375663"/>
+            <a:off x="3987719" y="3188017"/>
             <a:ext cx="216024" cy="216024"/>
           </a:xfrm>
           <a:prstGeom prst="ellipse">
@@ -6278,17 +6448,17 @@
                   <a:srgbClr val="C00000"/>
                 </a:solidFill>
               </a:rPr>
-              <a:t>2</a:t>
-            </a:r>
-          </a:p>
-        </p:txBody>
-      </p:sp>
-      <p:sp>
-        <p:nvSpPr>
-          <p:cNvPr id="1040" name="TextBox 1039">
-            <a:extLst>
-              <a:ext uri="{FF2B5EF4-FFF2-40B4-BE49-F238E27FC236}">
-                <a16:creationId xmlns:a16="http://schemas.microsoft.com/office/drawing/2014/main" id="{C29BCD48-11B4-D550-9F86-658496870C65}"/>
+              <a:t>3</a:t>
+            </a:r>
+          </a:p>
+        </p:txBody>
+      </p:sp>
+      <p:sp>
+        <p:nvSpPr>
+          <p:cNvPr id="1048" name="TextBox 1047">
+            <a:extLst>
+              <a:ext uri="{FF2B5EF4-FFF2-40B4-BE49-F238E27FC236}">
+                <a16:creationId xmlns:a16="http://schemas.microsoft.com/office/drawing/2014/main" id="{A284C8B5-8D41-BBDD-7EE4-56D545335FAB}"/>
               </a:ext>
             </a:extLst>
           </p:cNvPr>
@@ -6297,8 +6467,8 @@
         </p:nvSpPr>
         <p:spPr>
           <a:xfrm>
-            <a:off x="2086424" y="3847397"/>
-            <a:ext cx="782587" cy="369332"/>
+            <a:off x="5113022" y="1984977"/>
+            <a:ext cx="859531" cy="369332"/>
           </a:xfrm>
           <a:prstGeom prst="rect">
             <a:avLst/>
@@ -6318,7 +6488,7 @@
                   <a:srgbClr val="C00000"/>
                 </a:solidFill>
               </a:rPr>
-              <a:t>Get driver’s</a:t>
+              <a:t>Send driver’s</a:t>
             </a:r>
           </a:p>
           <a:p>
@@ -6334,12 +6504,213 @@
           </a:p>
         </p:txBody>
       </p:sp>
-      <p:sp>
-        <p:nvSpPr>
-          <p:cNvPr id="1044" name="Oval 1043">
-            <a:extLst>
-              <a:ext uri="{FF2B5EF4-FFF2-40B4-BE49-F238E27FC236}">
-                <a16:creationId xmlns:a16="http://schemas.microsoft.com/office/drawing/2014/main" id="{6444CC20-BF11-D17A-3709-C7809DCB9AE9}"/>
+      <p:cxnSp>
+        <p:nvCxnSpPr>
+          <p:cNvPr id="1068" name="Straight Arrow Connector 1067">
+            <a:extLst>
+              <a:ext uri="{FF2B5EF4-FFF2-40B4-BE49-F238E27FC236}">
+                <a16:creationId xmlns:a16="http://schemas.microsoft.com/office/drawing/2014/main" id="{7AA6B91B-0691-FF65-3C8F-9952199C4C78}"/>
+              </a:ext>
+            </a:extLst>
+          </p:cNvPr>
+          <p:cNvCxnSpPr>
+            <a:cxnSpLocks/>
+          </p:cNvCxnSpPr>
+          <p:nvPr/>
+        </p:nvCxnSpPr>
+        <p:spPr>
+          <a:xfrm>
+            <a:off x="652278" y="4614664"/>
+            <a:ext cx="344305" cy="0"/>
+          </a:xfrm>
+          <a:prstGeom prst="straightConnector1">
+            <a:avLst/>
+          </a:prstGeom>
+          <a:ln>
+            <a:solidFill>
+              <a:schemeClr val="tx2"/>
+            </a:solidFill>
+            <a:tailEnd type="triangle"/>
+          </a:ln>
+        </p:spPr>
+        <p:style>
+          <a:lnRef idx="1">
+            <a:schemeClr val="dk1"/>
+          </a:lnRef>
+          <a:fillRef idx="0">
+            <a:schemeClr val="dk1"/>
+          </a:fillRef>
+          <a:effectRef idx="0">
+            <a:schemeClr val="dk1"/>
+          </a:effectRef>
+          <a:fontRef idx="minor">
+            <a:schemeClr val="tx1"/>
+          </a:fontRef>
+        </p:style>
+      </p:cxnSp>
+      <p:sp>
+        <p:nvSpPr>
+          <p:cNvPr id="1072" name="TextBox 1071">
+            <a:extLst>
+              <a:ext uri="{FF2B5EF4-FFF2-40B4-BE49-F238E27FC236}">
+                <a16:creationId xmlns:a16="http://schemas.microsoft.com/office/drawing/2014/main" id="{CC8E8409-67AB-E9D7-DAAA-A3A1BEF4B9CE}"/>
+              </a:ext>
+            </a:extLst>
+          </p:cNvPr>
+          <p:cNvSpPr txBox="1"/>
+          <p:nvPr/>
+        </p:nvSpPr>
+        <p:spPr>
+          <a:xfrm>
+            <a:off x="996583" y="4494633"/>
+            <a:ext cx="899605" cy="230832"/>
+          </a:xfrm>
+          <a:prstGeom prst="rect">
+            <a:avLst/>
+          </a:prstGeom>
+          <a:noFill/>
+        </p:spPr>
+        <p:txBody>
+          <a:bodyPr wrap="none" rtlCol="0">
+            <a:spAutoFit/>
+          </a:bodyPr>
+          <a:lstStyle/>
+          <a:p>
+            <a:r>
+              <a:rPr lang="en-KR" sz="900"/>
+              <a:t>Spark Job Init</a:t>
+            </a:r>
+          </a:p>
+        </p:txBody>
+      </p:sp>
+      <p:cxnSp>
+        <p:nvCxnSpPr>
+          <p:cNvPr id="1073" name="Straight Arrow Connector 1072">
+            <a:extLst>
+              <a:ext uri="{FF2B5EF4-FFF2-40B4-BE49-F238E27FC236}">
+                <a16:creationId xmlns:a16="http://schemas.microsoft.com/office/drawing/2014/main" id="{7A64B2FA-F6A1-EDD7-E876-A81135F1486C}"/>
+              </a:ext>
+            </a:extLst>
+          </p:cNvPr>
+          <p:cNvCxnSpPr>
+            <a:cxnSpLocks/>
+          </p:cNvCxnSpPr>
+          <p:nvPr/>
+        </p:nvCxnSpPr>
+        <p:spPr>
+          <a:xfrm>
+            <a:off x="1896661" y="4614664"/>
+            <a:ext cx="344305" cy="0"/>
+          </a:xfrm>
+          <a:prstGeom prst="straightConnector1">
+            <a:avLst/>
+          </a:prstGeom>
+          <a:ln>
+            <a:solidFill>
+              <a:srgbClr val="C00000"/>
+            </a:solidFill>
+            <a:tailEnd type="triangle"/>
+          </a:ln>
+        </p:spPr>
+        <p:style>
+          <a:lnRef idx="1">
+            <a:schemeClr val="dk1"/>
+          </a:lnRef>
+          <a:fillRef idx="0">
+            <a:schemeClr val="dk1"/>
+          </a:fillRef>
+          <a:effectRef idx="0">
+            <a:schemeClr val="dk1"/>
+          </a:effectRef>
+          <a:fontRef idx="minor">
+            <a:schemeClr val="tx1"/>
+          </a:fontRef>
+        </p:style>
+      </p:cxnSp>
+      <p:sp>
+        <p:nvSpPr>
+          <p:cNvPr id="1074" name="TextBox 1073">
+            <a:extLst>
+              <a:ext uri="{FF2B5EF4-FFF2-40B4-BE49-F238E27FC236}">
+                <a16:creationId xmlns:a16="http://schemas.microsoft.com/office/drawing/2014/main" id="{09E565D8-DFFC-AC88-380C-FF947C8F493C}"/>
+              </a:ext>
+            </a:extLst>
+          </p:cNvPr>
+          <p:cNvSpPr txBox="1"/>
+          <p:nvPr/>
+        </p:nvSpPr>
+        <p:spPr>
+          <a:xfrm>
+            <a:off x="2246728" y="4494633"/>
+            <a:ext cx="1244250" cy="230832"/>
+          </a:xfrm>
+          <a:prstGeom prst="rect">
+            <a:avLst/>
+          </a:prstGeom>
+          <a:noFill/>
+        </p:spPr>
+        <p:txBody>
+          <a:bodyPr wrap="none" rtlCol="0">
+            <a:spAutoFit/>
+          </a:bodyPr>
+          <a:lstStyle/>
+          <a:p>
+            <a:r>
+              <a:rPr lang="en-KR" sz="900"/>
+              <a:t>Spark History Server</a:t>
+            </a:r>
+          </a:p>
+        </p:txBody>
+      </p:sp>
+      <p:sp>
+        <p:nvSpPr>
+          <p:cNvPr id="7" name="TextBox 6">
+            <a:extLst>
+              <a:ext uri="{FF2B5EF4-FFF2-40B4-BE49-F238E27FC236}">
+                <a16:creationId xmlns:a16="http://schemas.microsoft.com/office/drawing/2014/main" id="{8DC4E225-64BF-1FFD-1CAC-F81A1E2382B6}"/>
+              </a:ext>
+            </a:extLst>
+          </p:cNvPr>
+          <p:cNvSpPr txBox="1"/>
+          <p:nvPr/>
+        </p:nvSpPr>
+        <p:spPr>
+          <a:xfrm>
+            <a:off x="2483059" y="2086317"/>
+            <a:ext cx="810021" cy="369332"/>
+          </a:xfrm>
+          <a:prstGeom prst="rect">
+            <a:avLst/>
+          </a:prstGeom>
+          <a:noFill/>
+        </p:spPr>
+        <p:txBody>
+          <a:bodyPr wrap="square" rtlCol="0">
+            <a:spAutoFit/>
+          </a:bodyPr>
+          <a:lstStyle/>
+          <a:p>
+            <a:pPr algn="ctr"/>
+            <a:r>
+              <a:rPr lang="en-KR" sz="900"/>
+              <a:t>Get Driver’s </a:t>
+            </a:r>
+          </a:p>
+          <a:p>
+            <a:pPr algn="ctr"/>
+            <a:r>
+              <a:rPr lang="en-KR" sz="900"/>
+              <a:t>Config</a:t>
+            </a:r>
+          </a:p>
+        </p:txBody>
+      </p:sp>
+      <p:sp>
+        <p:nvSpPr>
+          <p:cNvPr id="21" name="모서리가 둥근 직사각형 2">
+            <a:extLst>
+              <a:ext uri="{FF2B5EF4-FFF2-40B4-BE49-F238E27FC236}">
+                <a16:creationId xmlns:a16="http://schemas.microsoft.com/office/drawing/2014/main" id="{CF24FD5D-733E-3CB8-C56C-9E56320D3936}"/>
               </a:ext>
             </a:extLst>
           </p:cNvPr>
@@ -6348,7 +6719,193 @@
         </p:nvSpPr>
         <p:spPr>
           <a:xfrm>
-            <a:off x="3987719" y="3188017"/>
+            <a:off x="693427" y="2482313"/>
+            <a:ext cx="1401376" cy="386745"/>
+          </a:xfrm>
+          <a:prstGeom prst="roundRect">
+            <a:avLst>
+              <a:gd name="adj" fmla="val 13068"/>
+            </a:avLst>
+          </a:prstGeom>
+          <a:ln w="12700"/>
+        </p:spPr>
+        <p:style>
+          <a:lnRef idx="2">
+            <a:schemeClr val="dk1"/>
+          </a:lnRef>
+          <a:fillRef idx="1">
+            <a:schemeClr val="lt1"/>
+          </a:fillRef>
+          <a:effectRef idx="0">
+            <a:schemeClr val="dk1"/>
+          </a:effectRef>
+          <a:fontRef idx="minor">
+            <a:schemeClr val="dk1"/>
+          </a:fontRef>
+        </p:style>
+        <p:txBody>
+          <a:bodyPr rtlCol="0" anchor="ctr"/>
+          <a:lstStyle/>
+          <a:p>
+            <a:pPr algn="ctr"/>
+            <a:r>
+              <a:rPr lang="en-US" altLang="ko-KR" sz="1000"/>
+              <a:t>Prometheus</a:t>
+            </a:r>
+            <a:endParaRPr lang="ko-KR" altLang="en-US" sz="1000"/>
+          </a:p>
+        </p:txBody>
+      </p:sp>
+      <p:sp>
+        <p:nvSpPr>
+          <p:cNvPr id="49" name="TextBox 48">
+            <a:extLst>
+              <a:ext uri="{FF2B5EF4-FFF2-40B4-BE49-F238E27FC236}">
+                <a16:creationId xmlns:a16="http://schemas.microsoft.com/office/drawing/2014/main" id="{FFFD63B2-5F3F-5A78-1BFB-226BEFD6A9D5}"/>
+              </a:ext>
+            </a:extLst>
+          </p:cNvPr>
+          <p:cNvSpPr txBox="1"/>
+          <p:nvPr/>
+        </p:nvSpPr>
+        <p:spPr>
+          <a:xfrm>
+            <a:off x="1730505" y="2300793"/>
+            <a:ext cx="728084" cy="369332"/>
+          </a:xfrm>
+          <a:prstGeom prst="rect">
+            <a:avLst/>
+          </a:prstGeom>
+          <a:noFill/>
+        </p:spPr>
+        <p:txBody>
+          <a:bodyPr wrap="none" rtlCol="0">
+            <a:spAutoFit/>
+          </a:bodyPr>
+          <a:lstStyle/>
+          <a:p>
+            <a:pPr algn="ctr"/>
+            <a:r>
+              <a:rPr lang="en-KR" sz="900">
+                <a:solidFill>
+                  <a:schemeClr val="tx2"/>
+                </a:solidFill>
+              </a:rPr>
+              <a:t>Create</a:t>
+            </a:r>
+          </a:p>
+          <a:p>
+            <a:pPr algn="ctr"/>
+            <a:r>
+              <a:rPr lang="en-KR" sz="900">
+                <a:solidFill>
+                  <a:schemeClr val="tx2"/>
+                </a:solidFill>
+              </a:rPr>
+              <a:t>driver pod</a:t>
+            </a:r>
+          </a:p>
+        </p:txBody>
+      </p:sp>
+      <p:cxnSp>
+        <p:nvCxnSpPr>
+          <p:cNvPr id="25" name="Elbow Connector 24">
+            <a:extLst>
+              <a:ext uri="{FF2B5EF4-FFF2-40B4-BE49-F238E27FC236}">
+                <a16:creationId xmlns:a16="http://schemas.microsoft.com/office/drawing/2014/main" id="{B867CDDD-5785-AAD4-4A74-FEAD986F8EA2}"/>
+              </a:ext>
+            </a:extLst>
+          </p:cNvPr>
+          <p:cNvCxnSpPr>
+            <a:cxnSpLocks/>
+            <a:stCxn id="21" idx="3"/>
+            <a:endCxn id="11" idx="1"/>
+          </p:cNvCxnSpPr>
+          <p:nvPr/>
+        </p:nvCxnSpPr>
+        <p:spPr>
+          <a:xfrm>
+            <a:off x="2094803" y="2675686"/>
+            <a:ext cx="909632" cy="305455"/>
+          </a:xfrm>
+          <a:prstGeom prst="bentConnector3">
+            <a:avLst>
+              <a:gd name="adj1" fmla="val 42820"/>
+            </a:avLst>
+          </a:prstGeom>
+          <a:ln>
+            <a:solidFill>
+              <a:schemeClr val="tx1"/>
+            </a:solidFill>
+            <a:tailEnd type="triangle"/>
+          </a:ln>
+        </p:spPr>
+        <p:style>
+          <a:lnRef idx="1">
+            <a:schemeClr val="accent1"/>
+          </a:lnRef>
+          <a:fillRef idx="0">
+            <a:schemeClr val="accent1"/>
+          </a:fillRef>
+          <a:effectRef idx="0">
+            <a:schemeClr val="accent1"/>
+          </a:effectRef>
+          <a:fontRef idx="minor">
+            <a:schemeClr val="tx1"/>
+          </a:fontRef>
+        </p:style>
+      </p:cxnSp>
+      <p:sp>
+        <p:nvSpPr>
+          <p:cNvPr id="33" name="TextBox 32">
+            <a:extLst>
+              <a:ext uri="{FF2B5EF4-FFF2-40B4-BE49-F238E27FC236}">
+                <a16:creationId xmlns:a16="http://schemas.microsoft.com/office/drawing/2014/main" id="{36645CF3-BD10-86F3-79AC-097973818375}"/>
+              </a:ext>
+            </a:extLst>
+          </p:cNvPr>
+          <p:cNvSpPr txBox="1"/>
+          <p:nvPr/>
+        </p:nvSpPr>
+        <p:spPr>
+          <a:xfrm>
+            <a:off x="1742725" y="2820419"/>
+            <a:ext cx="733997" cy="230832"/>
+          </a:xfrm>
+          <a:prstGeom prst="rect">
+            <a:avLst/>
+          </a:prstGeom>
+          <a:noFill/>
+        </p:spPr>
+        <p:txBody>
+          <a:bodyPr wrap="square" rtlCol="0">
+            <a:spAutoFit/>
+          </a:bodyPr>
+          <a:lstStyle/>
+          <a:p>
+            <a:pPr algn="ctr"/>
+            <a:r>
+              <a:rPr lang="en-KR" sz="900"/>
+              <a:t>Get Metric</a:t>
+            </a:r>
+          </a:p>
+        </p:txBody>
+      </p:sp>
+      <p:sp>
+        <p:nvSpPr>
+          <p:cNvPr id="122" name="Oval 121">
+            <a:extLst>
+              <a:ext uri="{FF2B5EF4-FFF2-40B4-BE49-F238E27FC236}">
+                <a16:creationId xmlns:a16="http://schemas.microsoft.com/office/drawing/2014/main" id="{C9AAA6F1-1E38-9F94-76F7-A033B7448B42}"/>
+              </a:ext>
+            </a:extLst>
+          </p:cNvPr>
+          <p:cNvSpPr/>
+          <p:nvPr/>
+        </p:nvSpPr>
+        <p:spPr>
+          <a:xfrm>
+            <a:off x="2895073" y="3000714"/>
             <a:ext cx="216024" cy="216024"/>
           </a:xfrm>
           <a:prstGeom prst="ellipse">
@@ -6390,216 +6947,7 @@
                   <a:srgbClr val="C00000"/>
                 </a:solidFill>
               </a:rPr>
-              <a:t>3</a:t>
-            </a:r>
-          </a:p>
-        </p:txBody>
-      </p:sp>
-      <p:sp>
-        <p:nvSpPr>
-          <p:cNvPr id="1048" name="TextBox 1047">
-            <a:extLst>
-              <a:ext uri="{FF2B5EF4-FFF2-40B4-BE49-F238E27FC236}">
-                <a16:creationId xmlns:a16="http://schemas.microsoft.com/office/drawing/2014/main" id="{A284C8B5-8D41-BBDD-7EE4-56D545335FAB}"/>
-              </a:ext>
-            </a:extLst>
-          </p:cNvPr>
-          <p:cNvSpPr txBox="1"/>
-          <p:nvPr/>
-        </p:nvSpPr>
-        <p:spPr>
-          <a:xfrm>
-            <a:off x="5113022" y="1984977"/>
-            <a:ext cx="859531" cy="369332"/>
-          </a:xfrm>
-          <a:prstGeom prst="rect">
-            <a:avLst/>
-          </a:prstGeom>
-          <a:noFill/>
-        </p:spPr>
-        <p:txBody>
-          <a:bodyPr wrap="none" rtlCol="0">
-            <a:spAutoFit/>
-          </a:bodyPr>
-          <a:lstStyle/>
-          <a:p>
-            <a:pPr algn="ctr"/>
-            <a:r>
-              <a:rPr lang="en-KR" sz="900">
-                <a:solidFill>
-                  <a:srgbClr val="C00000"/>
-                </a:solidFill>
-              </a:rPr>
-              <a:t>Send driver’s</a:t>
-            </a:r>
-          </a:p>
-          <a:p>
-            <a:pPr algn="ctr"/>
-            <a:r>
-              <a:rPr lang="en-KR" sz="900">
-                <a:solidFill>
-                  <a:srgbClr val="C00000"/>
-                </a:solidFill>
-              </a:rPr>
-              <a:t>event logs</a:t>
-            </a:r>
-          </a:p>
-        </p:txBody>
-      </p:sp>
-      <p:cxnSp>
-        <p:nvCxnSpPr>
-          <p:cNvPr id="1068" name="Straight Arrow Connector 1067">
-            <a:extLst>
-              <a:ext uri="{FF2B5EF4-FFF2-40B4-BE49-F238E27FC236}">
-                <a16:creationId xmlns:a16="http://schemas.microsoft.com/office/drawing/2014/main" id="{7AA6B91B-0691-FF65-3C8F-9952199C4C78}"/>
-              </a:ext>
-            </a:extLst>
-          </p:cNvPr>
-          <p:cNvCxnSpPr>
-            <a:cxnSpLocks/>
-          </p:cNvCxnSpPr>
-          <p:nvPr/>
-        </p:nvCxnSpPr>
-        <p:spPr>
-          <a:xfrm>
-            <a:off x="652278" y="4614664"/>
-            <a:ext cx="344305" cy="0"/>
-          </a:xfrm>
-          <a:prstGeom prst="straightConnector1">
-            <a:avLst/>
-          </a:prstGeom>
-          <a:ln>
-            <a:solidFill>
-              <a:schemeClr val="tx2"/>
-            </a:solidFill>
-            <a:tailEnd type="triangle"/>
-          </a:ln>
-        </p:spPr>
-        <p:style>
-          <a:lnRef idx="1">
-            <a:schemeClr val="dk1"/>
-          </a:lnRef>
-          <a:fillRef idx="0">
-            <a:schemeClr val="dk1"/>
-          </a:fillRef>
-          <a:effectRef idx="0">
-            <a:schemeClr val="dk1"/>
-          </a:effectRef>
-          <a:fontRef idx="minor">
-            <a:schemeClr val="tx1"/>
-          </a:fontRef>
-        </p:style>
-      </p:cxnSp>
-      <p:sp>
-        <p:nvSpPr>
-          <p:cNvPr id="1072" name="TextBox 1071">
-            <a:extLst>
-              <a:ext uri="{FF2B5EF4-FFF2-40B4-BE49-F238E27FC236}">
-                <a16:creationId xmlns:a16="http://schemas.microsoft.com/office/drawing/2014/main" id="{CC8E8409-67AB-E9D7-DAAA-A3A1BEF4B9CE}"/>
-              </a:ext>
-            </a:extLst>
-          </p:cNvPr>
-          <p:cNvSpPr txBox="1"/>
-          <p:nvPr/>
-        </p:nvSpPr>
-        <p:spPr>
-          <a:xfrm>
-            <a:off x="996583" y="4494633"/>
-            <a:ext cx="899605" cy="230832"/>
-          </a:xfrm>
-          <a:prstGeom prst="rect">
-            <a:avLst/>
-          </a:prstGeom>
-          <a:noFill/>
-        </p:spPr>
-        <p:txBody>
-          <a:bodyPr wrap="none" rtlCol="0">
-            <a:spAutoFit/>
-          </a:bodyPr>
-          <a:lstStyle/>
-          <a:p>
-            <a:r>
-              <a:rPr lang="en-KR" sz="900"/>
-              <a:t>Spark Job Init</a:t>
-            </a:r>
-          </a:p>
-        </p:txBody>
-      </p:sp>
-      <p:cxnSp>
-        <p:nvCxnSpPr>
-          <p:cNvPr id="1073" name="Straight Arrow Connector 1072">
-            <a:extLst>
-              <a:ext uri="{FF2B5EF4-FFF2-40B4-BE49-F238E27FC236}">
-                <a16:creationId xmlns:a16="http://schemas.microsoft.com/office/drawing/2014/main" id="{7A64B2FA-F6A1-EDD7-E876-A81135F1486C}"/>
-              </a:ext>
-            </a:extLst>
-          </p:cNvPr>
-          <p:cNvCxnSpPr>
-            <a:cxnSpLocks/>
-          </p:cNvCxnSpPr>
-          <p:nvPr/>
-        </p:nvCxnSpPr>
-        <p:spPr>
-          <a:xfrm>
-            <a:off x="1896661" y="4614664"/>
-            <a:ext cx="344305" cy="0"/>
-          </a:xfrm>
-          <a:prstGeom prst="straightConnector1">
-            <a:avLst/>
-          </a:prstGeom>
-          <a:ln>
-            <a:solidFill>
-              <a:srgbClr val="C00000"/>
-            </a:solidFill>
-            <a:tailEnd type="triangle"/>
-          </a:ln>
-        </p:spPr>
-        <p:style>
-          <a:lnRef idx="1">
-            <a:schemeClr val="dk1"/>
-          </a:lnRef>
-          <a:fillRef idx="0">
-            <a:schemeClr val="dk1"/>
-          </a:fillRef>
-          <a:effectRef idx="0">
-            <a:schemeClr val="dk1"/>
-          </a:effectRef>
-          <a:fontRef idx="minor">
-            <a:schemeClr val="tx1"/>
-          </a:fontRef>
-        </p:style>
-      </p:cxnSp>
-      <p:sp>
-        <p:nvSpPr>
-          <p:cNvPr id="1074" name="TextBox 1073">
-            <a:extLst>
-              <a:ext uri="{FF2B5EF4-FFF2-40B4-BE49-F238E27FC236}">
-                <a16:creationId xmlns:a16="http://schemas.microsoft.com/office/drawing/2014/main" id="{09E565D8-DFFC-AC88-380C-FF947C8F493C}"/>
-              </a:ext>
-            </a:extLst>
-          </p:cNvPr>
-          <p:cNvSpPr txBox="1"/>
-          <p:nvPr/>
-        </p:nvSpPr>
-        <p:spPr>
-          <a:xfrm>
-            <a:off x="2246728" y="4494633"/>
-            <a:ext cx="1244250" cy="230832"/>
-          </a:xfrm>
-          <a:prstGeom prst="rect">
-            <a:avLst/>
-          </a:prstGeom>
-          <a:noFill/>
-        </p:spPr>
-        <p:txBody>
-          <a:bodyPr wrap="none" rtlCol="0">
-            <a:spAutoFit/>
-          </a:bodyPr>
-          <a:lstStyle/>
-          <a:p>
-            <a:r>
-              <a:rPr lang="en-KR" sz="900"/>
-              <a:t>Spark History Server</a:t>
+              <a:t>1</a:t>
             </a:r>
           </a:p>
         </p:txBody>
@@ -6966,7 +7314,7 @@
         </p:nvSpPr>
         <p:spPr>
           <a:xfrm>
-            <a:off x="261380" y="2389754"/>
+            <a:off x="261380" y="2249083"/>
             <a:ext cx="1401376" cy="386745"/>
           </a:xfrm>
           <a:prstGeom prst="roundRect">
@@ -7510,7 +7858,7 @@
         <p:spPr>
           <a:xfrm flipH="1">
             <a:off x="962068" y="2012170"/>
-            <a:ext cx="2236" cy="377584"/>
+            <a:ext cx="2236" cy="236913"/>
           </a:xfrm>
           <a:prstGeom prst="straightConnector1">
             <a:avLst/>
@@ -7697,9 +8045,9 @@
           <p:nvPr/>
         </p:nvCxnSpPr>
         <p:spPr>
-          <a:xfrm>
-            <a:off x="2699793" y="2046860"/>
-            <a:ext cx="0" cy="934589"/>
+          <a:xfrm flipV="1">
+            <a:off x="2699793" y="2048172"/>
+            <a:ext cx="0" cy="933276"/>
           </a:xfrm>
           <a:prstGeom prst="straightConnector1">
             <a:avLst/>
@@ -7949,8 +8297,8 @@
         </p:nvSpPr>
         <p:spPr>
           <a:xfrm>
-            <a:off x="986289" y="3254553"/>
-            <a:ext cx="1476738" cy="170267"/>
+            <a:off x="986289" y="3310726"/>
+            <a:ext cx="1476738" cy="114094"/>
           </a:xfrm>
           <a:custGeom>
             <a:avLst/>
@@ -8403,7 +8751,7 @@
         </p:nvSpPr>
         <p:spPr>
           <a:xfrm>
-            <a:off x="259701" y="2040239"/>
+            <a:off x="259701" y="1993781"/>
             <a:ext cx="800220" cy="230832"/>
           </a:xfrm>
           <a:prstGeom prst="rect">
@@ -8894,7 +9242,7 @@
         </p:nvSpPr>
         <p:spPr>
           <a:xfrm>
-            <a:off x="2463026" y="3139708"/>
+            <a:off x="2463026" y="3189850"/>
             <a:ext cx="216024" cy="216024"/>
           </a:xfrm>
           <a:prstGeom prst="ellipse">
@@ -9831,7 +10179,7 @@
         </p:nvSpPr>
         <p:spPr>
           <a:xfrm>
-            <a:off x="1364448" y="2273117"/>
+            <a:off x="1364448" y="2140139"/>
             <a:ext cx="216024" cy="216024"/>
           </a:xfrm>
           <a:prstGeom prst="ellipse">
@@ -9896,12 +10244,12 @@
         </p:nvCxnSpPr>
         <p:spPr>
           <a:xfrm rot="5400000" flipH="1" flipV="1">
-            <a:off x="1621139" y="699562"/>
-            <a:ext cx="1424877" cy="1722235"/>
+            <a:off x="1687628" y="633073"/>
+            <a:ext cx="1291899" cy="1722235"/>
           </a:xfrm>
           <a:prstGeom prst="bentConnector3">
             <a:avLst>
-              <a:gd name="adj1" fmla="val 116043"/>
+              <a:gd name="adj1" fmla="val 117695"/>
             </a:avLst>
           </a:prstGeom>
           <a:ln>
@@ -10744,6 +11092,183 @@
             <a:r>
               <a:rPr lang="en-US" sz="900"/>
               <a:t>Spark Web UI</a:t>
+            </a:r>
+          </a:p>
+        </p:txBody>
+      </p:sp>
+      <p:sp>
+        <p:nvSpPr>
+          <p:cNvPr id="10" name="TextBox 9">
+            <a:extLst>
+              <a:ext uri="{FF2B5EF4-FFF2-40B4-BE49-F238E27FC236}">
+                <a16:creationId xmlns:a16="http://schemas.microsoft.com/office/drawing/2014/main" id="{1C60B1F1-97E8-8152-DBDA-13923D97BA9D}"/>
+              </a:ext>
+            </a:extLst>
+          </p:cNvPr>
+          <p:cNvSpPr txBox="1"/>
+          <p:nvPr/>
+        </p:nvSpPr>
+        <p:spPr>
+          <a:xfrm>
+            <a:off x="1927395" y="2302064"/>
+            <a:ext cx="810021" cy="369332"/>
+          </a:xfrm>
+          <a:prstGeom prst="rect">
+            <a:avLst/>
+          </a:prstGeom>
+          <a:noFill/>
+        </p:spPr>
+        <p:txBody>
+          <a:bodyPr wrap="square" rtlCol="0">
+            <a:spAutoFit/>
+          </a:bodyPr>
+          <a:lstStyle/>
+          <a:p>
+            <a:pPr algn="ctr"/>
+            <a:r>
+              <a:rPr lang="en-KR" sz="900"/>
+              <a:t>Get Driver’s </a:t>
+            </a:r>
+          </a:p>
+          <a:p>
+            <a:pPr algn="ctr"/>
+            <a:r>
+              <a:rPr lang="en-KR" sz="900"/>
+              <a:t>Config</a:t>
+            </a:r>
+          </a:p>
+        </p:txBody>
+      </p:sp>
+      <p:sp>
+        <p:nvSpPr>
+          <p:cNvPr id="32" name="모서리가 둥근 직사각형 2">
+            <a:extLst>
+              <a:ext uri="{FF2B5EF4-FFF2-40B4-BE49-F238E27FC236}">
+                <a16:creationId xmlns:a16="http://schemas.microsoft.com/office/drawing/2014/main" id="{A26EF336-4648-E57D-8284-143D1DCABD18}"/>
+              </a:ext>
+            </a:extLst>
+          </p:cNvPr>
+          <p:cNvSpPr/>
+          <p:nvPr/>
+        </p:nvSpPr>
+        <p:spPr>
+          <a:xfrm>
+            <a:off x="263516" y="2707076"/>
+            <a:ext cx="1401376" cy="386745"/>
+          </a:xfrm>
+          <a:prstGeom prst="roundRect">
+            <a:avLst>
+              <a:gd name="adj" fmla="val 13068"/>
+            </a:avLst>
+          </a:prstGeom>
+          <a:ln w="12700"/>
+        </p:spPr>
+        <p:style>
+          <a:lnRef idx="2">
+            <a:schemeClr val="dk1"/>
+          </a:lnRef>
+          <a:fillRef idx="1">
+            <a:schemeClr val="lt1"/>
+          </a:fillRef>
+          <a:effectRef idx="0">
+            <a:schemeClr val="dk1"/>
+          </a:effectRef>
+          <a:fontRef idx="minor">
+            <a:schemeClr val="dk1"/>
+          </a:fontRef>
+        </p:style>
+        <p:txBody>
+          <a:bodyPr rtlCol="0" anchor="ctr"/>
+          <a:lstStyle/>
+          <a:p>
+            <a:pPr algn="ctr"/>
+            <a:r>
+              <a:rPr lang="en-US" altLang="ko-KR" sz="1000"/>
+              <a:t>Prometheus</a:t>
+            </a:r>
+            <a:endParaRPr lang="ko-KR" altLang="en-US" sz="1000"/>
+          </a:p>
+        </p:txBody>
+      </p:sp>
+      <p:cxnSp>
+        <p:nvCxnSpPr>
+          <p:cNvPr id="49" name="Elbow Connector 48">
+            <a:extLst>
+              <a:ext uri="{FF2B5EF4-FFF2-40B4-BE49-F238E27FC236}">
+                <a16:creationId xmlns:a16="http://schemas.microsoft.com/office/drawing/2014/main" id="{CAFC981E-2E74-7F1B-00B9-504782C1F8CF}"/>
+              </a:ext>
+            </a:extLst>
+          </p:cNvPr>
+          <p:cNvCxnSpPr>
+            <a:cxnSpLocks/>
+            <a:stCxn id="32" idx="3"/>
+          </p:cNvCxnSpPr>
+          <p:nvPr/>
+        </p:nvCxnSpPr>
+        <p:spPr>
+          <a:xfrm>
+            <a:off x="1664892" y="2900449"/>
+            <a:ext cx="907495" cy="202519"/>
+          </a:xfrm>
+          <a:prstGeom prst="bentConnector3">
+            <a:avLst>
+              <a:gd name="adj1" fmla="val 50000"/>
+            </a:avLst>
+          </a:prstGeom>
+          <a:ln>
+            <a:solidFill>
+              <a:schemeClr val="tx1"/>
+            </a:solidFill>
+            <a:tailEnd type="triangle"/>
+          </a:ln>
+        </p:spPr>
+        <p:style>
+          <a:lnRef idx="1">
+            <a:schemeClr val="accent1"/>
+          </a:lnRef>
+          <a:fillRef idx="0">
+            <a:schemeClr val="accent1"/>
+          </a:fillRef>
+          <a:effectRef idx="0">
+            <a:schemeClr val="accent1"/>
+          </a:effectRef>
+          <a:fontRef idx="minor">
+            <a:schemeClr val="tx1"/>
+          </a:fontRef>
+        </p:style>
+      </p:cxnSp>
+      <p:sp>
+        <p:nvSpPr>
+          <p:cNvPr id="53" name="TextBox 52">
+            <a:extLst>
+              <a:ext uri="{FF2B5EF4-FFF2-40B4-BE49-F238E27FC236}">
+                <a16:creationId xmlns:a16="http://schemas.microsoft.com/office/drawing/2014/main" id="{71E51C5D-4D8F-FBF6-E020-C955980D3D85}"/>
+              </a:ext>
+            </a:extLst>
+          </p:cNvPr>
+          <p:cNvSpPr txBox="1"/>
+          <p:nvPr/>
+        </p:nvSpPr>
+        <p:spPr>
+          <a:xfrm>
+            <a:off x="1653676" y="2674233"/>
+            <a:ext cx="733997" cy="230832"/>
+          </a:xfrm>
+          <a:prstGeom prst="rect">
+            <a:avLst/>
+          </a:prstGeom>
+          <a:noFill/>
+        </p:spPr>
+        <p:txBody>
+          <a:bodyPr wrap="square" rtlCol="0">
+            <a:spAutoFit/>
+          </a:bodyPr>
+          <a:lstStyle/>
+          <a:p>
+            <a:pPr algn="ctr"/>
+            <a:r>
+              <a:rPr lang="en-KR" sz="900"/>
+              <a:t>Get Metric</a:t>
             </a:r>
           </a:p>
         </p:txBody>
@@ -10782,6 +11307,7227 @@
     <p:extLst>
       <p:ext uri="{BB962C8B-B14F-4D97-AF65-F5344CB8AC3E}">
         <p14:creationId xmlns:p14="http://schemas.microsoft.com/office/powerpoint/2010/main" val="1572916525"/>
+      </p:ext>
+    </p:extLst>
+  </p:cSld>
+  <p:clrMapOvr>
+    <a:masterClrMapping/>
+  </p:clrMapOvr>
+</p:sld>
+</file>
+
+<file path=ppt/slides/slide4.xml><?xml version="1.0" encoding="utf-8"?>
+<p:sld xmlns:a="http://schemas.openxmlformats.org/drawingml/2006/main" xmlns:r="http://schemas.openxmlformats.org/officeDocument/2006/relationships" xmlns:p="http://schemas.openxmlformats.org/presentationml/2006/main">
+  <p:cSld>
+    <p:spTree>
+      <p:nvGrpSpPr>
+        <p:cNvPr id="1" name=""/>
+        <p:cNvGrpSpPr/>
+        <p:nvPr/>
+      </p:nvGrpSpPr>
+      <p:grpSpPr>
+        <a:xfrm>
+          <a:off x="0" y="0"/>
+          <a:ext cx="0" cy="0"/>
+          <a:chOff x="0" y="0"/>
+          <a:chExt cx="0" cy="0"/>
+        </a:xfrm>
+      </p:grpSpPr>
+      <p:sp>
+        <p:nvSpPr>
+          <p:cNvPr id="2" name="제목 1">
+            <a:extLst>
+              <a:ext uri="{FF2B5EF4-FFF2-40B4-BE49-F238E27FC236}">
+                <a16:creationId xmlns:a16="http://schemas.microsoft.com/office/drawing/2014/main" id="{42D92FD6-97D5-22EF-2A04-0BC282BD0B3C}"/>
+              </a:ext>
+            </a:extLst>
+          </p:cNvPr>
+          <p:cNvSpPr txBox="1">
+            <a:spLocks/>
+          </p:cNvSpPr>
+          <p:nvPr/>
+        </p:nvSpPr>
+        <p:spPr>
+          <a:xfrm>
+            <a:off x="565354" y="-92546"/>
+            <a:ext cx="8229600" cy="857250"/>
+          </a:xfrm>
+          <a:prstGeom prst="rect">
+            <a:avLst/>
+          </a:prstGeom>
+        </p:spPr>
+        <p:txBody>
+          <a:bodyPr>
+            <a:normAutofit/>
+          </a:bodyPr>
+          <a:lstStyle>
+            <a:lvl1pPr algn="ctr" defTabSz="914400" rtl="0" eaLnBrk="1" latinLnBrk="1" hangingPunct="1">
+              <a:spcBef>
+                <a:spcPct val="0"/>
+              </a:spcBef>
+              <a:buNone/>
+              <a:defRPr sz="4400" kern="1200">
+                <a:solidFill>
+                  <a:schemeClr val="tx1"/>
+                </a:solidFill>
+                <a:latin typeface="+mj-lt"/>
+                <a:ea typeface="+mj-ea"/>
+                <a:cs typeface="+mj-cs"/>
+              </a:defRPr>
+            </a:lvl1pPr>
+          </a:lstStyle>
+          <a:p>
+            <a:r>
+              <a:rPr lang="en-US" altLang="ko-KR" sz="3600"/>
+              <a:t>spark-submit CLI Architecture </a:t>
+            </a:r>
+            <a:endParaRPr lang="ko-KR" altLang="en-US" sz="3600"/>
+          </a:p>
+        </p:txBody>
+      </p:sp>
+      <p:sp>
+        <p:nvSpPr>
+          <p:cNvPr id="3" name="Rounded Rectangle 2">
+            <a:extLst>
+              <a:ext uri="{FF2B5EF4-FFF2-40B4-BE49-F238E27FC236}">
+                <a16:creationId xmlns:a16="http://schemas.microsoft.com/office/drawing/2014/main" id="{25E9F0C1-2970-13C4-9734-BA70C6732AC3}"/>
+              </a:ext>
+            </a:extLst>
+          </p:cNvPr>
+          <p:cNvSpPr/>
+          <p:nvPr/>
+        </p:nvSpPr>
+        <p:spPr>
+          <a:xfrm>
+            <a:off x="2843807" y="1275607"/>
+            <a:ext cx="4879389" cy="3168346"/>
+          </a:xfrm>
+          <a:prstGeom prst="roundRect">
+            <a:avLst>
+              <a:gd name="adj" fmla="val 4006"/>
+            </a:avLst>
+          </a:prstGeom>
+          <a:noFill/>
+          <a:ln w="12700">
+            <a:solidFill>
+              <a:schemeClr val="tx1"/>
+            </a:solidFill>
+            <a:prstDash val="dash"/>
+          </a:ln>
+        </p:spPr>
+        <p:style>
+          <a:lnRef idx="2">
+            <a:schemeClr val="accent1">
+              <a:shade val="50000"/>
+            </a:schemeClr>
+          </a:lnRef>
+          <a:fillRef idx="1">
+            <a:schemeClr val="accent1"/>
+          </a:fillRef>
+          <a:effectRef idx="0">
+            <a:schemeClr val="accent1"/>
+          </a:effectRef>
+          <a:fontRef idx="minor">
+            <a:schemeClr val="lt1"/>
+          </a:fontRef>
+        </p:style>
+        <p:txBody>
+          <a:bodyPr rtlCol="0" anchor="b"/>
+          <a:lstStyle/>
+          <a:p>
+            <a:pPr algn="ctr"/>
+            <a:r>
+              <a:rPr lang="en-KR" sz="1100" b="1">
+                <a:solidFill>
+                  <a:sysClr val="windowText" lastClr="000000"/>
+                </a:solidFill>
+              </a:rPr>
+              <a:t>Kubernetes Cluster</a:t>
+            </a:r>
+          </a:p>
+        </p:txBody>
+      </p:sp>
+      <p:sp>
+        <p:nvSpPr>
+          <p:cNvPr id="5" name="모서리가 둥근 직사각형 2">
+            <a:extLst>
+              <a:ext uri="{FF2B5EF4-FFF2-40B4-BE49-F238E27FC236}">
+                <a16:creationId xmlns:a16="http://schemas.microsoft.com/office/drawing/2014/main" id="{4549A605-BC64-4D2E-C955-87168B1269B0}"/>
+              </a:ext>
+            </a:extLst>
+          </p:cNvPr>
+          <p:cNvSpPr/>
+          <p:nvPr/>
+        </p:nvSpPr>
+        <p:spPr>
+          <a:xfrm>
+            <a:off x="2915815" y="2643752"/>
+            <a:ext cx="1368152" cy="1440154"/>
+          </a:xfrm>
+          <a:prstGeom prst="roundRect">
+            <a:avLst>
+              <a:gd name="adj" fmla="val 7293"/>
+            </a:avLst>
+          </a:prstGeom>
+          <a:ln w="12700"/>
+        </p:spPr>
+        <p:style>
+          <a:lnRef idx="2">
+            <a:schemeClr val="dk1"/>
+          </a:lnRef>
+          <a:fillRef idx="1">
+            <a:schemeClr val="lt1"/>
+          </a:fillRef>
+          <a:effectRef idx="0">
+            <a:schemeClr val="dk1"/>
+          </a:effectRef>
+          <a:fontRef idx="minor">
+            <a:schemeClr val="dk1"/>
+          </a:fontRef>
+        </p:style>
+        <p:txBody>
+          <a:bodyPr rtlCol="0" anchor="b"/>
+          <a:lstStyle/>
+          <a:p>
+            <a:pPr algn="ctr"/>
+            <a:r>
+              <a:rPr lang="en-US" altLang="ko-KR" sz="1100"/>
+              <a:t>Worker Node A</a:t>
+            </a:r>
+            <a:endParaRPr lang="ko-KR" altLang="en-US" sz="1100"/>
+          </a:p>
+        </p:txBody>
+      </p:sp>
+      <p:sp>
+        <p:nvSpPr>
+          <p:cNvPr id="8" name="모서리가 둥근 직사각형 2">
+            <a:extLst>
+              <a:ext uri="{FF2B5EF4-FFF2-40B4-BE49-F238E27FC236}">
+                <a16:creationId xmlns:a16="http://schemas.microsoft.com/office/drawing/2014/main" id="{A49E2A25-1E87-5A6A-3E47-B21903F713DA}"/>
+              </a:ext>
+            </a:extLst>
+          </p:cNvPr>
+          <p:cNvSpPr/>
+          <p:nvPr/>
+        </p:nvSpPr>
+        <p:spPr>
+          <a:xfrm>
+            <a:off x="4607560" y="2643752"/>
+            <a:ext cx="1368152" cy="1440154"/>
+          </a:xfrm>
+          <a:prstGeom prst="roundRect">
+            <a:avLst>
+              <a:gd name="adj" fmla="val 7293"/>
+            </a:avLst>
+          </a:prstGeom>
+          <a:ln w="12700"/>
+        </p:spPr>
+        <p:style>
+          <a:lnRef idx="2">
+            <a:schemeClr val="dk1"/>
+          </a:lnRef>
+          <a:fillRef idx="1">
+            <a:schemeClr val="lt1"/>
+          </a:fillRef>
+          <a:effectRef idx="0">
+            <a:schemeClr val="dk1"/>
+          </a:effectRef>
+          <a:fontRef idx="minor">
+            <a:schemeClr val="dk1"/>
+          </a:fontRef>
+        </p:style>
+        <p:txBody>
+          <a:bodyPr rtlCol="0" anchor="b"/>
+          <a:lstStyle/>
+          <a:p>
+            <a:pPr algn="ctr"/>
+            <a:r>
+              <a:rPr lang="en-US" altLang="ko-KR" sz="1100"/>
+              <a:t>Worker Node B</a:t>
+            </a:r>
+            <a:endParaRPr lang="ko-KR" altLang="en-US" sz="1100"/>
+          </a:p>
+        </p:txBody>
+      </p:sp>
+      <p:sp>
+        <p:nvSpPr>
+          <p:cNvPr id="10" name="모서리가 둥근 직사각형 2">
+            <a:extLst>
+              <a:ext uri="{FF2B5EF4-FFF2-40B4-BE49-F238E27FC236}">
+                <a16:creationId xmlns:a16="http://schemas.microsoft.com/office/drawing/2014/main" id="{5CC4C4CC-4394-24D2-F95E-1B91AC293343}"/>
+              </a:ext>
+            </a:extLst>
+          </p:cNvPr>
+          <p:cNvSpPr/>
+          <p:nvPr/>
+        </p:nvSpPr>
+        <p:spPr>
+          <a:xfrm>
+            <a:off x="6299468" y="2643752"/>
+            <a:ext cx="1368152" cy="1440154"/>
+          </a:xfrm>
+          <a:prstGeom prst="roundRect">
+            <a:avLst>
+              <a:gd name="adj" fmla="val 7293"/>
+            </a:avLst>
+          </a:prstGeom>
+          <a:ln w="12700"/>
+        </p:spPr>
+        <p:style>
+          <a:lnRef idx="2">
+            <a:schemeClr val="dk1"/>
+          </a:lnRef>
+          <a:fillRef idx="1">
+            <a:schemeClr val="lt1"/>
+          </a:fillRef>
+          <a:effectRef idx="0">
+            <a:schemeClr val="dk1"/>
+          </a:effectRef>
+          <a:fontRef idx="minor">
+            <a:schemeClr val="dk1"/>
+          </a:fontRef>
+        </p:style>
+        <p:txBody>
+          <a:bodyPr rtlCol="0" anchor="b"/>
+          <a:lstStyle/>
+          <a:p>
+            <a:pPr algn="ctr"/>
+            <a:r>
+              <a:rPr lang="en-US" altLang="ko-KR" sz="1100"/>
+              <a:t>Worker Node C</a:t>
+            </a:r>
+            <a:endParaRPr lang="ko-KR" altLang="en-US" sz="1100"/>
+          </a:p>
+        </p:txBody>
+      </p:sp>
+      <p:sp>
+        <p:nvSpPr>
+          <p:cNvPr id="11" name="모서리가 둥근 직사각형 2">
+            <a:extLst>
+              <a:ext uri="{FF2B5EF4-FFF2-40B4-BE49-F238E27FC236}">
+                <a16:creationId xmlns:a16="http://schemas.microsoft.com/office/drawing/2014/main" id="{870B7103-77DB-AAB9-FC43-C36E7AEE5176}"/>
+              </a:ext>
+            </a:extLst>
+          </p:cNvPr>
+          <p:cNvSpPr/>
+          <p:nvPr/>
+        </p:nvSpPr>
+        <p:spPr>
+          <a:xfrm>
+            <a:off x="3004435" y="2787768"/>
+            <a:ext cx="1190912" cy="386745"/>
+          </a:xfrm>
+          <a:prstGeom prst="roundRect">
+            <a:avLst>
+              <a:gd name="adj" fmla="val 13068"/>
+            </a:avLst>
+          </a:prstGeom>
+          <a:ln w="12700"/>
+        </p:spPr>
+        <p:style>
+          <a:lnRef idx="2">
+            <a:schemeClr val="dk1"/>
+          </a:lnRef>
+          <a:fillRef idx="1">
+            <a:schemeClr val="lt1"/>
+          </a:fillRef>
+          <a:effectRef idx="0">
+            <a:schemeClr val="dk1"/>
+          </a:effectRef>
+          <a:fontRef idx="minor">
+            <a:schemeClr val="dk1"/>
+          </a:fontRef>
+        </p:style>
+        <p:txBody>
+          <a:bodyPr rtlCol="0" anchor="ctr"/>
+          <a:lstStyle/>
+          <a:p>
+            <a:pPr algn="ctr"/>
+            <a:r>
+              <a:rPr lang="en-US" altLang="ko-KR" sz="1000"/>
+              <a:t>Driver / Pod</a:t>
+            </a:r>
+            <a:endParaRPr lang="ko-KR" altLang="en-US" sz="1000"/>
+          </a:p>
+        </p:txBody>
+      </p:sp>
+      <p:sp>
+        <p:nvSpPr>
+          <p:cNvPr id="12" name="모서리가 둥근 직사각형 2">
+            <a:extLst>
+              <a:ext uri="{FF2B5EF4-FFF2-40B4-BE49-F238E27FC236}">
+                <a16:creationId xmlns:a16="http://schemas.microsoft.com/office/drawing/2014/main" id="{8F4580A2-2795-D606-221C-33D957496623}"/>
+              </a:ext>
+            </a:extLst>
+          </p:cNvPr>
+          <p:cNvSpPr/>
+          <p:nvPr/>
+        </p:nvSpPr>
+        <p:spPr>
+          <a:xfrm>
+            <a:off x="693427" y="2196073"/>
+            <a:ext cx="1401376" cy="386745"/>
+          </a:xfrm>
+          <a:prstGeom prst="roundRect">
+            <a:avLst>
+              <a:gd name="adj" fmla="val 13068"/>
+            </a:avLst>
+          </a:prstGeom>
+          <a:ln w="12700"/>
+        </p:spPr>
+        <p:style>
+          <a:lnRef idx="2">
+            <a:schemeClr val="dk1"/>
+          </a:lnRef>
+          <a:fillRef idx="1">
+            <a:schemeClr val="lt1"/>
+          </a:fillRef>
+          <a:effectRef idx="0">
+            <a:schemeClr val="dk1"/>
+          </a:effectRef>
+          <a:fontRef idx="minor">
+            <a:schemeClr val="dk1"/>
+          </a:fontRef>
+        </p:style>
+        <p:txBody>
+          <a:bodyPr rtlCol="0" anchor="ctr"/>
+          <a:lstStyle/>
+          <a:p>
+            <a:pPr algn="ctr"/>
+            <a:r>
+              <a:rPr lang="en-US" altLang="ko-KR" sz="1000" b="1"/>
+              <a:t>spark-submit CLI</a:t>
+            </a:r>
+            <a:endParaRPr lang="ko-KR" altLang="en-US" sz="1000" b="1"/>
+          </a:p>
+        </p:txBody>
+      </p:sp>
+      <p:sp>
+        <p:nvSpPr>
+          <p:cNvPr id="18" name="모서리가 둥근 직사각형 2">
+            <a:extLst>
+              <a:ext uri="{FF2B5EF4-FFF2-40B4-BE49-F238E27FC236}">
+                <a16:creationId xmlns:a16="http://schemas.microsoft.com/office/drawing/2014/main" id="{0BE74BAC-CCCF-0A1E-E11F-47A743EE3D76}"/>
+              </a:ext>
+            </a:extLst>
+          </p:cNvPr>
+          <p:cNvSpPr/>
+          <p:nvPr/>
+        </p:nvSpPr>
+        <p:spPr>
+          <a:xfrm>
+            <a:off x="3004435" y="3291824"/>
+            <a:ext cx="1190912" cy="386745"/>
+          </a:xfrm>
+          <a:prstGeom prst="roundRect">
+            <a:avLst>
+              <a:gd name="adj" fmla="val 13068"/>
+            </a:avLst>
+          </a:prstGeom>
+          <a:ln w="12700"/>
+        </p:spPr>
+        <p:style>
+          <a:lnRef idx="2">
+            <a:schemeClr val="dk1"/>
+          </a:lnRef>
+          <a:fillRef idx="1">
+            <a:schemeClr val="lt1"/>
+          </a:fillRef>
+          <a:effectRef idx="0">
+            <a:schemeClr val="dk1"/>
+          </a:effectRef>
+          <a:fontRef idx="minor">
+            <a:schemeClr val="dk1"/>
+          </a:fontRef>
+        </p:style>
+        <p:txBody>
+          <a:bodyPr rtlCol="0" anchor="ctr"/>
+          <a:lstStyle/>
+          <a:p>
+            <a:pPr algn="ctr"/>
+            <a:r>
+              <a:rPr lang="en-US" altLang="ko-KR" sz="1000"/>
+              <a:t>Spark History Server / Pod</a:t>
+            </a:r>
+            <a:endParaRPr lang="ko-KR" altLang="en-US" sz="1000"/>
+          </a:p>
+        </p:txBody>
+      </p:sp>
+      <p:sp>
+        <p:nvSpPr>
+          <p:cNvPr id="20" name="모서리가 둥근 직사각형 2">
+            <a:extLst>
+              <a:ext uri="{FF2B5EF4-FFF2-40B4-BE49-F238E27FC236}">
+                <a16:creationId xmlns:a16="http://schemas.microsoft.com/office/drawing/2014/main" id="{C08BAA54-B1F1-29B9-35FD-3A8E56FFED64}"/>
+              </a:ext>
+            </a:extLst>
+          </p:cNvPr>
+          <p:cNvSpPr/>
+          <p:nvPr/>
+        </p:nvSpPr>
+        <p:spPr>
+          <a:xfrm>
+            <a:off x="4696180" y="3291824"/>
+            <a:ext cx="1190912" cy="386745"/>
+          </a:xfrm>
+          <a:prstGeom prst="roundRect">
+            <a:avLst>
+              <a:gd name="adj" fmla="val 13068"/>
+            </a:avLst>
+          </a:prstGeom>
+          <a:ln w="12700"/>
+        </p:spPr>
+        <p:style>
+          <a:lnRef idx="2">
+            <a:schemeClr val="dk1"/>
+          </a:lnRef>
+          <a:fillRef idx="1">
+            <a:schemeClr val="lt1"/>
+          </a:fillRef>
+          <a:effectRef idx="0">
+            <a:schemeClr val="dk1"/>
+          </a:effectRef>
+          <a:fontRef idx="minor">
+            <a:schemeClr val="dk1"/>
+          </a:fontRef>
+        </p:style>
+        <p:txBody>
+          <a:bodyPr rtlCol="0" anchor="ctr"/>
+          <a:lstStyle/>
+          <a:p>
+            <a:pPr algn="ctr"/>
+            <a:r>
+              <a:rPr lang="en-US" altLang="ko-KR" sz="1000"/>
+              <a:t>Executor / Pod</a:t>
+            </a:r>
+            <a:endParaRPr lang="ko-KR" altLang="en-US" sz="1000"/>
+          </a:p>
+        </p:txBody>
+      </p:sp>
+      <p:sp>
+        <p:nvSpPr>
+          <p:cNvPr id="30" name="모서리가 둥근 직사각형 2">
+            <a:extLst>
+              <a:ext uri="{FF2B5EF4-FFF2-40B4-BE49-F238E27FC236}">
+                <a16:creationId xmlns:a16="http://schemas.microsoft.com/office/drawing/2014/main" id="{237169D2-E52F-A9F0-128A-66AA7DD7C3F0}"/>
+              </a:ext>
+            </a:extLst>
+          </p:cNvPr>
+          <p:cNvSpPr/>
+          <p:nvPr/>
+        </p:nvSpPr>
+        <p:spPr>
+          <a:xfrm>
+            <a:off x="4696180" y="2787767"/>
+            <a:ext cx="1190912" cy="386745"/>
+          </a:xfrm>
+          <a:prstGeom prst="roundRect">
+            <a:avLst>
+              <a:gd name="adj" fmla="val 13068"/>
+            </a:avLst>
+          </a:prstGeom>
+          <a:ln w="12700"/>
+        </p:spPr>
+        <p:style>
+          <a:lnRef idx="2">
+            <a:schemeClr val="dk1"/>
+          </a:lnRef>
+          <a:fillRef idx="1">
+            <a:schemeClr val="lt1"/>
+          </a:fillRef>
+          <a:effectRef idx="0">
+            <a:schemeClr val="dk1"/>
+          </a:effectRef>
+          <a:fontRef idx="minor">
+            <a:schemeClr val="dk1"/>
+          </a:fontRef>
+        </p:style>
+        <p:txBody>
+          <a:bodyPr rtlCol="0" anchor="ctr"/>
+          <a:lstStyle/>
+          <a:p>
+            <a:pPr algn="ctr"/>
+            <a:r>
+              <a:rPr lang="en-US" altLang="ko-KR" sz="1000"/>
+              <a:t>Executor / Pod</a:t>
+            </a:r>
+            <a:endParaRPr lang="ko-KR" altLang="en-US" sz="1000"/>
+          </a:p>
+        </p:txBody>
+      </p:sp>
+      <p:sp>
+        <p:nvSpPr>
+          <p:cNvPr id="32" name="모서리가 둥근 직사각형 2">
+            <a:extLst>
+              <a:ext uri="{FF2B5EF4-FFF2-40B4-BE49-F238E27FC236}">
+                <a16:creationId xmlns:a16="http://schemas.microsoft.com/office/drawing/2014/main" id="{1354C772-CAEC-95EB-FFE3-19FA05F037E3}"/>
+              </a:ext>
+            </a:extLst>
+          </p:cNvPr>
+          <p:cNvSpPr/>
+          <p:nvPr/>
+        </p:nvSpPr>
+        <p:spPr>
+          <a:xfrm>
+            <a:off x="6388088" y="2787767"/>
+            <a:ext cx="1190912" cy="386745"/>
+          </a:xfrm>
+          <a:prstGeom prst="roundRect">
+            <a:avLst>
+              <a:gd name="adj" fmla="val 13068"/>
+            </a:avLst>
+          </a:prstGeom>
+          <a:ln w="12700"/>
+        </p:spPr>
+        <p:style>
+          <a:lnRef idx="2">
+            <a:schemeClr val="dk1"/>
+          </a:lnRef>
+          <a:fillRef idx="1">
+            <a:schemeClr val="lt1"/>
+          </a:fillRef>
+          <a:effectRef idx="0">
+            <a:schemeClr val="dk1"/>
+          </a:effectRef>
+          <a:fontRef idx="minor">
+            <a:schemeClr val="dk1"/>
+          </a:fontRef>
+        </p:style>
+        <p:txBody>
+          <a:bodyPr rtlCol="0" anchor="ctr"/>
+          <a:lstStyle/>
+          <a:p>
+            <a:pPr algn="ctr"/>
+            <a:r>
+              <a:rPr lang="en-US" altLang="ko-KR" sz="1000"/>
+              <a:t>Executor / Pod</a:t>
+            </a:r>
+            <a:endParaRPr lang="ko-KR" altLang="en-US" sz="1000"/>
+          </a:p>
+        </p:txBody>
+      </p:sp>
+      <p:sp>
+        <p:nvSpPr>
+          <p:cNvPr id="50" name="모서리가 둥근 직사각형 2">
+            <a:extLst>
+              <a:ext uri="{FF2B5EF4-FFF2-40B4-BE49-F238E27FC236}">
+                <a16:creationId xmlns:a16="http://schemas.microsoft.com/office/drawing/2014/main" id="{9DC68ADA-F451-0CCE-5586-EB5438D4E7C1}"/>
+              </a:ext>
+            </a:extLst>
+          </p:cNvPr>
+          <p:cNvSpPr/>
+          <p:nvPr/>
+        </p:nvSpPr>
+        <p:spPr>
+          <a:xfrm>
+            <a:off x="2915815" y="1346428"/>
+            <a:ext cx="1096289" cy="508063"/>
+          </a:xfrm>
+          <a:prstGeom prst="roundRect">
+            <a:avLst>
+              <a:gd name="adj" fmla="val 13068"/>
+            </a:avLst>
+          </a:prstGeom>
+          <a:ln w="12700"/>
+        </p:spPr>
+        <p:style>
+          <a:lnRef idx="2">
+            <a:schemeClr val="dk1"/>
+          </a:lnRef>
+          <a:fillRef idx="1">
+            <a:schemeClr val="lt1"/>
+          </a:fillRef>
+          <a:effectRef idx="0">
+            <a:schemeClr val="dk1"/>
+          </a:effectRef>
+          <a:fontRef idx="minor">
+            <a:schemeClr val="dk1"/>
+          </a:fontRef>
+        </p:style>
+        <p:txBody>
+          <a:bodyPr rtlCol="0" anchor="ctr"/>
+          <a:lstStyle/>
+          <a:p>
+            <a:pPr algn="ctr"/>
+            <a:r>
+              <a:rPr lang="en-US" altLang="ko-KR" sz="1000"/>
+              <a:t>Driver Config </a:t>
+            </a:r>
+          </a:p>
+          <a:p>
+            <a:pPr algn="ctr"/>
+            <a:r>
+              <a:rPr lang="en-US" altLang="ko-KR" sz="1000"/>
+              <a:t>/ ConfigMap</a:t>
+            </a:r>
+            <a:endParaRPr lang="ko-KR" altLang="en-US" sz="1000"/>
+          </a:p>
+        </p:txBody>
+      </p:sp>
+      <p:sp>
+        <p:nvSpPr>
+          <p:cNvPr id="52" name="모서리가 둥근 직사각형 2">
+            <a:extLst>
+              <a:ext uri="{FF2B5EF4-FFF2-40B4-BE49-F238E27FC236}">
+                <a16:creationId xmlns:a16="http://schemas.microsoft.com/office/drawing/2014/main" id="{D9FF5154-1FCB-8303-0C33-365F3B7A695D}"/>
+              </a:ext>
+            </a:extLst>
+          </p:cNvPr>
+          <p:cNvSpPr/>
+          <p:nvPr/>
+        </p:nvSpPr>
+        <p:spPr>
+          <a:xfrm>
+            <a:off x="6299468" y="1346428"/>
+            <a:ext cx="1368152" cy="508063"/>
+          </a:xfrm>
+          <a:prstGeom prst="roundRect">
+            <a:avLst>
+              <a:gd name="adj" fmla="val 13068"/>
+            </a:avLst>
+          </a:prstGeom>
+          <a:ln w="12700"/>
+        </p:spPr>
+        <p:style>
+          <a:lnRef idx="2">
+            <a:schemeClr val="dk1"/>
+          </a:lnRef>
+          <a:fillRef idx="1">
+            <a:schemeClr val="lt1"/>
+          </a:fillRef>
+          <a:effectRef idx="0">
+            <a:schemeClr val="dk1"/>
+          </a:effectRef>
+          <a:fontRef idx="minor">
+            <a:schemeClr val="dk1"/>
+          </a:fontRef>
+        </p:style>
+        <p:txBody>
+          <a:bodyPr rtlCol="0" anchor="ctr"/>
+          <a:lstStyle/>
+          <a:p>
+            <a:pPr algn="ctr"/>
+            <a:r>
+              <a:rPr lang="en-US" altLang="ko-KR" sz="1000"/>
+              <a:t>Driver Service</a:t>
+            </a:r>
+          </a:p>
+          <a:p>
+            <a:pPr algn="ctr"/>
+            <a:r>
+              <a:rPr lang="en-US" altLang="ko-KR" sz="1000"/>
+              <a:t>/ Service (Headless)</a:t>
+            </a:r>
+            <a:endParaRPr lang="ko-KR" altLang="en-US" sz="1000"/>
+          </a:p>
+        </p:txBody>
+      </p:sp>
+      <p:sp>
+        <p:nvSpPr>
+          <p:cNvPr id="53" name="모서리가 둥근 직사각형 2">
+            <a:extLst>
+              <a:ext uri="{FF2B5EF4-FFF2-40B4-BE49-F238E27FC236}">
+                <a16:creationId xmlns:a16="http://schemas.microsoft.com/office/drawing/2014/main" id="{65EF8AC6-68B4-E8F0-B6E0-BA72261162BA}"/>
+              </a:ext>
+            </a:extLst>
+          </p:cNvPr>
+          <p:cNvSpPr/>
+          <p:nvPr/>
+        </p:nvSpPr>
+        <p:spPr>
+          <a:xfrm>
+            <a:off x="6388088" y="3291823"/>
+            <a:ext cx="1190912" cy="386745"/>
+          </a:xfrm>
+          <a:prstGeom prst="roundRect">
+            <a:avLst>
+              <a:gd name="adj" fmla="val 13068"/>
+            </a:avLst>
+          </a:prstGeom>
+          <a:ln w="12700"/>
+        </p:spPr>
+        <p:style>
+          <a:lnRef idx="2">
+            <a:schemeClr val="dk1"/>
+          </a:lnRef>
+          <a:fillRef idx="1">
+            <a:schemeClr val="lt1"/>
+          </a:fillRef>
+          <a:effectRef idx="0">
+            <a:schemeClr val="dk1"/>
+          </a:effectRef>
+          <a:fontRef idx="minor">
+            <a:schemeClr val="dk1"/>
+          </a:fontRef>
+        </p:style>
+        <p:txBody>
+          <a:bodyPr rtlCol="0" anchor="ctr"/>
+          <a:lstStyle/>
+          <a:p>
+            <a:pPr algn="ctr"/>
+            <a:r>
+              <a:rPr lang="en-US" altLang="ko-KR" sz="1000"/>
+              <a:t>Executor / Pod</a:t>
+            </a:r>
+            <a:endParaRPr lang="ko-KR" altLang="en-US" sz="1000"/>
+          </a:p>
+        </p:txBody>
+      </p:sp>
+      <p:sp>
+        <p:nvSpPr>
+          <p:cNvPr id="66" name="Rounded Rectangle 65">
+            <a:extLst>
+              <a:ext uri="{FF2B5EF4-FFF2-40B4-BE49-F238E27FC236}">
+                <a16:creationId xmlns:a16="http://schemas.microsoft.com/office/drawing/2014/main" id="{61A09058-9133-1534-6F75-59B14374210C}"/>
+              </a:ext>
+            </a:extLst>
+          </p:cNvPr>
+          <p:cNvSpPr/>
+          <p:nvPr/>
+        </p:nvSpPr>
+        <p:spPr>
+          <a:xfrm>
+            <a:off x="4653126" y="2355726"/>
+            <a:ext cx="2972970" cy="1383108"/>
+          </a:xfrm>
+          <a:prstGeom prst="roundRect">
+            <a:avLst>
+              <a:gd name="adj" fmla="val 3462"/>
+            </a:avLst>
+          </a:prstGeom>
+          <a:noFill/>
+          <a:ln w="12700">
+            <a:solidFill>
+              <a:schemeClr val="tx1"/>
+            </a:solidFill>
+            <a:prstDash val="dash"/>
+          </a:ln>
+        </p:spPr>
+        <p:style>
+          <a:lnRef idx="2">
+            <a:schemeClr val="accent1">
+              <a:shade val="50000"/>
+            </a:schemeClr>
+          </a:lnRef>
+          <a:fillRef idx="1">
+            <a:schemeClr val="accent1"/>
+          </a:fillRef>
+          <a:effectRef idx="0">
+            <a:schemeClr val="accent1"/>
+          </a:effectRef>
+          <a:fontRef idx="minor">
+            <a:schemeClr val="lt1"/>
+          </a:fontRef>
+        </p:style>
+        <p:txBody>
+          <a:bodyPr rtlCol="0" anchor="t"/>
+          <a:lstStyle/>
+          <a:p>
+            <a:pPr algn="ctr"/>
+            <a:r>
+              <a:rPr lang="en-KR" sz="1000" b="1">
+                <a:solidFill>
+                  <a:sysClr val="windowText" lastClr="000000"/>
+                </a:solidFill>
+              </a:rPr>
+              <a:t>Executors</a:t>
+            </a:r>
+          </a:p>
+        </p:txBody>
+      </p:sp>
+      <p:pic>
+        <p:nvPicPr>
+          <p:cNvPr id="1026" name="Picture 2" descr="사람 - 무료 사회적인개 아이콘">
+            <a:extLst>
+              <a:ext uri="{FF2B5EF4-FFF2-40B4-BE49-F238E27FC236}">
+                <a16:creationId xmlns:a16="http://schemas.microsoft.com/office/drawing/2014/main" id="{5511788A-9777-BF16-EA55-3E15C4A83CAA}"/>
+              </a:ext>
+            </a:extLst>
+          </p:cNvPr>
+          <p:cNvPicPr>
+            <a:picLocks noChangeAspect="1" noChangeArrowheads="1"/>
+          </p:cNvPicPr>
+          <p:nvPr/>
+        </p:nvPicPr>
+        <p:blipFill>
+          <a:blip r:embed="rId3">
+            <a:extLst>
+              <a:ext uri="{28A0092B-C50C-407E-A947-70E740481C1C}">
+                <a14:useLocalDpi xmlns:a14="http://schemas.microsoft.com/office/drawing/2010/main" val="0"/>
+              </a:ext>
+            </a:extLst>
+          </a:blip>
+          <a:srcRect/>
+          <a:stretch>
+            <a:fillRect/>
+          </a:stretch>
+        </p:blipFill>
+        <p:spPr bwMode="auto">
+          <a:xfrm>
+            <a:off x="1116351" y="934365"/>
+            <a:ext cx="558919" cy="558919"/>
+          </a:xfrm>
+          <a:prstGeom prst="rect">
+            <a:avLst/>
+          </a:prstGeom>
+          <a:noFill/>
+          <a:extLst>
+            <a:ext uri="{909E8E84-426E-40DD-AFC4-6F175D3DCCD1}">
+              <a14:hiddenFill xmlns:a14="http://schemas.microsoft.com/office/drawing/2010/main">
+                <a:solidFill>
+                  <a:srgbClr val="FFFFFF"/>
+                </a:solidFill>
+              </a14:hiddenFill>
+            </a:ext>
+          </a:extLst>
+        </p:spPr>
+      </p:pic>
+      <p:cxnSp>
+        <p:nvCxnSpPr>
+          <p:cNvPr id="67" name="Straight Arrow Connector 66">
+            <a:extLst>
+              <a:ext uri="{FF2B5EF4-FFF2-40B4-BE49-F238E27FC236}">
+                <a16:creationId xmlns:a16="http://schemas.microsoft.com/office/drawing/2014/main" id="{12030ECF-D3CD-3C7C-DD45-B4093F2983A1}"/>
+              </a:ext>
+            </a:extLst>
+          </p:cNvPr>
+          <p:cNvCxnSpPr>
+            <a:cxnSpLocks/>
+            <a:stCxn id="91" idx="4"/>
+            <a:endCxn id="12" idx="0"/>
+          </p:cNvCxnSpPr>
+          <p:nvPr/>
+        </p:nvCxnSpPr>
+        <p:spPr>
+          <a:xfrm flipH="1">
+            <a:off x="1394115" y="1818489"/>
+            <a:ext cx="2236" cy="377584"/>
+          </a:xfrm>
+          <a:prstGeom prst="straightConnector1">
+            <a:avLst/>
+          </a:prstGeom>
+          <a:ln>
+            <a:solidFill>
+              <a:schemeClr val="tx2"/>
+            </a:solidFill>
+            <a:tailEnd type="triangle"/>
+          </a:ln>
+        </p:spPr>
+        <p:style>
+          <a:lnRef idx="1">
+            <a:schemeClr val="dk1"/>
+          </a:lnRef>
+          <a:fillRef idx="0">
+            <a:schemeClr val="dk1"/>
+          </a:fillRef>
+          <a:effectRef idx="0">
+            <a:schemeClr val="dk1"/>
+          </a:effectRef>
+          <a:fontRef idx="minor">
+            <a:schemeClr val="tx1"/>
+          </a:fontRef>
+        </p:style>
+      </p:cxnSp>
+      <p:sp>
+        <p:nvSpPr>
+          <p:cNvPr id="70" name="TextBox 69">
+            <a:extLst>
+              <a:ext uri="{FF2B5EF4-FFF2-40B4-BE49-F238E27FC236}">
+                <a16:creationId xmlns:a16="http://schemas.microsoft.com/office/drawing/2014/main" id="{3CB6BB73-9335-434E-5C5D-BCE6298077DA}"/>
+              </a:ext>
+            </a:extLst>
+          </p:cNvPr>
+          <p:cNvSpPr txBox="1"/>
+          <p:nvPr/>
+        </p:nvSpPr>
+        <p:spPr>
+          <a:xfrm>
+            <a:off x="1180118" y="1394394"/>
+            <a:ext cx="444352" cy="246221"/>
+          </a:xfrm>
+          <a:prstGeom prst="rect">
+            <a:avLst/>
+          </a:prstGeom>
+          <a:noFill/>
+        </p:spPr>
+        <p:txBody>
+          <a:bodyPr wrap="none" rtlCol="0">
+            <a:spAutoFit/>
+          </a:bodyPr>
+          <a:lstStyle/>
+          <a:p>
+            <a:r>
+              <a:rPr lang="en-US" sz="1000"/>
+              <a:t>User</a:t>
+            </a:r>
+            <a:endParaRPr lang="en-KR" sz="1000"/>
+          </a:p>
+        </p:txBody>
+      </p:sp>
+      <p:cxnSp>
+        <p:nvCxnSpPr>
+          <p:cNvPr id="78" name="Elbow Connector 77">
+            <a:extLst>
+              <a:ext uri="{FF2B5EF4-FFF2-40B4-BE49-F238E27FC236}">
+                <a16:creationId xmlns:a16="http://schemas.microsoft.com/office/drawing/2014/main" id="{070E0060-91D8-6C59-76DD-9DF4EE2777CC}"/>
+              </a:ext>
+            </a:extLst>
+          </p:cNvPr>
+          <p:cNvCxnSpPr>
+            <a:cxnSpLocks/>
+            <a:stCxn id="1114" idx="0"/>
+            <a:endCxn id="1026" idx="3"/>
+          </p:cNvCxnSpPr>
+          <p:nvPr/>
+        </p:nvCxnSpPr>
+        <p:spPr>
+          <a:xfrm rot="16200000" flipV="1">
+            <a:off x="3348964" y="-459868"/>
+            <a:ext cx="132603" cy="3479990"/>
+          </a:xfrm>
+          <a:prstGeom prst="bentConnector2">
+            <a:avLst/>
+          </a:prstGeom>
+          <a:ln>
+            <a:solidFill>
+              <a:srgbClr val="C00000"/>
+            </a:solidFill>
+            <a:tailEnd type="triangle"/>
+          </a:ln>
+        </p:spPr>
+        <p:style>
+          <a:lnRef idx="1">
+            <a:schemeClr val="dk1"/>
+          </a:lnRef>
+          <a:fillRef idx="0">
+            <a:schemeClr val="dk1"/>
+          </a:fillRef>
+          <a:effectRef idx="0">
+            <a:schemeClr val="dk1"/>
+          </a:effectRef>
+          <a:fontRef idx="minor">
+            <a:schemeClr val="tx1"/>
+          </a:fontRef>
+        </p:style>
+      </p:cxnSp>
+      <p:cxnSp>
+        <p:nvCxnSpPr>
+          <p:cNvPr id="85" name="Elbow Connector 84">
+            <a:extLst>
+              <a:ext uri="{FF2B5EF4-FFF2-40B4-BE49-F238E27FC236}">
+                <a16:creationId xmlns:a16="http://schemas.microsoft.com/office/drawing/2014/main" id="{193ABD5E-2F7B-0B72-9C05-C0EBD1E6D99B}"/>
+              </a:ext>
+            </a:extLst>
+          </p:cNvPr>
+          <p:cNvCxnSpPr>
+            <a:cxnSpLocks/>
+            <a:stCxn id="1044" idx="0"/>
+            <a:endCxn id="1114" idx="2"/>
+          </p:cNvCxnSpPr>
+          <p:nvPr/>
+        </p:nvCxnSpPr>
+        <p:spPr>
+          <a:xfrm rot="5400000" flipH="1" flipV="1">
+            <a:off x="3958732" y="1991490"/>
+            <a:ext cx="1333526" cy="1059529"/>
+          </a:xfrm>
+          <a:prstGeom prst="bentConnector3">
+            <a:avLst>
+              <a:gd name="adj1" fmla="val 46552"/>
+            </a:avLst>
+          </a:prstGeom>
+          <a:ln>
+            <a:solidFill>
+              <a:srgbClr val="C00000"/>
+            </a:solidFill>
+            <a:tailEnd type="triangle"/>
+          </a:ln>
+        </p:spPr>
+        <p:style>
+          <a:lnRef idx="1">
+            <a:schemeClr val="dk1"/>
+          </a:lnRef>
+          <a:fillRef idx="0">
+            <a:schemeClr val="dk1"/>
+          </a:fillRef>
+          <a:effectRef idx="0">
+            <a:schemeClr val="dk1"/>
+          </a:effectRef>
+          <a:fontRef idx="minor">
+            <a:schemeClr val="tx1"/>
+          </a:fontRef>
+        </p:style>
+      </p:cxnSp>
+      <p:sp>
+        <p:nvSpPr>
+          <p:cNvPr id="91" name="Oval 90">
+            <a:extLst>
+              <a:ext uri="{FF2B5EF4-FFF2-40B4-BE49-F238E27FC236}">
+                <a16:creationId xmlns:a16="http://schemas.microsoft.com/office/drawing/2014/main" id="{98E0E014-3205-B2E7-5949-2BFF608208D3}"/>
+              </a:ext>
+            </a:extLst>
+          </p:cNvPr>
+          <p:cNvSpPr/>
+          <p:nvPr/>
+        </p:nvSpPr>
+        <p:spPr>
+          <a:xfrm>
+            <a:off x="1288339" y="1602465"/>
+            <a:ext cx="216024" cy="216024"/>
+          </a:xfrm>
+          <a:prstGeom prst="ellipse">
+            <a:avLst/>
+          </a:prstGeom>
+          <a:solidFill>
+            <a:schemeClr val="bg1"/>
+          </a:solidFill>
+          <a:ln w="19050">
+            <a:solidFill>
+              <a:schemeClr val="tx2"/>
+            </a:solidFill>
+          </a:ln>
+        </p:spPr>
+        <p:style>
+          <a:lnRef idx="2">
+            <a:schemeClr val="accent1">
+              <a:shade val="15000"/>
+            </a:schemeClr>
+          </a:lnRef>
+          <a:fillRef idx="1">
+            <a:schemeClr val="accent1"/>
+          </a:fillRef>
+          <a:effectRef idx="0">
+            <a:schemeClr val="accent1"/>
+          </a:effectRef>
+          <a:fontRef idx="minor">
+            <a:schemeClr val="lt1"/>
+          </a:fontRef>
+        </p:style>
+        <p:txBody>
+          <a:bodyPr rtlCol="0" anchor="ctr"/>
+          <a:lstStyle/>
+          <a:p>
+            <a:pPr algn="ctr"/>
+            <a:r>
+              <a:rPr lang="en-KR" sz="1000">
+                <a:solidFill>
+                  <a:schemeClr val="tx2"/>
+                </a:solidFill>
+              </a:rPr>
+              <a:t>1</a:t>
+            </a:r>
+          </a:p>
+        </p:txBody>
+      </p:sp>
+      <p:cxnSp>
+        <p:nvCxnSpPr>
+          <p:cNvPr id="96" name="Straight Arrow Connector 95">
+            <a:extLst>
+              <a:ext uri="{FF2B5EF4-FFF2-40B4-BE49-F238E27FC236}">
+                <a16:creationId xmlns:a16="http://schemas.microsoft.com/office/drawing/2014/main" id="{D2965823-9322-29F9-9C45-174CC7BDA338}"/>
+              </a:ext>
+            </a:extLst>
+          </p:cNvPr>
+          <p:cNvCxnSpPr>
+            <a:cxnSpLocks/>
+          </p:cNvCxnSpPr>
+          <p:nvPr/>
+        </p:nvCxnSpPr>
+        <p:spPr>
+          <a:xfrm>
+            <a:off x="3131840" y="1853179"/>
+            <a:ext cx="0" cy="934589"/>
+          </a:xfrm>
+          <a:prstGeom prst="straightConnector1">
+            <a:avLst/>
+          </a:prstGeom>
+          <a:ln>
+            <a:tailEnd type="triangle"/>
+          </a:ln>
+        </p:spPr>
+        <p:style>
+          <a:lnRef idx="1">
+            <a:schemeClr val="dk1"/>
+          </a:lnRef>
+          <a:fillRef idx="0">
+            <a:schemeClr val="dk1"/>
+          </a:fillRef>
+          <a:effectRef idx="0">
+            <a:schemeClr val="dk1"/>
+          </a:effectRef>
+          <a:fontRef idx="minor">
+            <a:schemeClr val="tx1"/>
+          </a:fontRef>
+        </p:style>
+      </p:cxnSp>
+      <p:cxnSp>
+        <p:nvCxnSpPr>
+          <p:cNvPr id="120" name="Elbow Connector 119">
+            <a:extLst>
+              <a:ext uri="{FF2B5EF4-FFF2-40B4-BE49-F238E27FC236}">
+                <a16:creationId xmlns:a16="http://schemas.microsoft.com/office/drawing/2014/main" id="{22EA938F-29F8-0F65-4F82-70F42AB86439}"/>
+              </a:ext>
+            </a:extLst>
+          </p:cNvPr>
+          <p:cNvCxnSpPr>
+            <a:cxnSpLocks/>
+            <a:stCxn id="64" idx="6"/>
+            <a:endCxn id="50" idx="1"/>
+          </p:cNvCxnSpPr>
+          <p:nvPr/>
+        </p:nvCxnSpPr>
+        <p:spPr>
+          <a:xfrm flipV="1">
+            <a:off x="2212540" y="1600460"/>
+            <a:ext cx="703275" cy="669966"/>
+          </a:xfrm>
+          <a:prstGeom prst="bentConnector3">
+            <a:avLst>
+              <a:gd name="adj1" fmla="val 48434"/>
+            </a:avLst>
+          </a:prstGeom>
+          <a:ln>
+            <a:solidFill>
+              <a:schemeClr val="tx2"/>
+            </a:solidFill>
+            <a:tailEnd type="triangle"/>
+          </a:ln>
+        </p:spPr>
+        <p:style>
+          <a:lnRef idx="1">
+            <a:schemeClr val="dk1"/>
+          </a:lnRef>
+          <a:fillRef idx="0">
+            <a:schemeClr val="dk1"/>
+          </a:fillRef>
+          <a:effectRef idx="0">
+            <a:schemeClr val="dk1"/>
+          </a:effectRef>
+          <a:fontRef idx="minor">
+            <a:schemeClr val="tx1"/>
+          </a:fontRef>
+        </p:style>
+      </p:cxnSp>
+      <p:cxnSp>
+        <p:nvCxnSpPr>
+          <p:cNvPr id="123" name="Elbow Connector 122">
+            <a:extLst>
+              <a:ext uri="{FF2B5EF4-FFF2-40B4-BE49-F238E27FC236}">
+                <a16:creationId xmlns:a16="http://schemas.microsoft.com/office/drawing/2014/main" id="{072811F0-9D7C-903C-69F0-81F3AB86506A}"/>
+              </a:ext>
+            </a:extLst>
+          </p:cNvPr>
+          <p:cNvCxnSpPr>
+            <a:cxnSpLocks/>
+            <a:stCxn id="68" idx="6"/>
+          </p:cNvCxnSpPr>
+          <p:nvPr/>
+        </p:nvCxnSpPr>
+        <p:spPr>
+          <a:xfrm>
+            <a:off x="2208747" y="2518820"/>
+            <a:ext cx="795687" cy="343919"/>
+          </a:xfrm>
+          <a:prstGeom prst="bentConnector3">
+            <a:avLst>
+              <a:gd name="adj1" fmla="val 44085"/>
+            </a:avLst>
+          </a:prstGeom>
+          <a:ln>
+            <a:solidFill>
+              <a:schemeClr val="tx2"/>
+            </a:solidFill>
+            <a:tailEnd type="triangle"/>
+          </a:ln>
+        </p:spPr>
+        <p:style>
+          <a:lnRef idx="1">
+            <a:schemeClr val="dk1"/>
+          </a:lnRef>
+          <a:fillRef idx="0">
+            <a:schemeClr val="dk1"/>
+          </a:fillRef>
+          <a:effectRef idx="0">
+            <a:schemeClr val="dk1"/>
+          </a:effectRef>
+          <a:fontRef idx="minor">
+            <a:schemeClr val="tx1"/>
+          </a:fontRef>
+        </p:style>
+      </p:cxnSp>
+      <p:sp>
+        <p:nvSpPr>
+          <p:cNvPr id="1041" name="모서리가 둥근 직사각형 2">
+            <a:extLst>
+              <a:ext uri="{FF2B5EF4-FFF2-40B4-BE49-F238E27FC236}">
+                <a16:creationId xmlns:a16="http://schemas.microsoft.com/office/drawing/2014/main" id="{78912B6A-4DC7-0660-85AF-A36CA6409A20}"/>
+              </a:ext>
+            </a:extLst>
+          </p:cNvPr>
+          <p:cNvSpPr/>
+          <p:nvPr/>
+        </p:nvSpPr>
+        <p:spPr>
+          <a:xfrm>
+            <a:off x="693427" y="3291823"/>
+            <a:ext cx="1401376" cy="386745"/>
+          </a:xfrm>
+          <a:prstGeom prst="roundRect">
+            <a:avLst>
+              <a:gd name="adj" fmla="val 13068"/>
+            </a:avLst>
+          </a:prstGeom>
+          <a:ln w="12700"/>
+        </p:spPr>
+        <p:style>
+          <a:lnRef idx="2">
+            <a:schemeClr val="dk1"/>
+          </a:lnRef>
+          <a:fillRef idx="1">
+            <a:schemeClr val="lt1"/>
+          </a:fillRef>
+          <a:effectRef idx="0">
+            <a:schemeClr val="dk1"/>
+          </a:effectRef>
+          <a:fontRef idx="minor">
+            <a:schemeClr val="dk1"/>
+          </a:fontRef>
+        </p:style>
+        <p:txBody>
+          <a:bodyPr rtlCol="0" anchor="ctr"/>
+          <a:lstStyle/>
+          <a:p>
+            <a:pPr algn="ctr"/>
+            <a:r>
+              <a:rPr lang="en-US" altLang="ko-KR" sz="1000"/>
+              <a:t>HDFS</a:t>
+            </a:r>
+            <a:endParaRPr lang="ko-KR" altLang="en-US" sz="1000"/>
+          </a:p>
+        </p:txBody>
+      </p:sp>
+      <p:sp>
+        <p:nvSpPr>
+          <p:cNvPr id="1042" name="모서리가 둥근 직사각형 2">
+            <a:extLst>
+              <a:ext uri="{FF2B5EF4-FFF2-40B4-BE49-F238E27FC236}">
+                <a16:creationId xmlns:a16="http://schemas.microsoft.com/office/drawing/2014/main" id="{4DF38BB4-9819-888D-B773-28F265C2B963}"/>
+              </a:ext>
+            </a:extLst>
+          </p:cNvPr>
+          <p:cNvSpPr/>
+          <p:nvPr/>
+        </p:nvSpPr>
+        <p:spPr>
+          <a:xfrm>
+            <a:off x="693427" y="3814472"/>
+            <a:ext cx="1401376" cy="386745"/>
+          </a:xfrm>
+          <a:prstGeom prst="roundRect">
+            <a:avLst>
+              <a:gd name="adj" fmla="val 13068"/>
+            </a:avLst>
+          </a:prstGeom>
+          <a:ln w="12700"/>
+        </p:spPr>
+        <p:style>
+          <a:lnRef idx="2">
+            <a:schemeClr val="dk1"/>
+          </a:lnRef>
+          <a:fillRef idx="1">
+            <a:schemeClr val="lt1"/>
+          </a:fillRef>
+          <a:effectRef idx="0">
+            <a:schemeClr val="dk1"/>
+          </a:effectRef>
+          <a:fontRef idx="minor">
+            <a:schemeClr val="dk1"/>
+          </a:fontRef>
+        </p:style>
+        <p:txBody>
+          <a:bodyPr rtlCol="0" anchor="ctr"/>
+          <a:lstStyle/>
+          <a:p>
+            <a:pPr algn="ctr"/>
+            <a:r>
+              <a:rPr lang="en-US" altLang="ko-KR" sz="1000"/>
+              <a:t>AWS S3</a:t>
+            </a:r>
+            <a:endParaRPr lang="ko-KR" altLang="en-US" sz="1000"/>
+          </a:p>
+        </p:txBody>
+      </p:sp>
+      <p:cxnSp>
+        <p:nvCxnSpPr>
+          <p:cNvPr id="1077" name="Elbow Connector 1076">
+            <a:extLst>
+              <a:ext uri="{FF2B5EF4-FFF2-40B4-BE49-F238E27FC236}">
+                <a16:creationId xmlns:a16="http://schemas.microsoft.com/office/drawing/2014/main" id="{7EA25DC9-362B-8CE0-A5E0-DD576139EB91}"/>
+              </a:ext>
+            </a:extLst>
+          </p:cNvPr>
+          <p:cNvCxnSpPr>
+            <a:cxnSpLocks/>
+            <a:stCxn id="1030" idx="2"/>
+            <a:endCxn id="1086" idx="3"/>
+          </p:cNvCxnSpPr>
+          <p:nvPr/>
+        </p:nvCxnSpPr>
+        <p:spPr>
+          <a:xfrm rot="10800000" flipV="1">
+            <a:off x="2138763" y="3483674"/>
+            <a:ext cx="756310" cy="354093"/>
+          </a:xfrm>
+          <a:prstGeom prst="bentConnector3">
+            <a:avLst>
+              <a:gd name="adj1" fmla="val 50000"/>
+            </a:avLst>
+          </a:prstGeom>
+          <a:ln>
+            <a:solidFill>
+              <a:srgbClr val="C00000"/>
+            </a:solidFill>
+            <a:tailEnd type="triangle"/>
+          </a:ln>
+        </p:spPr>
+        <p:style>
+          <a:lnRef idx="1">
+            <a:schemeClr val="dk1"/>
+          </a:lnRef>
+          <a:fillRef idx="0">
+            <a:schemeClr val="dk1"/>
+          </a:fillRef>
+          <a:effectRef idx="0">
+            <a:schemeClr val="dk1"/>
+          </a:effectRef>
+          <a:fontRef idx="minor">
+            <a:schemeClr val="tx1"/>
+          </a:fontRef>
+        </p:style>
+      </p:cxnSp>
+      <p:sp>
+        <p:nvSpPr>
+          <p:cNvPr id="1086" name="Rounded Rectangle 1085">
+            <a:extLst>
+              <a:ext uri="{FF2B5EF4-FFF2-40B4-BE49-F238E27FC236}">
+                <a16:creationId xmlns:a16="http://schemas.microsoft.com/office/drawing/2014/main" id="{EFB2A99B-C801-D583-6B1D-6C50018A5544}"/>
+              </a:ext>
+            </a:extLst>
+          </p:cNvPr>
+          <p:cNvSpPr/>
+          <p:nvPr/>
+        </p:nvSpPr>
+        <p:spPr>
+          <a:xfrm>
+            <a:off x="652278" y="3231139"/>
+            <a:ext cx="1486485" cy="1213258"/>
+          </a:xfrm>
+          <a:prstGeom prst="roundRect">
+            <a:avLst>
+              <a:gd name="adj" fmla="val 3462"/>
+            </a:avLst>
+          </a:prstGeom>
+          <a:noFill/>
+          <a:ln w="12700">
+            <a:solidFill>
+              <a:schemeClr val="tx1"/>
+            </a:solidFill>
+            <a:prstDash val="dash"/>
+          </a:ln>
+        </p:spPr>
+        <p:style>
+          <a:lnRef idx="2">
+            <a:schemeClr val="accent1">
+              <a:shade val="50000"/>
+            </a:schemeClr>
+          </a:lnRef>
+          <a:fillRef idx="1">
+            <a:schemeClr val="accent1"/>
+          </a:fillRef>
+          <a:effectRef idx="0">
+            <a:schemeClr val="accent1"/>
+          </a:effectRef>
+          <a:fontRef idx="minor">
+            <a:schemeClr val="lt1"/>
+          </a:fontRef>
+        </p:style>
+        <p:txBody>
+          <a:bodyPr rtlCol="0" anchor="b"/>
+          <a:lstStyle/>
+          <a:p>
+            <a:pPr algn="ctr"/>
+            <a:r>
+              <a:rPr lang="en-KR" sz="1000" b="1">
+                <a:solidFill>
+                  <a:sysClr val="windowText" lastClr="000000"/>
+                </a:solidFill>
+              </a:rPr>
+              <a:t>Storages </a:t>
+            </a:r>
+          </a:p>
+        </p:txBody>
+      </p:sp>
+      <p:sp>
+        <p:nvSpPr>
+          <p:cNvPr id="1097" name="Freeform 1096">
+            <a:extLst>
+              <a:ext uri="{FF2B5EF4-FFF2-40B4-BE49-F238E27FC236}">
+                <a16:creationId xmlns:a16="http://schemas.microsoft.com/office/drawing/2014/main" id="{869B0BFD-C700-87CA-E5D4-B6F0FF47645B}"/>
+              </a:ext>
+            </a:extLst>
+          </p:cNvPr>
+          <p:cNvSpPr/>
+          <p:nvPr/>
+        </p:nvSpPr>
+        <p:spPr>
+          <a:xfrm>
+            <a:off x="1418336" y="3060872"/>
+            <a:ext cx="1476738" cy="170267"/>
+          </a:xfrm>
+          <a:custGeom>
+            <a:avLst/>
+            <a:gdLst>
+              <a:gd name="connsiteX0" fmla="*/ 857644 w 857644"/>
+              <a:gd name="connsiteY0" fmla="*/ 0 h 170267"/>
+              <a:gd name="connsiteX1" fmla="*/ 0 w 857644"/>
+              <a:gd name="connsiteY1" fmla="*/ 0 h 170267"/>
+              <a:gd name="connsiteX2" fmla="*/ 0 w 857644"/>
+              <a:gd name="connsiteY2" fmla="*/ 170267 h 170267"/>
+              <a:gd name="connsiteX3" fmla="*/ 0 w 857644"/>
+              <a:gd name="connsiteY3" fmla="*/ 170267 h 170267"/>
+            </a:gdLst>
+            <a:ahLst/>
+            <a:cxnLst>
+              <a:cxn ang="0">
+                <a:pos x="connsiteX0" y="connsiteY0"/>
+              </a:cxn>
+              <a:cxn ang="0">
+                <a:pos x="connsiteX1" y="connsiteY1"/>
+              </a:cxn>
+              <a:cxn ang="0">
+                <a:pos x="connsiteX2" y="connsiteY2"/>
+              </a:cxn>
+              <a:cxn ang="0">
+                <a:pos x="connsiteX3" y="connsiteY3"/>
+              </a:cxn>
+            </a:cxnLst>
+            <a:rect l="l" t="t" r="r" b="b"/>
+            <a:pathLst>
+              <a:path w="857644" h="170267">
+                <a:moveTo>
+                  <a:pt x="857644" y="0"/>
+                </a:moveTo>
+                <a:lnTo>
+                  <a:pt x="0" y="0"/>
+                </a:lnTo>
+                <a:lnTo>
+                  <a:pt x="0" y="170267"/>
+                </a:lnTo>
+                <a:lnTo>
+                  <a:pt x="0" y="170267"/>
+                </a:lnTo>
+              </a:path>
+            </a:pathLst>
+          </a:custGeom>
+          <a:noFill/>
+          <a:ln w="12700">
+            <a:solidFill>
+              <a:srgbClr val="C00000"/>
+            </a:solidFill>
+            <a:headEnd type="none" w="med" len="med"/>
+            <a:tailEnd type="triangle" w="med" len="med"/>
+          </a:ln>
+        </p:spPr>
+        <p:style>
+          <a:lnRef idx="2">
+            <a:schemeClr val="accent1">
+              <a:shade val="15000"/>
+            </a:schemeClr>
+          </a:lnRef>
+          <a:fillRef idx="1">
+            <a:schemeClr val="accent1"/>
+          </a:fillRef>
+          <a:effectRef idx="0">
+            <a:schemeClr val="accent1"/>
+          </a:effectRef>
+          <a:fontRef idx="minor">
+            <a:schemeClr val="lt1"/>
+          </a:fontRef>
+        </p:style>
+        <p:txBody>
+          <a:bodyPr rtlCol="0" anchor="ctr"/>
+          <a:lstStyle/>
+          <a:p>
+            <a:pPr algn="ctr"/>
+            <a:endParaRPr lang="en-KR"/>
+          </a:p>
+        </p:txBody>
+      </p:sp>
+      <p:sp>
+        <p:nvSpPr>
+          <p:cNvPr id="1098" name="Freeform 1097">
+            <a:extLst>
+              <a:ext uri="{FF2B5EF4-FFF2-40B4-BE49-F238E27FC236}">
+                <a16:creationId xmlns:a16="http://schemas.microsoft.com/office/drawing/2014/main" id="{E3D2E82C-E0A9-0ED4-6D37-EDBD06146C80}"/>
+              </a:ext>
+            </a:extLst>
+          </p:cNvPr>
+          <p:cNvSpPr/>
+          <p:nvPr/>
+        </p:nvSpPr>
+        <p:spPr>
+          <a:xfrm rot="5400000" flipV="1">
+            <a:off x="4131294" y="2155059"/>
+            <a:ext cx="177142" cy="866524"/>
+          </a:xfrm>
+          <a:custGeom>
+            <a:avLst/>
+            <a:gdLst>
+              <a:gd name="connsiteX0" fmla="*/ 857644 w 857644"/>
+              <a:gd name="connsiteY0" fmla="*/ 0 h 170267"/>
+              <a:gd name="connsiteX1" fmla="*/ 0 w 857644"/>
+              <a:gd name="connsiteY1" fmla="*/ 0 h 170267"/>
+              <a:gd name="connsiteX2" fmla="*/ 0 w 857644"/>
+              <a:gd name="connsiteY2" fmla="*/ 170267 h 170267"/>
+              <a:gd name="connsiteX3" fmla="*/ 0 w 857644"/>
+              <a:gd name="connsiteY3" fmla="*/ 170267 h 170267"/>
+            </a:gdLst>
+            <a:ahLst/>
+            <a:cxnLst>
+              <a:cxn ang="0">
+                <a:pos x="connsiteX0" y="connsiteY0"/>
+              </a:cxn>
+              <a:cxn ang="0">
+                <a:pos x="connsiteX1" y="connsiteY1"/>
+              </a:cxn>
+              <a:cxn ang="0">
+                <a:pos x="connsiteX2" y="connsiteY2"/>
+              </a:cxn>
+              <a:cxn ang="0">
+                <a:pos x="connsiteX3" y="connsiteY3"/>
+              </a:cxn>
+            </a:cxnLst>
+            <a:rect l="l" t="t" r="r" b="b"/>
+            <a:pathLst>
+              <a:path w="857644" h="170267">
+                <a:moveTo>
+                  <a:pt x="857644" y="0"/>
+                </a:moveTo>
+                <a:lnTo>
+                  <a:pt x="0" y="0"/>
+                </a:lnTo>
+                <a:lnTo>
+                  <a:pt x="0" y="170267"/>
+                </a:lnTo>
+                <a:lnTo>
+                  <a:pt x="0" y="170267"/>
+                </a:lnTo>
+              </a:path>
+            </a:pathLst>
+          </a:custGeom>
+          <a:noFill/>
+          <a:ln w="12700">
+            <a:solidFill>
+              <a:schemeClr val="tx2"/>
+            </a:solidFill>
+            <a:headEnd type="none" w="med" len="med"/>
+            <a:tailEnd type="triangle" w="med" len="med"/>
+          </a:ln>
+        </p:spPr>
+        <p:style>
+          <a:lnRef idx="2">
+            <a:schemeClr val="accent1">
+              <a:shade val="15000"/>
+            </a:schemeClr>
+          </a:lnRef>
+          <a:fillRef idx="1">
+            <a:schemeClr val="accent1"/>
+          </a:fillRef>
+          <a:effectRef idx="0">
+            <a:schemeClr val="accent1"/>
+          </a:effectRef>
+          <a:fontRef idx="minor">
+            <a:schemeClr val="lt1"/>
+          </a:fontRef>
+        </p:style>
+        <p:txBody>
+          <a:bodyPr rtlCol="0" anchor="ctr"/>
+          <a:lstStyle/>
+          <a:p>
+            <a:pPr algn="ctr"/>
+            <a:endParaRPr lang="en-KR"/>
+          </a:p>
+        </p:txBody>
+      </p:sp>
+      <p:sp>
+        <p:nvSpPr>
+          <p:cNvPr id="1103" name="Oval 1102">
+            <a:extLst>
+              <a:ext uri="{FF2B5EF4-FFF2-40B4-BE49-F238E27FC236}">
+                <a16:creationId xmlns:a16="http://schemas.microsoft.com/office/drawing/2014/main" id="{D1CD71D9-FE6E-6799-4113-71EEE8B30F53}"/>
+              </a:ext>
+            </a:extLst>
+          </p:cNvPr>
+          <p:cNvSpPr/>
+          <p:nvPr/>
+        </p:nvSpPr>
+        <p:spPr>
+          <a:xfrm>
+            <a:off x="4592639" y="2875307"/>
+            <a:ext cx="216024" cy="216024"/>
+          </a:xfrm>
+          <a:prstGeom prst="ellipse">
+            <a:avLst/>
+          </a:prstGeom>
+          <a:solidFill>
+            <a:schemeClr val="bg1"/>
+          </a:solidFill>
+          <a:ln w="19050">
+            <a:solidFill>
+              <a:schemeClr val="tx2"/>
+            </a:solidFill>
+          </a:ln>
+        </p:spPr>
+        <p:style>
+          <a:lnRef idx="2">
+            <a:schemeClr val="accent1">
+              <a:shade val="15000"/>
+            </a:schemeClr>
+          </a:lnRef>
+          <a:fillRef idx="1">
+            <a:schemeClr val="accent1"/>
+          </a:fillRef>
+          <a:effectRef idx="0">
+            <a:schemeClr val="accent1"/>
+          </a:effectRef>
+          <a:fontRef idx="minor">
+            <a:schemeClr val="lt1"/>
+          </a:fontRef>
+        </p:style>
+        <p:txBody>
+          <a:bodyPr rtlCol="0" anchor="ctr"/>
+          <a:lstStyle/>
+          <a:p>
+            <a:pPr algn="ctr"/>
+            <a:r>
+              <a:rPr lang="en-KR" sz="1000">
+                <a:solidFill>
+                  <a:schemeClr val="tx2"/>
+                </a:solidFill>
+              </a:rPr>
+              <a:t>7</a:t>
+            </a:r>
+          </a:p>
+        </p:txBody>
+      </p:sp>
+      <p:cxnSp>
+        <p:nvCxnSpPr>
+          <p:cNvPr id="1105" name="Straight Arrow Connector 1104">
+            <a:extLst>
+              <a:ext uri="{FF2B5EF4-FFF2-40B4-BE49-F238E27FC236}">
+                <a16:creationId xmlns:a16="http://schemas.microsoft.com/office/drawing/2014/main" id="{2A14C28D-F841-D919-710F-E1EF6CEE3317}"/>
+              </a:ext>
+            </a:extLst>
+          </p:cNvPr>
+          <p:cNvCxnSpPr>
+            <a:cxnSpLocks/>
+            <a:stCxn id="1103" idx="2"/>
+            <a:endCxn id="11" idx="3"/>
+          </p:cNvCxnSpPr>
+          <p:nvPr/>
+        </p:nvCxnSpPr>
+        <p:spPr>
+          <a:xfrm flipH="1" flipV="1">
+            <a:off x="4195347" y="2981141"/>
+            <a:ext cx="397292" cy="2178"/>
+          </a:xfrm>
+          <a:prstGeom prst="straightConnector1">
+            <a:avLst/>
+          </a:prstGeom>
+          <a:ln>
+            <a:solidFill>
+              <a:schemeClr val="tx2"/>
+            </a:solidFill>
+            <a:tailEnd type="triangle"/>
+          </a:ln>
+        </p:spPr>
+        <p:style>
+          <a:lnRef idx="1">
+            <a:schemeClr val="dk1"/>
+          </a:lnRef>
+          <a:fillRef idx="0">
+            <a:schemeClr val="dk1"/>
+          </a:fillRef>
+          <a:effectRef idx="0">
+            <a:schemeClr val="dk1"/>
+          </a:effectRef>
+          <a:fontRef idx="minor">
+            <a:schemeClr val="tx1"/>
+          </a:fontRef>
+        </p:style>
+      </p:cxnSp>
+      <p:sp>
+        <p:nvSpPr>
+          <p:cNvPr id="1114" name="모서리가 둥근 직사각형 2">
+            <a:extLst>
+              <a:ext uri="{FF2B5EF4-FFF2-40B4-BE49-F238E27FC236}">
+                <a16:creationId xmlns:a16="http://schemas.microsoft.com/office/drawing/2014/main" id="{B90DEE95-5A15-FA7B-672A-4EC38DD2DDF0}"/>
+              </a:ext>
+            </a:extLst>
+          </p:cNvPr>
+          <p:cNvSpPr/>
+          <p:nvPr/>
+        </p:nvSpPr>
+        <p:spPr>
+          <a:xfrm>
+            <a:off x="4337670" y="1346428"/>
+            <a:ext cx="1635179" cy="508063"/>
+          </a:xfrm>
+          <a:prstGeom prst="roundRect">
+            <a:avLst>
+              <a:gd name="adj" fmla="val 13068"/>
+            </a:avLst>
+          </a:prstGeom>
+          <a:ln w="12700"/>
+        </p:spPr>
+        <p:style>
+          <a:lnRef idx="2">
+            <a:schemeClr val="dk1"/>
+          </a:lnRef>
+          <a:fillRef idx="1">
+            <a:schemeClr val="lt1"/>
+          </a:fillRef>
+          <a:effectRef idx="0">
+            <a:schemeClr val="dk1"/>
+          </a:effectRef>
+          <a:fontRef idx="minor">
+            <a:schemeClr val="dk1"/>
+          </a:fontRef>
+        </p:style>
+        <p:txBody>
+          <a:bodyPr rtlCol="0" anchor="ctr"/>
+          <a:lstStyle/>
+          <a:p>
+            <a:pPr algn="ctr"/>
+            <a:r>
+              <a:rPr lang="en-US" altLang="ko-KR" sz="1000"/>
+              <a:t>Spark History Server Web UI</a:t>
+            </a:r>
+          </a:p>
+          <a:p>
+            <a:pPr algn="ctr"/>
+            <a:r>
+              <a:rPr lang="en-US" altLang="ko-KR" sz="1000"/>
+              <a:t>/ Service</a:t>
+            </a:r>
+            <a:endParaRPr lang="ko-KR" altLang="en-US" sz="1050"/>
+          </a:p>
+        </p:txBody>
+      </p:sp>
+      <p:cxnSp>
+        <p:nvCxnSpPr>
+          <p:cNvPr id="9" name="Elbow Connector 8">
+            <a:extLst>
+              <a:ext uri="{FF2B5EF4-FFF2-40B4-BE49-F238E27FC236}">
+                <a16:creationId xmlns:a16="http://schemas.microsoft.com/office/drawing/2014/main" id="{6DE1D6A0-720F-4861-BD21-163626F1A772}"/>
+              </a:ext>
+            </a:extLst>
+          </p:cNvPr>
+          <p:cNvCxnSpPr>
+            <a:cxnSpLocks/>
+            <a:stCxn id="55" idx="0"/>
+            <a:endCxn id="41" idx="4"/>
+          </p:cNvCxnSpPr>
+          <p:nvPr/>
+        </p:nvCxnSpPr>
+        <p:spPr>
+          <a:xfrm rot="5400000" flipH="1" flipV="1">
+            <a:off x="4632287" y="605172"/>
+            <a:ext cx="822398" cy="3321040"/>
+          </a:xfrm>
+          <a:prstGeom prst="bentConnector3">
+            <a:avLst>
+              <a:gd name="adj1" fmla="val 80452"/>
+            </a:avLst>
+          </a:prstGeom>
+          <a:ln>
+            <a:solidFill>
+              <a:schemeClr val="tx2"/>
+            </a:solidFill>
+            <a:tailEnd type="triangle"/>
+          </a:ln>
+        </p:spPr>
+        <p:style>
+          <a:lnRef idx="1">
+            <a:schemeClr val="dk1"/>
+          </a:lnRef>
+          <a:fillRef idx="0">
+            <a:schemeClr val="dk1"/>
+          </a:fillRef>
+          <a:effectRef idx="0">
+            <a:schemeClr val="dk1"/>
+          </a:effectRef>
+          <a:fontRef idx="minor">
+            <a:schemeClr val="tx1"/>
+          </a:fontRef>
+        </p:style>
+      </p:cxnSp>
+      <p:sp>
+        <p:nvSpPr>
+          <p:cNvPr id="41" name="Oval 40">
+            <a:extLst>
+              <a:ext uri="{FF2B5EF4-FFF2-40B4-BE49-F238E27FC236}">
+                <a16:creationId xmlns:a16="http://schemas.microsoft.com/office/drawing/2014/main" id="{39E983EE-419B-29FA-3205-FB72F95DD389}"/>
+              </a:ext>
+            </a:extLst>
+          </p:cNvPr>
+          <p:cNvSpPr/>
+          <p:nvPr/>
+        </p:nvSpPr>
+        <p:spPr>
+          <a:xfrm>
+            <a:off x="6631998" y="1710477"/>
+            <a:ext cx="144016" cy="144016"/>
+          </a:xfrm>
+          <a:prstGeom prst="ellipse">
+            <a:avLst/>
+          </a:prstGeom>
+          <a:noFill/>
+          <a:ln>
+            <a:noFill/>
+          </a:ln>
+        </p:spPr>
+        <p:style>
+          <a:lnRef idx="2">
+            <a:schemeClr val="accent1">
+              <a:shade val="15000"/>
+            </a:schemeClr>
+          </a:lnRef>
+          <a:fillRef idx="1">
+            <a:schemeClr val="accent1"/>
+          </a:fillRef>
+          <a:effectRef idx="0">
+            <a:schemeClr val="accent1"/>
+          </a:effectRef>
+          <a:fontRef idx="minor">
+            <a:schemeClr val="lt1"/>
+          </a:fontRef>
+        </p:style>
+        <p:txBody>
+          <a:bodyPr rtlCol="0" anchor="ctr"/>
+          <a:lstStyle/>
+          <a:p>
+            <a:pPr algn="ctr"/>
+            <a:endParaRPr lang="en-KR"/>
+          </a:p>
+        </p:txBody>
+      </p:sp>
+      <p:sp>
+        <p:nvSpPr>
+          <p:cNvPr id="47" name="TextBox 46">
+            <a:extLst>
+              <a:ext uri="{FF2B5EF4-FFF2-40B4-BE49-F238E27FC236}">
+                <a16:creationId xmlns:a16="http://schemas.microsoft.com/office/drawing/2014/main" id="{2D9FA476-C5EB-C345-C6BA-45F11904819B}"/>
+              </a:ext>
+            </a:extLst>
+          </p:cNvPr>
+          <p:cNvSpPr txBox="1"/>
+          <p:nvPr/>
+        </p:nvSpPr>
+        <p:spPr>
+          <a:xfrm>
+            <a:off x="691748" y="1846558"/>
+            <a:ext cx="800220" cy="230832"/>
+          </a:xfrm>
+          <a:prstGeom prst="rect">
+            <a:avLst/>
+          </a:prstGeom>
+          <a:noFill/>
+        </p:spPr>
+        <p:txBody>
+          <a:bodyPr wrap="none" rtlCol="0">
+            <a:spAutoFit/>
+          </a:bodyPr>
+          <a:lstStyle/>
+          <a:p>
+            <a:pPr algn="ctr"/>
+            <a:r>
+              <a:rPr lang="en-KR" sz="900">
+                <a:solidFill>
+                  <a:schemeClr val="tx2"/>
+                </a:solidFill>
+              </a:rPr>
+              <a:t>Submit job </a:t>
+            </a:r>
+          </a:p>
+        </p:txBody>
+      </p:sp>
+      <p:sp>
+        <p:nvSpPr>
+          <p:cNvPr id="48" name="TextBox 47">
+            <a:extLst>
+              <a:ext uri="{FF2B5EF4-FFF2-40B4-BE49-F238E27FC236}">
+                <a16:creationId xmlns:a16="http://schemas.microsoft.com/office/drawing/2014/main" id="{DB00269C-EEFF-7933-5C68-D6BBEF6A375D}"/>
+              </a:ext>
+            </a:extLst>
+          </p:cNvPr>
+          <p:cNvSpPr txBox="1"/>
+          <p:nvPr/>
+        </p:nvSpPr>
+        <p:spPr>
+          <a:xfrm>
+            <a:off x="1634053" y="1812750"/>
+            <a:ext cx="923651" cy="369332"/>
+          </a:xfrm>
+          <a:prstGeom prst="rect">
+            <a:avLst/>
+          </a:prstGeom>
+          <a:noFill/>
+        </p:spPr>
+        <p:txBody>
+          <a:bodyPr wrap="none" rtlCol="0">
+            <a:spAutoFit/>
+          </a:bodyPr>
+          <a:lstStyle/>
+          <a:p>
+            <a:pPr algn="ctr"/>
+            <a:r>
+              <a:rPr lang="en-KR" sz="900">
+                <a:solidFill>
+                  <a:schemeClr val="tx2"/>
+                </a:solidFill>
+              </a:rPr>
+              <a:t>Create</a:t>
+            </a:r>
+          </a:p>
+          <a:p>
+            <a:pPr algn="ctr"/>
+            <a:r>
+              <a:rPr lang="en-KR" sz="900">
+                <a:solidFill>
+                  <a:schemeClr val="tx2"/>
+                </a:solidFill>
+              </a:rPr>
+              <a:t>driver’s config</a:t>
+            </a:r>
+          </a:p>
+        </p:txBody>
+      </p:sp>
+      <p:sp>
+        <p:nvSpPr>
+          <p:cNvPr id="49" name="TextBox 48">
+            <a:extLst>
+              <a:ext uri="{FF2B5EF4-FFF2-40B4-BE49-F238E27FC236}">
+                <a16:creationId xmlns:a16="http://schemas.microsoft.com/office/drawing/2014/main" id="{FFFD63B2-5F3F-5A78-1BFB-226BEFD6A9D5}"/>
+              </a:ext>
+            </a:extLst>
+          </p:cNvPr>
+          <p:cNvSpPr txBox="1"/>
+          <p:nvPr/>
+        </p:nvSpPr>
+        <p:spPr>
+          <a:xfrm>
+            <a:off x="1730505" y="2588152"/>
+            <a:ext cx="728084" cy="369332"/>
+          </a:xfrm>
+          <a:prstGeom prst="rect">
+            <a:avLst/>
+          </a:prstGeom>
+          <a:noFill/>
+        </p:spPr>
+        <p:txBody>
+          <a:bodyPr wrap="none" rtlCol="0">
+            <a:spAutoFit/>
+          </a:bodyPr>
+          <a:lstStyle/>
+          <a:p>
+            <a:pPr algn="ctr"/>
+            <a:r>
+              <a:rPr lang="en-KR" sz="900">
+                <a:solidFill>
+                  <a:schemeClr val="tx2"/>
+                </a:solidFill>
+              </a:rPr>
+              <a:t>Create</a:t>
+            </a:r>
+          </a:p>
+          <a:p>
+            <a:pPr algn="ctr"/>
+            <a:r>
+              <a:rPr lang="en-KR" sz="900">
+                <a:solidFill>
+                  <a:schemeClr val="tx2"/>
+                </a:solidFill>
+              </a:rPr>
+              <a:t>driver pod</a:t>
+            </a:r>
+          </a:p>
+        </p:txBody>
+      </p:sp>
+      <p:sp>
+        <p:nvSpPr>
+          <p:cNvPr id="54" name="TextBox 53">
+            <a:extLst>
+              <a:ext uri="{FF2B5EF4-FFF2-40B4-BE49-F238E27FC236}">
+                <a16:creationId xmlns:a16="http://schemas.microsoft.com/office/drawing/2014/main" id="{6B170AB6-73F4-4C69-D8C0-83158E028410}"/>
+              </a:ext>
+            </a:extLst>
+          </p:cNvPr>
+          <p:cNvSpPr txBox="1"/>
+          <p:nvPr/>
+        </p:nvSpPr>
+        <p:spPr>
+          <a:xfrm>
+            <a:off x="5795494" y="2129459"/>
+            <a:ext cx="1165704" cy="230832"/>
+          </a:xfrm>
+          <a:prstGeom prst="rect">
+            <a:avLst/>
+          </a:prstGeom>
+          <a:noFill/>
+        </p:spPr>
+        <p:txBody>
+          <a:bodyPr wrap="none" rtlCol="0">
+            <a:spAutoFit/>
+          </a:bodyPr>
+          <a:lstStyle/>
+          <a:p>
+            <a:pPr algn="ctr"/>
+            <a:r>
+              <a:rPr lang="en-KR" sz="900">
+                <a:solidFill>
+                  <a:schemeClr val="tx2"/>
+                </a:solidFill>
+              </a:rPr>
+              <a:t>Get driver’s pod IP</a:t>
+            </a:r>
+          </a:p>
+        </p:txBody>
+      </p:sp>
+      <p:sp>
+        <p:nvSpPr>
+          <p:cNvPr id="55" name="Oval 54">
+            <a:extLst>
+              <a:ext uri="{FF2B5EF4-FFF2-40B4-BE49-F238E27FC236}">
+                <a16:creationId xmlns:a16="http://schemas.microsoft.com/office/drawing/2014/main" id="{758D61F7-5310-4C8F-9E53-E68F8B652001}"/>
+              </a:ext>
+            </a:extLst>
+          </p:cNvPr>
+          <p:cNvSpPr/>
+          <p:nvPr/>
+        </p:nvSpPr>
+        <p:spPr>
+          <a:xfrm>
+            <a:off x="3274954" y="2676891"/>
+            <a:ext cx="216024" cy="216024"/>
+          </a:xfrm>
+          <a:prstGeom prst="ellipse">
+            <a:avLst/>
+          </a:prstGeom>
+          <a:solidFill>
+            <a:schemeClr val="bg1"/>
+          </a:solidFill>
+          <a:ln w="19050">
+            <a:solidFill>
+              <a:schemeClr val="tx2"/>
+            </a:solidFill>
+          </a:ln>
+        </p:spPr>
+        <p:style>
+          <a:lnRef idx="2">
+            <a:schemeClr val="accent1">
+              <a:shade val="15000"/>
+            </a:schemeClr>
+          </a:lnRef>
+          <a:fillRef idx="1">
+            <a:schemeClr val="accent1"/>
+          </a:fillRef>
+          <a:effectRef idx="0">
+            <a:schemeClr val="accent1"/>
+          </a:effectRef>
+          <a:fontRef idx="minor">
+            <a:schemeClr val="lt1"/>
+          </a:fontRef>
+        </p:style>
+        <p:txBody>
+          <a:bodyPr rtlCol="0" anchor="ctr"/>
+          <a:lstStyle/>
+          <a:p>
+            <a:pPr algn="ctr"/>
+            <a:r>
+              <a:rPr lang="en-KR" sz="1000">
+                <a:solidFill>
+                  <a:schemeClr val="tx2"/>
+                </a:solidFill>
+              </a:rPr>
+              <a:t>4</a:t>
+            </a:r>
+          </a:p>
+        </p:txBody>
+      </p:sp>
+      <p:sp>
+        <p:nvSpPr>
+          <p:cNvPr id="64" name="Oval 63">
+            <a:extLst>
+              <a:ext uri="{FF2B5EF4-FFF2-40B4-BE49-F238E27FC236}">
+                <a16:creationId xmlns:a16="http://schemas.microsoft.com/office/drawing/2014/main" id="{36EAB17A-4590-7199-B024-DCF7C63672D4}"/>
+              </a:ext>
+            </a:extLst>
+          </p:cNvPr>
+          <p:cNvSpPr/>
+          <p:nvPr/>
+        </p:nvSpPr>
+        <p:spPr>
+          <a:xfrm>
+            <a:off x="1996516" y="2162414"/>
+            <a:ext cx="216024" cy="216024"/>
+          </a:xfrm>
+          <a:prstGeom prst="ellipse">
+            <a:avLst/>
+          </a:prstGeom>
+          <a:solidFill>
+            <a:schemeClr val="bg1"/>
+          </a:solidFill>
+          <a:ln w="19050">
+            <a:solidFill>
+              <a:schemeClr val="tx2"/>
+            </a:solidFill>
+          </a:ln>
+        </p:spPr>
+        <p:style>
+          <a:lnRef idx="2">
+            <a:schemeClr val="accent1">
+              <a:shade val="15000"/>
+            </a:schemeClr>
+          </a:lnRef>
+          <a:fillRef idx="1">
+            <a:schemeClr val="accent1"/>
+          </a:fillRef>
+          <a:effectRef idx="0">
+            <a:schemeClr val="accent1"/>
+          </a:effectRef>
+          <a:fontRef idx="minor">
+            <a:schemeClr val="lt1"/>
+          </a:fontRef>
+        </p:style>
+        <p:txBody>
+          <a:bodyPr rtlCol="0" anchor="ctr"/>
+          <a:lstStyle/>
+          <a:p>
+            <a:pPr algn="ctr"/>
+            <a:r>
+              <a:rPr lang="en-KR" sz="1000">
+                <a:solidFill>
+                  <a:schemeClr val="tx2"/>
+                </a:solidFill>
+              </a:rPr>
+              <a:t>2</a:t>
+            </a:r>
+          </a:p>
+        </p:txBody>
+      </p:sp>
+      <p:sp>
+        <p:nvSpPr>
+          <p:cNvPr id="68" name="Oval 67">
+            <a:extLst>
+              <a:ext uri="{FF2B5EF4-FFF2-40B4-BE49-F238E27FC236}">
+                <a16:creationId xmlns:a16="http://schemas.microsoft.com/office/drawing/2014/main" id="{AF04439C-AAE8-1F91-ECA8-8A107774A4A7}"/>
+              </a:ext>
+            </a:extLst>
+          </p:cNvPr>
+          <p:cNvSpPr/>
+          <p:nvPr/>
+        </p:nvSpPr>
+        <p:spPr>
+          <a:xfrm>
+            <a:off x="1992723" y="2410808"/>
+            <a:ext cx="216024" cy="216024"/>
+          </a:xfrm>
+          <a:prstGeom prst="ellipse">
+            <a:avLst/>
+          </a:prstGeom>
+          <a:solidFill>
+            <a:schemeClr val="bg1"/>
+          </a:solidFill>
+          <a:ln w="19050">
+            <a:solidFill>
+              <a:schemeClr val="tx2"/>
+            </a:solidFill>
+          </a:ln>
+        </p:spPr>
+        <p:style>
+          <a:lnRef idx="2">
+            <a:schemeClr val="accent1">
+              <a:shade val="15000"/>
+            </a:schemeClr>
+          </a:lnRef>
+          <a:fillRef idx="1">
+            <a:schemeClr val="accent1"/>
+          </a:fillRef>
+          <a:effectRef idx="0">
+            <a:schemeClr val="accent1"/>
+          </a:effectRef>
+          <a:fontRef idx="minor">
+            <a:schemeClr val="lt1"/>
+          </a:fontRef>
+        </p:style>
+        <p:txBody>
+          <a:bodyPr rtlCol="0" anchor="ctr"/>
+          <a:lstStyle/>
+          <a:p>
+            <a:pPr algn="ctr"/>
+            <a:r>
+              <a:rPr lang="en-KR" sz="1000">
+                <a:solidFill>
+                  <a:schemeClr val="tx2"/>
+                </a:solidFill>
+              </a:rPr>
+              <a:t>3</a:t>
+            </a:r>
+          </a:p>
+        </p:txBody>
+      </p:sp>
+      <p:sp>
+        <p:nvSpPr>
+          <p:cNvPr id="69" name="TextBox 68">
+            <a:extLst>
+              <a:ext uri="{FF2B5EF4-FFF2-40B4-BE49-F238E27FC236}">
+                <a16:creationId xmlns:a16="http://schemas.microsoft.com/office/drawing/2014/main" id="{D0C48090-B4DB-6B7C-BFA9-9EA3B1083956}"/>
+              </a:ext>
+            </a:extLst>
+          </p:cNvPr>
+          <p:cNvSpPr txBox="1"/>
+          <p:nvPr/>
+        </p:nvSpPr>
+        <p:spPr>
+          <a:xfrm>
+            <a:off x="3372415" y="2012378"/>
+            <a:ext cx="1253869" cy="230832"/>
+          </a:xfrm>
+          <a:prstGeom prst="rect">
+            <a:avLst/>
+          </a:prstGeom>
+          <a:noFill/>
+        </p:spPr>
+        <p:txBody>
+          <a:bodyPr wrap="none" rtlCol="0">
+            <a:spAutoFit/>
+          </a:bodyPr>
+          <a:lstStyle/>
+          <a:p>
+            <a:pPr algn="ctr"/>
+            <a:r>
+              <a:rPr lang="en-KR" sz="900">
+                <a:solidFill>
+                  <a:schemeClr val="tx2"/>
+                </a:solidFill>
+              </a:rPr>
+              <a:t>Create driver service</a:t>
+            </a:r>
+          </a:p>
+        </p:txBody>
+      </p:sp>
+      <p:sp>
+        <p:nvSpPr>
+          <p:cNvPr id="90" name="TextBox 89">
+            <a:extLst>
+              <a:ext uri="{FF2B5EF4-FFF2-40B4-BE49-F238E27FC236}">
+                <a16:creationId xmlns:a16="http://schemas.microsoft.com/office/drawing/2014/main" id="{77E8B1B9-4F38-CCA4-D78D-71260B116C39}"/>
+              </a:ext>
+            </a:extLst>
+          </p:cNvPr>
+          <p:cNvSpPr txBox="1"/>
+          <p:nvPr/>
+        </p:nvSpPr>
+        <p:spPr>
+          <a:xfrm>
+            <a:off x="3623199" y="2275738"/>
+            <a:ext cx="1061509" cy="230832"/>
+          </a:xfrm>
+          <a:prstGeom prst="rect">
+            <a:avLst/>
+          </a:prstGeom>
+          <a:noFill/>
+        </p:spPr>
+        <p:txBody>
+          <a:bodyPr wrap="none" rtlCol="0">
+            <a:spAutoFit/>
+          </a:bodyPr>
+          <a:lstStyle/>
+          <a:p>
+            <a:pPr algn="ctr"/>
+            <a:r>
+              <a:rPr lang="en-KR" sz="900">
+                <a:solidFill>
+                  <a:schemeClr val="tx2"/>
+                </a:solidFill>
+              </a:rPr>
+              <a:t>Create executors</a:t>
+            </a:r>
+          </a:p>
+        </p:txBody>
+      </p:sp>
+      <p:sp>
+        <p:nvSpPr>
+          <p:cNvPr id="100" name="Oval 99">
+            <a:extLst>
+              <a:ext uri="{FF2B5EF4-FFF2-40B4-BE49-F238E27FC236}">
+                <a16:creationId xmlns:a16="http://schemas.microsoft.com/office/drawing/2014/main" id="{ACEB698B-91CC-B150-82F8-9FF2D12831B7}"/>
+              </a:ext>
+            </a:extLst>
+          </p:cNvPr>
+          <p:cNvSpPr/>
+          <p:nvPr/>
+        </p:nvSpPr>
+        <p:spPr>
+          <a:xfrm>
+            <a:off x="3673049" y="2676891"/>
+            <a:ext cx="216024" cy="216024"/>
+          </a:xfrm>
+          <a:prstGeom prst="ellipse">
+            <a:avLst/>
+          </a:prstGeom>
+          <a:solidFill>
+            <a:schemeClr val="bg1"/>
+          </a:solidFill>
+          <a:ln w="19050">
+            <a:solidFill>
+              <a:schemeClr val="tx2"/>
+            </a:solidFill>
+          </a:ln>
+        </p:spPr>
+        <p:style>
+          <a:lnRef idx="2">
+            <a:schemeClr val="accent1">
+              <a:shade val="15000"/>
+            </a:schemeClr>
+          </a:lnRef>
+          <a:fillRef idx="1">
+            <a:schemeClr val="accent1"/>
+          </a:fillRef>
+          <a:effectRef idx="0">
+            <a:schemeClr val="accent1"/>
+          </a:effectRef>
+          <a:fontRef idx="minor">
+            <a:schemeClr val="lt1"/>
+          </a:fontRef>
+        </p:style>
+        <p:txBody>
+          <a:bodyPr rtlCol="0" anchor="ctr"/>
+          <a:lstStyle/>
+          <a:p>
+            <a:pPr algn="ctr"/>
+            <a:r>
+              <a:rPr lang="en-KR" sz="1000">
+                <a:solidFill>
+                  <a:schemeClr val="tx2"/>
+                </a:solidFill>
+              </a:rPr>
+              <a:t>5</a:t>
+            </a:r>
+          </a:p>
+        </p:txBody>
+      </p:sp>
+      <p:sp>
+        <p:nvSpPr>
+          <p:cNvPr id="101" name="Oval 100">
+            <a:extLst>
+              <a:ext uri="{FF2B5EF4-FFF2-40B4-BE49-F238E27FC236}">
+                <a16:creationId xmlns:a16="http://schemas.microsoft.com/office/drawing/2014/main" id="{33D86303-EAC0-3720-B09F-68558C54C56E}"/>
+              </a:ext>
+            </a:extLst>
+          </p:cNvPr>
+          <p:cNvSpPr/>
+          <p:nvPr/>
+        </p:nvSpPr>
+        <p:spPr>
+          <a:xfrm>
+            <a:off x="6875532" y="2239625"/>
+            <a:ext cx="216024" cy="216024"/>
+          </a:xfrm>
+          <a:prstGeom prst="ellipse">
+            <a:avLst/>
+          </a:prstGeom>
+          <a:solidFill>
+            <a:schemeClr val="bg1"/>
+          </a:solidFill>
+          <a:ln w="19050">
+            <a:solidFill>
+              <a:schemeClr val="tx2"/>
+            </a:solidFill>
+          </a:ln>
+        </p:spPr>
+        <p:style>
+          <a:lnRef idx="2">
+            <a:schemeClr val="accent1">
+              <a:shade val="15000"/>
+            </a:schemeClr>
+          </a:lnRef>
+          <a:fillRef idx="1">
+            <a:schemeClr val="accent1"/>
+          </a:fillRef>
+          <a:effectRef idx="0">
+            <a:schemeClr val="accent1"/>
+          </a:effectRef>
+          <a:fontRef idx="minor">
+            <a:schemeClr val="lt1"/>
+          </a:fontRef>
+        </p:style>
+        <p:txBody>
+          <a:bodyPr rtlCol="0" anchor="ctr"/>
+          <a:lstStyle/>
+          <a:p>
+            <a:pPr algn="ctr"/>
+            <a:r>
+              <a:rPr lang="en-KR" sz="1000">
+                <a:solidFill>
+                  <a:schemeClr val="tx2"/>
+                </a:solidFill>
+              </a:rPr>
+              <a:t>6</a:t>
+            </a:r>
+          </a:p>
+        </p:txBody>
+      </p:sp>
+      <p:cxnSp>
+        <p:nvCxnSpPr>
+          <p:cNvPr id="102" name="Straight Arrow Connector 101">
+            <a:extLst>
+              <a:ext uri="{FF2B5EF4-FFF2-40B4-BE49-F238E27FC236}">
+                <a16:creationId xmlns:a16="http://schemas.microsoft.com/office/drawing/2014/main" id="{2363DC0F-71E6-06D1-B6D7-FEDA667304C0}"/>
+              </a:ext>
+            </a:extLst>
+          </p:cNvPr>
+          <p:cNvCxnSpPr>
+            <a:cxnSpLocks/>
+            <a:stCxn id="101" idx="0"/>
+            <a:endCxn id="52" idx="2"/>
+          </p:cNvCxnSpPr>
+          <p:nvPr/>
+        </p:nvCxnSpPr>
+        <p:spPr>
+          <a:xfrm flipV="1">
+            <a:off x="6983544" y="1854491"/>
+            <a:ext cx="0" cy="385134"/>
+          </a:xfrm>
+          <a:prstGeom prst="straightConnector1">
+            <a:avLst/>
+          </a:prstGeom>
+          <a:ln>
+            <a:solidFill>
+              <a:schemeClr val="tx2"/>
+            </a:solidFill>
+            <a:tailEnd type="triangle"/>
+          </a:ln>
+        </p:spPr>
+        <p:style>
+          <a:lnRef idx="1">
+            <a:schemeClr val="dk1"/>
+          </a:lnRef>
+          <a:fillRef idx="0">
+            <a:schemeClr val="dk1"/>
+          </a:fillRef>
+          <a:effectRef idx="0">
+            <a:schemeClr val="dk1"/>
+          </a:effectRef>
+          <a:fontRef idx="minor">
+            <a:schemeClr val="tx1"/>
+          </a:fontRef>
+        </p:style>
+      </p:cxnSp>
+      <p:sp>
+        <p:nvSpPr>
+          <p:cNvPr id="119" name="TextBox 118">
+            <a:extLst>
+              <a:ext uri="{FF2B5EF4-FFF2-40B4-BE49-F238E27FC236}">
+                <a16:creationId xmlns:a16="http://schemas.microsoft.com/office/drawing/2014/main" id="{F297BFAB-A880-228E-DF95-F2B1520E3B58}"/>
+              </a:ext>
+            </a:extLst>
+          </p:cNvPr>
+          <p:cNvSpPr txBox="1"/>
+          <p:nvPr/>
+        </p:nvSpPr>
+        <p:spPr>
+          <a:xfrm>
+            <a:off x="4715100" y="2981139"/>
+            <a:ext cx="768159" cy="369332"/>
+          </a:xfrm>
+          <a:prstGeom prst="rect">
+            <a:avLst/>
+          </a:prstGeom>
+          <a:noFill/>
+        </p:spPr>
+        <p:txBody>
+          <a:bodyPr wrap="none" rtlCol="0">
+            <a:spAutoFit/>
+          </a:bodyPr>
+          <a:lstStyle/>
+          <a:p>
+            <a:pPr algn="ctr"/>
+            <a:r>
+              <a:rPr lang="en-KR" sz="900">
+                <a:solidFill>
+                  <a:schemeClr val="tx2"/>
+                </a:solidFill>
+              </a:rPr>
+              <a:t>Connect to</a:t>
+            </a:r>
+          </a:p>
+          <a:p>
+            <a:pPr algn="ctr"/>
+            <a:r>
+              <a:rPr lang="en-KR" sz="900">
+                <a:solidFill>
+                  <a:schemeClr val="tx2"/>
+                </a:solidFill>
+              </a:rPr>
+              <a:t>driver</a:t>
+            </a:r>
+          </a:p>
+        </p:txBody>
+      </p:sp>
+      <p:sp>
+        <p:nvSpPr>
+          <p:cNvPr id="122" name="Oval 121">
+            <a:extLst>
+              <a:ext uri="{FF2B5EF4-FFF2-40B4-BE49-F238E27FC236}">
+                <a16:creationId xmlns:a16="http://schemas.microsoft.com/office/drawing/2014/main" id="{C9AAA6F1-1E38-9F94-76F7-A033B7448B42}"/>
+              </a:ext>
+            </a:extLst>
+          </p:cNvPr>
+          <p:cNvSpPr/>
+          <p:nvPr/>
+        </p:nvSpPr>
+        <p:spPr>
+          <a:xfrm>
+            <a:off x="2895073" y="2946027"/>
+            <a:ext cx="216024" cy="216024"/>
+          </a:xfrm>
+          <a:prstGeom prst="ellipse">
+            <a:avLst/>
+          </a:prstGeom>
+          <a:solidFill>
+            <a:schemeClr val="bg1"/>
+          </a:solidFill>
+          <a:ln w="19050">
+            <a:solidFill>
+              <a:srgbClr val="C00000"/>
+            </a:solidFill>
+          </a:ln>
+        </p:spPr>
+        <p:style>
+          <a:lnRef idx="2">
+            <a:schemeClr val="accent1">
+              <a:shade val="15000"/>
+            </a:schemeClr>
+          </a:lnRef>
+          <a:fillRef idx="1">
+            <a:schemeClr val="accent1"/>
+          </a:fillRef>
+          <a:effectRef idx="0">
+            <a:schemeClr val="accent1"/>
+          </a:effectRef>
+          <a:fontRef idx="minor">
+            <a:schemeClr val="lt1"/>
+          </a:fontRef>
+        </p:style>
+        <p:txBody>
+          <a:bodyPr rtlCol="0" anchor="ctr"/>
+          <a:lstStyle/>
+          <a:p>
+            <a:pPr algn="ctr"/>
+            <a:r>
+              <a:rPr lang="en-KR" sz="1000">
+                <a:solidFill>
+                  <a:srgbClr val="C00000"/>
+                </a:solidFill>
+              </a:rPr>
+              <a:t>1</a:t>
+            </a:r>
+          </a:p>
+        </p:txBody>
+      </p:sp>
+      <p:sp>
+        <p:nvSpPr>
+          <p:cNvPr id="1029" name="TextBox 1028">
+            <a:extLst>
+              <a:ext uri="{FF2B5EF4-FFF2-40B4-BE49-F238E27FC236}">
+                <a16:creationId xmlns:a16="http://schemas.microsoft.com/office/drawing/2014/main" id="{5CDCB13E-7E28-B93D-D881-E8E76FB08B7B}"/>
+              </a:ext>
+            </a:extLst>
+          </p:cNvPr>
+          <p:cNvSpPr txBox="1"/>
+          <p:nvPr/>
+        </p:nvSpPr>
+        <p:spPr>
+          <a:xfrm>
+            <a:off x="587729" y="2862739"/>
+            <a:ext cx="920445" cy="369332"/>
+          </a:xfrm>
+          <a:prstGeom prst="rect">
+            <a:avLst/>
+          </a:prstGeom>
+          <a:noFill/>
+        </p:spPr>
+        <p:txBody>
+          <a:bodyPr wrap="none" rtlCol="0">
+            <a:spAutoFit/>
+          </a:bodyPr>
+          <a:lstStyle/>
+          <a:p>
+            <a:pPr algn="ctr"/>
+            <a:r>
+              <a:rPr lang="en-KR" sz="900">
+                <a:solidFill>
+                  <a:srgbClr val="C00000"/>
+                </a:solidFill>
+              </a:rPr>
+              <a:t>Write driver’s </a:t>
+            </a:r>
+          </a:p>
+          <a:p>
+            <a:pPr algn="ctr"/>
+            <a:r>
+              <a:rPr lang="en-KR" sz="900">
+                <a:solidFill>
+                  <a:srgbClr val="C00000"/>
+                </a:solidFill>
+              </a:rPr>
+              <a:t>event logs</a:t>
+            </a:r>
+          </a:p>
+        </p:txBody>
+      </p:sp>
+      <p:sp>
+        <p:nvSpPr>
+          <p:cNvPr id="1030" name="Oval 1029">
+            <a:extLst>
+              <a:ext uri="{FF2B5EF4-FFF2-40B4-BE49-F238E27FC236}">
+                <a16:creationId xmlns:a16="http://schemas.microsoft.com/office/drawing/2014/main" id="{D9432618-5149-A391-EA1D-74F144DF5177}"/>
+              </a:ext>
+            </a:extLst>
+          </p:cNvPr>
+          <p:cNvSpPr/>
+          <p:nvPr/>
+        </p:nvSpPr>
+        <p:spPr>
+          <a:xfrm>
+            <a:off x="2895073" y="3375663"/>
+            <a:ext cx="216024" cy="216024"/>
+          </a:xfrm>
+          <a:prstGeom prst="ellipse">
+            <a:avLst/>
+          </a:prstGeom>
+          <a:solidFill>
+            <a:schemeClr val="bg1"/>
+          </a:solidFill>
+          <a:ln w="19050">
+            <a:solidFill>
+              <a:srgbClr val="C00000"/>
+            </a:solidFill>
+          </a:ln>
+        </p:spPr>
+        <p:style>
+          <a:lnRef idx="2">
+            <a:schemeClr val="accent1">
+              <a:shade val="15000"/>
+            </a:schemeClr>
+          </a:lnRef>
+          <a:fillRef idx="1">
+            <a:schemeClr val="accent1"/>
+          </a:fillRef>
+          <a:effectRef idx="0">
+            <a:schemeClr val="accent1"/>
+          </a:effectRef>
+          <a:fontRef idx="minor">
+            <a:schemeClr val="lt1"/>
+          </a:fontRef>
+        </p:style>
+        <p:txBody>
+          <a:bodyPr rtlCol="0" anchor="ctr"/>
+          <a:lstStyle/>
+          <a:p>
+            <a:pPr algn="ctr"/>
+            <a:r>
+              <a:rPr lang="en-KR" sz="1000">
+                <a:solidFill>
+                  <a:srgbClr val="C00000"/>
+                </a:solidFill>
+              </a:rPr>
+              <a:t>2</a:t>
+            </a:r>
+          </a:p>
+        </p:txBody>
+      </p:sp>
+      <p:sp>
+        <p:nvSpPr>
+          <p:cNvPr id="1040" name="TextBox 1039">
+            <a:extLst>
+              <a:ext uri="{FF2B5EF4-FFF2-40B4-BE49-F238E27FC236}">
+                <a16:creationId xmlns:a16="http://schemas.microsoft.com/office/drawing/2014/main" id="{C29BCD48-11B4-D550-9F86-658496870C65}"/>
+              </a:ext>
+            </a:extLst>
+          </p:cNvPr>
+          <p:cNvSpPr txBox="1"/>
+          <p:nvPr/>
+        </p:nvSpPr>
+        <p:spPr>
+          <a:xfrm>
+            <a:off x="2086424" y="3847397"/>
+            <a:ext cx="782587" cy="369332"/>
+          </a:xfrm>
+          <a:prstGeom prst="rect">
+            <a:avLst/>
+          </a:prstGeom>
+          <a:noFill/>
+        </p:spPr>
+        <p:txBody>
+          <a:bodyPr wrap="none" rtlCol="0">
+            <a:spAutoFit/>
+          </a:bodyPr>
+          <a:lstStyle/>
+          <a:p>
+            <a:pPr algn="ctr"/>
+            <a:r>
+              <a:rPr lang="en-KR" sz="900">
+                <a:solidFill>
+                  <a:srgbClr val="C00000"/>
+                </a:solidFill>
+              </a:rPr>
+              <a:t>Get driver’s</a:t>
+            </a:r>
+          </a:p>
+          <a:p>
+            <a:pPr algn="ctr"/>
+            <a:r>
+              <a:rPr lang="en-KR" sz="900">
+                <a:solidFill>
+                  <a:srgbClr val="C00000"/>
+                </a:solidFill>
+              </a:rPr>
+              <a:t>event logs</a:t>
+            </a:r>
+          </a:p>
+        </p:txBody>
+      </p:sp>
+      <p:sp>
+        <p:nvSpPr>
+          <p:cNvPr id="1044" name="Oval 1043">
+            <a:extLst>
+              <a:ext uri="{FF2B5EF4-FFF2-40B4-BE49-F238E27FC236}">
+                <a16:creationId xmlns:a16="http://schemas.microsoft.com/office/drawing/2014/main" id="{6444CC20-BF11-D17A-3709-C7809DCB9AE9}"/>
+              </a:ext>
+            </a:extLst>
+          </p:cNvPr>
+          <p:cNvSpPr/>
+          <p:nvPr/>
+        </p:nvSpPr>
+        <p:spPr>
+          <a:xfrm>
+            <a:off x="3987719" y="3188017"/>
+            <a:ext cx="216024" cy="216024"/>
+          </a:xfrm>
+          <a:prstGeom prst="ellipse">
+            <a:avLst/>
+          </a:prstGeom>
+          <a:solidFill>
+            <a:schemeClr val="bg1"/>
+          </a:solidFill>
+          <a:ln w="19050">
+            <a:solidFill>
+              <a:srgbClr val="C00000"/>
+            </a:solidFill>
+          </a:ln>
+        </p:spPr>
+        <p:style>
+          <a:lnRef idx="2">
+            <a:schemeClr val="accent1">
+              <a:shade val="15000"/>
+            </a:schemeClr>
+          </a:lnRef>
+          <a:fillRef idx="1">
+            <a:schemeClr val="accent1"/>
+          </a:fillRef>
+          <a:effectRef idx="0">
+            <a:schemeClr val="accent1"/>
+          </a:effectRef>
+          <a:fontRef idx="minor">
+            <a:schemeClr val="lt1"/>
+          </a:fontRef>
+        </p:style>
+        <p:txBody>
+          <a:bodyPr rtlCol="0" anchor="ctr"/>
+          <a:lstStyle/>
+          <a:p>
+            <a:pPr algn="ctr"/>
+            <a:r>
+              <a:rPr lang="en-KR" sz="1000">
+                <a:solidFill>
+                  <a:srgbClr val="C00000"/>
+                </a:solidFill>
+              </a:rPr>
+              <a:t>3</a:t>
+            </a:r>
+          </a:p>
+        </p:txBody>
+      </p:sp>
+      <p:sp>
+        <p:nvSpPr>
+          <p:cNvPr id="1048" name="TextBox 1047">
+            <a:extLst>
+              <a:ext uri="{FF2B5EF4-FFF2-40B4-BE49-F238E27FC236}">
+                <a16:creationId xmlns:a16="http://schemas.microsoft.com/office/drawing/2014/main" id="{A284C8B5-8D41-BBDD-7EE4-56D545335FAB}"/>
+              </a:ext>
+            </a:extLst>
+          </p:cNvPr>
+          <p:cNvSpPr txBox="1"/>
+          <p:nvPr/>
+        </p:nvSpPr>
+        <p:spPr>
+          <a:xfrm>
+            <a:off x="5113022" y="1984977"/>
+            <a:ext cx="859531" cy="369332"/>
+          </a:xfrm>
+          <a:prstGeom prst="rect">
+            <a:avLst/>
+          </a:prstGeom>
+          <a:noFill/>
+        </p:spPr>
+        <p:txBody>
+          <a:bodyPr wrap="none" rtlCol="0">
+            <a:spAutoFit/>
+          </a:bodyPr>
+          <a:lstStyle/>
+          <a:p>
+            <a:pPr algn="ctr"/>
+            <a:r>
+              <a:rPr lang="en-KR" sz="900">
+                <a:solidFill>
+                  <a:srgbClr val="C00000"/>
+                </a:solidFill>
+              </a:rPr>
+              <a:t>Send driver’s</a:t>
+            </a:r>
+          </a:p>
+          <a:p>
+            <a:pPr algn="ctr"/>
+            <a:r>
+              <a:rPr lang="en-KR" sz="900">
+                <a:solidFill>
+                  <a:srgbClr val="C00000"/>
+                </a:solidFill>
+              </a:rPr>
+              <a:t>event logs</a:t>
+            </a:r>
+          </a:p>
+        </p:txBody>
+      </p:sp>
+      <p:cxnSp>
+        <p:nvCxnSpPr>
+          <p:cNvPr id="1068" name="Straight Arrow Connector 1067">
+            <a:extLst>
+              <a:ext uri="{FF2B5EF4-FFF2-40B4-BE49-F238E27FC236}">
+                <a16:creationId xmlns:a16="http://schemas.microsoft.com/office/drawing/2014/main" id="{7AA6B91B-0691-FF65-3C8F-9952199C4C78}"/>
+              </a:ext>
+            </a:extLst>
+          </p:cNvPr>
+          <p:cNvCxnSpPr>
+            <a:cxnSpLocks/>
+          </p:cNvCxnSpPr>
+          <p:nvPr/>
+        </p:nvCxnSpPr>
+        <p:spPr>
+          <a:xfrm>
+            <a:off x="652278" y="4614664"/>
+            <a:ext cx="344305" cy="0"/>
+          </a:xfrm>
+          <a:prstGeom prst="straightConnector1">
+            <a:avLst/>
+          </a:prstGeom>
+          <a:ln>
+            <a:solidFill>
+              <a:schemeClr val="tx2"/>
+            </a:solidFill>
+            <a:tailEnd type="triangle"/>
+          </a:ln>
+        </p:spPr>
+        <p:style>
+          <a:lnRef idx="1">
+            <a:schemeClr val="dk1"/>
+          </a:lnRef>
+          <a:fillRef idx="0">
+            <a:schemeClr val="dk1"/>
+          </a:fillRef>
+          <a:effectRef idx="0">
+            <a:schemeClr val="dk1"/>
+          </a:effectRef>
+          <a:fontRef idx="minor">
+            <a:schemeClr val="tx1"/>
+          </a:fontRef>
+        </p:style>
+      </p:cxnSp>
+      <p:sp>
+        <p:nvSpPr>
+          <p:cNvPr id="1072" name="TextBox 1071">
+            <a:extLst>
+              <a:ext uri="{FF2B5EF4-FFF2-40B4-BE49-F238E27FC236}">
+                <a16:creationId xmlns:a16="http://schemas.microsoft.com/office/drawing/2014/main" id="{CC8E8409-67AB-E9D7-DAAA-A3A1BEF4B9CE}"/>
+              </a:ext>
+            </a:extLst>
+          </p:cNvPr>
+          <p:cNvSpPr txBox="1"/>
+          <p:nvPr/>
+        </p:nvSpPr>
+        <p:spPr>
+          <a:xfrm>
+            <a:off x="996583" y="4494633"/>
+            <a:ext cx="899605" cy="230832"/>
+          </a:xfrm>
+          <a:prstGeom prst="rect">
+            <a:avLst/>
+          </a:prstGeom>
+          <a:noFill/>
+        </p:spPr>
+        <p:txBody>
+          <a:bodyPr wrap="none" rtlCol="0">
+            <a:spAutoFit/>
+          </a:bodyPr>
+          <a:lstStyle/>
+          <a:p>
+            <a:r>
+              <a:rPr lang="en-KR" sz="900"/>
+              <a:t>Spark Job Init</a:t>
+            </a:r>
+          </a:p>
+        </p:txBody>
+      </p:sp>
+      <p:cxnSp>
+        <p:nvCxnSpPr>
+          <p:cNvPr id="1073" name="Straight Arrow Connector 1072">
+            <a:extLst>
+              <a:ext uri="{FF2B5EF4-FFF2-40B4-BE49-F238E27FC236}">
+                <a16:creationId xmlns:a16="http://schemas.microsoft.com/office/drawing/2014/main" id="{7A64B2FA-F6A1-EDD7-E876-A81135F1486C}"/>
+              </a:ext>
+            </a:extLst>
+          </p:cNvPr>
+          <p:cNvCxnSpPr>
+            <a:cxnSpLocks/>
+          </p:cNvCxnSpPr>
+          <p:nvPr/>
+        </p:nvCxnSpPr>
+        <p:spPr>
+          <a:xfrm>
+            <a:off x="1896661" y="4614664"/>
+            <a:ext cx="344305" cy="0"/>
+          </a:xfrm>
+          <a:prstGeom prst="straightConnector1">
+            <a:avLst/>
+          </a:prstGeom>
+          <a:ln>
+            <a:solidFill>
+              <a:srgbClr val="C00000"/>
+            </a:solidFill>
+            <a:tailEnd type="triangle"/>
+          </a:ln>
+        </p:spPr>
+        <p:style>
+          <a:lnRef idx="1">
+            <a:schemeClr val="dk1"/>
+          </a:lnRef>
+          <a:fillRef idx="0">
+            <a:schemeClr val="dk1"/>
+          </a:fillRef>
+          <a:effectRef idx="0">
+            <a:schemeClr val="dk1"/>
+          </a:effectRef>
+          <a:fontRef idx="minor">
+            <a:schemeClr val="tx1"/>
+          </a:fontRef>
+        </p:style>
+      </p:cxnSp>
+      <p:sp>
+        <p:nvSpPr>
+          <p:cNvPr id="1074" name="TextBox 1073">
+            <a:extLst>
+              <a:ext uri="{FF2B5EF4-FFF2-40B4-BE49-F238E27FC236}">
+                <a16:creationId xmlns:a16="http://schemas.microsoft.com/office/drawing/2014/main" id="{09E565D8-DFFC-AC88-380C-FF947C8F493C}"/>
+              </a:ext>
+            </a:extLst>
+          </p:cNvPr>
+          <p:cNvSpPr txBox="1"/>
+          <p:nvPr/>
+        </p:nvSpPr>
+        <p:spPr>
+          <a:xfrm>
+            <a:off x="2246728" y="4494633"/>
+            <a:ext cx="1244250" cy="230832"/>
+          </a:xfrm>
+          <a:prstGeom prst="rect">
+            <a:avLst/>
+          </a:prstGeom>
+          <a:noFill/>
+        </p:spPr>
+        <p:txBody>
+          <a:bodyPr wrap="none" rtlCol="0">
+            <a:spAutoFit/>
+          </a:bodyPr>
+          <a:lstStyle/>
+          <a:p>
+            <a:r>
+              <a:rPr lang="en-KR" sz="900"/>
+              <a:t>Spark History Server</a:t>
+            </a:r>
+          </a:p>
+        </p:txBody>
+      </p:sp>
+    </p:spTree>
+    <p:extLst>
+      <p:ext uri="{BB962C8B-B14F-4D97-AF65-F5344CB8AC3E}">
+        <p14:creationId xmlns:p14="http://schemas.microsoft.com/office/powerpoint/2010/main" val="2665860120"/>
+      </p:ext>
+    </p:extLst>
+  </p:cSld>
+  <p:clrMapOvr>
+    <a:masterClrMapping/>
+  </p:clrMapOvr>
+</p:sld>
+</file>
+
+<file path=ppt/slides/slide5.xml><?xml version="1.0" encoding="utf-8"?>
+<p:sld xmlns:a="http://schemas.openxmlformats.org/drawingml/2006/main" xmlns:r="http://schemas.openxmlformats.org/officeDocument/2006/relationships" xmlns:p="http://schemas.openxmlformats.org/presentationml/2006/main">
+  <p:cSld>
+    <p:spTree>
+      <p:nvGrpSpPr>
+        <p:cNvPr id="1" name=""/>
+        <p:cNvGrpSpPr/>
+        <p:nvPr/>
+      </p:nvGrpSpPr>
+      <p:grpSpPr>
+        <a:xfrm>
+          <a:off x="0" y="0"/>
+          <a:ext cx="0" cy="0"/>
+          <a:chOff x="0" y="0"/>
+          <a:chExt cx="0" cy="0"/>
+        </a:xfrm>
+      </p:grpSpPr>
+      <p:sp>
+        <p:nvSpPr>
+          <p:cNvPr id="2" name="제목 1">
+            <a:extLst>
+              <a:ext uri="{FF2B5EF4-FFF2-40B4-BE49-F238E27FC236}">
+                <a16:creationId xmlns:a16="http://schemas.microsoft.com/office/drawing/2014/main" id="{42D92FD6-97D5-22EF-2A04-0BC282BD0B3C}"/>
+              </a:ext>
+            </a:extLst>
+          </p:cNvPr>
+          <p:cNvSpPr txBox="1">
+            <a:spLocks/>
+          </p:cNvSpPr>
+          <p:nvPr/>
+        </p:nvSpPr>
+        <p:spPr>
+          <a:xfrm>
+            <a:off x="565354" y="-92546"/>
+            <a:ext cx="8229600" cy="857250"/>
+          </a:xfrm>
+          <a:prstGeom prst="rect">
+            <a:avLst/>
+          </a:prstGeom>
+        </p:spPr>
+        <p:txBody>
+          <a:bodyPr>
+            <a:normAutofit/>
+          </a:bodyPr>
+          <a:lstStyle>
+            <a:lvl1pPr algn="ctr" defTabSz="914400" rtl="0" eaLnBrk="1" latinLnBrk="1" hangingPunct="1">
+              <a:spcBef>
+                <a:spcPct val="0"/>
+              </a:spcBef>
+              <a:buNone/>
+              <a:defRPr sz="4400" kern="1200">
+                <a:solidFill>
+                  <a:schemeClr val="tx1"/>
+                </a:solidFill>
+                <a:latin typeface="+mj-lt"/>
+                <a:ea typeface="+mj-ea"/>
+                <a:cs typeface="+mj-cs"/>
+              </a:defRPr>
+            </a:lvl1pPr>
+          </a:lstStyle>
+          <a:p>
+            <a:r>
+              <a:rPr lang="en-US" altLang="ko-KR" sz="3600"/>
+              <a:t>spark-operator Architecture </a:t>
+            </a:r>
+            <a:endParaRPr lang="ko-KR" altLang="en-US" sz="3600"/>
+          </a:p>
+        </p:txBody>
+      </p:sp>
+      <p:sp>
+        <p:nvSpPr>
+          <p:cNvPr id="4" name="Rounded Rectangle 3">
+            <a:extLst>
+              <a:ext uri="{FF2B5EF4-FFF2-40B4-BE49-F238E27FC236}">
+                <a16:creationId xmlns:a16="http://schemas.microsoft.com/office/drawing/2014/main" id="{032F9A66-C9C5-8E1B-D886-62625B7ED27A}"/>
+              </a:ext>
+            </a:extLst>
+          </p:cNvPr>
+          <p:cNvSpPr/>
+          <p:nvPr/>
+        </p:nvSpPr>
+        <p:spPr>
+          <a:xfrm>
+            <a:off x="2411760" y="764704"/>
+            <a:ext cx="6579383" cy="3872931"/>
+          </a:xfrm>
+          <a:prstGeom prst="roundRect">
+            <a:avLst>
+              <a:gd name="adj" fmla="val 1789"/>
+            </a:avLst>
+          </a:prstGeom>
+          <a:noFill/>
+          <a:ln w="12700">
+            <a:solidFill>
+              <a:schemeClr val="tx1"/>
+            </a:solidFill>
+            <a:prstDash val="dash"/>
+          </a:ln>
+        </p:spPr>
+        <p:style>
+          <a:lnRef idx="2">
+            <a:schemeClr val="accent1">
+              <a:shade val="50000"/>
+            </a:schemeClr>
+          </a:lnRef>
+          <a:fillRef idx="1">
+            <a:schemeClr val="accent1"/>
+          </a:fillRef>
+          <a:effectRef idx="0">
+            <a:schemeClr val="accent1"/>
+          </a:effectRef>
+          <a:fontRef idx="minor">
+            <a:schemeClr val="lt1"/>
+          </a:fontRef>
+        </p:style>
+        <p:txBody>
+          <a:bodyPr rtlCol="0" anchor="b"/>
+          <a:lstStyle/>
+          <a:p>
+            <a:pPr algn="ctr"/>
+            <a:r>
+              <a:rPr lang="en-KR" sz="1100" b="1">
+                <a:solidFill>
+                  <a:sysClr val="windowText" lastClr="000000"/>
+                </a:solidFill>
+              </a:rPr>
+              <a:t>Kubernetes Cluster</a:t>
+            </a:r>
+          </a:p>
+        </p:txBody>
+      </p:sp>
+      <p:sp>
+        <p:nvSpPr>
+          <p:cNvPr id="6" name="모서리가 둥근 직사각형 2">
+            <a:extLst>
+              <a:ext uri="{FF2B5EF4-FFF2-40B4-BE49-F238E27FC236}">
+                <a16:creationId xmlns:a16="http://schemas.microsoft.com/office/drawing/2014/main" id="{B13F75DA-C81E-1A63-0FF9-6B317B7BB70A}"/>
+              </a:ext>
+            </a:extLst>
+          </p:cNvPr>
+          <p:cNvSpPr/>
+          <p:nvPr/>
+        </p:nvSpPr>
+        <p:spPr>
+          <a:xfrm>
+            <a:off x="2483768" y="2837433"/>
+            <a:ext cx="1368152" cy="1440154"/>
+          </a:xfrm>
+          <a:prstGeom prst="roundRect">
+            <a:avLst>
+              <a:gd name="adj" fmla="val 7293"/>
+            </a:avLst>
+          </a:prstGeom>
+          <a:ln w="12700"/>
+        </p:spPr>
+        <p:style>
+          <a:lnRef idx="2">
+            <a:schemeClr val="dk1"/>
+          </a:lnRef>
+          <a:fillRef idx="1">
+            <a:schemeClr val="lt1"/>
+          </a:fillRef>
+          <a:effectRef idx="0">
+            <a:schemeClr val="dk1"/>
+          </a:effectRef>
+          <a:fontRef idx="minor">
+            <a:schemeClr val="dk1"/>
+          </a:fontRef>
+        </p:style>
+        <p:txBody>
+          <a:bodyPr rtlCol="0" anchor="b"/>
+          <a:lstStyle/>
+          <a:p>
+            <a:pPr algn="ctr"/>
+            <a:r>
+              <a:rPr lang="en-US" altLang="ko-KR" sz="1100"/>
+              <a:t>Worker Node A</a:t>
+            </a:r>
+            <a:endParaRPr lang="ko-KR" altLang="en-US" sz="1100"/>
+          </a:p>
+        </p:txBody>
+      </p:sp>
+      <p:sp>
+        <p:nvSpPr>
+          <p:cNvPr id="7" name="모서리가 둥근 직사각형 2">
+            <a:extLst>
+              <a:ext uri="{FF2B5EF4-FFF2-40B4-BE49-F238E27FC236}">
+                <a16:creationId xmlns:a16="http://schemas.microsoft.com/office/drawing/2014/main" id="{FDCF06AD-CF54-6BAE-8B86-089E73048F9E}"/>
+              </a:ext>
+            </a:extLst>
+          </p:cNvPr>
+          <p:cNvSpPr/>
+          <p:nvPr/>
+        </p:nvSpPr>
+        <p:spPr>
+          <a:xfrm>
+            <a:off x="4175513" y="2837433"/>
+            <a:ext cx="1368152" cy="1440154"/>
+          </a:xfrm>
+          <a:prstGeom prst="roundRect">
+            <a:avLst>
+              <a:gd name="adj" fmla="val 7293"/>
+            </a:avLst>
+          </a:prstGeom>
+          <a:ln w="12700"/>
+        </p:spPr>
+        <p:style>
+          <a:lnRef idx="2">
+            <a:schemeClr val="dk1"/>
+          </a:lnRef>
+          <a:fillRef idx="1">
+            <a:schemeClr val="lt1"/>
+          </a:fillRef>
+          <a:effectRef idx="0">
+            <a:schemeClr val="dk1"/>
+          </a:effectRef>
+          <a:fontRef idx="minor">
+            <a:schemeClr val="dk1"/>
+          </a:fontRef>
+        </p:style>
+        <p:txBody>
+          <a:bodyPr rtlCol="0" anchor="b"/>
+          <a:lstStyle/>
+          <a:p>
+            <a:pPr algn="ctr"/>
+            <a:r>
+              <a:rPr lang="en-US" altLang="ko-KR" sz="1100"/>
+              <a:t>Worker Node B</a:t>
+            </a:r>
+            <a:endParaRPr lang="ko-KR" altLang="en-US" sz="1100"/>
+          </a:p>
+        </p:txBody>
+      </p:sp>
+      <p:sp>
+        <p:nvSpPr>
+          <p:cNvPr id="9" name="모서리가 둥근 직사각형 2">
+            <a:extLst>
+              <a:ext uri="{FF2B5EF4-FFF2-40B4-BE49-F238E27FC236}">
+                <a16:creationId xmlns:a16="http://schemas.microsoft.com/office/drawing/2014/main" id="{A736CA6D-20C2-AC90-2206-C2246A0CE419}"/>
+              </a:ext>
+            </a:extLst>
+          </p:cNvPr>
+          <p:cNvSpPr/>
+          <p:nvPr/>
+        </p:nvSpPr>
+        <p:spPr>
+          <a:xfrm>
+            <a:off x="5867421" y="2837433"/>
+            <a:ext cx="1368152" cy="1440154"/>
+          </a:xfrm>
+          <a:prstGeom prst="roundRect">
+            <a:avLst>
+              <a:gd name="adj" fmla="val 7293"/>
+            </a:avLst>
+          </a:prstGeom>
+          <a:ln w="12700"/>
+        </p:spPr>
+        <p:style>
+          <a:lnRef idx="2">
+            <a:schemeClr val="dk1"/>
+          </a:lnRef>
+          <a:fillRef idx="1">
+            <a:schemeClr val="lt1"/>
+          </a:fillRef>
+          <a:effectRef idx="0">
+            <a:schemeClr val="dk1"/>
+          </a:effectRef>
+          <a:fontRef idx="minor">
+            <a:schemeClr val="dk1"/>
+          </a:fontRef>
+        </p:style>
+        <p:txBody>
+          <a:bodyPr rtlCol="0" anchor="b"/>
+          <a:lstStyle/>
+          <a:p>
+            <a:pPr algn="ctr"/>
+            <a:r>
+              <a:rPr lang="en-US" altLang="ko-KR" sz="1100"/>
+              <a:t>Worker Node C</a:t>
+            </a:r>
+            <a:endParaRPr lang="ko-KR" altLang="en-US" sz="1100"/>
+          </a:p>
+        </p:txBody>
+      </p:sp>
+      <p:sp>
+        <p:nvSpPr>
+          <p:cNvPr id="13" name="모서리가 둥근 직사각형 2">
+            <a:extLst>
+              <a:ext uri="{FF2B5EF4-FFF2-40B4-BE49-F238E27FC236}">
+                <a16:creationId xmlns:a16="http://schemas.microsoft.com/office/drawing/2014/main" id="{95969EE8-F4BA-3A16-8C9B-D34CCD609DF5}"/>
+              </a:ext>
+            </a:extLst>
+          </p:cNvPr>
+          <p:cNvSpPr/>
+          <p:nvPr/>
+        </p:nvSpPr>
+        <p:spPr>
+          <a:xfrm>
+            <a:off x="2572388" y="2981449"/>
+            <a:ext cx="1190912" cy="386745"/>
+          </a:xfrm>
+          <a:prstGeom prst="roundRect">
+            <a:avLst>
+              <a:gd name="adj" fmla="val 13068"/>
+            </a:avLst>
+          </a:prstGeom>
+          <a:ln w="12700"/>
+        </p:spPr>
+        <p:style>
+          <a:lnRef idx="2">
+            <a:schemeClr val="dk1"/>
+          </a:lnRef>
+          <a:fillRef idx="1">
+            <a:schemeClr val="lt1"/>
+          </a:fillRef>
+          <a:effectRef idx="0">
+            <a:schemeClr val="dk1"/>
+          </a:effectRef>
+          <a:fontRef idx="minor">
+            <a:schemeClr val="dk1"/>
+          </a:fontRef>
+        </p:style>
+        <p:txBody>
+          <a:bodyPr rtlCol="0" anchor="ctr"/>
+          <a:lstStyle/>
+          <a:p>
+            <a:pPr algn="ctr"/>
+            <a:r>
+              <a:rPr lang="en-US" altLang="ko-KR" sz="1000"/>
+              <a:t>Driver / Pod</a:t>
+            </a:r>
+            <a:endParaRPr lang="ko-KR" altLang="en-US" sz="1000"/>
+          </a:p>
+        </p:txBody>
+      </p:sp>
+      <p:sp>
+        <p:nvSpPr>
+          <p:cNvPr id="14" name="모서리가 둥근 직사각형 2">
+            <a:extLst>
+              <a:ext uri="{FF2B5EF4-FFF2-40B4-BE49-F238E27FC236}">
+                <a16:creationId xmlns:a16="http://schemas.microsoft.com/office/drawing/2014/main" id="{3406526D-113D-711C-DECD-7E851D996144}"/>
+              </a:ext>
+            </a:extLst>
+          </p:cNvPr>
+          <p:cNvSpPr/>
+          <p:nvPr/>
+        </p:nvSpPr>
+        <p:spPr>
+          <a:xfrm>
+            <a:off x="261380" y="2389754"/>
+            <a:ext cx="1401376" cy="386745"/>
+          </a:xfrm>
+          <a:prstGeom prst="roundRect">
+            <a:avLst>
+              <a:gd name="adj" fmla="val 13068"/>
+            </a:avLst>
+          </a:prstGeom>
+          <a:ln w="12700"/>
+        </p:spPr>
+        <p:style>
+          <a:lnRef idx="2">
+            <a:schemeClr val="dk1"/>
+          </a:lnRef>
+          <a:fillRef idx="1">
+            <a:schemeClr val="lt1"/>
+          </a:fillRef>
+          <a:effectRef idx="0">
+            <a:schemeClr val="dk1"/>
+          </a:effectRef>
+          <a:fontRef idx="minor">
+            <a:schemeClr val="dk1"/>
+          </a:fontRef>
+        </p:style>
+        <p:txBody>
+          <a:bodyPr rtlCol="0" anchor="ctr"/>
+          <a:lstStyle/>
+          <a:p>
+            <a:pPr algn="ctr"/>
+            <a:r>
+              <a:rPr lang="en-US" altLang="ko-KR" sz="1000" b="1">
+                <a:solidFill>
+                  <a:schemeClr val="tx1"/>
+                </a:solidFill>
+              </a:rPr>
+              <a:t>sparkctl CLI</a:t>
+            </a:r>
+            <a:endParaRPr lang="ko-KR" altLang="en-US" sz="1000" b="1">
+              <a:solidFill>
+                <a:schemeClr val="tx1"/>
+              </a:solidFill>
+            </a:endParaRPr>
+          </a:p>
+        </p:txBody>
+      </p:sp>
+      <p:sp>
+        <p:nvSpPr>
+          <p:cNvPr id="15" name="모서리가 둥근 직사각형 2">
+            <a:extLst>
+              <a:ext uri="{FF2B5EF4-FFF2-40B4-BE49-F238E27FC236}">
+                <a16:creationId xmlns:a16="http://schemas.microsoft.com/office/drawing/2014/main" id="{BF44C6D3-6833-2F92-38FA-AC996E5D3242}"/>
+              </a:ext>
+            </a:extLst>
+          </p:cNvPr>
+          <p:cNvSpPr/>
+          <p:nvPr/>
+        </p:nvSpPr>
+        <p:spPr>
+          <a:xfrm>
+            <a:off x="2572388" y="3485505"/>
+            <a:ext cx="1190912" cy="386745"/>
+          </a:xfrm>
+          <a:prstGeom prst="roundRect">
+            <a:avLst>
+              <a:gd name="adj" fmla="val 13068"/>
+            </a:avLst>
+          </a:prstGeom>
+          <a:ln w="12700"/>
+        </p:spPr>
+        <p:style>
+          <a:lnRef idx="2">
+            <a:schemeClr val="dk1"/>
+          </a:lnRef>
+          <a:fillRef idx="1">
+            <a:schemeClr val="lt1"/>
+          </a:fillRef>
+          <a:effectRef idx="0">
+            <a:schemeClr val="dk1"/>
+          </a:effectRef>
+          <a:fontRef idx="minor">
+            <a:schemeClr val="dk1"/>
+          </a:fontRef>
+        </p:style>
+        <p:txBody>
+          <a:bodyPr rtlCol="0" anchor="ctr"/>
+          <a:lstStyle/>
+          <a:p>
+            <a:pPr algn="ctr"/>
+            <a:r>
+              <a:rPr lang="en-US" altLang="ko-KR" sz="1000"/>
+              <a:t>Spark History Server / Pod</a:t>
+            </a:r>
+            <a:endParaRPr lang="ko-KR" altLang="en-US" sz="1000"/>
+          </a:p>
+        </p:txBody>
+      </p:sp>
+      <p:sp>
+        <p:nvSpPr>
+          <p:cNvPr id="16" name="모서리가 둥근 직사각형 2">
+            <a:extLst>
+              <a:ext uri="{FF2B5EF4-FFF2-40B4-BE49-F238E27FC236}">
+                <a16:creationId xmlns:a16="http://schemas.microsoft.com/office/drawing/2014/main" id="{00993319-16EA-4433-7236-565402EBD797}"/>
+              </a:ext>
+            </a:extLst>
+          </p:cNvPr>
+          <p:cNvSpPr/>
+          <p:nvPr/>
+        </p:nvSpPr>
+        <p:spPr>
+          <a:xfrm>
+            <a:off x="4264133" y="3485505"/>
+            <a:ext cx="1190912" cy="386745"/>
+          </a:xfrm>
+          <a:prstGeom prst="roundRect">
+            <a:avLst>
+              <a:gd name="adj" fmla="val 13068"/>
+            </a:avLst>
+          </a:prstGeom>
+          <a:ln w="12700"/>
+        </p:spPr>
+        <p:style>
+          <a:lnRef idx="2">
+            <a:schemeClr val="dk1"/>
+          </a:lnRef>
+          <a:fillRef idx="1">
+            <a:schemeClr val="lt1"/>
+          </a:fillRef>
+          <a:effectRef idx="0">
+            <a:schemeClr val="dk1"/>
+          </a:effectRef>
+          <a:fontRef idx="minor">
+            <a:schemeClr val="dk1"/>
+          </a:fontRef>
+        </p:style>
+        <p:txBody>
+          <a:bodyPr rtlCol="0" anchor="ctr"/>
+          <a:lstStyle/>
+          <a:p>
+            <a:pPr algn="ctr"/>
+            <a:r>
+              <a:rPr lang="en-US" altLang="ko-KR" sz="1000"/>
+              <a:t>Executor / Pod</a:t>
+            </a:r>
+            <a:endParaRPr lang="ko-KR" altLang="en-US" sz="1000"/>
+          </a:p>
+        </p:txBody>
+      </p:sp>
+      <p:sp>
+        <p:nvSpPr>
+          <p:cNvPr id="17" name="모서리가 둥근 직사각형 2">
+            <a:extLst>
+              <a:ext uri="{FF2B5EF4-FFF2-40B4-BE49-F238E27FC236}">
+                <a16:creationId xmlns:a16="http://schemas.microsoft.com/office/drawing/2014/main" id="{9BAC20C6-B2B6-8164-BCB1-BE141EB7F287}"/>
+              </a:ext>
+            </a:extLst>
+          </p:cNvPr>
+          <p:cNvSpPr/>
+          <p:nvPr/>
+        </p:nvSpPr>
+        <p:spPr>
+          <a:xfrm>
+            <a:off x="4264133" y="2981448"/>
+            <a:ext cx="1190912" cy="386745"/>
+          </a:xfrm>
+          <a:prstGeom prst="roundRect">
+            <a:avLst>
+              <a:gd name="adj" fmla="val 13068"/>
+            </a:avLst>
+          </a:prstGeom>
+          <a:ln w="12700"/>
+        </p:spPr>
+        <p:style>
+          <a:lnRef idx="2">
+            <a:schemeClr val="dk1"/>
+          </a:lnRef>
+          <a:fillRef idx="1">
+            <a:schemeClr val="lt1"/>
+          </a:fillRef>
+          <a:effectRef idx="0">
+            <a:schemeClr val="dk1"/>
+          </a:effectRef>
+          <a:fontRef idx="minor">
+            <a:schemeClr val="dk1"/>
+          </a:fontRef>
+        </p:style>
+        <p:txBody>
+          <a:bodyPr rtlCol="0" anchor="ctr"/>
+          <a:lstStyle/>
+          <a:p>
+            <a:pPr algn="ctr"/>
+            <a:r>
+              <a:rPr lang="en-US" altLang="ko-KR" sz="1000"/>
+              <a:t>Executor / Pod</a:t>
+            </a:r>
+            <a:endParaRPr lang="ko-KR" altLang="en-US" sz="1000"/>
+          </a:p>
+        </p:txBody>
+      </p:sp>
+      <p:sp>
+        <p:nvSpPr>
+          <p:cNvPr id="19" name="모서리가 둥근 직사각형 2">
+            <a:extLst>
+              <a:ext uri="{FF2B5EF4-FFF2-40B4-BE49-F238E27FC236}">
+                <a16:creationId xmlns:a16="http://schemas.microsoft.com/office/drawing/2014/main" id="{02183FC5-4CBF-BDDE-4845-576BF882202C}"/>
+              </a:ext>
+            </a:extLst>
+          </p:cNvPr>
+          <p:cNvSpPr/>
+          <p:nvPr/>
+        </p:nvSpPr>
+        <p:spPr>
+          <a:xfrm>
+            <a:off x="5956041" y="2981448"/>
+            <a:ext cx="1190912" cy="386745"/>
+          </a:xfrm>
+          <a:prstGeom prst="roundRect">
+            <a:avLst>
+              <a:gd name="adj" fmla="val 13068"/>
+            </a:avLst>
+          </a:prstGeom>
+          <a:ln w="12700"/>
+        </p:spPr>
+        <p:style>
+          <a:lnRef idx="2">
+            <a:schemeClr val="dk1"/>
+          </a:lnRef>
+          <a:fillRef idx="1">
+            <a:schemeClr val="lt1"/>
+          </a:fillRef>
+          <a:effectRef idx="0">
+            <a:schemeClr val="dk1"/>
+          </a:effectRef>
+          <a:fontRef idx="minor">
+            <a:schemeClr val="dk1"/>
+          </a:fontRef>
+        </p:style>
+        <p:txBody>
+          <a:bodyPr rtlCol="0" anchor="ctr"/>
+          <a:lstStyle/>
+          <a:p>
+            <a:pPr algn="ctr"/>
+            <a:r>
+              <a:rPr lang="en-US" altLang="ko-KR" sz="1000"/>
+              <a:t>Executor / Pod</a:t>
+            </a:r>
+            <a:endParaRPr lang="ko-KR" altLang="en-US" sz="1000"/>
+          </a:p>
+        </p:txBody>
+      </p:sp>
+      <p:sp>
+        <p:nvSpPr>
+          <p:cNvPr id="21" name="모서리가 둥근 직사각형 2">
+            <a:extLst>
+              <a:ext uri="{FF2B5EF4-FFF2-40B4-BE49-F238E27FC236}">
+                <a16:creationId xmlns:a16="http://schemas.microsoft.com/office/drawing/2014/main" id="{9A479CD5-F083-E556-C97D-836A921655BB}"/>
+              </a:ext>
+            </a:extLst>
+          </p:cNvPr>
+          <p:cNvSpPr/>
+          <p:nvPr/>
+        </p:nvSpPr>
+        <p:spPr>
+          <a:xfrm>
+            <a:off x="2483768" y="1540109"/>
+            <a:ext cx="1096289" cy="508063"/>
+          </a:xfrm>
+          <a:prstGeom prst="roundRect">
+            <a:avLst>
+              <a:gd name="adj" fmla="val 13068"/>
+            </a:avLst>
+          </a:prstGeom>
+          <a:ln w="12700"/>
+        </p:spPr>
+        <p:style>
+          <a:lnRef idx="2">
+            <a:schemeClr val="dk1"/>
+          </a:lnRef>
+          <a:fillRef idx="1">
+            <a:schemeClr val="lt1"/>
+          </a:fillRef>
+          <a:effectRef idx="0">
+            <a:schemeClr val="dk1"/>
+          </a:effectRef>
+          <a:fontRef idx="minor">
+            <a:schemeClr val="dk1"/>
+          </a:fontRef>
+        </p:style>
+        <p:txBody>
+          <a:bodyPr rtlCol="0" anchor="ctr"/>
+          <a:lstStyle/>
+          <a:p>
+            <a:pPr algn="ctr"/>
+            <a:r>
+              <a:rPr lang="en-US" altLang="ko-KR" sz="1000"/>
+              <a:t>Driver Config </a:t>
+            </a:r>
+          </a:p>
+          <a:p>
+            <a:pPr algn="ctr"/>
+            <a:r>
+              <a:rPr lang="en-US" altLang="ko-KR" sz="1000"/>
+              <a:t>/ ConfigMap</a:t>
+            </a:r>
+            <a:endParaRPr lang="ko-KR" altLang="en-US" sz="1000"/>
+          </a:p>
+        </p:txBody>
+      </p:sp>
+      <p:sp>
+        <p:nvSpPr>
+          <p:cNvPr id="22" name="모서리가 둥근 직사각형 2">
+            <a:extLst>
+              <a:ext uri="{FF2B5EF4-FFF2-40B4-BE49-F238E27FC236}">
+                <a16:creationId xmlns:a16="http://schemas.microsoft.com/office/drawing/2014/main" id="{A3F54CD6-D683-8624-CACC-EEE7D695357B}"/>
+              </a:ext>
+            </a:extLst>
+          </p:cNvPr>
+          <p:cNvSpPr/>
+          <p:nvPr/>
+        </p:nvSpPr>
+        <p:spPr>
+          <a:xfrm>
+            <a:off x="5867421" y="1540109"/>
+            <a:ext cx="1368152" cy="508063"/>
+          </a:xfrm>
+          <a:prstGeom prst="roundRect">
+            <a:avLst>
+              <a:gd name="adj" fmla="val 13068"/>
+            </a:avLst>
+          </a:prstGeom>
+          <a:ln w="12700"/>
+        </p:spPr>
+        <p:style>
+          <a:lnRef idx="2">
+            <a:schemeClr val="dk1"/>
+          </a:lnRef>
+          <a:fillRef idx="1">
+            <a:schemeClr val="lt1"/>
+          </a:fillRef>
+          <a:effectRef idx="0">
+            <a:schemeClr val="dk1"/>
+          </a:effectRef>
+          <a:fontRef idx="minor">
+            <a:schemeClr val="dk1"/>
+          </a:fontRef>
+        </p:style>
+        <p:txBody>
+          <a:bodyPr rtlCol="0" anchor="ctr"/>
+          <a:lstStyle/>
+          <a:p>
+            <a:pPr algn="ctr"/>
+            <a:r>
+              <a:rPr lang="en-US" altLang="ko-KR" sz="1000"/>
+              <a:t>Driver Service</a:t>
+            </a:r>
+          </a:p>
+          <a:p>
+            <a:pPr algn="ctr"/>
+            <a:r>
+              <a:rPr lang="en-US" altLang="ko-KR" sz="1000"/>
+              <a:t>/ Service (Headless)</a:t>
+            </a:r>
+            <a:endParaRPr lang="ko-KR" altLang="en-US" sz="1000"/>
+          </a:p>
+        </p:txBody>
+      </p:sp>
+      <p:sp>
+        <p:nvSpPr>
+          <p:cNvPr id="23" name="모서리가 둥근 직사각형 2">
+            <a:extLst>
+              <a:ext uri="{FF2B5EF4-FFF2-40B4-BE49-F238E27FC236}">
+                <a16:creationId xmlns:a16="http://schemas.microsoft.com/office/drawing/2014/main" id="{3D2A28DD-EFA2-0DEA-3193-382B09F6AA5C}"/>
+              </a:ext>
+            </a:extLst>
+          </p:cNvPr>
+          <p:cNvSpPr/>
+          <p:nvPr/>
+        </p:nvSpPr>
+        <p:spPr>
+          <a:xfrm>
+            <a:off x="5956041" y="3485504"/>
+            <a:ext cx="1190912" cy="386745"/>
+          </a:xfrm>
+          <a:prstGeom prst="roundRect">
+            <a:avLst>
+              <a:gd name="adj" fmla="val 13068"/>
+            </a:avLst>
+          </a:prstGeom>
+          <a:ln w="12700"/>
+        </p:spPr>
+        <p:style>
+          <a:lnRef idx="2">
+            <a:schemeClr val="dk1"/>
+          </a:lnRef>
+          <a:fillRef idx="1">
+            <a:schemeClr val="lt1"/>
+          </a:fillRef>
+          <a:effectRef idx="0">
+            <a:schemeClr val="dk1"/>
+          </a:effectRef>
+          <a:fontRef idx="minor">
+            <a:schemeClr val="dk1"/>
+          </a:fontRef>
+        </p:style>
+        <p:txBody>
+          <a:bodyPr rtlCol="0" anchor="ctr"/>
+          <a:lstStyle/>
+          <a:p>
+            <a:pPr algn="ctr"/>
+            <a:r>
+              <a:rPr lang="en-US" altLang="ko-KR" sz="1000"/>
+              <a:t>Executor / Pod</a:t>
+            </a:r>
+            <a:endParaRPr lang="ko-KR" altLang="en-US" sz="1000"/>
+          </a:p>
+        </p:txBody>
+      </p:sp>
+      <p:sp>
+        <p:nvSpPr>
+          <p:cNvPr id="24" name="Rounded Rectangle 23">
+            <a:extLst>
+              <a:ext uri="{FF2B5EF4-FFF2-40B4-BE49-F238E27FC236}">
+                <a16:creationId xmlns:a16="http://schemas.microsoft.com/office/drawing/2014/main" id="{3CD5D9FB-F30B-276F-CE17-37BD405E7319}"/>
+              </a:ext>
+            </a:extLst>
+          </p:cNvPr>
+          <p:cNvSpPr/>
+          <p:nvPr/>
+        </p:nvSpPr>
+        <p:spPr>
+          <a:xfrm>
+            <a:off x="4221079" y="2549407"/>
+            <a:ext cx="2972970" cy="1383108"/>
+          </a:xfrm>
+          <a:prstGeom prst="roundRect">
+            <a:avLst>
+              <a:gd name="adj" fmla="val 3462"/>
+            </a:avLst>
+          </a:prstGeom>
+          <a:noFill/>
+          <a:ln w="12700">
+            <a:solidFill>
+              <a:schemeClr val="tx1"/>
+            </a:solidFill>
+            <a:prstDash val="dash"/>
+          </a:ln>
+        </p:spPr>
+        <p:style>
+          <a:lnRef idx="2">
+            <a:schemeClr val="accent1">
+              <a:shade val="50000"/>
+            </a:schemeClr>
+          </a:lnRef>
+          <a:fillRef idx="1">
+            <a:schemeClr val="accent1"/>
+          </a:fillRef>
+          <a:effectRef idx="0">
+            <a:schemeClr val="accent1"/>
+          </a:effectRef>
+          <a:fontRef idx="minor">
+            <a:schemeClr val="lt1"/>
+          </a:fontRef>
+        </p:style>
+        <p:txBody>
+          <a:bodyPr rtlCol="0" anchor="t"/>
+          <a:lstStyle/>
+          <a:p>
+            <a:pPr algn="ctr"/>
+            <a:r>
+              <a:rPr lang="en-KR" sz="1000" b="1">
+                <a:solidFill>
+                  <a:sysClr val="windowText" lastClr="000000"/>
+                </a:solidFill>
+              </a:rPr>
+              <a:t>Executors</a:t>
+            </a:r>
+          </a:p>
+        </p:txBody>
+      </p:sp>
+      <p:pic>
+        <p:nvPicPr>
+          <p:cNvPr id="25" name="Picture 2" descr="사람 - 무료 사회적인개 아이콘">
+            <a:extLst>
+              <a:ext uri="{FF2B5EF4-FFF2-40B4-BE49-F238E27FC236}">
+                <a16:creationId xmlns:a16="http://schemas.microsoft.com/office/drawing/2014/main" id="{B80E734D-1706-9169-12D8-320D352B926A}"/>
+              </a:ext>
+            </a:extLst>
+          </p:cNvPr>
+          <p:cNvPicPr>
+            <a:picLocks noChangeAspect="1" noChangeArrowheads="1"/>
+          </p:cNvPicPr>
+          <p:nvPr/>
+        </p:nvPicPr>
+        <p:blipFill>
+          <a:blip r:embed="rId3">
+            <a:extLst>
+              <a:ext uri="{28A0092B-C50C-407E-A947-70E740481C1C}">
+                <a14:useLocalDpi xmlns:a14="http://schemas.microsoft.com/office/drawing/2010/main" val="0"/>
+              </a:ext>
+            </a:extLst>
+          </a:blip>
+          <a:srcRect/>
+          <a:stretch>
+            <a:fillRect/>
+          </a:stretch>
+        </p:blipFill>
+        <p:spPr bwMode="auto">
+          <a:xfrm>
+            <a:off x="684304" y="1128046"/>
+            <a:ext cx="558919" cy="558919"/>
+          </a:xfrm>
+          <a:prstGeom prst="rect">
+            <a:avLst/>
+          </a:prstGeom>
+          <a:noFill/>
+          <a:extLst>
+            <a:ext uri="{909E8E84-426E-40DD-AFC4-6F175D3DCCD1}">
+              <a14:hiddenFill xmlns:a14="http://schemas.microsoft.com/office/drawing/2010/main">
+                <a:solidFill>
+                  <a:srgbClr val="FFFFFF"/>
+                </a:solidFill>
+              </a14:hiddenFill>
+            </a:ext>
+          </a:extLst>
+        </p:spPr>
+      </p:pic>
+      <p:cxnSp>
+        <p:nvCxnSpPr>
+          <p:cNvPr id="26" name="Straight Arrow Connector 25">
+            <a:extLst>
+              <a:ext uri="{FF2B5EF4-FFF2-40B4-BE49-F238E27FC236}">
+                <a16:creationId xmlns:a16="http://schemas.microsoft.com/office/drawing/2014/main" id="{21F7ABA5-A6A1-0EF8-9BA8-FA9E316684BA}"/>
+              </a:ext>
+            </a:extLst>
+          </p:cNvPr>
+          <p:cNvCxnSpPr>
+            <a:cxnSpLocks/>
+            <a:stCxn id="31" idx="4"/>
+            <a:endCxn id="14" idx="0"/>
+          </p:cNvCxnSpPr>
+          <p:nvPr/>
+        </p:nvCxnSpPr>
+        <p:spPr>
+          <a:xfrm flipH="1">
+            <a:off x="962068" y="2012170"/>
+            <a:ext cx="2236" cy="377584"/>
+          </a:xfrm>
+          <a:prstGeom prst="straightConnector1">
+            <a:avLst/>
+          </a:prstGeom>
+          <a:ln>
+            <a:solidFill>
+              <a:schemeClr val="tx2"/>
+            </a:solidFill>
+            <a:tailEnd type="triangle"/>
+          </a:ln>
+        </p:spPr>
+        <p:style>
+          <a:lnRef idx="1">
+            <a:schemeClr val="dk1"/>
+          </a:lnRef>
+          <a:fillRef idx="0">
+            <a:schemeClr val="dk1"/>
+          </a:fillRef>
+          <a:effectRef idx="0">
+            <a:schemeClr val="dk1"/>
+          </a:effectRef>
+          <a:fontRef idx="minor">
+            <a:schemeClr val="tx1"/>
+          </a:fontRef>
+        </p:style>
+      </p:cxnSp>
+      <p:sp>
+        <p:nvSpPr>
+          <p:cNvPr id="27" name="TextBox 26">
+            <a:extLst>
+              <a:ext uri="{FF2B5EF4-FFF2-40B4-BE49-F238E27FC236}">
+                <a16:creationId xmlns:a16="http://schemas.microsoft.com/office/drawing/2014/main" id="{DB7C5C5A-F426-3672-3614-35859515C1F6}"/>
+              </a:ext>
+            </a:extLst>
+          </p:cNvPr>
+          <p:cNvSpPr txBox="1"/>
+          <p:nvPr/>
+        </p:nvSpPr>
+        <p:spPr>
+          <a:xfrm>
+            <a:off x="748071" y="1588075"/>
+            <a:ext cx="444352" cy="246221"/>
+          </a:xfrm>
+          <a:prstGeom prst="rect">
+            <a:avLst/>
+          </a:prstGeom>
+          <a:noFill/>
+        </p:spPr>
+        <p:txBody>
+          <a:bodyPr wrap="none" rtlCol="0">
+            <a:spAutoFit/>
+          </a:bodyPr>
+          <a:lstStyle/>
+          <a:p>
+            <a:r>
+              <a:rPr lang="en-US" sz="1000"/>
+              <a:t>User</a:t>
+            </a:r>
+            <a:endParaRPr lang="en-KR" sz="1000"/>
+          </a:p>
+        </p:txBody>
+      </p:sp>
+      <p:cxnSp>
+        <p:nvCxnSpPr>
+          <p:cNvPr id="29" name="Elbow Connector 28">
+            <a:extLst>
+              <a:ext uri="{FF2B5EF4-FFF2-40B4-BE49-F238E27FC236}">
+                <a16:creationId xmlns:a16="http://schemas.microsoft.com/office/drawing/2014/main" id="{988F914F-E020-9401-D69E-28A118CF784E}"/>
+              </a:ext>
+            </a:extLst>
+          </p:cNvPr>
+          <p:cNvCxnSpPr>
+            <a:cxnSpLocks/>
+            <a:stCxn id="71" idx="0"/>
+            <a:endCxn id="44" idx="2"/>
+          </p:cNvCxnSpPr>
+          <p:nvPr/>
+        </p:nvCxnSpPr>
+        <p:spPr>
+          <a:xfrm rot="5400000" flipH="1" flipV="1">
+            <a:off x="3473861" y="2103236"/>
+            <a:ext cx="1304415" cy="1194289"/>
+          </a:xfrm>
+          <a:prstGeom prst="bentConnector3">
+            <a:avLst>
+              <a:gd name="adj1" fmla="val 46580"/>
+            </a:avLst>
+          </a:prstGeom>
+          <a:ln>
+            <a:solidFill>
+              <a:srgbClr val="C00000"/>
+            </a:solidFill>
+            <a:tailEnd type="triangle"/>
+          </a:ln>
+        </p:spPr>
+        <p:style>
+          <a:lnRef idx="1">
+            <a:schemeClr val="dk1"/>
+          </a:lnRef>
+          <a:fillRef idx="0">
+            <a:schemeClr val="dk1"/>
+          </a:fillRef>
+          <a:effectRef idx="0">
+            <a:schemeClr val="dk1"/>
+          </a:effectRef>
+          <a:fontRef idx="minor">
+            <a:schemeClr val="tx1"/>
+          </a:fontRef>
+        </p:style>
+      </p:cxnSp>
+      <p:sp>
+        <p:nvSpPr>
+          <p:cNvPr id="31" name="Oval 30">
+            <a:extLst>
+              <a:ext uri="{FF2B5EF4-FFF2-40B4-BE49-F238E27FC236}">
+                <a16:creationId xmlns:a16="http://schemas.microsoft.com/office/drawing/2014/main" id="{29A14831-DE4A-DB56-88F6-981EE4B6888C}"/>
+              </a:ext>
+            </a:extLst>
+          </p:cNvPr>
+          <p:cNvSpPr/>
+          <p:nvPr/>
+        </p:nvSpPr>
+        <p:spPr>
+          <a:xfrm>
+            <a:off x="856292" y="1796146"/>
+            <a:ext cx="216024" cy="216024"/>
+          </a:xfrm>
+          <a:prstGeom prst="ellipse">
+            <a:avLst/>
+          </a:prstGeom>
+          <a:solidFill>
+            <a:schemeClr val="bg1"/>
+          </a:solidFill>
+          <a:ln w="19050">
+            <a:solidFill>
+              <a:schemeClr val="tx2"/>
+            </a:solidFill>
+          </a:ln>
+        </p:spPr>
+        <p:style>
+          <a:lnRef idx="2">
+            <a:schemeClr val="accent1">
+              <a:shade val="15000"/>
+            </a:schemeClr>
+          </a:lnRef>
+          <a:fillRef idx="1">
+            <a:schemeClr val="accent1"/>
+          </a:fillRef>
+          <a:effectRef idx="0">
+            <a:schemeClr val="accent1"/>
+          </a:effectRef>
+          <a:fontRef idx="minor">
+            <a:schemeClr val="lt1"/>
+          </a:fontRef>
+        </p:style>
+        <p:txBody>
+          <a:bodyPr rtlCol="0" anchor="ctr"/>
+          <a:lstStyle/>
+          <a:p>
+            <a:pPr algn="ctr"/>
+            <a:r>
+              <a:rPr lang="en-KR" sz="1000">
+                <a:solidFill>
+                  <a:schemeClr val="tx2"/>
+                </a:solidFill>
+              </a:rPr>
+              <a:t>1</a:t>
+            </a:r>
+          </a:p>
+        </p:txBody>
+      </p:sp>
+      <p:cxnSp>
+        <p:nvCxnSpPr>
+          <p:cNvPr id="33" name="Straight Arrow Connector 32">
+            <a:extLst>
+              <a:ext uri="{FF2B5EF4-FFF2-40B4-BE49-F238E27FC236}">
+                <a16:creationId xmlns:a16="http://schemas.microsoft.com/office/drawing/2014/main" id="{51A07F08-509F-7C0C-EFFE-7545F385859D}"/>
+              </a:ext>
+            </a:extLst>
+          </p:cNvPr>
+          <p:cNvCxnSpPr>
+            <a:cxnSpLocks/>
+          </p:cNvCxnSpPr>
+          <p:nvPr/>
+        </p:nvCxnSpPr>
+        <p:spPr>
+          <a:xfrm>
+            <a:off x="2699793" y="2046860"/>
+            <a:ext cx="0" cy="934589"/>
+          </a:xfrm>
+          <a:prstGeom prst="straightConnector1">
+            <a:avLst/>
+          </a:prstGeom>
+          <a:ln>
+            <a:tailEnd type="triangle"/>
+          </a:ln>
+        </p:spPr>
+        <p:style>
+          <a:lnRef idx="1">
+            <a:schemeClr val="dk1"/>
+          </a:lnRef>
+          <a:fillRef idx="0">
+            <a:schemeClr val="dk1"/>
+          </a:fillRef>
+          <a:effectRef idx="0">
+            <a:schemeClr val="dk1"/>
+          </a:effectRef>
+          <a:fontRef idx="minor">
+            <a:schemeClr val="tx1"/>
+          </a:fontRef>
+        </p:style>
+      </p:cxnSp>
+      <p:sp>
+        <p:nvSpPr>
+          <p:cNvPr id="36" name="모서리가 둥근 직사각형 2">
+            <a:extLst>
+              <a:ext uri="{FF2B5EF4-FFF2-40B4-BE49-F238E27FC236}">
+                <a16:creationId xmlns:a16="http://schemas.microsoft.com/office/drawing/2014/main" id="{470F24E7-137F-81D1-A2A1-6935C194AE5A}"/>
+              </a:ext>
+            </a:extLst>
+          </p:cNvPr>
+          <p:cNvSpPr/>
+          <p:nvPr/>
+        </p:nvSpPr>
+        <p:spPr>
+          <a:xfrm>
+            <a:off x="261380" y="3485504"/>
+            <a:ext cx="1401376" cy="386745"/>
+          </a:xfrm>
+          <a:prstGeom prst="roundRect">
+            <a:avLst>
+              <a:gd name="adj" fmla="val 13068"/>
+            </a:avLst>
+          </a:prstGeom>
+          <a:ln w="12700"/>
+        </p:spPr>
+        <p:style>
+          <a:lnRef idx="2">
+            <a:schemeClr val="dk1"/>
+          </a:lnRef>
+          <a:fillRef idx="1">
+            <a:schemeClr val="lt1"/>
+          </a:fillRef>
+          <a:effectRef idx="0">
+            <a:schemeClr val="dk1"/>
+          </a:effectRef>
+          <a:fontRef idx="minor">
+            <a:schemeClr val="dk1"/>
+          </a:fontRef>
+        </p:style>
+        <p:txBody>
+          <a:bodyPr rtlCol="0" anchor="ctr"/>
+          <a:lstStyle/>
+          <a:p>
+            <a:pPr algn="ctr"/>
+            <a:r>
+              <a:rPr lang="en-US" altLang="ko-KR" sz="1000"/>
+              <a:t>HDFS</a:t>
+            </a:r>
+            <a:endParaRPr lang="ko-KR" altLang="en-US" sz="1000"/>
+          </a:p>
+        </p:txBody>
+      </p:sp>
+      <p:sp>
+        <p:nvSpPr>
+          <p:cNvPr id="37" name="모서리가 둥근 직사각형 2">
+            <a:extLst>
+              <a:ext uri="{FF2B5EF4-FFF2-40B4-BE49-F238E27FC236}">
+                <a16:creationId xmlns:a16="http://schemas.microsoft.com/office/drawing/2014/main" id="{0469FAE1-675A-C882-4D4F-4E18FBEE154C}"/>
+              </a:ext>
+            </a:extLst>
+          </p:cNvPr>
+          <p:cNvSpPr/>
+          <p:nvPr/>
+        </p:nvSpPr>
+        <p:spPr>
+          <a:xfrm>
+            <a:off x="261380" y="4008153"/>
+            <a:ext cx="1401376" cy="386745"/>
+          </a:xfrm>
+          <a:prstGeom prst="roundRect">
+            <a:avLst>
+              <a:gd name="adj" fmla="val 13068"/>
+            </a:avLst>
+          </a:prstGeom>
+          <a:ln w="12700"/>
+        </p:spPr>
+        <p:style>
+          <a:lnRef idx="2">
+            <a:schemeClr val="dk1"/>
+          </a:lnRef>
+          <a:fillRef idx="1">
+            <a:schemeClr val="lt1"/>
+          </a:fillRef>
+          <a:effectRef idx="0">
+            <a:schemeClr val="dk1"/>
+          </a:effectRef>
+          <a:fontRef idx="minor">
+            <a:schemeClr val="dk1"/>
+          </a:fontRef>
+        </p:style>
+        <p:txBody>
+          <a:bodyPr rtlCol="0" anchor="ctr"/>
+          <a:lstStyle/>
+          <a:p>
+            <a:pPr algn="ctr"/>
+            <a:r>
+              <a:rPr lang="en-US" altLang="ko-KR" sz="1000"/>
+              <a:t>AWS S3</a:t>
+            </a:r>
+            <a:endParaRPr lang="ko-KR" altLang="en-US" sz="1000"/>
+          </a:p>
+        </p:txBody>
+      </p:sp>
+      <p:cxnSp>
+        <p:nvCxnSpPr>
+          <p:cNvPr id="38" name="Elbow Connector 37">
+            <a:extLst>
+              <a:ext uri="{FF2B5EF4-FFF2-40B4-BE49-F238E27FC236}">
+                <a16:creationId xmlns:a16="http://schemas.microsoft.com/office/drawing/2014/main" id="{5A8E4BB5-F644-CFC3-17B3-BD913C736091}"/>
+              </a:ext>
+            </a:extLst>
+          </p:cNvPr>
+          <p:cNvCxnSpPr>
+            <a:cxnSpLocks/>
+            <a:stCxn id="68" idx="2"/>
+            <a:endCxn id="39" idx="3"/>
+          </p:cNvCxnSpPr>
+          <p:nvPr/>
+        </p:nvCxnSpPr>
+        <p:spPr>
+          <a:xfrm rot="10800000" flipV="1">
+            <a:off x="1706716" y="3677355"/>
+            <a:ext cx="756310" cy="354093"/>
+          </a:xfrm>
+          <a:prstGeom prst="bentConnector3">
+            <a:avLst>
+              <a:gd name="adj1" fmla="val 50000"/>
+            </a:avLst>
+          </a:prstGeom>
+          <a:ln>
+            <a:solidFill>
+              <a:srgbClr val="C00000"/>
+            </a:solidFill>
+            <a:tailEnd type="triangle"/>
+          </a:ln>
+        </p:spPr>
+        <p:style>
+          <a:lnRef idx="1">
+            <a:schemeClr val="dk1"/>
+          </a:lnRef>
+          <a:fillRef idx="0">
+            <a:schemeClr val="dk1"/>
+          </a:fillRef>
+          <a:effectRef idx="0">
+            <a:schemeClr val="dk1"/>
+          </a:effectRef>
+          <a:fontRef idx="minor">
+            <a:schemeClr val="tx1"/>
+          </a:fontRef>
+        </p:style>
+      </p:cxnSp>
+      <p:sp>
+        <p:nvSpPr>
+          <p:cNvPr id="39" name="Rounded Rectangle 38">
+            <a:extLst>
+              <a:ext uri="{FF2B5EF4-FFF2-40B4-BE49-F238E27FC236}">
+                <a16:creationId xmlns:a16="http://schemas.microsoft.com/office/drawing/2014/main" id="{0A4667C6-099E-CF63-5272-608FE00E9B77}"/>
+              </a:ext>
+            </a:extLst>
+          </p:cNvPr>
+          <p:cNvSpPr/>
+          <p:nvPr/>
+        </p:nvSpPr>
+        <p:spPr>
+          <a:xfrm>
+            <a:off x="220231" y="3424820"/>
+            <a:ext cx="1486485" cy="1213258"/>
+          </a:xfrm>
+          <a:prstGeom prst="roundRect">
+            <a:avLst>
+              <a:gd name="adj" fmla="val 3462"/>
+            </a:avLst>
+          </a:prstGeom>
+          <a:noFill/>
+          <a:ln w="12700">
+            <a:solidFill>
+              <a:schemeClr val="tx1"/>
+            </a:solidFill>
+            <a:prstDash val="dash"/>
+          </a:ln>
+        </p:spPr>
+        <p:style>
+          <a:lnRef idx="2">
+            <a:schemeClr val="accent1">
+              <a:shade val="50000"/>
+            </a:schemeClr>
+          </a:lnRef>
+          <a:fillRef idx="1">
+            <a:schemeClr val="accent1"/>
+          </a:fillRef>
+          <a:effectRef idx="0">
+            <a:schemeClr val="accent1"/>
+          </a:effectRef>
+          <a:fontRef idx="minor">
+            <a:schemeClr val="lt1"/>
+          </a:fontRef>
+        </p:style>
+        <p:txBody>
+          <a:bodyPr rtlCol="0" anchor="b"/>
+          <a:lstStyle/>
+          <a:p>
+            <a:pPr algn="ctr"/>
+            <a:r>
+              <a:rPr lang="en-KR" sz="1000" b="1">
+                <a:solidFill>
+                  <a:sysClr val="windowText" lastClr="000000"/>
+                </a:solidFill>
+              </a:rPr>
+              <a:t>Storages </a:t>
+            </a:r>
+          </a:p>
+        </p:txBody>
+      </p:sp>
+      <p:sp>
+        <p:nvSpPr>
+          <p:cNvPr id="40" name="Freeform 39">
+            <a:extLst>
+              <a:ext uri="{FF2B5EF4-FFF2-40B4-BE49-F238E27FC236}">
+                <a16:creationId xmlns:a16="http://schemas.microsoft.com/office/drawing/2014/main" id="{581BDC4E-AFCD-3609-E3E3-A3C3CB9EFD6C}"/>
+              </a:ext>
+            </a:extLst>
+          </p:cNvPr>
+          <p:cNvSpPr/>
+          <p:nvPr/>
+        </p:nvSpPr>
+        <p:spPr>
+          <a:xfrm>
+            <a:off x="986289" y="3254553"/>
+            <a:ext cx="1476738" cy="170267"/>
+          </a:xfrm>
+          <a:custGeom>
+            <a:avLst/>
+            <a:gdLst>
+              <a:gd name="connsiteX0" fmla="*/ 857644 w 857644"/>
+              <a:gd name="connsiteY0" fmla="*/ 0 h 170267"/>
+              <a:gd name="connsiteX1" fmla="*/ 0 w 857644"/>
+              <a:gd name="connsiteY1" fmla="*/ 0 h 170267"/>
+              <a:gd name="connsiteX2" fmla="*/ 0 w 857644"/>
+              <a:gd name="connsiteY2" fmla="*/ 170267 h 170267"/>
+              <a:gd name="connsiteX3" fmla="*/ 0 w 857644"/>
+              <a:gd name="connsiteY3" fmla="*/ 170267 h 170267"/>
+            </a:gdLst>
+            <a:ahLst/>
+            <a:cxnLst>
+              <a:cxn ang="0">
+                <a:pos x="connsiteX0" y="connsiteY0"/>
+              </a:cxn>
+              <a:cxn ang="0">
+                <a:pos x="connsiteX1" y="connsiteY1"/>
+              </a:cxn>
+              <a:cxn ang="0">
+                <a:pos x="connsiteX2" y="connsiteY2"/>
+              </a:cxn>
+              <a:cxn ang="0">
+                <a:pos x="connsiteX3" y="connsiteY3"/>
+              </a:cxn>
+            </a:cxnLst>
+            <a:rect l="l" t="t" r="r" b="b"/>
+            <a:pathLst>
+              <a:path w="857644" h="170267">
+                <a:moveTo>
+                  <a:pt x="857644" y="0"/>
+                </a:moveTo>
+                <a:lnTo>
+                  <a:pt x="0" y="0"/>
+                </a:lnTo>
+                <a:lnTo>
+                  <a:pt x="0" y="170267"/>
+                </a:lnTo>
+                <a:lnTo>
+                  <a:pt x="0" y="170267"/>
+                </a:lnTo>
+              </a:path>
+            </a:pathLst>
+          </a:custGeom>
+          <a:noFill/>
+          <a:ln w="12700">
+            <a:solidFill>
+              <a:srgbClr val="C00000"/>
+            </a:solidFill>
+            <a:headEnd type="none" w="med" len="med"/>
+            <a:tailEnd type="triangle" w="med" len="med"/>
+          </a:ln>
+        </p:spPr>
+        <p:style>
+          <a:lnRef idx="2">
+            <a:schemeClr val="accent1">
+              <a:shade val="15000"/>
+            </a:schemeClr>
+          </a:lnRef>
+          <a:fillRef idx="1">
+            <a:schemeClr val="accent1"/>
+          </a:fillRef>
+          <a:effectRef idx="0">
+            <a:schemeClr val="accent1"/>
+          </a:effectRef>
+          <a:fontRef idx="minor">
+            <a:schemeClr val="lt1"/>
+          </a:fontRef>
+        </p:style>
+        <p:txBody>
+          <a:bodyPr rtlCol="0" anchor="ctr"/>
+          <a:lstStyle/>
+          <a:p>
+            <a:pPr algn="ctr"/>
+            <a:endParaRPr lang="en-KR"/>
+          </a:p>
+        </p:txBody>
+      </p:sp>
+      <p:sp>
+        <p:nvSpPr>
+          <p:cNvPr id="41" name="Freeform 40">
+            <a:extLst>
+              <a:ext uri="{FF2B5EF4-FFF2-40B4-BE49-F238E27FC236}">
+                <a16:creationId xmlns:a16="http://schemas.microsoft.com/office/drawing/2014/main" id="{8211AB21-F7CF-0E7B-D930-E9CEFA178008}"/>
+              </a:ext>
+            </a:extLst>
+          </p:cNvPr>
+          <p:cNvSpPr/>
+          <p:nvPr/>
+        </p:nvSpPr>
+        <p:spPr>
+          <a:xfrm rot="5400000" flipV="1">
+            <a:off x="3675701" y="2325192"/>
+            <a:ext cx="177142" cy="913619"/>
+          </a:xfrm>
+          <a:custGeom>
+            <a:avLst/>
+            <a:gdLst>
+              <a:gd name="connsiteX0" fmla="*/ 857644 w 857644"/>
+              <a:gd name="connsiteY0" fmla="*/ 0 h 170267"/>
+              <a:gd name="connsiteX1" fmla="*/ 0 w 857644"/>
+              <a:gd name="connsiteY1" fmla="*/ 0 h 170267"/>
+              <a:gd name="connsiteX2" fmla="*/ 0 w 857644"/>
+              <a:gd name="connsiteY2" fmla="*/ 170267 h 170267"/>
+              <a:gd name="connsiteX3" fmla="*/ 0 w 857644"/>
+              <a:gd name="connsiteY3" fmla="*/ 170267 h 170267"/>
+            </a:gdLst>
+            <a:ahLst/>
+            <a:cxnLst>
+              <a:cxn ang="0">
+                <a:pos x="connsiteX0" y="connsiteY0"/>
+              </a:cxn>
+              <a:cxn ang="0">
+                <a:pos x="connsiteX1" y="connsiteY1"/>
+              </a:cxn>
+              <a:cxn ang="0">
+                <a:pos x="connsiteX2" y="connsiteY2"/>
+              </a:cxn>
+              <a:cxn ang="0">
+                <a:pos x="connsiteX3" y="connsiteY3"/>
+              </a:cxn>
+            </a:cxnLst>
+            <a:rect l="l" t="t" r="r" b="b"/>
+            <a:pathLst>
+              <a:path w="857644" h="170267">
+                <a:moveTo>
+                  <a:pt x="857644" y="0"/>
+                </a:moveTo>
+                <a:lnTo>
+                  <a:pt x="0" y="0"/>
+                </a:lnTo>
+                <a:lnTo>
+                  <a:pt x="0" y="170267"/>
+                </a:lnTo>
+                <a:lnTo>
+                  <a:pt x="0" y="170267"/>
+                </a:lnTo>
+              </a:path>
+            </a:pathLst>
+          </a:custGeom>
+          <a:noFill/>
+          <a:ln w="12700">
+            <a:solidFill>
+              <a:schemeClr val="tx2"/>
+            </a:solidFill>
+            <a:headEnd type="none" w="med" len="med"/>
+            <a:tailEnd type="triangle" w="med" len="med"/>
+          </a:ln>
+        </p:spPr>
+        <p:style>
+          <a:lnRef idx="2">
+            <a:schemeClr val="accent1">
+              <a:shade val="15000"/>
+            </a:schemeClr>
+          </a:lnRef>
+          <a:fillRef idx="1">
+            <a:schemeClr val="accent1"/>
+          </a:fillRef>
+          <a:effectRef idx="0">
+            <a:schemeClr val="accent1"/>
+          </a:effectRef>
+          <a:fontRef idx="minor">
+            <a:schemeClr val="lt1"/>
+          </a:fontRef>
+        </p:style>
+        <p:txBody>
+          <a:bodyPr rtlCol="0" anchor="ctr"/>
+          <a:lstStyle/>
+          <a:p>
+            <a:pPr algn="ctr"/>
+            <a:endParaRPr lang="en-KR"/>
+          </a:p>
+        </p:txBody>
+      </p:sp>
+      <p:sp>
+        <p:nvSpPr>
+          <p:cNvPr id="42" name="Oval 41">
+            <a:extLst>
+              <a:ext uri="{FF2B5EF4-FFF2-40B4-BE49-F238E27FC236}">
+                <a16:creationId xmlns:a16="http://schemas.microsoft.com/office/drawing/2014/main" id="{E9FA68D6-FC29-8DBE-B8DA-CFA600B028BE}"/>
+              </a:ext>
+            </a:extLst>
+          </p:cNvPr>
+          <p:cNvSpPr/>
+          <p:nvPr/>
+        </p:nvSpPr>
+        <p:spPr>
+          <a:xfrm>
+            <a:off x="4160592" y="3066873"/>
+            <a:ext cx="216024" cy="216024"/>
+          </a:xfrm>
+          <a:prstGeom prst="ellipse">
+            <a:avLst/>
+          </a:prstGeom>
+          <a:solidFill>
+            <a:schemeClr val="bg1"/>
+          </a:solidFill>
+          <a:ln w="19050">
+            <a:solidFill>
+              <a:schemeClr val="tx2"/>
+            </a:solidFill>
+          </a:ln>
+        </p:spPr>
+        <p:style>
+          <a:lnRef idx="2">
+            <a:schemeClr val="accent1">
+              <a:shade val="15000"/>
+            </a:schemeClr>
+          </a:lnRef>
+          <a:fillRef idx="1">
+            <a:schemeClr val="accent1"/>
+          </a:fillRef>
+          <a:effectRef idx="0">
+            <a:schemeClr val="accent1"/>
+          </a:effectRef>
+          <a:fontRef idx="minor">
+            <a:schemeClr val="lt1"/>
+          </a:fontRef>
+        </p:style>
+        <p:txBody>
+          <a:bodyPr rtlCol="0" anchor="ctr"/>
+          <a:lstStyle/>
+          <a:p>
+            <a:pPr algn="ctr"/>
+            <a:r>
+              <a:rPr lang="en-KR" sz="1000">
+                <a:solidFill>
+                  <a:schemeClr val="tx2"/>
+                </a:solidFill>
+              </a:rPr>
+              <a:t>9</a:t>
+            </a:r>
+          </a:p>
+        </p:txBody>
+      </p:sp>
+      <p:cxnSp>
+        <p:nvCxnSpPr>
+          <p:cNvPr id="43" name="Straight Arrow Connector 42">
+            <a:extLst>
+              <a:ext uri="{FF2B5EF4-FFF2-40B4-BE49-F238E27FC236}">
+                <a16:creationId xmlns:a16="http://schemas.microsoft.com/office/drawing/2014/main" id="{1558DDC2-3835-7E94-9FCF-DB4EA217A40E}"/>
+              </a:ext>
+            </a:extLst>
+          </p:cNvPr>
+          <p:cNvCxnSpPr>
+            <a:cxnSpLocks/>
+            <a:stCxn id="42" idx="2"/>
+          </p:cNvCxnSpPr>
+          <p:nvPr/>
+        </p:nvCxnSpPr>
+        <p:spPr>
+          <a:xfrm flipH="1">
+            <a:off x="3763300" y="3174885"/>
+            <a:ext cx="397292" cy="1965"/>
+          </a:xfrm>
+          <a:prstGeom prst="straightConnector1">
+            <a:avLst/>
+          </a:prstGeom>
+          <a:ln>
+            <a:solidFill>
+              <a:schemeClr val="tx2"/>
+            </a:solidFill>
+            <a:tailEnd type="triangle"/>
+          </a:ln>
+        </p:spPr>
+        <p:style>
+          <a:lnRef idx="1">
+            <a:schemeClr val="dk1"/>
+          </a:lnRef>
+          <a:fillRef idx="0">
+            <a:schemeClr val="dk1"/>
+          </a:fillRef>
+          <a:effectRef idx="0">
+            <a:schemeClr val="dk1"/>
+          </a:effectRef>
+          <a:fontRef idx="minor">
+            <a:schemeClr val="tx1"/>
+          </a:fontRef>
+        </p:style>
+      </p:cxnSp>
+      <p:sp>
+        <p:nvSpPr>
+          <p:cNvPr id="44" name="모서리가 둥근 직사각형 2">
+            <a:extLst>
+              <a:ext uri="{FF2B5EF4-FFF2-40B4-BE49-F238E27FC236}">
+                <a16:creationId xmlns:a16="http://schemas.microsoft.com/office/drawing/2014/main" id="{37608E22-B0C3-2411-ED2B-0D929072F31D}"/>
+              </a:ext>
+            </a:extLst>
+          </p:cNvPr>
+          <p:cNvSpPr/>
+          <p:nvPr/>
+        </p:nvSpPr>
+        <p:spPr>
+          <a:xfrm>
+            <a:off x="3905623" y="1540109"/>
+            <a:ext cx="1635179" cy="508063"/>
+          </a:xfrm>
+          <a:prstGeom prst="roundRect">
+            <a:avLst>
+              <a:gd name="adj" fmla="val 13068"/>
+            </a:avLst>
+          </a:prstGeom>
+          <a:ln w="12700"/>
+        </p:spPr>
+        <p:style>
+          <a:lnRef idx="2">
+            <a:schemeClr val="dk1"/>
+          </a:lnRef>
+          <a:fillRef idx="1">
+            <a:schemeClr val="lt1"/>
+          </a:fillRef>
+          <a:effectRef idx="0">
+            <a:schemeClr val="dk1"/>
+          </a:effectRef>
+          <a:fontRef idx="minor">
+            <a:schemeClr val="dk1"/>
+          </a:fontRef>
+        </p:style>
+        <p:txBody>
+          <a:bodyPr rtlCol="0" anchor="ctr"/>
+          <a:lstStyle/>
+          <a:p>
+            <a:pPr algn="ctr"/>
+            <a:r>
+              <a:rPr lang="en-US" altLang="ko-KR" sz="1000"/>
+              <a:t>Spark History Server Web UI</a:t>
+            </a:r>
+          </a:p>
+          <a:p>
+            <a:pPr algn="ctr"/>
+            <a:r>
+              <a:rPr lang="en-US" altLang="ko-KR" sz="1000"/>
+              <a:t>/ Service</a:t>
+            </a:r>
+            <a:endParaRPr lang="ko-KR" altLang="en-US" sz="1050"/>
+          </a:p>
+        </p:txBody>
+      </p:sp>
+      <p:cxnSp>
+        <p:nvCxnSpPr>
+          <p:cNvPr id="45" name="Elbow Connector 44">
+            <a:extLst>
+              <a:ext uri="{FF2B5EF4-FFF2-40B4-BE49-F238E27FC236}">
+                <a16:creationId xmlns:a16="http://schemas.microsoft.com/office/drawing/2014/main" id="{955994B2-13F7-F1E3-EB67-6D9C6183E62B}"/>
+              </a:ext>
+            </a:extLst>
+          </p:cNvPr>
+          <p:cNvCxnSpPr>
+            <a:cxnSpLocks/>
+            <a:stCxn id="55" idx="0"/>
+            <a:endCxn id="46" idx="4"/>
+          </p:cNvCxnSpPr>
+          <p:nvPr/>
+        </p:nvCxnSpPr>
+        <p:spPr>
+          <a:xfrm rot="5400000" flipH="1" flipV="1">
+            <a:off x="4200240" y="798853"/>
+            <a:ext cx="822398" cy="3321040"/>
+          </a:xfrm>
+          <a:prstGeom prst="bentConnector3">
+            <a:avLst>
+              <a:gd name="adj1" fmla="val 80452"/>
+            </a:avLst>
+          </a:prstGeom>
+          <a:ln>
+            <a:solidFill>
+              <a:schemeClr val="tx2"/>
+            </a:solidFill>
+            <a:tailEnd type="triangle"/>
+          </a:ln>
+        </p:spPr>
+        <p:style>
+          <a:lnRef idx="1">
+            <a:schemeClr val="dk1"/>
+          </a:lnRef>
+          <a:fillRef idx="0">
+            <a:schemeClr val="dk1"/>
+          </a:fillRef>
+          <a:effectRef idx="0">
+            <a:schemeClr val="dk1"/>
+          </a:effectRef>
+          <a:fontRef idx="minor">
+            <a:schemeClr val="tx1"/>
+          </a:fontRef>
+        </p:style>
+      </p:cxnSp>
+      <p:sp>
+        <p:nvSpPr>
+          <p:cNvPr id="46" name="Oval 45">
+            <a:extLst>
+              <a:ext uri="{FF2B5EF4-FFF2-40B4-BE49-F238E27FC236}">
+                <a16:creationId xmlns:a16="http://schemas.microsoft.com/office/drawing/2014/main" id="{B6F454C7-EC24-5078-0E43-E6D12DD33C7D}"/>
+              </a:ext>
+            </a:extLst>
+          </p:cNvPr>
+          <p:cNvSpPr/>
+          <p:nvPr/>
+        </p:nvSpPr>
+        <p:spPr>
+          <a:xfrm>
+            <a:off x="6199951" y="1904158"/>
+            <a:ext cx="144016" cy="144016"/>
+          </a:xfrm>
+          <a:prstGeom prst="ellipse">
+            <a:avLst/>
+          </a:prstGeom>
+          <a:noFill/>
+          <a:ln>
+            <a:noFill/>
+          </a:ln>
+        </p:spPr>
+        <p:style>
+          <a:lnRef idx="2">
+            <a:schemeClr val="accent1">
+              <a:shade val="15000"/>
+            </a:schemeClr>
+          </a:lnRef>
+          <a:fillRef idx="1">
+            <a:schemeClr val="accent1"/>
+          </a:fillRef>
+          <a:effectRef idx="0">
+            <a:schemeClr val="accent1"/>
+          </a:effectRef>
+          <a:fontRef idx="minor">
+            <a:schemeClr val="lt1"/>
+          </a:fontRef>
+        </p:style>
+        <p:txBody>
+          <a:bodyPr rtlCol="0" anchor="ctr"/>
+          <a:lstStyle/>
+          <a:p>
+            <a:pPr algn="ctr"/>
+            <a:endParaRPr lang="en-KR"/>
+          </a:p>
+        </p:txBody>
+      </p:sp>
+      <p:sp>
+        <p:nvSpPr>
+          <p:cNvPr id="47" name="TextBox 46">
+            <a:extLst>
+              <a:ext uri="{FF2B5EF4-FFF2-40B4-BE49-F238E27FC236}">
+                <a16:creationId xmlns:a16="http://schemas.microsoft.com/office/drawing/2014/main" id="{4F8DDD97-42E0-3C03-D137-2937F022B3DE}"/>
+              </a:ext>
+            </a:extLst>
+          </p:cNvPr>
+          <p:cNvSpPr txBox="1"/>
+          <p:nvPr/>
+        </p:nvSpPr>
+        <p:spPr>
+          <a:xfrm>
+            <a:off x="259701" y="2040239"/>
+            <a:ext cx="800220" cy="230832"/>
+          </a:xfrm>
+          <a:prstGeom prst="rect">
+            <a:avLst/>
+          </a:prstGeom>
+          <a:noFill/>
+        </p:spPr>
+        <p:txBody>
+          <a:bodyPr wrap="none" rtlCol="0">
+            <a:spAutoFit/>
+          </a:bodyPr>
+          <a:lstStyle/>
+          <a:p>
+            <a:pPr algn="ctr"/>
+            <a:r>
+              <a:rPr lang="en-KR" sz="900">
+                <a:solidFill>
+                  <a:schemeClr val="tx2"/>
+                </a:solidFill>
+              </a:rPr>
+              <a:t>Submit job </a:t>
+            </a:r>
+          </a:p>
+        </p:txBody>
+      </p:sp>
+      <p:sp>
+        <p:nvSpPr>
+          <p:cNvPr id="48" name="TextBox 47">
+            <a:extLst>
+              <a:ext uri="{FF2B5EF4-FFF2-40B4-BE49-F238E27FC236}">
+                <a16:creationId xmlns:a16="http://schemas.microsoft.com/office/drawing/2014/main" id="{D8A5CDB6-4864-FF50-99C7-B51994A288C6}"/>
+              </a:ext>
+            </a:extLst>
+          </p:cNvPr>
+          <p:cNvSpPr txBox="1"/>
+          <p:nvPr/>
+        </p:nvSpPr>
+        <p:spPr>
+          <a:xfrm>
+            <a:off x="7360804" y="2459373"/>
+            <a:ext cx="923651" cy="369332"/>
+          </a:xfrm>
+          <a:prstGeom prst="rect">
+            <a:avLst/>
+          </a:prstGeom>
+          <a:noFill/>
+        </p:spPr>
+        <p:txBody>
+          <a:bodyPr wrap="none" rtlCol="0">
+            <a:spAutoFit/>
+          </a:bodyPr>
+          <a:lstStyle/>
+          <a:p>
+            <a:pPr algn="ctr"/>
+            <a:r>
+              <a:rPr lang="en-KR" sz="900">
+                <a:solidFill>
+                  <a:schemeClr val="tx2"/>
+                </a:solidFill>
+              </a:rPr>
+              <a:t>Create</a:t>
+            </a:r>
+          </a:p>
+          <a:p>
+            <a:pPr algn="ctr"/>
+            <a:r>
+              <a:rPr lang="en-KR" sz="900">
+                <a:solidFill>
+                  <a:schemeClr val="tx2"/>
+                </a:solidFill>
+              </a:rPr>
+              <a:t>driver’s config</a:t>
+            </a:r>
+          </a:p>
+        </p:txBody>
+      </p:sp>
+      <p:sp>
+        <p:nvSpPr>
+          <p:cNvPr id="54" name="TextBox 53">
+            <a:extLst>
+              <a:ext uri="{FF2B5EF4-FFF2-40B4-BE49-F238E27FC236}">
+                <a16:creationId xmlns:a16="http://schemas.microsoft.com/office/drawing/2014/main" id="{8A8DE6AC-6475-7389-AA2D-691D0B6D3091}"/>
+              </a:ext>
+            </a:extLst>
+          </p:cNvPr>
+          <p:cNvSpPr txBox="1"/>
+          <p:nvPr/>
+        </p:nvSpPr>
+        <p:spPr>
+          <a:xfrm>
+            <a:off x="5363447" y="2323140"/>
+            <a:ext cx="1165704" cy="230832"/>
+          </a:xfrm>
+          <a:prstGeom prst="rect">
+            <a:avLst/>
+          </a:prstGeom>
+          <a:noFill/>
+        </p:spPr>
+        <p:txBody>
+          <a:bodyPr wrap="none" rtlCol="0">
+            <a:spAutoFit/>
+          </a:bodyPr>
+          <a:lstStyle/>
+          <a:p>
+            <a:pPr algn="ctr"/>
+            <a:r>
+              <a:rPr lang="en-KR" sz="900">
+                <a:solidFill>
+                  <a:schemeClr val="tx2"/>
+                </a:solidFill>
+              </a:rPr>
+              <a:t>Get driver’s pod IP</a:t>
+            </a:r>
+          </a:p>
+        </p:txBody>
+      </p:sp>
+      <p:sp>
+        <p:nvSpPr>
+          <p:cNvPr id="55" name="Oval 54">
+            <a:extLst>
+              <a:ext uri="{FF2B5EF4-FFF2-40B4-BE49-F238E27FC236}">
+                <a16:creationId xmlns:a16="http://schemas.microsoft.com/office/drawing/2014/main" id="{C3D76488-694A-0D89-84E8-DEF7250ECB93}"/>
+              </a:ext>
+            </a:extLst>
+          </p:cNvPr>
+          <p:cNvSpPr/>
+          <p:nvPr/>
+        </p:nvSpPr>
+        <p:spPr>
+          <a:xfrm>
+            <a:off x="2842907" y="2870572"/>
+            <a:ext cx="216024" cy="216024"/>
+          </a:xfrm>
+          <a:prstGeom prst="ellipse">
+            <a:avLst/>
+          </a:prstGeom>
+          <a:solidFill>
+            <a:schemeClr val="bg1"/>
+          </a:solidFill>
+          <a:ln w="19050">
+            <a:solidFill>
+              <a:schemeClr val="tx2"/>
+            </a:solidFill>
+          </a:ln>
+        </p:spPr>
+        <p:style>
+          <a:lnRef idx="2">
+            <a:schemeClr val="accent1">
+              <a:shade val="15000"/>
+            </a:schemeClr>
+          </a:lnRef>
+          <a:fillRef idx="1">
+            <a:schemeClr val="accent1"/>
+          </a:fillRef>
+          <a:effectRef idx="0">
+            <a:schemeClr val="accent1"/>
+          </a:effectRef>
+          <a:fontRef idx="minor">
+            <a:schemeClr val="lt1"/>
+          </a:fontRef>
+        </p:style>
+        <p:txBody>
+          <a:bodyPr rtlCol="0" anchor="ctr"/>
+          <a:lstStyle/>
+          <a:p>
+            <a:pPr algn="ctr"/>
+            <a:r>
+              <a:rPr lang="en-KR" sz="1000">
+                <a:solidFill>
+                  <a:schemeClr val="tx2"/>
+                </a:solidFill>
+              </a:rPr>
+              <a:t>6</a:t>
+            </a:r>
+          </a:p>
+        </p:txBody>
+      </p:sp>
+      <p:sp>
+        <p:nvSpPr>
+          <p:cNvPr id="58" name="TextBox 57">
+            <a:extLst>
+              <a:ext uri="{FF2B5EF4-FFF2-40B4-BE49-F238E27FC236}">
+                <a16:creationId xmlns:a16="http://schemas.microsoft.com/office/drawing/2014/main" id="{92073557-1629-32D5-DEC0-F06090CB393A}"/>
+              </a:ext>
+            </a:extLst>
+          </p:cNvPr>
+          <p:cNvSpPr txBox="1"/>
+          <p:nvPr/>
+        </p:nvSpPr>
+        <p:spPr>
+          <a:xfrm>
+            <a:off x="2940368" y="2206059"/>
+            <a:ext cx="1253869" cy="230832"/>
+          </a:xfrm>
+          <a:prstGeom prst="rect">
+            <a:avLst/>
+          </a:prstGeom>
+          <a:noFill/>
+        </p:spPr>
+        <p:txBody>
+          <a:bodyPr wrap="none" rtlCol="0">
+            <a:spAutoFit/>
+          </a:bodyPr>
+          <a:lstStyle/>
+          <a:p>
+            <a:pPr algn="ctr"/>
+            <a:r>
+              <a:rPr lang="en-KR" sz="900">
+                <a:solidFill>
+                  <a:schemeClr val="tx2"/>
+                </a:solidFill>
+              </a:rPr>
+              <a:t>Create driver service</a:t>
+            </a:r>
+          </a:p>
+        </p:txBody>
+      </p:sp>
+      <p:sp>
+        <p:nvSpPr>
+          <p:cNvPr id="59" name="TextBox 58">
+            <a:extLst>
+              <a:ext uri="{FF2B5EF4-FFF2-40B4-BE49-F238E27FC236}">
+                <a16:creationId xmlns:a16="http://schemas.microsoft.com/office/drawing/2014/main" id="{FF134564-7142-A9B2-3BB5-9CE90A771B19}"/>
+              </a:ext>
+            </a:extLst>
+          </p:cNvPr>
+          <p:cNvSpPr txBox="1"/>
+          <p:nvPr/>
+        </p:nvSpPr>
+        <p:spPr>
+          <a:xfrm>
+            <a:off x="3191152" y="2469419"/>
+            <a:ext cx="1061509" cy="230832"/>
+          </a:xfrm>
+          <a:prstGeom prst="rect">
+            <a:avLst/>
+          </a:prstGeom>
+          <a:noFill/>
+        </p:spPr>
+        <p:txBody>
+          <a:bodyPr wrap="none" rtlCol="0">
+            <a:spAutoFit/>
+          </a:bodyPr>
+          <a:lstStyle/>
+          <a:p>
+            <a:pPr algn="ctr"/>
+            <a:r>
+              <a:rPr lang="en-KR" sz="900">
+                <a:solidFill>
+                  <a:schemeClr val="tx2"/>
+                </a:solidFill>
+              </a:rPr>
+              <a:t>Create executors</a:t>
+            </a:r>
+          </a:p>
+        </p:txBody>
+      </p:sp>
+      <p:sp>
+        <p:nvSpPr>
+          <p:cNvPr id="60" name="Oval 59">
+            <a:extLst>
+              <a:ext uri="{FF2B5EF4-FFF2-40B4-BE49-F238E27FC236}">
+                <a16:creationId xmlns:a16="http://schemas.microsoft.com/office/drawing/2014/main" id="{3179757C-91C7-DBF3-9487-30B44294F396}"/>
+              </a:ext>
+            </a:extLst>
+          </p:cNvPr>
+          <p:cNvSpPr/>
+          <p:nvPr/>
+        </p:nvSpPr>
+        <p:spPr>
+          <a:xfrm>
+            <a:off x="3203177" y="2870572"/>
+            <a:ext cx="216024" cy="216024"/>
+          </a:xfrm>
+          <a:prstGeom prst="ellipse">
+            <a:avLst/>
+          </a:prstGeom>
+          <a:solidFill>
+            <a:schemeClr val="bg1"/>
+          </a:solidFill>
+          <a:ln w="19050">
+            <a:solidFill>
+              <a:schemeClr val="tx2"/>
+            </a:solidFill>
+          </a:ln>
+        </p:spPr>
+        <p:style>
+          <a:lnRef idx="2">
+            <a:schemeClr val="accent1">
+              <a:shade val="15000"/>
+            </a:schemeClr>
+          </a:lnRef>
+          <a:fillRef idx="1">
+            <a:schemeClr val="accent1"/>
+          </a:fillRef>
+          <a:effectRef idx="0">
+            <a:schemeClr val="accent1"/>
+          </a:effectRef>
+          <a:fontRef idx="minor">
+            <a:schemeClr val="lt1"/>
+          </a:fontRef>
+        </p:style>
+        <p:txBody>
+          <a:bodyPr rtlCol="0" anchor="ctr"/>
+          <a:lstStyle/>
+          <a:p>
+            <a:pPr algn="ctr"/>
+            <a:r>
+              <a:rPr lang="en-KR" sz="1000">
+                <a:solidFill>
+                  <a:schemeClr val="tx2"/>
+                </a:solidFill>
+              </a:rPr>
+              <a:t>7</a:t>
+            </a:r>
+          </a:p>
+        </p:txBody>
+      </p:sp>
+      <p:sp>
+        <p:nvSpPr>
+          <p:cNvPr id="61" name="Oval 60">
+            <a:extLst>
+              <a:ext uri="{FF2B5EF4-FFF2-40B4-BE49-F238E27FC236}">
+                <a16:creationId xmlns:a16="http://schemas.microsoft.com/office/drawing/2014/main" id="{2B78F996-0CFB-A1DD-6E76-9F395E9B102E}"/>
+              </a:ext>
+            </a:extLst>
+          </p:cNvPr>
+          <p:cNvSpPr/>
+          <p:nvPr/>
+        </p:nvSpPr>
+        <p:spPr>
+          <a:xfrm>
+            <a:off x="6443485" y="2433306"/>
+            <a:ext cx="216024" cy="216024"/>
+          </a:xfrm>
+          <a:prstGeom prst="ellipse">
+            <a:avLst/>
+          </a:prstGeom>
+          <a:solidFill>
+            <a:schemeClr val="bg1"/>
+          </a:solidFill>
+          <a:ln w="19050">
+            <a:solidFill>
+              <a:schemeClr val="tx2"/>
+            </a:solidFill>
+          </a:ln>
+        </p:spPr>
+        <p:style>
+          <a:lnRef idx="2">
+            <a:schemeClr val="accent1">
+              <a:shade val="15000"/>
+            </a:schemeClr>
+          </a:lnRef>
+          <a:fillRef idx="1">
+            <a:schemeClr val="accent1"/>
+          </a:fillRef>
+          <a:effectRef idx="0">
+            <a:schemeClr val="accent1"/>
+          </a:effectRef>
+          <a:fontRef idx="minor">
+            <a:schemeClr val="lt1"/>
+          </a:fontRef>
+        </p:style>
+        <p:txBody>
+          <a:bodyPr rtlCol="0" anchor="ctr"/>
+          <a:lstStyle/>
+          <a:p>
+            <a:pPr algn="ctr"/>
+            <a:r>
+              <a:rPr lang="en-KR" sz="1000">
+                <a:solidFill>
+                  <a:schemeClr val="tx2"/>
+                </a:solidFill>
+              </a:rPr>
+              <a:t>8</a:t>
+            </a:r>
+          </a:p>
+        </p:txBody>
+      </p:sp>
+      <p:cxnSp>
+        <p:nvCxnSpPr>
+          <p:cNvPr id="62" name="Straight Arrow Connector 61">
+            <a:extLst>
+              <a:ext uri="{FF2B5EF4-FFF2-40B4-BE49-F238E27FC236}">
+                <a16:creationId xmlns:a16="http://schemas.microsoft.com/office/drawing/2014/main" id="{7479CE41-05FF-1B97-7AC3-B16563C7BABC}"/>
+              </a:ext>
+            </a:extLst>
+          </p:cNvPr>
+          <p:cNvCxnSpPr>
+            <a:cxnSpLocks/>
+            <a:stCxn id="61" idx="0"/>
+            <a:endCxn id="22" idx="2"/>
+          </p:cNvCxnSpPr>
+          <p:nvPr/>
+        </p:nvCxnSpPr>
+        <p:spPr>
+          <a:xfrm flipV="1">
+            <a:off x="6551497" y="2048172"/>
+            <a:ext cx="0" cy="385134"/>
+          </a:xfrm>
+          <a:prstGeom prst="straightConnector1">
+            <a:avLst/>
+          </a:prstGeom>
+          <a:ln>
+            <a:solidFill>
+              <a:schemeClr val="tx2"/>
+            </a:solidFill>
+            <a:tailEnd type="triangle"/>
+          </a:ln>
+        </p:spPr>
+        <p:style>
+          <a:lnRef idx="1">
+            <a:schemeClr val="dk1"/>
+          </a:lnRef>
+          <a:fillRef idx="0">
+            <a:schemeClr val="dk1"/>
+          </a:fillRef>
+          <a:effectRef idx="0">
+            <a:schemeClr val="dk1"/>
+          </a:effectRef>
+          <a:fontRef idx="minor">
+            <a:schemeClr val="tx1"/>
+          </a:fontRef>
+        </p:style>
+      </p:cxnSp>
+      <p:sp>
+        <p:nvSpPr>
+          <p:cNvPr id="63" name="TextBox 62">
+            <a:extLst>
+              <a:ext uri="{FF2B5EF4-FFF2-40B4-BE49-F238E27FC236}">
+                <a16:creationId xmlns:a16="http://schemas.microsoft.com/office/drawing/2014/main" id="{A655F797-6E42-2265-87BF-B19E97BEA321}"/>
+              </a:ext>
+            </a:extLst>
+          </p:cNvPr>
+          <p:cNvSpPr txBox="1"/>
+          <p:nvPr/>
+        </p:nvSpPr>
+        <p:spPr>
+          <a:xfrm>
+            <a:off x="4299539" y="3167921"/>
+            <a:ext cx="768159" cy="369332"/>
+          </a:xfrm>
+          <a:prstGeom prst="rect">
+            <a:avLst/>
+          </a:prstGeom>
+          <a:noFill/>
+        </p:spPr>
+        <p:txBody>
+          <a:bodyPr wrap="none" rtlCol="0">
+            <a:spAutoFit/>
+          </a:bodyPr>
+          <a:lstStyle/>
+          <a:p>
+            <a:pPr algn="ctr"/>
+            <a:r>
+              <a:rPr lang="en-KR" sz="900">
+                <a:solidFill>
+                  <a:schemeClr val="tx2"/>
+                </a:solidFill>
+              </a:rPr>
+              <a:t>Connect to</a:t>
+            </a:r>
+          </a:p>
+          <a:p>
+            <a:pPr algn="ctr"/>
+            <a:r>
+              <a:rPr lang="en-KR" sz="900">
+                <a:solidFill>
+                  <a:schemeClr val="tx2"/>
+                </a:solidFill>
+              </a:rPr>
+              <a:t>driver</a:t>
+            </a:r>
+          </a:p>
+        </p:txBody>
+      </p:sp>
+      <p:sp>
+        <p:nvSpPr>
+          <p:cNvPr id="64" name="Oval 63">
+            <a:extLst>
+              <a:ext uri="{FF2B5EF4-FFF2-40B4-BE49-F238E27FC236}">
+                <a16:creationId xmlns:a16="http://schemas.microsoft.com/office/drawing/2014/main" id="{55C0B068-B937-4EC8-532A-113042946BBA}"/>
+              </a:ext>
+            </a:extLst>
+          </p:cNvPr>
+          <p:cNvSpPr/>
+          <p:nvPr/>
+        </p:nvSpPr>
+        <p:spPr>
+          <a:xfrm>
+            <a:off x="2463026" y="3139708"/>
+            <a:ext cx="216024" cy="216024"/>
+          </a:xfrm>
+          <a:prstGeom prst="ellipse">
+            <a:avLst/>
+          </a:prstGeom>
+          <a:solidFill>
+            <a:schemeClr val="bg1"/>
+          </a:solidFill>
+          <a:ln w="19050">
+            <a:solidFill>
+              <a:srgbClr val="C00000"/>
+            </a:solidFill>
+          </a:ln>
+        </p:spPr>
+        <p:style>
+          <a:lnRef idx="2">
+            <a:schemeClr val="accent1">
+              <a:shade val="15000"/>
+            </a:schemeClr>
+          </a:lnRef>
+          <a:fillRef idx="1">
+            <a:schemeClr val="accent1"/>
+          </a:fillRef>
+          <a:effectRef idx="0">
+            <a:schemeClr val="accent1"/>
+          </a:effectRef>
+          <a:fontRef idx="minor">
+            <a:schemeClr val="lt1"/>
+          </a:fontRef>
+        </p:style>
+        <p:txBody>
+          <a:bodyPr rtlCol="0" anchor="ctr"/>
+          <a:lstStyle/>
+          <a:p>
+            <a:pPr algn="ctr"/>
+            <a:r>
+              <a:rPr lang="en-KR" sz="1000">
+                <a:solidFill>
+                  <a:srgbClr val="C00000"/>
+                </a:solidFill>
+              </a:rPr>
+              <a:t>1</a:t>
+            </a:r>
+          </a:p>
+        </p:txBody>
+      </p:sp>
+      <p:sp>
+        <p:nvSpPr>
+          <p:cNvPr id="65" name="TextBox 64">
+            <a:extLst>
+              <a:ext uri="{FF2B5EF4-FFF2-40B4-BE49-F238E27FC236}">
+                <a16:creationId xmlns:a16="http://schemas.microsoft.com/office/drawing/2014/main" id="{DDF918DB-B27F-76D3-2BC3-FF16DE01F257}"/>
+              </a:ext>
+            </a:extLst>
+          </p:cNvPr>
+          <p:cNvSpPr txBox="1"/>
+          <p:nvPr/>
+        </p:nvSpPr>
+        <p:spPr>
+          <a:xfrm>
+            <a:off x="155682" y="3056420"/>
+            <a:ext cx="920445" cy="369332"/>
+          </a:xfrm>
+          <a:prstGeom prst="rect">
+            <a:avLst/>
+          </a:prstGeom>
+          <a:noFill/>
+        </p:spPr>
+        <p:txBody>
+          <a:bodyPr wrap="none" rtlCol="0">
+            <a:spAutoFit/>
+          </a:bodyPr>
+          <a:lstStyle/>
+          <a:p>
+            <a:pPr algn="ctr"/>
+            <a:r>
+              <a:rPr lang="en-KR" sz="900">
+                <a:solidFill>
+                  <a:srgbClr val="C00000"/>
+                </a:solidFill>
+              </a:rPr>
+              <a:t>Write driver’s </a:t>
+            </a:r>
+          </a:p>
+          <a:p>
+            <a:pPr algn="ctr"/>
+            <a:r>
+              <a:rPr lang="en-KR" sz="900">
+                <a:solidFill>
+                  <a:srgbClr val="C00000"/>
+                </a:solidFill>
+              </a:rPr>
+              <a:t>event logs</a:t>
+            </a:r>
+          </a:p>
+        </p:txBody>
+      </p:sp>
+      <p:sp>
+        <p:nvSpPr>
+          <p:cNvPr id="68" name="Oval 67">
+            <a:extLst>
+              <a:ext uri="{FF2B5EF4-FFF2-40B4-BE49-F238E27FC236}">
+                <a16:creationId xmlns:a16="http://schemas.microsoft.com/office/drawing/2014/main" id="{FC63A846-DF07-2A10-6AA3-174D71C6FE16}"/>
+              </a:ext>
+            </a:extLst>
+          </p:cNvPr>
+          <p:cNvSpPr/>
+          <p:nvPr/>
+        </p:nvSpPr>
+        <p:spPr>
+          <a:xfrm>
+            <a:off x="2463026" y="3569344"/>
+            <a:ext cx="216024" cy="216024"/>
+          </a:xfrm>
+          <a:prstGeom prst="ellipse">
+            <a:avLst/>
+          </a:prstGeom>
+          <a:solidFill>
+            <a:schemeClr val="bg1"/>
+          </a:solidFill>
+          <a:ln w="19050">
+            <a:solidFill>
+              <a:srgbClr val="C00000"/>
+            </a:solidFill>
+          </a:ln>
+        </p:spPr>
+        <p:style>
+          <a:lnRef idx="2">
+            <a:schemeClr val="accent1">
+              <a:shade val="15000"/>
+            </a:schemeClr>
+          </a:lnRef>
+          <a:fillRef idx="1">
+            <a:schemeClr val="accent1"/>
+          </a:fillRef>
+          <a:effectRef idx="0">
+            <a:schemeClr val="accent1"/>
+          </a:effectRef>
+          <a:fontRef idx="minor">
+            <a:schemeClr val="lt1"/>
+          </a:fontRef>
+        </p:style>
+        <p:txBody>
+          <a:bodyPr rtlCol="0" anchor="ctr"/>
+          <a:lstStyle/>
+          <a:p>
+            <a:pPr algn="ctr"/>
+            <a:r>
+              <a:rPr lang="en-KR" sz="1000">
+                <a:solidFill>
+                  <a:srgbClr val="C00000"/>
+                </a:solidFill>
+              </a:rPr>
+              <a:t>2</a:t>
+            </a:r>
+          </a:p>
+        </p:txBody>
+      </p:sp>
+      <p:sp>
+        <p:nvSpPr>
+          <p:cNvPr id="69" name="TextBox 68">
+            <a:extLst>
+              <a:ext uri="{FF2B5EF4-FFF2-40B4-BE49-F238E27FC236}">
+                <a16:creationId xmlns:a16="http://schemas.microsoft.com/office/drawing/2014/main" id="{73FDC059-B1DA-D984-0F4B-373AD586C42E}"/>
+              </a:ext>
+            </a:extLst>
+          </p:cNvPr>
+          <p:cNvSpPr txBox="1"/>
+          <p:nvPr/>
+        </p:nvSpPr>
+        <p:spPr>
+          <a:xfrm>
+            <a:off x="1654377" y="4041078"/>
+            <a:ext cx="782587" cy="369332"/>
+          </a:xfrm>
+          <a:prstGeom prst="rect">
+            <a:avLst/>
+          </a:prstGeom>
+          <a:noFill/>
+        </p:spPr>
+        <p:txBody>
+          <a:bodyPr wrap="none" rtlCol="0">
+            <a:spAutoFit/>
+          </a:bodyPr>
+          <a:lstStyle/>
+          <a:p>
+            <a:pPr algn="ctr"/>
+            <a:r>
+              <a:rPr lang="en-KR" sz="900">
+                <a:solidFill>
+                  <a:srgbClr val="C00000"/>
+                </a:solidFill>
+              </a:rPr>
+              <a:t>Get driver’s</a:t>
+            </a:r>
+          </a:p>
+          <a:p>
+            <a:pPr algn="ctr"/>
+            <a:r>
+              <a:rPr lang="en-KR" sz="900">
+                <a:solidFill>
+                  <a:srgbClr val="C00000"/>
+                </a:solidFill>
+              </a:rPr>
+              <a:t>event logs</a:t>
+            </a:r>
+          </a:p>
+        </p:txBody>
+      </p:sp>
+      <p:sp>
+        <p:nvSpPr>
+          <p:cNvPr id="71" name="Oval 70">
+            <a:extLst>
+              <a:ext uri="{FF2B5EF4-FFF2-40B4-BE49-F238E27FC236}">
+                <a16:creationId xmlns:a16="http://schemas.microsoft.com/office/drawing/2014/main" id="{9635FDF7-0210-E3B2-93B3-32C3F2069144}"/>
+              </a:ext>
+            </a:extLst>
+          </p:cNvPr>
+          <p:cNvSpPr/>
+          <p:nvPr/>
+        </p:nvSpPr>
+        <p:spPr>
+          <a:xfrm>
+            <a:off x="3420912" y="3352587"/>
+            <a:ext cx="216024" cy="216024"/>
+          </a:xfrm>
+          <a:prstGeom prst="ellipse">
+            <a:avLst/>
+          </a:prstGeom>
+          <a:solidFill>
+            <a:schemeClr val="bg1"/>
+          </a:solidFill>
+          <a:ln w="19050">
+            <a:solidFill>
+              <a:srgbClr val="C00000"/>
+            </a:solidFill>
+          </a:ln>
+        </p:spPr>
+        <p:style>
+          <a:lnRef idx="2">
+            <a:schemeClr val="accent1">
+              <a:shade val="15000"/>
+            </a:schemeClr>
+          </a:lnRef>
+          <a:fillRef idx="1">
+            <a:schemeClr val="accent1"/>
+          </a:fillRef>
+          <a:effectRef idx="0">
+            <a:schemeClr val="accent1"/>
+          </a:effectRef>
+          <a:fontRef idx="minor">
+            <a:schemeClr val="lt1"/>
+          </a:fontRef>
+        </p:style>
+        <p:txBody>
+          <a:bodyPr rtlCol="0" anchor="ctr"/>
+          <a:lstStyle/>
+          <a:p>
+            <a:pPr algn="ctr"/>
+            <a:r>
+              <a:rPr lang="en-KR" sz="1000">
+                <a:solidFill>
+                  <a:srgbClr val="C00000"/>
+                </a:solidFill>
+              </a:rPr>
+              <a:t>3</a:t>
+            </a:r>
+          </a:p>
+        </p:txBody>
+      </p:sp>
+      <p:sp>
+        <p:nvSpPr>
+          <p:cNvPr id="72" name="TextBox 71">
+            <a:extLst>
+              <a:ext uri="{FF2B5EF4-FFF2-40B4-BE49-F238E27FC236}">
+                <a16:creationId xmlns:a16="http://schemas.microsoft.com/office/drawing/2014/main" id="{12C9E2F2-5F8D-7894-9EC4-EA89AB908347}"/>
+              </a:ext>
+            </a:extLst>
+          </p:cNvPr>
+          <p:cNvSpPr txBox="1"/>
+          <p:nvPr/>
+        </p:nvSpPr>
+        <p:spPr>
+          <a:xfrm>
+            <a:off x="4680975" y="2178658"/>
+            <a:ext cx="859531" cy="369332"/>
+          </a:xfrm>
+          <a:prstGeom prst="rect">
+            <a:avLst/>
+          </a:prstGeom>
+          <a:noFill/>
+        </p:spPr>
+        <p:txBody>
+          <a:bodyPr wrap="none" rtlCol="0">
+            <a:spAutoFit/>
+          </a:bodyPr>
+          <a:lstStyle/>
+          <a:p>
+            <a:pPr algn="ctr"/>
+            <a:r>
+              <a:rPr lang="en-KR" sz="900">
+                <a:solidFill>
+                  <a:srgbClr val="C00000"/>
+                </a:solidFill>
+              </a:rPr>
+              <a:t>Send driver’s</a:t>
+            </a:r>
+          </a:p>
+          <a:p>
+            <a:pPr algn="ctr"/>
+            <a:r>
+              <a:rPr lang="en-KR" sz="900">
+                <a:solidFill>
+                  <a:srgbClr val="C00000"/>
+                </a:solidFill>
+              </a:rPr>
+              <a:t>event logs</a:t>
+            </a:r>
+          </a:p>
+        </p:txBody>
+      </p:sp>
+      <p:sp>
+        <p:nvSpPr>
+          <p:cNvPr id="75" name="모서리가 둥근 직사각형 2">
+            <a:extLst>
+              <a:ext uri="{FF2B5EF4-FFF2-40B4-BE49-F238E27FC236}">
+                <a16:creationId xmlns:a16="http://schemas.microsoft.com/office/drawing/2014/main" id="{B7439CF9-D92D-80D7-459F-CCDAF96B049A}"/>
+              </a:ext>
+            </a:extLst>
+          </p:cNvPr>
+          <p:cNvSpPr/>
+          <p:nvPr/>
+        </p:nvSpPr>
+        <p:spPr>
+          <a:xfrm>
+            <a:off x="7541906" y="2837433"/>
+            <a:ext cx="1368152" cy="1440154"/>
+          </a:xfrm>
+          <a:prstGeom prst="roundRect">
+            <a:avLst>
+              <a:gd name="adj" fmla="val 7293"/>
+            </a:avLst>
+          </a:prstGeom>
+          <a:ln w="12700"/>
+        </p:spPr>
+        <p:style>
+          <a:lnRef idx="2">
+            <a:schemeClr val="dk1"/>
+          </a:lnRef>
+          <a:fillRef idx="1">
+            <a:schemeClr val="lt1"/>
+          </a:fillRef>
+          <a:effectRef idx="0">
+            <a:schemeClr val="dk1"/>
+          </a:effectRef>
+          <a:fontRef idx="minor">
+            <a:schemeClr val="dk1"/>
+          </a:fontRef>
+        </p:style>
+        <p:txBody>
+          <a:bodyPr rtlCol="0" anchor="b"/>
+          <a:lstStyle/>
+          <a:p>
+            <a:pPr algn="ctr"/>
+            <a:r>
+              <a:rPr lang="en-US" altLang="ko-KR" sz="1100"/>
+              <a:t>Worker Node D</a:t>
+            </a:r>
+            <a:endParaRPr lang="ko-KR" altLang="en-US" sz="1100"/>
+          </a:p>
+        </p:txBody>
+      </p:sp>
+      <p:sp>
+        <p:nvSpPr>
+          <p:cNvPr id="76" name="모서리가 둥근 직사각형 2">
+            <a:extLst>
+              <a:ext uri="{FF2B5EF4-FFF2-40B4-BE49-F238E27FC236}">
+                <a16:creationId xmlns:a16="http://schemas.microsoft.com/office/drawing/2014/main" id="{6BFA17E7-3D00-157E-0D6D-2047431486BF}"/>
+              </a:ext>
+            </a:extLst>
+          </p:cNvPr>
+          <p:cNvSpPr/>
+          <p:nvPr/>
+        </p:nvSpPr>
+        <p:spPr>
+          <a:xfrm>
+            <a:off x="7630526" y="2981448"/>
+            <a:ext cx="1190912" cy="890801"/>
+          </a:xfrm>
+          <a:prstGeom prst="roundRect">
+            <a:avLst>
+              <a:gd name="adj" fmla="val 9041"/>
+            </a:avLst>
+          </a:prstGeom>
+          <a:ln w="12700"/>
+        </p:spPr>
+        <p:style>
+          <a:lnRef idx="2">
+            <a:schemeClr val="dk1"/>
+          </a:lnRef>
+          <a:fillRef idx="1">
+            <a:schemeClr val="lt1"/>
+          </a:fillRef>
+          <a:effectRef idx="0">
+            <a:schemeClr val="dk1"/>
+          </a:effectRef>
+          <a:fontRef idx="minor">
+            <a:schemeClr val="dk1"/>
+          </a:fontRef>
+        </p:style>
+        <p:txBody>
+          <a:bodyPr rtlCol="0" anchor="b"/>
+          <a:lstStyle/>
+          <a:p>
+            <a:pPr algn="ctr"/>
+            <a:r>
+              <a:rPr lang="en-US" altLang="ko-KR" sz="1000" b="1"/>
+              <a:t>spark-operator </a:t>
+            </a:r>
+            <a:br>
+              <a:rPr lang="en-US" altLang="ko-KR" sz="1000" b="1"/>
+            </a:br>
+            <a:r>
+              <a:rPr lang="en-US" altLang="ko-KR" sz="1000"/>
+              <a:t>/ Pod</a:t>
+            </a:r>
+            <a:endParaRPr lang="ko-KR" altLang="en-US" sz="1000"/>
+          </a:p>
+        </p:txBody>
+      </p:sp>
+      <p:sp>
+        <p:nvSpPr>
+          <p:cNvPr id="79" name="모서리가 둥근 직사각형 2">
+            <a:extLst>
+              <a:ext uri="{FF2B5EF4-FFF2-40B4-BE49-F238E27FC236}">
+                <a16:creationId xmlns:a16="http://schemas.microsoft.com/office/drawing/2014/main" id="{5668E099-6809-7EDA-FCDB-55210BB41384}"/>
+              </a:ext>
+            </a:extLst>
+          </p:cNvPr>
+          <p:cNvSpPr/>
+          <p:nvPr/>
+        </p:nvSpPr>
+        <p:spPr>
+          <a:xfrm>
+            <a:off x="7698325" y="3072694"/>
+            <a:ext cx="1047740" cy="386745"/>
+          </a:xfrm>
+          <a:prstGeom prst="roundRect">
+            <a:avLst>
+              <a:gd name="adj" fmla="val 13068"/>
+            </a:avLst>
+          </a:prstGeom>
+          <a:ln w="12700"/>
+        </p:spPr>
+        <p:style>
+          <a:lnRef idx="2">
+            <a:schemeClr val="dk1"/>
+          </a:lnRef>
+          <a:fillRef idx="1">
+            <a:schemeClr val="lt1"/>
+          </a:fillRef>
+          <a:effectRef idx="0">
+            <a:schemeClr val="dk1"/>
+          </a:effectRef>
+          <a:fontRef idx="minor">
+            <a:schemeClr val="dk1"/>
+          </a:fontRef>
+        </p:style>
+        <p:txBody>
+          <a:bodyPr rtlCol="0" anchor="ctr"/>
+          <a:lstStyle/>
+          <a:p>
+            <a:pPr algn="ctr"/>
+            <a:r>
+              <a:rPr lang="en-US" altLang="ko-KR" sz="900" b="1"/>
+              <a:t>spark-submit CLI</a:t>
+            </a:r>
+            <a:endParaRPr lang="ko-KR" altLang="en-US" sz="900" b="1"/>
+          </a:p>
+        </p:txBody>
+      </p:sp>
+      <p:sp>
+        <p:nvSpPr>
+          <p:cNvPr id="80" name="모서리가 둥근 직사각형 2">
+            <a:extLst>
+              <a:ext uri="{FF2B5EF4-FFF2-40B4-BE49-F238E27FC236}">
+                <a16:creationId xmlns:a16="http://schemas.microsoft.com/office/drawing/2014/main" id="{203981CE-5480-F7BE-04FE-6141F74CCFB9}"/>
+              </a:ext>
+            </a:extLst>
+          </p:cNvPr>
+          <p:cNvSpPr/>
+          <p:nvPr/>
+        </p:nvSpPr>
+        <p:spPr>
+          <a:xfrm>
+            <a:off x="2483767" y="848240"/>
+            <a:ext cx="1421855" cy="508063"/>
+          </a:xfrm>
+          <a:prstGeom prst="roundRect">
+            <a:avLst>
+              <a:gd name="adj" fmla="val 13068"/>
+            </a:avLst>
+          </a:prstGeom>
+          <a:ln w="12700"/>
+        </p:spPr>
+        <p:style>
+          <a:lnRef idx="2">
+            <a:schemeClr val="dk1"/>
+          </a:lnRef>
+          <a:fillRef idx="1">
+            <a:schemeClr val="lt1"/>
+          </a:fillRef>
+          <a:effectRef idx="0">
+            <a:schemeClr val="dk1"/>
+          </a:effectRef>
+          <a:fontRef idx="minor">
+            <a:schemeClr val="dk1"/>
+          </a:fontRef>
+        </p:style>
+        <p:txBody>
+          <a:bodyPr rtlCol="0" anchor="ctr"/>
+          <a:lstStyle/>
+          <a:p>
+            <a:pPr algn="ctr"/>
+            <a:r>
+              <a:rPr lang="en-US" altLang="ko-KR" sz="1000" b="1"/>
+              <a:t>SparkApplication</a:t>
+            </a:r>
+          </a:p>
+          <a:p>
+            <a:pPr algn="ctr"/>
+            <a:r>
+              <a:rPr lang="en-US" altLang="ko-KR" sz="1000"/>
+              <a:t>/ Custom Resource</a:t>
+            </a:r>
+            <a:endParaRPr lang="ko-KR" altLang="en-US" sz="1000"/>
+          </a:p>
+        </p:txBody>
+      </p:sp>
+      <p:sp>
+        <p:nvSpPr>
+          <p:cNvPr id="81" name="모서리가 둥근 직사각형 2">
+            <a:extLst>
+              <a:ext uri="{FF2B5EF4-FFF2-40B4-BE49-F238E27FC236}">
+                <a16:creationId xmlns:a16="http://schemas.microsoft.com/office/drawing/2014/main" id="{3AD1C164-17CC-5C80-F429-59E21D8A3B20}"/>
+              </a:ext>
+            </a:extLst>
+          </p:cNvPr>
+          <p:cNvSpPr/>
+          <p:nvPr/>
+        </p:nvSpPr>
+        <p:spPr>
+          <a:xfrm>
+            <a:off x="4146747" y="848240"/>
+            <a:ext cx="1935820" cy="508063"/>
+          </a:xfrm>
+          <a:prstGeom prst="roundRect">
+            <a:avLst>
+              <a:gd name="adj" fmla="val 13068"/>
+            </a:avLst>
+          </a:prstGeom>
+          <a:ln w="12700"/>
+        </p:spPr>
+        <p:style>
+          <a:lnRef idx="2">
+            <a:schemeClr val="dk1"/>
+          </a:lnRef>
+          <a:fillRef idx="1">
+            <a:schemeClr val="lt1"/>
+          </a:fillRef>
+          <a:effectRef idx="0">
+            <a:schemeClr val="dk1"/>
+          </a:effectRef>
+          <a:fontRef idx="minor">
+            <a:schemeClr val="dk1"/>
+          </a:fontRef>
+        </p:style>
+        <p:txBody>
+          <a:bodyPr rtlCol="0" anchor="ctr"/>
+          <a:lstStyle/>
+          <a:p>
+            <a:pPr algn="ctr"/>
+            <a:r>
+              <a:rPr lang="en-US" altLang="ko-KR" sz="1000" b="1"/>
+              <a:t>ScheduledSparkApplication</a:t>
+            </a:r>
+          </a:p>
+          <a:p>
+            <a:pPr algn="ctr"/>
+            <a:r>
+              <a:rPr lang="en-US" altLang="ko-KR" sz="1000"/>
+              <a:t>/ Custom Resource</a:t>
+            </a:r>
+            <a:endParaRPr lang="ko-KR" altLang="en-US" sz="1000"/>
+          </a:p>
+        </p:txBody>
+      </p:sp>
+      <p:sp>
+        <p:nvSpPr>
+          <p:cNvPr id="83" name="모서리가 둥근 직사각형 2">
+            <a:extLst>
+              <a:ext uri="{FF2B5EF4-FFF2-40B4-BE49-F238E27FC236}">
+                <a16:creationId xmlns:a16="http://schemas.microsoft.com/office/drawing/2014/main" id="{1071C5DB-E8F4-90CB-587F-810A1330B841}"/>
+              </a:ext>
+            </a:extLst>
+          </p:cNvPr>
+          <p:cNvSpPr/>
+          <p:nvPr/>
+        </p:nvSpPr>
+        <p:spPr>
+          <a:xfrm>
+            <a:off x="6297626" y="848240"/>
+            <a:ext cx="1935820" cy="508063"/>
+          </a:xfrm>
+          <a:prstGeom prst="roundRect">
+            <a:avLst>
+              <a:gd name="adj" fmla="val 13068"/>
+            </a:avLst>
+          </a:prstGeom>
+          <a:ln w="12700"/>
+        </p:spPr>
+        <p:style>
+          <a:lnRef idx="2">
+            <a:schemeClr val="dk1"/>
+          </a:lnRef>
+          <a:fillRef idx="1">
+            <a:schemeClr val="lt1"/>
+          </a:fillRef>
+          <a:effectRef idx="0">
+            <a:schemeClr val="dk1"/>
+          </a:effectRef>
+          <a:fontRef idx="minor">
+            <a:schemeClr val="dk1"/>
+          </a:fontRef>
+        </p:style>
+        <p:txBody>
+          <a:bodyPr rtlCol="0" anchor="ctr"/>
+          <a:lstStyle/>
+          <a:p>
+            <a:pPr algn="ctr"/>
+            <a:r>
+              <a:rPr lang="en-US" altLang="ko-KR" sz="1000"/>
+              <a:t>Spark Web UI</a:t>
+            </a:r>
+          </a:p>
+          <a:p>
+            <a:pPr algn="ctr"/>
+            <a:r>
+              <a:rPr lang="en-US" altLang="ko-KR" sz="1000"/>
+              <a:t>/ Service</a:t>
+            </a:r>
+            <a:endParaRPr lang="ko-KR" altLang="en-US" sz="1000"/>
+          </a:p>
+        </p:txBody>
+      </p:sp>
+      <p:cxnSp>
+        <p:nvCxnSpPr>
+          <p:cNvPr id="84" name="Elbow Connector 83">
+            <a:extLst>
+              <a:ext uri="{FF2B5EF4-FFF2-40B4-BE49-F238E27FC236}">
+                <a16:creationId xmlns:a16="http://schemas.microsoft.com/office/drawing/2014/main" id="{CF4D5F5B-3797-AD0E-EAF0-4D212F60BD81}"/>
+              </a:ext>
+            </a:extLst>
+          </p:cNvPr>
+          <p:cNvCxnSpPr>
+            <a:cxnSpLocks/>
+            <a:stCxn id="44" idx="0"/>
+            <a:endCxn id="25" idx="3"/>
+          </p:cNvCxnSpPr>
+          <p:nvPr/>
+        </p:nvCxnSpPr>
+        <p:spPr>
+          <a:xfrm rot="16200000" flipV="1">
+            <a:off x="2916917" y="-266187"/>
+            <a:ext cx="132603" cy="3479990"/>
+          </a:xfrm>
+          <a:prstGeom prst="bentConnector2">
+            <a:avLst/>
+          </a:prstGeom>
+          <a:ln>
+            <a:solidFill>
+              <a:srgbClr val="C00000"/>
+            </a:solidFill>
+            <a:tailEnd type="triangle"/>
+          </a:ln>
+        </p:spPr>
+        <p:style>
+          <a:lnRef idx="1">
+            <a:schemeClr val="dk1"/>
+          </a:lnRef>
+          <a:fillRef idx="0">
+            <a:schemeClr val="dk1"/>
+          </a:fillRef>
+          <a:effectRef idx="0">
+            <a:schemeClr val="dk1"/>
+          </a:effectRef>
+          <a:fontRef idx="minor">
+            <a:schemeClr val="tx1"/>
+          </a:fontRef>
+        </p:style>
+      </p:cxnSp>
+      <p:cxnSp>
+        <p:nvCxnSpPr>
+          <p:cNvPr id="88" name="Elbow Connector 87">
+            <a:extLst>
+              <a:ext uri="{FF2B5EF4-FFF2-40B4-BE49-F238E27FC236}">
+                <a16:creationId xmlns:a16="http://schemas.microsoft.com/office/drawing/2014/main" id="{656D8460-A872-BC45-7985-A9AE1913A69B}"/>
+              </a:ext>
+            </a:extLst>
+          </p:cNvPr>
+          <p:cNvCxnSpPr>
+            <a:cxnSpLocks/>
+            <a:stCxn id="89" idx="0"/>
+            <a:endCxn id="21" idx="0"/>
+          </p:cNvCxnSpPr>
+          <p:nvPr/>
+        </p:nvCxnSpPr>
+        <p:spPr>
+          <a:xfrm rot="16200000" flipV="1">
+            <a:off x="4928159" y="-356137"/>
+            <a:ext cx="1399116" cy="5191608"/>
+          </a:xfrm>
+          <a:prstGeom prst="bentConnector3">
+            <a:avLst>
+              <a:gd name="adj1" fmla="val 107002"/>
+            </a:avLst>
+          </a:prstGeom>
+          <a:ln>
+            <a:solidFill>
+              <a:schemeClr val="tx2"/>
+            </a:solidFill>
+            <a:tailEnd type="triangle"/>
+          </a:ln>
+        </p:spPr>
+        <p:style>
+          <a:lnRef idx="1">
+            <a:schemeClr val="dk1"/>
+          </a:lnRef>
+          <a:fillRef idx="0">
+            <a:schemeClr val="dk1"/>
+          </a:fillRef>
+          <a:effectRef idx="0">
+            <a:schemeClr val="dk1"/>
+          </a:effectRef>
+          <a:fontRef idx="minor">
+            <a:schemeClr val="tx1"/>
+          </a:fontRef>
+        </p:style>
+      </p:cxnSp>
+      <p:sp>
+        <p:nvSpPr>
+          <p:cNvPr id="89" name="Oval 88">
+            <a:extLst>
+              <a:ext uri="{FF2B5EF4-FFF2-40B4-BE49-F238E27FC236}">
+                <a16:creationId xmlns:a16="http://schemas.microsoft.com/office/drawing/2014/main" id="{960CC63C-D132-E631-5609-AF66D7DA51F0}"/>
+              </a:ext>
+            </a:extLst>
+          </p:cNvPr>
+          <p:cNvSpPr/>
+          <p:nvPr/>
+        </p:nvSpPr>
+        <p:spPr>
+          <a:xfrm>
+            <a:off x="8115509" y="2939225"/>
+            <a:ext cx="216024" cy="216024"/>
+          </a:xfrm>
+          <a:prstGeom prst="ellipse">
+            <a:avLst/>
+          </a:prstGeom>
+          <a:solidFill>
+            <a:schemeClr val="bg1"/>
+          </a:solidFill>
+          <a:ln w="19050">
+            <a:solidFill>
+              <a:schemeClr val="tx2"/>
+            </a:solidFill>
+          </a:ln>
+        </p:spPr>
+        <p:style>
+          <a:lnRef idx="2">
+            <a:schemeClr val="accent1">
+              <a:shade val="15000"/>
+            </a:schemeClr>
+          </a:lnRef>
+          <a:fillRef idx="1">
+            <a:schemeClr val="accent1"/>
+          </a:fillRef>
+          <a:effectRef idx="0">
+            <a:schemeClr val="accent1"/>
+          </a:effectRef>
+          <a:fontRef idx="minor">
+            <a:schemeClr val="lt1"/>
+          </a:fontRef>
+        </p:style>
+        <p:txBody>
+          <a:bodyPr rtlCol="0" anchor="ctr"/>
+          <a:lstStyle/>
+          <a:p>
+            <a:pPr algn="ctr"/>
+            <a:r>
+              <a:rPr lang="en-KR" sz="1000">
+                <a:solidFill>
+                  <a:schemeClr val="tx2"/>
+                </a:solidFill>
+              </a:rPr>
+              <a:t>4</a:t>
+            </a:r>
+          </a:p>
+        </p:txBody>
+      </p:sp>
+      <p:sp>
+        <p:nvSpPr>
+          <p:cNvPr id="98" name="TextBox 97">
+            <a:extLst>
+              <a:ext uri="{FF2B5EF4-FFF2-40B4-BE49-F238E27FC236}">
+                <a16:creationId xmlns:a16="http://schemas.microsoft.com/office/drawing/2014/main" id="{B10CE22B-46BB-19F6-F3E1-132F941E155C}"/>
+              </a:ext>
+            </a:extLst>
+          </p:cNvPr>
+          <p:cNvSpPr txBox="1"/>
+          <p:nvPr/>
+        </p:nvSpPr>
+        <p:spPr>
+          <a:xfrm>
+            <a:off x="7240141" y="4215976"/>
+            <a:ext cx="728084" cy="369332"/>
+          </a:xfrm>
+          <a:prstGeom prst="rect">
+            <a:avLst/>
+          </a:prstGeom>
+          <a:noFill/>
+        </p:spPr>
+        <p:txBody>
+          <a:bodyPr wrap="none" rtlCol="0">
+            <a:spAutoFit/>
+          </a:bodyPr>
+          <a:lstStyle/>
+          <a:p>
+            <a:pPr algn="ctr"/>
+            <a:r>
+              <a:rPr lang="en-KR" sz="900">
+                <a:solidFill>
+                  <a:schemeClr val="tx2"/>
+                </a:solidFill>
+              </a:rPr>
+              <a:t>Create</a:t>
+            </a:r>
+          </a:p>
+          <a:p>
+            <a:pPr algn="ctr"/>
+            <a:r>
+              <a:rPr lang="en-KR" sz="900">
+                <a:solidFill>
+                  <a:schemeClr val="tx2"/>
+                </a:solidFill>
+              </a:rPr>
+              <a:t>driver pod</a:t>
+            </a:r>
+          </a:p>
+        </p:txBody>
+      </p:sp>
+      <p:sp>
+        <p:nvSpPr>
+          <p:cNvPr id="99" name="Oval 98">
+            <a:extLst>
+              <a:ext uri="{FF2B5EF4-FFF2-40B4-BE49-F238E27FC236}">
+                <a16:creationId xmlns:a16="http://schemas.microsoft.com/office/drawing/2014/main" id="{6F95D839-6704-95F3-5FF5-39F046F02042}"/>
+              </a:ext>
+            </a:extLst>
+          </p:cNvPr>
+          <p:cNvSpPr/>
+          <p:nvPr/>
+        </p:nvSpPr>
+        <p:spPr>
+          <a:xfrm>
+            <a:off x="7591835" y="3160164"/>
+            <a:ext cx="216024" cy="216024"/>
+          </a:xfrm>
+          <a:prstGeom prst="ellipse">
+            <a:avLst/>
+          </a:prstGeom>
+          <a:solidFill>
+            <a:schemeClr val="bg1"/>
+          </a:solidFill>
+          <a:ln w="19050">
+            <a:solidFill>
+              <a:schemeClr val="tx2"/>
+            </a:solidFill>
+          </a:ln>
+        </p:spPr>
+        <p:style>
+          <a:lnRef idx="2">
+            <a:schemeClr val="accent1">
+              <a:shade val="15000"/>
+            </a:schemeClr>
+          </a:lnRef>
+          <a:fillRef idx="1">
+            <a:schemeClr val="accent1"/>
+          </a:fillRef>
+          <a:effectRef idx="0">
+            <a:schemeClr val="accent1"/>
+          </a:effectRef>
+          <a:fontRef idx="minor">
+            <a:schemeClr val="lt1"/>
+          </a:fontRef>
+        </p:style>
+        <p:txBody>
+          <a:bodyPr rtlCol="0" anchor="ctr"/>
+          <a:lstStyle/>
+          <a:p>
+            <a:pPr algn="ctr"/>
+            <a:r>
+              <a:rPr lang="en-KR" sz="1000">
+                <a:solidFill>
+                  <a:schemeClr val="tx2"/>
+                </a:solidFill>
+              </a:rPr>
+              <a:t>5</a:t>
+            </a:r>
+          </a:p>
+        </p:txBody>
+      </p:sp>
+      <p:sp>
+        <p:nvSpPr>
+          <p:cNvPr id="101" name="Oval 100">
+            <a:extLst>
+              <a:ext uri="{FF2B5EF4-FFF2-40B4-BE49-F238E27FC236}">
+                <a16:creationId xmlns:a16="http://schemas.microsoft.com/office/drawing/2014/main" id="{00DECB79-158A-EE5A-6844-BA31C8B4F272}"/>
+              </a:ext>
+            </a:extLst>
+          </p:cNvPr>
+          <p:cNvSpPr/>
+          <p:nvPr/>
+        </p:nvSpPr>
+        <p:spPr>
+          <a:xfrm>
+            <a:off x="1364448" y="2273117"/>
+            <a:ext cx="216024" cy="216024"/>
+          </a:xfrm>
+          <a:prstGeom prst="ellipse">
+            <a:avLst/>
+          </a:prstGeom>
+          <a:solidFill>
+            <a:schemeClr val="bg1"/>
+          </a:solidFill>
+          <a:ln w="19050">
+            <a:solidFill>
+              <a:schemeClr val="tx2"/>
+            </a:solidFill>
+          </a:ln>
+        </p:spPr>
+        <p:style>
+          <a:lnRef idx="2">
+            <a:schemeClr val="accent1">
+              <a:shade val="15000"/>
+            </a:schemeClr>
+          </a:lnRef>
+          <a:fillRef idx="1">
+            <a:schemeClr val="accent1"/>
+          </a:fillRef>
+          <a:effectRef idx="0">
+            <a:schemeClr val="accent1"/>
+          </a:effectRef>
+          <a:fontRef idx="minor">
+            <a:schemeClr val="lt1"/>
+          </a:fontRef>
+        </p:style>
+        <p:txBody>
+          <a:bodyPr rtlCol="0" anchor="ctr"/>
+          <a:lstStyle/>
+          <a:p>
+            <a:pPr algn="ctr"/>
+            <a:r>
+              <a:rPr lang="en-KR" sz="1000">
+                <a:solidFill>
+                  <a:schemeClr val="tx2"/>
+                </a:solidFill>
+              </a:rPr>
+              <a:t>2</a:t>
+            </a:r>
+          </a:p>
+        </p:txBody>
+      </p:sp>
+      <p:cxnSp>
+        <p:nvCxnSpPr>
+          <p:cNvPr id="102" name="Elbow Connector 101">
+            <a:extLst>
+              <a:ext uri="{FF2B5EF4-FFF2-40B4-BE49-F238E27FC236}">
+                <a16:creationId xmlns:a16="http://schemas.microsoft.com/office/drawing/2014/main" id="{B86B53C3-380D-241B-834D-5C9BB6FC1664}"/>
+              </a:ext>
+            </a:extLst>
+          </p:cNvPr>
+          <p:cNvCxnSpPr>
+            <a:cxnSpLocks/>
+            <a:stCxn id="101" idx="0"/>
+            <a:endCxn id="80" idx="0"/>
+          </p:cNvCxnSpPr>
+          <p:nvPr/>
+        </p:nvCxnSpPr>
+        <p:spPr>
+          <a:xfrm rot="5400000" flipH="1" flipV="1">
+            <a:off x="1621139" y="699562"/>
+            <a:ext cx="1424877" cy="1722235"/>
+          </a:xfrm>
+          <a:prstGeom prst="bentConnector3">
+            <a:avLst>
+              <a:gd name="adj1" fmla="val 116043"/>
+            </a:avLst>
+          </a:prstGeom>
+          <a:ln>
+            <a:solidFill>
+              <a:schemeClr val="tx2"/>
+            </a:solidFill>
+            <a:tailEnd type="triangle"/>
+          </a:ln>
+        </p:spPr>
+        <p:style>
+          <a:lnRef idx="1">
+            <a:schemeClr val="dk1"/>
+          </a:lnRef>
+          <a:fillRef idx="0">
+            <a:schemeClr val="dk1"/>
+          </a:fillRef>
+          <a:effectRef idx="0">
+            <a:schemeClr val="dk1"/>
+          </a:effectRef>
+          <a:fontRef idx="minor">
+            <a:schemeClr val="tx1"/>
+          </a:fontRef>
+        </p:style>
+      </p:cxnSp>
+      <p:cxnSp>
+        <p:nvCxnSpPr>
+          <p:cNvPr id="108" name="Elbow Connector 107">
+            <a:extLst>
+              <a:ext uri="{FF2B5EF4-FFF2-40B4-BE49-F238E27FC236}">
+                <a16:creationId xmlns:a16="http://schemas.microsoft.com/office/drawing/2014/main" id="{D42663DB-3AA6-7D7F-42FF-A73A5CE62F79}"/>
+              </a:ext>
+            </a:extLst>
+          </p:cNvPr>
+          <p:cNvCxnSpPr>
+            <a:cxnSpLocks/>
+            <a:stCxn id="1131" idx="6"/>
+            <a:endCxn id="81" idx="0"/>
+          </p:cNvCxnSpPr>
+          <p:nvPr/>
+        </p:nvCxnSpPr>
+        <p:spPr>
+          <a:xfrm flipV="1">
+            <a:off x="1380400" y="848240"/>
+            <a:ext cx="3734257" cy="787163"/>
+          </a:xfrm>
+          <a:prstGeom prst="bentConnector4">
+            <a:avLst>
+              <a:gd name="adj1" fmla="val 2470"/>
+              <a:gd name="adj2" fmla="val 129041"/>
+            </a:avLst>
+          </a:prstGeom>
+          <a:ln>
+            <a:solidFill>
+              <a:schemeClr val="tx2"/>
+            </a:solidFill>
+            <a:tailEnd type="triangle"/>
+          </a:ln>
+        </p:spPr>
+        <p:style>
+          <a:lnRef idx="1">
+            <a:schemeClr val="dk1"/>
+          </a:lnRef>
+          <a:fillRef idx="0">
+            <a:schemeClr val="dk1"/>
+          </a:fillRef>
+          <a:effectRef idx="0">
+            <a:schemeClr val="dk1"/>
+          </a:effectRef>
+          <a:fontRef idx="minor">
+            <a:schemeClr val="tx1"/>
+          </a:fontRef>
+        </p:style>
+      </p:cxnSp>
+      <p:cxnSp>
+        <p:nvCxnSpPr>
+          <p:cNvPr id="117" name="Elbow Connector 116">
+            <a:extLst>
+              <a:ext uri="{FF2B5EF4-FFF2-40B4-BE49-F238E27FC236}">
+                <a16:creationId xmlns:a16="http://schemas.microsoft.com/office/drawing/2014/main" id="{7DC9B4E0-9100-7049-6266-65F81D781693}"/>
+              </a:ext>
+            </a:extLst>
+          </p:cNvPr>
+          <p:cNvCxnSpPr>
+            <a:cxnSpLocks/>
+            <a:stCxn id="83" idx="0"/>
+            <a:endCxn id="25" idx="0"/>
+          </p:cNvCxnSpPr>
+          <p:nvPr/>
+        </p:nvCxnSpPr>
+        <p:spPr>
+          <a:xfrm rot="16200000" flipH="1" flipV="1">
+            <a:off x="3974747" y="-2162743"/>
+            <a:ext cx="279806" cy="6301772"/>
+          </a:xfrm>
+          <a:prstGeom prst="bentConnector3">
+            <a:avLst>
+              <a:gd name="adj1" fmla="val -102124"/>
+            </a:avLst>
+          </a:prstGeom>
+          <a:ln>
+            <a:solidFill>
+              <a:srgbClr val="00B050"/>
+            </a:solidFill>
+            <a:tailEnd type="triangle"/>
+          </a:ln>
+        </p:spPr>
+        <p:style>
+          <a:lnRef idx="1">
+            <a:schemeClr val="dk1"/>
+          </a:lnRef>
+          <a:fillRef idx="0">
+            <a:schemeClr val="dk1"/>
+          </a:fillRef>
+          <a:effectRef idx="0">
+            <a:schemeClr val="dk1"/>
+          </a:effectRef>
+          <a:fontRef idx="minor">
+            <a:schemeClr val="tx1"/>
+          </a:fontRef>
+        </p:style>
+      </p:cxnSp>
+      <p:cxnSp>
+        <p:nvCxnSpPr>
+          <p:cNvPr id="122" name="Elbow Connector 121">
+            <a:extLst>
+              <a:ext uri="{FF2B5EF4-FFF2-40B4-BE49-F238E27FC236}">
+                <a16:creationId xmlns:a16="http://schemas.microsoft.com/office/drawing/2014/main" id="{9BEA5223-4721-C84A-4052-6418535C1A17}"/>
+              </a:ext>
+            </a:extLst>
+          </p:cNvPr>
+          <p:cNvCxnSpPr>
+            <a:cxnSpLocks/>
+            <a:stCxn id="1031" idx="0"/>
+            <a:endCxn id="83" idx="2"/>
+          </p:cNvCxnSpPr>
+          <p:nvPr/>
+        </p:nvCxnSpPr>
+        <p:spPr>
+          <a:xfrm rot="5400000" flipH="1" flipV="1">
+            <a:off x="4706559" y="311596"/>
+            <a:ext cx="1514269" cy="3603685"/>
+          </a:xfrm>
+          <a:prstGeom prst="bentConnector3">
+            <a:avLst>
+              <a:gd name="adj1" fmla="val 5592"/>
+            </a:avLst>
+          </a:prstGeom>
+          <a:ln>
+            <a:solidFill>
+              <a:srgbClr val="00B050"/>
+            </a:solidFill>
+            <a:tailEnd type="triangle"/>
+          </a:ln>
+        </p:spPr>
+        <p:style>
+          <a:lnRef idx="1">
+            <a:schemeClr val="dk1"/>
+          </a:lnRef>
+          <a:fillRef idx="0">
+            <a:schemeClr val="dk1"/>
+          </a:fillRef>
+          <a:effectRef idx="0">
+            <a:schemeClr val="dk1"/>
+          </a:effectRef>
+          <a:fontRef idx="minor">
+            <a:schemeClr val="tx1"/>
+          </a:fontRef>
+        </p:style>
+      </p:cxnSp>
+      <p:sp>
+        <p:nvSpPr>
+          <p:cNvPr id="1031" name="Oval 1030">
+            <a:extLst>
+              <a:ext uri="{FF2B5EF4-FFF2-40B4-BE49-F238E27FC236}">
+                <a16:creationId xmlns:a16="http://schemas.microsoft.com/office/drawing/2014/main" id="{8A6AF2F6-F375-D17C-245D-9C8790DF1A06}"/>
+              </a:ext>
+            </a:extLst>
+          </p:cNvPr>
+          <p:cNvSpPr/>
+          <p:nvPr/>
+        </p:nvSpPr>
+        <p:spPr>
+          <a:xfrm>
+            <a:off x="3553839" y="2870572"/>
+            <a:ext cx="216024" cy="216024"/>
+          </a:xfrm>
+          <a:prstGeom prst="ellipse">
+            <a:avLst/>
+          </a:prstGeom>
+          <a:solidFill>
+            <a:schemeClr val="bg1"/>
+          </a:solidFill>
+          <a:ln w="19050">
+            <a:solidFill>
+              <a:srgbClr val="00B050"/>
+            </a:solidFill>
+          </a:ln>
+        </p:spPr>
+        <p:style>
+          <a:lnRef idx="2">
+            <a:schemeClr val="accent1">
+              <a:shade val="15000"/>
+            </a:schemeClr>
+          </a:lnRef>
+          <a:fillRef idx="1">
+            <a:schemeClr val="accent1"/>
+          </a:fillRef>
+          <a:effectRef idx="0">
+            <a:schemeClr val="accent1"/>
+          </a:effectRef>
+          <a:fontRef idx="minor">
+            <a:schemeClr val="lt1"/>
+          </a:fontRef>
+        </p:style>
+        <p:txBody>
+          <a:bodyPr rtlCol="0" anchor="ctr"/>
+          <a:lstStyle/>
+          <a:p>
+            <a:pPr algn="ctr"/>
+            <a:r>
+              <a:rPr lang="en-KR" sz="1000">
+                <a:solidFill>
+                  <a:srgbClr val="00B050"/>
+                </a:solidFill>
+              </a:rPr>
+              <a:t>1</a:t>
+            </a:r>
+          </a:p>
+        </p:txBody>
+      </p:sp>
+      <p:sp>
+        <p:nvSpPr>
+          <p:cNvPr id="1037" name="TextBox 1036">
+            <a:extLst>
+              <a:ext uri="{FF2B5EF4-FFF2-40B4-BE49-F238E27FC236}">
+                <a16:creationId xmlns:a16="http://schemas.microsoft.com/office/drawing/2014/main" id="{2E863616-6471-0C8B-496B-7017414D87B9}"/>
+              </a:ext>
+            </a:extLst>
+          </p:cNvPr>
+          <p:cNvSpPr txBox="1"/>
+          <p:nvPr/>
+        </p:nvSpPr>
+        <p:spPr>
+          <a:xfrm>
+            <a:off x="1408268" y="594440"/>
+            <a:ext cx="1063112" cy="507831"/>
+          </a:xfrm>
+          <a:prstGeom prst="rect">
+            <a:avLst/>
+          </a:prstGeom>
+          <a:noFill/>
+        </p:spPr>
+        <p:txBody>
+          <a:bodyPr wrap="none" rtlCol="0">
+            <a:spAutoFit/>
+          </a:bodyPr>
+          <a:lstStyle/>
+          <a:p>
+            <a:pPr algn="ctr"/>
+            <a:r>
+              <a:rPr lang="en-KR" sz="900">
+                <a:solidFill>
+                  <a:schemeClr val="tx2"/>
+                </a:solidFill>
+              </a:rPr>
+              <a:t>Create </a:t>
+            </a:r>
+          </a:p>
+          <a:p>
+            <a:pPr algn="ctr"/>
+            <a:r>
+              <a:rPr lang="en-KR" sz="900">
+                <a:solidFill>
+                  <a:schemeClr val="tx2"/>
+                </a:solidFill>
+              </a:rPr>
+              <a:t>SparkApplication</a:t>
+            </a:r>
+          </a:p>
+          <a:p>
+            <a:pPr algn="ctr"/>
+            <a:r>
+              <a:rPr lang="en-KR" sz="900">
+                <a:solidFill>
+                  <a:schemeClr val="tx2"/>
+                </a:solidFill>
+              </a:rPr>
+              <a:t>Object</a:t>
+            </a:r>
+          </a:p>
+        </p:txBody>
+      </p:sp>
+      <p:cxnSp>
+        <p:nvCxnSpPr>
+          <p:cNvPr id="1079" name="Elbow Connector 1078">
+            <a:extLst>
+              <a:ext uri="{FF2B5EF4-FFF2-40B4-BE49-F238E27FC236}">
+                <a16:creationId xmlns:a16="http://schemas.microsoft.com/office/drawing/2014/main" id="{B7996968-770E-AEAE-129B-43D583AFD560}"/>
+              </a:ext>
+            </a:extLst>
+          </p:cNvPr>
+          <p:cNvCxnSpPr>
+            <a:cxnSpLocks/>
+            <a:stCxn id="99" idx="2"/>
+            <a:endCxn id="1091" idx="4"/>
+          </p:cNvCxnSpPr>
+          <p:nvPr/>
+        </p:nvCxnSpPr>
+        <p:spPr>
+          <a:xfrm rot="10800000" flipV="1">
+            <a:off x="3690893" y="3268176"/>
+            <a:ext cx="3900943" cy="105880"/>
+          </a:xfrm>
+          <a:prstGeom prst="bentConnector4">
+            <a:avLst>
+              <a:gd name="adj1" fmla="val 5088"/>
+              <a:gd name="adj2" fmla="val 1045598"/>
+            </a:avLst>
+          </a:prstGeom>
+          <a:ln>
+            <a:solidFill>
+              <a:schemeClr val="tx2"/>
+            </a:solidFill>
+            <a:tailEnd type="triangle"/>
+          </a:ln>
+        </p:spPr>
+        <p:style>
+          <a:lnRef idx="1">
+            <a:schemeClr val="dk1"/>
+          </a:lnRef>
+          <a:fillRef idx="0">
+            <a:schemeClr val="dk1"/>
+          </a:fillRef>
+          <a:effectRef idx="0">
+            <a:schemeClr val="dk1"/>
+          </a:effectRef>
+          <a:fontRef idx="minor">
+            <a:schemeClr val="tx1"/>
+          </a:fontRef>
+        </p:style>
+      </p:cxnSp>
+      <p:sp>
+        <p:nvSpPr>
+          <p:cNvPr id="1091" name="Oval 1090">
+            <a:extLst>
+              <a:ext uri="{FF2B5EF4-FFF2-40B4-BE49-F238E27FC236}">
+                <a16:creationId xmlns:a16="http://schemas.microsoft.com/office/drawing/2014/main" id="{2F20A531-B8A8-2962-3DBD-9128CED41B9F}"/>
+              </a:ext>
+            </a:extLst>
+          </p:cNvPr>
+          <p:cNvSpPr/>
+          <p:nvPr/>
+        </p:nvSpPr>
+        <p:spPr>
+          <a:xfrm>
+            <a:off x="3615911" y="3224095"/>
+            <a:ext cx="149961" cy="149961"/>
+          </a:xfrm>
+          <a:prstGeom prst="ellipse">
+            <a:avLst/>
+          </a:prstGeom>
+          <a:noFill/>
+          <a:ln>
+            <a:noFill/>
+          </a:ln>
+        </p:spPr>
+        <p:style>
+          <a:lnRef idx="2">
+            <a:schemeClr val="accent1">
+              <a:shade val="15000"/>
+            </a:schemeClr>
+          </a:lnRef>
+          <a:fillRef idx="1">
+            <a:schemeClr val="accent1"/>
+          </a:fillRef>
+          <a:effectRef idx="0">
+            <a:schemeClr val="accent1"/>
+          </a:effectRef>
+          <a:fontRef idx="minor">
+            <a:schemeClr val="lt1"/>
+          </a:fontRef>
+        </p:style>
+        <p:txBody>
+          <a:bodyPr rtlCol="0" anchor="ctr"/>
+          <a:lstStyle/>
+          <a:p>
+            <a:pPr algn="ctr"/>
+            <a:endParaRPr lang="en-KR"/>
+          </a:p>
+        </p:txBody>
+      </p:sp>
+      <p:sp>
+        <p:nvSpPr>
+          <p:cNvPr id="1118" name="Oval 1117">
+            <a:extLst>
+              <a:ext uri="{FF2B5EF4-FFF2-40B4-BE49-F238E27FC236}">
+                <a16:creationId xmlns:a16="http://schemas.microsoft.com/office/drawing/2014/main" id="{FB901DD9-58C9-AC09-A617-FF9BE968A1D7}"/>
+              </a:ext>
+            </a:extLst>
+          </p:cNvPr>
+          <p:cNvSpPr/>
+          <p:nvPr/>
+        </p:nvSpPr>
+        <p:spPr>
+          <a:xfrm>
+            <a:off x="8459716" y="2837433"/>
+            <a:ext cx="216024" cy="216024"/>
+          </a:xfrm>
+          <a:prstGeom prst="ellipse">
+            <a:avLst/>
+          </a:prstGeom>
+          <a:solidFill>
+            <a:schemeClr val="bg1"/>
+          </a:solidFill>
+          <a:ln w="19050">
+            <a:solidFill>
+              <a:schemeClr val="tx2"/>
+            </a:solidFill>
+          </a:ln>
+        </p:spPr>
+        <p:style>
+          <a:lnRef idx="2">
+            <a:schemeClr val="accent1">
+              <a:shade val="15000"/>
+            </a:schemeClr>
+          </a:lnRef>
+          <a:fillRef idx="1">
+            <a:schemeClr val="accent1"/>
+          </a:fillRef>
+          <a:effectRef idx="0">
+            <a:schemeClr val="accent1"/>
+          </a:effectRef>
+          <a:fontRef idx="minor">
+            <a:schemeClr val="lt1"/>
+          </a:fontRef>
+        </p:style>
+        <p:txBody>
+          <a:bodyPr rtlCol="0" anchor="ctr"/>
+          <a:lstStyle/>
+          <a:p>
+            <a:pPr algn="ctr"/>
+            <a:r>
+              <a:rPr lang="en-KR" sz="1000">
+                <a:solidFill>
+                  <a:schemeClr val="tx2"/>
+                </a:solidFill>
+              </a:rPr>
+              <a:t>3</a:t>
+            </a:r>
+          </a:p>
+        </p:txBody>
+      </p:sp>
+      <p:cxnSp>
+        <p:nvCxnSpPr>
+          <p:cNvPr id="1119" name="Elbow Connector 1118">
+            <a:extLst>
+              <a:ext uri="{FF2B5EF4-FFF2-40B4-BE49-F238E27FC236}">
+                <a16:creationId xmlns:a16="http://schemas.microsoft.com/office/drawing/2014/main" id="{678AC701-755D-248A-420F-C2DD27B63469}"/>
+              </a:ext>
+            </a:extLst>
+          </p:cNvPr>
+          <p:cNvCxnSpPr>
+            <a:cxnSpLocks/>
+            <a:stCxn id="1118" idx="0"/>
+            <a:endCxn id="83" idx="3"/>
+          </p:cNvCxnSpPr>
+          <p:nvPr/>
+        </p:nvCxnSpPr>
+        <p:spPr>
+          <a:xfrm rot="16200000" flipV="1">
+            <a:off x="7533007" y="1802712"/>
+            <a:ext cx="1735161" cy="334282"/>
+          </a:xfrm>
+          <a:prstGeom prst="bentConnector2">
+            <a:avLst/>
+          </a:prstGeom>
+          <a:ln>
+            <a:solidFill>
+              <a:schemeClr val="tx2"/>
+            </a:solidFill>
+            <a:tailEnd type="triangle"/>
+          </a:ln>
+        </p:spPr>
+        <p:style>
+          <a:lnRef idx="1">
+            <a:schemeClr val="dk1"/>
+          </a:lnRef>
+          <a:fillRef idx="0">
+            <a:schemeClr val="dk1"/>
+          </a:fillRef>
+          <a:effectRef idx="0">
+            <a:schemeClr val="dk1"/>
+          </a:effectRef>
+          <a:fontRef idx="minor">
+            <a:schemeClr val="tx1"/>
+          </a:fontRef>
+        </p:style>
+      </p:cxnSp>
+      <p:sp>
+        <p:nvSpPr>
+          <p:cNvPr id="1127" name="Oval 1126">
+            <a:extLst>
+              <a:ext uri="{FF2B5EF4-FFF2-40B4-BE49-F238E27FC236}">
+                <a16:creationId xmlns:a16="http://schemas.microsoft.com/office/drawing/2014/main" id="{AE51AC2A-C4F1-09D4-3A27-FB833264C555}"/>
+              </a:ext>
+            </a:extLst>
+          </p:cNvPr>
+          <p:cNvSpPr/>
+          <p:nvPr/>
+        </p:nvSpPr>
+        <p:spPr>
+          <a:xfrm>
+            <a:off x="1108243" y="1469780"/>
+            <a:ext cx="149961" cy="149961"/>
+          </a:xfrm>
+          <a:prstGeom prst="ellipse">
+            <a:avLst/>
+          </a:prstGeom>
+          <a:noFill/>
+          <a:ln>
+            <a:noFill/>
+          </a:ln>
+        </p:spPr>
+        <p:style>
+          <a:lnRef idx="2">
+            <a:schemeClr val="accent1">
+              <a:shade val="15000"/>
+            </a:schemeClr>
+          </a:lnRef>
+          <a:fillRef idx="1">
+            <a:schemeClr val="accent1"/>
+          </a:fillRef>
+          <a:effectRef idx="0">
+            <a:schemeClr val="accent1"/>
+          </a:effectRef>
+          <a:fontRef idx="minor">
+            <a:schemeClr val="lt1"/>
+          </a:fontRef>
+        </p:style>
+        <p:txBody>
+          <a:bodyPr rtlCol="0" anchor="ctr"/>
+          <a:lstStyle/>
+          <a:p>
+            <a:pPr algn="ctr"/>
+            <a:endParaRPr lang="en-KR"/>
+          </a:p>
+        </p:txBody>
+      </p:sp>
+      <p:sp>
+        <p:nvSpPr>
+          <p:cNvPr id="1131" name="Oval 1130">
+            <a:extLst>
+              <a:ext uri="{FF2B5EF4-FFF2-40B4-BE49-F238E27FC236}">
+                <a16:creationId xmlns:a16="http://schemas.microsoft.com/office/drawing/2014/main" id="{94BA51C1-8060-5D0D-4BCA-7491B912E548}"/>
+              </a:ext>
+            </a:extLst>
+          </p:cNvPr>
+          <p:cNvSpPr/>
+          <p:nvPr/>
+        </p:nvSpPr>
+        <p:spPr>
+          <a:xfrm>
+            <a:off x="1164376" y="1527391"/>
+            <a:ext cx="216024" cy="216024"/>
+          </a:xfrm>
+          <a:prstGeom prst="ellipse">
+            <a:avLst/>
+          </a:prstGeom>
+          <a:solidFill>
+            <a:schemeClr val="bg1"/>
+          </a:solidFill>
+          <a:ln w="19050">
+            <a:solidFill>
+              <a:schemeClr val="tx2"/>
+            </a:solidFill>
+          </a:ln>
+        </p:spPr>
+        <p:style>
+          <a:lnRef idx="2">
+            <a:schemeClr val="accent1">
+              <a:shade val="15000"/>
+            </a:schemeClr>
+          </a:lnRef>
+          <a:fillRef idx="1">
+            <a:schemeClr val="accent1"/>
+          </a:fillRef>
+          <a:effectRef idx="0">
+            <a:schemeClr val="accent1"/>
+          </a:effectRef>
+          <a:fontRef idx="minor">
+            <a:schemeClr val="lt1"/>
+          </a:fontRef>
+        </p:style>
+        <p:txBody>
+          <a:bodyPr rtlCol="0" anchor="ctr"/>
+          <a:lstStyle/>
+          <a:p>
+            <a:pPr algn="ctr"/>
+            <a:r>
+              <a:rPr lang="en-KR" sz="1000">
+                <a:solidFill>
+                  <a:schemeClr val="tx2"/>
+                </a:solidFill>
+              </a:rPr>
+              <a:t>2</a:t>
+            </a:r>
+          </a:p>
+        </p:txBody>
+      </p:sp>
+      <p:cxnSp>
+        <p:nvCxnSpPr>
+          <p:cNvPr id="1147" name="Straight Arrow Connector 1146">
+            <a:extLst>
+              <a:ext uri="{FF2B5EF4-FFF2-40B4-BE49-F238E27FC236}">
+                <a16:creationId xmlns:a16="http://schemas.microsoft.com/office/drawing/2014/main" id="{1D074DBB-F190-D314-1B06-B010E5BA03B5}"/>
+              </a:ext>
+            </a:extLst>
+          </p:cNvPr>
+          <p:cNvCxnSpPr>
+            <a:cxnSpLocks/>
+          </p:cNvCxnSpPr>
+          <p:nvPr/>
+        </p:nvCxnSpPr>
+        <p:spPr>
+          <a:xfrm>
+            <a:off x="218501" y="4811468"/>
+            <a:ext cx="344305" cy="0"/>
+          </a:xfrm>
+          <a:prstGeom prst="straightConnector1">
+            <a:avLst/>
+          </a:prstGeom>
+          <a:ln>
+            <a:solidFill>
+              <a:schemeClr val="tx2"/>
+            </a:solidFill>
+            <a:tailEnd type="triangle"/>
+          </a:ln>
+        </p:spPr>
+        <p:style>
+          <a:lnRef idx="1">
+            <a:schemeClr val="dk1"/>
+          </a:lnRef>
+          <a:fillRef idx="0">
+            <a:schemeClr val="dk1"/>
+          </a:fillRef>
+          <a:effectRef idx="0">
+            <a:schemeClr val="dk1"/>
+          </a:effectRef>
+          <a:fontRef idx="minor">
+            <a:schemeClr val="tx1"/>
+          </a:fontRef>
+        </p:style>
+      </p:cxnSp>
+      <p:sp>
+        <p:nvSpPr>
+          <p:cNvPr id="1148" name="TextBox 1147">
+            <a:extLst>
+              <a:ext uri="{FF2B5EF4-FFF2-40B4-BE49-F238E27FC236}">
+                <a16:creationId xmlns:a16="http://schemas.microsoft.com/office/drawing/2014/main" id="{B1086A9F-6672-5771-FED3-2242F006CB08}"/>
+              </a:ext>
+            </a:extLst>
+          </p:cNvPr>
+          <p:cNvSpPr txBox="1"/>
+          <p:nvPr/>
+        </p:nvSpPr>
+        <p:spPr>
+          <a:xfrm>
+            <a:off x="562806" y="4691437"/>
+            <a:ext cx="899605" cy="230832"/>
+          </a:xfrm>
+          <a:prstGeom prst="rect">
+            <a:avLst/>
+          </a:prstGeom>
+          <a:noFill/>
+        </p:spPr>
+        <p:txBody>
+          <a:bodyPr wrap="none" rtlCol="0">
+            <a:spAutoFit/>
+          </a:bodyPr>
+          <a:lstStyle/>
+          <a:p>
+            <a:r>
+              <a:rPr lang="en-KR" sz="900"/>
+              <a:t>Spark Job Init</a:t>
+            </a:r>
+          </a:p>
+        </p:txBody>
+      </p:sp>
+      <p:cxnSp>
+        <p:nvCxnSpPr>
+          <p:cNvPr id="1149" name="Straight Arrow Connector 1148">
+            <a:extLst>
+              <a:ext uri="{FF2B5EF4-FFF2-40B4-BE49-F238E27FC236}">
+                <a16:creationId xmlns:a16="http://schemas.microsoft.com/office/drawing/2014/main" id="{4B7DCD21-5A61-60EF-0CC9-C0D828CDE361}"/>
+              </a:ext>
+            </a:extLst>
+          </p:cNvPr>
+          <p:cNvCxnSpPr>
+            <a:cxnSpLocks/>
+          </p:cNvCxnSpPr>
+          <p:nvPr/>
+        </p:nvCxnSpPr>
+        <p:spPr>
+          <a:xfrm>
+            <a:off x="1462884" y="4811468"/>
+            <a:ext cx="344305" cy="0"/>
+          </a:xfrm>
+          <a:prstGeom prst="straightConnector1">
+            <a:avLst/>
+          </a:prstGeom>
+          <a:ln>
+            <a:solidFill>
+              <a:srgbClr val="C00000"/>
+            </a:solidFill>
+            <a:tailEnd type="triangle"/>
+          </a:ln>
+        </p:spPr>
+        <p:style>
+          <a:lnRef idx="1">
+            <a:schemeClr val="dk1"/>
+          </a:lnRef>
+          <a:fillRef idx="0">
+            <a:schemeClr val="dk1"/>
+          </a:fillRef>
+          <a:effectRef idx="0">
+            <a:schemeClr val="dk1"/>
+          </a:effectRef>
+          <a:fontRef idx="minor">
+            <a:schemeClr val="tx1"/>
+          </a:fontRef>
+        </p:style>
+      </p:cxnSp>
+      <p:sp>
+        <p:nvSpPr>
+          <p:cNvPr id="1150" name="TextBox 1149">
+            <a:extLst>
+              <a:ext uri="{FF2B5EF4-FFF2-40B4-BE49-F238E27FC236}">
+                <a16:creationId xmlns:a16="http://schemas.microsoft.com/office/drawing/2014/main" id="{075E2A83-0A52-66C6-1581-CD1FECC3ECC3}"/>
+              </a:ext>
+            </a:extLst>
+          </p:cNvPr>
+          <p:cNvSpPr txBox="1"/>
+          <p:nvPr/>
+        </p:nvSpPr>
+        <p:spPr>
+          <a:xfrm>
+            <a:off x="1812951" y="4691437"/>
+            <a:ext cx="1244250" cy="230832"/>
+          </a:xfrm>
+          <a:prstGeom prst="rect">
+            <a:avLst/>
+          </a:prstGeom>
+          <a:noFill/>
+        </p:spPr>
+        <p:txBody>
+          <a:bodyPr wrap="none" rtlCol="0">
+            <a:spAutoFit/>
+          </a:bodyPr>
+          <a:lstStyle/>
+          <a:p>
+            <a:r>
+              <a:rPr lang="en-KR" sz="900"/>
+              <a:t>Spark History Server</a:t>
+            </a:r>
+          </a:p>
+        </p:txBody>
+      </p:sp>
+      <p:cxnSp>
+        <p:nvCxnSpPr>
+          <p:cNvPr id="1151" name="Straight Arrow Connector 1150">
+            <a:extLst>
+              <a:ext uri="{FF2B5EF4-FFF2-40B4-BE49-F238E27FC236}">
+                <a16:creationId xmlns:a16="http://schemas.microsoft.com/office/drawing/2014/main" id="{1E4399FE-D77E-66D9-4E3B-5F67E24DAC19}"/>
+              </a:ext>
+            </a:extLst>
+          </p:cNvPr>
+          <p:cNvCxnSpPr>
+            <a:cxnSpLocks/>
+          </p:cNvCxnSpPr>
+          <p:nvPr/>
+        </p:nvCxnSpPr>
+        <p:spPr>
+          <a:xfrm>
+            <a:off x="3067444" y="4811468"/>
+            <a:ext cx="344305" cy="0"/>
+          </a:xfrm>
+          <a:prstGeom prst="straightConnector1">
+            <a:avLst/>
+          </a:prstGeom>
+          <a:ln>
+            <a:solidFill>
+              <a:srgbClr val="00B050"/>
+            </a:solidFill>
+            <a:tailEnd type="triangle"/>
+          </a:ln>
+        </p:spPr>
+        <p:style>
+          <a:lnRef idx="1">
+            <a:schemeClr val="dk1"/>
+          </a:lnRef>
+          <a:fillRef idx="0">
+            <a:schemeClr val="dk1"/>
+          </a:fillRef>
+          <a:effectRef idx="0">
+            <a:schemeClr val="dk1"/>
+          </a:effectRef>
+          <a:fontRef idx="minor">
+            <a:schemeClr val="tx1"/>
+          </a:fontRef>
+        </p:style>
+      </p:cxnSp>
+      <p:sp>
+        <p:nvSpPr>
+          <p:cNvPr id="1152" name="TextBox 1151">
+            <a:extLst>
+              <a:ext uri="{FF2B5EF4-FFF2-40B4-BE49-F238E27FC236}">
+                <a16:creationId xmlns:a16="http://schemas.microsoft.com/office/drawing/2014/main" id="{A64BB1E3-448D-D4E4-203B-EFC8C96C18A2}"/>
+              </a:ext>
+            </a:extLst>
+          </p:cNvPr>
+          <p:cNvSpPr txBox="1"/>
+          <p:nvPr/>
+        </p:nvSpPr>
+        <p:spPr>
+          <a:xfrm>
+            <a:off x="3407741" y="4691437"/>
+            <a:ext cx="907621" cy="230832"/>
+          </a:xfrm>
+          <a:prstGeom prst="rect">
+            <a:avLst/>
+          </a:prstGeom>
+          <a:noFill/>
+        </p:spPr>
+        <p:txBody>
+          <a:bodyPr wrap="none" rtlCol="0">
+            <a:spAutoFit/>
+          </a:bodyPr>
+          <a:lstStyle/>
+          <a:p>
+            <a:r>
+              <a:rPr lang="en-US" sz="900"/>
+              <a:t>Spark Web UI</a:t>
+            </a:r>
+          </a:p>
+        </p:txBody>
+      </p:sp>
+    </p:spTree>
+    <p:extLst>
+      <p:ext uri="{BB962C8B-B14F-4D97-AF65-F5344CB8AC3E}">
+        <p14:creationId xmlns:p14="http://schemas.microsoft.com/office/powerpoint/2010/main" val="2182419357"/>
       </p:ext>
     </p:extLst>
   </p:cSld>

--- a/images/theory_analysis/Spark_Kubernetes/Spark_Kubernetes.pptx
+++ b/images/theory_analysis/Spark_Kubernetes/Spark_Kubernetes.pptx
@@ -217,7 +217,7 @@
           <a:p>
             <a:fld id="{6CD5550B-26C4-49A9-A5BA-636EF7BE6CE9}" type="datetimeFigureOut">
               <a:rPr lang="ko-KR" altLang="en-US" smtClean="0"/>
-              <a:t>2023. 7. 22.</a:t>
+              <a:t>2023. 8. 10.</a:t>
             </a:fld>
             <a:endParaRPr lang="ko-KR" altLang="en-US"/>
           </a:p>
@@ -999,7 +999,7 @@
           <a:p>
             <a:fld id="{FB30EDBD-1C2D-4C1E-B459-B60219FAB484}" type="datetimeFigureOut">
               <a:rPr lang="ko-KR" altLang="en-US" smtClean="0"/>
-              <a:t>2023. 7. 22.</a:t>
+              <a:t>2023. 8. 10.</a:t>
             </a:fld>
             <a:endParaRPr lang="ko-KR" altLang="en-US"/>
           </a:p>
@@ -1162,7 +1162,7 @@
           <a:p>
             <a:fld id="{FB30EDBD-1C2D-4C1E-B459-B60219FAB484}" type="datetimeFigureOut">
               <a:rPr lang="ko-KR" altLang="en-US" smtClean="0"/>
-              <a:t>2023. 7. 22.</a:t>
+              <a:t>2023. 8. 10.</a:t>
             </a:fld>
             <a:endParaRPr lang="ko-KR" altLang="en-US"/>
           </a:p>
@@ -1335,7 +1335,7 @@
           <a:p>
             <a:fld id="{FB30EDBD-1C2D-4C1E-B459-B60219FAB484}" type="datetimeFigureOut">
               <a:rPr lang="ko-KR" altLang="en-US" smtClean="0"/>
-              <a:t>2023. 7. 22.</a:t>
+              <a:t>2023. 8. 10.</a:t>
             </a:fld>
             <a:endParaRPr lang="ko-KR" altLang="en-US"/>
           </a:p>
@@ -1498,7 +1498,7 @@
           <a:p>
             <a:fld id="{FB30EDBD-1C2D-4C1E-B459-B60219FAB484}" type="datetimeFigureOut">
               <a:rPr lang="ko-KR" altLang="en-US" smtClean="0"/>
-              <a:t>2023. 7. 22.</a:t>
+              <a:t>2023. 8. 10.</a:t>
             </a:fld>
             <a:endParaRPr lang="ko-KR" altLang="en-US"/>
           </a:p>
@@ -1738,7 +1738,7 @@
           <a:p>
             <a:fld id="{FB30EDBD-1C2D-4C1E-B459-B60219FAB484}" type="datetimeFigureOut">
               <a:rPr lang="ko-KR" altLang="en-US" smtClean="0"/>
-              <a:t>2023. 7. 22.</a:t>
+              <a:t>2023. 8. 10.</a:t>
             </a:fld>
             <a:endParaRPr lang="ko-KR" altLang="en-US"/>
           </a:p>
@@ -2018,7 +2018,7 @@
           <a:p>
             <a:fld id="{FB30EDBD-1C2D-4C1E-B459-B60219FAB484}" type="datetimeFigureOut">
               <a:rPr lang="ko-KR" altLang="en-US" smtClean="0"/>
-              <a:t>2023. 7. 22.</a:t>
+              <a:t>2023. 8. 10.</a:t>
             </a:fld>
             <a:endParaRPr lang="ko-KR" altLang="en-US"/>
           </a:p>
@@ -2432,7 +2432,7 @@
           <a:p>
             <a:fld id="{FB30EDBD-1C2D-4C1E-B459-B60219FAB484}" type="datetimeFigureOut">
               <a:rPr lang="ko-KR" altLang="en-US" smtClean="0"/>
-              <a:t>2023. 7. 22.</a:t>
+              <a:t>2023. 8. 10.</a:t>
             </a:fld>
             <a:endParaRPr lang="ko-KR" altLang="en-US"/>
           </a:p>
@@ -2544,7 +2544,7 @@
           <a:p>
             <a:fld id="{FB30EDBD-1C2D-4C1E-B459-B60219FAB484}" type="datetimeFigureOut">
               <a:rPr lang="ko-KR" altLang="en-US" smtClean="0"/>
-              <a:t>2023. 7. 22.</a:t>
+              <a:t>2023. 8. 10.</a:t>
             </a:fld>
             <a:endParaRPr lang="ko-KR" altLang="en-US"/>
           </a:p>
@@ -2634,7 +2634,7 @@
           <a:p>
             <a:fld id="{FB30EDBD-1C2D-4C1E-B459-B60219FAB484}" type="datetimeFigureOut">
               <a:rPr lang="ko-KR" altLang="en-US" smtClean="0"/>
-              <a:t>2023. 7. 22.</a:t>
+              <a:t>2023. 8. 10.</a:t>
             </a:fld>
             <a:endParaRPr lang="ko-KR" altLang="en-US"/>
           </a:p>
@@ -2904,7 +2904,7 @@
           <a:p>
             <a:fld id="{FB30EDBD-1C2D-4C1E-B459-B60219FAB484}" type="datetimeFigureOut">
               <a:rPr lang="ko-KR" altLang="en-US" smtClean="0"/>
-              <a:t>2023. 7. 22.</a:t>
+              <a:t>2023. 8. 10.</a:t>
             </a:fld>
             <a:endParaRPr lang="ko-KR" altLang="en-US"/>
           </a:p>
@@ -3151,7 +3151,7 @@
           <a:p>
             <a:fld id="{FB30EDBD-1C2D-4C1E-B459-B60219FAB484}" type="datetimeFigureOut">
               <a:rPr lang="ko-KR" altLang="en-US" smtClean="0"/>
-              <a:t>2023. 7. 22.</a:t>
+              <a:t>2023. 8. 10.</a:t>
             </a:fld>
             <a:endParaRPr lang="ko-KR" altLang="en-US"/>
           </a:p>
@@ -3357,7 +3357,7 @@
           <a:p>
             <a:fld id="{FB30EDBD-1C2D-4C1E-B459-B60219FAB484}" type="datetimeFigureOut">
               <a:rPr lang="ko-KR" altLang="en-US" smtClean="0"/>
-              <a:t>2023. 7. 22.</a:t>
+              <a:t>2023. 8. 10.</a:t>
             </a:fld>
             <a:endParaRPr lang="ko-KR" altLang="en-US"/>
           </a:p>
@@ -9892,7 +9892,7 @@
             <a:pPr algn="ctr"/>
             <a:r>
               <a:rPr lang="en-US" altLang="ko-KR" sz="1000"/>
-              <a:t>/ Service</a:t>
+              <a:t>/ Service, Ingress</a:t>
             </a:r>
             <a:endParaRPr lang="ko-KR" altLang="en-US" sz="1000"/>
           </a:p>

--- a/images/theory_analysis/Spark_Kubernetes/Spark_Kubernetes.pptx
+++ b/images/theory_analysis/Spark_Kubernetes/Spark_Kubernetes.pptx
@@ -5,14 +5,16 @@
     <p:sldMasterId id="2147483648" r:id="rId1"/>
   </p:sldMasterIdLst>
   <p:notesMasterIdLst>
-    <p:notesMasterId r:id="rId7"/>
+    <p:notesMasterId r:id="rId9"/>
   </p:notesMasterIdLst>
   <p:sldIdLst>
     <p:sldId id="367" r:id="rId2"/>
     <p:sldId id="371" r:id="rId3"/>
     <p:sldId id="370" r:id="rId4"/>
-    <p:sldId id="372" r:id="rId5"/>
-    <p:sldId id="373" r:id="rId6"/>
+    <p:sldId id="374" r:id="rId5"/>
+    <p:sldId id="375" r:id="rId6"/>
+    <p:sldId id="372" r:id="rId7"/>
+    <p:sldId id="373" r:id="rId8"/>
   </p:sldIdLst>
   <p:sldSz cx="9144000" cy="5143500" type="screen16x9"/>
   <p:notesSz cx="6858000" cy="9144000"/>
@@ -726,7 +728,7 @@
     </p:spTree>
     <p:extLst>
       <p:ext uri="{BB962C8B-B14F-4D97-AF65-F5344CB8AC3E}">
-        <p14:creationId xmlns:p14="http://schemas.microsoft.com/office/powerpoint/2010/main" val="2211026077"/>
+        <p14:creationId xmlns:p14="http://schemas.microsoft.com/office/powerpoint/2010/main" val="2210954517"/>
       </p:ext>
     </p:extLst>
   </p:cSld>
@@ -802,6 +804,174 @@
             <a:fld id="{BA5DFA43-8D57-47FB-BC46-057616015C3B}" type="slidenum">
               <a:rPr lang="ko-KR" altLang="en-US" smtClean="0"/>
               <a:t>5</a:t>
+            </a:fld>
+            <a:endParaRPr lang="ko-KR" altLang="en-US"/>
+          </a:p>
+        </p:txBody>
+      </p:sp>
+    </p:spTree>
+    <p:extLst>
+      <p:ext uri="{BB962C8B-B14F-4D97-AF65-F5344CB8AC3E}">
+        <p14:creationId xmlns:p14="http://schemas.microsoft.com/office/powerpoint/2010/main" val="2110094448"/>
+      </p:ext>
+    </p:extLst>
+  </p:cSld>
+  <p:clrMapOvr>
+    <a:masterClrMapping/>
+  </p:clrMapOvr>
+</p:notes>
+</file>
+
+<file path=ppt/notesSlides/notesSlide5.xml><?xml version="1.0" encoding="utf-8"?>
+<p:notes xmlns:a="http://schemas.openxmlformats.org/drawingml/2006/main" xmlns:r="http://schemas.openxmlformats.org/officeDocument/2006/relationships" xmlns:p="http://schemas.openxmlformats.org/presentationml/2006/main">
+  <p:cSld>
+    <p:spTree>
+      <p:nvGrpSpPr>
+        <p:cNvPr id="1" name=""/>
+        <p:cNvGrpSpPr/>
+        <p:nvPr/>
+      </p:nvGrpSpPr>
+      <p:grpSpPr>
+        <a:xfrm>
+          <a:off x="0" y="0"/>
+          <a:ext cx="0" cy="0"/>
+          <a:chOff x="0" y="0"/>
+          <a:chExt cx="0" cy="0"/>
+        </a:xfrm>
+      </p:grpSpPr>
+      <p:sp>
+        <p:nvSpPr>
+          <p:cNvPr id="2" name="Slide Image Placeholder 1"/>
+          <p:cNvSpPr>
+            <a:spLocks noGrp="1" noRot="1" noChangeAspect="1"/>
+          </p:cNvSpPr>
+          <p:nvPr>
+            <p:ph type="sldImg"/>
+          </p:nvPr>
+        </p:nvSpPr>
+        <p:spPr/>
+      </p:sp>
+      <p:sp>
+        <p:nvSpPr>
+          <p:cNvPr id="3" name="Notes Placeholder 2"/>
+          <p:cNvSpPr>
+            <a:spLocks noGrp="1"/>
+          </p:cNvSpPr>
+          <p:nvPr>
+            <p:ph type="body" idx="1"/>
+          </p:nvPr>
+        </p:nvSpPr>
+        <p:spPr/>
+        <p:txBody>
+          <a:bodyPr/>
+          <a:lstStyle/>
+          <a:p>
+            <a:endParaRPr lang="en-KR"/>
+          </a:p>
+        </p:txBody>
+      </p:sp>
+      <p:sp>
+        <p:nvSpPr>
+          <p:cNvPr id="4" name="Slide Number Placeholder 3"/>
+          <p:cNvSpPr>
+            <a:spLocks noGrp="1"/>
+          </p:cNvSpPr>
+          <p:nvPr>
+            <p:ph type="sldNum" sz="quarter" idx="5"/>
+          </p:nvPr>
+        </p:nvSpPr>
+        <p:spPr/>
+        <p:txBody>
+          <a:bodyPr/>
+          <a:lstStyle/>
+          <a:p>
+            <a:fld id="{BA5DFA43-8D57-47FB-BC46-057616015C3B}" type="slidenum">
+              <a:rPr lang="ko-KR" altLang="en-US" smtClean="0"/>
+              <a:t>6</a:t>
+            </a:fld>
+            <a:endParaRPr lang="ko-KR" altLang="en-US"/>
+          </a:p>
+        </p:txBody>
+      </p:sp>
+    </p:spTree>
+    <p:extLst>
+      <p:ext uri="{BB962C8B-B14F-4D97-AF65-F5344CB8AC3E}">
+        <p14:creationId xmlns:p14="http://schemas.microsoft.com/office/powerpoint/2010/main" val="2211026077"/>
+      </p:ext>
+    </p:extLst>
+  </p:cSld>
+  <p:clrMapOvr>
+    <a:masterClrMapping/>
+  </p:clrMapOvr>
+</p:notes>
+</file>
+
+<file path=ppt/notesSlides/notesSlide6.xml><?xml version="1.0" encoding="utf-8"?>
+<p:notes xmlns:a="http://schemas.openxmlformats.org/drawingml/2006/main" xmlns:r="http://schemas.openxmlformats.org/officeDocument/2006/relationships" xmlns:p="http://schemas.openxmlformats.org/presentationml/2006/main">
+  <p:cSld>
+    <p:spTree>
+      <p:nvGrpSpPr>
+        <p:cNvPr id="1" name=""/>
+        <p:cNvGrpSpPr/>
+        <p:nvPr/>
+      </p:nvGrpSpPr>
+      <p:grpSpPr>
+        <a:xfrm>
+          <a:off x="0" y="0"/>
+          <a:ext cx="0" cy="0"/>
+          <a:chOff x="0" y="0"/>
+          <a:chExt cx="0" cy="0"/>
+        </a:xfrm>
+      </p:grpSpPr>
+      <p:sp>
+        <p:nvSpPr>
+          <p:cNvPr id="2" name="Slide Image Placeholder 1"/>
+          <p:cNvSpPr>
+            <a:spLocks noGrp="1" noRot="1" noChangeAspect="1"/>
+          </p:cNvSpPr>
+          <p:nvPr>
+            <p:ph type="sldImg"/>
+          </p:nvPr>
+        </p:nvSpPr>
+        <p:spPr/>
+      </p:sp>
+      <p:sp>
+        <p:nvSpPr>
+          <p:cNvPr id="3" name="Notes Placeholder 2"/>
+          <p:cNvSpPr>
+            <a:spLocks noGrp="1"/>
+          </p:cNvSpPr>
+          <p:nvPr>
+            <p:ph type="body" idx="1"/>
+          </p:nvPr>
+        </p:nvSpPr>
+        <p:spPr/>
+        <p:txBody>
+          <a:bodyPr/>
+          <a:lstStyle/>
+          <a:p>
+            <a:endParaRPr lang="en-KR"/>
+          </a:p>
+        </p:txBody>
+      </p:sp>
+      <p:sp>
+        <p:nvSpPr>
+          <p:cNvPr id="4" name="Slide Number Placeholder 3"/>
+          <p:cNvSpPr>
+            <a:spLocks noGrp="1"/>
+          </p:cNvSpPr>
+          <p:nvPr>
+            <p:ph type="sldNum" sz="quarter" idx="5"/>
+          </p:nvPr>
+        </p:nvSpPr>
+        <p:spPr/>
+        <p:txBody>
+          <a:bodyPr/>
+          <a:lstStyle/>
+          <a:p>
+            <a:fld id="{BA5DFA43-8D57-47FB-BC46-057616015C3B}" type="slidenum">
+              <a:rPr lang="ko-KR" altLang="en-US" smtClean="0"/>
+              <a:t>7</a:t>
             </a:fld>
             <a:endParaRPr lang="ko-KR" altLang="en-US"/>
           </a:p>
@@ -3794,7 +3964,7 @@
         <p:spPr>
           <a:xfrm>
             <a:off x="2843807" y="1275607"/>
-            <a:ext cx="4879389" cy="3168346"/>
+            <a:ext cx="5204085" cy="3168346"/>
           </a:xfrm>
           <a:prstGeom prst="roundRect">
             <a:avLst>
@@ -4372,7 +4542,7 @@
         </p:nvSpPr>
         <p:spPr>
           <a:xfrm>
-            <a:off x="6299468" y="1346428"/>
+            <a:off x="6608615" y="1346428"/>
             <a:ext cx="1368152" cy="508063"/>
           </a:xfrm>
           <a:prstGeom prst="roundRect">
@@ -4676,8 +4846,8 @@
         </p:nvCxnSpPr>
         <p:spPr>
           <a:xfrm rot="16200000" flipV="1">
-            <a:off x="3289723" y="-519109"/>
-            <a:ext cx="251085" cy="3479990"/>
+            <a:off x="3059449" y="-288835"/>
+            <a:ext cx="251085" cy="3019441"/>
           </a:xfrm>
           <a:prstGeom prst="bentConnector2">
             <a:avLst/>
@@ -4722,12 +4892,12 @@
         </p:nvCxnSpPr>
         <p:spPr>
           <a:xfrm rot="5400000" flipH="1" flipV="1">
-            <a:off x="3958732" y="1991490"/>
-            <a:ext cx="1333526" cy="1059529"/>
+            <a:off x="3728458" y="2221764"/>
+            <a:ext cx="1333526" cy="598980"/>
           </a:xfrm>
           <a:prstGeom prst="bentConnector3">
             <a:avLst>
-              <a:gd name="adj1" fmla="val 46552"/>
+              <a:gd name="adj1" fmla="val 46484"/>
             </a:avLst>
           </a:prstGeom>
           <a:ln>
@@ -5474,8 +5644,8 @@
         </p:nvSpPr>
         <p:spPr>
           <a:xfrm>
-            <a:off x="4337670" y="1346428"/>
-            <a:ext cx="1635179" cy="508063"/>
+            <a:off x="4146566" y="1346428"/>
+            <a:ext cx="1096290" cy="508063"/>
           </a:xfrm>
           <a:prstGeom prst="roundRect">
             <a:avLst>
@@ -5536,12 +5706,12 @@
         </p:nvCxnSpPr>
         <p:spPr>
           <a:xfrm rot="5400000" flipH="1" flipV="1">
-            <a:off x="4632287" y="605172"/>
-            <a:ext cx="822398" cy="3321040"/>
+            <a:off x="4765591" y="471868"/>
+            <a:ext cx="822398" cy="3587648"/>
           </a:xfrm>
           <a:prstGeom prst="bentConnector3">
             <a:avLst>
-              <a:gd name="adj1" fmla="val 80452"/>
+              <a:gd name="adj1" fmla="val 86350"/>
             </a:avLst>
           </a:prstGeom>
           <a:ln>
@@ -5580,7 +5750,7 @@
         </p:nvSpPr>
         <p:spPr>
           <a:xfrm>
-            <a:off x="6631998" y="1710477"/>
+            <a:off x="6898606" y="1710477"/>
             <a:ext cx="144016" cy="144016"/>
           </a:xfrm>
           <a:prstGeom prst="ellipse">
@@ -5721,8 +5891,8 @@
         </p:nvSpPr>
         <p:spPr>
           <a:xfrm>
-            <a:off x="5795494" y="2129459"/>
-            <a:ext cx="1165704" cy="230832"/>
+            <a:off x="6557003" y="1972644"/>
+            <a:ext cx="822661" cy="369332"/>
           </a:xfrm>
           <a:prstGeom prst="rect">
             <a:avLst/>
@@ -5742,7 +5912,18 @@
                   <a:schemeClr val="tx2"/>
                 </a:solidFill>
               </a:rPr>
-              <a:t>Get driver’s pod IP</a:t>
+              <a:t>Get driver’s </a:t>
+            </a:r>
+          </a:p>
+          <a:p>
+            <a:pPr algn="ctr"/>
+            <a:r>
+              <a:rPr lang="en-KR" sz="900">
+                <a:solidFill>
+                  <a:schemeClr val="tx2"/>
+                </a:solidFill>
+              </a:rPr>
+              <a:t>pod IP</a:t>
             </a:r>
           </a:p>
         </p:txBody>
@@ -5944,8 +6125,8 @@
         </p:nvSpPr>
         <p:spPr>
           <a:xfrm>
-            <a:off x="3372415" y="2012378"/>
-            <a:ext cx="1253869" cy="230832"/>
+            <a:off x="3344786" y="1937499"/>
+            <a:ext cx="1253868" cy="369332"/>
           </a:xfrm>
           <a:prstGeom prst="rect">
             <a:avLst/>
@@ -5966,6 +6147,17 @@
                 </a:solidFill>
               </a:rPr>
               <a:t>Create driver service</a:t>
+            </a:r>
+          </a:p>
+          <a:p>
+            <a:pPr algn="ctr"/>
+            <a:r>
+              <a:rPr lang="en-KR" sz="900">
+                <a:solidFill>
+                  <a:schemeClr val="tx2"/>
+                </a:solidFill>
+              </a:rPr>
+              <a:t>&amp; executor Config</a:t>
             </a:r>
           </a:p>
         </p:txBody>
@@ -6085,7 +6277,7 @@
         </p:nvSpPr>
         <p:spPr>
           <a:xfrm>
-            <a:off x="6875532" y="2239625"/>
+            <a:off x="7184679" y="2239625"/>
             <a:ext cx="216024" cy="216024"/>
           </a:xfrm>
           <a:prstGeom prst="ellipse">
@@ -6150,7 +6342,7 @@
         </p:nvCxnSpPr>
         <p:spPr>
           <a:xfrm flipV="1">
-            <a:off x="6983544" y="1854491"/>
+            <a:off x="7292691" y="1854491"/>
             <a:ext cx="0" cy="385134"/>
           </a:xfrm>
           <a:prstGeom prst="straightConnector1">
@@ -6467,7 +6659,7 @@
         </p:nvSpPr>
         <p:spPr>
           <a:xfrm>
-            <a:off x="5113022" y="1984977"/>
+            <a:off x="4670444" y="1984977"/>
             <a:ext cx="859531" cy="369332"/>
           </a:xfrm>
           <a:prstGeom prst="rect">
@@ -6693,14 +6885,14 @@
             <a:pPr algn="ctr"/>
             <a:r>
               <a:rPr lang="en-KR" sz="900"/>
-              <a:t>Get Driver’s </a:t>
+              <a:t>Get driver’s </a:t>
             </a:r>
           </a:p>
           <a:p>
             <a:pPr algn="ctr"/>
             <a:r>
               <a:rPr lang="en-KR" sz="900"/>
-              <a:t>Config</a:t>
+              <a:t>config</a:t>
             </a:r>
           </a:p>
         </p:txBody>
@@ -6949,6 +7141,195 @@
               </a:rPr>
               <a:t>1</a:t>
             </a:r>
+          </a:p>
+        </p:txBody>
+      </p:sp>
+      <p:sp>
+        <p:nvSpPr>
+          <p:cNvPr id="6" name="모서리가 둥근 직사각형 2">
+            <a:extLst>
+              <a:ext uri="{FF2B5EF4-FFF2-40B4-BE49-F238E27FC236}">
+                <a16:creationId xmlns:a16="http://schemas.microsoft.com/office/drawing/2014/main" id="{789698CC-38A5-3E67-DC20-83590CD5D2B4}"/>
+              </a:ext>
+            </a:extLst>
+          </p:cNvPr>
+          <p:cNvSpPr/>
+          <p:nvPr/>
+        </p:nvSpPr>
+        <p:spPr>
+          <a:xfrm>
+            <a:off x="5377591" y="1346428"/>
+            <a:ext cx="1096289" cy="508063"/>
+          </a:xfrm>
+          <a:prstGeom prst="roundRect">
+            <a:avLst>
+              <a:gd name="adj" fmla="val 13068"/>
+            </a:avLst>
+          </a:prstGeom>
+          <a:ln w="12700"/>
+        </p:spPr>
+        <p:style>
+          <a:lnRef idx="2">
+            <a:schemeClr val="dk1"/>
+          </a:lnRef>
+          <a:fillRef idx="1">
+            <a:schemeClr val="lt1"/>
+          </a:fillRef>
+          <a:effectRef idx="0">
+            <a:schemeClr val="dk1"/>
+          </a:effectRef>
+          <a:fontRef idx="minor">
+            <a:schemeClr val="dk1"/>
+          </a:fontRef>
+        </p:style>
+        <p:txBody>
+          <a:bodyPr rtlCol="0" anchor="ctr"/>
+          <a:lstStyle/>
+          <a:p>
+            <a:pPr algn="ctr"/>
+            <a:r>
+              <a:rPr lang="en-US" altLang="ko-KR" sz="1000"/>
+              <a:t>Executor Config </a:t>
+            </a:r>
+          </a:p>
+          <a:p>
+            <a:pPr algn="ctr"/>
+            <a:r>
+              <a:rPr lang="en-US" altLang="ko-KR" sz="1000"/>
+              <a:t>/ ConfigMap</a:t>
+            </a:r>
+            <a:endParaRPr lang="ko-KR" altLang="en-US" sz="1000"/>
+          </a:p>
+        </p:txBody>
+      </p:sp>
+      <p:cxnSp>
+        <p:nvCxnSpPr>
+          <p:cNvPr id="65" name="Elbow Connector 64">
+            <a:extLst>
+              <a:ext uri="{FF2B5EF4-FFF2-40B4-BE49-F238E27FC236}">
+                <a16:creationId xmlns:a16="http://schemas.microsoft.com/office/drawing/2014/main" id="{966A91BD-F348-4BC6-3246-6E5ADF1FFECF}"/>
+              </a:ext>
+            </a:extLst>
+          </p:cNvPr>
+          <p:cNvCxnSpPr>
+            <a:cxnSpLocks/>
+            <a:stCxn id="55" idx="0"/>
+            <a:endCxn id="6" idx="2"/>
+          </p:cNvCxnSpPr>
+          <p:nvPr/>
+        </p:nvCxnSpPr>
+        <p:spPr>
+          <a:xfrm rot="5400000" flipH="1" flipV="1">
+            <a:off x="4243151" y="994306"/>
+            <a:ext cx="822400" cy="2542770"/>
+          </a:xfrm>
+          <a:prstGeom prst="bentConnector3">
+            <a:avLst>
+              <a:gd name="adj1" fmla="val 86350"/>
+            </a:avLst>
+          </a:prstGeom>
+          <a:ln>
+            <a:solidFill>
+              <a:schemeClr val="tx2"/>
+            </a:solidFill>
+            <a:tailEnd type="triangle"/>
+          </a:ln>
+        </p:spPr>
+        <p:style>
+          <a:lnRef idx="1">
+            <a:schemeClr val="dk1"/>
+          </a:lnRef>
+          <a:fillRef idx="0">
+            <a:schemeClr val="dk1"/>
+          </a:fillRef>
+          <a:effectRef idx="0">
+            <a:schemeClr val="dk1"/>
+          </a:effectRef>
+          <a:fontRef idx="minor">
+            <a:schemeClr val="tx1"/>
+          </a:fontRef>
+        </p:style>
+      </p:cxnSp>
+      <p:cxnSp>
+        <p:nvCxnSpPr>
+          <p:cNvPr id="84" name="Straight Arrow Connector 83">
+            <a:extLst>
+              <a:ext uri="{FF2B5EF4-FFF2-40B4-BE49-F238E27FC236}">
+                <a16:creationId xmlns:a16="http://schemas.microsoft.com/office/drawing/2014/main" id="{C578B56B-38B1-91CA-685C-04B077138F01}"/>
+              </a:ext>
+            </a:extLst>
+          </p:cNvPr>
+          <p:cNvCxnSpPr>
+            <a:cxnSpLocks/>
+            <a:stCxn id="66" idx="0"/>
+          </p:cNvCxnSpPr>
+          <p:nvPr/>
+        </p:nvCxnSpPr>
+        <p:spPr>
+          <a:xfrm flipV="1">
+            <a:off x="6139611" y="1854491"/>
+            <a:ext cx="0" cy="501235"/>
+          </a:xfrm>
+          <a:prstGeom prst="straightConnector1">
+            <a:avLst/>
+          </a:prstGeom>
+          <a:ln>
+            <a:tailEnd type="triangle"/>
+          </a:ln>
+        </p:spPr>
+        <p:style>
+          <a:lnRef idx="1">
+            <a:schemeClr val="dk1"/>
+          </a:lnRef>
+          <a:fillRef idx="0">
+            <a:schemeClr val="dk1"/>
+          </a:fillRef>
+          <a:effectRef idx="0">
+            <a:schemeClr val="dk1"/>
+          </a:effectRef>
+          <a:fontRef idx="minor">
+            <a:schemeClr val="tx1"/>
+          </a:fontRef>
+        </p:style>
+      </p:cxnSp>
+      <p:sp>
+        <p:nvSpPr>
+          <p:cNvPr id="88" name="TextBox 87">
+            <a:extLst>
+              <a:ext uri="{FF2B5EF4-FFF2-40B4-BE49-F238E27FC236}">
+                <a16:creationId xmlns:a16="http://schemas.microsoft.com/office/drawing/2014/main" id="{B9F29A7F-34EA-D92C-2859-E64435150080}"/>
+              </a:ext>
+            </a:extLst>
+          </p:cNvPr>
+          <p:cNvSpPr txBox="1"/>
+          <p:nvPr/>
+        </p:nvSpPr>
+        <p:spPr>
+          <a:xfrm>
+            <a:off x="5440393" y="1953650"/>
+            <a:ext cx="964298" cy="369332"/>
+          </a:xfrm>
+          <a:prstGeom prst="rect">
+            <a:avLst/>
+          </a:prstGeom>
+          <a:noFill/>
+        </p:spPr>
+        <p:txBody>
+          <a:bodyPr wrap="square" rtlCol="0">
+            <a:spAutoFit/>
+          </a:bodyPr>
+          <a:lstStyle/>
+          <a:p>
+            <a:pPr algn="ctr"/>
+            <a:r>
+              <a:rPr lang="en-KR" sz="900"/>
+              <a:t>Get </a:t>
+            </a:r>
+            <a:r>
+              <a:rPr lang="en-US" sz="900"/>
+              <a:t>executor’s config</a:t>
+            </a:r>
+            <a:endParaRPr lang="en-KR" sz="900"/>
           </a:p>
         </p:txBody>
       </p:sp>
@@ -7623,64 +8004,6 @@
       </p:sp>
       <p:sp>
         <p:nvSpPr>
-          <p:cNvPr id="22" name="모서리가 둥근 직사각형 2">
-            <a:extLst>
-              <a:ext uri="{FF2B5EF4-FFF2-40B4-BE49-F238E27FC236}">
-                <a16:creationId xmlns:a16="http://schemas.microsoft.com/office/drawing/2014/main" id="{A3F54CD6-D683-8624-CACC-EEE7D695357B}"/>
-              </a:ext>
-            </a:extLst>
-          </p:cNvPr>
-          <p:cNvSpPr/>
-          <p:nvPr/>
-        </p:nvSpPr>
-        <p:spPr>
-          <a:xfrm>
-            <a:off x="5867421" y="1540109"/>
-            <a:ext cx="1368152" cy="508063"/>
-          </a:xfrm>
-          <a:prstGeom prst="roundRect">
-            <a:avLst>
-              <a:gd name="adj" fmla="val 13068"/>
-            </a:avLst>
-          </a:prstGeom>
-          <a:ln w="12700"/>
-        </p:spPr>
-        <p:style>
-          <a:lnRef idx="2">
-            <a:schemeClr val="dk1"/>
-          </a:lnRef>
-          <a:fillRef idx="1">
-            <a:schemeClr val="lt1"/>
-          </a:fillRef>
-          <a:effectRef idx="0">
-            <a:schemeClr val="dk1"/>
-          </a:effectRef>
-          <a:fontRef idx="minor">
-            <a:schemeClr val="dk1"/>
-          </a:fontRef>
-        </p:style>
-        <p:txBody>
-          <a:bodyPr rtlCol="0" anchor="ctr"/>
-          <a:lstStyle/>
-          <a:p>
-            <a:pPr algn="ctr"/>
-            <a:r>
-              <a:rPr lang="en-US" altLang="ko-KR" sz="1000"/>
-              <a:t>Driver Service</a:t>
-            </a:r>
-          </a:p>
-          <a:p>
-            <a:pPr algn="ctr"/>
-            <a:r>
-              <a:rPr lang="en-US" altLang="ko-KR" sz="1000"/>
-              <a:t>/ Service (Headless)</a:t>
-            </a:r>
-            <a:endParaRPr lang="ko-KR" altLang="en-US" sz="1000"/>
-          </a:p>
-        </p:txBody>
-      </p:sp>
-      <p:sp>
-        <p:nvSpPr>
           <p:cNvPr id="23" name="모서리가 둥근 직사각형 2">
             <a:extLst>
               <a:ext uri="{FF2B5EF4-FFF2-40B4-BE49-F238E27FC236}">
@@ -7933,18 +8256,18 @@
           <p:cNvCxnSpPr>
             <a:cxnSpLocks/>
             <a:stCxn id="71" idx="0"/>
-            <a:endCxn id="44" idx="2"/>
+            <a:endCxn id="11" idx="2"/>
           </p:cNvCxnSpPr>
           <p:nvPr/>
         </p:nvCxnSpPr>
         <p:spPr>
           <a:xfrm rot="5400000" flipH="1" flipV="1">
-            <a:off x="3473861" y="2103236"/>
-            <a:ext cx="1304415" cy="1194289"/>
+            <a:off x="3241895" y="2339874"/>
+            <a:ext cx="1299742" cy="725684"/>
           </a:xfrm>
           <a:prstGeom prst="bentConnector3">
             <a:avLst>
-              <a:gd name="adj1" fmla="val 46580"/>
+              <a:gd name="adj1" fmla="val 47294"/>
             </a:avLst>
           </a:prstGeom>
           <a:ln>
@@ -8581,64 +8904,6 @@
           </a:fontRef>
         </p:style>
       </p:cxnSp>
-      <p:sp>
-        <p:nvSpPr>
-          <p:cNvPr id="44" name="모서리가 둥근 직사각형 2">
-            <a:extLst>
-              <a:ext uri="{FF2B5EF4-FFF2-40B4-BE49-F238E27FC236}">
-                <a16:creationId xmlns:a16="http://schemas.microsoft.com/office/drawing/2014/main" id="{37608E22-B0C3-2411-ED2B-0D929072F31D}"/>
-              </a:ext>
-            </a:extLst>
-          </p:cNvPr>
-          <p:cNvSpPr/>
-          <p:nvPr/>
-        </p:nvSpPr>
-        <p:spPr>
-          <a:xfrm>
-            <a:off x="3905623" y="1540109"/>
-            <a:ext cx="1635179" cy="508063"/>
-          </a:xfrm>
-          <a:prstGeom prst="roundRect">
-            <a:avLst>
-              <a:gd name="adj" fmla="val 13068"/>
-            </a:avLst>
-          </a:prstGeom>
-          <a:ln w="12700"/>
-        </p:spPr>
-        <p:style>
-          <a:lnRef idx="2">
-            <a:schemeClr val="dk1"/>
-          </a:lnRef>
-          <a:fillRef idx="1">
-            <a:schemeClr val="lt1"/>
-          </a:fillRef>
-          <a:effectRef idx="0">
-            <a:schemeClr val="dk1"/>
-          </a:effectRef>
-          <a:fontRef idx="minor">
-            <a:schemeClr val="dk1"/>
-          </a:fontRef>
-        </p:style>
-        <p:txBody>
-          <a:bodyPr rtlCol="0" anchor="ctr"/>
-          <a:lstStyle/>
-          <a:p>
-            <a:pPr algn="ctr"/>
-            <a:r>
-              <a:rPr lang="en-US" altLang="ko-KR" sz="1000"/>
-              <a:t>Spark History Server Web UI</a:t>
-            </a:r>
-          </a:p>
-          <a:p>
-            <a:pPr algn="ctr"/>
-            <a:r>
-              <a:rPr lang="en-US" altLang="ko-KR" sz="1000"/>
-              <a:t>/ Service</a:t>
-            </a:r>
-            <a:endParaRPr lang="ko-KR" altLang="en-US" sz="1050"/>
-          </a:p>
-        </p:txBody>
-      </p:sp>
       <p:cxnSp>
         <p:nvCxnSpPr>
           <p:cNvPr id="45" name="Elbow Connector 44">
@@ -8657,12 +8922,12 @@
         </p:nvCxnSpPr>
         <p:spPr>
           <a:xfrm rot="5400000" flipH="1" flipV="1">
-            <a:off x="4200240" y="798853"/>
-            <a:ext cx="822398" cy="3321040"/>
+            <a:off x="4300381" y="698712"/>
+            <a:ext cx="822398" cy="3521322"/>
           </a:xfrm>
           <a:prstGeom prst="bentConnector3">
             <a:avLst>
-              <a:gd name="adj1" fmla="val 80452"/>
+              <a:gd name="adj1" fmla="val 85637"/>
             </a:avLst>
           </a:prstGeom>
           <a:ln>
@@ -8701,7 +8966,7 @@
         </p:nvSpPr>
         <p:spPr>
           <a:xfrm>
-            <a:off x="6199951" y="1904158"/>
+            <a:off x="6400233" y="1904158"/>
             <a:ext cx="144016" cy="144016"/>
           </a:xfrm>
           <a:prstGeom prst="ellipse">
@@ -8842,8 +9107,8 @@
         </p:nvSpPr>
         <p:spPr>
           <a:xfrm>
-            <a:off x="5363447" y="2323140"/>
-            <a:ext cx="1165704" cy="230832"/>
+            <a:off x="6085550" y="2175404"/>
+            <a:ext cx="822661" cy="369332"/>
           </a:xfrm>
           <a:prstGeom prst="rect">
             <a:avLst/>
@@ -8863,7 +9128,18 @@
                   <a:schemeClr val="tx2"/>
                 </a:solidFill>
               </a:rPr>
-              <a:t>Get driver’s pod IP</a:t>
+              <a:t>Get driver’s </a:t>
+            </a:r>
+          </a:p>
+          <a:p>
+            <a:pPr algn="ctr"/>
+            <a:r>
+              <a:rPr lang="en-KR" sz="900">
+                <a:solidFill>
+                  <a:schemeClr val="tx2"/>
+                </a:solidFill>
+              </a:rPr>
+              <a:t>pod IP</a:t>
             </a:r>
           </a:p>
         </p:txBody>
@@ -8943,8 +9219,8 @@
         </p:nvSpPr>
         <p:spPr>
           <a:xfrm>
-            <a:off x="2940368" y="2206059"/>
-            <a:ext cx="1253869" cy="230832"/>
+            <a:off x="2912665" y="2154137"/>
+            <a:ext cx="1253868" cy="507831"/>
           </a:xfrm>
           <a:prstGeom prst="rect">
             <a:avLst/>
@@ -8959,13 +9235,32 @@
           <a:p>
             <a:pPr algn="ctr"/>
             <a:r>
-              <a:rPr lang="en-KR" sz="900">
+              <a:rPr lang="en-US" sz="900">
                 <a:solidFill>
                   <a:schemeClr val="tx2"/>
                 </a:solidFill>
               </a:rPr>
               <a:t>Create driver service</a:t>
             </a:r>
+          </a:p>
+          <a:p>
+            <a:pPr algn="ctr"/>
+            <a:r>
+              <a:rPr lang="en-US" sz="900">
+                <a:solidFill>
+                  <a:schemeClr val="tx2"/>
+                </a:solidFill>
+              </a:rPr>
+              <a:t>&amp; executor Config</a:t>
+            </a:r>
+          </a:p>
+          <a:p>
+            <a:pPr algn="ctr"/>
+            <a:endParaRPr lang="en-US" sz="900">
+              <a:solidFill>
+                <a:schemeClr val="tx2"/>
+              </a:solidFill>
+            </a:endParaRPr>
           </a:p>
         </p:txBody>
       </p:sp>
@@ -9084,7 +9379,7 @@
         </p:nvSpPr>
         <p:spPr>
           <a:xfrm>
-            <a:off x="6443485" y="2433306"/>
+            <a:off x="6723175" y="2433306"/>
             <a:ext cx="216024" cy="216024"/>
           </a:xfrm>
           <a:prstGeom prst="ellipse">
@@ -9143,13 +9438,12 @@
           <p:cNvCxnSpPr>
             <a:cxnSpLocks/>
             <a:stCxn id="61" idx="0"/>
-            <a:endCxn id="22" idx="2"/>
           </p:cNvCxnSpPr>
           <p:nvPr/>
         </p:nvCxnSpPr>
         <p:spPr>
           <a:xfrm flipV="1">
-            <a:off x="6551497" y="2048172"/>
+            <a:off x="6831187" y="2048172"/>
             <a:ext cx="0" cy="385134"/>
           </a:xfrm>
           <a:prstGeom prst="straightConnector1">
@@ -9527,7 +9821,7 @@
         </p:nvSpPr>
         <p:spPr>
           <a:xfrm>
-            <a:off x="4680975" y="2178658"/>
+            <a:off x="4218324" y="2178658"/>
             <a:ext cx="859531" cy="369332"/>
           </a:xfrm>
           <a:prstGeom prst="rect">
@@ -9909,15 +10203,15 @@
           </p:cNvPr>
           <p:cNvCxnSpPr>
             <a:cxnSpLocks/>
-            <a:stCxn id="44" idx="0"/>
+            <a:stCxn id="11" idx="0"/>
             <a:endCxn id="25" idx="3"/>
           </p:cNvCxnSpPr>
           <p:nvPr/>
         </p:nvCxnSpPr>
         <p:spPr>
           <a:xfrm rot="16200000" flipV="1">
-            <a:off x="2916917" y="-266187"/>
-            <a:ext cx="132603" cy="3479990"/>
+            <a:off x="2680278" y="-29549"/>
+            <a:ext cx="137276" cy="3011385"/>
           </a:xfrm>
           <a:prstGeom prst="bentConnector2">
             <a:avLst/>
@@ -11127,14 +11421,14 @@
             <a:pPr algn="ctr"/>
             <a:r>
               <a:rPr lang="en-KR" sz="900"/>
-              <a:t>Get Driver’s </a:t>
+              <a:t>Get driver’s </a:t>
             </a:r>
           </a:p>
           <a:p>
             <a:pPr algn="ctr"/>
             <a:r>
               <a:rPr lang="en-KR" sz="900"/>
-              <a:t>Config</a:t>
+              <a:t>config</a:t>
             </a:r>
           </a:p>
         </p:txBody>
@@ -11273,6 +11567,311 @@
           </a:p>
         </p:txBody>
       </p:sp>
+      <p:sp>
+        <p:nvSpPr>
+          <p:cNvPr id="8" name="모서리가 둥근 직사각형 2">
+            <a:extLst>
+              <a:ext uri="{FF2B5EF4-FFF2-40B4-BE49-F238E27FC236}">
+                <a16:creationId xmlns:a16="http://schemas.microsoft.com/office/drawing/2014/main" id="{9A5DC9BA-46EF-9C63-1FBD-975DC9153CA3}"/>
+              </a:ext>
+            </a:extLst>
+          </p:cNvPr>
+          <p:cNvSpPr/>
+          <p:nvPr/>
+        </p:nvSpPr>
+        <p:spPr>
+          <a:xfrm>
+            <a:off x="6168512" y="1544782"/>
+            <a:ext cx="1368152" cy="508063"/>
+          </a:xfrm>
+          <a:prstGeom prst="roundRect">
+            <a:avLst>
+              <a:gd name="adj" fmla="val 13068"/>
+            </a:avLst>
+          </a:prstGeom>
+          <a:ln w="12700"/>
+        </p:spPr>
+        <p:style>
+          <a:lnRef idx="2">
+            <a:schemeClr val="dk1"/>
+          </a:lnRef>
+          <a:fillRef idx="1">
+            <a:schemeClr val="lt1"/>
+          </a:fillRef>
+          <a:effectRef idx="0">
+            <a:schemeClr val="dk1"/>
+          </a:effectRef>
+          <a:fontRef idx="minor">
+            <a:schemeClr val="dk1"/>
+          </a:fontRef>
+        </p:style>
+        <p:txBody>
+          <a:bodyPr rtlCol="0" anchor="ctr"/>
+          <a:lstStyle/>
+          <a:p>
+            <a:pPr algn="ctr"/>
+            <a:r>
+              <a:rPr lang="en-US" altLang="ko-KR" sz="1000"/>
+              <a:t>Driver Service</a:t>
+            </a:r>
+          </a:p>
+          <a:p>
+            <a:pPr algn="ctr"/>
+            <a:r>
+              <a:rPr lang="en-US" altLang="ko-KR" sz="1000"/>
+              <a:t>/ Service (Headless)</a:t>
+            </a:r>
+            <a:endParaRPr lang="ko-KR" altLang="en-US" sz="1000"/>
+          </a:p>
+        </p:txBody>
+      </p:sp>
+      <p:sp>
+        <p:nvSpPr>
+          <p:cNvPr id="11" name="모서리가 둥근 직사각형 2">
+            <a:extLst>
+              <a:ext uri="{FF2B5EF4-FFF2-40B4-BE49-F238E27FC236}">
+                <a16:creationId xmlns:a16="http://schemas.microsoft.com/office/drawing/2014/main" id="{D6C5CB90-A156-DBD0-23EB-99302A39C95D}"/>
+              </a:ext>
+            </a:extLst>
+          </p:cNvPr>
+          <p:cNvSpPr/>
+          <p:nvPr/>
+        </p:nvSpPr>
+        <p:spPr>
+          <a:xfrm>
+            <a:off x="3706463" y="1544782"/>
+            <a:ext cx="1096290" cy="508063"/>
+          </a:xfrm>
+          <a:prstGeom prst="roundRect">
+            <a:avLst>
+              <a:gd name="adj" fmla="val 13068"/>
+            </a:avLst>
+          </a:prstGeom>
+          <a:ln w="12700"/>
+        </p:spPr>
+        <p:style>
+          <a:lnRef idx="2">
+            <a:schemeClr val="dk1"/>
+          </a:lnRef>
+          <a:fillRef idx="1">
+            <a:schemeClr val="lt1"/>
+          </a:fillRef>
+          <a:effectRef idx="0">
+            <a:schemeClr val="dk1"/>
+          </a:effectRef>
+          <a:fontRef idx="minor">
+            <a:schemeClr val="dk1"/>
+          </a:fontRef>
+        </p:style>
+        <p:txBody>
+          <a:bodyPr rtlCol="0" anchor="ctr"/>
+          <a:lstStyle/>
+          <a:p>
+            <a:pPr algn="ctr"/>
+            <a:r>
+              <a:rPr lang="en-US" altLang="ko-KR" sz="1000"/>
+              <a:t>Spark History Server Web UI</a:t>
+            </a:r>
+          </a:p>
+          <a:p>
+            <a:pPr algn="ctr"/>
+            <a:r>
+              <a:rPr lang="en-US" altLang="ko-KR" sz="1000"/>
+              <a:t>/ Service</a:t>
+            </a:r>
+            <a:endParaRPr lang="ko-KR" altLang="en-US" sz="1050"/>
+          </a:p>
+        </p:txBody>
+      </p:sp>
+      <p:sp>
+        <p:nvSpPr>
+          <p:cNvPr id="12" name="모서리가 둥근 직사각형 2">
+            <a:extLst>
+              <a:ext uri="{FF2B5EF4-FFF2-40B4-BE49-F238E27FC236}">
+                <a16:creationId xmlns:a16="http://schemas.microsoft.com/office/drawing/2014/main" id="{8A4641BF-608B-8C3E-64F0-83A60568A3AE}"/>
+              </a:ext>
+            </a:extLst>
+          </p:cNvPr>
+          <p:cNvSpPr/>
+          <p:nvPr/>
+        </p:nvSpPr>
+        <p:spPr>
+          <a:xfrm>
+            <a:off x="4937488" y="1544782"/>
+            <a:ext cx="1096289" cy="508063"/>
+          </a:xfrm>
+          <a:prstGeom prst="roundRect">
+            <a:avLst>
+              <a:gd name="adj" fmla="val 13068"/>
+            </a:avLst>
+          </a:prstGeom>
+          <a:ln w="12700"/>
+        </p:spPr>
+        <p:style>
+          <a:lnRef idx="2">
+            <a:schemeClr val="dk1"/>
+          </a:lnRef>
+          <a:fillRef idx="1">
+            <a:schemeClr val="lt1"/>
+          </a:fillRef>
+          <a:effectRef idx="0">
+            <a:schemeClr val="dk1"/>
+          </a:effectRef>
+          <a:fontRef idx="minor">
+            <a:schemeClr val="dk1"/>
+          </a:fontRef>
+        </p:style>
+        <p:txBody>
+          <a:bodyPr rtlCol="0" anchor="ctr"/>
+          <a:lstStyle/>
+          <a:p>
+            <a:pPr algn="ctr"/>
+            <a:r>
+              <a:rPr lang="en-US" altLang="ko-KR" sz="1000"/>
+              <a:t>Executor Config </a:t>
+            </a:r>
+          </a:p>
+          <a:p>
+            <a:pPr algn="ctr"/>
+            <a:r>
+              <a:rPr lang="en-US" altLang="ko-KR" sz="1000"/>
+              <a:t>/ ConfigMap</a:t>
+            </a:r>
+            <a:endParaRPr lang="ko-KR" altLang="en-US" sz="1000"/>
+          </a:p>
+        </p:txBody>
+      </p:sp>
+      <p:cxnSp>
+        <p:nvCxnSpPr>
+          <p:cNvPr id="34" name="Elbow Connector 33">
+            <a:extLst>
+              <a:ext uri="{FF2B5EF4-FFF2-40B4-BE49-F238E27FC236}">
+                <a16:creationId xmlns:a16="http://schemas.microsoft.com/office/drawing/2014/main" id="{2142C60F-5D30-2B60-0647-20BC2668E86C}"/>
+              </a:ext>
+            </a:extLst>
+          </p:cNvPr>
+          <p:cNvCxnSpPr>
+            <a:cxnSpLocks/>
+            <a:stCxn id="55" idx="0"/>
+            <a:endCxn id="12" idx="2"/>
+          </p:cNvCxnSpPr>
+          <p:nvPr/>
+        </p:nvCxnSpPr>
+        <p:spPr>
+          <a:xfrm rot="5400000" flipH="1" flipV="1">
+            <a:off x="3809413" y="1194352"/>
+            <a:ext cx="817727" cy="2534714"/>
+          </a:xfrm>
+          <a:prstGeom prst="bentConnector3">
+            <a:avLst>
+              <a:gd name="adj1" fmla="val 86557"/>
+            </a:avLst>
+          </a:prstGeom>
+          <a:ln>
+            <a:solidFill>
+              <a:schemeClr val="tx2"/>
+            </a:solidFill>
+            <a:tailEnd type="triangle"/>
+          </a:ln>
+        </p:spPr>
+        <p:style>
+          <a:lnRef idx="1">
+            <a:schemeClr val="dk1"/>
+          </a:lnRef>
+          <a:fillRef idx="0">
+            <a:schemeClr val="dk1"/>
+          </a:fillRef>
+          <a:effectRef idx="0">
+            <a:schemeClr val="dk1"/>
+          </a:effectRef>
+          <a:fontRef idx="minor">
+            <a:schemeClr val="tx1"/>
+          </a:fontRef>
+        </p:style>
+      </p:cxnSp>
+      <p:sp>
+        <p:nvSpPr>
+          <p:cNvPr id="57" name="TextBox 56">
+            <a:extLst>
+              <a:ext uri="{FF2B5EF4-FFF2-40B4-BE49-F238E27FC236}">
+                <a16:creationId xmlns:a16="http://schemas.microsoft.com/office/drawing/2014/main" id="{0F6E0E0F-363B-C846-8830-821595FBBF52}"/>
+              </a:ext>
+            </a:extLst>
+          </p:cNvPr>
+          <p:cNvSpPr txBox="1"/>
+          <p:nvPr/>
+        </p:nvSpPr>
+        <p:spPr>
+          <a:xfrm>
+            <a:off x="5010238" y="2156751"/>
+            <a:ext cx="964298" cy="369332"/>
+          </a:xfrm>
+          <a:prstGeom prst="rect">
+            <a:avLst/>
+          </a:prstGeom>
+          <a:noFill/>
+        </p:spPr>
+        <p:txBody>
+          <a:bodyPr wrap="square" rtlCol="0">
+            <a:spAutoFit/>
+          </a:bodyPr>
+          <a:lstStyle/>
+          <a:p>
+            <a:pPr algn="ctr"/>
+            <a:r>
+              <a:rPr lang="en-KR" sz="900"/>
+              <a:t>Get </a:t>
+            </a:r>
+            <a:r>
+              <a:rPr lang="en-US" sz="900"/>
+              <a:t>executor’s config</a:t>
+            </a:r>
+            <a:endParaRPr lang="en-KR" sz="900"/>
+          </a:p>
+        </p:txBody>
+      </p:sp>
+      <p:cxnSp>
+        <p:nvCxnSpPr>
+          <p:cNvPr id="66" name="Straight Arrow Connector 65">
+            <a:extLst>
+              <a:ext uri="{FF2B5EF4-FFF2-40B4-BE49-F238E27FC236}">
+                <a16:creationId xmlns:a16="http://schemas.microsoft.com/office/drawing/2014/main" id="{D563DDA0-3E45-04DD-5EE4-893211900E1F}"/>
+              </a:ext>
+            </a:extLst>
+          </p:cNvPr>
+          <p:cNvCxnSpPr>
+            <a:cxnSpLocks/>
+            <a:stCxn id="24" idx="0"/>
+          </p:cNvCxnSpPr>
+          <p:nvPr/>
+        </p:nvCxnSpPr>
+        <p:spPr>
+          <a:xfrm flipH="1" flipV="1">
+            <a:off x="5707096" y="2052845"/>
+            <a:ext cx="468" cy="496562"/>
+          </a:xfrm>
+          <a:prstGeom prst="straightConnector1">
+            <a:avLst/>
+          </a:prstGeom>
+          <a:ln>
+            <a:tailEnd type="triangle"/>
+          </a:ln>
+        </p:spPr>
+        <p:style>
+          <a:lnRef idx="1">
+            <a:schemeClr val="dk1"/>
+          </a:lnRef>
+          <a:fillRef idx="0">
+            <a:schemeClr val="dk1"/>
+          </a:fillRef>
+          <a:effectRef idx="0">
+            <a:schemeClr val="dk1"/>
+          </a:effectRef>
+          <a:fontRef idx="minor">
+            <a:schemeClr val="tx1"/>
+          </a:fontRef>
+        </p:style>
+      </p:cxnSp>
     </p:spTree>
     <p:extLst>
       <p:ext uri="{BB962C8B-B14F-4D97-AF65-F5344CB8AC3E}">
@@ -11665,7 +12264,7 @@
         </p:nvSpPr>
         <p:spPr>
           <a:xfrm>
-            <a:off x="693427" y="2196073"/>
+            <a:off x="693427" y="1926614"/>
             <a:ext cx="1401376" cy="386745"/>
           </a:xfrm>
           <a:prstGeom prst="roundRect">
@@ -12164,7 +12763,7 @@
         </p:blipFill>
         <p:spPr bwMode="auto">
           <a:xfrm>
-            <a:off x="1116351" y="934365"/>
+            <a:off x="1116351" y="815883"/>
             <a:ext cx="558919" cy="558919"/>
           </a:xfrm>
           <a:prstGeom prst="rect">
@@ -12200,8 +12799,8 @@
         </p:nvCxnSpPr>
         <p:spPr>
           <a:xfrm flipH="1">
-            <a:off x="1394115" y="1818489"/>
-            <a:ext cx="2236" cy="377584"/>
+            <a:off x="1394115" y="1700007"/>
+            <a:ext cx="2236" cy="226607"/>
           </a:xfrm>
           <a:prstGeom prst="straightConnector1">
             <a:avLst/>
@@ -12242,7 +12841,7 @@
         </p:nvSpPr>
         <p:spPr>
           <a:xfrm>
-            <a:off x="1180118" y="1394394"/>
+            <a:off x="1180118" y="1275912"/>
             <a:ext cx="444352" cy="246221"/>
           </a:xfrm>
           <a:prstGeom prst="rect">
@@ -12282,8 +12881,8 @@
         </p:nvCxnSpPr>
         <p:spPr>
           <a:xfrm rot="16200000" flipV="1">
-            <a:off x="3348964" y="-459868"/>
-            <a:ext cx="132603" cy="3479990"/>
+            <a:off x="3289723" y="-519109"/>
+            <a:ext cx="251085" cy="3479990"/>
           </a:xfrm>
           <a:prstGeom prst="bentConnector2">
             <a:avLst/>
@@ -12372,7 +12971,7 @@
         </p:nvSpPr>
         <p:spPr>
           <a:xfrm>
-            <a:off x="1288339" y="1602465"/>
+            <a:off x="1288339" y="1483983"/>
             <a:ext cx="216024" cy="216024"/>
           </a:xfrm>
           <a:prstGeom prst="ellipse">
@@ -12434,9 +13033,9 @@
           <p:nvPr/>
         </p:nvCxnSpPr>
         <p:spPr>
-          <a:xfrm>
-            <a:off x="3131840" y="1853179"/>
-            <a:ext cx="0" cy="934589"/>
+          <a:xfrm flipV="1">
+            <a:off x="3203848" y="1854491"/>
+            <a:ext cx="0" cy="933276"/>
           </a:xfrm>
           <a:prstGeom prst="straightConnector1">
             <a:avLst/>
@@ -12479,11 +13078,11 @@
         <p:spPr>
           <a:xfrm flipV="1">
             <a:off x="2212540" y="1600460"/>
-            <a:ext cx="703275" cy="669966"/>
+            <a:ext cx="703275" cy="400507"/>
           </a:xfrm>
           <a:prstGeom prst="bentConnector3">
             <a:avLst>
-              <a:gd name="adj1" fmla="val 48434"/>
+              <a:gd name="adj1" fmla="val 50000"/>
             </a:avLst>
           </a:prstGeom>
           <a:ln>
@@ -12525,12 +13124,12 @@
         </p:nvCxnSpPr>
         <p:spPr>
           <a:xfrm>
-            <a:off x="2208747" y="2518820"/>
-            <a:ext cx="795687" cy="343919"/>
+            <a:off x="2208747" y="2249361"/>
+            <a:ext cx="802452" cy="614212"/>
           </a:xfrm>
           <a:prstGeom prst="bentConnector3">
             <a:avLst>
-              <a:gd name="adj1" fmla="val 44085"/>
+              <a:gd name="adj1" fmla="val 44042"/>
             </a:avLst>
           </a:prstGeom>
           <a:ln>
@@ -12781,8 +13380,8 @@
         </p:nvSpPr>
         <p:spPr>
           <a:xfrm>
-            <a:off x="1418336" y="3060872"/>
-            <a:ext cx="1476738" cy="170267"/>
+            <a:off x="1418336" y="3108726"/>
+            <a:ext cx="1476738" cy="122413"/>
           </a:xfrm>
           <a:custGeom>
             <a:avLst/>
@@ -13236,6 +13835,7640 @@
         </p:nvSpPr>
         <p:spPr>
           <a:xfrm>
+            <a:off x="691748" y="1654011"/>
+            <a:ext cx="800220" cy="230832"/>
+          </a:xfrm>
+          <a:prstGeom prst="rect">
+            <a:avLst/>
+          </a:prstGeom>
+          <a:noFill/>
+        </p:spPr>
+        <p:txBody>
+          <a:bodyPr wrap="none" rtlCol="0">
+            <a:spAutoFit/>
+          </a:bodyPr>
+          <a:lstStyle/>
+          <a:p>
+            <a:pPr algn="ctr"/>
+            <a:r>
+              <a:rPr lang="en-KR" sz="900">
+                <a:solidFill>
+                  <a:schemeClr val="tx2"/>
+                </a:solidFill>
+              </a:rPr>
+              <a:t>Submit job </a:t>
+            </a:r>
+          </a:p>
+        </p:txBody>
+      </p:sp>
+      <p:sp>
+        <p:nvSpPr>
+          <p:cNvPr id="48" name="TextBox 47">
+            <a:extLst>
+              <a:ext uri="{FF2B5EF4-FFF2-40B4-BE49-F238E27FC236}">
+                <a16:creationId xmlns:a16="http://schemas.microsoft.com/office/drawing/2014/main" id="{DB00269C-EEFF-7933-5C68-D6BBEF6A375D}"/>
+              </a:ext>
+            </a:extLst>
+          </p:cNvPr>
+          <p:cNvSpPr txBox="1"/>
+          <p:nvPr/>
+        </p:nvSpPr>
+        <p:spPr>
+          <a:xfrm>
+            <a:off x="1634053" y="1543291"/>
+            <a:ext cx="923651" cy="369332"/>
+          </a:xfrm>
+          <a:prstGeom prst="rect">
+            <a:avLst/>
+          </a:prstGeom>
+          <a:noFill/>
+        </p:spPr>
+        <p:txBody>
+          <a:bodyPr wrap="none" rtlCol="0">
+            <a:spAutoFit/>
+          </a:bodyPr>
+          <a:lstStyle/>
+          <a:p>
+            <a:pPr algn="ctr"/>
+            <a:r>
+              <a:rPr lang="en-KR" sz="900">
+                <a:solidFill>
+                  <a:schemeClr val="tx2"/>
+                </a:solidFill>
+              </a:rPr>
+              <a:t>Create</a:t>
+            </a:r>
+          </a:p>
+          <a:p>
+            <a:pPr algn="ctr"/>
+            <a:r>
+              <a:rPr lang="en-KR" sz="900">
+                <a:solidFill>
+                  <a:schemeClr val="tx2"/>
+                </a:solidFill>
+              </a:rPr>
+              <a:t>driver’s config</a:t>
+            </a:r>
+          </a:p>
+        </p:txBody>
+      </p:sp>
+      <p:sp>
+        <p:nvSpPr>
+          <p:cNvPr id="54" name="TextBox 53">
+            <a:extLst>
+              <a:ext uri="{FF2B5EF4-FFF2-40B4-BE49-F238E27FC236}">
+                <a16:creationId xmlns:a16="http://schemas.microsoft.com/office/drawing/2014/main" id="{6B170AB6-73F4-4C69-D8C0-83158E028410}"/>
+              </a:ext>
+            </a:extLst>
+          </p:cNvPr>
+          <p:cNvSpPr txBox="1"/>
+          <p:nvPr/>
+        </p:nvSpPr>
+        <p:spPr>
+          <a:xfrm>
+            <a:off x="5795494" y="2129459"/>
+            <a:ext cx="1165704" cy="230832"/>
+          </a:xfrm>
+          <a:prstGeom prst="rect">
+            <a:avLst/>
+          </a:prstGeom>
+          <a:noFill/>
+        </p:spPr>
+        <p:txBody>
+          <a:bodyPr wrap="none" rtlCol="0">
+            <a:spAutoFit/>
+          </a:bodyPr>
+          <a:lstStyle/>
+          <a:p>
+            <a:pPr algn="ctr"/>
+            <a:r>
+              <a:rPr lang="en-KR" sz="900">
+                <a:solidFill>
+                  <a:schemeClr val="tx2"/>
+                </a:solidFill>
+              </a:rPr>
+              <a:t>Get driver’s pod IP</a:t>
+            </a:r>
+          </a:p>
+        </p:txBody>
+      </p:sp>
+      <p:sp>
+        <p:nvSpPr>
+          <p:cNvPr id="55" name="Oval 54">
+            <a:extLst>
+              <a:ext uri="{FF2B5EF4-FFF2-40B4-BE49-F238E27FC236}">
+                <a16:creationId xmlns:a16="http://schemas.microsoft.com/office/drawing/2014/main" id="{758D61F7-5310-4C8F-9E53-E68F8B652001}"/>
+              </a:ext>
+            </a:extLst>
+          </p:cNvPr>
+          <p:cNvSpPr/>
+          <p:nvPr/>
+        </p:nvSpPr>
+        <p:spPr>
+          <a:xfrm>
+            <a:off x="3274954" y="2676891"/>
+            <a:ext cx="216024" cy="216024"/>
+          </a:xfrm>
+          <a:prstGeom prst="ellipse">
+            <a:avLst/>
+          </a:prstGeom>
+          <a:solidFill>
+            <a:schemeClr val="bg1"/>
+          </a:solidFill>
+          <a:ln w="19050">
+            <a:solidFill>
+              <a:schemeClr val="tx2"/>
+            </a:solidFill>
+          </a:ln>
+        </p:spPr>
+        <p:style>
+          <a:lnRef idx="2">
+            <a:schemeClr val="accent1">
+              <a:shade val="15000"/>
+            </a:schemeClr>
+          </a:lnRef>
+          <a:fillRef idx="1">
+            <a:schemeClr val="accent1"/>
+          </a:fillRef>
+          <a:effectRef idx="0">
+            <a:schemeClr val="accent1"/>
+          </a:effectRef>
+          <a:fontRef idx="minor">
+            <a:schemeClr val="lt1"/>
+          </a:fontRef>
+        </p:style>
+        <p:txBody>
+          <a:bodyPr rtlCol="0" anchor="ctr"/>
+          <a:lstStyle/>
+          <a:p>
+            <a:pPr algn="ctr"/>
+            <a:r>
+              <a:rPr lang="en-KR" sz="1000">
+                <a:solidFill>
+                  <a:schemeClr val="tx2"/>
+                </a:solidFill>
+              </a:rPr>
+              <a:t>4</a:t>
+            </a:r>
+          </a:p>
+        </p:txBody>
+      </p:sp>
+      <p:sp>
+        <p:nvSpPr>
+          <p:cNvPr id="64" name="Oval 63">
+            <a:extLst>
+              <a:ext uri="{FF2B5EF4-FFF2-40B4-BE49-F238E27FC236}">
+                <a16:creationId xmlns:a16="http://schemas.microsoft.com/office/drawing/2014/main" id="{36EAB17A-4590-7199-B024-DCF7C63672D4}"/>
+              </a:ext>
+            </a:extLst>
+          </p:cNvPr>
+          <p:cNvSpPr/>
+          <p:nvPr/>
+        </p:nvSpPr>
+        <p:spPr>
+          <a:xfrm>
+            <a:off x="1996516" y="1892955"/>
+            <a:ext cx="216024" cy="216024"/>
+          </a:xfrm>
+          <a:prstGeom prst="ellipse">
+            <a:avLst/>
+          </a:prstGeom>
+          <a:solidFill>
+            <a:schemeClr val="bg1"/>
+          </a:solidFill>
+          <a:ln w="19050">
+            <a:solidFill>
+              <a:schemeClr val="tx2"/>
+            </a:solidFill>
+          </a:ln>
+        </p:spPr>
+        <p:style>
+          <a:lnRef idx="2">
+            <a:schemeClr val="accent1">
+              <a:shade val="15000"/>
+            </a:schemeClr>
+          </a:lnRef>
+          <a:fillRef idx="1">
+            <a:schemeClr val="accent1"/>
+          </a:fillRef>
+          <a:effectRef idx="0">
+            <a:schemeClr val="accent1"/>
+          </a:effectRef>
+          <a:fontRef idx="minor">
+            <a:schemeClr val="lt1"/>
+          </a:fontRef>
+        </p:style>
+        <p:txBody>
+          <a:bodyPr rtlCol="0" anchor="ctr"/>
+          <a:lstStyle/>
+          <a:p>
+            <a:pPr algn="ctr"/>
+            <a:r>
+              <a:rPr lang="en-KR" sz="1000">
+                <a:solidFill>
+                  <a:schemeClr val="tx2"/>
+                </a:solidFill>
+              </a:rPr>
+              <a:t>2</a:t>
+            </a:r>
+          </a:p>
+        </p:txBody>
+      </p:sp>
+      <p:sp>
+        <p:nvSpPr>
+          <p:cNvPr id="68" name="Oval 67">
+            <a:extLst>
+              <a:ext uri="{FF2B5EF4-FFF2-40B4-BE49-F238E27FC236}">
+                <a16:creationId xmlns:a16="http://schemas.microsoft.com/office/drawing/2014/main" id="{AF04439C-AAE8-1F91-ECA8-8A107774A4A7}"/>
+              </a:ext>
+            </a:extLst>
+          </p:cNvPr>
+          <p:cNvSpPr/>
+          <p:nvPr/>
+        </p:nvSpPr>
+        <p:spPr>
+          <a:xfrm>
+            <a:off x="1992723" y="2141349"/>
+            <a:ext cx="216024" cy="216024"/>
+          </a:xfrm>
+          <a:prstGeom prst="ellipse">
+            <a:avLst/>
+          </a:prstGeom>
+          <a:solidFill>
+            <a:schemeClr val="bg1"/>
+          </a:solidFill>
+          <a:ln w="19050">
+            <a:solidFill>
+              <a:schemeClr val="tx2"/>
+            </a:solidFill>
+          </a:ln>
+        </p:spPr>
+        <p:style>
+          <a:lnRef idx="2">
+            <a:schemeClr val="accent1">
+              <a:shade val="15000"/>
+            </a:schemeClr>
+          </a:lnRef>
+          <a:fillRef idx="1">
+            <a:schemeClr val="accent1"/>
+          </a:fillRef>
+          <a:effectRef idx="0">
+            <a:schemeClr val="accent1"/>
+          </a:effectRef>
+          <a:fontRef idx="minor">
+            <a:schemeClr val="lt1"/>
+          </a:fontRef>
+        </p:style>
+        <p:txBody>
+          <a:bodyPr rtlCol="0" anchor="ctr"/>
+          <a:lstStyle/>
+          <a:p>
+            <a:pPr algn="ctr"/>
+            <a:r>
+              <a:rPr lang="en-KR" sz="1000">
+                <a:solidFill>
+                  <a:schemeClr val="tx2"/>
+                </a:solidFill>
+              </a:rPr>
+              <a:t>3</a:t>
+            </a:r>
+          </a:p>
+        </p:txBody>
+      </p:sp>
+      <p:sp>
+        <p:nvSpPr>
+          <p:cNvPr id="69" name="TextBox 68">
+            <a:extLst>
+              <a:ext uri="{FF2B5EF4-FFF2-40B4-BE49-F238E27FC236}">
+                <a16:creationId xmlns:a16="http://schemas.microsoft.com/office/drawing/2014/main" id="{D0C48090-B4DB-6B7C-BFA9-9EA3B1083956}"/>
+              </a:ext>
+            </a:extLst>
+          </p:cNvPr>
+          <p:cNvSpPr txBox="1"/>
+          <p:nvPr/>
+        </p:nvSpPr>
+        <p:spPr>
+          <a:xfrm>
+            <a:off x="3372415" y="2012378"/>
+            <a:ext cx="1253869" cy="230832"/>
+          </a:xfrm>
+          <a:prstGeom prst="rect">
+            <a:avLst/>
+          </a:prstGeom>
+          <a:noFill/>
+        </p:spPr>
+        <p:txBody>
+          <a:bodyPr wrap="none" rtlCol="0">
+            <a:spAutoFit/>
+          </a:bodyPr>
+          <a:lstStyle/>
+          <a:p>
+            <a:pPr algn="ctr"/>
+            <a:r>
+              <a:rPr lang="en-KR" sz="900">
+                <a:solidFill>
+                  <a:schemeClr val="tx2"/>
+                </a:solidFill>
+              </a:rPr>
+              <a:t>Create driver service</a:t>
+            </a:r>
+          </a:p>
+        </p:txBody>
+      </p:sp>
+      <p:sp>
+        <p:nvSpPr>
+          <p:cNvPr id="90" name="TextBox 89">
+            <a:extLst>
+              <a:ext uri="{FF2B5EF4-FFF2-40B4-BE49-F238E27FC236}">
+                <a16:creationId xmlns:a16="http://schemas.microsoft.com/office/drawing/2014/main" id="{77E8B1B9-4F38-CCA4-D78D-71260B116C39}"/>
+              </a:ext>
+            </a:extLst>
+          </p:cNvPr>
+          <p:cNvSpPr txBox="1"/>
+          <p:nvPr/>
+        </p:nvSpPr>
+        <p:spPr>
+          <a:xfrm>
+            <a:off x="3623199" y="2275738"/>
+            <a:ext cx="1061509" cy="230832"/>
+          </a:xfrm>
+          <a:prstGeom prst="rect">
+            <a:avLst/>
+          </a:prstGeom>
+          <a:noFill/>
+        </p:spPr>
+        <p:txBody>
+          <a:bodyPr wrap="none" rtlCol="0">
+            <a:spAutoFit/>
+          </a:bodyPr>
+          <a:lstStyle/>
+          <a:p>
+            <a:pPr algn="ctr"/>
+            <a:r>
+              <a:rPr lang="en-KR" sz="900">
+                <a:solidFill>
+                  <a:schemeClr val="tx2"/>
+                </a:solidFill>
+              </a:rPr>
+              <a:t>Create executors</a:t>
+            </a:r>
+          </a:p>
+        </p:txBody>
+      </p:sp>
+      <p:sp>
+        <p:nvSpPr>
+          <p:cNvPr id="100" name="Oval 99">
+            <a:extLst>
+              <a:ext uri="{FF2B5EF4-FFF2-40B4-BE49-F238E27FC236}">
+                <a16:creationId xmlns:a16="http://schemas.microsoft.com/office/drawing/2014/main" id="{ACEB698B-91CC-B150-82F8-9FF2D12831B7}"/>
+              </a:ext>
+            </a:extLst>
+          </p:cNvPr>
+          <p:cNvSpPr/>
+          <p:nvPr/>
+        </p:nvSpPr>
+        <p:spPr>
+          <a:xfrm>
+            <a:off x="3673049" y="2676891"/>
+            <a:ext cx="216024" cy="216024"/>
+          </a:xfrm>
+          <a:prstGeom prst="ellipse">
+            <a:avLst/>
+          </a:prstGeom>
+          <a:solidFill>
+            <a:schemeClr val="bg1"/>
+          </a:solidFill>
+          <a:ln w="19050">
+            <a:solidFill>
+              <a:schemeClr val="tx2"/>
+            </a:solidFill>
+          </a:ln>
+        </p:spPr>
+        <p:style>
+          <a:lnRef idx="2">
+            <a:schemeClr val="accent1">
+              <a:shade val="15000"/>
+            </a:schemeClr>
+          </a:lnRef>
+          <a:fillRef idx="1">
+            <a:schemeClr val="accent1"/>
+          </a:fillRef>
+          <a:effectRef idx="0">
+            <a:schemeClr val="accent1"/>
+          </a:effectRef>
+          <a:fontRef idx="minor">
+            <a:schemeClr val="lt1"/>
+          </a:fontRef>
+        </p:style>
+        <p:txBody>
+          <a:bodyPr rtlCol="0" anchor="ctr"/>
+          <a:lstStyle/>
+          <a:p>
+            <a:pPr algn="ctr"/>
+            <a:r>
+              <a:rPr lang="en-KR" sz="1000">
+                <a:solidFill>
+                  <a:schemeClr val="tx2"/>
+                </a:solidFill>
+              </a:rPr>
+              <a:t>5</a:t>
+            </a:r>
+          </a:p>
+        </p:txBody>
+      </p:sp>
+      <p:sp>
+        <p:nvSpPr>
+          <p:cNvPr id="101" name="Oval 100">
+            <a:extLst>
+              <a:ext uri="{FF2B5EF4-FFF2-40B4-BE49-F238E27FC236}">
+                <a16:creationId xmlns:a16="http://schemas.microsoft.com/office/drawing/2014/main" id="{33D86303-EAC0-3720-B09F-68558C54C56E}"/>
+              </a:ext>
+            </a:extLst>
+          </p:cNvPr>
+          <p:cNvSpPr/>
+          <p:nvPr/>
+        </p:nvSpPr>
+        <p:spPr>
+          <a:xfrm>
+            <a:off x="6875532" y="2239625"/>
+            <a:ext cx="216024" cy="216024"/>
+          </a:xfrm>
+          <a:prstGeom prst="ellipse">
+            <a:avLst/>
+          </a:prstGeom>
+          <a:solidFill>
+            <a:schemeClr val="bg1"/>
+          </a:solidFill>
+          <a:ln w="19050">
+            <a:solidFill>
+              <a:schemeClr val="tx2"/>
+            </a:solidFill>
+          </a:ln>
+        </p:spPr>
+        <p:style>
+          <a:lnRef idx="2">
+            <a:schemeClr val="accent1">
+              <a:shade val="15000"/>
+            </a:schemeClr>
+          </a:lnRef>
+          <a:fillRef idx="1">
+            <a:schemeClr val="accent1"/>
+          </a:fillRef>
+          <a:effectRef idx="0">
+            <a:schemeClr val="accent1"/>
+          </a:effectRef>
+          <a:fontRef idx="minor">
+            <a:schemeClr val="lt1"/>
+          </a:fontRef>
+        </p:style>
+        <p:txBody>
+          <a:bodyPr rtlCol="0" anchor="ctr"/>
+          <a:lstStyle/>
+          <a:p>
+            <a:pPr algn="ctr"/>
+            <a:r>
+              <a:rPr lang="en-KR" sz="1000">
+                <a:solidFill>
+                  <a:schemeClr val="tx2"/>
+                </a:solidFill>
+              </a:rPr>
+              <a:t>6</a:t>
+            </a:r>
+          </a:p>
+        </p:txBody>
+      </p:sp>
+      <p:cxnSp>
+        <p:nvCxnSpPr>
+          <p:cNvPr id="102" name="Straight Arrow Connector 101">
+            <a:extLst>
+              <a:ext uri="{FF2B5EF4-FFF2-40B4-BE49-F238E27FC236}">
+                <a16:creationId xmlns:a16="http://schemas.microsoft.com/office/drawing/2014/main" id="{2363DC0F-71E6-06D1-B6D7-FEDA667304C0}"/>
+              </a:ext>
+            </a:extLst>
+          </p:cNvPr>
+          <p:cNvCxnSpPr>
+            <a:cxnSpLocks/>
+            <a:stCxn id="101" idx="0"/>
+            <a:endCxn id="52" idx="2"/>
+          </p:cNvCxnSpPr>
+          <p:nvPr/>
+        </p:nvCxnSpPr>
+        <p:spPr>
+          <a:xfrm flipV="1">
+            <a:off x="6983544" y="1854491"/>
+            <a:ext cx="0" cy="385134"/>
+          </a:xfrm>
+          <a:prstGeom prst="straightConnector1">
+            <a:avLst/>
+          </a:prstGeom>
+          <a:ln>
+            <a:solidFill>
+              <a:schemeClr val="tx2"/>
+            </a:solidFill>
+            <a:tailEnd type="triangle"/>
+          </a:ln>
+        </p:spPr>
+        <p:style>
+          <a:lnRef idx="1">
+            <a:schemeClr val="dk1"/>
+          </a:lnRef>
+          <a:fillRef idx="0">
+            <a:schemeClr val="dk1"/>
+          </a:fillRef>
+          <a:effectRef idx="0">
+            <a:schemeClr val="dk1"/>
+          </a:effectRef>
+          <a:fontRef idx="minor">
+            <a:schemeClr val="tx1"/>
+          </a:fontRef>
+        </p:style>
+      </p:cxnSp>
+      <p:sp>
+        <p:nvSpPr>
+          <p:cNvPr id="119" name="TextBox 118">
+            <a:extLst>
+              <a:ext uri="{FF2B5EF4-FFF2-40B4-BE49-F238E27FC236}">
+                <a16:creationId xmlns:a16="http://schemas.microsoft.com/office/drawing/2014/main" id="{F297BFAB-A880-228E-DF95-F2B1520E3B58}"/>
+              </a:ext>
+            </a:extLst>
+          </p:cNvPr>
+          <p:cNvSpPr txBox="1"/>
+          <p:nvPr/>
+        </p:nvSpPr>
+        <p:spPr>
+          <a:xfrm>
+            <a:off x="4715100" y="2981139"/>
+            <a:ext cx="768159" cy="369332"/>
+          </a:xfrm>
+          <a:prstGeom prst="rect">
+            <a:avLst/>
+          </a:prstGeom>
+          <a:noFill/>
+        </p:spPr>
+        <p:txBody>
+          <a:bodyPr wrap="none" rtlCol="0">
+            <a:spAutoFit/>
+          </a:bodyPr>
+          <a:lstStyle/>
+          <a:p>
+            <a:pPr algn="ctr"/>
+            <a:r>
+              <a:rPr lang="en-KR" sz="900">
+                <a:solidFill>
+                  <a:schemeClr val="tx2"/>
+                </a:solidFill>
+              </a:rPr>
+              <a:t>Connect to</a:t>
+            </a:r>
+          </a:p>
+          <a:p>
+            <a:pPr algn="ctr"/>
+            <a:r>
+              <a:rPr lang="en-KR" sz="900">
+                <a:solidFill>
+                  <a:schemeClr val="tx2"/>
+                </a:solidFill>
+              </a:rPr>
+              <a:t>driver</a:t>
+            </a:r>
+          </a:p>
+        </p:txBody>
+      </p:sp>
+      <p:sp>
+        <p:nvSpPr>
+          <p:cNvPr id="1029" name="TextBox 1028">
+            <a:extLst>
+              <a:ext uri="{FF2B5EF4-FFF2-40B4-BE49-F238E27FC236}">
+                <a16:creationId xmlns:a16="http://schemas.microsoft.com/office/drawing/2014/main" id="{5CDCB13E-7E28-B93D-D881-E8E76FB08B7B}"/>
+              </a:ext>
+            </a:extLst>
+          </p:cNvPr>
+          <p:cNvSpPr txBox="1"/>
+          <p:nvPr/>
+        </p:nvSpPr>
+        <p:spPr>
+          <a:xfrm>
+            <a:off x="587729" y="2862739"/>
+            <a:ext cx="920445" cy="369332"/>
+          </a:xfrm>
+          <a:prstGeom prst="rect">
+            <a:avLst/>
+          </a:prstGeom>
+          <a:noFill/>
+        </p:spPr>
+        <p:txBody>
+          <a:bodyPr wrap="none" rtlCol="0">
+            <a:spAutoFit/>
+          </a:bodyPr>
+          <a:lstStyle/>
+          <a:p>
+            <a:pPr algn="ctr"/>
+            <a:r>
+              <a:rPr lang="en-KR" sz="900">
+                <a:solidFill>
+                  <a:srgbClr val="C00000"/>
+                </a:solidFill>
+              </a:rPr>
+              <a:t>Write driver’s </a:t>
+            </a:r>
+          </a:p>
+          <a:p>
+            <a:pPr algn="ctr"/>
+            <a:r>
+              <a:rPr lang="en-KR" sz="900">
+                <a:solidFill>
+                  <a:srgbClr val="C00000"/>
+                </a:solidFill>
+              </a:rPr>
+              <a:t>event logs</a:t>
+            </a:r>
+          </a:p>
+        </p:txBody>
+      </p:sp>
+      <p:sp>
+        <p:nvSpPr>
+          <p:cNvPr id="1030" name="Oval 1029">
+            <a:extLst>
+              <a:ext uri="{FF2B5EF4-FFF2-40B4-BE49-F238E27FC236}">
+                <a16:creationId xmlns:a16="http://schemas.microsoft.com/office/drawing/2014/main" id="{D9432618-5149-A391-EA1D-74F144DF5177}"/>
+              </a:ext>
+            </a:extLst>
+          </p:cNvPr>
+          <p:cNvSpPr/>
+          <p:nvPr/>
+        </p:nvSpPr>
+        <p:spPr>
+          <a:xfrm>
+            <a:off x="2895073" y="3375663"/>
+            <a:ext cx="216024" cy="216024"/>
+          </a:xfrm>
+          <a:prstGeom prst="ellipse">
+            <a:avLst/>
+          </a:prstGeom>
+          <a:solidFill>
+            <a:schemeClr val="bg1"/>
+          </a:solidFill>
+          <a:ln w="19050">
+            <a:solidFill>
+              <a:srgbClr val="C00000"/>
+            </a:solidFill>
+          </a:ln>
+        </p:spPr>
+        <p:style>
+          <a:lnRef idx="2">
+            <a:schemeClr val="accent1">
+              <a:shade val="15000"/>
+            </a:schemeClr>
+          </a:lnRef>
+          <a:fillRef idx="1">
+            <a:schemeClr val="accent1"/>
+          </a:fillRef>
+          <a:effectRef idx="0">
+            <a:schemeClr val="accent1"/>
+          </a:effectRef>
+          <a:fontRef idx="minor">
+            <a:schemeClr val="lt1"/>
+          </a:fontRef>
+        </p:style>
+        <p:txBody>
+          <a:bodyPr rtlCol="0" anchor="ctr"/>
+          <a:lstStyle/>
+          <a:p>
+            <a:pPr algn="ctr"/>
+            <a:r>
+              <a:rPr lang="en-KR" sz="1000">
+                <a:solidFill>
+                  <a:srgbClr val="C00000"/>
+                </a:solidFill>
+              </a:rPr>
+              <a:t>2</a:t>
+            </a:r>
+          </a:p>
+        </p:txBody>
+      </p:sp>
+      <p:sp>
+        <p:nvSpPr>
+          <p:cNvPr id="1040" name="TextBox 1039">
+            <a:extLst>
+              <a:ext uri="{FF2B5EF4-FFF2-40B4-BE49-F238E27FC236}">
+                <a16:creationId xmlns:a16="http://schemas.microsoft.com/office/drawing/2014/main" id="{C29BCD48-11B4-D550-9F86-658496870C65}"/>
+              </a:ext>
+            </a:extLst>
+          </p:cNvPr>
+          <p:cNvSpPr txBox="1"/>
+          <p:nvPr/>
+        </p:nvSpPr>
+        <p:spPr>
+          <a:xfrm>
+            <a:off x="2086424" y="3847397"/>
+            <a:ext cx="782587" cy="369332"/>
+          </a:xfrm>
+          <a:prstGeom prst="rect">
+            <a:avLst/>
+          </a:prstGeom>
+          <a:noFill/>
+        </p:spPr>
+        <p:txBody>
+          <a:bodyPr wrap="none" rtlCol="0">
+            <a:spAutoFit/>
+          </a:bodyPr>
+          <a:lstStyle/>
+          <a:p>
+            <a:pPr algn="ctr"/>
+            <a:r>
+              <a:rPr lang="en-KR" sz="900">
+                <a:solidFill>
+                  <a:srgbClr val="C00000"/>
+                </a:solidFill>
+              </a:rPr>
+              <a:t>Get driver’s</a:t>
+            </a:r>
+          </a:p>
+          <a:p>
+            <a:pPr algn="ctr"/>
+            <a:r>
+              <a:rPr lang="en-KR" sz="900">
+                <a:solidFill>
+                  <a:srgbClr val="C00000"/>
+                </a:solidFill>
+              </a:rPr>
+              <a:t>event logs</a:t>
+            </a:r>
+          </a:p>
+        </p:txBody>
+      </p:sp>
+      <p:sp>
+        <p:nvSpPr>
+          <p:cNvPr id="1044" name="Oval 1043">
+            <a:extLst>
+              <a:ext uri="{FF2B5EF4-FFF2-40B4-BE49-F238E27FC236}">
+                <a16:creationId xmlns:a16="http://schemas.microsoft.com/office/drawing/2014/main" id="{6444CC20-BF11-D17A-3709-C7809DCB9AE9}"/>
+              </a:ext>
+            </a:extLst>
+          </p:cNvPr>
+          <p:cNvSpPr/>
+          <p:nvPr/>
+        </p:nvSpPr>
+        <p:spPr>
+          <a:xfrm>
+            <a:off x="3987719" y="3188017"/>
+            <a:ext cx="216024" cy="216024"/>
+          </a:xfrm>
+          <a:prstGeom prst="ellipse">
+            <a:avLst/>
+          </a:prstGeom>
+          <a:solidFill>
+            <a:schemeClr val="bg1"/>
+          </a:solidFill>
+          <a:ln w="19050">
+            <a:solidFill>
+              <a:srgbClr val="C00000"/>
+            </a:solidFill>
+          </a:ln>
+        </p:spPr>
+        <p:style>
+          <a:lnRef idx="2">
+            <a:schemeClr val="accent1">
+              <a:shade val="15000"/>
+            </a:schemeClr>
+          </a:lnRef>
+          <a:fillRef idx="1">
+            <a:schemeClr val="accent1"/>
+          </a:fillRef>
+          <a:effectRef idx="0">
+            <a:schemeClr val="accent1"/>
+          </a:effectRef>
+          <a:fontRef idx="minor">
+            <a:schemeClr val="lt1"/>
+          </a:fontRef>
+        </p:style>
+        <p:txBody>
+          <a:bodyPr rtlCol="0" anchor="ctr"/>
+          <a:lstStyle/>
+          <a:p>
+            <a:pPr algn="ctr"/>
+            <a:r>
+              <a:rPr lang="en-KR" sz="1000">
+                <a:solidFill>
+                  <a:srgbClr val="C00000"/>
+                </a:solidFill>
+              </a:rPr>
+              <a:t>3</a:t>
+            </a:r>
+          </a:p>
+        </p:txBody>
+      </p:sp>
+      <p:sp>
+        <p:nvSpPr>
+          <p:cNvPr id="1048" name="TextBox 1047">
+            <a:extLst>
+              <a:ext uri="{FF2B5EF4-FFF2-40B4-BE49-F238E27FC236}">
+                <a16:creationId xmlns:a16="http://schemas.microsoft.com/office/drawing/2014/main" id="{A284C8B5-8D41-BBDD-7EE4-56D545335FAB}"/>
+              </a:ext>
+            </a:extLst>
+          </p:cNvPr>
+          <p:cNvSpPr txBox="1"/>
+          <p:nvPr/>
+        </p:nvSpPr>
+        <p:spPr>
+          <a:xfrm>
+            <a:off x="5113022" y="1984977"/>
+            <a:ext cx="859531" cy="369332"/>
+          </a:xfrm>
+          <a:prstGeom prst="rect">
+            <a:avLst/>
+          </a:prstGeom>
+          <a:noFill/>
+        </p:spPr>
+        <p:txBody>
+          <a:bodyPr wrap="none" rtlCol="0">
+            <a:spAutoFit/>
+          </a:bodyPr>
+          <a:lstStyle/>
+          <a:p>
+            <a:pPr algn="ctr"/>
+            <a:r>
+              <a:rPr lang="en-KR" sz="900">
+                <a:solidFill>
+                  <a:srgbClr val="C00000"/>
+                </a:solidFill>
+              </a:rPr>
+              <a:t>Send driver’s</a:t>
+            </a:r>
+          </a:p>
+          <a:p>
+            <a:pPr algn="ctr"/>
+            <a:r>
+              <a:rPr lang="en-KR" sz="900">
+                <a:solidFill>
+                  <a:srgbClr val="C00000"/>
+                </a:solidFill>
+              </a:rPr>
+              <a:t>event logs</a:t>
+            </a:r>
+          </a:p>
+        </p:txBody>
+      </p:sp>
+      <p:cxnSp>
+        <p:nvCxnSpPr>
+          <p:cNvPr id="1068" name="Straight Arrow Connector 1067">
+            <a:extLst>
+              <a:ext uri="{FF2B5EF4-FFF2-40B4-BE49-F238E27FC236}">
+                <a16:creationId xmlns:a16="http://schemas.microsoft.com/office/drawing/2014/main" id="{7AA6B91B-0691-FF65-3C8F-9952199C4C78}"/>
+              </a:ext>
+            </a:extLst>
+          </p:cNvPr>
+          <p:cNvCxnSpPr>
+            <a:cxnSpLocks/>
+          </p:cNvCxnSpPr>
+          <p:nvPr/>
+        </p:nvCxnSpPr>
+        <p:spPr>
+          <a:xfrm>
+            <a:off x="652278" y="4614664"/>
+            <a:ext cx="344305" cy="0"/>
+          </a:xfrm>
+          <a:prstGeom prst="straightConnector1">
+            <a:avLst/>
+          </a:prstGeom>
+          <a:ln>
+            <a:solidFill>
+              <a:schemeClr val="tx2"/>
+            </a:solidFill>
+            <a:tailEnd type="triangle"/>
+          </a:ln>
+        </p:spPr>
+        <p:style>
+          <a:lnRef idx="1">
+            <a:schemeClr val="dk1"/>
+          </a:lnRef>
+          <a:fillRef idx="0">
+            <a:schemeClr val="dk1"/>
+          </a:fillRef>
+          <a:effectRef idx="0">
+            <a:schemeClr val="dk1"/>
+          </a:effectRef>
+          <a:fontRef idx="minor">
+            <a:schemeClr val="tx1"/>
+          </a:fontRef>
+        </p:style>
+      </p:cxnSp>
+      <p:sp>
+        <p:nvSpPr>
+          <p:cNvPr id="1072" name="TextBox 1071">
+            <a:extLst>
+              <a:ext uri="{FF2B5EF4-FFF2-40B4-BE49-F238E27FC236}">
+                <a16:creationId xmlns:a16="http://schemas.microsoft.com/office/drawing/2014/main" id="{CC8E8409-67AB-E9D7-DAAA-A3A1BEF4B9CE}"/>
+              </a:ext>
+            </a:extLst>
+          </p:cNvPr>
+          <p:cNvSpPr txBox="1"/>
+          <p:nvPr/>
+        </p:nvSpPr>
+        <p:spPr>
+          <a:xfrm>
+            <a:off x="996583" y="4494633"/>
+            <a:ext cx="899605" cy="230832"/>
+          </a:xfrm>
+          <a:prstGeom prst="rect">
+            <a:avLst/>
+          </a:prstGeom>
+          <a:noFill/>
+        </p:spPr>
+        <p:txBody>
+          <a:bodyPr wrap="none" rtlCol="0">
+            <a:spAutoFit/>
+          </a:bodyPr>
+          <a:lstStyle/>
+          <a:p>
+            <a:r>
+              <a:rPr lang="en-KR" sz="900"/>
+              <a:t>Spark Job Init</a:t>
+            </a:r>
+          </a:p>
+        </p:txBody>
+      </p:sp>
+      <p:cxnSp>
+        <p:nvCxnSpPr>
+          <p:cNvPr id="1073" name="Straight Arrow Connector 1072">
+            <a:extLst>
+              <a:ext uri="{FF2B5EF4-FFF2-40B4-BE49-F238E27FC236}">
+                <a16:creationId xmlns:a16="http://schemas.microsoft.com/office/drawing/2014/main" id="{7A64B2FA-F6A1-EDD7-E876-A81135F1486C}"/>
+              </a:ext>
+            </a:extLst>
+          </p:cNvPr>
+          <p:cNvCxnSpPr>
+            <a:cxnSpLocks/>
+          </p:cNvCxnSpPr>
+          <p:nvPr/>
+        </p:nvCxnSpPr>
+        <p:spPr>
+          <a:xfrm>
+            <a:off x="1896661" y="4614664"/>
+            <a:ext cx="344305" cy="0"/>
+          </a:xfrm>
+          <a:prstGeom prst="straightConnector1">
+            <a:avLst/>
+          </a:prstGeom>
+          <a:ln>
+            <a:solidFill>
+              <a:srgbClr val="C00000"/>
+            </a:solidFill>
+            <a:tailEnd type="triangle"/>
+          </a:ln>
+        </p:spPr>
+        <p:style>
+          <a:lnRef idx="1">
+            <a:schemeClr val="dk1"/>
+          </a:lnRef>
+          <a:fillRef idx="0">
+            <a:schemeClr val="dk1"/>
+          </a:fillRef>
+          <a:effectRef idx="0">
+            <a:schemeClr val="dk1"/>
+          </a:effectRef>
+          <a:fontRef idx="minor">
+            <a:schemeClr val="tx1"/>
+          </a:fontRef>
+        </p:style>
+      </p:cxnSp>
+      <p:sp>
+        <p:nvSpPr>
+          <p:cNvPr id="1074" name="TextBox 1073">
+            <a:extLst>
+              <a:ext uri="{FF2B5EF4-FFF2-40B4-BE49-F238E27FC236}">
+                <a16:creationId xmlns:a16="http://schemas.microsoft.com/office/drawing/2014/main" id="{09E565D8-DFFC-AC88-380C-FF947C8F493C}"/>
+              </a:ext>
+            </a:extLst>
+          </p:cNvPr>
+          <p:cNvSpPr txBox="1"/>
+          <p:nvPr/>
+        </p:nvSpPr>
+        <p:spPr>
+          <a:xfrm>
+            <a:off x="2246728" y="4494633"/>
+            <a:ext cx="1244250" cy="230832"/>
+          </a:xfrm>
+          <a:prstGeom prst="rect">
+            <a:avLst/>
+          </a:prstGeom>
+          <a:noFill/>
+        </p:spPr>
+        <p:txBody>
+          <a:bodyPr wrap="none" rtlCol="0">
+            <a:spAutoFit/>
+          </a:bodyPr>
+          <a:lstStyle/>
+          <a:p>
+            <a:r>
+              <a:rPr lang="en-KR" sz="900"/>
+              <a:t>Spark History Server</a:t>
+            </a:r>
+          </a:p>
+        </p:txBody>
+      </p:sp>
+      <p:sp>
+        <p:nvSpPr>
+          <p:cNvPr id="7" name="TextBox 6">
+            <a:extLst>
+              <a:ext uri="{FF2B5EF4-FFF2-40B4-BE49-F238E27FC236}">
+                <a16:creationId xmlns:a16="http://schemas.microsoft.com/office/drawing/2014/main" id="{8DC4E225-64BF-1FFD-1CAC-F81A1E2382B6}"/>
+              </a:ext>
+            </a:extLst>
+          </p:cNvPr>
+          <p:cNvSpPr txBox="1"/>
+          <p:nvPr/>
+        </p:nvSpPr>
+        <p:spPr>
+          <a:xfrm>
+            <a:off x="2483059" y="2086317"/>
+            <a:ext cx="810021" cy="369332"/>
+          </a:xfrm>
+          <a:prstGeom prst="rect">
+            <a:avLst/>
+          </a:prstGeom>
+          <a:noFill/>
+        </p:spPr>
+        <p:txBody>
+          <a:bodyPr wrap="square" rtlCol="0">
+            <a:spAutoFit/>
+          </a:bodyPr>
+          <a:lstStyle/>
+          <a:p>
+            <a:pPr algn="ctr"/>
+            <a:r>
+              <a:rPr lang="en-KR" sz="900"/>
+              <a:t>Get Driver’s </a:t>
+            </a:r>
+          </a:p>
+          <a:p>
+            <a:pPr algn="ctr"/>
+            <a:r>
+              <a:rPr lang="en-KR" sz="900"/>
+              <a:t>Config</a:t>
+            </a:r>
+          </a:p>
+        </p:txBody>
+      </p:sp>
+      <p:sp>
+        <p:nvSpPr>
+          <p:cNvPr id="21" name="모서리가 둥근 직사각형 2">
+            <a:extLst>
+              <a:ext uri="{FF2B5EF4-FFF2-40B4-BE49-F238E27FC236}">
+                <a16:creationId xmlns:a16="http://schemas.microsoft.com/office/drawing/2014/main" id="{CF24FD5D-733E-3CB8-C56C-9E56320D3936}"/>
+              </a:ext>
+            </a:extLst>
+          </p:cNvPr>
+          <p:cNvSpPr/>
+          <p:nvPr/>
+        </p:nvSpPr>
+        <p:spPr>
+          <a:xfrm>
+            <a:off x="693427" y="2482313"/>
+            <a:ext cx="1401376" cy="386745"/>
+          </a:xfrm>
+          <a:prstGeom prst="roundRect">
+            <a:avLst>
+              <a:gd name="adj" fmla="val 13068"/>
+            </a:avLst>
+          </a:prstGeom>
+          <a:ln w="12700"/>
+        </p:spPr>
+        <p:style>
+          <a:lnRef idx="2">
+            <a:schemeClr val="dk1"/>
+          </a:lnRef>
+          <a:fillRef idx="1">
+            <a:schemeClr val="lt1"/>
+          </a:fillRef>
+          <a:effectRef idx="0">
+            <a:schemeClr val="dk1"/>
+          </a:effectRef>
+          <a:fontRef idx="minor">
+            <a:schemeClr val="dk1"/>
+          </a:fontRef>
+        </p:style>
+        <p:txBody>
+          <a:bodyPr rtlCol="0" anchor="ctr"/>
+          <a:lstStyle/>
+          <a:p>
+            <a:pPr algn="ctr"/>
+            <a:r>
+              <a:rPr lang="en-US" altLang="ko-KR" sz="1000"/>
+              <a:t>Prometheus</a:t>
+            </a:r>
+            <a:endParaRPr lang="ko-KR" altLang="en-US" sz="1000"/>
+          </a:p>
+        </p:txBody>
+      </p:sp>
+      <p:sp>
+        <p:nvSpPr>
+          <p:cNvPr id="49" name="TextBox 48">
+            <a:extLst>
+              <a:ext uri="{FF2B5EF4-FFF2-40B4-BE49-F238E27FC236}">
+                <a16:creationId xmlns:a16="http://schemas.microsoft.com/office/drawing/2014/main" id="{FFFD63B2-5F3F-5A78-1BFB-226BEFD6A9D5}"/>
+              </a:ext>
+            </a:extLst>
+          </p:cNvPr>
+          <p:cNvSpPr txBox="1"/>
+          <p:nvPr/>
+        </p:nvSpPr>
+        <p:spPr>
+          <a:xfrm>
+            <a:off x="1730505" y="2300793"/>
+            <a:ext cx="728084" cy="369332"/>
+          </a:xfrm>
+          <a:prstGeom prst="rect">
+            <a:avLst/>
+          </a:prstGeom>
+          <a:noFill/>
+        </p:spPr>
+        <p:txBody>
+          <a:bodyPr wrap="none" rtlCol="0">
+            <a:spAutoFit/>
+          </a:bodyPr>
+          <a:lstStyle/>
+          <a:p>
+            <a:pPr algn="ctr"/>
+            <a:r>
+              <a:rPr lang="en-KR" sz="900">
+                <a:solidFill>
+                  <a:schemeClr val="tx2"/>
+                </a:solidFill>
+              </a:rPr>
+              <a:t>Create</a:t>
+            </a:r>
+          </a:p>
+          <a:p>
+            <a:pPr algn="ctr"/>
+            <a:r>
+              <a:rPr lang="en-KR" sz="900">
+                <a:solidFill>
+                  <a:schemeClr val="tx2"/>
+                </a:solidFill>
+              </a:rPr>
+              <a:t>driver pod</a:t>
+            </a:r>
+          </a:p>
+        </p:txBody>
+      </p:sp>
+      <p:cxnSp>
+        <p:nvCxnSpPr>
+          <p:cNvPr id="25" name="Elbow Connector 24">
+            <a:extLst>
+              <a:ext uri="{FF2B5EF4-FFF2-40B4-BE49-F238E27FC236}">
+                <a16:creationId xmlns:a16="http://schemas.microsoft.com/office/drawing/2014/main" id="{B867CDDD-5785-AAD4-4A74-FEAD986F8EA2}"/>
+              </a:ext>
+            </a:extLst>
+          </p:cNvPr>
+          <p:cNvCxnSpPr>
+            <a:cxnSpLocks/>
+            <a:stCxn id="21" idx="3"/>
+            <a:endCxn id="11" idx="1"/>
+          </p:cNvCxnSpPr>
+          <p:nvPr/>
+        </p:nvCxnSpPr>
+        <p:spPr>
+          <a:xfrm>
+            <a:off x="2094803" y="2675686"/>
+            <a:ext cx="909632" cy="305455"/>
+          </a:xfrm>
+          <a:prstGeom prst="bentConnector3">
+            <a:avLst>
+              <a:gd name="adj1" fmla="val 42820"/>
+            </a:avLst>
+          </a:prstGeom>
+          <a:ln>
+            <a:solidFill>
+              <a:schemeClr val="tx1"/>
+            </a:solidFill>
+            <a:tailEnd type="triangle"/>
+          </a:ln>
+        </p:spPr>
+        <p:style>
+          <a:lnRef idx="1">
+            <a:schemeClr val="accent1"/>
+          </a:lnRef>
+          <a:fillRef idx="0">
+            <a:schemeClr val="accent1"/>
+          </a:fillRef>
+          <a:effectRef idx="0">
+            <a:schemeClr val="accent1"/>
+          </a:effectRef>
+          <a:fontRef idx="minor">
+            <a:schemeClr val="tx1"/>
+          </a:fontRef>
+        </p:style>
+      </p:cxnSp>
+      <p:sp>
+        <p:nvSpPr>
+          <p:cNvPr id="33" name="TextBox 32">
+            <a:extLst>
+              <a:ext uri="{FF2B5EF4-FFF2-40B4-BE49-F238E27FC236}">
+                <a16:creationId xmlns:a16="http://schemas.microsoft.com/office/drawing/2014/main" id="{36645CF3-BD10-86F3-79AC-097973818375}"/>
+              </a:ext>
+            </a:extLst>
+          </p:cNvPr>
+          <p:cNvSpPr txBox="1"/>
+          <p:nvPr/>
+        </p:nvSpPr>
+        <p:spPr>
+          <a:xfrm>
+            <a:off x="1742725" y="2820419"/>
+            <a:ext cx="733997" cy="230832"/>
+          </a:xfrm>
+          <a:prstGeom prst="rect">
+            <a:avLst/>
+          </a:prstGeom>
+          <a:noFill/>
+        </p:spPr>
+        <p:txBody>
+          <a:bodyPr wrap="square" rtlCol="0">
+            <a:spAutoFit/>
+          </a:bodyPr>
+          <a:lstStyle/>
+          <a:p>
+            <a:pPr algn="ctr"/>
+            <a:r>
+              <a:rPr lang="en-KR" sz="900"/>
+              <a:t>Get Metric</a:t>
+            </a:r>
+          </a:p>
+        </p:txBody>
+      </p:sp>
+      <p:sp>
+        <p:nvSpPr>
+          <p:cNvPr id="122" name="Oval 121">
+            <a:extLst>
+              <a:ext uri="{FF2B5EF4-FFF2-40B4-BE49-F238E27FC236}">
+                <a16:creationId xmlns:a16="http://schemas.microsoft.com/office/drawing/2014/main" id="{C9AAA6F1-1E38-9F94-76F7-A033B7448B42}"/>
+              </a:ext>
+            </a:extLst>
+          </p:cNvPr>
+          <p:cNvSpPr/>
+          <p:nvPr/>
+        </p:nvSpPr>
+        <p:spPr>
+          <a:xfrm>
+            <a:off x="2895073" y="3000714"/>
+            <a:ext cx="216024" cy="216024"/>
+          </a:xfrm>
+          <a:prstGeom prst="ellipse">
+            <a:avLst/>
+          </a:prstGeom>
+          <a:solidFill>
+            <a:schemeClr val="bg1"/>
+          </a:solidFill>
+          <a:ln w="19050">
+            <a:solidFill>
+              <a:srgbClr val="C00000"/>
+            </a:solidFill>
+          </a:ln>
+        </p:spPr>
+        <p:style>
+          <a:lnRef idx="2">
+            <a:schemeClr val="accent1">
+              <a:shade val="15000"/>
+            </a:schemeClr>
+          </a:lnRef>
+          <a:fillRef idx="1">
+            <a:schemeClr val="accent1"/>
+          </a:fillRef>
+          <a:effectRef idx="0">
+            <a:schemeClr val="accent1"/>
+          </a:effectRef>
+          <a:fontRef idx="minor">
+            <a:schemeClr val="lt1"/>
+          </a:fontRef>
+        </p:style>
+        <p:txBody>
+          <a:bodyPr rtlCol="0" anchor="ctr"/>
+          <a:lstStyle/>
+          <a:p>
+            <a:pPr algn="ctr"/>
+            <a:r>
+              <a:rPr lang="en-KR" sz="1000">
+                <a:solidFill>
+                  <a:srgbClr val="C00000"/>
+                </a:solidFill>
+              </a:rPr>
+              <a:t>1</a:t>
+            </a:r>
+          </a:p>
+        </p:txBody>
+      </p:sp>
+      <p:sp>
+        <p:nvSpPr>
+          <p:cNvPr id="6" name="모서리가 둥근 직사각형 2">
+            <a:extLst>
+              <a:ext uri="{FF2B5EF4-FFF2-40B4-BE49-F238E27FC236}">
+                <a16:creationId xmlns:a16="http://schemas.microsoft.com/office/drawing/2014/main" id="{789698CC-38A5-3E67-DC20-83590CD5D2B4}"/>
+              </a:ext>
+            </a:extLst>
+          </p:cNvPr>
+          <p:cNvSpPr/>
+          <p:nvPr/>
+        </p:nvSpPr>
+        <p:spPr>
+          <a:xfrm>
+            <a:off x="7795204" y="1346428"/>
+            <a:ext cx="1096289" cy="508063"/>
+          </a:xfrm>
+          <a:prstGeom prst="roundRect">
+            <a:avLst>
+              <a:gd name="adj" fmla="val 13068"/>
+            </a:avLst>
+          </a:prstGeom>
+          <a:ln w="12700"/>
+        </p:spPr>
+        <p:style>
+          <a:lnRef idx="2">
+            <a:schemeClr val="dk1"/>
+          </a:lnRef>
+          <a:fillRef idx="1">
+            <a:schemeClr val="lt1"/>
+          </a:fillRef>
+          <a:effectRef idx="0">
+            <a:schemeClr val="dk1"/>
+          </a:effectRef>
+          <a:fontRef idx="minor">
+            <a:schemeClr val="dk1"/>
+          </a:fontRef>
+        </p:style>
+        <p:txBody>
+          <a:bodyPr rtlCol="0" anchor="ctr"/>
+          <a:lstStyle/>
+          <a:p>
+            <a:pPr algn="ctr"/>
+            <a:r>
+              <a:rPr lang="en-US" altLang="ko-KR" sz="1000"/>
+              <a:t>Executor Config </a:t>
+            </a:r>
+          </a:p>
+          <a:p>
+            <a:pPr algn="ctr"/>
+            <a:r>
+              <a:rPr lang="en-US" altLang="ko-KR" sz="1000"/>
+              <a:t>/ ConfigMap</a:t>
+            </a:r>
+            <a:endParaRPr lang="ko-KR" altLang="en-US" sz="1000"/>
+          </a:p>
+        </p:txBody>
+      </p:sp>
+    </p:spTree>
+    <p:extLst>
+      <p:ext uri="{BB962C8B-B14F-4D97-AF65-F5344CB8AC3E}">
+        <p14:creationId xmlns:p14="http://schemas.microsoft.com/office/powerpoint/2010/main" val="2273627738"/>
+      </p:ext>
+    </p:extLst>
+  </p:cSld>
+  <p:clrMapOvr>
+    <a:masterClrMapping/>
+  </p:clrMapOvr>
+</p:sld>
+</file>
+
+<file path=ppt/slides/slide5.xml><?xml version="1.0" encoding="utf-8"?>
+<p:sld xmlns:a="http://schemas.openxmlformats.org/drawingml/2006/main" xmlns:r="http://schemas.openxmlformats.org/officeDocument/2006/relationships" xmlns:p="http://schemas.openxmlformats.org/presentationml/2006/main">
+  <p:cSld>
+    <p:spTree>
+      <p:nvGrpSpPr>
+        <p:cNvPr id="1" name=""/>
+        <p:cNvGrpSpPr/>
+        <p:nvPr/>
+      </p:nvGrpSpPr>
+      <p:grpSpPr>
+        <a:xfrm>
+          <a:off x="0" y="0"/>
+          <a:ext cx="0" cy="0"/>
+          <a:chOff x="0" y="0"/>
+          <a:chExt cx="0" cy="0"/>
+        </a:xfrm>
+      </p:grpSpPr>
+      <p:sp>
+        <p:nvSpPr>
+          <p:cNvPr id="2" name="제목 1">
+            <a:extLst>
+              <a:ext uri="{FF2B5EF4-FFF2-40B4-BE49-F238E27FC236}">
+                <a16:creationId xmlns:a16="http://schemas.microsoft.com/office/drawing/2014/main" id="{42D92FD6-97D5-22EF-2A04-0BC282BD0B3C}"/>
+              </a:ext>
+            </a:extLst>
+          </p:cNvPr>
+          <p:cNvSpPr txBox="1">
+            <a:spLocks/>
+          </p:cNvSpPr>
+          <p:nvPr/>
+        </p:nvSpPr>
+        <p:spPr>
+          <a:xfrm>
+            <a:off x="565354" y="-92546"/>
+            <a:ext cx="8229600" cy="857250"/>
+          </a:xfrm>
+          <a:prstGeom prst="rect">
+            <a:avLst/>
+          </a:prstGeom>
+        </p:spPr>
+        <p:txBody>
+          <a:bodyPr>
+            <a:normAutofit/>
+          </a:bodyPr>
+          <a:lstStyle>
+            <a:lvl1pPr algn="ctr" defTabSz="914400" rtl="0" eaLnBrk="1" latinLnBrk="1" hangingPunct="1">
+              <a:spcBef>
+                <a:spcPct val="0"/>
+              </a:spcBef>
+              <a:buNone/>
+              <a:defRPr sz="4400" kern="1200">
+                <a:solidFill>
+                  <a:schemeClr val="tx1"/>
+                </a:solidFill>
+                <a:latin typeface="+mj-lt"/>
+                <a:ea typeface="+mj-ea"/>
+                <a:cs typeface="+mj-cs"/>
+              </a:defRPr>
+            </a:lvl1pPr>
+          </a:lstStyle>
+          <a:p>
+            <a:r>
+              <a:rPr lang="en-US" altLang="ko-KR" sz="3600"/>
+              <a:t>spark-operator Architecture </a:t>
+            </a:r>
+            <a:endParaRPr lang="ko-KR" altLang="en-US" sz="3600"/>
+          </a:p>
+        </p:txBody>
+      </p:sp>
+      <p:sp>
+        <p:nvSpPr>
+          <p:cNvPr id="4" name="Rounded Rectangle 3">
+            <a:extLst>
+              <a:ext uri="{FF2B5EF4-FFF2-40B4-BE49-F238E27FC236}">
+                <a16:creationId xmlns:a16="http://schemas.microsoft.com/office/drawing/2014/main" id="{032F9A66-C9C5-8E1B-D886-62625B7ED27A}"/>
+              </a:ext>
+            </a:extLst>
+          </p:cNvPr>
+          <p:cNvSpPr/>
+          <p:nvPr/>
+        </p:nvSpPr>
+        <p:spPr>
+          <a:xfrm>
+            <a:off x="2411760" y="764704"/>
+            <a:ext cx="6579383" cy="3872931"/>
+          </a:xfrm>
+          <a:prstGeom prst="roundRect">
+            <a:avLst>
+              <a:gd name="adj" fmla="val 1789"/>
+            </a:avLst>
+          </a:prstGeom>
+          <a:noFill/>
+          <a:ln w="12700">
+            <a:solidFill>
+              <a:schemeClr val="tx1"/>
+            </a:solidFill>
+            <a:prstDash val="dash"/>
+          </a:ln>
+        </p:spPr>
+        <p:style>
+          <a:lnRef idx="2">
+            <a:schemeClr val="accent1">
+              <a:shade val="50000"/>
+            </a:schemeClr>
+          </a:lnRef>
+          <a:fillRef idx="1">
+            <a:schemeClr val="accent1"/>
+          </a:fillRef>
+          <a:effectRef idx="0">
+            <a:schemeClr val="accent1"/>
+          </a:effectRef>
+          <a:fontRef idx="minor">
+            <a:schemeClr val="lt1"/>
+          </a:fontRef>
+        </p:style>
+        <p:txBody>
+          <a:bodyPr rtlCol="0" anchor="b"/>
+          <a:lstStyle/>
+          <a:p>
+            <a:pPr algn="ctr"/>
+            <a:r>
+              <a:rPr lang="en-KR" sz="1100" b="1">
+                <a:solidFill>
+                  <a:sysClr val="windowText" lastClr="000000"/>
+                </a:solidFill>
+              </a:rPr>
+              <a:t>Kubernetes Cluster</a:t>
+            </a:r>
+          </a:p>
+        </p:txBody>
+      </p:sp>
+      <p:sp>
+        <p:nvSpPr>
+          <p:cNvPr id="6" name="모서리가 둥근 직사각형 2">
+            <a:extLst>
+              <a:ext uri="{FF2B5EF4-FFF2-40B4-BE49-F238E27FC236}">
+                <a16:creationId xmlns:a16="http://schemas.microsoft.com/office/drawing/2014/main" id="{B13F75DA-C81E-1A63-0FF9-6B317B7BB70A}"/>
+              </a:ext>
+            </a:extLst>
+          </p:cNvPr>
+          <p:cNvSpPr/>
+          <p:nvPr/>
+        </p:nvSpPr>
+        <p:spPr>
+          <a:xfrm>
+            <a:off x="2483768" y="2837433"/>
+            <a:ext cx="1368152" cy="1440154"/>
+          </a:xfrm>
+          <a:prstGeom prst="roundRect">
+            <a:avLst>
+              <a:gd name="adj" fmla="val 7293"/>
+            </a:avLst>
+          </a:prstGeom>
+          <a:ln w="12700"/>
+        </p:spPr>
+        <p:style>
+          <a:lnRef idx="2">
+            <a:schemeClr val="dk1"/>
+          </a:lnRef>
+          <a:fillRef idx="1">
+            <a:schemeClr val="lt1"/>
+          </a:fillRef>
+          <a:effectRef idx="0">
+            <a:schemeClr val="dk1"/>
+          </a:effectRef>
+          <a:fontRef idx="minor">
+            <a:schemeClr val="dk1"/>
+          </a:fontRef>
+        </p:style>
+        <p:txBody>
+          <a:bodyPr rtlCol="0" anchor="b"/>
+          <a:lstStyle/>
+          <a:p>
+            <a:pPr algn="ctr"/>
+            <a:r>
+              <a:rPr lang="en-US" altLang="ko-KR" sz="1100"/>
+              <a:t>Worker Node A</a:t>
+            </a:r>
+            <a:endParaRPr lang="ko-KR" altLang="en-US" sz="1100"/>
+          </a:p>
+        </p:txBody>
+      </p:sp>
+      <p:sp>
+        <p:nvSpPr>
+          <p:cNvPr id="7" name="모서리가 둥근 직사각형 2">
+            <a:extLst>
+              <a:ext uri="{FF2B5EF4-FFF2-40B4-BE49-F238E27FC236}">
+                <a16:creationId xmlns:a16="http://schemas.microsoft.com/office/drawing/2014/main" id="{FDCF06AD-CF54-6BAE-8B86-089E73048F9E}"/>
+              </a:ext>
+            </a:extLst>
+          </p:cNvPr>
+          <p:cNvSpPr/>
+          <p:nvPr/>
+        </p:nvSpPr>
+        <p:spPr>
+          <a:xfrm>
+            <a:off x="4175513" y="2837433"/>
+            <a:ext cx="1368152" cy="1440154"/>
+          </a:xfrm>
+          <a:prstGeom prst="roundRect">
+            <a:avLst>
+              <a:gd name="adj" fmla="val 7293"/>
+            </a:avLst>
+          </a:prstGeom>
+          <a:ln w="12700"/>
+        </p:spPr>
+        <p:style>
+          <a:lnRef idx="2">
+            <a:schemeClr val="dk1"/>
+          </a:lnRef>
+          <a:fillRef idx="1">
+            <a:schemeClr val="lt1"/>
+          </a:fillRef>
+          <a:effectRef idx="0">
+            <a:schemeClr val="dk1"/>
+          </a:effectRef>
+          <a:fontRef idx="minor">
+            <a:schemeClr val="dk1"/>
+          </a:fontRef>
+        </p:style>
+        <p:txBody>
+          <a:bodyPr rtlCol="0" anchor="b"/>
+          <a:lstStyle/>
+          <a:p>
+            <a:pPr algn="ctr"/>
+            <a:r>
+              <a:rPr lang="en-US" altLang="ko-KR" sz="1100"/>
+              <a:t>Worker Node B</a:t>
+            </a:r>
+            <a:endParaRPr lang="ko-KR" altLang="en-US" sz="1100"/>
+          </a:p>
+        </p:txBody>
+      </p:sp>
+      <p:sp>
+        <p:nvSpPr>
+          <p:cNvPr id="9" name="모서리가 둥근 직사각형 2">
+            <a:extLst>
+              <a:ext uri="{FF2B5EF4-FFF2-40B4-BE49-F238E27FC236}">
+                <a16:creationId xmlns:a16="http://schemas.microsoft.com/office/drawing/2014/main" id="{A736CA6D-20C2-AC90-2206-C2246A0CE419}"/>
+              </a:ext>
+            </a:extLst>
+          </p:cNvPr>
+          <p:cNvSpPr/>
+          <p:nvPr/>
+        </p:nvSpPr>
+        <p:spPr>
+          <a:xfrm>
+            <a:off x="5867421" y="2837433"/>
+            <a:ext cx="1368152" cy="1440154"/>
+          </a:xfrm>
+          <a:prstGeom prst="roundRect">
+            <a:avLst>
+              <a:gd name="adj" fmla="val 7293"/>
+            </a:avLst>
+          </a:prstGeom>
+          <a:ln w="12700"/>
+        </p:spPr>
+        <p:style>
+          <a:lnRef idx="2">
+            <a:schemeClr val="dk1"/>
+          </a:lnRef>
+          <a:fillRef idx="1">
+            <a:schemeClr val="lt1"/>
+          </a:fillRef>
+          <a:effectRef idx="0">
+            <a:schemeClr val="dk1"/>
+          </a:effectRef>
+          <a:fontRef idx="minor">
+            <a:schemeClr val="dk1"/>
+          </a:fontRef>
+        </p:style>
+        <p:txBody>
+          <a:bodyPr rtlCol="0" anchor="b"/>
+          <a:lstStyle/>
+          <a:p>
+            <a:pPr algn="ctr"/>
+            <a:r>
+              <a:rPr lang="en-US" altLang="ko-KR" sz="1100"/>
+              <a:t>Worker Node C</a:t>
+            </a:r>
+            <a:endParaRPr lang="ko-KR" altLang="en-US" sz="1100"/>
+          </a:p>
+        </p:txBody>
+      </p:sp>
+      <p:sp>
+        <p:nvSpPr>
+          <p:cNvPr id="13" name="모서리가 둥근 직사각형 2">
+            <a:extLst>
+              <a:ext uri="{FF2B5EF4-FFF2-40B4-BE49-F238E27FC236}">
+                <a16:creationId xmlns:a16="http://schemas.microsoft.com/office/drawing/2014/main" id="{95969EE8-F4BA-3A16-8C9B-D34CCD609DF5}"/>
+              </a:ext>
+            </a:extLst>
+          </p:cNvPr>
+          <p:cNvSpPr/>
+          <p:nvPr/>
+        </p:nvSpPr>
+        <p:spPr>
+          <a:xfrm>
+            <a:off x="2572388" y="2981449"/>
+            <a:ext cx="1190912" cy="386745"/>
+          </a:xfrm>
+          <a:prstGeom prst="roundRect">
+            <a:avLst>
+              <a:gd name="adj" fmla="val 13068"/>
+            </a:avLst>
+          </a:prstGeom>
+          <a:ln w="12700"/>
+        </p:spPr>
+        <p:style>
+          <a:lnRef idx="2">
+            <a:schemeClr val="dk1"/>
+          </a:lnRef>
+          <a:fillRef idx="1">
+            <a:schemeClr val="lt1"/>
+          </a:fillRef>
+          <a:effectRef idx="0">
+            <a:schemeClr val="dk1"/>
+          </a:effectRef>
+          <a:fontRef idx="minor">
+            <a:schemeClr val="dk1"/>
+          </a:fontRef>
+        </p:style>
+        <p:txBody>
+          <a:bodyPr rtlCol="0" anchor="ctr"/>
+          <a:lstStyle/>
+          <a:p>
+            <a:pPr algn="ctr"/>
+            <a:r>
+              <a:rPr lang="en-US" altLang="ko-KR" sz="1000"/>
+              <a:t>Driver / Pod</a:t>
+            </a:r>
+            <a:endParaRPr lang="ko-KR" altLang="en-US" sz="1000"/>
+          </a:p>
+        </p:txBody>
+      </p:sp>
+      <p:sp>
+        <p:nvSpPr>
+          <p:cNvPr id="14" name="모서리가 둥근 직사각형 2">
+            <a:extLst>
+              <a:ext uri="{FF2B5EF4-FFF2-40B4-BE49-F238E27FC236}">
+                <a16:creationId xmlns:a16="http://schemas.microsoft.com/office/drawing/2014/main" id="{3406526D-113D-711C-DECD-7E851D996144}"/>
+              </a:ext>
+            </a:extLst>
+          </p:cNvPr>
+          <p:cNvSpPr/>
+          <p:nvPr/>
+        </p:nvSpPr>
+        <p:spPr>
+          <a:xfrm>
+            <a:off x="261380" y="2249083"/>
+            <a:ext cx="1401376" cy="386745"/>
+          </a:xfrm>
+          <a:prstGeom prst="roundRect">
+            <a:avLst>
+              <a:gd name="adj" fmla="val 13068"/>
+            </a:avLst>
+          </a:prstGeom>
+          <a:ln w="12700"/>
+        </p:spPr>
+        <p:style>
+          <a:lnRef idx="2">
+            <a:schemeClr val="dk1"/>
+          </a:lnRef>
+          <a:fillRef idx="1">
+            <a:schemeClr val="lt1"/>
+          </a:fillRef>
+          <a:effectRef idx="0">
+            <a:schemeClr val="dk1"/>
+          </a:effectRef>
+          <a:fontRef idx="minor">
+            <a:schemeClr val="dk1"/>
+          </a:fontRef>
+        </p:style>
+        <p:txBody>
+          <a:bodyPr rtlCol="0" anchor="ctr"/>
+          <a:lstStyle/>
+          <a:p>
+            <a:pPr algn="ctr"/>
+            <a:r>
+              <a:rPr lang="en-US" altLang="ko-KR" sz="1000" b="1">
+                <a:solidFill>
+                  <a:schemeClr val="tx1"/>
+                </a:solidFill>
+              </a:rPr>
+              <a:t>sparkctl CLI</a:t>
+            </a:r>
+            <a:endParaRPr lang="ko-KR" altLang="en-US" sz="1000" b="1">
+              <a:solidFill>
+                <a:schemeClr val="tx1"/>
+              </a:solidFill>
+            </a:endParaRPr>
+          </a:p>
+        </p:txBody>
+      </p:sp>
+      <p:sp>
+        <p:nvSpPr>
+          <p:cNvPr id="15" name="모서리가 둥근 직사각형 2">
+            <a:extLst>
+              <a:ext uri="{FF2B5EF4-FFF2-40B4-BE49-F238E27FC236}">
+                <a16:creationId xmlns:a16="http://schemas.microsoft.com/office/drawing/2014/main" id="{BF44C6D3-6833-2F92-38FA-AC996E5D3242}"/>
+              </a:ext>
+            </a:extLst>
+          </p:cNvPr>
+          <p:cNvSpPr/>
+          <p:nvPr/>
+        </p:nvSpPr>
+        <p:spPr>
+          <a:xfrm>
+            <a:off x="2572388" y="3485505"/>
+            <a:ext cx="1190912" cy="386745"/>
+          </a:xfrm>
+          <a:prstGeom prst="roundRect">
+            <a:avLst>
+              <a:gd name="adj" fmla="val 13068"/>
+            </a:avLst>
+          </a:prstGeom>
+          <a:ln w="12700"/>
+        </p:spPr>
+        <p:style>
+          <a:lnRef idx="2">
+            <a:schemeClr val="dk1"/>
+          </a:lnRef>
+          <a:fillRef idx="1">
+            <a:schemeClr val="lt1"/>
+          </a:fillRef>
+          <a:effectRef idx="0">
+            <a:schemeClr val="dk1"/>
+          </a:effectRef>
+          <a:fontRef idx="minor">
+            <a:schemeClr val="dk1"/>
+          </a:fontRef>
+        </p:style>
+        <p:txBody>
+          <a:bodyPr rtlCol="0" anchor="ctr"/>
+          <a:lstStyle/>
+          <a:p>
+            <a:pPr algn="ctr"/>
+            <a:r>
+              <a:rPr lang="en-US" altLang="ko-KR" sz="1000"/>
+              <a:t>Spark History Server / Pod</a:t>
+            </a:r>
+            <a:endParaRPr lang="ko-KR" altLang="en-US" sz="1000"/>
+          </a:p>
+        </p:txBody>
+      </p:sp>
+      <p:sp>
+        <p:nvSpPr>
+          <p:cNvPr id="16" name="모서리가 둥근 직사각형 2">
+            <a:extLst>
+              <a:ext uri="{FF2B5EF4-FFF2-40B4-BE49-F238E27FC236}">
+                <a16:creationId xmlns:a16="http://schemas.microsoft.com/office/drawing/2014/main" id="{00993319-16EA-4433-7236-565402EBD797}"/>
+              </a:ext>
+            </a:extLst>
+          </p:cNvPr>
+          <p:cNvSpPr/>
+          <p:nvPr/>
+        </p:nvSpPr>
+        <p:spPr>
+          <a:xfrm>
+            <a:off x="4264133" y="3485505"/>
+            <a:ext cx="1190912" cy="386745"/>
+          </a:xfrm>
+          <a:prstGeom prst="roundRect">
+            <a:avLst>
+              <a:gd name="adj" fmla="val 13068"/>
+            </a:avLst>
+          </a:prstGeom>
+          <a:ln w="12700"/>
+        </p:spPr>
+        <p:style>
+          <a:lnRef idx="2">
+            <a:schemeClr val="dk1"/>
+          </a:lnRef>
+          <a:fillRef idx="1">
+            <a:schemeClr val="lt1"/>
+          </a:fillRef>
+          <a:effectRef idx="0">
+            <a:schemeClr val="dk1"/>
+          </a:effectRef>
+          <a:fontRef idx="minor">
+            <a:schemeClr val="dk1"/>
+          </a:fontRef>
+        </p:style>
+        <p:txBody>
+          <a:bodyPr rtlCol="0" anchor="ctr"/>
+          <a:lstStyle/>
+          <a:p>
+            <a:pPr algn="ctr"/>
+            <a:r>
+              <a:rPr lang="en-US" altLang="ko-KR" sz="1000"/>
+              <a:t>Executor / Pod</a:t>
+            </a:r>
+            <a:endParaRPr lang="ko-KR" altLang="en-US" sz="1000"/>
+          </a:p>
+        </p:txBody>
+      </p:sp>
+      <p:sp>
+        <p:nvSpPr>
+          <p:cNvPr id="17" name="모서리가 둥근 직사각형 2">
+            <a:extLst>
+              <a:ext uri="{FF2B5EF4-FFF2-40B4-BE49-F238E27FC236}">
+                <a16:creationId xmlns:a16="http://schemas.microsoft.com/office/drawing/2014/main" id="{9BAC20C6-B2B6-8164-BCB1-BE141EB7F287}"/>
+              </a:ext>
+            </a:extLst>
+          </p:cNvPr>
+          <p:cNvSpPr/>
+          <p:nvPr/>
+        </p:nvSpPr>
+        <p:spPr>
+          <a:xfrm>
+            <a:off x="4264133" y="2981448"/>
+            <a:ext cx="1190912" cy="386745"/>
+          </a:xfrm>
+          <a:prstGeom prst="roundRect">
+            <a:avLst>
+              <a:gd name="adj" fmla="val 13068"/>
+            </a:avLst>
+          </a:prstGeom>
+          <a:ln w="12700"/>
+        </p:spPr>
+        <p:style>
+          <a:lnRef idx="2">
+            <a:schemeClr val="dk1"/>
+          </a:lnRef>
+          <a:fillRef idx="1">
+            <a:schemeClr val="lt1"/>
+          </a:fillRef>
+          <a:effectRef idx="0">
+            <a:schemeClr val="dk1"/>
+          </a:effectRef>
+          <a:fontRef idx="minor">
+            <a:schemeClr val="dk1"/>
+          </a:fontRef>
+        </p:style>
+        <p:txBody>
+          <a:bodyPr rtlCol="0" anchor="ctr"/>
+          <a:lstStyle/>
+          <a:p>
+            <a:pPr algn="ctr"/>
+            <a:r>
+              <a:rPr lang="en-US" altLang="ko-KR" sz="1000"/>
+              <a:t>Executor / Pod</a:t>
+            </a:r>
+            <a:endParaRPr lang="ko-KR" altLang="en-US" sz="1000"/>
+          </a:p>
+        </p:txBody>
+      </p:sp>
+      <p:sp>
+        <p:nvSpPr>
+          <p:cNvPr id="19" name="모서리가 둥근 직사각형 2">
+            <a:extLst>
+              <a:ext uri="{FF2B5EF4-FFF2-40B4-BE49-F238E27FC236}">
+                <a16:creationId xmlns:a16="http://schemas.microsoft.com/office/drawing/2014/main" id="{02183FC5-4CBF-BDDE-4845-576BF882202C}"/>
+              </a:ext>
+            </a:extLst>
+          </p:cNvPr>
+          <p:cNvSpPr/>
+          <p:nvPr/>
+        </p:nvSpPr>
+        <p:spPr>
+          <a:xfrm>
+            <a:off x="5956041" y="2981448"/>
+            <a:ext cx="1190912" cy="386745"/>
+          </a:xfrm>
+          <a:prstGeom prst="roundRect">
+            <a:avLst>
+              <a:gd name="adj" fmla="val 13068"/>
+            </a:avLst>
+          </a:prstGeom>
+          <a:ln w="12700"/>
+        </p:spPr>
+        <p:style>
+          <a:lnRef idx="2">
+            <a:schemeClr val="dk1"/>
+          </a:lnRef>
+          <a:fillRef idx="1">
+            <a:schemeClr val="lt1"/>
+          </a:fillRef>
+          <a:effectRef idx="0">
+            <a:schemeClr val="dk1"/>
+          </a:effectRef>
+          <a:fontRef idx="minor">
+            <a:schemeClr val="dk1"/>
+          </a:fontRef>
+        </p:style>
+        <p:txBody>
+          <a:bodyPr rtlCol="0" anchor="ctr"/>
+          <a:lstStyle/>
+          <a:p>
+            <a:pPr algn="ctr"/>
+            <a:r>
+              <a:rPr lang="en-US" altLang="ko-KR" sz="1000"/>
+              <a:t>Executor / Pod</a:t>
+            </a:r>
+            <a:endParaRPr lang="ko-KR" altLang="en-US" sz="1000"/>
+          </a:p>
+        </p:txBody>
+      </p:sp>
+      <p:sp>
+        <p:nvSpPr>
+          <p:cNvPr id="21" name="모서리가 둥근 직사각형 2">
+            <a:extLst>
+              <a:ext uri="{FF2B5EF4-FFF2-40B4-BE49-F238E27FC236}">
+                <a16:creationId xmlns:a16="http://schemas.microsoft.com/office/drawing/2014/main" id="{9A479CD5-F083-E556-C97D-836A921655BB}"/>
+              </a:ext>
+            </a:extLst>
+          </p:cNvPr>
+          <p:cNvSpPr/>
+          <p:nvPr/>
+        </p:nvSpPr>
+        <p:spPr>
+          <a:xfrm>
+            <a:off x="2483768" y="1540109"/>
+            <a:ext cx="1096289" cy="508063"/>
+          </a:xfrm>
+          <a:prstGeom prst="roundRect">
+            <a:avLst>
+              <a:gd name="adj" fmla="val 13068"/>
+            </a:avLst>
+          </a:prstGeom>
+          <a:ln w="12700"/>
+        </p:spPr>
+        <p:style>
+          <a:lnRef idx="2">
+            <a:schemeClr val="dk1"/>
+          </a:lnRef>
+          <a:fillRef idx="1">
+            <a:schemeClr val="lt1"/>
+          </a:fillRef>
+          <a:effectRef idx="0">
+            <a:schemeClr val="dk1"/>
+          </a:effectRef>
+          <a:fontRef idx="minor">
+            <a:schemeClr val="dk1"/>
+          </a:fontRef>
+        </p:style>
+        <p:txBody>
+          <a:bodyPr rtlCol="0" anchor="ctr"/>
+          <a:lstStyle/>
+          <a:p>
+            <a:pPr algn="ctr"/>
+            <a:r>
+              <a:rPr lang="en-US" altLang="ko-KR" sz="1000"/>
+              <a:t>Driver Config </a:t>
+            </a:r>
+          </a:p>
+          <a:p>
+            <a:pPr algn="ctr"/>
+            <a:r>
+              <a:rPr lang="en-US" altLang="ko-KR" sz="1000"/>
+              <a:t>/ ConfigMap</a:t>
+            </a:r>
+            <a:endParaRPr lang="ko-KR" altLang="en-US" sz="1000"/>
+          </a:p>
+        </p:txBody>
+      </p:sp>
+      <p:sp>
+        <p:nvSpPr>
+          <p:cNvPr id="22" name="모서리가 둥근 직사각형 2">
+            <a:extLst>
+              <a:ext uri="{FF2B5EF4-FFF2-40B4-BE49-F238E27FC236}">
+                <a16:creationId xmlns:a16="http://schemas.microsoft.com/office/drawing/2014/main" id="{A3F54CD6-D683-8624-CACC-EEE7D695357B}"/>
+              </a:ext>
+            </a:extLst>
+          </p:cNvPr>
+          <p:cNvSpPr/>
+          <p:nvPr/>
+        </p:nvSpPr>
+        <p:spPr>
+          <a:xfrm>
+            <a:off x="5867421" y="1540109"/>
+            <a:ext cx="1368152" cy="508063"/>
+          </a:xfrm>
+          <a:prstGeom prst="roundRect">
+            <a:avLst>
+              <a:gd name="adj" fmla="val 13068"/>
+            </a:avLst>
+          </a:prstGeom>
+          <a:ln w="12700"/>
+        </p:spPr>
+        <p:style>
+          <a:lnRef idx="2">
+            <a:schemeClr val="dk1"/>
+          </a:lnRef>
+          <a:fillRef idx="1">
+            <a:schemeClr val="lt1"/>
+          </a:fillRef>
+          <a:effectRef idx="0">
+            <a:schemeClr val="dk1"/>
+          </a:effectRef>
+          <a:fontRef idx="minor">
+            <a:schemeClr val="dk1"/>
+          </a:fontRef>
+        </p:style>
+        <p:txBody>
+          <a:bodyPr rtlCol="0" anchor="ctr"/>
+          <a:lstStyle/>
+          <a:p>
+            <a:pPr algn="ctr"/>
+            <a:r>
+              <a:rPr lang="en-US" altLang="ko-KR" sz="1000"/>
+              <a:t>Driver Service</a:t>
+            </a:r>
+          </a:p>
+          <a:p>
+            <a:pPr algn="ctr"/>
+            <a:r>
+              <a:rPr lang="en-US" altLang="ko-KR" sz="1000"/>
+              <a:t>/ Service (Headless)</a:t>
+            </a:r>
+            <a:endParaRPr lang="ko-KR" altLang="en-US" sz="1000"/>
+          </a:p>
+        </p:txBody>
+      </p:sp>
+      <p:sp>
+        <p:nvSpPr>
+          <p:cNvPr id="23" name="모서리가 둥근 직사각형 2">
+            <a:extLst>
+              <a:ext uri="{FF2B5EF4-FFF2-40B4-BE49-F238E27FC236}">
+                <a16:creationId xmlns:a16="http://schemas.microsoft.com/office/drawing/2014/main" id="{3D2A28DD-EFA2-0DEA-3193-382B09F6AA5C}"/>
+              </a:ext>
+            </a:extLst>
+          </p:cNvPr>
+          <p:cNvSpPr/>
+          <p:nvPr/>
+        </p:nvSpPr>
+        <p:spPr>
+          <a:xfrm>
+            <a:off x="5956041" y="3485504"/>
+            <a:ext cx="1190912" cy="386745"/>
+          </a:xfrm>
+          <a:prstGeom prst="roundRect">
+            <a:avLst>
+              <a:gd name="adj" fmla="val 13068"/>
+            </a:avLst>
+          </a:prstGeom>
+          <a:ln w="12700"/>
+        </p:spPr>
+        <p:style>
+          <a:lnRef idx="2">
+            <a:schemeClr val="dk1"/>
+          </a:lnRef>
+          <a:fillRef idx="1">
+            <a:schemeClr val="lt1"/>
+          </a:fillRef>
+          <a:effectRef idx="0">
+            <a:schemeClr val="dk1"/>
+          </a:effectRef>
+          <a:fontRef idx="minor">
+            <a:schemeClr val="dk1"/>
+          </a:fontRef>
+        </p:style>
+        <p:txBody>
+          <a:bodyPr rtlCol="0" anchor="ctr"/>
+          <a:lstStyle/>
+          <a:p>
+            <a:pPr algn="ctr"/>
+            <a:r>
+              <a:rPr lang="en-US" altLang="ko-KR" sz="1000"/>
+              <a:t>Executor / Pod</a:t>
+            </a:r>
+            <a:endParaRPr lang="ko-KR" altLang="en-US" sz="1000"/>
+          </a:p>
+        </p:txBody>
+      </p:sp>
+      <p:sp>
+        <p:nvSpPr>
+          <p:cNvPr id="24" name="Rounded Rectangle 23">
+            <a:extLst>
+              <a:ext uri="{FF2B5EF4-FFF2-40B4-BE49-F238E27FC236}">
+                <a16:creationId xmlns:a16="http://schemas.microsoft.com/office/drawing/2014/main" id="{3CD5D9FB-F30B-276F-CE17-37BD405E7319}"/>
+              </a:ext>
+            </a:extLst>
+          </p:cNvPr>
+          <p:cNvSpPr/>
+          <p:nvPr/>
+        </p:nvSpPr>
+        <p:spPr>
+          <a:xfrm>
+            <a:off x="4221079" y="2549407"/>
+            <a:ext cx="2972970" cy="1383108"/>
+          </a:xfrm>
+          <a:prstGeom prst="roundRect">
+            <a:avLst>
+              <a:gd name="adj" fmla="val 3462"/>
+            </a:avLst>
+          </a:prstGeom>
+          <a:noFill/>
+          <a:ln w="12700">
+            <a:solidFill>
+              <a:schemeClr val="tx1"/>
+            </a:solidFill>
+            <a:prstDash val="dash"/>
+          </a:ln>
+        </p:spPr>
+        <p:style>
+          <a:lnRef idx="2">
+            <a:schemeClr val="accent1">
+              <a:shade val="50000"/>
+            </a:schemeClr>
+          </a:lnRef>
+          <a:fillRef idx="1">
+            <a:schemeClr val="accent1"/>
+          </a:fillRef>
+          <a:effectRef idx="0">
+            <a:schemeClr val="accent1"/>
+          </a:effectRef>
+          <a:fontRef idx="minor">
+            <a:schemeClr val="lt1"/>
+          </a:fontRef>
+        </p:style>
+        <p:txBody>
+          <a:bodyPr rtlCol="0" anchor="t"/>
+          <a:lstStyle/>
+          <a:p>
+            <a:pPr algn="ctr"/>
+            <a:r>
+              <a:rPr lang="en-KR" sz="1000" b="1">
+                <a:solidFill>
+                  <a:sysClr val="windowText" lastClr="000000"/>
+                </a:solidFill>
+              </a:rPr>
+              <a:t>Executors</a:t>
+            </a:r>
+          </a:p>
+        </p:txBody>
+      </p:sp>
+      <p:pic>
+        <p:nvPicPr>
+          <p:cNvPr id="25" name="Picture 2" descr="사람 - 무료 사회적인개 아이콘">
+            <a:extLst>
+              <a:ext uri="{FF2B5EF4-FFF2-40B4-BE49-F238E27FC236}">
+                <a16:creationId xmlns:a16="http://schemas.microsoft.com/office/drawing/2014/main" id="{B80E734D-1706-9169-12D8-320D352B926A}"/>
+              </a:ext>
+            </a:extLst>
+          </p:cNvPr>
+          <p:cNvPicPr>
+            <a:picLocks noChangeAspect="1" noChangeArrowheads="1"/>
+          </p:cNvPicPr>
+          <p:nvPr/>
+        </p:nvPicPr>
+        <p:blipFill>
+          <a:blip r:embed="rId3">
+            <a:extLst>
+              <a:ext uri="{28A0092B-C50C-407E-A947-70E740481C1C}">
+                <a14:useLocalDpi xmlns:a14="http://schemas.microsoft.com/office/drawing/2010/main" val="0"/>
+              </a:ext>
+            </a:extLst>
+          </a:blip>
+          <a:srcRect/>
+          <a:stretch>
+            <a:fillRect/>
+          </a:stretch>
+        </p:blipFill>
+        <p:spPr bwMode="auto">
+          <a:xfrm>
+            <a:off x="684304" y="1128046"/>
+            <a:ext cx="558919" cy="558919"/>
+          </a:xfrm>
+          <a:prstGeom prst="rect">
+            <a:avLst/>
+          </a:prstGeom>
+          <a:noFill/>
+          <a:extLst>
+            <a:ext uri="{909E8E84-426E-40DD-AFC4-6F175D3DCCD1}">
+              <a14:hiddenFill xmlns:a14="http://schemas.microsoft.com/office/drawing/2010/main">
+                <a:solidFill>
+                  <a:srgbClr val="FFFFFF"/>
+                </a:solidFill>
+              </a14:hiddenFill>
+            </a:ext>
+          </a:extLst>
+        </p:spPr>
+      </p:pic>
+      <p:cxnSp>
+        <p:nvCxnSpPr>
+          <p:cNvPr id="26" name="Straight Arrow Connector 25">
+            <a:extLst>
+              <a:ext uri="{FF2B5EF4-FFF2-40B4-BE49-F238E27FC236}">
+                <a16:creationId xmlns:a16="http://schemas.microsoft.com/office/drawing/2014/main" id="{21F7ABA5-A6A1-0EF8-9BA8-FA9E316684BA}"/>
+              </a:ext>
+            </a:extLst>
+          </p:cNvPr>
+          <p:cNvCxnSpPr>
+            <a:cxnSpLocks/>
+            <a:stCxn id="31" idx="4"/>
+            <a:endCxn id="14" idx="0"/>
+          </p:cNvCxnSpPr>
+          <p:nvPr/>
+        </p:nvCxnSpPr>
+        <p:spPr>
+          <a:xfrm flipH="1">
+            <a:off x="962068" y="2012170"/>
+            <a:ext cx="2236" cy="236913"/>
+          </a:xfrm>
+          <a:prstGeom prst="straightConnector1">
+            <a:avLst/>
+          </a:prstGeom>
+          <a:ln>
+            <a:solidFill>
+              <a:schemeClr val="tx2"/>
+            </a:solidFill>
+            <a:tailEnd type="triangle"/>
+          </a:ln>
+        </p:spPr>
+        <p:style>
+          <a:lnRef idx="1">
+            <a:schemeClr val="dk1"/>
+          </a:lnRef>
+          <a:fillRef idx="0">
+            <a:schemeClr val="dk1"/>
+          </a:fillRef>
+          <a:effectRef idx="0">
+            <a:schemeClr val="dk1"/>
+          </a:effectRef>
+          <a:fontRef idx="minor">
+            <a:schemeClr val="tx1"/>
+          </a:fontRef>
+        </p:style>
+      </p:cxnSp>
+      <p:sp>
+        <p:nvSpPr>
+          <p:cNvPr id="27" name="TextBox 26">
+            <a:extLst>
+              <a:ext uri="{FF2B5EF4-FFF2-40B4-BE49-F238E27FC236}">
+                <a16:creationId xmlns:a16="http://schemas.microsoft.com/office/drawing/2014/main" id="{DB7C5C5A-F426-3672-3614-35859515C1F6}"/>
+              </a:ext>
+            </a:extLst>
+          </p:cNvPr>
+          <p:cNvSpPr txBox="1"/>
+          <p:nvPr/>
+        </p:nvSpPr>
+        <p:spPr>
+          <a:xfrm>
+            <a:off x="748071" y="1588075"/>
+            <a:ext cx="444352" cy="246221"/>
+          </a:xfrm>
+          <a:prstGeom prst="rect">
+            <a:avLst/>
+          </a:prstGeom>
+          <a:noFill/>
+        </p:spPr>
+        <p:txBody>
+          <a:bodyPr wrap="none" rtlCol="0">
+            <a:spAutoFit/>
+          </a:bodyPr>
+          <a:lstStyle/>
+          <a:p>
+            <a:r>
+              <a:rPr lang="en-US" sz="1000"/>
+              <a:t>User</a:t>
+            </a:r>
+            <a:endParaRPr lang="en-KR" sz="1000"/>
+          </a:p>
+        </p:txBody>
+      </p:sp>
+      <p:cxnSp>
+        <p:nvCxnSpPr>
+          <p:cNvPr id="29" name="Elbow Connector 28">
+            <a:extLst>
+              <a:ext uri="{FF2B5EF4-FFF2-40B4-BE49-F238E27FC236}">
+                <a16:creationId xmlns:a16="http://schemas.microsoft.com/office/drawing/2014/main" id="{988F914F-E020-9401-D69E-28A118CF784E}"/>
+              </a:ext>
+            </a:extLst>
+          </p:cNvPr>
+          <p:cNvCxnSpPr>
+            <a:cxnSpLocks/>
+            <a:stCxn id="71" idx="0"/>
+            <a:endCxn id="44" idx="2"/>
+          </p:cNvCxnSpPr>
+          <p:nvPr/>
+        </p:nvCxnSpPr>
+        <p:spPr>
+          <a:xfrm rot="5400000" flipH="1" flipV="1">
+            <a:off x="3473861" y="2103236"/>
+            <a:ext cx="1304415" cy="1194289"/>
+          </a:xfrm>
+          <a:prstGeom prst="bentConnector3">
+            <a:avLst>
+              <a:gd name="adj1" fmla="val 46580"/>
+            </a:avLst>
+          </a:prstGeom>
+          <a:ln>
+            <a:solidFill>
+              <a:srgbClr val="C00000"/>
+            </a:solidFill>
+            <a:tailEnd type="triangle"/>
+          </a:ln>
+        </p:spPr>
+        <p:style>
+          <a:lnRef idx="1">
+            <a:schemeClr val="dk1"/>
+          </a:lnRef>
+          <a:fillRef idx="0">
+            <a:schemeClr val="dk1"/>
+          </a:fillRef>
+          <a:effectRef idx="0">
+            <a:schemeClr val="dk1"/>
+          </a:effectRef>
+          <a:fontRef idx="minor">
+            <a:schemeClr val="tx1"/>
+          </a:fontRef>
+        </p:style>
+      </p:cxnSp>
+      <p:sp>
+        <p:nvSpPr>
+          <p:cNvPr id="31" name="Oval 30">
+            <a:extLst>
+              <a:ext uri="{FF2B5EF4-FFF2-40B4-BE49-F238E27FC236}">
+                <a16:creationId xmlns:a16="http://schemas.microsoft.com/office/drawing/2014/main" id="{29A14831-DE4A-DB56-88F6-981EE4B6888C}"/>
+              </a:ext>
+            </a:extLst>
+          </p:cNvPr>
+          <p:cNvSpPr/>
+          <p:nvPr/>
+        </p:nvSpPr>
+        <p:spPr>
+          <a:xfrm>
+            <a:off x="856292" y="1796146"/>
+            <a:ext cx="216024" cy="216024"/>
+          </a:xfrm>
+          <a:prstGeom prst="ellipse">
+            <a:avLst/>
+          </a:prstGeom>
+          <a:solidFill>
+            <a:schemeClr val="bg1"/>
+          </a:solidFill>
+          <a:ln w="19050">
+            <a:solidFill>
+              <a:schemeClr val="tx2"/>
+            </a:solidFill>
+          </a:ln>
+        </p:spPr>
+        <p:style>
+          <a:lnRef idx="2">
+            <a:schemeClr val="accent1">
+              <a:shade val="15000"/>
+            </a:schemeClr>
+          </a:lnRef>
+          <a:fillRef idx="1">
+            <a:schemeClr val="accent1"/>
+          </a:fillRef>
+          <a:effectRef idx="0">
+            <a:schemeClr val="accent1"/>
+          </a:effectRef>
+          <a:fontRef idx="minor">
+            <a:schemeClr val="lt1"/>
+          </a:fontRef>
+        </p:style>
+        <p:txBody>
+          <a:bodyPr rtlCol="0" anchor="ctr"/>
+          <a:lstStyle/>
+          <a:p>
+            <a:pPr algn="ctr"/>
+            <a:r>
+              <a:rPr lang="en-KR" sz="1000">
+                <a:solidFill>
+                  <a:schemeClr val="tx2"/>
+                </a:solidFill>
+              </a:rPr>
+              <a:t>1</a:t>
+            </a:r>
+          </a:p>
+        </p:txBody>
+      </p:sp>
+      <p:cxnSp>
+        <p:nvCxnSpPr>
+          <p:cNvPr id="33" name="Straight Arrow Connector 32">
+            <a:extLst>
+              <a:ext uri="{FF2B5EF4-FFF2-40B4-BE49-F238E27FC236}">
+                <a16:creationId xmlns:a16="http://schemas.microsoft.com/office/drawing/2014/main" id="{51A07F08-509F-7C0C-EFFE-7545F385859D}"/>
+              </a:ext>
+            </a:extLst>
+          </p:cNvPr>
+          <p:cNvCxnSpPr>
+            <a:cxnSpLocks/>
+          </p:cNvCxnSpPr>
+          <p:nvPr/>
+        </p:nvCxnSpPr>
+        <p:spPr>
+          <a:xfrm flipV="1">
+            <a:off x="2699793" y="2048172"/>
+            <a:ext cx="0" cy="933276"/>
+          </a:xfrm>
+          <a:prstGeom prst="straightConnector1">
+            <a:avLst/>
+          </a:prstGeom>
+          <a:ln>
+            <a:tailEnd type="triangle"/>
+          </a:ln>
+        </p:spPr>
+        <p:style>
+          <a:lnRef idx="1">
+            <a:schemeClr val="dk1"/>
+          </a:lnRef>
+          <a:fillRef idx="0">
+            <a:schemeClr val="dk1"/>
+          </a:fillRef>
+          <a:effectRef idx="0">
+            <a:schemeClr val="dk1"/>
+          </a:effectRef>
+          <a:fontRef idx="minor">
+            <a:schemeClr val="tx1"/>
+          </a:fontRef>
+        </p:style>
+      </p:cxnSp>
+      <p:sp>
+        <p:nvSpPr>
+          <p:cNvPr id="36" name="모서리가 둥근 직사각형 2">
+            <a:extLst>
+              <a:ext uri="{FF2B5EF4-FFF2-40B4-BE49-F238E27FC236}">
+                <a16:creationId xmlns:a16="http://schemas.microsoft.com/office/drawing/2014/main" id="{470F24E7-137F-81D1-A2A1-6935C194AE5A}"/>
+              </a:ext>
+            </a:extLst>
+          </p:cNvPr>
+          <p:cNvSpPr/>
+          <p:nvPr/>
+        </p:nvSpPr>
+        <p:spPr>
+          <a:xfrm>
+            <a:off x="261380" y="3485504"/>
+            <a:ext cx="1401376" cy="386745"/>
+          </a:xfrm>
+          <a:prstGeom prst="roundRect">
+            <a:avLst>
+              <a:gd name="adj" fmla="val 13068"/>
+            </a:avLst>
+          </a:prstGeom>
+          <a:ln w="12700"/>
+        </p:spPr>
+        <p:style>
+          <a:lnRef idx="2">
+            <a:schemeClr val="dk1"/>
+          </a:lnRef>
+          <a:fillRef idx="1">
+            <a:schemeClr val="lt1"/>
+          </a:fillRef>
+          <a:effectRef idx="0">
+            <a:schemeClr val="dk1"/>
+          </a:effectRef>
+          <a:fontRef idx="minor">
+            <a:schemeClr val="dk1"/>
+          </a:fontRef>
+        </p:style>
+        <p:txBody>
+          <a:bodyPr rtlCol="0" anchor="ctr"/>
+          <a:lstStyle/>
+          <a:p>
+            <a:pPr algn="ctr"/>
+            <a:r>
+              <a:rPr lang="en-US" altLang="ko-KR" sz="1000"/>
+              <a:t>HDFS</a:t>
+            </a:r>
+            <a:endParaRPr lang="ko-KR" altLang="en-US" sz="1000"/>
+          </a:p>
+        </p:txBody>
+      </p:sp>
+      <p:sp>
+        <p:nvSpPr>
+          <p:cNvPr id="37" name="모서리가 둥근 직사각형 2">
+            <a:extLst>
+              <a:ext uri="{FF2B5EF4-FFF2-40B4-BE49-F238E27FC236}">
+                <a16:creationId xmlns:a16="http://schemas.microsoft.com/office/drawing/2014/main" id="{0469FAE1-675A-C882-4D4F-4E18FBEE154C}"/>
+              </a:ext>
+            </a:extLst>
+          </p:cNvPr>
+          <p:cNvSpPr/>
+          <p:nvPr/>
+        </p:nvSpPr>
+        <p:spPr>
+          <a:xfrm>
+            <a:off x="261380" y="4008153"/>
+            <a:ext cx="1401376" cy="386745"/>
+          </a:xfrm>
+          <a:prstGeom prst="roundRect">
+            <a:avLst>
+              <a:gd name="adj" fmla="val 13068"/>
+            </a:avLst>
+          </a:prstGeom>
+          <a:ln w="12700"/>
+        </p:spPr>
+        <p:style>
+          <a:lnRef idx="2">
+            <a:schemeClr val="dk1"/>
+          </a:lnRef>
+          <a:fillRef idx="1">
+            <a:schemeClr val="lt1"/>
+          </a:fillRef>
+          <a:effectRef idx="0">
+            <a:schemeClr val="dk1"/>
+          </a:effectRef>
+          <a:fontRef idx="minor">
+            <a:schemeClr val="dk1"/>
+          </a:fontRef>
+        </p:style>
+        <p:txBody>
+          <a:bodyPr rtlCol="0" anchor="ctr"/>
+          <a:lstStyle/>
+          <a:p>
+            <a:pPr algn="ctr"/>
+            <a:r>
+              <a:rPr lang="en-US" altLang="ko-KR" sz="1000"/>
+              <a:t>AWS S3</a:t>
+            </a:r>
+            <a:endParaRPr lang="ko-KR" altLang="en-US" sz="1000"/>
+          </a:p>
+        </p:txBody>
+      </p:sp>
+      <p:cxnSp>
+        <p:nvCxnSpPr>
+          <p:cNvPr id="38" name="Elbow Connector 37">
+            <a:extLst>
+              <a:ext uri="{FF2B5EF4-FFF2-40B4-BE49-F238E27FC236}">
+                <a16:creationId xmlns:a16="http://schemas.microsoft.com/office/drawing/2014/main" id="{5A8E4BB5-F644-CFC3-17B3-BD913C736091}"/>
+              </a:ext>
+            </a:extLst>
+          </p:cNvPr>
+          <p:cNvCxnSpPr>
+            <a:cxnSpLocks/>
+            <a:stCxn id="68" idx="2"/>
+            <a:endCxn id="39" idx="3"/>
+          </p:cNvCxnSpPr>
+          <p:nvPr/>
+        </p:nvCxnSpPr>
+        <p:spPr>
+          <a:xfrm rot="10800000" flipV="1">
+            <a:off x="1706716" y="3677355"/>
+            <a:ext cx="756310" cy="354093"/>
+          </a:xfrm>
+          <a:prstGeom prst="bentConnector3">
+            <a:avLst>
+              <a:gd name="adj1" fmla="val 50000"/>
+            </a:avLst>
+          </a:prstGeom>
+          <a:ln>
+            <a:solidFill>
+              <a:srgbClr val="C00000"/>
+            </a:solidFill>
+            <a:tailEnd type="triangle"/>
+          </a:ln>
+        </p:spPr>
+        <p:style>
+          <a:lnRef idx="1">
+            <a:schemeClr val="dk1"/>
+          </a:lnRef>
+          <a:fillRef idx="0">
+            <a:schemeClr val="dk1"/>
+          </a:fillRef>
+          <a:effectRef idx="0">
+            <a:schemeClr val="dk1"/>
+          </a:effectRef>
+          <a:fontRef idx="minor">
+            <a:schemeClr val="tx1"/>
+          </a:fontRef>
+        </p:style>
+      </p:cxnSp>
+      <p:sp>
+        <p:nvSpPr>
+          <p:cNvPr id="39" name="Rounded Rectangle 38">
+            <a:extLst>
+              <a:ext uri="{FF2B5EF4-FFF2-40B4-BE49-F238E27FC236}">
+                <a16:creationId xmlns:a16="http://schemas.microsoft.com/office/drawing/2014/main" id="{0A4667C6-099E-CF63-5272-608FE00E9B77}"/>
+              </a:ext>
+            </a:extLst>
+          </p:cNvPr>
+          <p:cNvSpPr/>
+          <p:nvPr/>
+        </p:nvSpPr>
+        <p:spPr>
+          <a:xfrm>
+            <a:off x="220231" y="3424820"/>
+            <a:ext cx="1486485" cy="1213258"/>
+          </a:xfrm>
+          <a:prstGeom prst="roundRect">
+            <a:avLst>
+              <a:gd name="adj" fmla="val 3462"/>
+            </a:avLst>
+          </a:prstGeom>
+          <a:noFill/>
+          <a:ln w="12700">
+            <a:solidFill>
+              <a:schemeClr val="tx1"/>
+            </a:solidFill>
+            <a:prstDash val="dash"/>
+          </a:ln>
+        </p:spPr>
+        <p:style>
+          <a:lnRef idx="2">
+            <a:schemeClr val="accent1">
+              <a:shade val="50000"/>
+            </a:schemeClr>
+          </a:lnRef>
+          <a:fillRef idx="1">
+            <a:schemeClr val="accent1"/>
+          </a:fillRef>
+          <a:effectRef idx="0">
+            <a:schemeClr val="accent1"/>
+          </a:effectRef>
+          <a:fontRef idx="minor">
+            <a:schemeClr val="lt1"/>
+          </a:fontRef>
+        </p:style>
+        <p:txBody>
+          <a:bodyPr rtlCol="0" anchor="b"/>
+          <a:lstStyle/>
+          <a:p>
+            <a:pPr algn="ctr"/>
+            <a:r>
+              <a:rPr lang="en-KR" sz="1000" b="1">
+                <a:solidFill>
+                  <a:sysClr val="windowText" lastClr="000000"/>
+                </a:solidFill>
+              </a:rPr>
+              <a:t>Storages </a:t>
+            </a:r>
+          </a:p>
+        </p:txBody>
+      </p:sp>
+      <p:sp>
+        <p:nvSpPr>
+          <p:cNvPr id="40" name="Freeform 39">
+            <a:extLst>
+              <a:ext uri="{FF2B5EF4-FFF2-40B4-BE49-F238E27FC236}">
+                <a16:creationId xmlns:a16="http://schemas.microsoft.com/office/drawing/2014/main" id="{581BDC4E-AFCD-3609-E3E3-A3C3CB9EFD6C}"/>
+              </a:ext>
+            </a:extLst>
+          </p:cNvPr>
+          <p:cNvSpPr/>
+          <p:nvPr/>
+        </p:nvSpPr>
+        <p:spPr>
+          <a:xfrm>
+            <a:off x="986289" y="3310726"/>
+            <a:ext cx="1476738" cy="114094"/>
+          </a:xfrm>
+          <a:custGeom>
+            <a:avLst/>
+            <a:gdLst>
+              <a:gd name="connsiteX0" fmla="*/ 857644 w 857644"/>
+              <a:gd name="connsiteY0" fmla="*/ 0 h 170267"/>
+              <a:gd name="connsiteX1" fmla="*/ 0 w 857644"/>
+              <a:gd name="connsiteY1" fmla="*/ 0 h 170267"/>
+              <a:gd name="connsiteX2" fmla="*/ 0 w 857644"/>
+              <a:gd name="connsiteY2" fmla="*/ 170267 h 170267"/>
+              <a:gd name="connsiteX3" fmla="*/ 0 w 857644"/>
+              <a:gd name="connsiteY3" fmla="*/ 170267 h 170267"/>
+            </a:gdLst>
+            <a:ahLst/>
+            <a:cxnLst>
+              <a:cxn ang="0">
+                <a:pos x="connsiteX0" y="connsiteY0"/>
+              </a:cxn>
+              <a:cxn ang="0">
+                <a:pos x="connsiteX1" y="connsiteY1"/>
+              </a:cxn>
+              <a:cxn ang="0">
+                <a:pos x="connsiteX2" y="connsiteY2"/>
+              </a:cxn>
+              <a:cxn ang="0">
+                <a:pos x="connsiteX3" y="connsiteY3"/>
+              </a:cxn>
+            </a:cxnLst>
+            <a:rect l="l" t="t" r="r" b="b"/>
+            <a:pathLst>
+              <a:path w="857644" h="170267">
+                <a:moveTo>
+                  <a:pt x="857644" y="0"/>
+                </a:moveTo>
+                <a:lnTo>
+                  <a:pt x="0" y="0"/>
+                </a:lnTo>
+                <a:lnTo>
+                  <a:pt x="0" y="170267"/>
+                </a:lnTo>
+                <a:lnTo>
+                  <a:pt x="0" y="170267"/>
+                </a:lnTo>
+              </a:path>
+            </a:pathLst>
+          </a:custGeom>
+          <a:noFill/>
+          <a:ln w="12700">
+            <a:solidFill>
+              <a:srgbClr val="C00000"/>
+            </a:solidFill>
+            <a:headEnd type="none" w="med" len="med"/>
+            <a:tailEnd type="triangle" w="med" len="med"/>
+          </a:ln>
+        </p:spPr>
+        <p:style>
+          <a:lnRef idx="2">
+            <a:schemeClr val="accent1">
+              <a:shade val="15000"/>
+            </a:schemeClr>
+          </a:lnRef>
+          <a:fillRef idx="1">
+            <a:schemeClr val="accent1"/>
+          </a:fillRef>
+          <a:effectRef idx="0">
+            <a:schemeClr val="accent1"/>
+          </a:effectRef>
+          <a:fontRef idx="minor">
+            <a:schemeClr val="lt1"/>
+          </a:fontRef>
+        </p:style>
+        <p:txBody>
+          <a:bodyPr rtlCol="0" anchor="ctr"/>
+          <a:lstStyle/>
+          <a:p>
+            <a:pPr algn="ctr"/>
+            <a:endParaRPr lang="en-KR"/>
+          </a:p>
+        </p:txBody>
+      </p:sp>
+      <p:sp>
+        <p:nvSpPr>
+          <p:cNvPr id="41" name="Freeform 40">
+            <a:extLst>
+              <a:ext uri="{FF2B5EF4-FFF2-40B4-BE49-F238E27FC236}">
+                <a16:creationId xmlns:a16="http://schemas.microsoft.com/office/drawing/2014/main" id="{8211AB21-F7CF-0E7B-D930-E9CEFA178008}"/>
+              </a:ext>
+            </a:extLst>
+          </p:cNvPr>
+          <p:cNvSpPr/>
+          <p:nvPr/>
+        </p:nvSpPr>
+        <p:spPr>
+          <a:xfrm rot="5400000" flipV="1">
+            <a:off x="3675701" y="2325192"/>
+            <a:ext cx="177142" cy="913619"/>
+          </a:xfrm>
+          <a:custGeom>
+            <a:avLst/>
+            <a:gdLst>
+              <a:gd name="connsiteX0" fmla="*/ 857644 w 857644"/>
+              <a:gd name="connsiteY0" fmla="*/ 0 h 170267"/>
+              <a:gd name="connsiteX1" fmla="*/ 0 w 857644"/>
+              <a:gd name="connsiteY1" fmla="*/ 0 h 170267"/>
+              <a:gd name="connsiteX2" fmla="*/ 0 w 857644"/>
+              <a:gd name="connsiteY2" fmla="*/ 170267 h 170267"/>
+              <a:gd name="connsiteX3" fmla="*/ 0 w 857644"/>
+              <a:gd name="connsiteY3" fmla="*/ 170267 h 170267"/>
+            </a:gdLst>
+            <a:ahLst/>
+            <a:cxnLst>
+              <a:cxn ang="0">
+                <a:pos x="connsiteX0" y="connsiteY0"/>
+              </a:cxn>
+              <a:cxn ang="0">
+                <a:pos x="connsiteX1" y="connsiteY1"/>
+              </a:cxn>
+              <a:cxn ang="0">
+                <a:pos x="connsiteX2" y="connsiteY2"/>
+              </a:cxn>
+              <a:cxn ang="0">
+                <a:pos x="connsiteX3" y="connsiteY3"/>
+              </a:cxn>
+            </a:cxnLst>
+            <a:rect l="l" t="t" r="r" b="b"/>
+            <a:pathLst>
+              <a:path w="857644" h="170267">
+                <a:moveTo>
+                  <a:pt x="857644" y="0"/>
+                </a:moveTo>
+                <a:lnTo>
+                  <a:pt x="0" y="0"/>
+                </a:lnTo>
+                <a:lnTo>
+                  <a:pt x="0" y="170267"/>
+                </a:lnTo>
+                <a:lnTo>
+                  <a:pt x="0" y="170267"/>
+                </a:lnTo>
+              </a:path>
+            </a:pathLst>
+          </a:custGeom>
+          <a:noFill/>
+          <a:ln w="12700">
+            <a:solidFill>
+              <a:schemeClr val="tx2"/>
+            </a:solidFill>
+            <a:headEnd type="none" w="med" len="med"/>
+            <a:tailEnd type="triangle" w="med" len="med"/>
+          </a:ln>
+        </p:spPr>
+        <p:style>
+          <a:lnRef idx="2">
+            <a:schemeClr val="accent1">
+              <a:shade val="15000"/>
+            </a:schemeClr>
+          </a:lnRef>
+          <a:fillRef idx="1">
+            <a:schemeClr val="accent1"/>
+          </a:fillRef>
+          <a:effectRef idx="0">
+            <a:schemeClr val="accent1"/>
+          </a:effectRef>
+          <a:fontRef idx="minor">
+            <a:schemeClr val="lt1"/>
+          </a:fontRef>
+        </p:style>
+        <p:txBody>
+          <a:bodyPr rtlCol="0" anchor="ctr"/>
+          <a:lstStyle/>
+          <a:p>
+            <a:pPr algn="ctr"/>
+            <a:endParaRPr lang="en-KR"/>
+          </a:p>
+        </p:txBody>
+      </p:sp>
+      <p:sp>
+        <p:nvSpPr>
+          <p:cNvPr id="42" name="Oval 41">
+            <a:extLst>
+              <a:ext uri="{FF2B5EF4-FFF2-40B4-BE49-F238E27FC236}">
+                <a16:creationId xmlns:a16="http://schemas.microsoft.com/office/drawing/2014/main" id="{E9FA68D6-FC29-8DBE-B8DA-CFA600B028BE}"/>
+              </a:ext>
+            </a:extLst>
+          </p:cNvPr>
+          <p:cNvSpPr/>
+          <p:nvPr/>
+        </p:nvSpPr>
+        <p:spPr>
+          <a:xfrm>
+            <a:off x="4160592" y="3066873"/>
+            <a:ext cx="216024" cy="216024"/>
+          </a:xfrm>
+          <a:prstGeom prst="ellipse">
+            <a:avLst/>
+          </a:prstGeom>
+          <a:solidFill>
+            <a:schemeClr val="bg1"/>
+          </a:solidFill>
+          <a:ln w="19050">
+            <a:solidFill>
+              <a:schemeClr val="tx2"/>
+            </a:solidFill>
+          </a:ln>
+        </p:spPr>
+        <p:style>
+          <a:lnRef idx="2">
+            <a:schemeClr val="accent1">
+              <a:shade val="15000"/>
+            </a:schemeClr>
+          </a:lnRef>
+          <a:fillRef idx="1">
+            <a:schemeClr val="accent1"/>
+          </a:fillRef>
+          <a:effectRef idx="0">
+            <a:schemeClr val="accent1"/>
+          </a:effectRef>
+          <a:fontRef idx="minor">
+            <a:schemeClr val="lt1"/>
+          </a:fontRef>
+        </p:style>
+        <p:txBody>
+          <a:bodyPr rtlCol="0" anchor="ctr"/>
+          <a:lstStyle/>
+          <a:p>
+            <a:pPr algn="ctr"/>
+            <a:r>
+              <a:rPr lang="en-KR" sz="1000">
+                <a:solidFill>
+                  <a:schemeClr val="tx2"/>
+                </a:solidFill>
+              </a:rPr>
+              <a:t>9</a:t>
+            </a:r>
+          </a:p>
+        </p:txBody>
+      </p:sp>
+      <p:cxnSp>
+        <p:nvCxnSpPr>
+          <p:cNvPr id="43" name="Straight Arrow Connector 42">
+            <a:extLst>
+              <a:ext uri="{FF2B5EF4-FFF2-40B4-BE49-F238E27FC236}">
+                <a16:creationId xmlns:a16="http://schemas.microsoft.com/office/drawing/2014/main" id="{1558DDC2-3835-7E94-9FCF-DB4EA217A40E}"/>
+              </a:ext>
+            </a:extLst>
+          </p:cNvPr>
+          <p:cNvCxnSpPr>
+            <a:cxnSpLocks/>
+            <a:stCxn id="42" idx="2"/>
+          </p:cNvCxnSpPr>
+          <p:nvPr/>
+        </p:nvCxnSpPr>
+        <p:spPr>
+          <a:xfrm flipH="1">
+            <a:off x="3763300" y="3174885"/>
+            <a:ext cx="397292" cy="1965"/>
+          </a:xfrm>
+          <a:prstGeom prst="straightConnector1">
+            <a:avLst/>
+          </a:prstGeom>
+          <a:ln>
+            <a:solidFill>
+              <a:schemeClr val="tx2"/>
+            </a:solidFill>
+            <a:tailEnd type="triangle"/>
+          </a:ln>
+        </p:spPr>
+        <p:style>
+          <a:lnRef idx="1">
+            <a:schemeClr val="dk1"/>
+          </a:lnRef>
+          <a:fillRef idx="0">
+            <a:schemeClr val="dk1"/>
+          </a:fillRef>
+          <a:effectRef idx="0">
+            <a:schemeClr val="dk1"/>
+          </a:effectRef>
+          <a:fontRef idx="minor">
+            <a:schemeClr val="tx1"/>
+          </a:fontRef>
+        </p:style>
+      </p:cxnSp>
+      <p:sp>
+        <p:nvSpPr>
+          <p:cNvPr id="44" name="모서리가 둥근 직사각형 2">
+            <a:extLst>
+              <a:ext uri="{FF2B5EF4-FFF2-40B4-BE49-F238E27FC236}">
+                <a16:creationId xmlns:a16="http://schemas.microsoft.com/office/drawing/2014/main" id="{37608E22-B0C3-2411-ED2B-0D929072F31D}"/>
+              </a:ext>
+            </a:extLst>
+          </p:cNvPr>
+          <p:cNvSpPr/>
+          <p:nvPr/>
+        </p:nvSpPr>
+        <p:spPr>
+          <a:xfrm>
+            <a:off x="3905623" y="1540109"/>
+            <a:ext cx="1635179" cy="508063"/>
+          </a:xfrm>
+          <a:prstGeom prst="roundRect">
+            <a:avLst>
+              <a:gd name="adj" fmla="val 13068"/>
+            </a:avLst>
+          </a:prstGeom>
+          <a:ln w="12700"/>
+        </p:spPr>
+        <p:style>
+          <a:lnRef idx="2">
+            <a:schemeClr val="dk1"/>
+          </a:lnRef>
+          <a:fillRef idx="1">
+            <a:schemeClr val="lt1"/>
+          </a:fillRef>
+          <a:effectRef idx="0">
+            <a:schemeClr val="dk1"/>
+          </a:effectRef>
+          <a:fontRef idx="minor">
+            <a:schemeClr val="dk1"/>
+          </a:fontRef>
+        </p:style>
+        <p:txBody>
+          <a:bodyPr rtlCol="0" anchor="ctr"/>
+          <a:lstStyle/>
+          <a:p>
+            <a:pPr algn="ctr"/>
+            <a:r>
+              <a:rPr lang="en-US" altLang="ko-KR" sz="1000"/>
+              <a:t>Spark History Server Web UI</a:t>
+            </a:r>
+          </a:p>
+          <a:p>
+            <a:pPr algn="ctr"/>
+            <a:r>
+              <a:rPr lang="en-US" altLang="ko-KR" sz="1000"/>
+              <a:t>/ Service</a:t>
+            </a:r>
+            <a:endParaRPr lang="ko-KR" altLang="en-US" sz="1050"/>
+          </a:p>
+        </p:txBody>
+      </p:sp>
+      <p:cxnSp>
+        <p:nvCxnSpPr>
+          <p:cNvPr id="45" name="Elbow Connector 44">
+            <a:extLst>
+              <a:ext uri="{FF2B5EF4-FFF2-40B4-BE49-F238E27FC236}">
+                <a16:creationId xmlns:a16="http://schemas.microsoft.com/office/drawing/2014/main" id="{955994B2-13F7-F1E3-EB67-6D9C6183E62B}"/>
+              </a:ext>
+            </a:extLst>
+          </p:cNvPr>
+          <p:cNvCxnSpPr>
+            <a:cxnSpLocks/>
+            <a:stCxn id="55" idx="0"/>
+            <a:endCxn id="46" idx="4"/>
+          </p:cNvCxnSpPr>
+          <p:nvPr/>
+        </p:nvCxnSpPr>
+        <p:spPr>
+          <a:xfrm rot="5400000" flipH="1" flipV="1">
+            <a:off x="4200240" y="798853"/>
+            <a:ext cx="822398" cy="3321040"/>
+          </a:xfrm>
+          <a:prstGeom prst="bentConnector3">
+            <a:avLst>
+              <a:gd name="adj1" fmla="val 80452"/>
+            </a:avLst>
+          </a:prstGeom>
+          <a:ln>
+            <a:solidFill>
+              <a:schemeClr val="tx2"/>
+            </a:solidFill>
+            <a:tailEnd type="triangle"/>
+          </a:ln>
+        </p:spPr>
+        <p:style>
+          <a:lnRef idx="1">
+            <a:schemeClr val="dk1"/>
+          </a:lnRef>
+          <a:fillRef idx="0">
+            <a:schemeClr val="dk1"/>
+          </a:fillRef>
+          <a:effectRef idx="0">
+            <a:schemeClr val="dk1"/>
+          </a:effectRef>
+          <a:fontRef idx="minor">
+            <a:schemeClr val="tx1"/>
+          </a:fontRef>
+        </p:style>
+      </p:cxnSp>
+      <p:sp>
+        <p:nvSpPr>
+          <p:cNvPr id="46" name="Oval 45">
+            <a:extLst>
+              <a:ext uri="{FF2B5EF4-FFF2-40B4-BE49-F238E27FC236}">
+                <a16:creationId xmlns:a16="http://schemas.microsoft.com/office/drawing/2014/main" id="{B6F454C7-EC24-5078-0E43-E6D12DD33C7D}"/>
+              </a:ext>
+            </a:extLst>
+          </p:cNvPr>
+          <p:cNvSpPr/>
+          <p:nvPr/>
+        </p:nvSpPr>
+        <p:spPr>
+          <a:xfrm>
+            <a:off x="6199951" y="1904158"/>
+            <a:ext cx="144016" cy="144016"/>
+          </a:xfrm>
+          <a:prstGeom prst="ellipse">
+            <a:avLst/>
+          </a:prstGeom>
+          <a:noFill/>
+          <a:ln>
+            <a:noFill/>
+          </a:ln>
+        </p:spPr>
+        <p:style>
+          <a:lnRef idx="2">
+            <a:schemeClr val="accent1">
+              <a:shade val="15000"/>
+            </a:schemeClr>
+          </a:lnRef>
+          <a:fillRef idx="1">
+            <a:schemeClr val="accent1"/>
+          </a:fillRef>
+          <a:effectRef idx="0">
+            <a:schemeClr val="accent1"/>
+          </a:effectRef>
+          <a:fontRef idx="minor">
+            <a:schemeClr val="lt1"/>
+          </a:fontRef>
+        </p:style>
+        <p:txBody>
+          <a:bodyPr rtlCol="0" anchor="ctr"/>
+          <a:lstStyle/>
+          <a:p>
+            <a:pPr algn="ctr"/>
+            <a:endParaRPr lang="en-KR"/>
+          </a:p>
+        </p:txBody>
+      </p:sp>
+      <p:sp>
+        <p:nvSpPr>
+          <p:cNvPr id="47" name="TextBox 46">
+            <a:extLst>
+              <a:ext uri="{FF2B5EF4-FFF2-40B4-BE49-F238E27FC236}">
+                <a16:creationId xmlns:a16="http://schemas.microsoft.com/office/drawing/2014/main" id="{4F8DDD97-42E0-3C03-D137-2937F022B3DE}"/>
+              </a:ext>
+            </a:extLst>
+          </p:cNvPr>
+          <p:cNvSpPr txBox="1"/>
+          <p:nvPr/>
+        </p:nvSpPr>
+        <p:spPr>
+          <a:xfrm>
+            <a:off x="259701" y="1993781"/>
+            <a:ext cx="800220" cy="230832"/>
+          </a:xfrm>
+          <a:prstGeom prst="rect">
+            <a:avLst/>
+          </a:prstGeom>
+          <a:noFill/>
+        </p:spPr>
+        <p:txBody>
+          <a:bodyPr wrap="none" rtlCol="0">
+            <a:spAutoFit/>
+          </a:bodyPr>
+          <a:lstStyle/>
+          <a:p>
+            <a:pPr algn="ctr"/>
+            <a:r>
+              <a:rPr lang="en-KR" sz="900">
+                <a:solidFill>
+                  <a:schemeClr val="tx2"/>
+                </a:solidFill>
+              </a:rPr>
+              <a:t>Submit job </a:t>
+            </a:r>
+          </a:p>
+        </p:txBody>
+      </p:sp>
+      <p:sp>
+        <p:nvSpPr>
+          <p:cNvPr id="48" name="TextBox 47">
+            <a:extLst>
+              <a:ext uri="{FF2B5EF4-FFF2-40B4-BE49-F238E27FC236}">
+                <a16:creationId xmlns:a16="http://schemas.microsoft.com/office/drawing/2014/main" id="{D8A5CDB6-4864-FF50-99C7-B51994A288C6}"/>
+              </a:ext>
+            </a:extLst>
+          </p:cNvPr>
+          <p:cNvSpPr txBox="1"/>
+          <p:nvPr/>
+        </p:nvSpPr>
+        <p:spPr>
+          <a:xfrm>
+            <a:off x="7360804" y="2459373"/>
+            <a:ext cx="923651" cy="369332"/>
+          </a:xfrm>
+          <a:prstGeom prst="rect">
+            <a:avLst/>
+          </a:prstGeom>
+          <a:noFill/>
+        </p:spPr>
+        <p:txBody>
+          <a:bodyPr wrap="none" rtlCol="0">
+            <a:spAutoFit/>
+          </a:bodyPr>
+          <a:lstStyle/>
+          <a:p>
+            <a:pPr algn="ctr"/>
+            <a:r>
+              <a:rPr lang="en-KR" sz="900">
+                <a:solidFill>
+                  <a:schemeClr val="tx2"/>
+                </a:solidFill>
+              </a:rPr>
+              <a:t>Create</a:t>
+            </a:r>
+          </a:p>
+          <a:p>
+            <a:pPr algn="ctr"/>
+            <a:r>
+              <a:rPr lang="en-KR" sz="900">
+                <a:solidFill>
+                  <a:schemeClr val="tx2"/>
+                </a:solidFill>
+              </a:rPr>
+              <a:t>driver’s config</a:t>
+            </a:r>
+          </a:p>
+        </p:txBody>
+      </p:sp>
+      <p:sp>
+        <p:nvSpPr>
+          <p:cNvPr id="54" name="TextBox 53">
+            <a:extLst>
+              <a:ext uri="{FF2B5EF4-FFF2-40B4-BE49-F238E27FC236}">
+                <a16:creationId xmlns:a16="http://schemas.microsoft.com/office/drawing/2014/main" id="{8A8DE6AC-6475-7389-AA2D-691D0B6D3091}"/>
+              </a:ext>
+            </a:extLst>
+          </p:cNvPr>
+          <p:cNvSpPr txBox="1"/>
+          <p:nvPr/>
+        </p:nvSpPr>
+        <p:spPr>
+          <a:xfrm>
+            <a:off x="5363447" y="2323140"/>
+            <a:ext cx="1165704" cy="230832"/>
+          </a:xfrm>
+          <a:prstGeom prst="rect">
+            <a:avLst/>
+          </a:prstGeom>
+          <a:noFill/>
+        </p:spPr>
+        <p:txBody>
+          <a:bodyPr wrap="none" rtlCol="0">
+            <a:spAutoFit/>
+          </a:bodyPr>
+          <a:lstStyle/>
+          <a:p>
+            <a:pPr algn="ctr"/>
+            <a:r>
+              <a:rPr lang="en-KR" sz="900">
+                <a:solidFill>
+                  <a:schemeClr val="tx2"/>
+                </a:solidFill>
+              </a:rPr>
+              <a:t>Get driver’s pod IP</a:t>
+            </a:r>
+          </a:p>
+        </p:txBody>
+      </p:sp>
+      <p:sp>
+        <p:nvSpPr>
+          <p:cNvPr id="55" name="Oval 54">
+            <a:extLst>
+              <a:ext uri="{FF2B5EF4-FFF2-40B4-BE49-F238E27FC236}">
+                <a16:creationId xmlns:a16="http://schemas.microsoft.com/office/drawing/2014/main" id="{C3D76488-694A-0D89-84E8-DEF7250ECB93}"/>
+              </a:ext>
+            </a:extLst>
+          </p:cNvPr>
+          <p:cNvSpPr/>
+          <p:nvPr/>
+        </p:nvSpPr>
+        <p:spPr>
+          <a:xfrm>
+            <a:off x="2842907" y="2870572"/>
+            <a:ext cx="216024" cy="216024"/>
+          </a:xfrm>
+          <a:prstGeom prst="ellipse">
+            <a:avLst/>
+          </a:prstGeom>
+          <a:solidFill>
+            <a:schemeClr val="bg1"/>
+          </a:solidFill>
+          <a:ln w="19050">
+            <a:solidFill>
+              <a:schemeClr val="tx2"/>
+            </a:solidFill>
+          </a:ln>
+        </p:spPr>
+        <p:style>
+          <a:lnRef idx="2">
+            <a:schemeClr val="accent1">
+              <a:shade val="15000"/>
+            </a:schemeClr>
+          </a:lnRef>
+          <a:fillRef idx="1">
+            <a:schemeClr val="accent1"/>
+          </a:fillRef>
+          <a:effectRef idx="0">
+            <a:schemeClr val="accent1"/>
+          </a:effectRef>
+          <a:fontRef idx="minor">
+            <a:schemeClr val="lt1"/>
+          </a:fontRef>
+        </p:style>
+        <p:txBody>
+          <a:bodyPr rtlCol="0" anchor="ctr"/>
+          <a:lstStyle/>
+          <a:p>
+            <a:pPr algn="ctr"/>
+            <a:r>
+              <a:rPr lang="en-KR" sz="1000">
+                <a:solidFill>
+                  <a:schemeClr val="tx2"/>
+                </a:solidFill>
+              </a:rPr>
+              <a:t>6</a:t>
+            </a:r>
+          </a:p>
+        </p:txBody>
+      </p:sp>
+      <p:sp>
+        <p:nvSpPr>
+          <p:cNvPr id="58" name="TextBox 57">
+            <a:extLst>
+              <a:ext uri="{FF2B5EF4-FFF2-40B4-BE49-F238E27FC236}">
+                <a16:creationId xmlns:a16="http://schemas.microsoft.com/office/drawing/2014/main" id="{92073557-1629-32D5-DEC0-F06090CB393A}"/>
+              </a:ext>
+            </a:extLst>
+          </p:cNvPr>
+          <p:cNvSpPr txBox="1"/>
+          <p:nvPr/>
+        </p:nvSpPr>
+        <p:spPr>
+          <a:xfrm>
+            <a:off x="2940368" y="2206059"/>
+            <a:ext cx="1253869" cy="230832"/>
+          </a:xfrm>
+          <a:prstGeom prst="rect">
+            <a:avLst/>
+          </a:prstGeom>
+          <a:noFill/>
+        </p:spPr>
+        <p:txBody>
+          <a:bodyPr wrap="none" rtlCol="0">
+            <a:spAutoFit/>
+          </a:bodyPr>
+          <a:lstStyle/>
+          <a:p>
+            <a:pPr algn="ctr"/>
+            <a:r>
+              <a:rPr lang="en-KR" sz="900">
+                <a:solidFill>
+                  <a:schemeClr val="tx2"/>
+                </a:solidFill>
+              </a:rPr>
+              <a:t>Create driver service</a:t>
+            </a:r>
+          </a:p>
+        </p:txBody>
+      </p:sp>
+      <p:sp>
+        <p:nvSpPr>
+          <p:cNvPr id="59" name="TextBox 58">
+            <a:extLst>
+              <a:ext uri="{FF2B5EF4-FFF2-40B4-BE49-F238E27FC236}">
+                <a16:creationId xmlns:a16="http://schemas.microsoft.com/office/drawing/2014/main" id="{FF134564-7142-A9B2-3BB5-9CE90A771B19}"/>
+              </a:ext>
+            </a:extLst>
+          </p:cNvPr>
+          <p:cNvSpPr txBox="1"/>
+          <p:nvPr/>
+        </p:nvSpPr>
+        <p:spPr>
+          <a:xfrm>
+            <a:off x="3191152" y="2469419"/>
+            <a:ext cx="1061509" cy="230832"/>
+          </a:xfrm>
+          <a:prstGeom prst="rect">
+            <a:avLst/>
+          </a:prstGeom>
+          <a:noFill/>
+        </p:spPr>
+        <p:txBody>
+          <a:bodyPr wrap="none" rtlCol="0">
+            <a:spAutoFit/>
+          </a:bodyPr>
+          <a:lstStyle/>
+          <a:p>
+            <a:pPr algn="ctr"/>
+            <a:r>
+              <a:rPr lang="en-KR" sz="900">
+                <a:solidFill>
+                  <a:schemeClr val="tx2"/>
+                </a:solidFill>
+              </a:rPr>
+              <a:t>Create executors</a:t>
+            </a:r>
+          </a:p>
+        </p:txBody>
+      </p:sp>
+      <p:sp>
+        <p:nvSpPr>
+          <p:cNvPr id="60" name="Oval 59">
+            <a:extLst>
+              <a:ext uri="{FF2B5EF4-FFF2-40B4-BE49-F238E27FC236}">
+                <a16:creationId xmlns:a16="http://schemas.microsoft.com/office/drawing/2014/main" id="{3179757C-91C7-DBF3-9487-30B44294F396}"/>
+              </a:ext>
+            </a:extLst>
+          </p:cNvPr>
+          <p:cNvSpPr/>
+          <p:nvPr/>
+        </p:nvSpPr>
+        <p:spPr>
+          <a:xfrm>
+            <a:off x="3203177" y="2870572"/>
+            <a:ext cx="216024" cy="216024"/>
+          </a:xfrm>
+          <a:prstGeom prst="ellipse">
+            <a:avLst/>
+          </a:prstGeom>
+          <a:solidFill>
+            <a:schemeClr val="bg1"/>
+          </a:solidFill>
+          <a:ln w="19050">
+            <a:solidFill>
+              <a:schemeClr val="tx2"/>
+            </a:solidFill>
+          </a:ln>
+        </p:spPr>
+        <p:style>
+          <a:lnRef idx="2">
+            <a:schemeClr val="accent1">
+              <a:shade val="15000"/>
+            </a:schemeClr>
+          </a:lnRef>
+          <a:fillRef idx="1">
+            <a:schemeClr val="accent1"/>
+          </a:fillRef>
+          <a:effectRef idx="0">
+            <a:schemeClr val="accent1"/>
+          </a:effectRef>
+          <a:fontRef idx="minor">
+            <a:schemeClr val="lt1"/>
+          </a:fontRef>
+        </p:style>
+        <p:txBody>
+          <a:bodyPr rtlCol="0" anchor="ctr"/>
+          <a:lstStyle/>
+          <a:p>
+            <a:pPr algn="ctr"/>
+            <a:r>
+              <a:rPr lang="en-KR" sz="1000">
+                <a:solidFill>
+                  <a:schemeClr val="tx2"/>
+                </a:solidFill>
+              </a:rPr>
+              <a:t>7</a:t>
+            </a:r>
+          </a:p>
+        </p:txBody>
+      </p:sp>
+      <p:sp>
+        <p:nvSpPr>
+          <p:cNvPr id="61" name="Oval 60">
+            <a:extLst>
+              <a:ext uri="{FF2B5EF4-FFF2-40B4-BE49-F238E27FC236}">
+                <a16:creationId xmlns:a16="http://schemas.microsoft.com/office/drawing/2014/main" id="{2B78F996-0CFB-A1DD-6E76-9F395E9B102E}"/>
+              </a:ext>
+            </a:extLst>
+          </p:cNvPr>
+          <p:cNvSpPr/>
+          <p:nvPr/>
+        </p:nvSpPr>
+        <p:spPr>
+          <a:xfrm>
+            <a:off x="6443485" y="2433306"/>
+            <a:ext cx="216024" cy="216024"/>
+          </a:xfrm>
+          <a:prstGeom prst="ellipse">
+            <a:avLst/>
+          </a:prstGeom>
+          <a:solidFill>
+            <a:schemeClr val="bg1"/>
+          </a:solidFill>
+          <a:ln w="19050">
+            <a:solidFill>
+              <a:schemeClr val="tx2"/>
+            </a:solidFill>
+          </a:ln>
+        </p:spPr>
+        <p:style>
+          <a:lnRef idx="2">
+            <a:schemeClr val="accent1">
+              <a:shade val="15000"/>
+            </a:schemeClr>
+          </a:lnRef>
+          <a:fillRef idx="1">
+            <a:schemeClr val="accent1"/>
+          </a:fillRef>
+          <a:effectRef idx="0">
+            <a:schemeClr val="accent1"/>
+          </a:effectRef>
+          <a:fontRef idx="minor">
+            <a:schemeClr val="lt1"/>
+          </a:fontRef>
+        </p:style>
+        <p:txBody>
+          <a:bodyPr rtlCol="0" anchor="ctr"/>
+          <a:lstStyle/>
+          <a:p>
+            <a:pPr algn="ctr"/>
+            <a:r>
+              <a:rPr lang="en-KR" sz="1000">
+                <a:solidFill>
+                  <a:schemeClr val="tx2"/>
+                </a:solidFill>
+              </a:rPr>
+              <a:t>8</a:t>
+            </a:r>
+          </a:p>
+        </p:txBody>
+      </p:sp>
+      <p:cxnSp>
+        <p:nvCxnSpPr>
+          <p:cNvPr id="62" name="Straight Arrow Connector 61">
+            <a:extLst>
+              <a:ext uri="{FF2B5EF4-FFF2-40B4-BE49-F238E27FC236}">
+                <a16:creationId xmlns:a16="http://schemas.microsoft.com/office/drawing/2014/main" id="{7479CE41-05FF-1B97-7AC3-B16563C7BABC}"/>
+              </a:ext>
+            </a:extLst>
+          </p:cNvPr>
+          <p:cNvCxnSpPr>
+            <a:cxnSpLocks/>
+            <a:stCxn id="61" idx="0"/>
+            <a:endCxn id="22" idx="2"/>
+          </p:cNvCxnSpPr>
+          <p:nvPr/>
+        </p:nvCxnSpPr>
+        <p:spPr>
+          <a:xfrm flipV="1">
+            <a:off x="6551497" y="2048172"/>
+            <a:ext cx="0" cy="385134"/>
+          </a:xfrm>
+          <a:prstGeom prst="straightConnector1">
+            <a:avLst/>
+          </a:prstGeom>
+          <a:ln>
+            <a:solidFill>
+              <a:schemeClr val="tx2"/>
+            </a:solidFill>
+            <a:tailEnd type="triangle"/>
+          </a:ln>
+        </p:spPr>
+        <p:style>
+          <a:lnRef idx="1">
+            <a:schemeClr val="dk1"/>
+          </a:lnRef>
+          <a:fillRef idx="0">
+            <a:schemeClr val="dk1"/>
+          </a:fillRef>
+          <a:effectRef idx="0">
+            <a:schemeClr val="dk1"/>
+          </a:effectRef>
+          <a:fontRef idx="minor">
+            <a:schemeClr val="tx1"/>
+          </a:fontRef>
+        </p:style>
+      </p:cxnSp>
+      <p:sp>
+        <p:nvSpPr>
+          <p:cNvPr id="63" name="TextBox 62">
+            <a:extLst>
+              <a:ext uri="{FF2B5EF4-FFF2-40B4-BE49-F238E27FC236}">
+                <a16:creationId xmlns:a16="http://schemas.microsoft.com/office/drawing/2014/main" id="{A655F797-6E42-2265-87BF-B19E97BEA321}"/>
+              </a:ext>
+            </a:extLst>
+          </p:cNvPr>
+          <p:cNvSpPr txBox="1"/>
+          <p:nvPr/>
+        </p:nvSpPr>
+        <p:spPr>
+          <a:xfrm>
+            <a:off x="4299539" y="3167921"/>
+            <a:ext cx="768159" cy="369332"/>
+          </a:xfrm>
+          <a:prstGeom prst="rect">
+            <a:avLst/>
+          </a:prstGeom>
+          <a:noFill/>
+        </p:spPr>
+        <p:txBody>
+          <a:bodyPr wrap="none" rtlCol="0">
+            <a:spAutoFit/>
+          </a:bodyPr>
+          <a:lstStyle/>
+          <a:p>
+            <a:pPr algn="ctr"/>
+            <a:r>
+              <a:rPr lang="en-KR" sz="900">
+                <a:solidFill>
+                  <a:schemeClr val="tx2"/>
+                </a:solidFill>
+              </a:rPr>
+              <a:t>Connect to</a:t>
+            </a:r>
+          </a:p>
+          <a:p>
+            <a:pPr algn="ctr"/>
+            <a:r>
+              <a:rPr lang="en-KR" sz="900">
+                <a:solidFill>
+                  <a:schemeClr val="tx2"/>
+                </a:solidFill>
+              </a:rPr>
+              <a:t>driver</a:t>
+            </a:r>
+          </a:p>
+        </p:txBody>
+      </p:sp>
+      <p:sp>
+        <p:nvSpPr>
+          <p:cNvPr id="64" name="Oval 63">
+            <a:extLst>
+              <a:ext uri="{FF2B5EF4-FFF2-40B4-BE49-F238E27FC236}">
+                <a16:creationId xmlns:a16="http://schemas.microsoft.com/office/drawing/2014/main" id="{55C0B068-B937-4EC8-532A-113042946BBA}"/>
+              </a:ext>
+            </a:extLst>
+          </p:cNvPr>
+          <p:cNvSpPr/>
+          <p:nvPr/>
+        </p:nvSpPr>
+        <p:spPr>
+          <a:xfrm>
+            <a:off x="2463026" y="3189850"/>
+            <a:ext cx="216024" cy="216024"/>
+          </a:xfrm>
+          <a:prstGeom prst="ellipse">
+            <a:avLst/>
+          </a:prstGeom>
+          <a:solidFill>
+            <a:schemeClr val="bg1"/>
+          </a:solidFill>
+          <a:ln w="19050">
+            <a:solidFill>
+              <a:srgbClr val="C00000"/>
+            </a:solidFill>
+          </a:ln>
+        </p:spPr>
+        <p:style>
+          <a:lnRef idx="2">
+            <a:schemeClr val="accent1">
+              <a:shade val="15000"/>
+            </a:schemeClr>
+          </a:lnRef>
+          <a:fillRef idx="1">
+            <a:schemeClr val="accent1"/>
+          </a:fillRef>
+          <a:effectRef idx="0">
+            <a:schemeClr val="accent1"/>
+          </a:effectRef>
+          <a:fontRef idx="minor">
+            <a:schemeClr val="lt1"/>
+          </a:fontRef>
+        </p:style>
+        <p:txBody>
+          <a:bodyPr rtlCol="0" anchor="ctr"/>
+          <a:lstStyle/>
+          <a:p>
+            <a:pPr algn="ctr"/>
+            <a:r>
+              <a:rPr lang="en-KR" sz="1000">
+                <a:solidFill>
+                  <a:srgbClr val="C00000"/>
+                </a:solidFill>
+              </a:rPr>
+              <a:t>1</a:t>
+            </a:r>
+          </a:p>
+        </p:txBody>
+      </p:sp>
+      <p:sp>
+        <p:nvSpPr>
+          <p:cNvPr id="65" name="TextBox 64">
+            <a:extLst>
+              <a:ext uri="{FF2B5EF4-FFF2-40B4-BE49-F238E27FC236}">
+                <a16:creationId xmlns:a16="http://schemas.microsoft.com/office/drawing/2014/main" id="{DDF918DB-B27F-76D3-2BC3-FF16DE01F257}"/>
+              </a:ext>
+            </a:extLst>
+          </p:cNvPr>
+          <p:cNvSpPr txBox="1"/>
+          <p:nvPr/>
+        </p:nvSpPr>
+        <p:spPr>
+          <a:xfrm>
+            <a:off x="155682" y="3056420"/>
+            <a:ext cx="920445" cy="369332"/>
+          </a:xfrm>
+          <a:prstGeom prst="rect">
+            <a:avLst/>
+          </a:prstGeom>
+          <a:noFill/>
+        </p:spPr>
+        <p:txBody>
+          <a:bodyPr wrap="none" rtlCol="0">
+            <a:spAutoFit/>
+          </a:bodyPr>
+          <a:lstStyle/>
+          <a:p>
+            <a:pPr algn="ctr"/>
+            <a:r>
+              <a:rPr lang="en-KR" sz="900">
+                <a:solidFill>
+                  <a:srgbClr val="C00000"/>
+                </a:solidFill>
+              </a:rPr>
+              <a:t>Write driver’s </a:t>
+            </a:r>
+          </a:p>
+          <a:p>
+            <a:pPr algn="ctr"/>
+            <a:r>
+              <a:rPr lang="en-KR" sz="900">
+                <a:solidFill>
+                  <a:srgbClr val="C00000"/>
+                </a:solidFill>
+              </a:rPr>
+              <a:t>event logs</a:t>
+            </a:r>
+          </a:p>
+        </p:txBody>
+      </p:sp>
+      <p:sp>
+        <p:nvSpPr>
+          <p:cNvPr id="68" name="Oval 67">
+            <a:extLst>
+              <a:ext uri="{FF2B5EF4-FFF2-40B4-BE49-F238E27FC236}">
+                <a16:creationId xmlns:a16="http://schemas.microsoft.com/office/drawing/2014/main" id="{FC63A846-DF07-2A10-6AA3-174D71C6FE16}"/>
+              </a:ext>
+            </a:extLst>
+          </p:cNvPr>
+          <p:cNvSpPr/>
+          <p:nvPr/>
+        </p:nvSpPr>
+        <p:spPr>
+          <a:xfrm>
+            <a:off x="2463026" y="3569344"/>
+            <a:ext cx="216024" cy="216024"/>
+          </a:xfrm>
+          <a:prstGeom prst="ellipse">
+            <a:avLst/>
+          </a:prstGeom>
+          <a:solidFill>
+            <a:schemeClr val="bg1"/>
+          </a:solidFill>
+          <a:ln w="19050">
+            <a:solidFill>
+              <a:srgbClr val="C00000"/>
+            </a:solidFill>
+          </a:ln>
+        </p:spPr>
+        <p:style>
+          <a:lnRef idx="2">
+            <a:schemeClr val="accent1">
+              <a:shade val="15000"/>
+            </a:schemeClr>
+          </a:lnRef>
+          <a:fillRef idx="1">
+            <a:schemeClr val="accent1"/>
+          </a:fillRef>
+          <a:effectRef idx="0">
+            <a:schemeClr val="accent1"/>
+          </a:effectRef>
+          <a:fontRef idx="minor">
+            <a:schemeClr val="lt1"/>
+          </a:fontRef>
+        </p:style>
+        <p:txBody>
+          <a:bodyPr rtlCol="0" anchor="ctr"/>
+          <a:lstStyle/>
+          <a:p>
+            <a:pPr algn="ctr"/>
+            <a:r>
+              <a:rPr lang="en-KR" sz="1000">
+                <a:solidFill>
+                  <a:srgbClr val="C00000"/>
+                </a:solidFill>
+              </a:rPr>
+              <a:t>2</a:t>
+            </a:r>
+          </a:p>
+        </p:txBody>
+      </p:sp>
+      <p:sp>
+        <p:nvSpPr>
+          <p:cNvPr id="69" name="TextBox 68">
+            <a:extLst>
+              <a:ext uri="{FF2B5EF4-FFF2-40B4-BE49-F238E27FC236}">
+                <a16:creationId xmlns:a16="http://schemas.microsoft.com/office/drawing/2014/main" id="{73FDC059-B1DA-D984-0F4B-373AD586C42E}"/>
+              </a:ext>
+            </a:extLst>
+          </p:cNvPr>
+          <p:cNvSpPr txBox="1"/>
+          <p:nvPr/>
+        </p:nvSpPr>
+        <p:spPr>
+          <a:xfrm>
+            <a:off x="1654377" y="4041078"/>
+            <a:ext cx="782587" cy="369332"/>
+          </a:xfrm>
+          <a:prstGeom prst="rect">
+            <a:avLst/>
+          </a:prstGeom>
+          <a:noFill/>
+        </p:spPr>
+        <p:txBody>
+          <a:bodyPr wrap="none" rtlCol="0">
+            <a:spAutoFit/>
+          </a:bodyPr>
+          <a:lstStyle/>
+          <a:p>
+            <a:pPr algn="ctr"/>
+            <a:r>
+              <a:rPr lang="en-KR" sz="900">
+                <a:solidFill>
+                  <a:srgbClr val="C00000"/>
+                </a:solidFill>
+              </a:rPr>
+              <a:t>Get driver’s</a:t>
+            </a:r>
+          </a:p>
+          <a:p>
+            <a:pPr algn="ctr"/>
+            <a:r>
+              <a:rPr lang="en-KR" sz="900">
+                <a:solidFill>
+                  <a:srgbClr val="C00000"/>
+                </a:solidFill>
+              </a:rPr>
+              <a:t>event logs</a:t>
+            </a:r>
+          </a:p>
+        </p:txBody>
+      </p:sp>
+      <p:sp>
+        <p:nvSpPr>
+          <p:cNvPr id="71" name="Oval 70">
+            <a:extLst>
+              <a:ext uri="{FF2B5EF4-FFF2-40B4-BE49-F238E27FC236}">
+                <a16:creationId xmlns:a16="http://schemas.microsoft.com/office/drawing/2014/main" id="{9635FDF7-0210-E3B2-93B3-32C3F2069144}"/>
+              </a:ext>
+            </a:extLst>
+          </p:cNvPr>
+          <p:cNvSpPr/>
+          <p:nvPr/>
+        </p:nvSpPr>
+        <p:spPr>
+          <a:xfrm>
+            <a:off x="3420912" y="3352587"/>
+            <a:ext cx="216024" cy="216024"/>
+          </a:xfrm>
+          <a:prstGeom prst="ellipse">
+            <a:avLst/>
+          </a:prstGeom>
+          <a:solidFill>
+            <a:schemeClr val="bg1"/>
+          </a:solidFill>
+          <a:ln w="19050">
+            <a:solidFill>
+              <a:srgbClr val="C00000"/>
+            </a:solidFill>
+          </a:ln>
+        </p:spPr>
+        <p:style>
+          <a:lnRef idx="2">
+            <a:schemeClr val="accent1">
+              <a:shade val="15000"/>
+            </a:schemeClr>
+          </a:lnRef>
+          <a:fillRef idx="1">
+            <a:schemeClr val="accent1"/>
+          </a:fillRef>
+          <a:effectRef idx="0">
+            <a:schemeClr val="accent1"/>
+          </a:effectRef>
+          <a:fontRef idx="minor">
+            <a:schemeClr val="lt1"/>
+          </a:fontRef>
+        </p:style>
+        <p:txBody>
+          <a:bodyPr rtlCol="0" anchor="ctr"/>
+          <a:lstStyle/>
+          <a:p>
+            <a:pPr algn="ctr"/>
+            <a:r>
+              <a:rPr lang="en-KR" sz="1000">
+                <a:solidFill>
+                  <a:srgbClr val="C00000"/>
+                </a:solidFill>
+              </a:rPr>
+              <a:t>3</a:t>
+            </a:r>
+          </a:p>
+        </p:txBody>
+      </p:sp>
+      <p:sp>
+        <p:nvSpPr>
+          <p:cNvPr id="72" name="TextBox 71">
+            <a:extLst>
+              <a:ext uri="{FF2B5EF4-FFF2-40B4-BE49-F238E27FC236}">
+                <a16:creationId xmlns:a16="http://schemas.microsoft.com/office/drawing/2014/main" id="{12C9E2F2-5F8D-7894-9EC4-EA89AB908347}"/>
+              </a:ext>
+            </a:extLst>
+          </p:cNvPr>
+          <p:cNvSpPr txBox="1"/>
+          <p:nvPr/>
+        </p:nvSpPr>
+        <p:spPr>
+          <a:xfrm>
+            <a:off x="4680975" y="2178658"/>
+            <a:ext cx="859531" cy="369332"/>
+          </a:xfrm>
+          <a:prstGeom prst="rect">
+            <a:avLst/>
+          </a:prstGeom>
+          <a:noFill/>
+        </p:spPr>
+        <p:txBody>
+          <a:bodyPr wrap="none" rtlCol="0">
+            <a:spAutoFit/>
+          </a:bodyPr>
+          <a:lstStyle/>
+          <a:p>
+            <a:pPr algn="ctr"/>
+            <a:r>
+              <a:rPr lang="en-KR" sz="900">
+                <a:solidFill>
+                  <a:srgbClr val="C00000"/>
+                </a:solidFill>
+              </a:rPr>
+              <a:t>Send driver’s</a:t>
+            </a:r>
+          </a:p>
+          <a:p>
+            <a:pPr algn="ctr"/>
+            <a:r>
+              <a:rPr lang="en-KR" sz="900">
+                <a:solidFill>
+                  <a:srgbClr val="C00000"/>
+                </a:solidFill>
+              </a:rPr>
+              <a:t>event logs</a:t>
+            </a:r>
+          </a:p>
+        </p:txBody>
+      </p:sp>
+      <p:sp>
+        <p:nvSpPr>
+          <p:cNvPr id="75" name="모서리가 둥근 직사각형 2">
+            <a:extLst>
+              <a:ext uri="{FF2B5EF4-FFF2-40B4-BE49-F238E27FC236}">
+                <a16:creationId xmlns:a16="http://schemas.microsoft.com/office/drawing/2014/main" id="{B7439CF9-D92D-80D7-459F-CCDAF96B049A}"/>
+              </a:ext>
+            </a:extLst>
+          </p:cNvPr>
+          <p:cNvSpPr/>
+          <p:nvPr/>
+        </p:nvSpPr>
+        <p:spPr>
+          <a:xfrm>
+            <a:off x="7541906" y="2837433"/>
+            <a:ext cx="1368152" cy="1440154"/>
+          </a:xfrm>
+          <a:prstGeom prst="roundRect">
+            <a:avLst>
+              <a:gd name="adj" fmla="val 7293"/>
+            </a:avLst>
+          </a:prstGeom>
+          <a:ln w="12700"/>
+        </p:spPr>
+        <p:style>
+          <a:lnRef idx="2">
+            <a:schemeClr val="dk1"/>
+          </a:lnRef>
+          <a:fillRef idx="1">
+            <a:schemeClr val="lt1"/>
+          </a:fillRef>
+          <a:effectRef idx="0">
+            <a:schemeClr val="dk1"/>
+          </a:effectRef>
+          <a:fontRef idx="minor">
+            <a:schemeClr val="dk1"/>
+          </a:fontRef>
+        </p:style>
+        <p:txBody>
+          <a:bodyPr rtlCol="0" anchor="b"/>
+          <a:lstStyle/>
+          <a:p>
+            <a:pPr algn="ctr"/>
+            <a:r>
+              <a:rPr lang="en-US" altLang="ko-KR" sz="1100"/>
+              <a:t>Worker Node D</a:t>
+            </a:r>
+            <a:endParaRPr lang="ko-KR" altLang="en-US" sz="1100"/>
+          </a:p>
+        </p:txBody>
+      </p:sp>
+      <p:sp>
+        <p:nvSpPr>
+          <p:cNvPr id="76" name="모서리가 둥근 직사각형 2">
+            <a:extLst>
+              <a:ext uri="{FF2B5EF4-FFF2-40B4-BE49-F238E27FC236}">
+                <a16:creationId xmlns:a16="http://schemas.microsoft.com/office/drawing/2014/main" id="{6BFA17E7-3D00-157E-0D6D-2047431486BF}"/>
+              </a:ext>
+            </a:extLst>
+          </p:cNvPr>
+          <p:cNvSpPr/>
+          <p:nvPr/>
+        </p:nvSpPr>
+        <p:spPr>
+          <a:xfrm>
+            <a:off x="7630526" y="2981448"/>
+            <a:ext cx="1190912" cy="890801"/>
+          </a:xfrm>
+          <a:prstGeom prst="roundRect">
+            <a:avLst>
+              <a:gd name="adj" fmla="val 9041"/>
+            </a:avLst>
+          </a:prstGeom>
+          <a:ln w="12700"/>
+        </p:spPr>
+        <p:style>
+          <a:lnRef idx="2">
+            <a:schemeClr val="dk1"/>
+          </a:lnRef>
+          <a:fillRef idx="1">
+            <a:schemeClr val="lt1"/>
+          </a:fillRef>
+          <a:effectRef idx="0">
+            <a:schemeClr val="dk1"/>
+          </a:effectRef>
+          <a:fontRef idx="minor">
+            <a:schemeClr val="dk1"/>
+          </a:fontRef>
+        </p:style>
+        <p:txBody>
+          <a:bodyPr rtlCol="0" anchor="b"/>
+          <a:lstStyle/>
+          <a:p>
+            <a:pPr algn="ctr"/>
+            <a:r>
+              <a:rPr lang="en-US" altLang="ko-KR" sz="1000" b="1"/>
+              <a:t>spark-operator </a:t>
+            </a:r>
+            <a:br>
+              <a:rPr lang="en-US" altLang="ko-KR" sz="1000" b="1"/>
+            </a:br>
+            <a:r>
+              <a:rPr lang="en-US" altLang="ko-KR" sz="1000"/>
+              <a:t>/ Pod</a:t>
+            </a:r>
+            <a:endParaRPr lang="ko-KR" altLang="en-US" sz="1000"/>
+          </a:p>
+        </p:txBody>
+      </p:sp>
+      <p:sp>
+        <p:nvSpPr>
+          <p:cNvPr id="79" name="모서리가 둥근 직사각형 2">
+            <a:extLst>
+              <a:ext uri="{FF2B5EF4-FFF2-40B4-BE49-F238E27FC236}">
+                <a16:creationId xmlns:a16="http://schemas.microsoft.com/office/drawing/2014/main" id="{5668E099-6809-7EDA-FCDB-55210BB41384}"/>
+              </a:ext>
+            </a:extLst>
+          </p:cNvPr>
+          <p:cNvSpPr/>
+          <p:nvPr/>
+        </p:nvSpPr>
+        <p:spPr>
+          <a:xfrm>
+            <a:off x="7698325" y="3072694"/>
+            <a:ext cx="1047740" cy="386745"/>
+          </a:xfrm>
+          <a:prstGeom prst="roundRect">
+            <a:avLst>
+              <a:gd name="adj" fmla="val 13068"/>
+            </a:avLst>
+          </a:prstGeom>
+          <a:ln w="12700"/>
+        </p:spPr>
+        <p:style>
+          <a:lnRef idx="2">
+            <a:schemeClr val="dk1"/>
+          </a:lnRef>
+          <a:fillRef idx="1">
+            <a:schemeClr val="lt1"/>
+          </a:fillRef>
+          <a:effectRef idx="0">
+            <a:schemeClr val="dk1"/>
+          </a:effectRef>
+          <a:fontRef idx="minor">
+            <a:schemeClr val="dk1"/>
+          </a:fontRef>
+        </p:style>
+        <p:txBody>
+          <a:bodyPr rtlCol="0" anchor="ctr"/>
+          <a:lstStyle/>
+          <a:p>
+            <a:pPr algn="ctr"/>
+            <a:r>
+              <a:rPr lang="en-US" altLang="ko-KR" sz="900" b="1"/>
+              <a:t>spark-submit CLI</a:t>
+            </a:r>
+            <a:endParaRPr lang="ko-KR" altLang="en-US" sz="900" b="1"/>
+          </a:p>
+        </p:txBody>
+      </p:sp>
+      <p:sp>
+        <p:nvSpPr>
+          <p:cNvPr id="80" name="모서리가 둥근 직사각형 2">
+            <a:extLst>
+              <a:ext uri="{FF2B5EF4-FFF2-40B4-BE49-F238E27FC236}">
+                <a16:creationId xmlns:a16="http://schemas.microsoft.com/office/drawing/2014/main" id="{203981CE-5480-F7BE-04FE-6141F74CCFB9}"/>
+              </a:ext>
+            </a:extLst>
+          </p:cNvPr>
+          <p:cNvSpPr/>
+          <p:nvPr/>
+        </p:nvSpPr>
+        <p:spPr>
+          <a:xfrm>
+            <a:off x="2483767" y="848240"/>
+            <a:ext cx="1421855" cy="508063"/>
+          </a:xfrm>
+          <a:prstGeom prst="roundRect">
+            <a:avLst>
+              <a:gd name="adj" fmla="val 13068"/>
+            </a:avLst>
+          </a:prstGeom>
+          <a:ln w="12700"/>
+        </p:spPr>
+        <p:style>
+          <a:lnRef idx="2">
+            <a:schemeClr val="dk1"/>
+          </a:lnRef>
+          <a:fillRef idx="1">
+            <a:schemeClr val="lt1"/>
+          </a:fillRef>
+          <a:effectRef idx="0">
+            <a:schemeClr val="dk1"/>
+          </a:effectRef>
+          <a:fontRef idx="minor">
+            <a:schemeClr val="dk1"/>
+          </a:fontRef>
+        </p:style>
+        <p:txBody>
+          <a:bodyPr rtlCol="0" anchor="ctr"/>
+          <a:lstStyle/>
+          <a:p>
+            <a:pPr algn="ctr"/>
+            <a:r>
+              <a:rPr lang="en-US" altLang="ko-KR" sz="1000" b="1"/>
+              <a:t>SparkApplication</a:t>
+            </a:r>
+          </a:p>
+          <a:p>
+            <a:pPr algn="ctr"/>
+            <a:r>
+              <a:rPr lang="en-US" altLang="ko-KR" sz="1000"/>
+              <a:t>/ Custom Resource</a:t>
+            </a:r>
+            <a:endParaRPr lang="ko-KR" altLang="en-US" sz="1000"/>
+          </a:p>
+        </p:txBody>
+      </p:sp>
+      <p:sp>
+        <p:nvSpPr>
+          <p:cNvPr id="81" name="모서리가 둥근 직사각형 2">
+            <a:extLst>
+              <a:ext uri="{FF2B5EF4-FFF2-40B4-BE49-F238E27FC236}">
+                <a16:creationId xmlns:a16="http://schemas.microsoft.com/office/drawing/2014/main" id="{3AD1C164-17CC-5C80-F429-59E21D8A3B20}"/>
+              </a:ext>
+            </a:extLst>
+          </p:cNvPr>
+          <p:cNvSpPr/>
+          <p:nvPr/>
+        </p:nvSpPr>
+        <p:spPr>
+          <a:xfrm>
+            <a:off x="4146747" y="848240"/>
+            <a:ext cx="1935820" cy="508063"/>
+          </a:xfrm>
+          <a:prstGeom prst="roundRect">
+            <a:avLst>
+              <a:gd name="adj" fmla="val 13068"/>
+            </a:avLst>
+          </a:prstGeom>
+          <a:ln w="12700"/>
+        </p:spPr>
+        <p:style>
+          <a:lnRef idx="2">
+            <a:schemeClr val="dk1"/>
+          </a:lnRef>
+          <a:fillRef idx="1">
+            <a:schemeClr val="lt1"/>
+          </a:fillRef>
+          <a:effectRef idx="0">
+            <a:schemeClr val="dk1"/>
+          </a:effectRef>
+          <a:fontRef idx="minor">
+            <a:schemeClr val="dk1"/>
+          </a:fontRef>
+        </p:style>
+        <p:txBody>
+          <a:bodyPr rtlCol="0" anchor="ctr"/>
+          <a:lstStyle/>
+          <a:p>
+            <a:pPr algn="ctr"/>
+            <a:r>
+              <a:rPr lang="en-US" altLang="ko-KR" sz="1000" b="1"/>
+              <a:t>ScheduledSparkApplication</a:t>
+            </a:r>
+          </a:p>
+          <a:p>
+            <a:pPr algn="ctr"/>
+            <a:r>
+              <a:rPr lang="en-US" altLang="ko-KR" sz="1000"/>
+              <a:t>/ Custom Resource</a:t>
+            </a:r>
+            <a:endParaRPr lang="ko-KR" altLang="en-US" sz="1000"/>
+          </a:p>
+        </p:txBody>
+      </p:sp>
+      <p:sp>
+        <p:nvSpPr>
+          <p:cNvPr id="83" name="모서리가 둥근 직사각형 2">
+            <a:extLst>
+              <a:ext uri="{FF2B5EF4-FFF2-40B4-BE49-F238E27FC236}">
+                <a16:creationId xmlns:a16="http://schemas.microsoft.com/office/drawing/2014/main" id="{1071C5DB-E8F4-90CB-587F-810A1330B841}"/>
+              </a:ext>
+            </a:extLst>
+          </p:cNvPr>
+          <p:cNvSpPr/>
+          <p:nvPr/>
+        </p:nvSpPr>
+        <p:spPr>
+          <a:xfrm>
+            <a:off x="6297626" y="848240"/>
+            <a:ext cx="1935820" cy="508063"/>
+          </a:xfrm>
+          <a:prstGeom prst="roundRect">
+            <a:avLst>
+              <a:gd name="adj" fmla="val 13068"/>
+            </a:avLst>
+          </a:prstGeom>
+          <a:ln w="12700"/>
+        </p:spPr>
+        <p:style>
+          <a:lnRef idx="2">
+            <a:schemeClr val="dk1"/>
+          </a:lnRef>
+          <a:fillRef idx="1">
+            <a:schemeClr val="lt1"/>
+          </a:fillRef>
+          <a:effectRef idx="0">
+            <a:schemeClr val="dk1"/>
+          </a:effectRef>
+          <a:fontRef idx="minor">
+            <a:schemeClr val="dk1"/>
+          </a:fontRef>
+        </p:style>
+        <p:txBody>
+          <a:bodyPr rtlCol="0" anchor="ctr"/>
+          <a:lstStyle/>
+          <a:p>
+            <a:pPr algn="ctr"/>
+            <a:r>
+              <a:rPr lang="en-US" altLang="ko-KR" sz="1000"/>
+              <a:t>Spark Web UI</a:t>
+            </a:r>
+          </a:p>
+          <a:p>
+            <a:pPr algn="ctr"/>
+            <a:r>
+              <a:rPr lang="en-US" altLang="ko-KR" sz="1000"/>
+              <a:t>/ Service, Ingress</a:t>
+            </a:r>
+            <a:endParaRPr lang="ko-KR" altLang="en-US" sz="1000"/>
+          </a:p>
+        </p:txBody>
+      </p:sp>
+      <p:cxnSp>
+        <p:nvCxnSpPr>
+          <p:cNvPr id="84" name="Elbow Connector 83">
+            <a:extLst>
+              <a:ext uri="{FF2B5EF4-FFF2-40B4-BE49-F238E27FC236}">
+                <a16:creationId xmlns:a16="http://schemas.microsoft.com/office/drawing/2014/main" id="{CF4D5F5B-3797-AD0E-EAF0-4D212F60BD81}"/>
+              </a:ext>
+            </a:extLst>
+          </p:cNvPr>
+          <p:cNvCxnSpPr>
+            <a:cxnSpLocks/>
+            <a:stCxn id="44" idx="0"/>
+            <a:endCxn id="25" idx="3"/>
+          </p:cNvCxnSpPr>
+          <p:nvPr/>
+        </p:nvCxnSpPr>
+        <p:spPr>
+          <a:xfrm rot="16200000" flipV="1">
+            <a:off x="2916917" y="-266187"/>
+            <a:ext cx="132603" cy="3479990"/>
+          </a:xfrm>
+          <a:prstGeom prst="bentConnector2">
+            <a:avLst/>
+          </a:prstGeom>
+          <a:ln>
+            <a:solidFill>
+              <a:srgbClr val="C00000"/>
+            </a:solidFill>
+            <a:tailEnd type="triangle"/>
+          </a:ln>
+        </p:spPr>
+        <p:style>
+          <a:lnRef idx="1">
+            <a:schemeClr val="dk1"/>
+          </a:lnRef>
+          <a:fillRef idx="0">
+            <a:schemeClr val="dk1"/>
+          </a:fillRef>
+          <a:effectRef idx="0">
+            <a:schemeClr val="dk1"/>
+          </a:effectRef>
+          <a:fontRef idx="minor">
+            <a:schemeClr val="tx1"/>
+          </a:fontRef>
+        </p:style>
+      </p:cxnSp>
+      <p:cxnSp>
+        <p:nvCxnSpPr>
+          <p:cNvPr id="88" name="Elbow Connector 87">
+            <a:extLst>
+              <a:ext uri="{FF2B5EF4-FFF2-40B4-BE49-F238E27FC236}">
+                <a16:creationId xmlns:a16="http://schemas.microsoft.com/office/drawing/2014/main" id="{656D8460-A872-BC45-7985-A9AE1913A69B}"/>
+              </a:ext>
+            </a:extLst>
+          </p:cNvPr>
+          <p:cNvCxnSpPr>
+            <a:cxnSpLocks/>
+            <a:stCxn id="89" idx="0"/>
+            <a:endCxn id="21" idx="0"/>
+          </p:cNvCxnSpPr>
+          <p:nvPr/>
+        </p:nvCxnSpPr>
+        <p:spPr>
+          <a:xfrm rot="16200000" flipV="1">
+            <a:off x="4928159" y="-356137"/>
+            <a:ext cx="1399116" cy="5191608"/>
+          </a:xfrm>
+          <a:prstGeom prst="bentConnector3">
+            <a:avLst>
+              <a:gd name="adj1" fmla="val 107002"/>
+            </a:avLst>
+          </a:prstGeom>
+          <a:ln>
+            <a:solidFill>
+              <a:schemeClr val="tx2"/>
+            </a:solidFill>
+            <a:tailEnd type="triangle"/>
+          </a:ln>
+        </p:spPr>
+        <p:style>
+          <a:lnRef idx="1">
+            <a:schemeClr val="dk1"/>
+          </a:lnRef>
+          <a:fillRef idx="0">
+            <a:schemeClr val="dk1"/>
+          </a:fillRef>
+          <a:effectRef idx="0">
+            <a:schemeClr val="dk1"/>
+          </a:effectRef>
+          <a:fontRef idx="minor">
+            <a:schemeClr val="tx1"/>
+          </a:fontRef>
+        </p:style>
+      </p:cxnSp>
+      <p:sp>
+        <p:nvSpPr>
+          <p:cNvPr id="89" name="Oval 88">
+            <a:extLst>
+              <a:ext uri="{FF2B5EF4-FFF2-40B4-BE49-F238E27FC236}">
+                <a16:creationId xmlns:a16="http://schemas.microsoft.com/office/drawing/2014/main" id="{960CC63C-D132-E631-5609-AF66D7DA51F0}"/>
+              </a:ext>
+            </a:extLst>
+          </p:cNvPr>
+          <p:cNvSpPr/>
+          <p:nvPr/>
+        </p:nvSpPr>
+        <p:spPr>
+          <a:xfrm>
+            <a:off x="8115509" y="2939225"/>
+            <a:ext cx="216024" cy="216024"/>
+          </a:xfrm>
+          <a:prstGeom prst="ellipse">
+            <a:avLst/>
+          </a:prstGeom>
+          <a:solidFill>
+            <a:schemeClr val="bg1"/>
+          </a:solidFill>
+          <a:ln w="19050">
+            <a:solidFill>
+              <a:schemeClr val="tx2"/>
+            </a:solidFill>
+          </a:ln>
+        </p:spPr>
+        <p:style>
+          <a:lnRef idx="2">
+            <a:schemeClr val="accent1">
+              <a:shade val="15000"/>
+            </a:schemeClr>
+          </a:lnRef>
+          <a:fillRef idx="1">
+            <a:schemeClr val="accent1"/>
+          </a:fillRef>
+          <a:effectRef idx="0">
+            <a:schemeClr val="accent1"/>
+          </a:effectRef>
+          <a:fontRef idx="minor">
+            <a:schemeClr val="lt1"/>
+          </a:fontRef>
+        </p:style>
+        <p:txBody>
+          <a:bodyPr rtlCol="0" anchor="ctr"/>
+          <a:lstStyle/>
+          <a:p>
+            <a:pPr algn="ctr"/>
+            <a:r>
+              <a:rPr lang="en-KR" sz="1000">
+                <a:solidFill>
+                  <a:schemeClr val="tx2"/>
+                </a:solidFill>
+              </a:rPr>
+              <a:t>4</a:t>
+            </a:r>
+          </a:p>
+        </p:txBody>
+      </p:sp>
+      <p:sp>
+        <p:nvSpPr>
+          <p:cNvPr id="98" name="TextBox 97">
+            <a:extLst>
+              <a:ext uri="{FF2B5EF4-FFF2-40B4-BE49-F238E27FC236}">
+                <a16:creationId xmlns:a16="http://schemas.microsoft.com/office/drawing/2014/main" id="{B10CE22B-46BB-19F6-F3E1-132F941E155C}"/>
+              </a:ext>
+            </a:extLst>
+          </p:cNvPr>
+          <p:cNvSpPr txBox="1"/>
+          <p:nvPr/>
+        </p:nvSpPr>
+        <p:spPr>
+          <a:xfrm>
+            <a:off x="7240141" y="4215976"/>
+            <a:ext cx="728084" cy="369332"/>
+          </a:xfrm>
+          <a:prstGeom prst="rect">
+            <a:avLst/>
+          </a:prstGeom>
+          <a:noFill/>
+        </p:spPr>
+        <p:txBody>
+          <a:bodyPr wrap="none" rtlCol="0">
+            <a:spAutoFit/>
+          </a:bodyPr>
+          <a:lstStyle/>
+          <a:p>
+            <a:pPr algn="ctr"/>
+            <a:r>
+              <a:rPr lang="en-KR" sz="900">
+                <a:solidFill>
+                  <a:schemeClr val="tx2"/>
+                </a:solidFill>
+              </a:rPr>
+              <a:t>Create</a:t>
+            </a:r>
+          </a:p>
+          <a:p>
+            <a:pPr algn="ctr"/>
+            <a:r>
+              <a:rPr lang="en-KR" sz="900">
+                <a:solidFill>
+                  <a:schemeClr val="tx2"/>
+                </a:solidFill>
+              </a:rPr>
+              <a:t>driver pod</a:t>
+            </a:r>
+          </a:p>
+        </p:txBody>
+      </p:sp>
+      <p:sp>
+        <p:nvSpPr>
+          <p:cNvPr id="99" name="Oval 98">
+            <a:extLst>
+              <a:ext uri="{FF2B5EF4-FFF2-40B4-BE49-F238E27FC236}">
+                <a16:creationId xmlns:a16="http://schemas.microsoft.com/office/drawing/2014/main" id="{6F95D839-6704-95F3-5FF5-39F046F02042}"/>
+              </a:ext>
+            </a:extLst>
+          </p:cNvPr>
+          <p:cNvSpPr/>
+          <p:nvPr/>
+        </p:nvSpPr>
+        <p:spPr>
+          <a:xfrm>
+            <a:off x="7591835" y="3160164"/>
+            <a:ext cx="216024" cy="216024"/>
+          </a:xfrm>
+          <a:prstGeom prst="ellipse">
+            <a:avLst/>
+          </a:prstGeom>
+          <a:solidFill>
+            <a:schemeClr val="bg1"/>
+          </a:solidFill>
+          <a:ln w="19050">
+            <a:solidFill>
+              <a:schemeClr val="tx2"/>
+            </a:solidFill>
+          </a:ln>
+        </p:spPr>
+        <p:style>
+          <a:lnRef idx="2">
+            <a:schemeClr val="accent1">
+              <a:shade val="15000"/>
+            </a:schemeClr>
+          </a:lnRef>
+          <a:fillRef idx="1">
+            <a:schemeClr val="accent1"/>
+          </a:fillRef>
+          <a:effectRef idx="0">
+            <a:schemeClr val="accent1"/>
+          </a:effectRef>
+          <a:fontRef idx="minor">
+            <a:schemeClr val="lt1"/>
+          </a:fontRef>
+        </p:style>
+        <p:txBody>
+          <a:bodyPr rtlCol="0" anchor="ctr"/>
+          <a:lstStyle/>
+          <a:p>
+            <a:pPr algn="ctr"/>
+            <a:r>
+              <a:rPr lang="en-KR" sz="1000">
+                <a:solidFill>
+                  <a:schemeClr val="tx2"/>
+                </a:solidFill>
+              </a:rPr>
+              <a:t>5</a:t>
+            </a:r>
+          </a:p>
+        </p:txBody>
+      </p:sp>
+      <p:sp>
+        <p:nvSpPr>
+          <p:cNvPr id="101" name="Oval 100">
+            <a:extLst>
+              <a:ext uri="{FF2B5EF4-FFF2-40B4-BE49-F238E27FC236}">
+                <a16:creationId xmlns:a16="http://schemas.microsoft.com/office/drawing/2014/main" id="{00DECB79-158A-EE5A-6844-BA31C8B4F272}"/>
+              </a:ext>
+            </a:extLst>
+          </p:cNvPr>
+          <p:cNvSpPr/>
+          <p:nvPr/>
+        </p:nvSpPr>
+        <p:spPr>
+          <a:xfrm>
+            <a:off x="1364448" y="2140139"/>
+            <a:ext cx="216024" cy="216024"/>
+          </a:xfrm>
+          <a:prstGeom prst="ellipse">
+            <a:avLst/>
+          </a:prstGeom>
+          <a:solidFill>
+            <a:schemeClr val="bg1"/>
+          </a:solidFill>
+          <a:ln w="19050">
+            <a:solidFill>
+              <a:schemeClr val="tx2"/>
+            </a:solidFill>
+          </a:ln>
+        </p:spPr>
+        <p:style>
+          <a:lnRef idx="2">
+            <a:schemeClr val="accent1">
+              <a:shade val="15000"/>
+            </a:schemeClr>
+          </a:lnRef>
+          <a:fillRef idx="1">
+            <a:schemeClr val="accent1"/>
+          </a:fillRef>
+          <a:effectRef idx="0">
+            <a:schemeClr val="accent1"/>
+          </a:effectRef>
+          <a:fontRef idx="minor">
+            <a:schemeClr val="lt1"/>
+          </a:fontRef>
+        </p:style>
+        <p:txBody>
+          <a:bodyPr rtlCol="0" anchor="ctr"/>
+          <a:lstStyle/>
+          <a:p>
+            <a:pPr algn="ctr"/>
+            <a:r>
+              <a:rPr lang="en-KR" sz="1000">
+                <a:solidFill>
+                  <a:schemeClr val="tx2"/>
+                </a:solidFill>
+              </a:rPr>
+              <a:t>2</a:t>
+            </a:r>
+          </a:p>
+        </p:txBody>
+      </p:sp>
+      <p:cxnSp>
+        <p:nvCxnSpPr>
+          <p:cNvPr id="102" name="Elbow Connector 101">
+            <a:extLst>
+              <a:ext uri="{FF2B5EF4-FFF2-40B4-BE49-F238E27FC236}">
+                <a16:creationId xmlns:a16="http://schemas.microsoft.com/office/drawing/2014/main" id="{B86B53C3-380D-241B-834D-5C9BB6FC1664}"/>
+              </a:ext>
+            </a:extLst>
+          </p:cNvPr>
+          <p:cNvCxnSpPr>
+            <a:cxnSpLocks/>
+            <a:stCxn id="101" idx="0"/>
+            <a:endCxn id="80" idx="0"/>
+          </p:cNvCxnSpPr>
+          <p:nvPr/>
+        </p:nvCxnSpPr>
+        <p:spPr>
+          <a:xfrm rot="5400000" flipH="1" flipV="1">
+            <a:off x="1687628" y="633073"/>
+            <a:ext cx="1291899" cy="1722235"/>
+          </a:xfrm>
+          <a:prstGeom prst="bentConnector3">
+            <a:avLst>
+              <a:gd name="adj1" fmla="val 117695"/>
+            </a:avLst>
+          </a:prstGeom>
+          <a:ln>
+            <a:solidFill>
+              <a:schemeClr val="tx2"/>
+            </a:solidFill>
+            <a:tailEnd type="triangle"/>
+          </a:ln>
+        </p:spPr>
+        <p:style>
+          <a:lnRef idx="1">
+            <a:schemeClr val="dk1"/>
+          </a:lnRef>
+          <a:fillRef idx="0">
+            <a:schemeClr val="dk1"/>
+          </a:fillRef>
+          <a:effectRef idx="0">
+            <a:schemeClr val="dk1"/>
+          </a:effectRef>
+          <a:fontRef idx="minor">
+            <a:schemeClr val="tx1"/>
+          </a:fontRef>
+        </p:style>
+      </p:cxnSp>
+      <p:cxnSp>
+        <p:nvCxnSpPr>
+          <p:cNvPr id="108" name="Elbow Connector 107">
+            <a:extLst>
+              <a:ext uri="{FF2B5EF4-FFF2-40B4-BE49-F238E27FC236}">
+                <a16:creationId xmlns:a16="http://schemas.microsoft.com/office/drawing/2014/main" id="{D42663DB-3AA6-7D7F-42FF-A73A5CE62F79}"/>
+              </a:ext>
+            </a:extLst>
+          </p:cNvPr>
+          <p:cNvCxnSpPr>
+            <a:cxnSpLocks/>
+            <a:stCxn id="1131" idx="6"/>
+            <a:endCxn id="81" idx="0"/>
+          </p:cNvCxnSpPr>
+          <p:nvPr/>
+        </p:nvCxnSpPr>
+        <p:spPr>
+          <a:xfrm flipV="1">
+            <a:off x="1380400" y="848240"/>
+            <a:ext cx="3734257" cy="787163"/>
+          </a:xfrm>
+          <a:prstGeom prst="bentConnector4">
+            <a:avLst>
+              <a:gd name="adj1" fmla="val 2470"/>
+              <a:gd name="adj2" fmla="val 129041"/>
+            </a:avLst>
+          </a:prstGeom>
+          <a:ln>
+            <a:solidFill>
+              <a:schemeClr val="tx2"/>
+            </a:solidFill>
+            <a:tailEnd type="triangle"/>
+          </a:ln>
+        </p:spPr>
+        <p:style>
+          <a:lnRef idx="1">
+            <a:schemeClr val="dk1"/>
+          </a:lnRef>
+          <a:fillRef idx="0">
+            <a:schemeClr val="dk1"/>
+          </a:fillRef>
+          <a:effectRef idx="0">
+            <a:schemeClr val="dk1"/>
+          </a:effectRef>
+          <a:fontRef idx="minor">
+            <a:schemeClr val="tx1"/>
+          </a:fontRef>
+        </p:style>
+      </p:cxnSp>
+      <p:cxnSp>
+        <p:nvCxnSpPr>
+          <p:cNvPr id="117" name="Elbow Connector 116">
+            <a:extLst>
+              <a:ext uri="{FF2B5EF4-FFF2-40B4-BE49-F238E27FC236}">
+                <a16:creationId xmlns:a16="http://schemas.microsoft.com/office/drawing/2014/main" id="{7DC9B4E0-9100-7049-6266-65F81D781693}"/>
+              </a:ext>
+            </a:extLst>
+          </p:cNvPr>
+          <p:cNvCxnSpPr>
+            <a:cxnSpLocks/>
+            <a:stCxn id="83" idx="0"/>
+            <a:endCxn id="25" idx="0"/>
+          </p:cNvCxnSpPr>
+          <p:nvPr/>
+        </p:nvCxnSpPr>
+        <p:spPr>
+          <a:xfrm rot="16200000" flipH="1" flipV="1">
+            <a:off x="3974747" y="-2162743"/>
+            <a:ext cx="279806" cy="6301772"/>
+          </a:xfrm>
+          <a:prstGeom prst="bentConnector3">
+            <a:avLst>
+              <a:gd name="adj1" fmla="val -102124"/>
+            </a:avLst>
+          </a:prstGeom>
+          <a:ln>
+            <a:solidFill>
+              <a:srgbClr val="00B050"/>
+            </a:solidFill>
+            <a:tailEnd type="triangle"/>
+          </a:ln>
+        </p:spPr>
+        <p:style>
+          <a:lnRef idx="1">
+            <a:schemeClr val="dk1"/>
+          </a:lnRef>
+          <a:fillRef idx="0">
+            <a:schemeClr val="dk1"/>
+          </a:fillRef>
+          <a:effectRef idx="0">
+            <a:schemeClr val="dk1"/>
+          </a:effectRef>
+          <a:fontRef idx="minor">
+            <a:schemeClr val="tx1"/>
+          </a:fontRef>
+        </p:style>
+      </p:cxnSp>
+      <p:cxnSp>
+        <p:nvCxnSpPr>
+          <p:cNvPr id="122" name="Elbow Connector 121">
+            <a:extLst>
+              <a:ext uri="{FF2B5EF4-FFF2-40B4-BE49-F238E27FC236}">
+                <a16:creationId xmlns:a16="http://schemas.microsoft.com/office/drawing/2014/main" id="{9BEA5223-4721-C84A-4052-6418535C1A17}"/>
+              </a:ext>
+            </a:extLst>
+          </p:cNvPr>
+          <p:cNvCxnSpPr>
+            <a:cxnSpLocks/>
+            <a:stCxn id="1031" idx="0"/>
+            <a:endCxn id="83" idx="2"/>
+          </p:cNvCxnSpPr>
+          <p:nvPr/>
+        </p:nvCxnSpPr>
+        <p:spPr>
+          <a:xfrm rot="5400000" flipH="1" flipV="1">
+            <a:off x="4706559" y="311596"/>
+            <a:ext cx="1514269" cy="3603685"/>
+          </a:xfrm>
+          <a:prstGeom prst="bentConnector3">
+            <a:avLst>
+              <a:gd name="adj1" fmla="val 5592"/>
+            </a:avLst>
+          </a:prstGeom>
+          <a:ln>
+            <a:solidFill>
+              <a:srgbClr val="00B050"/>
+            </a:solidFill>
+            <a:tailEnd type="triangle"/>
+          </a:ln>
+        </p:spPr>
+        <p:style>
+          <a:lnRef idx="1">
+            <a:schemeClr val="dk1"/>
+          </a:lnRef>
+          <a:fillRef idx="0">
+            <a:schemeClr val="dk1"/>
+          </a:fillRef>
+          <a:effectRef idx="0">
+            <a:schemeClr val="dk1"/>
+          </a:effectRef>
+          <a:fontRef idx="minor">
+            <a:schemeClr val="tx1"/>
+          </a:fontRef>
+        </p:style>
+      </p:cxnSp>
+      <p:sp>
+        <p:nvSpPr>
+          <p:cNvPr id="1031" name="Oval 1030">
+            <a:extLst>
+              <a:ext uri="{FF2B5EF4-FFF2-40B4-BE49-F238E27FC236}">
+                <a16:creationId xmlns:a16="http://schemas.microsoft.com/office/drawing/2014/main" id="{8A6AF2F6-F375-D17C-245D-9C8790DF1A06}"/>
+              </a:ext>
+            </a:extLst>
+          </p:cNvPr>
+          <p:cNvSpPr/>
+          <p:nvPr/>
+        </p:nvSpPr>
+        <p:spPr>
+          <a:xfrm>
+            <a:off x="3553839" y="2870572"/>
+            <a:ext cx="216024" cy="216024"/>
+          </a:xfrm>
+          <a:prstGeom prst="ellipse">
+            <a:avLst/>
+          </a:prstGeom>
+          <a:solidFill>
+            <a:schemeClr val="bg1"/>
+          </a:solidFill>
+          <a:ln w="19050">
+            <a:solidFill>
+              <a:srgbClr val="00B050"/>
+            </a:solidFill>
+          </a:ln>
+        </p:spPr>
+        <p:style>
+          <a:lnRef idx="2">
+            <a:schemeClr val="accent1">
+              <a:shade val="15000"/>
+            </a:schemeClr>
+          </a:lnRef>
+          <a:fillRef idx="1">
+            <a:schemeClr val="accent1"/>
+          </a:fillRef>
+          <a:effectRef idx="0">
+            <a:schemeClr val="accent1"/>
+          </a:effectRef>
+          <a:fontRef idx="minor">
+            <a:schemeClr val="lt1"/>
+          </a:fontRef>
+        </p:style>
+        <p:txBody>
+          <a:bodyPr rtlCol="0" anchor="ctr"/>
+          <a:lstStyle/>
+          <a:p>
+            <a:pPr algn="ctr"/>
+            <a:r>
+              <a:rPr lang="en-KR" sz="1000">
+                <a:solidFill>
+                  <a:srgbClr val="00B050"/>
+                </a:solidFill>
+              </a:rPr>
+              <a:t>1</a:t>
+            </a:r>
+          </a:p>
+        </p:txBody>
+      </p:sp>
+      <p:sp>
+        <p:nvSpPr>
+          <p:cNvPr id="1037" name="TextBox 1036">
+            <a:extLst>
+              <a:ext uri="{FF2B5EF4-FFF2-40B4-BE49-F238E27FC236}">
+                <a16:creationId xmlns:a16="http://schemas.microsoft.com/office/drawing/2014/main" id="{2E863616-6471-0C8B-496B-7017414D87B9}"/>
+              </a:ext>
+            </a:extLst>
+          </p:cNvPr>
+          <p:cNvSpPr txBox="1"/>
+          <p:nvPr/>
+        </p:nvSpPr>
+        <p:spPr>
+          <a:xfrm>
+            <a:off x="1408268" y="594440"/>
+            <a:ext cx="1063112" cy="507831"/>
+          </a:xfrm>
+          <a:prstGeom prst="rect">
+            <a:avLst/>
+          </a:prstGeom>
+          <a:noFill/>
+        </p:spPr>
+        <p:txBody>
+          <a:bodyPr wrap="none" rtlCol="0">
+            <a:spAutoFit/>
+          </a:bodyPr>
+          <a:lstStyle/>
+          <a:p>
+            <a:pPr algn="ctr"/>
+            <a:r>
+              <a:rPr lang="en-KR" sz="900">
+                <a:solidFill>
+                  <a:schemeClr val="tx2"/>
+                </a:solidFill>
+              </a:rPr>
+              <a:t>Create </a:t>
+            </a:r>
+          </a:p>
+          <a:p>
+            <a:pPr algn="ctr"/>
+            <a:r>
+              <a:rPr lang="en-KR" sz="900">
+                <a:solidFill>
+                  <a:schemeClr val="tx2"/>
+                </a:solidFill>
+              </a:rPr>
+              <a:t>SparkApplication</a:t>
+            </a:r>
+          </a:p>
+          <a:p>
+            <a:pPr algn="ctr"/>
+            <a:r>
+              <a:rPr lang="en-KR" sz="900">
+                <a:solidFill>
+                  <a:schemeClr val="tx2"/>
+                </a:solidFill>
+              </a:rPr>
+              <a:t>Object</a:t>
+            </a:r>
+          </a:p>
+        </p:txBody>
+      </p:sp>
+      <p:cxnSp>
+        <p:nvCxnSpPr>
+          <p:cNvPr id="1079" name="Elbow Connector 1078">
+            <a:extLst>
+              <a:ext uri="{FF2B5EF4-FFF2-40B4-BE49-F238E27FC236}">
+                <a16:creationId xmlns:a16="http://schemas.microsoft.com/office/drawing/2014/main" id="{B7996968-770E-AEAE-129B-43D583AFD560}"/>
+              </a:ext>
+            </a:extLst>
+          </p:cNvPr>
+          <p:cNvCxnSpPr>
+            <a:cxnSpLocks/>
+            <a:stCxn id="99" idx="2"/>
+            <a:endCxn id="1091" idx="4"/>
+          </p:cNvCxnSpPr>
+          <p:nvPr/>
+        </p:nvCxnSpPr>
+        <p:spPr>
+          <a:xfrm rot="10800000" flipV="1">
+            <a:off x="3690893" y="3268176"/>
+            <a:ext cx="3900943" cy="105880"/>
+          </a:xfrm>
+          <a:prstGeom prst="bentConnector4">
+            <a:avLst>
+              <a:gd name="adj1" fmla="val 5088"/>
+              <a:gd name="adj2" fmla="val 1045598"/>
+            </a:avLst>
+          </a:prstGeom>
+          <a:ln>
+            <a:solidFill>
+              <a:schemeClr val="tx2"/>
+            </a:solidFill>
+            <a:tailEnd type="triangle"/>
+          </a:ln>
+        </p:spPr>
+        <p:style>
+          <a:lnRef idx="1">
+            <a:schemeClr val="dk1"/>
+          </a:lnRef>
+          <a:fillRef idx="0">
+            <a:schemeClr val="dk1"/>
+          </a:fillRef>
+          <a:effectRef idx="0">
+            <a:schemeClr val="dk1"/>
+          </a:effectRef>
+          <a:fontRef idx="minor">
+            <a:schemeClr val="tx1"/>
+          </a:fontRef>
+        </p:style>
+      </p:cxnSp>
+      <p:sp>
+        <p:nvSpPr>
+          <p:cNvPr id="1091" name="Oval 1090">
+            <a:extLst>
+              <a:ext uri="{FF2B5EF4-FFF2-40B4-BE49-F238E27FC236}">
+                <a16:creationId xmlns:a16="http://schemas.microsoft.com/office/drawing/2014/main" id="{2F20A531-B8A8-2962-3DBD-9128CED41B9F}"/>
+              </a:ext>
+            </a:extLst>
+          </p:cNvPr>
+          <p:cNvSpPr/>
+          <p:nvPr/>
+        </p:nvSpPr>
+        <p:spPr>
+          <a:xfrm>
+            <a:off x="3615911" y="3224095"/>
+            <a:ext cx="149961" cy="149961"/>
+          </a:xfrm>
+          <a:prstGeom prst="ellipse">
+            <a:avLst/>
+          </a:prstGeom>
+          <a:noFill/>
+          <a:ln>
+            <a:noFill/>
+          </a:ln>
+        </p:spPr>
+        <p:style>
+          <a:lnRef idx="2">
+            <a:schemeClr val="accent1">
+              <a:shade val="15000"/>
+            </a:schemeClr>
+          </a:lnRef>
+          <a:fillRef idx="1">
+            <a:schemeClr val="accent1"/>
+          </a:fillRef>
+          <a:effectRef idx="0">
+            <a:schemeClr val="accent1"/>
+          </a:effectRef>
+          <a:fontRef idx="minor">
+            <a:schemeClr val="lt1"/>
+          </a:fontRef>
+        </p:style>
+        <p:txBody>
+          <a:bodyPr rtlCol="0" anchor="ctr"/>
+          <a:lstStyle/>
+          <a:p>
+            <a:pPr algn="ctr"/>
+            <a:endParaRPr lang="en-KR"/>
+          </a:p>
+        </p:txBody>
+      </p:sp>
+      <p:sp>
+        <p:nvSpPr>
+          <p:cNvPr id="1118" name="Oval 1117">
+            <a:extLst>
+              <a:ext uri="{FF2B5EF4-FFF2-40B4-BE49-F238E27FC236}">
+                <a16:creationId xmlns:a16="http://schemas.microsoft.com/office/drawing/2014/main" id="{FB901DD9-58C9-AC09-A617-FF9BE968A1D7}"/>
+              </a:ext>
+            </a:extLst>
+          </p:cNvPr>
+          <p:cNvSpPr/>
+          <p:nvPr/>
+        </p:nvSpPr>
+        <p:spPr>
+          <a:xfrm>
+            <a:off x="8459716" y="2837433"/>
+            <a:ext cx="216024" cy="216024"/>
+          </a:xfrm>
+          <a:prstGeom prst="ellipse">
+            <a:avLst/>
+          </a:prstGeom>
+          <a:solidFill>
+            <a:schemeClr val="bg1"/>
+          </a:solidFill>
+          <a:ln w="19050">
+            <a:solidFill>
+              <a:schemeClr val="tx2"/>
+            </a:solidFill>
+          </a:ln>
+        </p:spPr>
+        <p:style>
+          <a:lnRef idx="2">
+            <a:schemeClr val="accent1">
+              <a:shade val="15000"/>
+            </a:schemeClr>
+          </a:lnRef>
+          <a:fillRef idx="1">
+            <a:schemeClr val="accent1"/>
+          </a:fillRef>
+          <a:effectRef idx="0">
+            <a:schemeClr val="accent1"/>
+          </a:effectRef>
+          <a:fontRef idx="minor">
+            <a:schemeClr val="lt1"/>
+          </a:fontRef>
+        </p:style>
+        <p:txBody>
+          <a:bodyPr rtlCol="0" anchor="ctr"/>
+          <a:lstStyle/>
+          <a:p>
+            <a:pPr algn="ctr"/>
+            <a:r>
+              <a:rPr lang="en-KR" sz="1000">
+                <a:solidFill>
+                  <a:schemeClr val="tx2"/>
+                </a:solidFill>
+              </a:rPr>
+              <a:t>3</a:t>
+            </a:r>
+          </a:p>
+        </p:txBody>
+      </p:sp>
+      <p:cxnSp>
+        <p:nvCxnSpPr>
+          <p:cNvPr id="1119" name="Elbow Connector 1118">
+            <a:extLst>
+              <a:ext uri="{FF2B5EF4-FFF2-40B4-BE49-F238E27FC236}">
+                <a16:creationId xmlns:a16="http://schemas.microsoft.com/office/drawing/2014/main" id="{678AC701-755D-248A-420F-C2DD27B63469}"/>
+              </a:ext>
+            </a:extLst>
+          </p:cNvPr>
+          <p:cNvCxnSpPr>
+            <a:cxnSpLocks/>
+            <a:stCxn id="1118" idx="0"/>
+            <a:endCxn id="83" idx="3"/>
+          </p:cNvCxnSpPr>
+          <p:nvPr/>
+        </p:nvCxnSpPr>
+        <p:spPr>
+          <a:xfrm rot="16200000" flipV="1">
+            <a:off x="7533007" y="1802712"/>
+            <a:ext cx="1735161" cy="334282"/>
+          </a:xfrm>
+          <a:prstGeom prst="bentConnector2">
+            <a:avLst/>
+          </a:prstGeom>
+          <a:ln>
+            <a:solidFill>
+              <a:schemeClr val="tx2"/>
+            </a:solidFill>
+            <a:tailEnd type="triangle"/>
+          </a:ln>
+        </p:spPr>
+        <p:style>
+          <a:lnRef idx="1">
+            <a:schemeClr val="dk1"/>
+          </a:lnRef>
+          <a:fillRef idx="0">
+            <a:schemeClr val="dk1"/>
+          </a:fillRef>
+          <a:effectRef idx="0">
+            <a:schemeClr val="dk1"/>
+          </a:effectRef>
+          <a:fontRef idx="minor">
+            <a:schemeClr val="tx1"/>
+          </a:fontRef>
+        </p:style>
+      </p:cxnSp>
+      <p:sp>
+        <p:nvSpPr>
+          <p:cNvPr id="1127" name="Oval 1126">
+            <a:extLst>
+              <a:ext uri="{FF2B5EF4-FFF2-40B4-BE49-F238E27FC236}">
+                <a16:creationId xmlns:a16="http://schemas.microsoft.com/office/drawing/2014/main" id="{AE51AC2A-C4F1-09D4-3A27-FB833264C555}"/>
+              </a:ext>
+            </a:extLst>
+          </p:cNvPr>
+          <p:cNvSpPr/>
+          <p:nvPr/>
+        </p:nvSpPr>
+        <p:spPr>
+          <a:xfrm>
+            <a:off x="1108243" y="1469780"/>
+            <a:ext cx="149961" cy="149961"/>
+          </a:xfrm>
+          <a:prstGeom prst="ellipse">
+            <a:avLst/>
+          </a:prstGeom>
+          <a:noFill/>
+          <a:ln>
+            <a:noFill/>
+          </a:ln>
+        </p:spPr>
+        <p:style>
+          <a:lnRef idx="2">
+            <a:schemeClr val="accent1">
+              <a:shade val="15000"/>
+            </a:schemeClr>
+          </a:lnRef>
+          <a:fillRef idx="1">
+            <a:schemeClr val="accent1"/>
+          </a:fillRef>
+          <a:effectRef idx="0">
+            <a:schemeClr val="accent1"/>
+          </a:effectRef>
+          <a:fontRef idx="minor">
+            <a:schemeClr val="lt1"/>
+          </a:fontRef>
+        </p:style>
+        <p:txBody>
+          <a:bodyPr rtlCol="0" anchor="ctr"/>
+          <a:lstStyle/>
+          <a:p>
+            <a:pPr algn="ctr"/>
+            <a:endParaRPr lang="en-KR"/>
+          </a:p>
+        </p:txBody>
+      </p:sp>
+      <p:sp>
+        <p:nvSpPr>
+          <p:cNvPr id="1131" name="Oval 1130">
+            <a:extLst>
+              <a:ext uri="{FF2B5EF4-FFF2-40B4-BE49-F238E27FC236}">
+                <a16:creationId xmlns:a16="http://schemas.microsoft.com/office/drawing/2014/main" id="{94BA51C1-8060-5D0D-4BCA-7491B912E548}"/>
+              </a:ext>
+            </a:extLst>
+          </p:cNvPr>
+          <p:cNvSpPr/>
+          <p:nvPr/>
+        </p:nvSpPr>
+        <p:spPr>
+          <a:xfrm>
+            <a:off x="1164376" y="1527391"/>
+            <a:ext cx="216024" cy="216024"/>
+          </a:xfrm>
+          <a:prstGeom prst="ellipse">
+            <a:avLst/>
+          </a:prstGeom>
+          <a:solidFill>
+            <a:schemeClr val="bg1"/>
+          </a:solidFill>
+          <a:ln w="19050">
+            <a:solidFill>
+              <a:schemeClr val="tx2"/>
+            </a:solidFill>
+          </a:ln>
+        </p:spPr>
+        <p:style>
+          <a:lnRef idx="2">
+            <a:schemeClr val="accent1">
+              <a:shade val="15000"/>
+            </a:schemeClr>
+          </a:lnRef>
+          <a:fillRef idx="1">
+            <a:schemeClr val="accent1"/>
+          </a:fillRef>
+          <a:effectRef idx="0">
+            <a:schemeClr val="accent1"/>
+          </a:effectRef>
+          <a:fontRef idx="minor">
+            <a:schemeClr val="lt1"/>
+          </a:fontRef>
+        </p:style>
+        <p:txBody>
+          <a:bodyPr rtlCol="0" anchor="ctr"/>
+          <a:lstStyle/>
+          <a:p>
+            <a:pPr algn="ctr"/>
+            <a:r>
+              <a:rPr lang="en-KR" sz="1000">
+                <a:solidFill>
+                  <a:schemeClr val="tx2"/>
+                </a:solidFill>
+              </a:rPr>
+              <a:t>2</a:t>
+            </a:r>
+          </a:p>
+        </p:txBody>
+      </p:sp>
+      <p:cxnSp>
+        <p:nvCxnSpPr>
+          <p:cNvPr id="1147" name="Straight Arrow Connector 1146">
+            <a:extLst>
+              <a:ext uri="{FF2B5EF4-FFF2-40B4-BE49-F238E27FC236}">
+                <a16:creationId xmlns:a16="http://schemas.microsoft.com/office/drawing/2014/main" id="{1D074DBB-F190-D314-1B06-B010E5BA03B5}"/>
+              </a:ext>
+            </a:extLst>
+          </p:cNvPr>
+          <p:cNvCxnSpPr>
+            <a:cxnSpLocks/>
+          </p:cNvCxnSpPr>
+          <p:nvPr/>
+        </p:nvCxnSpPr>
+        <p:spPr>
+          <a:xfrm>
+            <a:off x="218501" y="4811468"/>
+            <a:ext cx="344305" cy="0"/>
+          </a:xfrm>
+          <a:prstGeom prst="straightConnector1">
+            <a:avLst/>
+          </a:prstGeom>
+          <a:ln>
+            <a:solidFill>
+              <a:schemeClr val="tx2"/>
+            </a:solidFill>
+            <a:tailEnd type="triangle"/>
+          </a:ln>
+        </p:spPr>
+        <p:style>
+          <a:lnRef idx="1">
+            <a:schemeClr val="dk1"/>
+          </a:lnRef>
+          <a:fillRef idx="0">
+            <a:schemeClr val="dk1"/>
+          </a:fillRef>
+          <a:effectRef idx="0">
+            <a:schemeClr val="dk1"/>
+          </a:effectRef>
+          <a:fontRef idx="minor">
+            <a:schemeClr val="tx1"/>
+          </a:fontRef>
+        </p:style>
+      </p:cxnSp>
+      <p:sp>
+        <p:nvSpPr>
+          <p:cNvPr id="1148" name="TextBox 1147">
+            <a:extLst>
+              <a:ext uri="{FF2B5EF4-FFF2-40B4-BE49-F238E27FC236}">
+                <a16:creationId xmlns:a16="http://schemas.microsoft.com/office/drawing/2014/main" id="{B1086A9F-6672-5771-FED3-2242F006CB08}"/>
+              </a:ext>
+            </a:extLst>
+          </p:cNvPr>
+          <p:cNvSpPr txBox="1"/>
+          <p:nvPr/>
+        </p:nvSpPr>
+        <p:spPr>
+          <a:xfrm>
+            <a:off x="562806" y="4691437"/>
+            <a:ext cx="899605" cy="230832"/>
+          </a:xfrm>
+          <a:prstGeom prst="rect">
+            <a:avLst/>
+          </a:prstGeom>
+          <a:noFill/>
+        </p:spPr>
+        <p:txBody>
+          <a:bodyPr wrap="none" rtlCol="0">
+            <a:spAutoFit/>
+          </a:bodyPr>
+          <a:lstStyle/>
+          <a:p>
+            <a:r>
+              <a:rPr lang="en-KR" sz="900"/>
+              <a:t>Spark Job Init</a:t>
+            </a:r>
+          </a:p>
+        </p:txBody>
+      </p:sp>
+      <p:cxnSp>
+        <p:nvCxnSpPr>
+          <p:cNvPr id="1149" name="Straight Arrow Connector 1148">
+            <a:extLst>
+              <a:ext uri="{FF2B5EF4-FFF2-40B4-BE49-F238E27FC236}">
+                <a16:creationId xmlns:a16="http://schemas.microsoft.com/office/drawing/2014/main" id="{4B7DCD21-5A61-60EF-0CC9-C0D828CDE361}"/>
+              </a:ext>
+            </a:extLst>
+          </p:cNvPr>
+          <p:cNvCxnSpPr>
+            <a:cxnSpLocks/>
+          </p:cNvCxnSpPr>
+          <p:nvPr/>
+        </p:nvCxnSpPr>
+        <p:spPr>
+          <a:xfrm>
+            <a:off x="1462884" y="4811468"/>
+            <a:ext cx="344305" cy="0"/>
+          </a:xfrm>
+          <a:prstGeom prst="straightConnector1">
+            <a:avLst/>
+          </a:prstGeom>
+          <a:ln>
+            <a:solidFill>
+              <a:srgbClr val="C00000"/>
+            </a:solidFill>
+            <a:tailEnd type="triangle"/>
+          </a:ln>
+        </p:spPr>
+        <p:style>
+          <a:lnRef idx="1">
+            <a:schemeClr val="dk1"/>
+          </a:lnRef>
+          <a:fillRef idx="0">
+            <a:schemeClr val="dk1"/>
+          </a:fillRef>
+          <a:effectRef idx="0">
+            <a:schemeClr val="dk1"/>
+          </a:effectRef>
+          <a:fontRef idx="minor">
+            <a:schemeClr val="tx1"/>
+          </a:fontRef>
+        </p:style>
+      </p:cxnSp>
+      <p:sp>
+        <p:nvSpPr>
+          <p:cNvPr id="1150" name="TextBox 1149">
+            <a:extLst>
+              <a:ext uri="{FF2B5EF4-FFF2-40B4-BE49-F238E27FC236}">
+                <a16:creationId xmlns:a16="http://schemas.microsoft.com/office/drawing/2014/main" id="{075E2A83-0A52-66C6-1581-CD1FECC3ECC3}"/>
+              </a:ext>
+            </a:extLst>
+          </p:cNvPr>
+          <p:cNvSpPr txBox="1"/>
+          <p:nvPr/>
+        </p:nvSpPr>
+        <p:spPr>
+          <a:xfrm>
+            <a:off x="1812951" y="4691437"/>
+            <a:ext cx="1244250" cy="230832"/>
+          </a:xfrm>
+          <a:prstGeom prst="rect">
+            <a:avLst/>
+          </a:prstGeom>
+          <a:noFill/>
+        </p:spPr>
+        <p:txBody>
+          <a:bodyPr wrap="none" rtlCol="0">
+            <a:spAutoFit/>
+          </a:bodyPr>
+          <a:lstStyle/>
+          <a:p>
+            <a:r>
+              <a:rPr lang="en-KR" sz="900"/>
+              <a:t>Spark History Server</a:t>
+            </a:r>
+          </a:p>
+        </p:txBody>
+      </p:sp>
+      <p:cxnSp>
+        <p:nvCxnSpPr>
+          <p:cNvPr id="1151" name="Straight Arrow Connector 1150">
+            <a:extLst>
+              <a:ext uri="{FF2B5EF4-FFF2-40B4-BE49-F238E27FC236}">
+                <a16:creationId xmlns:a16="http://schemas.microsoft.com/office/drawing/2014/main" id="{1E4399FE-D77E-66D9-4E3B-5F67E24DAC19}"/>
+              </a:ext>
+            </a:extLst>
+          </p:cNvPr>
+          <p:cNvCxnSpPr>
+            <a:cxnSpLocks/>
+          </p:cNvCxnSpPr>
+          <p:nvPr/>
+        </p:nvCxnSpPr>
+        <p:spPr>
+          <a:xfrm>
+            <a:off x="3067444" y="4811468"/>
+            <a:ext cx="344305" cy="0"/>
+          </a:xfrm>
+          <a:prstGeom prst="straightConnector1">
+            <a:avLst/>
+          </a:prstGeom>
+          <a:ln>
+            <a:solidFill>
+              <a:srgbClr val="00B050"/>
+            </a:solidFill>
+            <a:tailEnd type="triangle"/>
+          </a:ln>
+        </p:spPr>
+        <p:style>
+          <a:lnRef idx="1">
+            <a:schemeClr val="dk1"/>
+          </a:lnRef>
+          <a:fillRef idx="0">
+            <a:schemeClr val="dk1"/>
+          </a:fillRef>
+          <a:effectRef idx="0">
+            <a:schemeClr val="dk1"/>
+          </a:effectRef>
+          <a:fontRef idx="minor">
+            <a:schemeClr val="tx1"/>
+          </a:fontRef>
+        </p:style>
+      </p:cxnSp>
+      <p:sp>
+        <p:nvSpPr>
+          <p:cNvPr id="1152" name="TextBox 1151">
+            <a:extLst>
+              <a:ext uri="{FF2B5EF4-FFF2-40B4-BE49-F238E27FC236}">
+                <a16:creationId xmlns:a16="http://schemas.microsoft.com/office/drawing/2014/main" id="{A64BB1E3-448D-D4E4-203B-EFC8C96C18A2}"/>
+              </a:ext>
+            </a:extLst>
+          </p:cNvPr>
+          <p:cNvSpPr txBox="1"/>
+          <p:nvPr/>
+        </p:nvSpPr>
+        <p:spPr>
+          <a:xfrm>
+            <a:off x="3407741" y="4691437"/>
+            <a:ext cx="907621" cy="230832"/>
+          </a:xfrm>
+          <a:prstGeom prst="rect">
+            <a:avLst/>
+          </a:prstGeom>
+          <a:noFill/>
+        </p:spPr>
+        <p:txBody>
+          <a:bodyPr wrap="none" rtlCol="0">
+            <a:spAutoFit/>
+          </a:bodyPr>
+          <a:lstStyle/>
+          <a:p>
+            <a:r>
+              <a:rPr lang="en-US" sz="900"/>
+              <a:t>Spark Web UI</a:t>
+            </a:r>
+          </a:p>
+        </p:txBody>
+      </p:sp>
+      <p:sp>
+        <p:nvSpPr>
+          <p:cNvPr id="10" name="TextBox 9">
+            <a:extLst>
+              <a:ext uri="{FF2B5EF4-FFF2-40B4-BE49-F238E27FC236}">
+                <a16:creationId xmlns:a16="http://schemas.microsoft.com/office/drawing/2014/main" id="{1C60B1F1-97E8-8152-DBDA-13923D97BA9D}"/>
+              </a:ext>
+            </a:extLst>
+          </p:cNvPr>
+          <p:cNvSpPr txBox="1"/>
+          <p:nvPr/>
+        </p:nvSpPr>
+        <p:spPr>
+          <a:xfrm>
+            <a:off x="1927395" y="2302064"/>
+            <a:ext cx="810021" cy="369332"/>
+          </a:xfrm>
+          <a:prstGeom prst="rect">
+            <a:avLst/>
+          </a:prstGeom>
+          <a:noFill/>
+        </p:spPr>
+        <p:txBody>
+          <a:bodyPr wrap="square" rtlCol="0">
+            <a:spAutoFit/>
+          </a:bodyPr>
+          <a:lstStyle/>
+          <a:p>
+            <a:pPr algn="ctr"/>
+            <a:r>
+              <a:rPr lang="en-KR" sz="900"/>
+              <a:t>Get Driver’s </a:t>
+            </a:r>
+          </a:p>
+          <a:p>
+            <a:pPr algn="ctr"/>
+            <a:r>
+              <a:rPr lang="en-KR" sz="900"/>
+              <a:t>Config</a:t>
+            </a:r>
+          </a:p>
+        </p:txBody>
+      </p:sp>
+      <p:sp>
+        <p:nvSpPr>
+          <p:cNvPr id="32" name="모서리가 둥근 직사각형 2">
+            <a:extLst>
+              <a:ext uri="{FF2B5EF4-FFF2-40B4-BE49-F238E27FC236}">
+                <a16:creationId xmlns:a16="http://schemas.microsoft.com/office/drawing/2014/main" id="{A26EF336-4648-E57D-8284-143D1DCABD18}"/>
+              </a:ext>
+            </a:extLst>
+          </p:cNvPr>
+          <p:cNvSpPr/>
+          <p:nvPr/>
+        </p:nvSpPr>
+        <p:spPr>
+          <a:xfrm>
+            <a:off x="263516" y="2707076"/>
+            <a:ext cx="1401376" cy="386745"/>
+          </a:xfrm>
+          <a:prstGeom prst="roundRect">
+            <a:avLst>
+              <a:gd name="adj" fmla="val 13068"/>
+            </a:avLst>
+          </a:prstGeom>
+          <a:ln w="12700"/>
+        </p:spPr>
+        <p:style>
+          <a:lnRef idx="2">
+            <a:schemeClr val="dk1"/>
+          </a:lnRef>
+          <a:fillRef idx="1">
+            <a:schemeClr val="lt1"/>
+          </a:fillRef>
+          <a:effectRef idx="0">
+            <a:schemeClr val="dk1"/>
+          </a:effectRef>
+          <a:fontRef idx="minor">
+            <a:schemeClr val="dk1"/>
+          </a:fontRef>
+        </p:style>
+        <p:txBody>
+          <a:bodyPr rtlCol="0" anchor="ctr"/>
+          <a:lstStyle/>
+          <a:p>
+            <a:pPr algn="ctr"/>
+            <a:r>
+              <a:rPr lang="en-US" altLang="ko-KR" sz="1000"/>
+              <a:t>Prometheus</a:t>
+            </a:r>
+            <a:endParaRPr lang="ko-KR" altLang="en-US" sz="1000"/>
+          </a:p>
+        </p:txBody>
+      </p:sp>
+      <p:cxnSp>
+        <p:nvCxnSpPr>
+          <p:cNvPr id="49" name="Elbow Connector 48">
+            <a:extLst>
+              <a:ext uri="{FF2B5EF4-FFF2-40B4-BE49-F238E27FC236}">
+                <a16:creationId xmlns:a16="http://schemas.microsoft.com/office/drawing/2014/main" id="{CAFC981E-2E74-7F1B-00B9-504782C1F8CF}"/>
+              </a:ext>
+            </a:extLst>
+          </p:cNvPr>
+          <p:cNvCxnSpPr>
+            <a:cxnSpLocks/>
+            <a:stCxn id="32" idx="3"/>
+          </p:cNvCxnSpPr>
+          <p:nvPr/>
+        </p:nvCxnSpPr>
+        <p:spPr>
+          <a:xfrm>
+            <a:off x="1664892" y="2900449"/>
+            <a:ext cx="907495" cy="202519"/>
+          </a:xfrm>
+          <a:prstGeom prst="bentConnector3">
+            <a:avLst>
+              <a:gd name="adj1" fmla="val 50000"/>
+            </a:avLst>
+          </a:prstGeom>
+          <a:ln>
+            <a:solidFill>
+              <a:schemeClr val="tx1"/>
+            </a:solidFill>
+            <a:tailEnd type="triangle"/>
+          </a:ln>
+        </p:spPr>
+        <p:style>
+          <a:lnRef idx="1">
+            <a:schemeClr val="accent1"/>
+          </a:lnRef>
+          <a:fillRef idx="0">
+            <a:schemeClr val="accent1"/>
+          </a:fillRef>
+          <a:effectRef idx="0">
+            <a:schemeClr val="accent1"/>
+          </a:effectRef>
+          <a:fontRef idx="minor">
+            <a:schemeClr val="tx1"/>
+          </a:fontRef>
+        </p:style>
+      </p:cxnSp>
+      <p:sp>
+        <p:nvSpPr>
+          <p:cNvPr id="53" name="TextBox 52">
+            <a:extLst>
+              <a:ext uri="{FF2B5EF4-FFF2-40B4-BE49-F238E27FC236}">
+                <a16:creationId xmlns:a16="http://schemas.microsoft.com/office/drawing/2014/main" id="{71E51C5D-4D8F-FBF6-E020-C955980D3D85}"/>
+              </a:ext>
+            </a:extLst>
+          </p:cNvPr>
+          <p:cNvSpPr txBox="1"/>
+          <p:nvPr/>
+        </p:nvSpPr>
+        <p:spPr>
+          <a:xfrm>
+            <a:off x="1653676" y="2674233"/>
+            <a:ext cx="733997" cy="230832"/>
+          </a:xfrm>
+          <a:prstGeom prst="rect">
+            <a:avLst/>
+          </a:prstGeom>
+          <a:noFill/>
+        </p:spPr>
+        <p:txBody>
+          <a:bodyPr wrap="square" rtlCol="0">
+            <a:spAutoFit/>
+          </a:bodyPr>
+          <a:lstStyle/>
+          <a:p>
+            <a:pPr algn="ctr"/>
+            <a:r>
+              <a:rPr lang="en-KR" sz="900"/>
+              <a:t>Get Metric</a:t>
+            </a:r>
+          </a:p>
+        </p:txBody>
+      </p:sp>
+    </p:spTree>
+    <p:extLst>
+      <p:ext uri="{BB962C8B-B14F-4D97-AF65-F5344CB8AC3E}">
+        <p14:creationId xmlns:p14="http://schemas.microsoft.com/office/powerpoint/2010/main" val="1916018866"/>
+      </p:ext>
+    </p:extLst>
+  </p:cSld>
+  <p:clrMapOvr>
+    <a:masterClrMapping/>
+  </p:clrMapOvr>
+</p:sld>
+</file>
+
+<file path=ppt/slides/slide6.xml><?xml version="1.0" encoding="utf-8"?>
+<p:sld xmlns:a="http://schemas.openxmlformats.org/drawingml/2006/main" xmlns:r="http://schemas.openxmlformats.org/officeDocument/2006/relationships" xmlns:p="http://schemas.openxmlformats.org/presentationml/2006/main">
+  <p:cSld>
+    <p:spTree>
+      <p:nvGrpSpPr>
+        <p:cNvPr id="1" name=""/>
+        <p:cNvGrpSpPr/>
+        <p:nvPr/>
+      </p:nvGrpSpPr>
+      <p:grpSpPr>
+        <a:xfrm>
+          <a:off x="0" y="0"/>
+          <a:ext cx="0" cy="0"/>
+          <a:chOff x="0" y="0"/>
+          <a:chExt cx="0" cy="0"/>
+        </a:xfrm>
+      </p:grpSpPr>
+      <p:sp>
+        <p:nvSpPr>
+          <p:cNvPr id="2" name="제목 1">
+            <a:extLst>
+              <a:ext uri="{FF2B5EF4-FFF2-40B4-BE49-F238E27FC236}">
+                <a16:creationId xmlns:a16="http://schemas.microsoft.com/office/drawing/2014/main" id="{42D92FD6-97D5-22EF-2A04-0BC282BD0B3C}"/>
+              </a:ext>
+            </a:extLst>
+          </p:cNvPr>
+          <p:cNvSpPr txBox="1">
+            <a:spLocks/>
+          </p:cNvSpPr>
+          <p:nvPr/>
+        </p:nvSpPr>
+        <p:spPr>
+          <a:xfrm>
+            <a:off x="565354" y="-92546"/>
+            <a:ext cx="8229600" cy="857250"/>
+          </a:xfrm>
+          <a:prstGeom prst="rect">
+            <a:avLst/>
+          </a:prstGeom>
+        </p:spPr>
+        <p:txBody>
+          <a:bodyPr>
+            <a:normAutofit/>
+          </a:bodyPr>
+          <a:lstStyle>
+            <a:lvl1pPr algn="ctr" defTabSz="914400" rtl="0" eaLnBrk="1" latinLnBrk="1" hangingPunct="1">
+              <a:spcBef>
+                <a:spcPct val="0"/>
+              </a:spcBef>
+              <a:buNone/>
+              <a:defRPr sz="4400" kern="1200">
+                <a:solidFill>
+                  <a:schemeClr val="tx1"/>
+                </a:solidFill>
+                <a:latin typeface="+mj-lt"/>
+                <a:ea typeface="+mj-ea"/>
+                <a:cs typeface="+mj-cs"/>
+              </a:defRPr>
+            </a:lvl1pPr>
+          </a:lstStyle>
+          <a:p>
+            <a:r>
+              <a:rPr lang="en-US" altLang="ko-KR" sz="3600"/>
+              <a:t>spark-submit CLI Architecture </a:t>
+            </a:r>
+            <a:endParaRPr lang="ko-KR" altLang="en-US" sz="3600"/>
+          </a:p>
+        </p:txBody>
+      </p:sp>
+      <p:sp>
+        <p:nvSpPr>
+          <p:cNvPr id="3" name="Rounded Rectangle 2">
+            <a:extLst>
+              <a:ext uri="{FF2B5EF4-FFF2-40B4-BE49-F238E27FC236}">
+                <a16:creationId xmlns:a16="http://schemas.microsoft.com/office/drawing/2014/main" id="{25E9F0C1-2970-13C4-9734-BA70C6732AC3}"/>
+              </a:ext>
+            </a:extLst>
+          </p:cNvPr>
+          <p:cNvSpPr/>
+          <p:nvPr/>
+        </p:nvSpPr>
+        <p:spPr>
+          <a:xfrm>
+            <a:off x="2843807" y="1275607"/>
+            <a:ext cx="4879389" cy="3168346"/>
+          </a:xfrm>
+          <a:prstGeom prst="roundRect">
+            <a:avLst>
+              <a:gd name="adj" fmla="val 4006"/>
+            </a:avLst>
+          </a:prstGeom>
+          <a:noFill/>
+          <a:ln w="12700">
+            <a:solidFill>
+              <a:schemeClr val="tx1"/>
+            </a:solidFill>
+            <a:prstDash val="dash"/>
+          </a:ln>
+        </p:spPr>
+        <p:style>
+          <a:lnRef idx="2">
+            <a:schemeClr val="accent1">
+              <a:shade val="50000"/>
+            </a:schemeClr>
+          </a:lnRef>
+          <a:fillRef idx="1">
+            <a:schemeClr val="accent1"/>
+          </a:fillRef>
+          <a:effectRef idx="0">
+            <a:schemeClr val="accent1"/>
+          </a:effectRef>
+          <a:fontRef idx="minor">
+            <a:schemeClr val="lt1"/>
+          </a:fontRef>
+        </p:style>
+        <p:txBody>
+          <a:bodyPr rtlCol="0" anchor="b"/>
+          <a:lstStyle/>
+          <a:p>
+            <a:pPr algn="ctr"/>
+            <a:r>
+              <a:rPr lang="en-KR" sz="1100" b="1">
+                <a:solidFill>
+                  <a:sysClr val="windowText" lastClr="000000"/>
+                </a:solidFill>
+              </a:rPr>
+              <a:t>Kubernetes Cluster</a:t>
+            </a:r>
+          </a:p>
+        </p:txBody>
+      </p:sp>
+      <p:sp>
+        <p:nvSpPr>
+          <p:cNvPr id="5" name="모서리가 둥근 직사각형 2">
+            <a:extLst>
+              <a:ext uri="{FF2B5EF4-FFF2-40B4-BE49-F238E27FC236}">
+                <a16:creationId xmlns:a16="http://schemas.microsoft.com/office/drawing/2014/main" id="{4549A605-BC64-4D2E-C955-87168B1269B0}"/>
+              </a:ext>
+            </a:extLst>
+          </p:cNvPr>
+          <p:cNvSpPr/>
+          <p:nvPr/>
+        </p:nvSpPr>
+        <p:spPr>
+          <a:xfrm>
+            <a:off x="2915815" y="2643752"/>
+            <a:ext cx="1368152" cy="1440154"/>
+          </a:xfrm>
+          <a:prstGeom prst="roundRect">
+            <a:avLst>
+              <a:gd name="adj" fmla="val 7293"/>
+            </a:avLst>
+          </a:prstGeom>
+          <a:ln w="12700"/>
+        </p:spPr>
+        <p:style>
+          <a:lnRef idx="2">
+            <a:schemeClr val="dk1"/>
+          </a:lnRef>
+          <a:fillRef idx="1">
+            <a:schemeClr val="lt1"/>
+          </a:fillRef>
+          <a:effectRef idx="0">
+            <a:schemeClr val="dk1"/>
+          </a:effectRef>
+          <a:fontRef idx="minor">
+            <a:schemeClr val="dk1"/>
+          </a:fontRef>
+        </p:style>
+        <p:txBody>
+          <a:bodyPr rtlCol="0" anchor="b"/>
+          <a:lstStyle/>
+          <a:p>
+            <a:pPr algn="ctr"/>
+            <a:r>
+              <a:rPr lang="en-US" altLang="ko-KR" sz="1100"/>
+              <a:t>Worker Node A</a:t>
+            </a:r>
+            <a:endParaRPr lang="ko-KR" altLang="en-US" sz="1100"/>
+          </a:p>
+        </p:txBody>
+      </p:sp>
+      <p:sp>
+        <p:nvSpPr>
+          <p:cNvPr id="8" name="모서리가 둥근 직사각형 2">
+            <a:extLst>
+              <a:ext uri="{FF2B5EF4-FFF2-40B4-BE49-F238E27FC236}">
+                <a16:creationId xmlns:a16="http://schemas.microsoft.com/office/drawing/2014/main" id="{A49E2A25-1E87-5A6A-3E47-B21903F713DA}"/>
+              </a:ext>
+            </a:extLst>
+          </p:cNvPr>
+          <p:cNvSpPr/>
+          <p:nvPr/>
+        </p:nvSpPr>
+        <p:spPr>
+          <a:xfrm>
+            <a:off x="4607560" y="2643752"/>
+            <a:ext cx="1368152" cy="1440154"/>
+          </a:xfrm>
+          <a:prstGeom prst="roundRect">
+            <a:avLst>
+              <a:gd name="adj" fmla="val 7293"/>
+            </a:avLst>
+          </a:prstGeom>
+          <a:ln w="12700"/>
+        </p:spPr>
+        <p:style>
+          <a:lnRef idx="2">
+            <a:schemeClr val="dk1"/>
+          </a:lnRef>
+          <a:fillRef idx="1">
+            <a:schemeClr val="lt1"/>
+          </a:fillRef>
+          <a:effectRef idx="0">
+            <a:schemeClr val="dk1"/>
+          </a:effectRef>
+          <a:fontRef idx="minor">
+            <a:schemeClr val="dk1"/>
+          </a:fontRef>
+        </p:style>
+        <p:txBody>
+          <a:bodyPr rtlCol="0" anchor="b"/>
+          <a:lstStyle/>
+          <a:p>
+            <a:pPr algn="ctr"/>
+            <a:r>
+              <a:rPr lang="en-US" altLang="ko-KR" sz="1100"/>
+              <a:t>Worker Node B</a:t>
+            </a:r>
+            <a:endParaRPr lang="ko-KR" altLang="en-US" sz="1100"/>
+          </a:p>
+        </p:txBody>
+      </p:sp>
+      <p:sp>
+        <p:nvSpPr>
+          <p:cNvPr id="10" name="모서리가 둥근 직사각형 2">
+            <a:extLst>
+              <a:ext uri="{FF2B5EF4-FFF2-40B4-BE49-F238E27FC236}">
+                <a16:creationId xmlns:a16="http://schemas.microsoft.com/office/drawing/2014/main" id="{5CC4C4CC-4394-24D2-F95E-1B91AC293343}"/>
+              </a:ext>
+            </a:extLst>
+          </p:cNvPr>
+          <p:cNvSpPr/>
+          <p:nvPr/>
+        </p:nvSpPr>
+        <p:spPr>
+          <a:xfrm>
+            <a:off x="6299468" y="2643752"/>
+            <a:ext cx="1368152" cy="1440154"/>
+          </a:xfrm>
+          <a:prstGeom prst="roundRect">
+            <a:avLst>
+              <a:gd name="adj" fmla="val 7293"/>
+            </a:avLst>
+          </a:prstGeom>
+          <a:ln w="12700"/>
+        </p:spPr>
+        <p:style>
+          <a:lnRef idx="2">
+            <a:schemeClr val="dk1"/>
+          </a:lnRef>
+          <a:fillRef idx="1">
+            <a:schemeClr val="lt1"/>
+          </a:fillRef>
+          <a:effectRef idx="0">
+            <a:schemeClr val="dk1"/>
+          </a:effectRef>
+          <a:fontRef idx="minor">
+            <a:schemeClr val="dk1"/>
+          </a:fontRef>
+        </p:style>
+        <p:txBody>
+          <a:bodyPr rtlCol="0" anchor="b"/>
+          <a:lstStyle/>
+          <a:p>
+            <a:pPr algn="ctr"/>
+            <a:r>
+              <a:rPr lang="en-US" altLang="ko-KR" sz="1100"/>
+              <a:t>Worker Node C</a:t>
+            </a:r>
+            <a:endParaRPr lang="ko-KR" altLang="en-US" sz="1100"/>
+          </a:p>
+        </p:txBody>
+      </p:sp>
+      <p:sp>
+        <p:nvSpPr>
+          <p:cNvPr id="11" name="모서리가 둥근 직사각형 2">
+            <a:extLst>
+              <a:ext uri="{FF2B5EF4-FFF2-40B4-BE49-F238E27FC236}">
+                <a16:creationId xmlns:a16="http://schemas.microsoft.com/office/drawing/2014/main" id="{870B7103-77DB-AAB9-FC43-C36E7AEE5176}"/>
+              </a:ext>
+            </a:extLst>
+          </p:cNvPr>
+          <p:cNvSpPr/>
+          <p:nvPr/>
+        </p:nvSpPr>
+        <p:spPr>
+          <a:xfrm>
+            <a:off x="3004435" y="2787768"/>
+            <a:ext cx="1190912" cy="386745"/>
+          </a:xfrm>
+          <a:prstGeom prst="roundRect">
+            <a:avLst>
+              <a:gd name="adj" fmla="val 13068"/>
+            </a:avLst>
+          </a:prstGeom>
+          <a:ln w="12700"/>
+        </p:spPr>
+        <p:style>
+          <a:lnRef idx="2">
+            <a:schemeClr val="dk1"/>
+          </a:lnRef>
+          <a:fillRef idx="1">
+            <a:schemeClr val="lt1"/>
+          </a:fillRef>
+          <a:effectRef idx="0">
+            <a:schemeClr val="dk1"/>
+          </a:effectRef>
+          <a:fontRef idx="minor">
+            <a:schemeClr val="dk1"/>
+          </a:fontRef>
+        </p:style>
+        <p:txBody>
+          <a:bodyPr rtlCol="0" anchor="ctr"/>
+          <a:lstStyle/>
+          <a:p>
+            <a:pPr algn="ctr"/>
+            <a:r>
+              <a:rPr lang="en-US" altLang="ko-KR" sz="1000"/>
+              <a:t>Driver / Pod</a:t>
+            </a:r>
+            <a:endParaRPr lang="ko-KR" altLang="en-US" sz="1000"/>
+          </a:p>
+        </p:txBody>
+      </p:sp>
+      <p:sp>
+        <p:nvSpPr>
+          <p:cNvPr id="12" name="모서리가 둥근 직사각형 2">
+            <a:extLst>
+              <a:ext uri="{FF2B5EF4-FFF2-40B4-BE49-F238E27FC236}">
+                <a16:creationId xmlns:a16="http://schemas.microsoft.com/office/drawing/2014/main" id="{8F4580A2-2795-D606-221C-33D957496623}"/>
+              </a:ext>
+            </a:extLst>
+          </p:cNvPr>
+          <p:cNvSpPr/>
+          <p:nvPr/>
+        </p:nvSpPr>
+        <p:spPr>
+          <a:xfrm>
+            <a:off x="693427" y="2196073"/>
+            <a:ext cx="1401376" cy="386745"/>
+          </a:xfrm>
+          <a:prstGeom prst="roundRect">
+            <a:avLst>
+              <a:gd name="adj" fmla="val 13068"/>
+            </a:avLst>
+          </a:prstGeom>
+          <a:ln w="12700"/>
+        </p:spPr>
+        <p:style>
+          <a:lnRef idx="2">
+            <a:schemeClr val="dk1"/>
+          </a:lnRef>
+          <a:fillRef idx="1">
+            <a:schemeClr val="lt1"/>
+          </a:fillRef>
+          <a:effectRef idx="0">
+            <a:schemeClr val="dk1"/>
+          </a:effectRef>
+          <a:fontRef idx="minor">
+            <a:schemeClr val="dk1"/>
+          </a:fontRef>
+        </p:style>
+        <p:txBody>
+          <a:bodyPr rtlCol="0" anchor="ctr"/>
+          <a:lstStyle/>
+          <a:p>
+            <a:pPr algn="ctr"/>
+            <a:r>
+              <a:rPr lang="en-US" altLang="ko-KR" sz="1000" b="1"/>
+              <a:t>spark-submit CLI</a:t>
+            </a:r>
+            <a:endParaRPr lang="ko-KR" altLang="en-US" sz="1000" b="1"/>
+          </a:p>
+        </p:txBody>
+      </p:sp>
+      <p:sp>
+        <p:nvSpPr>
+          <p:cNvPr id="18" name="모서리가 둥근 직사각형 2">
+            <a:extLst>
+              <a:ext uri="{FF2B5EF4-FFF2-40B4-BE49-F238E27FC236}">
+                <a16:creationId xmlns:a16="http://schemas.microsoft.com/office/drawing/2014/main" id="{0BE74BAC-CCCF-0A1E-E11F-47A743EE3D76}"/>
+              </a:ext>
+            </a:extLst>
+          </p:cNvPr>
+          <p:cNvSpPr/>
+          <p:nvPr/>
+        </p:nvSpPr>
+        <p:spPr>
+          <a:xfrm>
+            <a:off x="3004435" y="3291824"/>
+            <a:ext cx="1190912" cy="386745"/>
+          </a:xfrm>
+          <a:prstGeom prst="roundRect">
+            <a:avLst>
+              <a:gd name="adj" fmla="val 13068"/>
+            </a:avLst>
+          </a:prstGeom>
+          <a:ln w="12700"/>
+        </p:spPr>
+        <p:style>
+          <a:lnRef idx="2">
+            <a:schemeClr val="dk1"/>
+          </a:lnRef>
+          <a:fillRef idx="1">
+            <a:schemeClr val="lt1"/>
+          </a:fillRef>
+          <a:effectRef idx="0">
+            <a:schemeClr val="dk1"/>
+          </a:effectRef>
+          <a:fontRef idx="minor">
+            <a:schemeClr val="dk1"/>
+          </a:fontRef>
+        </p:style>
+        <p:txBody>
+          <a:bodyPr rtlCol="0" anchor="ctr"/>
+          <a:lstStyle/>
+          <a:p>
+            <a:pPr algn="ctr"/>
+            <a:r>
+              <a:rPr lang="en-US" altLang="ko-KR" sz="1000"/>
+              <a:t>Spark History Server / Pod</a:t>
+            </a:r>
+            <a:endParaRPr lang="ko-KR" altLang="en-US" sz="1000"/>
+          </a:p>
+        </p:txBody>
+      </p:sp>
+      <p:sp>
+        <p:nvSpPr>
+          <p:cNvPr id="20" name="모서리가 둥근 직사각형 2">
+            <a:extLst>
+              <a:ext uri="{FF2B5EF4-FFF2-40B4-BE49-F238E27FC236}">
+                <a16:creationId xmlns:a16="http://schemas.microsoft.com/office/drawing/2014/main" id="{C08BAA54-B1F1-29B9-35FD-3A8E56FFED64}"/>
+              </a:ext>
+            </a:extLst>
+          </p:cNvPr>
+          <p:cNvSpPr/>
+          <p:nvPr/>
+        </p:nvSpPr>
+        <p:spPr>
+          <a:xfrm>
+            <a:off x="4696180" y="3291824"/>
+            <a:ext cx="1190912" cy="386745"/>
+          </a:xfrm>
+          <a:prstGeom prst="roundRect">
+            <a:avLst>
+              <a:gd name="adj" fmla="val 13068"/>
+            </a:avLst>
+          </a:prstGeom>
+          <a:ln w="12700"/>
+        </p:spPr>
+        <p:style>
+          <a:lnRef idx="2">
+            <a:schemeClr val="dk1"/>
+          </a:lnRef>
+          <a:fillRef idx="1">
+            <a:schemeClr val="lt1"/>
+          </a:fillRef>
+          <a:effectRef idx="0">
+            <a:schemeClr val="dk1"/>
+          </a:effectRef>
+          <a:fontRef idx="minor">
+            <a:schemeClr val="dk1"/>
+          </a:fontRef>
+        </p:style>
+        <p:txBody>
+          <a:bodyPr rtlCol="0" anchor="ctr"/>
+          <a:lstStyle/>
+          <a:p>
+            <a:pPr algn="ctr"/>
+            <a:r>
+              <a:rPr lang="en-US" altLang="ko-KR" sz="1000"/>
+              <a:t>Executor / Pod</a:t>
+            </a:r>
+            <a:endParaRPr lang="ko-KR" altLang="en-US" sz="1000"/>
+          </a:p>
+        </p:txBody>
+      </p:sp>
+      <p:sp>
+        <p:nvSpPr>
+          <p:cNvPr id="30" name="모서리가 둥근 직사각형 2">
+            <a:extLst>
+              <a:ext uri="{FF2B5EF4-FFF2-40B4-BE49-F238E27FC236}">
+                <a16:creationId xmlns:a16="http://schemas.microsoft.com/office/drawing/2014/main" id="{237169D2-E52F-A9F0-128A-66AA7DD7C3F0}"/>
+              </a:ext>
+            </a:extLst>
+          </p:cNvPr>
+          <p:cNvSpPr/>
+          <p:nvPr/>
+        </p:nvSpPr>
+        <p:spPr>
+          <a:xfrm>
+            <a:off x="4696180" y="2787767"/>
+            <a:ext cx="1190912" cy="386745"/>
+          </a:xfrm>
+          <a:prstGeom prst="roundRect">
+            <a:avLst>
+              <a:gd name="adj" fmla="val 13068"/>
+            </a:avLst>
+          </a:prstGeom>
+          <a:ln w="12700"/>
+        </p:spPr>
+        <p:style>
+          <a:lnRef idx="2">
+            <a:schemeClr val="dk1"/>
+          </a:lnRef>
+          <a:fillRef idx="1">
+            <a:schemeClr val="lt1"/>
+          </a:fillRef>
+          <a:effectRef idx="0">
+            <a:schemeClr val="dk1"/>
+          </a:effectRef>
+          <a:fontRef idx="minor">
+            <a:schemeClr val="dk1"/>
+          </a:fontRef>
+        </p:style>
+        <p:txBody>
+          <a:bodyPr rtlCol="0" anchor="ctr"/>
+          <a:lstStyle/>
+          <a:p>
+            <a:pPr algn="ctr"/>
+            <a:r>
+              <a:rPr lang="en-US" altLang="ko-KR" sz="1000"/>
+              <a:t>Executor / Pod</a:t>
+            </a:r>
+            <a:endParaRPr lang="ko-KR" altLang="en-US" sz="1000"/>
+          </a:p>
+        </p:txBody>
+      </p:sp>
+      <p:sp>
+        <p:nvSpPr>
+          <p:cNvPr id="32" name="모서리가 둥근 직사각형 2">
+            <a:extLst>
+              <a:ext uri="{FF2B5EF4-FFF2-40B4-BE49-F238E27FC236}">
+                <a16:creationId xmlns:a16="http://schemas.microsoft.com/office/drawing/2014/main" id="{1354C772-CAEC-95EB-FFE3-19FA05F037E3}"/>
+              </a:ext>
+            </a:extLst>
+          </p:cNvPr>
+          <p:cNvSpPr/>
+          <p:nvPr/>
+        </p:nvSpPr>
+        <p:spPr>
+          <a:xfrm>
+            <a:off x="6388088" y="2787767"/>
+            <a:ext cx="1190912" cy="386745"/>
+          </a:xfrm>
+          <a:prstGeom prst="roundRect">
+            <a:avLst>
+              <a:gd name="adj" fmla="val 13068"/>
+            </a:avLst>
+          </a:prstGeom>
+          <a:ln w="12700"/>
+        </p:spPr>
+        <p:style>
+          <a:lnRef idx="2">
+            <a:schemeClr val="dk1"/>
+          </a:lnRef>
+          <a:fillRef idx="1">
+            <a:schemeClr val="lt1"/>
+          </a:fillRef>
+          <a:effectRef idx="0">
+            <a:schemeClr val="dk1"/>
+          </a:effectRef>
+          <a:fontRef idx="minor">
+            <a:schemeClr val="dk1"/>
+          </a:fontRef>
+        </p:style>
+        <p:txBody>
+          <a:bodyPr rtlCol="0" anchor="ctr"/>
+          <a:lstStyle/>
+          <a:p>
+            <a:pPr algn="ctr"/>
+            <a:r>
+              <a:rPr lang="en-US" altLang="ko-KR" sz="1000"/>
+              <a:t>Executor / Pod</a:t>
+            </a:r>
+            <a:endParaRPr lang="ko-KR" altLang="en-US" sz="1000"/>
+          </a:p>
+        </p:txBody>
+      </p:sp>
+      <p:sp>
+        <p:nvSpPr>
+          <p:cNvPr id="50" name="모서리가 둥근 직사각형 2">
+            <a:extLst>
+              <a:ext uri="{FF2B5EF4-FFF2-40B4-BE49-F238E27FC236}">
+                <a16:creationId xmlns:a16="http://schemas.microsoft.com/office/drawing/2014/main" id="{9DC68ADA-F451-0CCE-5586-EB5438D4E7C1}"/>
+              </a:ext>
+            </a:extLst>
+          </p:cNvPr>
+          <p:cNvSpPr/>
+          <p:nvPr/>
+        </p:nvSpPr>
+        <p:spPr>
+          <a:xfrm>
+            <a:off x="2915815" y="1346428"/>
+            <a:ext cx="1096289" cy="508063"/>
+          </a:xfrm>
+          <a:prstGeom prst="roundRect">
+            <a:avLst>
+              <a:gd name="adj" fmla="val 13068"/>
+            </a:avLst>
+          </a:prstGeom>
+          <a:ln w="12700"/>
+        </p:spPr>
+        <p:style>
+          <a:lnRef idx="2">
+            <a:schemeClr val="dk1"/>
+          </a:lnRef>
+          <a:fillRef idx="1">
+            <a:schemeClr val="lt1"/>
+          </a:fillRef>
+          <a:effectRef idx="0">
+            <a:schemeClr val="dk1"/>
+          </a:effectRef>
+          <a:fontRef idx="minor">
+            <a:schemeClr val="dk1"/>
+          </a:fontRef>
+        </p:style>
+        <p:txBody>
+          <a:bodyPr rtlCol="0" anchor="ctr"/>
+          <a:lstStyle/>
+          <a:p>
+            <a:pPr algn="ctr"/>
+            <a:r>
+              <a:rPr lang="en-US" altLang="ko-KR" sz="1000"/>
+              <a:t>Driver Config </a:t>
+            </a:r>
+          </a:p>
+          <a:p>
+            <a:pPr algn="ctr"/>
+            <a:r>
+              <a:rPr lang="en-US" altLang="ko-KR" sz="1000"/>
+              <a:t>/ ConfigMap</a:t>
+            </a:r>
+            <a:endParaRPr lang="ko-KR" altLang="en-US" sz="1000"/>
+          </a:p>
+        </p:txBody>
+      </p:sp>
+      <p:sp>
+        <p:nvSpPr>
+          <p:cNvPr id="52" name="모서리가 둥근 직사각형 2">
+            <a:extLst>
+              <a:ext uri="{FF2B5EF4-FFF2-40B4-BE49-F238E27FC236}">
+                <a16:creationId xmlns:a16="http://schemas.microsoft.com/office/drawing/2014/main" id="{D9FF5154-1FCB-8303-0C33-365F3B7A695D}"/>
+              </a:ext>
+            </a:extLst>
+          </p:cNvPr>
+          <p:cNvSpPr/>
+          <p:nvPr/>
+        </p:nvSpPr>
+        <p:spPr>
+          <a:xfrm>
+            <a:off x="6299468" y="1346428"/>
+            <a:ext cx="1368152" cy="508063"/>
+          </a:xfrm>
+          <a:prstGeom prst="roundRect">
+            <a:avLst>
+              <a:gd name="adj" fmla="val 13068"/>
+            </a:avLst>
+          </a:prstGeom>
+          <a:ln w="12700"/>
+        </p:spPr>
+        <p:style>
+          <a:lnRef idx="2">
+            <a:schemeClr val="dk1"/>
+          </a:lnRef>
+          <a:fillRef idx="1">
+            <a:schemeClr val="lt1"/>
+          </a:fillRef>
+          <a:effectRef idx="0">
+            <a:schemeClr val="dk1"/>
+          </a:effectRef>
+          <a:fontRef idx="minor">
+            <a:schemeClr val="dk1"/>
+          </a:fontRef>
+        </p:style>
+        <p:txBody>
+          <a:bodyPr rtlCol="0" anchor="ctr"/>
+          <a:lstStyle/>
+          <a:p>
+            <a:pPr algn="ctr"/>
+            <a:r>
+              <a:rPr lang="en-US" altLang="ko-KR" sz="1000"/>
+              <a:t>Driver Service</a:t>
+            </a:r>
+          </a:p>
+          <a:p>
+            <a:pPr algn="ctr"/>
+            <a:r>
+              <a:rPr lang="en-US" altLang="ko-KR" sz="1000"/>
+              <a:t>/ Service (Headless)</a:t>
+            </a:r>
+            <a:endParaRPr lang="ko-KR" altLang="en-US" sz="1000"/>
+          </a:p>
+        </p:txBody>
+      </p:sp>
+      <p:sp>
+        <p:nvSpPr>
+          <p:cNvPr id="53" name="모서리가 둥근 직사각형 2">
+            <a:extLst>
+              <a:ext uri="{FF2B5EF4-FFF2-40B4-BE49-F238E27FC236}">
+                <a16:creationId xmlns:a16="http://schemas.microsoft.com/office/drawing/2014/main" id="{65EF8AC6-68B4-E8F0-B6E0-BA72261162BA}"/>
+              </a:ext>
+            </a:extLst>
+          </p:cNvPr>
+          <p:cNvSpPr/>
+          <p:nvPr/>
+        </p:nvSpPr>
+        <p:spPr>
+          <a:xfrm>
+            <a:off x="6388088" y="3291823"/>
+            <a:ext cx="1190912" cy="386745"/>
+          </a:xfrm>
+          <a:prstGeom prst="roundRect">
+            <a:avLst>
+              <a:gd name="adj" fmla="val 13068"/>
+            </a:avLst>
+          </a:prstGeom>
+          <a:ln w="12700"/>
+        </p:spPr>
+        <p:style>
+          <a:lnRef idx="2">
+            <a:schemeClr val="dk1"/>
+          </a:lnRef>
+          <a:fillRef idx="1">
+            <a:schemeClr val="lt1"/>
+          </a:fillRef>
+          <a:effectRef idx="0">
+            <a:schemeClr val="dk1"/>
+          </a:effectRef>
+          <a:fontRef idx="minor">
+            <a:schemeClr val="dk1"/>
+          </a:fontRef>
+        </p:style>
+        <p:txBody>
+          <a:bodyPr rtlCol="0" anchor="ctr"/>
+          <a:lstStyle/>
+          <a:p>
+            <a:pPr algn="ctr"/>
+            <a:r>
+              <a:rPr lang="en-US" altLang="ko-KR" sz="1000"/>
+              <a:t>Executor / Pod</a:t>
+            </a:r>
+            <a:endParaRPr lang="ko-KR" altLang="en-US" sz="1000"/>
+          </a:p>
+        </p:txBody>
+      </p:sp>
+      <p:sp>
+        <p:nvSpPr>
+          <p:cNvPr id="66" name="Rounded Rectangle 65">
+            <a:extLst>
+              <a:ext uri="{FF2B5EF4-FFF2-40B4-BE49-F238E27FC236}">
+                <a16:creationId xmlns:a16="http://schemas.microsoft.com/office/drawing/2014/main" id="{61A09058-9133-1534-6F75-59B14374210C}"/>
+              </a:ext>
+            </a:extLst>
+          </p:cNvPr>
+          <p:cNvSpPr/>
+          <p:nvPr/>
+        </p:nvSpPr>
+        <p:spPr>
+          <a:xfrm>
+            <a:off x="4653126" y="2355726"/>
+            <a:ext cx="2972970" cy="1383108"/>
+          </a:xfrm>
+          <a:prstGeom prst="roundRect">
+            <a:avLst>
+              <a:gd name="adj" fmla="val 3462"/>
+            </a:avLst>
+          </a:prstGeom>
+          <a:noFill/>
+          <a:ln w="12700">
+            <a:solidFill>
+              <a:schemeClr val="tx1"/>
+            </a:solidFill>
+            <a:prstDash val="dash"/>
+          </a:ln>
+        </p:spPr>
+        <p:style>
+          <a:lnRef idx="2">
+            <a:schemeClr val="accent1">
+              <a:shade val="50000"/>
+            </a:schemeClr>
+          </a:lnRef>
+          <a:fillRef idx="1">
+            <a:schemeClr val="accent1"/>
+          </a:fillRef>
+          <a:effectRef idx="0">
+            <a:schemeClr val="accent1"/>
+          </a:effectRef>
+          <a:fontRef idx="minor">
+            <a:schemeClr val="lt1"/>
+          </a:fontRef>
+        </p:style>
+        <p:txBody>
+          <a:bodyPr rtlCol="0" anchor="t"/>
+          <a:lstStyle/>
+          <a:p>
+            <a:pPr algn="ctr"/>
+            <a:r>
+              <a:rPr lang="en-KR" sz="1000" b="1">
+                <a:solidFill>
+                  <a:sysClr val="windowText" lastClr="000000"/>
+                </a:solidFill>
+              </a:rPr>
+              <a:t>Executors</a:t>
+            </a:r>
+          </a:p>
+        </p:txBody>
+      </p:sp>
+      <p:pic>
+        <p:nvPicPr>
+          <p:cNvPr id="1026" name="Picture 2" descr="사람 - 무료 사회적인개 아이콘">
+            <a:extLst>
+              <a:ext uri="{FF2B5EF4-FFF2-40B4-BE49-F238E27FC236}">
+                <a16:creationId xmlns:a16="http://schemas.microsoft.com/office/drawing/2014/main" id="{5511788A-9777-BF16-EA55-3E15C4A83CAA}"/>
+              </a:ext>
+            </a:extLst>
+          </p:cNvPr>
+          <p:cNvPicPr>
+            <a:picLocks noChangeAspect="1" noChangeArrowheads="1"/>
+          </p:cNvPicPr>
+          <p:nvPr/>
+        </p:nvPicPr>
+        <p:blipFill>
+          <a:blip r:embed="rId3">
+            <a:extLst>
+              <a:ext uri="{28A0092B-C50C-407E-A947-70E740481C1C}">
+                <a14:useLocalDpi xmlns:a14="http://schemas.microsoft.com/office/drawing/2010/main" val="0"/>
+              </a:ext>
+            </a:extLst>
+          </a:blip>
+          <a:srcRect/>
+          <a:stretch>
+            <a:fillRect/>
+          </a:stretch>
+        </p:blipFill>
+        <p:spPr bwMode="auto">
+          <a:xfrm>
+            <a:off x="1116351" y="934365"/>
+            <a:ext cx="558919" cy="558919"/>
+          </a:xfrm>
+          <a:prstGeom prst="rect">
+            <a:avLst/>
+          </a:prstGeom>
+          <a:noFill/>
+          <a:extLst>
+            <a:ext uri="{909E8E84-426E-40DD-AFC4-6F175D3DCCD1}">
+              <a14:hiddenFill xmlns:a14="http://schemas.microsoft.com/office/drawing/2010/main">
+                <a:solidFill>
+                  <a:srgbClr val="FFFFFF"/>
+                </a:solidFill>
+              </a14:hiddenFill>
+            </a:ext>
+          </a:extLst>
+        </p:spPr>
+      </p:pic>
+      <p:cxnSp>
+        <p:nvCxnSpPr>
+          <p:cNvPr id="67" name="Straight Arrow Connector 66">
+            <a:extLst>
+              <a:ext uri="{FF2B5EF4-FFF2-40B4-BE49-F238E27FC236}">
+                <a16:creationId xmlns:a16="http://schemas.microsoft.com/office/drawing/2014/main" id="{12030ECF-D3CD-3C7C-DD45-B4093F2983A1}"/>
+              </a:ext>
+            </a:extLst>
+          </p:cNvPr>
+          <p:cNvCxnSpPr>
+            <a:cxnSpLocks/>
+            <a:stCxn id="91" idx="4"/>
+            <a:endCxn id="12" idx="0"/>
+          </p:cNvCxnSpPr>
+          <p:nvPr/>
+        </p:nvCxnSpPr>
+        <p:spPr>
+          <a:xfrm flipH="1">
+            <a:off x="1394115" y="1818489"/>
+            <a:ext cx="2236" cy="377584"/>
+          </a:xfrm>
+          <a:prstGeom prst="straightConnector1">
+            <a:avLst/>
+          </a:prstGeom>
+          <a:ln>
+            <a:solidFill>
+              <a:schemeClr val="tx2"/>
+            </a:solidFill>
+            <a:tailEnd type="triangle"/>
+          </a:ln>
+        </p:spPr>
+        <p:style>
+          <a:lnRef idx="1">
+            <a:schemeClr val="dk1"/>
+          </a:lnRef>
+          <a:fillRef idx="0">
+            <a:schemeClr val="dk1"/>
+          </a:fillRef>
+          <a:effectRef idx="0">
+            <a:schemeClr val="dk1"/>
+          </a:effectRef>
+          <a:fontRef idx="minor">
+            <a:schemeClr val="tx1"/>
+          </a:fontRef>
+        </p:style>
+      </p:cxnSp>
+      <p:sp>
+        <p:nvSpPr>
+          <p:cNvPr id="70" name="TextBox 69">
+            <a:extLst>
+              <a:ext uri="{FF2B5EF4-FFF2-40B4-BE49-F238E27FC236}">
+                <a16:creationId xmlns:a16="http://schemas.microsoft.com/office/drawing/2014/main" id="{3CB6BB73-9335-434E-5C5D-BCE6298077DA}"/>
+              </a:ext>
+            </a:extLst>
+          </p:cNvPr>
+          <p:cNvSpPr txBox="1"/>
+          <p:nvPr/>
+        </p:nvSpPr>
+        <p:spPr>
+          <a:xfrm>
+            <a:off x="1180118" y="1394394"/>
+            <a:ext cx="444352" cy="246221"/>
+          </a:xfrm>
+          <a:prstGeom prst="rect">
+            <a:avLst/>
+          </a:prstGeom>
+          <a:noFill/>
+        </p:spPr>
+        <p:txBody>
+          <a:bodyPr wrap="none" rtlCol="0">
+            <a:spAutoFit/>
+          </a:bodyPr>
+          <a:lstStyle/>
+          <a:p>
+            <a:r>
+              <a:rPr lang="en-US" sz="1000"/>
+              <a:t>User</a:t>
+            </a:r>
+            <a:endParaRPr lang="en-KR" sz="1000"/>
+          </a:p>
+        </p:txBody>
+      </p:sp>
+      <p:cxnSp>
+        <p:nvCxnSpPr>
+          <p:cNvPr id="78" name="Elbow Connector 77">
+            <a:extLst>
+              <a:ext uri="{FF2B5EF4-FFF2-40B4-BE49-F238E27FC236}">
+                <a16:creationId xmlns:a16="http://schemas.microsoft.com/office/drawing/2014/main" id="{070E0060-91D8-6C59-76DD-9DF4EE2777CC}"/>
+              </a:ext>
+            </a:extLst>
+          </p:cNvPr>
+          <p:cNvCxnSpPr>
+            <a:cxnSpLocks/>
+            <a:stCxn id="1114" idx="0"/>
+            <a:endCxn id="1026" idx="3"/>
+          </p:cNvCxnSpPr>
+          <p:nvPr/>
+        </p:nvCxnSpPr>
+        <p:spPr>
+          <a:xfrm rot="16200000" flipV="1">
+            <a:off x="3348964" y="-459868"/>
+            <a:ext cx="132603" cy="3479990"/>
+          </a:xfrm>
+          <a:prstGeom prst="bentConnector2">
+            <a:avLst/>
+          </a:prstGeom>
+          <a:ln>
+            <a:solidFill>
+              <a:srgbClr val="C00000"/>
+            </a:solidFill>
+            <a:tailEnd type="triangle"/>
+          </a:ln>
+        </p:spPr>
+        <p:style>
+          <a:lnRef idx="1">
+            <a:schemeClr val="dk1"/>
+          </a:lnRef>
+          <a:fillRef idx="0">
+            <a:schemeClr val="dk1"/>
+          </a:fillRef>
+          <a:effectRef idx="0">
+            <a:schemeClr val="dk1"/>
+          </a:effectRef>
+          <a:fontRef idx="minor">
+            <a:schemeClr val="tx1"/>
+          </a:fontRef>
+        </p:style>
+      </p:cxnSp>
+      <p:cxnSp>
+        <p:nvCxnSpPr>
+          <p:cNvPr id="85" name="Elbow Connector 84">
+            <a:extLst>
+              <a:ext uri="{FF2B5EF4-FFF2-40B4-BE49-F238E27FC236}">
+                <a16:creationId xmlns:a16="http://schemas.microsoft.com/office/drawing/2014/main" id="{193ABD5E-2F7B-0B72-9C05-C0EBD1E6D99B}"/>
+              </a:ext>
+            </a:extLst>
+          </p:cNvPr>
+          <p:cNvCxnSpPr>
+            <a:cxnSpLocks/>
+            <a:stCxn id="1044" idx="0"/>
+            <a:endCxn id="1114" idx="2"/>
+          </p:cNvCxnSpPr>
+          <p:nvPr/>
+        </p:nvCxnSpPr>
+        <p:spPr>
+          <a:xfrm rot="5400000" flipH="1" flipV="1">
+            <a:off x="3958732" y="1991490"/>
+            <a:ext cx="1333526" cy="1059529"/>
+          </a:xfrm>
+          <a:prstGeom prst="bentConnector3">
+            <a:avLst>
+              <a:gd name="adj1" fmla="val 46552"/>
+            </a:avLst>
+          </a:prstGeom>
+          <a:ln>
+            <a:solidFill>
+              <a:srgbClr val="C00000"/>
+            </a:solidFill>
+            <a:tailEnd type="triangle"/>
+          </a:ln>
+        </p:spPr>
+        <p:style>
+          <a:lnRef idx="1">
+            <a:schemeClr val="dk1"/>
+          </a:lnRef>
+          <a:fillRef idx="0">
+            <a:schemeClr val="dk1"/>
+          </a:fillRef>
+          <a:effectRef idx="0">
+            <a:schemeClr val="dk1"/>
+          </a:effectRef>
+          <a:fontRef idx="minor">
+            <a:schemeClr val="tx1"/>
+          </a:fontRef>
+        </p:style>
+      </p:cxnSp>
+      <p:sp>
+        <p:nvSpPr>
+          <p:cNvPr id="91" name="Oval 90">
+            <a:extLst>
+              <a:ext uri="{FF2B5EF4-FFF2-40B4-BE49-F238E27FC236}">
+                <a16:creationId xmlns:a16="http://schemas.microsoft.com/office/drawing/2014/main" id="{98E0E014-3205-B2E7-5949-2BFF608208D3}"/>
+              </a:ext>
+            </a:extLst>
+          </p:cNvPr>
+          <p:cNvSpPr/>
+          <p:nvPr/>
+        </p:nvSpPr>
+        <p:spPr>
+          <a:xfrm>
+            <a:off x="1288339" y="1602465"/>
+            <a:ext cx="216024" cy="216024"/>
+          </a:xfrm>
+          <a:prstGeom prst="ellipse">
+            <a:avLst/>
+          </a:prstGeom>
+          <a:solidFill>
+            <a:schemeClr val="bg1"/>
+          </a:solidFill>
+          <a:ln w="19050">
+            <a:solidFill>
+              <a:schemeClr val="tx2"/>
+            </a:solidFill>
+          </a:ln>
+        </p:spPr>
+        <p:style>
+          <a:lnRef idx="2">
+            <a:schemeClr val="accent1">
+              <a:shade val="15000"/>
+            </a:schemeClr>
+          </a:lnRef>
+          <a:fillRef idx="1">
+            <a:schemeClr val="accent1"/>
+          </a:fillRef>
+          <a:effectRef idx="0">
+            <a:schemeClr val="accent1"/>
+          </a:effectRef>
+          <a:fontRef idx="minor">
+            <a:schemeClr val="lt1"/>
+          </a:fontRef>
+        </p:style>
+        <p:txBody>
+          <a:bodyPr rtlCol="0" anchor="ctr"/>
+          <a:lstStyle/>
+          <a:p>
+            <a:pPr algn="ctr"/>
+            <a:r>
+              <a:rPr lang="en-KR" sz="1000">
+                <a:solidFill>
+                  <a:schemeClr val="tx2"/>
+                </a:solidFill>
+              </a:rPr>
+              <a:t>1</a:t>
+            </a:r>
+          </a:p>
+        </p:txBody>
+      </p:sp>
+      <p:cxnSp>
+        <p:nvCxnSpPr>
+          <p:cNvPr id="96" name="Straight Arrow Connector 95">
+            <a:extLst>
+              <a:ext uri="{FF2B5EF4-FFF2-40B4-BE49-F238E27FC236}">
+                <a16:creationId xmlns:a16="http://schemas.microsoft.com/office/drawing/2014/main" id="{D2965823-9322-29F9-9C45-174CC7BDA338}"/>
+              </a:ext>
+            </a:extLst>
+          </p:cNvPr>
+          <p:cNvCxnSpPr>
+            <a:cxnSpLocks/>
+          </p:cNvCxnSpPr>
+          <p:nvPr/>
+        </p:nvCxnSpPr>
+        <p:spPr>
+          <a:xfrm>
+            <a:off x="3131840" y="1853179"/>
+            <a:ext cx="0" cy="934589"/>
+          </a:xfrm>
+          <a:prstGeom prst="straightConnector1">
+            <a:avLst/>
+          </a:prstGeom>
+          <a:ln>
+            <a:tailEnd type="triangle"/>
+          </a:ln>
+        </p:spPr>
+        <p:style>
+          <a:lnRef idx="1">
+            <a:schemeClr val="dk1"/>
+          </a:lnRef>
+          <a:fillRef idx="0">
+            <a:schemeClr val="dk1"/>
+          </a:fillRef>
+          <a:effectRef idx="0">
+            <a:schemeClr val="dk1"/>
+          </a:effectRef>
+          <a:fontRef idx="minor">
+            <a:schemeClr val="tx1"/>
+          </a:fontRef>
+        </p:style>
+      </p:cxnSp>
+      <p:cxnSp>
+        <p:nvCxnSpPr>
+          <p:cNvPr id="120" name="Elbow Connector 119">
+            <a:extLst>
+              <a:ext uri="{FF2B5EF4-FFF2-40B4-BE49-F238E27FC236}">
+                <a16:creationId xmlns:a16="http://schemas.microsoft.com/office/drawing/2014/main" id="{22EA938F-29F8-0F65-4F82-70F42AB86439}"/>
+              </a:ext>
+            </a:extLst>
+          </p:cNvPr>
+          <p:cNvCxnSpPr>
+            <a:cxnSpLocks/>
+            <a:stCxn id="64" idx="6"/>
+            <a:endCxn id="50" idx="1"/>
+          </p:cNvCxnSpPr>
+          <p:nvPr/>
+        </p:nvCxnSpPr>
+        <p:spPr>
+          <a:xfrm flipV="1">
+            <a:off x="2212540" y="1600460"/>
+            <a:ext cx="703275" cy="669966"/>
+          </a:xfrm>
+          <a:prstGeom prst="bentConnector3">
+            <a:avLst>
+              <a:gd name="adj1" fmla="val 48434"/>
+            </a:avLst>
+          </a:prstGeom>
+          <a:ln>
+            <a:solidFill>
+              <a:schemeClr val="tx2"/>
+            </a:solidFill>
+            <a:tailEnd type="triangle"/>
+          </a:ln>
+        </p:spPr>
+        <p:style>
+          <a:lnRef idx="1">
+            <a:schemeClr val="dk1"/>
+          </a:lnRef>
+          <a:fillRef idx="0">
+            <a:schemeClr val="dk1"/>
+          </a:fillRef>
+          <a:effectRef idx="0">
+            <a:schemeClr val="dk1"/>
+          </a:effectRef>
+          <a:fontRef idx="minor">
+            <a:schemeClr val="tx1"/>
+          </a:fontRef>
+        </p:style>
+      </p:cxnSp>
+      <p:cxnSp>
+        <p:nvCxnSpPr>
+          <p:cNvPr id="123" name="Elbow Connector 122">
+            <a:extLst>
+              <a:ext uri="{FF2B5EF4-FFF2-40B4-BE49-F238E27FC236}">
+                <a16:creationId xmlns:a16="http://schemas.microsoft.com/office/drawing/2014/main" id="{072811F0-9D7C-903C-69F0-81F3AB86506A}"/>
+              </a:ext>
+            </a:extLst>
+          </p:cNvPr>
+          <p:cNvCxnSpPr>
+            <a:cxnSpLocks/>
+            <a:stCxn id="68" idx="6"/>
+          </p:cNvCxnSpPr>
+          <p:nvPr/>
+        </p:nvCxnSpPr>
+        <p:spPr>
+          <a:xfrm>
+            <a:off x="2208747" y="2518820"/>
+            <a:ext cx="795687" cy="343919"/>
+          </a:xfrm>
+          <a:prstGeom prst="bentConnector3">
+            <a:avLst>
+              <a:gd name="adj1" fmla="val 44085"/>
+            </a:avLst>
+          </a:prstGeom>
+          <a:ln>
+            <a:solidFill>
+              <a:schemeClr val="tx2"/>
+            </a:solidFill>
+            <a:tailEnd type="triangle"/>
+          </a:ln>
+        </p:spPr>
+        <p:style>
+          <a:lnRef idx="1">
+            <a:schemeClr val="dk1"/>
+          </a:lnRef>
+          <a:fillRef idx="0">
+            <a:schemeClr val="dk1"/>
+          </a:fillRef>
+          <a:effectRef idx="0">
+            <a:schemeClr val="dk1"/>
+          </a:effectRef>
+          <a:fontRef idx="minor">
+            <a:schemeClr val="tx1"/>
+          </a:fontRef>
+        </p:style>
+      </p:cxnSp>
+      <p:sp>
+        <p:nvSpPr>
+          <p:cNvPr id="1041" name="모서리가 둥근 직사각형 2">
+            <a:extLst>
+              <a:ext uri="{FF2B5EF4-FFF2-40B4-BE49-F238E27FC236}">
+                <a16:creationId xmlns:a16="http://schemas.microsoft.com/office/drawing/2014/main" id="{78912B6A-4DC7-0660-85AF-A36CA6409A20}"/>
+              </a:ext>
+            </a:extLst>
+          </p:cNvPr>
+          <p:cNvSpPr/>
+          <p:nvPr/>
+        </p:nvSpPr>
+        <p:spPr>
+          <a:xfrm>
+            <a:off x="693427" y="3291823"/>
+            <a:ext cx="1401376" cy="386745"/>
+          </a:xfrm>
+          <a:prstGeom prst="roundRect">
+            <a:avLst>
+              <a:gd name="adj" fmla="val 13068"/>
+            </a:avLst>
+          </a:prstGeom>
+          <a:ln w="12700"/>
+        </p:spPr>
+        <p:style>
+          <a:lnRef idx="2">
+            <a:schemeClr val="dk1"/>
+          </a:lnRef>
+          <a:fillRef idx="1">
+            <a:schemeClr val="lt1"/>
+          </a:fillRef>
+          <a:effectRef idx="0">
+            <a:schemeClr val="dk1"/>
+          </a:effectRef>
+          <a:fontRef idx="minor">
+            <a:schemeClr val="dk1"/>
+          </a:fontRef>
+        </p:style>
+        <p:txBody>
+          <a:bodyPr rtlCol="0" anchor="ctr"/>
+          <a:lstStyle/>
+          <a:p>
+            <a:pPr algn="ctr"/>
+            <a:r>
+              <a:rPr lang="en-US" altLang="ko-KR" sz="1000"/>
+              <a:t>HDFS</a:t>
+            </a:r>
+            <a:endParaRPr lang="ko-KR" altLang="en-US" sz="1000"/>
+          </a:p>
+        </p:txBody>
+      </p:sp>
+      <p:sp>
+        <p:nvSpPr>
+          <p:cNvPr id="1042" name="모서리가 둥근 직사각형 2">
+            <a:extLst>
+              <a:ext uri="{FF2B5EF4-FFF2-40B4-BE49-F238E27FC236}">
+                <a16:creationId xmlns:a16="http://schemas.microsoft.com/office/drawing/2014/main" id="{4DF38BB4-9819-888D-B773-28F265C2B963}"/>
+              </a:ext>
+            </a:extLst>
+          </p:cNvPr>
+          <p:cNvSpPr/>
+          <p:nvPr/>
+        </p:nvSpPr>
+        <p:spPr>
+          <a:xfrm>
+            <a:off x="693427" y="3814472"/>
+            <a:ext cx="1401376" cy="386745"/>
+          </a:xfrm>
+          <a:prstGeom prst="roundRect">
+            <a:avLst>
+              <a:gd name="adj" fmla="val 13068"/>
+            </a:avLst>
+          </a:prstGeom>
+          <a:ln w="12700"/>
+        </p:spPr>
+        <p:style>
+          <a:lnRef idx="2">
+            <a:schemeClr val="dk1"/>
+          </a:lnRef>
+          <a:fillRef idx="1">
+            <a:schemeClr val="lt1"/>
+          </a:fillRef>
+          <a:effectRef idx="0">
+            <a:schemeClr val="dk1"/>
+          </a:effectRef>
+          <a:fontRef idx="minor">
+            <a:schemeClr val="dk1"/>
+          </a:fontRef>
+        </p:style>
+        <p:txBody>
+          <a:bodyPr rtlCol="0" anchor="ctr"/>
+          <a:lstStyle/>
+          <a:p>
+            <a:pPr algn="ctr"/>
+            <a:r>
+              <a:rPr lang="en-US" altLang="ko-KR" sz="1000"/>
+              <a:t>AWS S3</a:t>
+            </a:r>
+            <a:endParaRPr lang="ko-KR" altLang="en-US" sz="1000"/>
+          </a:p>
+        </p:txBody>
+      </p:sp>
+      <p:cxnSp>
+        <p:nvCxnSpPr>
+          <p:cNvPr id="1077" name="Elbow Connector 1076">
+            <a:extLst>
+              <a:ext uri="{FF2B5EF4-FFF2-40B4-BE49-F238E27FC236}">
+                <a16:creationId xmlns:a16="http://schemas.microsoft.com/office/drawing/2014/main" id="{7EA25DC9-362B-8CE0-A5E0-DD576139EB91}"/>
+              </a:ext>
+            </a:extLst>
+          </p:cNvPr>
+          <p:cNvCxnSpPr>
+            <a:cxnSpLocks/>
+            <a:stCxn id="1030" idx="2"/>
+            <a:endCxn id="1086" idx="3"/>
+          </p:cNvCxnSpPr>
+          <p:nvPr/>
+        </p:nvCxnSpPr>
+        <p:spPr>
+          <a:xfrm rot="10800000" flipV="1">
+            <a:off x="2138763" y="3483674"/>
+            <a:ext cx="756310" cy="354093"/>
+          </a:xfrm>
+          <a:prstGeom prst="bentConnector3">
+            <a:avLst>
+              <a:gd name="adj1" fmla="val 50000"/>
+            </a:avLst>
+          </a:prstGeom>
+          <a:ln>
+            <a:solidFill>
+              <a:srgbClr val="C00000"/>
+            </a:solidFill>
+            <a:tailEnd type="triangle"/>
+          </a:ln>
+        </p:spPr>
+        <p:style>
+          <a:lnRef idx="1">
+            <a:schemeClr val="dk1"/>
+          </a:lnRef>
+          <a:fillRef idx="0">
+            <a:schemeClr val="dk1"/>
+          </a:fillRef>
+          <a:effectRef idx="0">
+            <a:schemeClr val="dk1"/>
+          </a:effectRef>
+          <a:fontRef idx="minor">
+            <a:schemeClr val="tx1"/>
+          </a:fontRef>
+        </p:style>
+      </p:cxnSp>
+      <p:sp>
+        <p:nvSpPr>
+          <p:cNvPr id="1086" name="Rounded Rectangle 1085">
+            <a:extLst>
+              <a:ext uri="{FF2B5EF4-FFF2-40B4-BE49-F238E27FC236}">
+                <a16:creationId xmlns:a16="http://schemas.microsoft.com/office/drawing/2014/main" id="{EFB2A99B-C801-D583-6B1D-6C50018A5544}"/>
+              </a:ext>
+            </a:extLst>
+          </p:cNvPr>
+          <p:cNvSpPr/>
+          <p:nvPr/>
+        </p:nvSpPr>
+        <p:spPr>
+          <a:xfrm>
+            <a:off x="652278" y="3231139"/>
+            <a:ext cx="1486485" cy="1213258"/>
+          </a:xfrm>
+          <a:prstGeom prst="roundRect">
+            <a:avLst>
+              <a:gd name="adj" fmla="val 3462"/>
+            </a:avLst>
+          </a:prstGeom>
+          <a:noFill/>
+          <a:ln w="12700">
+            <a:solidFill>
+              <a:schemeClr val="tx1"/>
+            </a:solidFill>
+            <a:prstDash val="dash"/>
+          </a:ln>
+        </p:spPr>
+        <p:style>
+          <a:lnRef idx="2">
+            <a:schemeClr val="accent1">
+              <a:shade val="50000"/>
+            </a:schemeClr>
+          </a:lnRef>
+          <a:fillRef idx="1">
+            <a:schemeClr val="accent1"/>
+          </a:fillRef>
+          <a:effectRef idx="0">
+            <a:schemeClr val="accent1"/>
+          </a:effectRef>
+          <a:fontRef idx="minor">
+            <a:schemeClr val="lt1"/>
+          </a:fontRef>
+        </p:style>
+        <p:txBody>
+          <a:bodyPr rtlCol="0" anchor="b"/>
+          <a:lstStyle/>
+          <a:p>
+            <a:pPr algn="ctr"/>
+            <a:r>
+              <a:rPr lang="en-KR" sz="1000" b="1">
+                <a:solidFill>
+                  <a:sysClr val="windowText" lastClr="000000"/>
+                </a:solidFill>
+              </a:rPr>
+              <a:t>Storages </a:t>
+            </a:r>
+          </a:p>
+        </p:txBody>
+      </p:sp>
+      <p:sp>
+        <p:nvSpPr>
+          <p:cNvPr id="1097" name="Freeform 1096">
+            <a:extLst>
+              <a:ext uri="{FF2B5EF4-FFF2-40B4-BE49-F238E27FC236}">
+                <a16:creationId xmlns:a16="http://schemas.microsoft.com/office/drawing/2014/main" id="{869B0BFD-C700-87CA-E5D4-B6F0FF47645B}"/>
+              </a:ext>
+            </a:extLst>
+          </p:cNvPr>
+          <p:cNvSpPr/>
+          <p:nvPr/>
+        </p:nvSpPr>
+        <p:spPr>
+          <a:xfrm>
+            <a:off x="1418336" y="3060872"/>
+            <a:ext cx="1476738" cy="170267"/>
+          </a:xfrm>
+          <a:custGeom>
+            <a:avLst/>
+            <a:gdLst>
+              <a:gd name="connsiteX0" fmla="*/ 857644 w 857644"/>
+              <a:gd name="connsiteY0" fmla="*/ 0 h 170267"/>
+              <a:gd name="connsiteX1" fmla="*/ 0 w 857644"/>
+              <a:gd name="connsiteY1" fmla="*/ 0 h 170267"/>
+              <a:gd name="connsiteX2" fmla="*/ 0 w 857644"/>
+              <a:gd name="connsiteY2" fmla="*/ 170267 h 170267"/>
+              <a:gd name="connsiteX3" fmla="*/ 0 w 857644"/>
+              <a:gd name="connsiteY3" fmla="*/ 170267 h 170267"/>
+            </a:gdLst>
+            <a:ahLst/>
+            <a:cxnLst>
+              <a:cxn ang="0">
+                <a:pos x="connsiteX0" y="connsiteY0"/>
+              </a:cxn>
+              <a:cxn ang="0">
+                <a:pos x="connsiteX1" y="connsiteY1"/>
+              </a:cxn>
+              <a:cxn ang="0">
+                <a:pos x="connsiteX2" y="connsiteY2"/>
+              </a:cxn>
+              <a:cxn ang="0">
+                <a:pos x="connsiteX3" y="connsiteY3"/>
+              </a:cxn>
+            </a:cxnLst>
+            <a:rect l="l" t="t" r="r" b="b"/>
+            <a:pathLst>
+              <a:path w="857644" h="170267">
+                <a:moveTo>
+                  <a:pt x="857644" y="0"/>
+                </a:moveTo>
+                <a:lnTo>
+                  <a:pt x="0" y="0"/>
+                </a:lnTo>
+                <a:lnTo>
+                  <a:pt x="0" y="170267"/>
+                </a:lnTo>
+                <a:lnTo>
+                  <a:pt x="0" y="170267"/>
+                </a:lnTo>
+              </a:path>
+            </a:pathLst>
+          </a:custGeom>
+          <a:noFill/>
+          <a:ln w="12700">
+            <a:solidFill>
+              <a:srgbClr val="C00000"/>
+            </a:solidFill>
+            <a:headEnd type="none" w="med" len="med"/>
+            <a:tailEnd type="triangle" w="med" len="med"/>
+          </a:ln>
+        </p:spPr>
+        <p:style>
+          <a:lnRef idx="2">
+            <a:schemeClr val="accent1">
+              <a:shade val="15000"/>
+            </a:schemeClr>
+          </a:lnRef>
+          <a:fillRef idx="1">
+            <a:schemeClr val="accent1"/>
+          </a:fillRef>
+          <a:effectRef idx="0">
+            <a:schemeClr val="accent1"/>
+          </a:effectRef>
+          <a:fontRef idx="minor">
+            <a:schemeClr val="lt1"/>
+          </a:fontRef>
+        </p:style>
+        <p:txBody>
+          <a:bodyPr rtlCol="0" anchor="ctr"/>
+          <a:lstStyle/>
+          <a:p>
+            <a:pPr algn="ctr"/>
+            <a:endParaRPr lang="en-KR"/>
+          </a:p>
+        </p:txBody>
+      </p:sp>
+      <p:sp>
+        <p:nvSpPr>
+          <p:cNvPr id="1098" name="Freeform 1097">
+            <a:extLst>
+              <a:ext uri="{FF2B5EF4-FFF2-40B4-BE49-F238E27FC236}">
+                <a16:creationId xmlns:a16="http://schemas.microsoft.com/office/drawing/2014/main" id="{E3D2E82C-E0A9-0ED4-6D37-EDBD06146C80}"/>
+              </a:ext>
+            </a:extLst>
+          </p:cNvPr>
+          <p:cNvSpPr/>
+          <p:nvPr/>
+        </p:nvSpPr>
+        <p:spPr>
+          <a:xfrm rot="5400000" flipV="1">
+            <a:off x="4131294" y="2155059"/>
+            <a:ext cx="177142" cy="866524"/>
+          </a:xfrm>
+          <a:custGeom>
+            <a:avLst/>
+            <a:gdLst>
+              <a:gd name="connsiteX0" fmla="*/ 857644 w 857644"/>
+              <a:gd name="connsiteY0" fmla="*/ 0 h 170267"/>
+              <a:gd name="connsiteX1" fmla="*/ 0 w 857644"/>
+              <a:gd name="connsiteY1" fmla="*/ 0 h 170267"/>
+              <a:gd name="connsiteX2" fmla="*/ 0 w 857644"/>
+              <a:gd name="connsiteY2" fmla="*/ 170267 h 170267"/>
+              <a:gd name="connsiteX3" fmla="*/ 0 w 857644"/>
+              <a:gd name="connsiteY3" fmla="*/ 170267 h 170267"/>
+            </a:gdLst>
+            <a:ahLst/>
+            <a:cxnLst>
+              <a:cxn ang="0">
+                <a:pos x="connsiteX0" y="connsiteY0"/>
+              </a:cxn>
+              <a:cxn ang="0">
+                <a:pos x="connsiteX1" y="connsiteY1"/>
+              </a:cxn>
+              <a:cxn ang="0">
+                <a:pos x="connsiteX2" y="connsiteY2"/>
+              </a:cxn>
+              <a:cxn ang="0">
+                <a:pos x="connsiteX3" y="connsiteY3"/>
+              </a:cxn>
+            </a:cxnLst>
+            <a:rect l="l" t="t" r="r" b="b"/>
+            <a:pathLst>
+              <a:path w="857644" h="170267">
+                <a:moveTo>
+                  <a:pt x="857644" y="0"/>
+                </a:moveTo>
+                <a:lnTo>
+                  <a:pt x="0" y="0"/>
+                </a:lnTo>
+                <a:lnTo>
+                  <a:pt x="0" y="170267"/>
+                </a:lnTo>
+                <a:lnTo>
+                  <a:pt x="0" y="170267"/>
+                </a:lnTo>
+              </a:path>
+            </a:pathLst>
+          </a:custGeom>
+          <a:noFill/>
+          <a:ln w="12700">
+            <a:solidFill>
+              <a:schemeClr val="tx2"/>
+            </a:solidFill>
+            <a:headEnd type="none" w="med" len="med"/>
+            <a:tailEnd type="triangle" w="med" len="med"/>
+          </a:ln>
+        </p:spPr>
+        <p:style>
+          <a:lnRef idx="2">
+            <a:schemeClr val="accent1">
+              <a:shade val="15000"/>
+            </a:schemeClr>
+          </a:lnRef>
+          <a:fillRef idx="1">
+            <a:schemeClr val="accent1"/>
+          </a:fillRef>
+          <a:effectRef idx="0">
+            <a:schemeClr val="accent1"/>
+          </a:effectRef>
+          <a:fontRef idx="minor">
+            <a:schemeClr val="lt1"/>
+          </a:fontRef>
+        </p:style>
+        <p:txBody>
+          <a:bodyPr rtlCol="0" anchor="ctr"/>
+          <a:lstStyle/>
+          <a:p>
+            <a:pPr algn="ctr"/>
+            <a:endParaRPr lang="en-KR"/>
+          </a:p>
+        </p:txBody>
+      </p:sp>
+      <p:sp>
+        <p:nvSpPr>
+          <p:cNvPr id="1103" name="Oval 1102">
+            <a:extLst>
+              <a:ext uri="{FF2B5EF4-FFF2-40B4-BE49-F238E27FC236}">
+                <a16:creationId xmlns:a16="http://schemas.microsoft.com/office/drawing/2014/main" id="{D1CD71D9-FE6E-6799-4113-71EEE8B30F53}"/>
+              </a:ext>
+            </a:extLst>
+          </p:cNvPr>
+          <p:cNvSpPr/>
+          <p:nvPr/>
+        </p:nvSpPr>
+        <p:spPr>
+          <a:xfrm>
+            <a:off x="4592639" y="2875307"/>
+            <a:ext cx="216024" cy="216024"/>
+          </a:xfrm>
+          <a:prstGeom prst="ellipse">
+            <a:avLst/>
+          </a:prstGeom>
+          <a:solidFill>
+            <a:schemeClr val="bg1"/>
+          </a:solidFill>
+          <a:ln w="19050">
+            <a:solidFill>
+              <a:schemeClr val="tx2"/>
+            </a:solidFill>
+          </a:ln>
+        </p:spPr>
+        <p:style>
+          <a:lnRef idx="2">
+            <a:schemeClr val="accent1">
+              <a:shade val="15000"/>
+            </a:schemeClr>
+          </a:lnRef>
+          <a:fillRef idx="1">
+            <a:schemeClr val="accent1"/>
+          </a:fillRef>
+          <a:effectRef idx="0">
+            <a:schemeClr val="accent1"/>
+          </a:effectRef>
+          <a:fontRef idx="minor">
+            <a:schemeClr val="lt1"/>
+          </a:fontRef>
+        </p:style>
+        <p:txBody>
+          <a:bodyPr rtlCol="0" anchor="ctr"/>
+          <a:lstStyle/>
+          <a:p>
+            <a:pPr algn="ctr"/>
+            <a:r>
+              <a:rPr lang="en-KR" sz="1000">
+                <a:solidFill>
+                  <a:schemeClr val="tx2"/>
+                </a:solidFill>
+              </a:rPr>
+              <a:t>7</a:t>
+            </a:r>
+          </a:p>
+        </p:txBody>
+      </p:sp>
+      <p:cxnSp>
+        <p:nvCxnSpPr>
+          <p:cNvPr id="1105" name="Straight Arrow Connector 1104">
+            <a:extLst>
+              <a:ext uri="{FF2B5EF4-FFF2-40B4-BE49-F238E27FC236}">
+                <a16:creationId xmlns:a16="http://schemas.microsoft.com/office/drawing/2014/main" id="{2A14C28D-F841-D919-710F-E1EF6CEE3317}"/>
+              </a:ext>
+            </a:extLst>
+          </p:cNvPr>
+          <p:cNvCxnSpPr>
+            <a:cxnSpLocks/>
+            <a:stCxn id="1103" idx="2"/>
+            <a:endCxn id="11" idx="3"/>
+          </p:cNvCxnSpPr>
+          <p:nvPr/>
+        </p:nvCxnSpPr>
+        <p:spPr>
+          <a:xfrm flipH="1" flipV="1">
+            <a:off x="4195347" y="2981141"/>
+            <a:ext cx="397292" cy="2178"/>
+          </a:xfrm>
+          <a:prstGeom prst="straightConnector1">
+            <a:avLst/>
+          </a:prstGeom>
+          <a:ln>
+            <a:solidFill>
+              <a:schemeClr val="tx2"/>
+            </a:solidFill>
+            <a:tailEnd type="triangle"/>
+          </a:ln>
+        </p:spPr>
+        <p:style>
+          <a:lnRef idx="1">
+            <a:schemeClr val="dk1"/>
+          </a:lnRef>
+          <a:fillRef idx="0">
+            <a:schemeClr val="dk1"/>
+          </a:fillRef>
+          <a:effectRef idx="0">
+            <a:schemeClr val="dk1"/>
+          </a:effectRef>
+          <a:fontRef idx="minor">
+            <a:schemeClr val="tx1"/>
+          </a:fontRef>
+        </p:style>
+      </p:cxnSp>
+      <p:sp>
+        <p:nvSpPr>
+          <p:cNvPr id="1114" name="모서리가 둥근 직사각형 2">
+            <a:extLst>
+              <a:ext uri="{FF2B5EF4-FFF2-40B4-BE49-F238E27FC236}">
+                <a16:creationId xmlns:a16="http://schemas.microsoft.com/office/drawing/2014/main" id="{B90DEE95-5A15-FA7B-672A-4EC38DD2DDF0}"/>
+              </a:ext>
+            </a:extLst>
+          </p:cNvPr>
+          <p:cNvSpPr/>
+          <p:nvPr/>
+        </p:nvSpPr>
+        <p:spPr>
+          <a:xfrm>
+            <a:off x="4337670" y="1346428"/>
+            <a:ext cx="1635179" cy="508063"/>
+          </a:xfrm>
+          <a:prstGeom prst="roundRect">
+            <a:avLst>
+              <a:gd name="adj" fmla="val 13068"/>
+            </a:avLst>
+          </a:prstGeom>
+          <a:ln w="12700"/>
+        </p:spPr>
+        <p:style>
+          <a:lnRef idx="2">
+            <a:schemeClr val="dk1"/>
+          </a:lnRef>
+          <a:fillRef idx="1">
+            <a:schemeClr val="lt1"/>
+          </a:fillRef>
+          <a:effectRef idx="0">
+            <a:schemeClr val="dk1"/>
+          </a:effectRef>
+          <a:fontRef idx="minor">
+            <a:schemeClr val="dk1"/>
+          </a:fontRef>
+        </p:style>
+        <p:txBody>
+          <a:bodyPr rtlCol="0" anchor="ctr"/>
+          <a:lstStyle/>
+          <a:p>
+            <a:pPr algn="ctr"/>
+            <a:r>
+              <a:rPr lang="en-US" altLang="ko-KR" sz="1000"/>
+              <a:t>Spark History Server Web UI</a:t>
+            </a:r>
+          </a:p>
+          <a:p>
+            <a:pPr algn="ctr"/>
+            <a:r>
+              <a:rPr lang="en-US" altLang="ko-KR" sz="1000"/>
+              <a:t>/ Service</a:t>
+            </a:r>
+            <a:endParaRPr lang="ko-KR" altLang="en-US" sz="1050"/>
+          </a:p>
+        </p:txBody>
+      </p:sp>
+      <p:cxnSp>
+        <p:nvCxnSpPr>
+          <p:cNvPr id="9" name="Elbow Connector 8">
+            <a:extLst>
+              <a:ext uri="{FF2B5EF4-FFF2-40B4-BE49-F238E27FC236}">
+                <a16:creationId xmlns:a16="http://schemas.microsoft.com/office/drawing/2014/main" id="{6DE1D6A0-720F-4861-BD21-163626F1A772}"/>
+              </a:ext>
+            </a:extLst>
+          </p:cNvPr>
+          <p:cNvCxnSpPr>
+            <a:cxnSpLocks/>
+            <a:stCxn id="55" idx="0"/>
+            <a:endCxn id="41" idx="4"/>
+          </p:cNvCxnSpPr>
+          <p:nvPr/>
+        </p:nvCxnSpPr>
+        <p:spPr>
+          <a:xfrm rot="5400000" flipH="1" flipV="1">
+            <a:off x="4632287" y="605172"/>
+            <a:ext cx="822398" cy="3321040"/>
+          </a:xfrm>
+          <a:prstGeom prst="bentConnector3">
+            <a:avLst>
+              <a:gd name="adj1" fmla="val 80452"/>
+            </a:avLst>
+          </a:prstGeom>
+          <a:ln>
+            <a:solidFill>
+              <a:schemeClr val="tx2"/>
+            </a:solidFill>
+            <a:tailEnd type="triangle"/>
+          </a:ln>
+        </p:spPr>
+        <p:style>
+          <a:lnRef idx="1">
+            <a:schemeClr val="dk1"/>
+          </a:lnRef>
+          <a:fillRef idx="0">
+            <a:schemeClr val="dk1"/>
+          </a:fillRef>
+          <a:effectRef idx="0">
+            <a:schemeClr val="dk1"/>
+          </a:effectRef>
+          <a:fontRef idx="minor">
+            <a:schemeClr val="tx1"/>
+          </a:fontRef>
+        </p:style>
+      </p:cxnSp>
+      <p:sp>
+        <p:nvSpPr>
+          <p:cNvPr id="41" name="Oval 40">
+            <a:extLst>
+              <a:ext uri="{FF2B5EF4-FFF2-40B4-BE49-F238E27FC236}">
+                <a16:creationId xmlns:a16="http://schemas.microsoft.com/office/drawing/2014/main" id="{39E983EE-419B-29FA-3205-FB72F95DD389}"/>
+              </a:ext>
+            </a:extLst>
+          </p:cNvPr>
+          <p:cNvSpPr/>
+          <p:nvPr/>
+        </p:nvSpPr>
+        <p:spPr>
+          <a:xfrm>
+            <a:off x="6631998" y="1710477"/>
+            <a:ext cx="144016" cy="144016"/>
+          </a:xfrm>
+          <a:prstGeom prst="ellipse">
+            <a:avLst/>
+          </a:prstGeom>
+          <a:noFill/>
+          <a:ln>
+            <a:noFill/>
+          </a:ln>
+        </p:spPr>
+        <p:style>
+          <a:lnRef idx="2">
+            <a:schemeClr val="accent1">
+              <a:shade val="15000"/>
+            </a:schemeClr>
+          </a:lnRef>
+          <a:fillRef idx="1">
+            <a:schemeClr val="accent1"/>
+          </a:fillRef>
+          <a:effectRef idx="0">
+            <a:schemeClr val="accent1"/>
+          </a:effectRef>
+          <a:fontRef idx="minor">
+            <a:schemeClr val="lt1"/>
+          </a:fontRef>
+        </p:style>
+        <p:txBody>
+          <a:bodyPr rtlCol="0" anchor="ctr"/>
+          <a:lstStyle/>
+          <a:p>
+            <a:pPr algn="ctr"/>
+            <a:endParaRPr lang="en-KR"/>
+          </a:p>
+        </p:txBody>
+      </p:sp>
+      <p:sp>
+        <p:nvSpPr>
+          <p:cNvPr id="47" name="TextBox 46">
+            <a:extLst>
+              <a:ext uri="{FF2B5EF4-FFF2-40B4-BE49-F238E27FC236}">
+                <a16:creationId xmlns:a16="http://schemas.microsoft.com/office/drawing/2014/main" id="{2D9FA476-C5EB-C345-C6BA-45F11904819B}"/>
+              </a:ext>
+            </a:extLst>
+          </p:cNvPr>
+          <p:cNvSpPr txBox="1"/>
+          <p:nvPr/>
+        </p:nvSpPr>
+        <p:spPr>
+          <a:xfrm>
             <a:off x="691748" y="1846558"/>
             <a:ext cx="800220" cy="230832"/>
           </a:xfrm>
@@ -14393,7 +22626,7 @@
 </p:sld>
 </file>
 
-<file path=ppt/slides/slide5.xml><?xml version="1.0" encoding="utf-8"?>
+<file path=ppt/slides/slide7.xml><?xml version="1.0" encoding="utf-8"?>
 <p:sld xmlns:a="http://schemas.openxmlformats.org/drawingml/2006/main" xmlns:r="http://schemas.openxmlformats.org/officeDocument/2006/relationships" xmlns:p="http://schemas.openxmlformats.org/presentationml/2006/main">
   <p:cSld>
     <p:spTree>

--- a/images/theory_analysis/Spark_Kubernetes/Spark_Kubernetes.pptx
+++ b/images/theory_analysis/Spark_Kubernetes/Spark_Kubernetes.pptx
@@ -5,16 +5,18 @@
     <p:sldMasterId id="2147483648" r:id="rId1"/>
   </p:sldMasterIdLst>
   <p:notesMasterIdLst>
-    <p:notesMasterId r:id="rId9"/>
+    <p:notesMasterId r:id="rId11"/>
   </p:notesMasterIdLst>
   <p:sldIdLst>
     <p:sldId id="367" r:id="rId2"/>
     <p:sldId id="371" r:id="rId3"/>
     <p:sldId id="370" r:id="rId4"/>
-    <p:sldId id="374" r:id="rId5"/>
-    <p:sldId id="375" r:id="rId6"/>
-    <p:sldId id="372" r:id="rId7"/>
-    <p:sldId id="373" r:id="rId8"/>
+    <p:sldId id="376" r:id="rId5"/>
+    <p:sldId id="377" r:id="rId6"/>
+    <p:sldId id="374" r:id="rId7"/>
+    <p:sldId id="375" r:id="rId8"/>
+    <p:sldId id="372" r:id="rId9"/>
+    <p:sldId id="373" r:id="rId10"/>
   </p:sldIdLst>
   <p:sldSz cx="9144000" cy="5143500" type="screen16x9"/>
   <p:notesSz cx="6858000" cy="9144000"/>
@@ -219,7 +221,7 @@
           <a:p>
             <a:fld id="{6CD5550B-26C4-49A9-A5BA-636EF7BE6CE9}" type="datetimeFigureOut">
               <a:rPr lang="ko-KR" altLang="en-US" smtClean="0"/>
-              <a:t>2023. 8. 10.</a:t>
+              <a:t>2023. 8. 19.</a:t>
             </a:fld>
             <a:endParaRPr lang="ko-KR" altLang="en-US"/>
           </a:p>
@@ -728,7 +730,7 @@
     </p:spTree>
     <p:extLst>
       <p:ext uri="{BB962C8B-B14F-4D97-AF65-F5344CB8AC3E}">
-        <p14:creationId xmlns:p14="http://schemas.microsoft.com/office/powerpoint/2010/main" val="2210954517"/>
+        <p14:creationId xmlns:p14="http://schemas.microsoft.com/office/powerpoint/2010/main" val="4071978296"/>
       </p:ext>
     </p:extLst>
   </p:cSld>
@@ -812,7 +814,7 @@
     </p:spTree>
     <p:extLst>
       <p:ext uri="{BB962C8B-B14F-4D97-AF65-F5344CB8AC3E}">
-        <p14:creationId xmlns:p14="http://schemas.microsoft.com/office/powerpoint/2010/main" val="2110094448"/>
+        <p14:creationId xmlns:p14="http://schemas.microsoft.com/office/powerpoint/2010/main" val="4223191444"/>
       </p:ext>
     </p:extLst>
   </p:cSld>
@@ -896,7 +898,7 @@
     </p:spTree>
     <p:extLst>
       <p:ext uri="{BB962C8B-B14F-4D97-AF65-F5344CB8AC3E}">
-        <p14:creationId xmlns:p14="http://schemas.microsoft.com/office/powerpoint/2010/main" val="2211026077"/>
+        <p14:creationId xmlns:p14="http://schemas.microsoft.com/office/powerpoint/2010/main" val="2210954517"/>
       </p:ext>
     </p:extLst>
   </p:cSld>
@@ -972,6 +974,174 @@
             <a:fld id="{BA5DFA43-8D57-47FB-BC46-057616015C3B}" type="slidenum">
               <a:rPr lang="ko-KR" altLang="en-US" smtClean="0"/>
               <a:t>7</a:t>
+            </a:fld>
+            <a:endParaRPr lang="ko-KR" altLang="en-US"/>
+          </a:p>
+        </p:txBody>
+      </p:sp>
+    </p:spTree>
+    <p:extLst>
+      <p:ext uri="{BB962C8B-B14F-4D97-AF65-F5344CB8AC3E}">
+        <p14:creationId xmlns:p14="http://schemas.microsoft.com/office/powerpoint/2010/main" val="2110094448"/>
+      </p:ext>
+    </p:extLst>
+  </p:cSld>
+  <p:clrMapOvr>
+    <a:masterClrMapping/>
+  </p:clrMapOvr>
+</p:notes>
+</file>
+
+<file path=ppt/notesSlides/notesSlide7.xml><?xml version="1.0" encoding="utf-8"?>
+<p:notes xmlns:a="http://schemas.openxmlformats.org/drawingml/2006/main" xmlns:r="http://schemas.openxmlformats.org/officeDocument/2006/relationships" xmlns:p="http://schemas.openxmlformats.org/presentationml/2006/main">
+  <p:cSld>
+    <p:spTree>
+      <p:nvGrpSpPr>
+        <p:cNvPr id="1" name=""/>
+        <p:cNvGrpSpPr/>
+        <p:nvPr/>
+      </p:nvGrpSpPr>
+      <p:grpSpPr>
+        <a:xfrm>
+          <a:off x="0" y="0"/>
+          <a:ext cx="0" cy="0"/>
+          <a:chOff x="0" y="0"/>
+          <a:chExt cx="0" cy="0"/>
+        </a:xfrm>
+      </p:grpSpPr>
+      <p:sp>
+        <p:nvSpPr>
+          <p:cNvPr id="2" name="Slide Image Placeholder 1"/>
+          <p:cNvSpPr>
+            <a:spLocks noGrp="1" noRot="1" noChangeAspect="1"/>
+          </p:cNvSpPr>
+          <p:nvPr>
+            <p:ph type="sldImg"/>
+          </p:nvPr>
+        </p:nvSpPr>
+        <p:spPr/>
+      </p:sp>
+      <p:sp>
+        <p:nvSpPr>
+          <p:cNvPr id="3" name="Notes Placeholder 2"/>
+          <p:cNvSpPr>
+            <a:spLocks noGrp="1"/>
+          </p:cNvSpPr>
+          <p:nvPr>
+            <p:ph type="body" idx="1"/>
+          </p:nvPr>
+        </p:nvSpPr>
+        <p:spPr/>
+        <p:txBody>
+          <a:bodyPr/>
+          <a:lstStyle/>
+          <a:p>
+            <a:endParaRPr lang="en-KR"/>
+          </a:p>
+        </p:txBody>
+      </p:sp>
+      <p:sp>
+        <p:nvSpPr>
+          <p:cNvPr id="4" name="Slide Number Placeholder 3"/>
+          <p:cNvSpPr>
+            <a:spLocks noGrp="1"/>
+          </p:cNvSpPr>
+          <p:nvPr>
+            <p:ph type="sldNum" sz="quarter" idx="5"/>
+          </p:nvPr>
+        </p:nvSpPr>
+        <p:spPr/>
+        <p:txBody>
+          <a:bodyPr/>
+          <a:lstStyle/>
+          <a:p>
+            <a:fld id="{BA5DFA43-8D57-47FB-BC46-057616015C3B}" type="slidenum">
+              <a:rPr lang="ko-KR" altLang="en-US" smtClean="0"/>
+              <a:t>8</a:t>
+            </a:fld>
+            <a:endParaRPr lang="ko-KR" altLang="en-US"/>
+          </a:p>
+        </p:txBody>
+      </p:sp>
+    </p:spTree>
+    <p:extLst>
+      <p:ext uri="{BB962C8B-B14F-4D97-AF65-F5344CB8AC3E}">
+        <p14:creationId xmlns:p14="http://schemas.microsoft.com/office/powerpoint/2010/main" val="2211026077"/>
+      </p:ext>
+    </p:extLst>
+  </p:cSld>
+  <p:clrMapOvr>
+    <a:masterClrMapping/>
+  </p:clrMapOvr>
+</p:notes>
+</file>
+
+<file path=ppt/notesSlides/notesSlide8.xml><?xml version="1.0" encoding="utf-8"?>
+<p:notes xmlns:a="http://schemas.openxmlformats.org/drawingml/2006/main" xmlns:r="http://schemas.openxmlformats.org/officeDocument/2006/relationships" xmlns:p="http://schemas.openxmlformats.org/presentationml/2006/main">
+  <p:cSld>
+    <p:spTree>
+      <p:nvGrpSpPr>
+        <p:cNvPr id="1" name=""/>
+        <p:cNvGrpSpPr/>
+        <p:nvPr/>
+      </p:nvGrpSpPr>
+      <p:grpSpPr>
+        <a:xfrm>
+          <a:off x="0" y="0"/>
+          <a:ext cx="0" cy="0"/>
+          <a:chOff x="0" y="0"/>
+          <a:chExt cx="0" cy="0"/>
+        </a:xfrm>
+      </p:grpSpPr>
+      <p:sp>
+        <p:nvSpPr>
+          <p:cNvPr id="2" name="Slide Image Placeholder 1"/>
+          <p:cNvSpPr>
+            <a:spLocks noGrp="1" noRot="1" noChangeAspect="1"/>
+          </p:cNvSpPr>
+          <p:nvPr>
+            <p:ph type="sldImg"/>
+          </p:nvPr>
+        </p:nvSpPr>
+        <p:spPr/>
+      </p:sp>
+      <p:sp>
+        <p:nvSpPr>
+          <p:cNvPr id="3" name="Notes Placeholder 2"/>
+          <p:cNvSpPr>
+            <a:spLocks noGrp="1"/>
+          </p:cNvSpPr>
+          <p:nvPr>
+            <p:ph type="body" idx="1"/>
+          </p:nvPr>
+        </p:nvSpPr>
+        <p:spPr/>
+        <p:txBody>
+          <a:bodyPr/>
+          <a:lstStyle/>
+          <a:p>
+            <a:endParaRPr lang="en-KR"/>
+          </a:p>
+        </p:txBody>
+      </p:sp>
+      <p:sp>
+        <p:nvSpPr>
+          <p:cNvPr id="4" name="Slide Number Placeholder 3"/>
+          <p:cNvSpPr>
+            <a:spLocks noGrp="1"/>
+          </p:cNvSpPr>
+          <p:nvPr>
+            <p:ph type="sldNum" sz="quarter" idx="5"/>
+          </p:nvPr>
+        </p:nvSpPr>
+        <p:spPr/>
+        <p:txBody>
+          <a:bodyPr/>
+          <a:lstStyle/>
+          <a:p>
+            <a:fld id="{BA5DFA43-8D57-47FB-BC46-057616015C3B}" type="slidenum">
+              <a:rPr lang="ko-KR" altLang="en-US" smtClean="0"/>
+              <a:t>9</a:t>
             </a:fld>
             <a:endParaRPr lang="ko-KR" altLang="en-US"/>
           </a:p>
@@ -1169,7 +1339,7 @@
           <a:p>
             <a:fld id="{FB30EDBD-1C2D-4C1E-B459-B60219FAB484}" type="datetimeFigureOut">
               <a:rPr lang="ko-KR" altLang="en-US" smtClean="0"/>
-              <a:t>2023. 8. 10.</a:t>
+              <a:t>2023. 8. 19.</a:t>
             </a:fld>
             <a:endParaRPr lang="ko-KR" altLang="en-US"/>
           </a:p>
@@ -1332,7 +1502,7 @@
           <a:p>
             <a:fld id="{FB30EDBD-1C2D-4C1E-B459-B60219FAB484}" type="datetimeFigureOut">
               <a:rPr lang="ko-KR" altLang="en-US" smtClean="0"/>
-              <a:t>2023. 8. 10.</a:t>
+              <a:t>2023. 8. 19.</a:t>
             </a:fld>
             <a:endParaRPr lang="ko-KR" altLang="en-US"/>
           </a:p>
@@ -1505,7 +1675,7 @@
           <a:p>
             <a:fld id="{FB30EDBD-1C2D-4C1E-B459-B60219FAB484}" type="datetimeFigureOut">
               <a:rPr lang="ko-KR" altLang="en-US" smtClean="0"/>
-              <a:t>2023. 8. 10.</a:t>
+              <a:t>2023. 8. 19.</a:t>
             </a:fld>
             <a:endParaRPr lang="ko-KR" altLang="en-US"/>
           </a:p>
@@ -1668,7 +1838,7 @@
           <a:p>
             <a:fld id="{FB30EDBD-1C2D-4C1E-B459-B60219FAB484}" type="datetimeFigureOut">
               <a:rPr lang="ko-KR" altLang="en-US" smtClean="0"/>
-              <a:t>2023. 8. 10.</a:t>
+              <a:t>2023. 8. 19.</a:t>
             </a:fld>
             <a:endParaRPr lang="ko-KR" altLang="en-US"/>
           </a:p>
@@ -1908,7 +2078,7 @@
           <a:p>
             <a:fld id="{FB30EDBD-1C2D-4C1E-B459-B60219FAB484}" type="datetimeFigureOut">
               <a:rPr lang="ko-KR" altLang="en-US" smtClean="0"/>
-              <a:t>2023. 8. 10.</a:t>
+              <a:t>2023. 8. 19.</a:t>
             </a:fld>
             <a:endParaRPr lang="ko-KR" altLang="en-US"/>
           </a:p>
@@ -2188,7 +2358,7 @@
           <a:p>
             <a:fld id="{FB30EDBD-1C2D-4C1E-B459-B60219FAB484}" type="datetimeFigureOut">
               <a:rPr lang="ko-KR" altLang="en-US" smtClean="0"/>
-              <a:t>2023. 8. 10.</a:t>
+              <a:t>2023. 8. 19.</a:t>
             </a:fld>
             <a:endParaRPr lang="ko-KR" altLang="en-US"/>
           </a:p>
@@ -2602,7 +2772,7 @@
           <a:p>
             <a:fld id="{FB30EDBD-1C2D-4C1E-B459-B60219FAB484}" type="datetimeFigureOut">
               <a:rPr lang="ko-KR" altLang="en-US" smtClean="0"/>
-              <a:t>2023. 8. 10.</a:t>
+              <a:t>2023. 8. 19.</a:t>
             </a:fld>
             <a:endParaRPr lang="ko-KR" altLang="en-US"/>
           </a:p>
@@ -2714,7 +2884,7 @@
           <a:p>
             <a:fld id="{FB30EDBD-1C2D-4C1E-B459-B60219FAB484}" type="datetimeFigureOut">
               <a:rPr lang="ko-KR" altLang="en-US" smtClean="0"/>
-              <a:t>2023. 8. 10.</a:t>
+              <a:t>2023. 8. 19.</a:t>
             </a:fld>
             <a:endParaRPr lang="ko-KR" altLang="en-US"/>
           </a:p>
@@ -2804,7 +2974,7 @@
           <a:p>
             <a:fld id="{FB30EDBD-1C2D-4C1E-B459-B60219FAB484}" type="datetimeFigureOut">
               <a:rPr lang="ko-KR" altLang="en-US" smtClean="0"/>
-              <a:t>2023. 8. 10.</a:t>
+              <a:t>2023. 8. 19.</a:t>
             </a:fld>
             <a:endParaRPr lang="ko-KR" altLang="en-US"/>
           </a:p>
@@ -3074,7 +3244,7 @@
           <a:p>
             <a:fld id="{FB30EDBD-1C2D-4C1E-B459-B60219FAB484}" type="datetimeFigureOut">
               <a:rPr lang="ko-KR" altLang="en-US" smtClean="0"/>
-              <a:t>2023. 8. 10.</a:t>
+              <a:t>2023. 8. 19.</a:t>
             </a:fld>
             <a:endParaRPr lang="ko-KR" altLang="en-US"/>
           </a:p>
@@ -3321,7 +3491,7 @@
           <a:p>
             <a:fld id="{FB30EDBD-1C2D-4C1E-B459-B60219FAB484}" type="datetimeFigureOut">
               <a:rPr lang="ko-KR" altLang="en-US" smtClean="0"/>
-              <a:t>2023. 8. 10.</a:t>
+              <a:t>2023. 8. 19.</a:t>
             </a:fld>
             <a:endParaRPr lang="ko-KR" altLang="en-US"/>
           </a:p>
@@ -3527,7 +3697,7 @@
           <a:p>
             <a:fld id="{FB30EDBD-1C2D-4C1E-B459-B60219FAB484}" type="datetimeFigureOut">
               <a:rPr lang="ko-KR" altLang="en-US" smtClean="0"/>
-              <a:t>2023. 8. 10.</a:t>
+              <a:t>2023. 8. 19.</a:t>
             </a:fld>
             <a:endParaRPr lang="ko-KR" altLang="en-US"/>
           </a:p>
@@ -6547,8 +6717,8 @@
         </p:nvSpPr>
         <p:spPr>
           <a:xfrm>
-            <a:off x="2086424" y="3847397"/>
-            <a:ext cx="782587" cy="369332"/>
+            <a:off x="2108866" y="3847397"/>
+            <a:ext cx="737702" cy="369332"/>
           </a:xfrm>
           <a:prstGeom prst="rect">
             <a:avLst/>
@@ -6568,7 +6738,7 @@
                   <a:srgbClr val="C00000"/>
                 </a:solidFill>
               </a:rPr>
-              <a:t>Get driver’s</a:t>
+              <a:t>Get event </a:t>
             </a:r>
           </a:p>
           <a:p>
@@ -6579,7 +6749,7 @@
                   <a:srgbClr val="C00000"/>
                 </a:solidFill>
               </a:rPr>
-              <a:t>event logs</a:t>
+              <a:t>logs</a:t>
             </a:r>
           </a:p>
         </p:txBody>
@@ -7330,6 +7500,163 @@
               <a:t>executor’s config</a:t>
             </a:r>
             <a:endParaRPr lang="en-KR" sz="900"/>
+          </a:p>
+        </p:txBody>
+      </p:sp>
+      <p:sp>
+        <p:nvSpPr>
+          <p:cNvPr id="13" name="TextBox 12">
+            <a:extLst>
+              <a:ext uri="{FF2B5EF4-FFF2-40B4-BE49-F238E27FC236}">
+                <a16:creationId xmlns:a16="http://schemas.microsoft.com/office/drawing/2014/main" id="{B8D4A3C3-667A-B9E0-E431-903F46171542}"/>
+              </a:ext>
+            </a:extLst>
+          </p:cNvPr>
+          <p:cNvSpPr txBox="1"/>
+          <p:nvPr/>
+        </p:nvSpPr>
+        <p:spPr>
+          <a:xfrm>
+            <a:off x="6112339" y="4055401"/>
+            <a:ext cx="1072731" cy="369332"/>
+          </a:xfrm>
+          <a:prstGeom prst="rect">
+            <a:avLst/>
+          </a:prstGeom>
+          <a:noFill/>
+        </p:spPr>
+        <p:txBody>
+          <a:bodyPr wrap="none" rtlCol="0">
+            <a:spAutoFit/>
+          </a:bodyPr>
+          <a:lstStyle/>
+          <a:p>
+            <a:pPr algn="ctr"/>
+            <a:r>
+              <a:rPr lang="en-KR" sz="900">
+                <a:solidFill>
+                  <a:srgbClr val="C00000"/>
+                </a:solidFill>
+              </a:rPr>
+              <a:t>Write executor’s </a:t>
+            </a:r>
+          </a:p>
+          <a:p>
+            <a:pPr algn="ctr"/>
+            <a:r>
+              <a:rPr lang="en-KR" sz="900">
+                <a:solidFill>
+                  <a:srgbClr val="C00000"/>
+                </a:solidFill>
+              </a:rPr>
+              <a:t>event logs</a:t>
+            </a:r>
+          </a:p>
+        </p:txBody>
+      </p:sp>
+      <p:cxnSp>
+        <p:nvCxnSpPr>
+          <p:cNvPr id="14" name="Elbow Connector 13">
+            <a:extLst>
+              <a:ext uri="{FF2B5EF4-FFF2-40B4-BE49-F238E27FC236}">
+                <a16:creationId xmlns:a16="http://schemas.microsoft.com/office/drawing/2014/main" id="{CEEB0C5E-CFD5-5FFE-B0FC-79CDE1E81B79}"/>
+              </a:ext>
+            </a:extLst>
+          </p:cNvPr>
+          <p:cNvCxnSpPr>
+            <a:cxnSpLocks/>
+            <a:stCxn id="66" idx="2"/>
+          </p:cNvCxnSpPr>
+          <p:nvPr/>
+        </p:nvCxnSpPr>
+        <p:spPr>
+          <a:xfrm rot="5400000">
+            <a:off x="3824712" y="2057035"/>
+            <a:ext cx="633100" cy="3996699"/>
+          </a:xfrm>
+          <a:prstGeom prst="bentConnector2">
+            <a:avLst/>
+          </a:prstGeom>
+          <a:ln>
+            <a:solidFill>
+              <a:srgbClr val="C00000"/>
+            </a:solidFill>
+            <a:tailEnd type="triangle"/>
+          </a:ln>
+        </p:spPr>
+        <p:style>
+          <a:lnRef idx="1">
+            <a:schemeClr val="dk1"/>
+          </a:lnRef>
+          <a:fillRef idx="0">
+            <a:schemeClr val="dk1"/>
+          </a:fillRef>
+          <a:effectRef idx="0">
+            <a:schemeClr val="dk1"/>
+          </a:effectRef>
+          <a:fontRef idx="minor">
+            <a:schemeClr val="tx1"/>
+          </a:fontRef>
+        </p:style>
+      </p:cxnSp>
+      <p:sp>
+        <p:nvSpPr>
+          <p:cNvPr id="17" name="Oval 16">
+            <a:extLst>
+              <a:ext uri="{FF2B5EF4-FFF2-40B4-BE49-F238E27FC236}">
+                <a16:creationId xmlns:a16="http://schemas.microsoft.com/office/drawing/2014/main" id="{1C8AB65F-D112-65C0-8180-C05FF6255A14}"/>
+              </a:ext>
+            </a:extLst>
+          </p:cNvPr>
+          <p:cNvSpPr/>
+          <p:nvPr/>
+        </p:nvSpPr>
+        <p:spPr>
+          <a:xfrm>
+            <a:off x="6029578" y="3635721"/>
+            <a:ext cx="216024" cy="216024"/>
+          </a:xfrm>
+          <a:prstGeom prst="ellipse">
+            <a:avLst/>
+          </a:prstGeom>
+          <a:solidFill>
+            <a:schemeClr val="bg1"/>
+          </a:solidFill>
+          <a:ln w="19050">
+            <a:solidFill>
+              <a:srgbClr val="C00000"/>
+            </a:solidFill>
+          </a:ln>
+        </p:spPr>
+        <p:style>
+          <a:lnRef idx="2">
+            <a:schemeClr val="accent1">
+              <a:shade val="15000"/>
+            </a:schemeClr>
+          </a:lnRef>
+          <a:fillRef idx="1">
+            <a:schemeClr val="accent1"/>
+          </a:fillRef>
+          <a:effectRef idx="0">
+            <a:schemeClr val="accent1"/>
+          </a:effectRef>
+          <a:fontRef idx="minor">
+            <a:schemeClr val="lt1"/>
+          </a:fontRef>
+        </p:style>
+        <p:txBody>
+          <a:bodyPr rtlCol="0" anchor="ctr"/>
+          <a:lstStyle/>
+          <a:p>
+            <a:pPr algn="ctr"/>
+            <a:r>
+              <a:rPr lang="en-KR" sz="1000">
+                <a:solidFill>
+                  <a:srgbClr val="C00000"/>
+                </a:solidFill>
+              </a:rPr>
+              <a:t>1</a:t>
+            </a:r>
           </a:p>
         </p:txBody>
       </p:sp>
@@ -9709,8 +10036,8 @@
         </p:nvSpPr>
         <p:spPr>
           <a:xfrm>
-            <a:off x="1654377" y="4041078"/>
-            <a:ext cx="782587" cy="369332"/>
+            <a:off x="1676819" y="4041078"/>
+            <a:ext cx="737702" cy="369332"/>
           </a:xfrm>
           <a:prstGeom prst="rect">
             <a:avLst/>
@@ -9730,7 +10057,7 @@
                   <a:srgbClr val="C00000"/>
                 </a:solidFill>
               </a:rPr>
-              <a:t>Get driver’s</a:t>
+              <a:t>Get event </a:t>
             </a:r>
           </a:p>
           <a:p>
@@ -9741,7 +10068,7 @@
                   <a:srgbClr val="C00000"/>
                 </a:solidFill>
               </a:rPr>
-              <a:t>event logs</a:t>
+              <a:t>logs</a:t>
             </a:r>
           </a:p>
         </p:txBody>
@@ -10361,7 +10688,7 @@
         </p:nvSpPr>
         <p:spPr>
           <a:xfrm>
-            <a:off x="7240141" y="4215976"/>
+            <a:off x="7276402" y="4225744"/>
             <a:ext cx="728084" cy="369332"/>
           </a:xfrm>
           <a:prstGeom prst="rect">
@@ -10665,54 +10992,6 @@
           </a:fontRef>
         </p:style>
       </p:cxnSp>
-      <p:cxnSp>
-        <p:nvCxnSpPr>
-          <p:cNvPr id="122" name="Elbow Connector 121">
-            <a:extLst>
-              <a:ext uri="{FF2B5EF4-FFF2-40B4-BE49-F238E27FC236}">
-                <a16:creationId xmlns:a16="http://schemas.microsoft.com/office/drawing/2014/main" id="{9BEA5223-4721-C84A-4052-6418535C1A17}"/>
-              </a:ext>
-            </a:extLst>
-          </p:cNvPr>
-          <p:cNvCxnSpPr>
-            <a:cxnSpLocks/>
-            <a:stCxn id="1031" idx="0"/>
-            <a:endCxn id="83" idx="2"/>
-          </p:cNvCxnSpPr>
-          <p:nvPr/>
-        </p:nvCxnSpPr>
-        <p:spPr>
-          <a:xfrm rot="5400000" flipH="1" flipV="1">
-            <a:off x="4706559" y="311596"/>
-            <a:ext cx="1514269" cy="3603685"/>
-          </a:xfrm>
-          <a:prstGeom prst="bentConnector3">
-            <a:avLst>
-              <a:gd name="adj1" fmla="val 5592"/>
-            </a:avLst>
-          </a:prstGeom>
-          <a:ln>
-            <a:solidFill>
-              <a:srgbClr val="00B050"/>
-            </a:solidFill>
-            <a:tailEnd type="triangle"/>
-          </a:ln>
-        </p:spPr>
-        <p:style>
-          <a:lnRef idx="1">
-            <a:schemeClr val="dk1"/>
-          </a:lnRef>
-          <a:fillRef idx="0">
-            <a:schemeClr val="dk1"/>
-          </a:fillRef>
-          <a:effectRef idx="0">
-            <a:schemeClr val="dk1"/>
-          </a:effectRef>
-          <a:fontRef idx="minor">
-            <a:schemeClr val="tx1"/>
-          </a:fontRef>
-        </p:style>
-      </p:cxnSp>
       <p:sp>
         <p:nvSpPr>
           <p:cNvPr id="1031" name="Oval 1030">
@@ -10788,8 +11067,8 @@
         </p:nvSpPr>
         <p:spPr>
           <a:xfrm>
-            <a:off x="1408268" y="594440"/>
-            <a:ext cx="1063112" cy="507831"/>
+            <a:off x="1510860" y="594440"/>
+            <a:ext cx="857927" cy="369332"/>
           </a:xfrm>
           <a:prstGeom prst="rect">
             <a:avLst/>
@@ -10820,18 +11099,7 @@
                   <a:schemeClr val="tx2"/>
                 </a:solidFill>
               </a:rPr>
-              <a:t>SparkApplication</a:t>
-            </a:r>
-          </a:p>
-          <a:p>
-            <a:pPr algn="ctr"/>
-            <a:r>
-              <a:rPr lang="en-KR" sz="900">
-                <a:solidFill>
-                  <a:schemeClr val="tx2"/>
-                </a:solidFill>
-              </a:rPr>
-              <a:t>Object</a:t>
+              <a:t>Spark Object</a:t>
             </a:r>
           </a:p>
         </p:txBody>
@@ -11854,6 +12122,211 @@
             <a:avLst/>
           </a:prstGeom>
           <a:ln>
+            <a:tailEnd type="triangle"/>
+          </a:ln>
+        </p:spPr>
+        <p:style>
+          <a:lnRef idx="1">
+            <a:schemeClr val="dk1"/>
+          </a:lnRef>
+          <a:fillRef idx="0">
+            <a:schemeClr val="dk1"/>
+          </a:fillRef>
+          <a:effectRef idx="0">
+            <a:schemeClr val="dk1"/>
+          </a:effectRef>
+          <a:fontRef idx="minor">
+            <a:schemeClr val="tx1"/>
+          </a:fontRef>
+        </p:style>
+      </p:cxnSp>
+      <p:sp>
+        <p:nvSpPr>
+          <p:cNvPr id="3" name="TextBox 2">
+            <a:extLst>
+              <a:ext uri="{FF2B5EF4-FFF2-40B4-BE49-F238E27FC236}">
+                <a16:creationId xmlns:a16="http://schemas.microsoft.com/office/drawing/2014/main" id="{805BCA1D-3E78-F2B2-7A4F-D97ADE955E96}"/>
+              </a:ext>
+            </a:extLst>
+          </p:cNvPr>
+          <p:cNvSpPr txBox="1"/>
+          <p:nvPr/>
+        </p:nvSpPr>
+        <p:spPr>
+          <a:xfrm>
+            <a:off x="6163565" y="4587995"/>
+            <a:ext cx="1072731" cy="369332"/>
+          </a:xfrm>
+          <a:prstGeom prst="rect">
+            <a:avLst/>
+          </a:prstGeom>
+          <a:noFill/>
+        </p:spPr>
+        <p:txBody>
+          <a:bodyPr wrap="none" rtlCol="0">
+            <a:spAutoFit/>
+          </a:bodyPr>
+          <a:lstStyle/>
+          <a:p>
+            <a:pPr algn="ctr"/>
+            <a:r>
+              <a:rPr lang="en-KR" sz="900">
+                <a:solidFill>
+                  <a:srgbClr val="C00000"/>
+                </a:solidFill>
+              </a:rPr>
+              <a:t>Write executor’s </a:t>
+            </a:r>
+          </a:p>
+          <a:p>
+            <a:pPr algn="ctr"/>
+            <a:r>
+              <a:rPr lang="en-KR" sz="900">
+                <a:solidFill>
+                  <a:srgbClr val="C00000"/>
+                </a:solidFill>
+              </a:rPr>
+              <a:t>event logs</a:t>
+            </a:r>
+          </a:p>
+        </p:txBody>
+      </p:sp>
+      <p:cxnSp>
+        <p:nvCxnSpPr>
+          <p:cNvPr id="5" name="Elbow Connector 4">
+            <a:extLst>
+              <a:ext uri="{FF2B5EF4-FFF2-40B4-BE49-F238E27FC236}">
+                <a16:creationId xmlns:a16="http://schemas.microsoft.com/office/drawing/2014/main" id="{435E022D-5BFB-5976-1E2B-5C86F4268402}"/>
+              </a:ext>
+            </a:extLst>
+          </p:cNvPr>
+          <p:cNvCxnSpPr>
+            <a:cxnSpLocks/>
+            <a:stCxn id="18" idx="4"/>
+          </p:cNvCxnSpPr>
+          <p:nvPr/>
+        </p:nvCxnSpPr>
+        <p:spPr>
+          <a:xfrm rot="5400000">
+            <a:off x="4147257" y="1607275"/>
+            <a:ext cx="513691" cy="5400393"/>
+          </a:xfrm>
+          <a:prstGeom prst="bentConnector2">
+            <a:avLst/>
+          </a:prstGeom>
+          <a:ln>
+            <a:solidFill>
+              <a:srgbClr val="C00000"/>
+            </a:solidFill>
+            <a:tailEnd type="triangle"/>
+          </a:ln>
+        </p:spPr>
+        <p:style>
+          <a:lnRef idx="1">
+            <a:schemeClr val="dk1"/>
+          </a:lnRef>
+          <a:fillRef idx="0">
+            <a:schemeClr val="dk1"/>
+          </a:fillRef>
+          <a:effectRef idx="0">
+            <a:schemeClr val="dk1"/>
+          </a:effectRef>
+          <a:fontRef idx="minor">
+            <a:schemeClr val="tx1"/>
+          </a:fontRef>
+        </p:style>
+      </p:cxnSp>
+      <p:sp>
+        <p:nvSpPr>
+          <p:cNvPr id="18" name="Oval 17">
+            <a:extLst>
+              <a:ext uri="{FF2B5EF4-FFF2-40B4-BE49-F238E27FC236}">
+                <a16:creationId xmlns:a16="http://schemas.microsoft.com/office/drawing/2014/main" id="{CDFA7CF2-F133-A447-4ADE-82ECB3D8D15C}"/>
+              </a:ext>
+            </a:extLst>
+          </p:cNvPr>
+          <p:cNvSpPr/>
+          <p:nvPr/>
+        </p:nvSpPr>
+        <p:spPr>
+          <a:xfrm>
+            <a:off x="6996286" y="3834602"/>
+            <a:ext cx="216024" cy="216024"/>
+          </a:xfrm>
+          <a:prstGeom prst="ellipse">
+            <a:avLst/>
+          </a:prstGeom>
+          <a:solidFill>
+            <a:schemeClr val="bg1"/>
+          </a:solidFill>
+          <a:ln w="19050">
+            <a:solidFill>
+              <a:srgbClr val="C00000"/>
+            </a:solidFill>
+          </a:ln>
+        </p:spPr>
+        <p:style>
+          <a:lnRef idx="2">
+            <a:schemeClr val="accent1">
+              <a:shade val="15000"/>
+            </a:schemeClr>
+          </a:lnRef>
+          <a:fillRef idx="1">
+            <a:schemeClr val="accent1"/>
+          </a:fillRef>
+          <a:effectRef idx="0">
+            <a:schemeClr val="accent1"/>
+          </a:effectRef>
+          <a:fontRef idx="minor">
+            <a:schemeClr val="lt1"/>
+          </a:fontRef>
+        </p:style>
+        <p:txBody>
+          <a:bodyPr rtlCol="0" anchor="ctr"/>
+          <a:lstStyle/>
+          <a:p>
+            <a:pPr algn="ctr"/>
+            <a:r>
+              <a:rPr lang="en-KR" sz="1000">
+                <a:solidFill>
+                  <a:srgbClr val="C00000"/>
+                </a:solidFill>
+              </a:rPr>
+              <a:t>1</a:t>
+            </a:r>
+          </a:p>
+        </p:txBody>
+      </p:sp>
+      <p:cxnSp>
+        <p:nvCxnSpPr>
+          <p:cNvPr id="122" name="Elbow Connector 121">
+            <a:extLst>
+              <a:ext uri="{FF2B5EF4-FFF2-40B4-BE49-F238E27FC236}">
+                <a16:creationId xmlns:a16="http://schemas.microsoft.com/office/drawing/2014/main" id="{9BEA5223-4721-C84A-4052-6418535C1A17}"/>
+              </a:ext>
+            </a:extLst>
+          </p:cNvPr>
+          <p:cNvCxnSpPr>
+            <a:cxnSpLocks/>
+            <a:stCxn id="1031" idx="0"/>
+            <a:endCxn id="83" idx="2"/>
+          </p:cNvCxnSpPr>
+          <p:nvPr/>
+        </p:nvCxnSpPr>
+        <p:spPr>
+          <a:xfrm rot="5400000" flipH="1" flipV="1">
+            <a:off x="4706559" y="311596"/>
+            <a:ext cx="1514269" cy="3603685"/>
+          </a:xfrm>
+          <a:prstGeom prst="bentConnector3">
+            <a:avLst>
+              <a:gd name="adj1" fmla="val 5592"/>
+            </a:avLst>
+          </a:prstGeom>
+          <a:ln>
+            <a:solidFill>
+              <a:srgbClr val="00B050"/>
+            </a:solidFill>
             <a:tailEnd type="triangle"/>
           </a:ln>
         </p:spPr>
@@ -11999,7 +12472,7 @@
         <p:spPr>
           <a:xfrm>
             <a:off x="2843807" y="1275607"/>
-            <a:ext cx="4879389" cy="3168346"/>
+            <a:ext cx="5204085" cy="3168346"/>
           </a:xfrm>
           <a:prstGeom prst="roundRect">
             <a:avLst>
@@ -12577,7 +13050,7 @@
         </p:nvSpPr>
         <p:spPr>
           <a:xfrm>
-            <a:off x="6299468" y="1346428"/>
+            <a:off x="6608615" y="1346428"/>
             <a:ext cx="1368152" cy="508063"/>
           </a:xfrm>
           <a:prstGeom prst="roundRect">
@@ -12881,8 +13354,8 @@
         </p:nvCxnSpPr>
         <p:spPr>
           <a:xfrm rot="16200000" flipV="1">
-            <a:off x="3289723" y="-519109"/>
-            <a:ext cx="251085" cy="3479990"/>
+            <a:off x="3059449" y="-288835"/>
+            <a:ext cx="251085" cy="3019441"/>
           </a:xfrm>
           <a:prstGeom prst="bentConnector2">
             <a:avLst/>
@@ -12927,12 +13400,12 @@
         </p:nvCxnSpPr>
         <p:spPr>
           <a:xfrm rot="5400000" flipH="1" flipV="1">
-            <a:off x="3958732" y="1991490"/>
-            <a:ext cx="1333526" cy="1059529"/>
+            <a:off x="3728458" y="2221764"/>
+            <a:ext cx="1333526" cy="598980"/>
           </a:xfrm>
           <a:prstGeom prst="bentConnector3">
             <a:avLst>
-              <a:gd name="adj1" fmla="val 46552"/>
+              <a:gd name="adj1" fmla="val 46484"/>
             </a:avLst>
           </a:prstGeom>
           <a:ln>
@@ -13679,8 +14152,8 @@
         </p:nvSpPr>
         <p:spPr>
           <a:xfrm>
-            <a:off x="4337670" y="1346428"/>
-            <a:ext cx="1635179" cy="508063"/>
+            <a:off x="4146566" y="1346428"/>
+            <a:ext cx="1096290" cy="508063"/>
           </a:xfrm>
           <a:prstGeom prst="roundRect">
             <a:avLst>
@@ -13741,12 +14214,12 @@
         </p:nvCxnSpPr>
         <p:spPr>
           <a:xfrm rot="5400000" flipH="1" flipV="1">
-            <a:off x="4632287" y="605172"/>
-            <a:ext cx="822398" cy="3321040"/>
+            <a:off x="4765591" y="471868"/>
+            <a:ext cx="822398" cy="3587648"/>
           </a:xfrm>
           <a:prstGeom prst="bentConnector3">
             <a:avLst>
-              <a:gd name="adj1" fmla="val 80452"/>
+              <a:gd name="adj1" fmla="val 86350"/>
             </a:avLst>
           </a:prstGeom>
           <a:ln>
@@ -13785,7 +14258,7 @@
         </p:nvSpPr>
         <p:spPr>
           <a:xfrm>
-            <a:off x="6631998" y="1710477"/>
+            <a:off x="6898606" y="1710477"/>
             <a:ext cx="144016" cy="144016"/>
           </a:xfrm>
           <a:prstGeom prst="ellipse">
@@ -13926,8 +14399,8 @@
         </p:nvSpPr>
         <p:spPr>
           <a:xfrm>
-            <a:off x="5795494" y="2129459"/>
-            <a:ext cx="1165704" cy="230832"/>
+            <a:off x="6557003" y="1972644"/>
+            <a:ext cx="822661" cy="369332"/>
           </a:xfrm>
           <a:prstGeom prst="rect">
             <a:avLst/>
@@ -13947,7 +14420,18 @@
                   <a:schemeClr val="tx2"/>
                 </a:solidFill>
               </a:rPr>
-              <a:t>Get driver’s pod IP</a:t>
+              <a:t>Get driver’s </a:t>
+            </a:r>
+          </a:p>
+          <a:p>
+            <a:pPr algn="ctr"/>
+            <a:r>
+              <a:rPr lang="en-KR" sz="900">
+                <a:solidFill>
+                  <a:schemeClr val="tx2"/>
+                </a:solidFill>
+              </a:rPr>
+              <a:t>pod IP</a:t>
             </a:r>
           </a:p>
         </p:txBody>
@@ -14149,8 +14633,8 @@
         </p:nvSpPr>
         <p:spPr>
           <a:xfrm>
-            <a:off x="3372415" y="2012378"/>
-            <a:ext cx="1253869" cy="230832"/>
+            <a:off x="3344786" y="1937499"/>
+            <a:ext cx="1253868" cy="369332"/>
           </a:xfrm>
           <a:prstGeom prst="rect">
             <a:avLst/>
@@ -14171,6 +14655,17 @@
                 </a:solidFill>
               </a:rPr>
               <a:t>Create driver service</a:t>
+            </a:r>
+          </a:p>
+          <a:p>
+            <a:pPr algn="ctr"/>
+            <a:r>
+              <a:rPr lang="en-KR" sz="900">
+                <a:solidFill>
+                  <a:schemeClr val="tx2"/>
+                </a:solidFill>
+              </a:rPr>
+              <a:t>&amp; executor Config</a:t>
             </a:r>
           </a:p>
         </p:txBody>
@@ -14290,7 +14785,7 @@
         </p:nvSpPr>
         <p:spPr>
           <a:xfrm>
-            <a:off x="6875532" y="2239625"/>
+            <a:off x="7184679" y="2239625"/>
             <a:ext cx="216024" cy="216024"/>
           </a:xfrm>
           <a:prstGeom prst="ellipse">
@@ -14355,7 +14850,7 @@
         </p:nvCxnSpPr>
         <p:spPr>
           <a:xfrm flipV="1">
-            <a:off x="6983544" y="1854491"/>
+            <a:off x="7292691" y="1854491"/>
             <a:ext cx="0" cy="385134"/>
           </a:xfrm>
           <a:prstGeom prst="straightConnector1">
@@ -14672,7 +15167,7 @@
         </p:nvSpPr>
         <p:spPr>
           <a:xfrm>
-            <a:off x="5113022" y="1984977"/>
+            <a:off x="4670444" y="1984977"/>
             <a:ext cx="859531" cy="369332"/>
           </a:xfrm>
           <a:prstGeom prst="rect">
@@ -14898,14 +15393,14 @@
             <a:pPr algn="ctr"/>
             <a:r>
               <a:rPr lang="en-KR" sz="900"/>
-              <a:t>Get Driver’s </a:t>
+              <a:t>Get driver’s </a:t>
             </a:r>
           </a:p>
           <a:p>
             <a:pPr algn="ctr"/>
             <a:r>
               <a:rPr lang="en-KR" sz="900"/>
-              <a:t>Config</a:t>
+              <a:t>config</a:t>
             </a:r>
           </a:p>
         </p:txBody>
@@ -15171,7 +15666,7 @@
         </p:nvSpPr>
         <p:spPr>
           <a:xfrm>
-            <a:off x="7795204" y="1346428"/>
+            <a:off x="5377591" y="1346428"/>
             <a:ext cx="1096289" cy="508063"/>
           </a:xfrm>
           <a:prstGeom prst="roundRect">
@@ -15215,10 +15710,141 @@
           </a:p>
         </p:txBody>
       </p:sp>
+      <p:cxnSp>
+        <p:nvCxnSpPr>
+          <p:cNvPr id="65" name="Elbow Connector 64">
+            <a:extLst>
+              <a:ext uri="{FF2B5EF4-FFF2-40B4-BE49-F238E27FC236}">
+                <a16:creationId xmlns:a16="http://schemas.microsoft.com/office/drawing/2014/main" id="{966A91BD-F348-4BC6-3246-6E5ADF1FFECF}"/>
+              </a:ext>
+            </a:extLst>
+          </p:cNvPr>
+          <p:cNvCxnSpPr>
+            <a:cxnSpLocks/>
+            <a:stCxn id="55" idx="0"/>
+            <a:endCxn id="6" idx="2"/>
+          </p:cNvCxnSpPr>
+          <p:nvPr/>
+        </p:nvCxnSpPr>
+        <p:spPr>
+          <a:xfrm rot="5400000" flipH="1" flipV="1">
+            <a:off x="4243151" y="994306"/>
+            <a:ext cx="822400" cy="2542770"/>
+          </a:xfrm>
+          <a:prstGeom prst="bentConnector3">
+            <a:avLst>
+              <a:gd name="adj1" fmla="val 86350"/>
+            </a:avLst>
+          </a:prstGeom>
+          <a:ln>
+            <a:solidFill>
+              <a:schemeClr val="tx2"/>
+            </a:solidFill>
+            <a:tailEnd type="triangle"/>
+          </a:ln>
+        </p:spPr>
+        <p:style>
+          <a:lnRef idx="1">
+            <a:schemeClr val="dk1"/>
+          </a:lnRef>
+          <a:fillRef idx="0">
+            <a:schemeClr val="dk1"/>
+          </a:fillRef>
+          <a:effectRef idx="0">
+            <a:schemeClr val="dk1"/>
+          </a:effectRef>
+          <a:fontRef idx="minor">
+            <a:schemeClr val="tx1"/>
+          </a:fontRef>
+        </p:style>
+      </p:cxnSp>
+      <p:cxnSp>
+        <p:nvCxnSpPr>
+          <p:cNvPr id="84" name="Straight Arrow Connector 83">
+            <a:extLst>
+              <a:ext uri="{FF2B5EF4-FFF2-40B4-BE49-F238E27FC236}">
+                <a16:creationId xmlns:a16="http://schemas.microsoft.com/office/drawing/2014/main" id="{C578B56B-38B1-91CA-685C-04B077138F01}"/>
+              </a:ext>
+            </a:extLst>
+          </p:cNvPr>
+          <p:cNvCxnSpPr>
+            <a:cxnSpLocks/>
+            <a:stCxn id="66" idx="0"/>
+          </p:cNvCxnSpPr>
+          <p:nvPr/>
+        </p:nvCxnSpPr>
+        <p:spPr>
+          <a:xfrm flipV="1">
+            <a:off x="6139611" y="1854491"/>
+            <a:ext cx="0" cy="501235"/>
+          </a:xfrm>
+          <a:prstGeom prst="straightConnector1">
+            <a:avLst/>
+          </a:prstGeom>
+          <a:ln>
+            <a:tailEnd type="triangle"/>
+          </a:ln>
+        </p:spPr>
+        <p:style>
+          <a:lnRef idx="1">
+            <a:schemeClr val="dk1"/>
+          </a:lnRef>
+          <a:fillRef idx="0">
+            <a:schemeClr val="dk1"/>
+          </a:fillRef>
+          <a:effectRef idx="0">
+            <a:schemeClr val="dk1"/>
+          </a:effectRef>
+          <a:fontRef idx="minor">
+            <a:schemeClr val="tx1"/>
+          </a:fontRef>
+        </p:style>
+      </p:cxnSp>
+      <p:sp>
+        <p:nvSpPr>
+          <p:cNvPr id="88" name="TextBox 87">
+            <a:extLst>
+              <a:ext uri="{FF2B5EF4-FFF2-40B4-BE49-F238E27FC236}">
+                <a16:creationId xmlns:a16="http://schemas.microsoft.com/office/drawing/2014/main" id="{B9F29A7F-34EA-D92C-2859-E64435150080}"/>
+              </a:ext>
+            </a:extLst>
+          </p:cNvPr>
+          <p:cNvSpPr txBox="1"/>
+          <p:nvPr/>
+        </p:nvSpPr>
+        <p:spPr>
+          <a:xfrm>
+            <a:off x="5440393" y="1953650"/>
+            <a:ext cx="964298" cy="369332"/>
+          </a:xfrm>
+          <a:prstGeom prst="rect">
+            <a:avLst/>
+          </a:prstGeom>
+          <a:noFill/>
+        </p:spPr>
+        <p:txBody>
+          <a:bodyPr wrap="square" rtlCol="0">
+            <a:spAutoFit/>
+          </a:bodyPr>
+          <a:lstStyle/>
+          <a:p>
+            <a:pPr algn="ctr"/>
+            <a:r>
+              <a:rPr lang="en-KR" sz="900"/>
+              <a:t>Get </a:t>
+            </a:r>
+            <a:r>
+              <a:rPr lang="en-US" sz="900"/>
+              <a:t>executor’s config</a:t>
+            </a:r>
+            <a:endParaRPr lang="en-KR" sz="900"/>
+          </a:p>
+        </p:txBody>
+      </p:sp>
     </p:spTree>
     <p:extLst>
       <p:ext uri="{BB962C8B-B14F-4D97-AF65-F5344CB8AC3E}">
-        <p14:creationId xmlns:p14="http://schemas.microsoft.com/office/powerpoint/2010/main" val="2273627738"/>
+        <p14:creationId xmlns:p14="http://schemas.microsoft.com/office/powerpoint/2010/main" val="165735801"/>
       </p:ext>
     </p:extLst>
   </p:cSld>
@@ -15886,64 +16512,6 @@
       </p:sp>
       <p:sp>
         <p:nvSpPr>
-          <p:cNvPr id="22" name="모서리가 둥근 직사각형 2">
-            <a:extLst>
-              <a:ext uri="{FF2B5EF4-FFF2-40B4-BE49-F238E27FC236}">
-                <a16:creationId xmlns:a16="http://schemas.microsoft.com/office/drawing/2014/main" id="{A3F54CD6-D683-8624-CACC-EEE7D695357B}"/>
-              </a:ext>
-            </a:extLst>
-          </p:cNvPr>
-          <p:cNvSpPr/>
-          <p:nvPr/>
-        </p:nvSpPr>
-        <p:spPr>
-          <a:xfrm>
-            <a:off x="5867421" y="1540109"/>
-            <a:ext cx="1368152" cy="508063"/>
-          </a:xfrm>
-          <a:prstGeom prst="roundRect">
-            <a:avLst>
-              <a:gd name="adj" fmla="val 13068"/>
-            </a:avLst>
-          </a:prstGeom>
-          <a:ln w="12700"/>
-        </p:spPr>
-        <p:style>
-          <a:lnRef idx="2">
-            <a:schemeClr val="dk1"/>
-          </a:lnRef>
-          <a:fillRef idx="1">
-            <a:schemeClr val="lt1"/>
-          </a:fillRef>
-          <a:effectRef idx="0">
-            <a:schemeClr val="dk1"/>
-          </a:effectRef>
-          <a:fontRef idx="minor">
-            <a:schemeClr val="dk1"/>
-          </a:fontRef>
-        </p:style>
-        <p:txBody>
-          <a:bodyPr rtlCol="0" anchor="ctr"/>
-          <a:lstStyle/>
-          <a:p>
-            <a:pPr algn="ctr"/>
-            <a:r>
-              <a:rPr lang="en-US" altLang="ko-KR" sz="1000"/>
-              <a:t>Driver Service</a:t>
-            </a:r>
-          </a:p>
-          <a:p>
-            <a:pPr algn="ctr"/>
-            <a:r>
-              <a:rPr lang="en-US" altLang="ko-KR" sz="1000"/>
-              <a:t>/ Service (Headless)</a:t>
-            </a:r>
-            <a:endParaRPr lang="ko-KR" altLang="en-US" sz="1000"/>
-          </a:p>
-        </p:txBody>
-      </p:sp>
-      <p:sp>
-        <p:nvSpPr>
           <p:cNvPr id="23" name="모서리가 둥근 직사각형 2">
             <a:extLst>
               <a:ext uri="{FF2B5EF4-FFF2-40B4-BE49-F238E27FC236}">
@@ -16196,18 +16764,18 @@
           <p:cNvCxnSpPr>
             <a:cxnSpLocks/>
             <a:stCxn id="71" idx="0"/>
-            <a:endCxn id="44" idx="2"/>
+            <a:endCxn id="11" idx="2"/>
           </p:cNvCxnSpPr>
           <p:nvPr/>
         </p:nvCxnSpPr>
         <p:spPr>
           <a:xfrm rot="5400000" flipH="1" flipV="1">
-            <a:off x="3473861" y="2103236"/>
-            <a:ext cx="1304415" cy="1194289"/>
+            <a:off x="3241895" y="2339874"/>
+            <a:ext cx="1299742" cy="725684"/>
           </a:xfrm>
           <a:prstGeom prst="bentConnector3">
             <a:avLst>
-              <a:gd name="adj1" fmla="val 46580"/>
+              <a:gd name="adj1" fmla="val 47294"/>
             </a:avLst>
           </a:prstGeom>
           <a:ln>
@@ -16844,64 +17412,6 @@
           </a:fontRef>
         </p:style>
       </p:cxnSp>
-      <p:sp>
-        <p:nvSpPr>
-          <p:cNvPr id="44" name="모서리가 둥근 직사각형 2">
-            <a:extLst>
-              <a:ext uri="{FF2B5EF4-FFF2-40B4-BE49-F238E27FC236}">
-                <a16:creationId xmlns:a16="http://schemas.microsoft.com/office/drawing/2014/main" id="{37608E22-B0C3-2411-ED2B-0D929072F31D}"/>
-              </a:ext>
-            </a:extLst>
-          </p:cNvPr>
-          <p:cNvSpPr/>
-          <p:nvPr/>
-        </p:nvSpPr>
-        <p:spPr>
-          <a:xfrm>
-            <a:off x="3905623" y="1540109"/>
-            <a:ext cx="1635179" cy="508063"/>
-          </a:xfrm>
-          <a:prstGeom prst="roundRect">
-            <a:avLst>
-              <a:gd name="adj" fmla="val 13068"/>
-            </a:avLst>
-          </a:prstGeom>
-          <a:ln w="12700"/>
-        </p:spPr>
-        <p:style>
-          <a:lnRef idx="2">
-            <a:schemeClr val="dk1"/>
-          </a:lnRef>
-          <a:fillRef idx="1">
-            <a:schemeClr val="lt1"/>
-          </a:fillRef>
-          <a:effectRef idx="0">
-            <a:schemeClr val="dk1"/>
-          </a:effectRef>
-          <a:fontRef idx="minor">
-            <a:schemeClr val="dk1"/>
-          </a:fontRef>
-        </p:style>
-        <p:txBody>
-          <a:bodyPr rtlCol="0" anchor="ctr"/>
-          <a:lstStyle/>
-          <a:p>
-            <a:pPr algn="ctr"/>
-            <a:r>
-              <a:rPr lang="en-US" altLang="ko-KR" sz="1000"/>
-              <a:t>Spark History Server Web UI</a:t>
-            </a:r>
-          </a:p>
-          <a:p>
-            <a:pPr algn="ctr"/>
-            <a:r>
-              <a:rPr lang="en-US" altLang="ko-KR" sz="1000"/>
-              <a:t>/ Service</a:t>
-            </a:r>
-            <a:endParaRPr lang="ko-KR" altLang="en-US" sz="1050"/>
-          </a:p>
-        </p:txBody>
-      </p:sp>
       <p:cxnSp>
         <p:nvCxnSpPr>
           <p:cNvPr id="45" name="Elbow Connector 44">
@@ -16920,12 +17430,12 @@
         </p:nvCxnSpPr>
         <p:spPr>
           <a:xfrm rot="5400000" flipH="1" flipV="1">
-            <a:off x="4200240" y="798853"/>
-            <a:ext cx="822398" cy="3321040"/>
+            <a:off x="4300381" y="698712"/>
+            <a:ext cx="822398" cy="3521322"/>
           </a:xfrm>
           <a:prstGeom prst="bentConnector3">
             <a:avLst>
-              <a:gd name="adj1" fmla="val 80452"/>
+              <a:gd name="adj1" fmla="val 85637"/>
             </a:avLst>
           </a:prstGeom>
           <a:ln>
@@ -16964,7 +17474,7 @@
         </p:nvSpPr>
         <p:spPr>
           <a:xfrm>
-            <a:off x="6199951" y="1904158"/>
+            <a:off x="6400233" y="1904158"/>
             <a:ext cx="144016" cy="144016"/>
           </a:xfrm>
           <a:prstGeom prst="ellipse">
@@ -17105,8 +17615,8 @@
         </p:nvSpPr>
         <p:spPr>
           <a:xfrm>
-            <a:off x="5363447" y="2323140"/>
-            <a:ext cx="1165704" cy="230832"/>
+            <a:off x="6085550" y="2175404"/>
+            <a:ext cx="822661" cy="369332"/>
           </a:xfrm>
           <a:prstGeom prst="rect">
             <a:avLst/>
@@ -17126,7 +17636,18 @@
                   <a:schemeClr val="tx2"/>
                 </a:solidFill>
               </a:rPr>
-              <a:t>Get driver’s pod IP</a:t>
+              <a:t>Get driver’s </a:t>
+            </a:r>
+          </a:p>
+          <a:p>
+            <a:pPr algn="ctr"/>
+            <a:r>
+              <a:rPr lang="en-KR" sz="900">
+                <a:solidFill>
+                  <a:schemeClr val="tx2"/>
+                </a:solidFill>
+              </a:rPr>
+              <a:t>pod IP</a:t>
             </a:r>
           </a:p>
         </p:txBody>
@@ -17206,8 +17727,8 @@
         </p:nvSpPr>
         <p:spPr>
           <a:xfrm>
-            <a:off x="2940368" y="2206059"/>
-            <a:ext cx="1253869" cy="230832"/>
+            <a:off x="2912665" y="2154137"/>
+            <a:ext cx="1253868" cy="507831"/>
           </a:xfrm>
           <a:prstGeom prst="rect">
             <a:avLst/>
@@ -17222,13 +17743,32 @@
           <a:p>
             <a:pPr algn="ctr"/>
             <a:r>
-              <a:rPr lang="en-KR" sz="900">
+              <a:rPr lang="en-US" sz="900">
                 <a:solidFill>
                   <a:schemeClr val="tx2"/>
                 </a:solidFill>
               </a:rPr>
               <a:t>Create driver service</a:t>
             </a:r>
+          </a:p>
+          <a:p>
+            <a:pPr algn="ctr"/>
+            <a:r>
+              <a:rPr lang="en-US" sz="900">
+                <a:solidFill>
+                  <a:schemeClr val="tx2"/>
+                </a:solidFill>
+              </a:rPr>
+              <a:t>&amp; executor Config</a:t>
+            </a:r>
+          </a:p>
+          <a:p>
+            <a:pPr algn="ctr"/>
+            <a:endParaRPr lang="en-US" sz="900">
+              <a:solidFill>
+                <a:schemeClr val="tx2"/>
+              </a:solidFill>
+            </a:endParaRPr>
           </a:p>
         </p:txBody>
       </p:sp>
@@ -17347,7 +17887,7 @@
         </p:nvSpPr>
         <p:spPr>
           <a:xfrm>
-            <a:off x="6443485" y="2433306"/>
+            <a:off x="6723175" y="2433306"/>
             <a:ext cx="216024" cy="216024"/>
           </a:xfrm>
           <a:prstGeom prst="ellipse">
@@ -17406,13 +17946,12 @@
           <p:cNvCxnSpPr>
             <a:cxnSpLocks/>
             <a:stCxn id="61" idx="0"/>
-            <a:endCxn id="22" idx="2"/>
           </p:cNvCxnSpPr>
           <p:nvPr/>
         </p:nvCxnSpPr>
         <p:spPr>
           <a:xfrm flipV="1">
-            <a:off x="6551497" y="2048172"/>
+            <a:off x="6831187" y="2048172"/>
             <a:ext cx="0" cy="385134"/>
           </a:xfrm>
           <a:prstGeom prst="straightConnector1">
@@ -17790,7 +18329,7 @@
         </p:nvSpPr>
         <p:spPr>
           <a:xfrm>
-            <a:off x="4680975" y="2178658"/>
+            <a:off x="4218324" y="2178658"/>
             <a:ext cx="859531" cy="369332"/>
           </a:xfrm>
           <a:prstGeom prst="rect">
@@ -18172,15 +18711,15 @@
           </p:cNvPr>
           <p:cNvCxnSpPr>
             <a:cxnSpLocks/>
-            <a:stCxn id="44" idx="0"/>
+            <a:stCxn id="11" idx="0"/>
             <a:endCxn id="25" idx="3"/>
           </p:cNvCxnSpPr>
           <p:nvPr/>
         </p:nvCxnSpPr>
         <p:spPr>
           <a:xfrm rot="16200000" flipV="1">
-            <a:off x="2916917" y="-266187"/>
-            <a:ext cx="132603" cy="3479990"/>
+            <a:off x="2680278" y="-29549"/>
+            <a:ext cx="137276" cy="3011385"/>
           </a:xfrm>
           <a:prstGeom prst="bentConnector2">
             <a:avLst/>
@@ -19390,14 +19929,14 @@
             <a:pPr algn="ctr"/>
             <a:r>
               <a:rPr lang="en-KR" sz="900"/>
-              <a:t>Get Driver’s </a:t>
+              <a:t>Get driver’s </a:t>
             </a:r>
           </a:p>
           <a:p>
             <a:pPr algn="ctr"/>
             <a:r>
               <a:rPr lang="en-KR" sz="900"/>
-              <a:t>Config</a:t>
+              <a:t>config</a:t>
             </a:r>
           </a:p>
         </p:txBody>
@@ -19536,10 +20075,315 @@
           </a:p>
         </p:txBody>
       </p:sp>
+      <p:sp>
+        <p:nvSpPr>
+          <p:cNvPr id="8" name="모서리가 둥근 직사각형 2">
+            <a:extLst>
+              <a:ext uri="{FF2B5EF4-FFF2-40B4-BE49-F238E27FC236}">
+                <a16:creationId xmlns:a16="http://schemas.microsoft.com/office/drawing/2014/main" id="{9A5DC9BA-46EF-9C63-1FBD-975DC9153CA3}"/>
+              </a:ext>
+            </a:extLst>
+          </p:cNvPr>
+          <p:cNvSpPr/>
+          <p:nvPr/>
+        </p:nvSpPr>
+        <p:spPr>
+          <a:xfrm>
+            <a:off x="6168512" y="1544782"/>
+            <a:ext cx="1368152" cy="508063"/>
+          </a:xfrm>
+          <a:prstGeom prst="roundRect">
+            <a:avLst>
+              <a:gd name="adj" fmla="val 13068"/>
+            </a:avLst>
+          </a:prstGeom>
+          <a:ln w="12700"/>
+        </p:spPr>
+        <p:style>
+          <a:lnRef idx="2">
+            <a:schemeClr val="dk1"/>
+          </a:lnRef>
+          <a:fillRef idx="1">
+            <a:schemeClr val="lt1"/>
+          </a:fillRef>
+          <a:effectRef idx="0">
+            <a:schemeClr val="dk1"/>
+          </a:effectRef>
+          <a:fontRef idx="minor">
+            <a:schemeClr val="dk1"/>
+          </a:fontRef>
+        </p:style>
+        <p:txBody>
+          <a:bodyPr rtlCol="0" anchor="ctr"/>
+          <a:lstStyle/>
+          <a:p>
+            <a:pPr algn="ctr"/>
+            <a:r>
+              <a:rPr lang="en-US" altLang="ko-KR" sz="1000"/>
+              <a:t>Driver Service</a:t>
+            </a:r>
+          </a:p>
+          <a:p>
+            <a:pPr algn="ctr"/>
+            <a:r>
+              <a:rPr lang="en-US" altLang="ko-KR" sz="1000"/>
+              <a:t>/ Service (Headless)</a:t>
+            </a:r>
+            <a:endParaRPr lang="ko-KR" altLang="en-US" sz="1000"/>
+          </a:p>
+        </p:txBody>
+      </p:sp>
+      <p:sp>
+        <p:nvSpPr>
+          <p:cNvPr id="11" name="모서리가 둥근 직사각형 2">
+            <a:extLst>
+              <a:ext uri="{FF2B5EF4-FFF2-40B4-BE49-F238E27FC236}">
+                <a16:creationId xmlns:a16="http://schemas.microsoft.com/office/drawing/2014/main" id="{D6C5CB90-A156-DBD0-23EB-99302A39C95D}"/>
+              </a:ext>
+            </a:extLst>
+          </p:cNvPr>
+          <p:cNvSpPr/>
+          <p:nvPr/>
+        </p:nvSpPr>
+        <p:spPr>
+          <a:xfrm>
+            <a:off x="3706463" y="1544782"/>
+            <a:ext cx="1096290" cy="508063"/>
+          </a:xfrm>
+          <a:prstGeom prst="roundRect">
+            <a:avLst>
+              <a:gd name="adj" fmla="val 13068"/>
+            </a:avLst>
+          </a:prstGeom>
+          <a:ln w="12700"/>
+        </p:spPr>
+        <p:style>
+          <a:lnRef idx="2">
+            <a:schemeClr val="dk1"/>
+          </a:lnRef>
+          <a:fillRef idx="1">
+            <a:schemeClr val="lt1"/>
+          </a:fillRef>
+          <a:effectRef idx="0">
+            <a:schemeClr val="dk1"/>
+          </a:effectRef>
+          <a:fontRef idx="minor">
+            <a:schemeClr val="dk1"/>
+          </a:fontRef>
+        </p:style>
+        <p:txBody>
+          <a:bodyPr rtlCol="0" anchor="ctr"/>
+          <a:lstStyle/>
+          <a:p>
+            <a:pPr algn="ctr"/>
+            <a:r>
+              <a:rPr lang="en-US" altLang="ko-KR" sz="1000"/>
+              <a:t>Spark History Server Web UI</a:t>
+            </a:r>
+          </a:p>
+          <a:p>
+            <a:pPr algn="ctr"/>
+            <a:r>
+              <a:rPr lang="en-US" altLang="ko-KR" sz="1000"/>
+              <a:t>/ Service</a:t>
+            </a:r>
+            <a:endParaRPr lang="ko-KR" altLang="en-US" sz="1050"/>
+          </a:p>
+        </p:txBody>
+      </p:sp>
+      <p:sp>
+        <p:nvSpPr>
+          <p:cNvPr id="12" name="모서리가 둥근 직사각형 2">
+            <a:extLst>
+              <a:ext uri="{FF2B5EF4-FFF2-40B4-BE49-F238E27FC236}">
+                <a16:creationId xmlns:a16="http://schemas.microsoft.com/office/drawing/2014/main" id="{8A4641BF-608B-8C3E-64F0-83A60568A3AE}"/>
+              </a:ext>
+            </a:extLst>
+          </p:cNvPr>
+          <p:cNvSpPr/>
+          <p:nvPr/>
+        </p:nvSpPr>
+        <p:spPr>
+          <a:xfrm>
+            <a:off x="4937488" y="1544782"/>
+            <a:ext cx="1096289" cy="508063"/>
+          </a:xfrm>
+          <a:prstGeom prst="roundRect">
+            <a:avLst>
+              <a:gd name="adj" fmla="val 13068"/>
+            </a:avLst>
+          </a:prstGeom>
+          <a:ln w="12700"/>
+        </p:spPr>
+        <p:style>
+          <a:lnRef idx="2">
+            <a:schemeClr val="dk1"/>
+          </a:lnRef>
+          <a:fillRef idx="1">
+            <a:schemeClr val="lt1"/>
+          </a:fillRef>
+          <a:effectRef idx="0">
+            <a:schemeClr val="dk1"/>
+          </a:effectRef>
+          <a:fontRef idx="minor">
+            <a:schemeClr val="dk1"/>
+          </a:fontRef>
+        </p:style>
+        <p:txBody>
+          <a:bodyPr rtlCol="0" anchor="ctr"/>
+          <a:lstStyle/>
+          <a:p>
+            <a:pPr algn="ctr"/>
+            <a:r>
+              <a:rPr lang="en-US" altLang="ko-KR" sz="1000"/>
+              <a:t>Executor Config </a:t>
+            </a:r>
+          </a:p>
+          <a:p>
+            <a:pPr algn="ctr"/>
+            <a:r>
+              <a:rPr lang="en-US" altLang="ko-KR" sz="1000"/>
+              <a:t>/ ConfigMap</a:t>
+            </a:r>
+            <a:endParaRPr lang="ko-KR" altLang="en-US" sz="1000"/>
+          </a:p>
+        </p:txBody>
+      </p:sp>
+      <p:cxnSp>
+        <p:nvCxnSpPr>
+          <p:cNvPr id="34" name="Elbow Connector 33">
+            <a:extLst>
+              <a:ext uri="{FF2B5EF4-FFF2-40B4-BE49-F238E27FC236}">
+                <a16:creationId xmlns:a16="http://schemas.microsoft.com/office/drawing/2014/main" id="{2142C60F-5D30-2B60-0647-20BC2668E86C}"/>
+              </a:ext>
+            </a:extLst>
+          </p:cNvPr>
+          <p:cNvCxnSpPr>
+            <a:cxnSpLocks/>
+            <a:stCxn id="55" idx="0"/>
+            <a:endCxn id="12" idx="2"/>
+          </p:cNvCxnSpPr>
+          <p:nvPr/>
+        </p:nvCxnSpPr>
+        <p:spPr>
+          <a:xfrm rot="5400000" flipH="1" flipV="1">
+            <a:off x="3809413" y="1194352"/>
+            <a:ext cx="817727" cy="2534714"/>
+          </a:xfrm>
+          <a:prstGeom prst="bentConnector3">
+            <a:avLst>
+              <a:gd name="adj1" fmla="val 86557"/>
+            </a:avLst>
+          </a:prstGeom>
+          <a:ln>
+            <a:solidFill>
+              <a:schemeClr val="tx2"/>
+            </a:solidFill>
+            <a:tailEnd type="triangle"/>
+          </a:ln>
+        </p:spPr>
+        <p:style>
+          <a:lnRef idx="1">
+            <a:schemeClr val="dk1"/>
+          </a:lnRef>
+          <a:fillRef idx="0">
+            <a:schemeClr val="dk1"/>
+          </a:fillRef>
+          <a:effectRef idx="0">
+            <a:schemeClr val="dk1"/>
+          </a:effectRef>
+          <a:fontRef idx="minor">
+            <a:schemeClr val="tx1"/>
+          </a:fontRef>
+        </p:style>
+      </p:cxnSp>
+      <p:sp>
+        <p:nvSpPr>
+          <p:cNvPr id="57" name="TextBox 56">
+            <a:extLst>
+              <a:ext uri="{FF2B5EF4-FFF2-40B4-BE49-F238E27FC236}">
+                <a16:creationId xmlns:a16="http://schemas.microsoft.com/office/drawing/2014/main" id="{0F6E0E0F-363B-C846-8830-821595FBBF52}"/>
+              </a:ext>
+            </a:extLst>
+          </p:cNvPr>
+          <p:cNvSpPr txBox="1"/>
+          <p:nvPr/>
+        </p:nvSpPr>
+        <p:spPr>
+          <a:xfrm>
+            <a:off x="5010238" y="2156751"/>
+            <a:ext cx="964298" cy="369332"/>
+          </a:xfrm>
+          <a:prstGeom prst="rect">
+            <a:avLst/>
+          </a:prstGeom>
+          <a:noFill/>
+        </p:spPr>
+        <p:txBody>
+          <a:bodyPr wrap="square" rtlCol="0">
+            <a:spAutoFit/>
+          </a:bodyPr>
+          <a:lstStyle/>
+          <a:p>
+            <a:pPr algn="ctr"/>
+            <a:r>
+              <a:rPr lang="en-KR" sz="900"/>
+              <a:t>Get </a:t>
+            </a:r>
+            <a:r>
+              <a:rPr lang="en-US" sz="900"/>
+              <a:t>executor’s config</a:t>
+            </a:r>
+            <a:endParaRPr lang="en-KR" sz="900"/>
+          </a:p>
+        </p:txBody>
+      </p:sp>
+      <p:cxnSp>
+        <p:nvCxnSpPr>
+          <p:cNvPr id="66" name="Straight Arrow Connector 65">
+            <a:extLst>
+              <a:ext uri="{FF2B5EF4-FFF2-40B4-BE49-F238E27FC236}">
+                <a16:creationId xmlns:a16="http://schemas.microsoft.com/office/drawing/2014/main" id="{D563DDA0-3E45-04DD-5EE4-893211900E1F}"/>
+              </a:ext>
+            </a:extLst>
+          </p:cNvPr>
+          <p:cNvCxnSpPr>
+            <a:cxnSpLocks/>
+            <a:stCxn id="24" idx="0"/>
+          </p:cNvCxnSpPr>
+          <p:nvPr/>
+        </p:nvCxnSpPr>
+        <p:spPr>
+          <a:xfrm flipH="1" flipV="1">
+            <a:off x="5707096" y="2052845"/>
+            <a:ext cx="468" cy="496562"/>
+          </a:xfrm>
+          <a:prstGeom prst="straightConnector1">
+            <a:avLst/>
+          </a:prstGeom>
+          <a:ln>
+            <a:tailEnd type="triangle"/>
+          </a:ln>
+        </p:spPr>
+        <p:style>
+          <a:lnRef idx="1">
+            <a:schemeClr val="dk1"/>
+          </a:lnRef>
+          <a:fillRef idx="0">
+            <a:schemeClr val="dk1"/>
+          </a:fillRef>
+          <a:effectRef idx="0">
+            <a:schemeClr val="dk1"/>
+          </a:effectRef>
+          <a:fontRef idx="minor">
+            <a:schemeClr val="tx1"/>
+          </a:fontRef>
+        </p:style>
+      </p:cxnSp>
     </p:spTree>
     <p:extLst>
       <p:ext uri="{BB962C8B-B14F-4D97-AF65-F5344CB8AC3E}">
-        <p14:creationId xmlns:p14="http://schemas.microsoft.com/office/powerpoint/2010/main" val="1916018866"/>
+        <p14:creationId xmlns:p14="http://schemas.microsoft.com/office/powerpoint/2010/main" val="2865881758"/>
       </p:ext>
     </p:extLst>
   </p:cSld>
@@ -19898,7 +20742,7 @@
         </p:nvSpPr>
         <p:spPr>
           <a:xfrm>
-            <a:off x="693427" y="2196073"/>
+            <a:off x="693427" y="1926614"/>
             <a:ext cx="1401376" cy="386745"/>
           </a:xfrm>
           <a:prstGeom prst="roundRect">
@@ -20397,7 +21241,7 @@
         </p:blipFill>
         <p:spPr bwMode="auto">
           <a:xfrm>
-            <a:off x="1116351" y="934365"/>
+            <a:off x="1116351" y="815883"/>
             <a:ext cx="558919" cy="558919"/>
           </a:xfrm>
           <a:prstGeom prst="rect">
@@ -20433,8 +21277,8 @@
         </p:nvCxnSpPr>
         <p:spPr>
           <a:xfrm flipH="1">
-            <a:off x="1394115" y="1818489"/>
-            <a:ext cx="2236" cy="377584"/>
+            <a:off x="1394115" y="1700007"/>
+            <a:ext cx="2236" cy="226607"/>
           </a:xfrm>
           <a:prstGeom prst="straightConnector1">
             <a:avLst/>
@@ -20475,7 +21319,7 @@
         </p:nvSpPr>
         <p:spPr>
           <a:xfrm>
-            <a:off x="1180118" y="1394394"/>
+            <a:off x="1180118" y="1275912"/>
             <a:ext cx="444352" cy="246221"/>
           </a:xfrm>
           <a:prstGeom prst="rect">
@@ -20515,8 +21359,8 @@
         </p:nvCxnSpPr>
         <p:spPr>
           <a:xfrm rot="16200000" flipV="1">
-            <a:off x="3348964" y="-459868"/>
-            <a:ext cx="132603" cy="3479990"/>
+            <a:off x="3289723" y="-519109"/>
+            <a:ext cx="251085" cy="3479990"/>
           </a:xfrm>
           <a:prstGeom prst="bentConnector2">
             <a:avLst/>
@@ -20605,7 +21449,7 @@
         </p:nvSpPr>
         <p:spPr>
           <a:xfrm>
-            <a:off x="1288339" y="1602465"/>
+            <a:off x="1288339" y="1483983"/>
             <a:ext cx="216024" cy="216024"/>
           </a:xfrm>
           <a:prstGeom prst="ellipse">
@@ -20667,9 +21511,9 @@
           <p:nvPr/>
         </p:nvCxnSpPr>
         <p:spPr>
-          <a:xfrm>
-            <a:off x="3131840" y="1853179"/>
-            <a:ext cx="0" cy="934589"/>
+          <a:xfrm flipV="1">
+            <a:off x="3203848" y="1854491"/>
+            <a:ext cx="0" cy="933276"/>
           </a:xfrm>
           <a:prstGeom prst="straightConnector1">
             <a:avLst/>
@@ -20712,11 +21556,11 @@
         <p:spPr>
           <a:xfrm flipV="1">
             <a:off x="2212540" y="1600460"/>
-            <a:ext cx="703275" cy="669966"/>
+            <a:ext cx="703275" cy="400507"/>
           </a:xfrm>
           <a:prstGeom prst="bentConnector3">
             <a:avLst>
-              <a:gd name="adj1" fmla="val 48434"/>
+              <a:gd name="adj1" fmla="val 50000"/>
             </a:avLst>
           </a:prstGeom>
           <a:ln>
@@ -20758,12 +21602,12 @@
         </p:nvCxnSpPr>
         <p:spPr>
           <a:xfrm>
-            <a:off x="2208747" y="2518820"/>
-            <a:ext cx="795687" cy="343919"/>
+            <a:off x="2208747" y="2249361"/>
+            <a:ext cx="802452" cy="614212"/>
           </a:xfrm>
           <a:prstGeom prst="bentConnector3">
             <a:avLst>
-              <a:gd name="adj1" fmla="val 44085"/>
+              <a:gd name="adj1" fmla="val 44042"/>
             </a:avLst>
           </a:prstGeom>
           <a:ln>
@@ -21014,8 +21858,8 @@
         </p:nvSpPr>
         <p:spPr>
           <a:xfrm>
-            <a:off x="1418336" y="3060872"/>
-            <a:ext cx="1476738" cy="170267"/>
+            <a:off x="1418336" y="3108726"/>
+            <a:ext cx="1476738" cy="122413"/>
           </a:xfrm>
           <a:custGeom>
             <a:avLst/>
@@ -21469,6 +22313,7640 @@
         </p:nvSpPr>
         <p:spPr>
           <a:xfrm>
+            <a:off x="691748" y="1654011"/>
+            <a:ext cx="800220" cy="230832"/>
+          </a:xfrm>
+          <a:prstGeom prst="rect">
+            <a:avLst/>
+          </a:prstGeom>
+          <a:noFill/>
+        </p:spPr>
+        <p:txBody>
+          <a:bodyPr wrap="none" rtlCol="0">
+            <a:spAutoFit/>
+          </a:bodyPr>
+          <a:lstStyle/>
+          <a:p>
+            <a:pPr algn="ctr"/>
+            <a:r>
+              <a:rPr lang="en-KR" sz="900">
+                <a:solidFill>
+                  <a:schemeClr val="tx2"/>
+                </a:solidFill>
+              </a:rPr>
+              <a:t>Submit job </a:t>
+            </a:r>
+          </a:p>
+        </p:txBody>
+      </p:sp>
+      <p:sp>
+        <p:nvSpPr>
+          <p:cNvPr id="48" name="TextBox 47">
+            <a:extLst>
+              <a:ext uri="{FF2B5EF4-FFF2-40B4-BE49-F238E27FC236}">
+                <a16:creationId xmlns:a16="http://schemas.microsoft.com/office/drawing/2014/main" id="{DB00269C-EEFF-7933-5C68-D6BBEF6A375D}"/>
+              </a:ext>
+            </a:extLst>
+          </p:cNvPr>
+          <p:cNvSpPr txBox="1"/>
+          <p:nvPr/>
+        </p:nvSpPr>
+        <p:spPr>
+          <a:xfrm>
+            <a:off x="1634053" y="1543291"/>
+            <a:ext cx="923651" cy="369332"/>
+          </a:xfrm>
+          <a:prstGeom prst="rect">
+            <a:avLst/>
+          </a:prstGeom>
+          <a:noFill/>
+        </p:spPr>
+        <p:txBody>
+          <a:bodyPr wrap="none" rtlCol="0">
+            <a:spAutoFit/>
+          </a:bodyPr>
+          <a:lstStyle/>
+          <a:p>
+            <a:pPr algn="ctr"/>
+            <a:r>
+              <a:rPr lang="en-KR" sz="900">
+                <a:solidFill>
+                  <a:schemeClr val="tx2"/>
+                </a:solidFill>
+              </a:rPr>
+              <a:t>Create</a:t>
+            </a:r>
+          </a:p>
+          <a:p>
+            <a:pPr algn="ctr"/>
+            <a:r>
+              <a:rPr lang="en-KR" sz="900">
+                <a:solidFill>
+                  <a:schemeClr val="tx2"/>
+                </a:solidFill>
+              </a:rPr>
+              <a:t>driver’s config</a:t>
+            </a:r>
+          </a:p>
+        </p:txBody>
+      </p:sp>
+      <p:sp>
+        <p:nvSpPr>
+          <p:cNvPr id="54" name="TextBox 53">
+            <a:extLst>
+              <a:ext uri="{FF2B5EF4-FFF2-40B4-BE49-F238E27FC236}">
+                <a16:creationId xmlns:a16="http://schemas.microsoft.com/office/drawing/2014/main" id="{6B170AB6-73F4-4C69-D8C0-83158E028410}"/>
+              </a:ext>
+            </a:extLst>
+          </p:cNvPr>
+          <p:cNvSpPr txBox="1"/>
+          <p:nvPr/>
+        </p:nvSpPr>
+        <p:spPr>
+          <a:xfrm>
+            <a:off x="5795494" y="2129459"/>
+            <a:ext cx="1165704" cy="230832"/>
+          </a:xfrm>
+          <a:prstGeom prst="rect">
+            <a:avLst/>
+          </a:prstGeom>
+          <a:noFill/>
+        </p:spPr>
+        <p:txBody>
+          <a:bodyPr wrap="none" rtlCol="0">
+            <a:spAutoFit/>
+          </a:bodyPr>
+          <a:lstStyle/>
+          <a:p>
+            <a:pPr algn="ctr"/>
+            <a:r>
+              <a:rPr lang="en-KR" sz="900">
+                <a:solidFill>
+                  <a:schemeClr val="tx2"/>
+                </a:solidFill>
+              </a:rPr>
+              <a:t>Get driver’s pod IP</a:t>
+            </a:r>
+          </a:p>
+        </p:txBody>
+      </p:sp>
+      <p:sp>
+        <p:nvSpPr>
+          <p:cNvPr id="55" name="Oval 54">
+            <a:extLst>
+              <a:ext uri="{FF2B5EF4-FFF2-40B4-BE49-F238E27FC236}">
+                <a16:creationId xmlns:a16="http://schemas.microsoft.com/office/drawing/2014/main" id="{758D61F7-5310-4C8F-9E53-E68F8B652001}"/>
+              </a:ext>
+            </a:extLst>
+          </p:cNvPr>
+          <p:cNvSpPr/>
+          <p:nvPr/>
+        </p:nvSpPr>
+        <p:spPr>
+          <a:xfrm>
+            <a:off x="3274954" y="2676891"/>
+            <a:ext cx="216024" cy="216024"/>
+          </a:xfrm>
+          <a:prstGeom prst="ellipse">
+            <a:avLst/>
+          </a:prstGeom>
+          <a:solidFill>
+            <a:schemeClr val="bg1"/>
+          </a:solidFill>
+          <a:ln w="19050">
+            <a:solidFill>
+              <a:schemeClr val="tx2"/>
+            </a:solidFill>
+          </a:ln>
+        </p:spPr>
+        <p:style>
+          <a:lnRef idx="2">
+            <a:schemeClr val="accent1">
+              <a:shade val="15000"/>
+            </a:schemeClr>
+          </a:lnRef>
+          <a:fillRef idx="1">
+            <a:schemeClr val="accent1"/>
+          </a:fillRef>
+          <a:effectRef idx="0">
+            <a:schemeClr val="accent1"/>
+          </a:effectRef>
+          <a:fontRef idx="minor">
+            <a:schemeClr val="lt1"/>
+          </a:fontRef>
+        </p:style>
+        <p:txBody>
+          <a:bodyPr rtlCol="0" anchor="ctr"/>
+          <a:lstStyle/>
+          <a:p>
+            <a:pPr algn="ctr"/>
+            <a:r>
+              <a:rPr lang="en-KR" sz="1000">
+                <a:solidFill>
+                  <a:schemeClr val="tx2"/>
+                </a:solidFill>
+              </a:rPr>
+              <a:t>4</a:t>
+            </a:r>
+          </a:p>
+        </p:txBody>
+      </p:sp>
+      <p:sp>
+        <p:nvSpPr>
+          <p:cNvPr id="64" name="Oval 63">
+            <a:extLst>
+              <a:ext uri="{FF2B5EF4-FFF2-40B4-BE49-F238E27FC236}">
+                <a16:creationId xmlns:a16="http://schemas.microsoft.com/office/drawing/2014/main" id="{36EAB17A-4590-7199-B024-DCF7C63672D4}"/>
+              </a:ext>
+            </a:extLst>
+          </p:cNvPr>
+          <p:cNvSpPr/>
+          <p:nvPr/>
+        </p:nvSpPr>
+        <p:spPr>
+          <a:xfrm>
+            <a:off x="1996516" y="1892955"/>
+            <a:ext cx="216024" cy="216024"/>
+          </a:xfrm>
+          <a:prstGeom prst="ellipse">
+            <a:avLst/>
+          </a:prstGeom>
+          <a:solidFill>
+            <a:schemeClr val="bg1"/>
+          </a:solidFill>
+          <a:ln w="19050">
+            <a:solidFill>
+              <a:schemeClr val="tx2"/>
+            </a:solidFill>
+          </a:ln>
+        </p:spPr>
+        <p:style>
+          <a:lnRef idx="2">
+            <a:schemeClr val="accent1">
+              <a:shade val="15000"/>
+            </a:schemeClr>
+          </a:lnRef>
+          <a:fillRef idx="1">
+            <a:schemeClr val="accent1"/>
+          </a:fillRef>
+          <a:effectRef idx="0">
+            <a:schemeClr val="accent1"/>
+          </a:effectRef>
+          <a:fontRef idx="minor">
+            <a:schemeClr val="lt1"/>
+          </a:fontRef>
+        </p:style>
+        <p:txBody>
+          <a:bodyPr rtlCol="0" anchor="ctr"/>
+          <a:lstStyle/>
+          <a:p>
+            <a:pPr algn="ctr"/>
+            <a:r>
+              <a:rPr lang="en-KR" sz="1000">
+                <a:solidFill>
+                  <a:schemeClr val="tx2"/>
+                </a:solidFill>
+              </a:rPr>
+              <a:t>2</a:t>
+            </a:r>
+          </a:p>
+        </p:txBody>
+      </p:sp>
+      <p:sp>
+        <p:nvSpPr>
+          <p:cNvPr id="68" name="Oval 67">
+            <a:extLst>
+              <a:ext uri="{FF2B5EF4-FFF2-40B4-BE49-F238E27FC236}">
+                <a16:creationId xmlns:a16="http://schemas.microsoft.com/office/drawing/2014/main" id="{AF04439C-AAE8-1F91-ECA8-8A107774A4A7}"/>
+              </a:ext>
+            </a:extLst>
+          </p:cNvPr>
+          <p:cNvSpPr/>
+          <p:nvPr/>
+        </p:nvSpPr>
+        <p:spPr>
+          <a:xfrm>
+            <a:off x="1992723" y="2141349"/>
+            <a:ext cx="216024" cy="216024"/>
+          </a:xfrm>
+          <a:prstGeom prst="ellipse">
+            <a:avLst/>
+          </a:prstGeom>
+          <a:solidFill>
+            <a:schemeClr val="bg1"/>
+          </a:solidFill>
+          <a:ln w="19050">
+            <a:solidFill>
+              <a:schemeClr val="tx2"/>
+            </a:solidFill>
+          </a:ln>
+        </p:spPr>
+        <p:style>
+          <a:lnRef idx="2">
+            <a:schemeClr val="accent1">
+              <a:shade val="15000"/>
+            </a:schemeClr>
+          </a:lnRef>
+          <a:fillRef idx="1">
+            <a:schemeClr val="accent1"/>
+          </a:fillRef>
+          <a:effectRef idx="0">
+            <a:schemeClr val="accent1"/>
+          </a:effectRef>
+          <a:fontRef idx="minor">
+            <a:schemeClr val="lt1"/>
+          </a:fontRef>
+        </p:style>
+        <p:txBody>
+          <a:bodyPr rtlCol="0" anchor="ctr"/>
+          <a:lstStyle/>
+          <a:p>
+            <a:pPr algn="ctr"/>
+            <a:r>
+              <a:rPr lang="en-KR" sz="1000">
+                <a:solidFill>
+                  <a:schemeClr val="tx2"/>
+                </a:solidFill>
+              </a:rPr>
+              <a:t>3</a:t>
+            </a:r>
+          </a:p>
+        </p:txBody>
+      </p:sp>
+      <p:sp>
+        <p:nvSpPr>
+          <p:cNvPr id="69" name="TextBox 68">
+            <a:extLst>
+              <a:ext uri="{FF2B5EF4-FFF2-40B4-BE49-F238E27FC236}">
+                <a16:creationId xmlns:a16="http://schemas.microsoft.com/office/drawing/2014/main" id="{D0C48090-B4DB-6B7C-BFA9-9EA3B1083956}"/>
+              </a:ext>
+            </a:extLst>
+          </p:cNvPr>
+          <p:cNvSpPr txBox="1"/>
+          <p:nvPr/>
+        </p:nvSpPr>
+        <p:spPr>
+          <a:xfrm>
+            <a:off x="3372415" y="2012378"/>
+            <a:ext cx="1253869" cy="230832"/>
+          </a:xfrm>
+          <a:prstGeom prst="rect">
+            <a:avLst/>
+          </a:prstGeom>
+          <a:noFill/>
+        </p:spPr>
+        <p:txBody>
+          <a:bodyPr wrap="none" rtlCol="0">
+            <a:spAutoFit/>
+          </a:bodyPr>
+          <a:lstStyle/>
+          <a:p>
+            <a:pPr algn="ctr"/>
+            <a:r>
+              <a:rPr lang="en-KR" sz="900">
+                <a:solidFill>
+                  <a:schemeClr val="tx2"/>
+                </a:solidFill>
+              </a:rPr>
+              <a:t>Create driver service</a:t>
+            </a:r>
+          </a:p>
+        </p:txBody>
+      </p:sp>
+      <p:sp>
+        <p:nvSpPr>
+          <p:cNvPr id="90" name="TextBox 89">
+            <a:extLst>
+              <a:ext uri="{FF2B5EF4-FFF2-40B4-BE49-F238E27FC236}">
+                <a16:creationId xmlns:a16="http://schemas.microsoft.com/office/drawing/2014/main" id="{77E8B1B9-4F38-CCA4-D78D-71260B116C39}"/>
+              </a:ext>
+            </a:extLst>
+          </p:cNvPr>
+          <p:cNvSpPr txBox="1"/>
+          <p:nvPr/>
+        </p:nvSpPr>
+        <p:spPr>
+          <a:xfrm>
+            <a:off x="3623199" y="2275738"/>
+            <a:ext cx="1061509" cy="230832"/>
+          </a:xfrm>
+          <a:prstGeom prst="rect">
+            <a:avLst/>
+          </a:prstGeom>
+          <a:noFill/>
+        </p:spPr>
+        <p:txBody>
+          <a:bodyPr wrap="none" rtlCol="0">
+            <a:spAutoFit/>
+          </a:bodyPr>
+          <a:lstStyle/>
+          <a:p>
+            <a:pPr algn="ctr"/>
+            <a:r>
+              <a:rPr lang="en-KR" sz="900">
+                <a:solidFill>
+                  <a:schemeClr val="tx2"/>
+                </a:solidFill>
+              </a:rPr>
+              <a:t>Create executors</a:t>
+            </a:r>
+          </a:p>
+        </p:txBody>
+      </p:sp>
+      <p:sp>
+        <p:nvSpPr>
+          <p:cNvPr id="100" name="Oval 99">
+            <a:extLst>
+              <a:ext uri="{FF2B5EF4-FFF2-40B4-BE49-F238E27FC236}">
+                <a16:creationId xmlns:a16="http://schemas.microsoft.com/office/drawing/2014/main" id="{ACEB698B-91CC-B150-82F8-9FF2D12831B7}"/>
+              </a:ext>
+            </a:extLst>
+          </p:cNvPr>
+          <p:cNvSpPr/>
+          <p:nvPr/>
+        </p:nvSpPr>
+        <p:spPr>
+          <a:xfrm>
+            <a:off x="3673049" y="2676891"/>
+            <a:ext cx="216024" cy="216024"/>
+          </a:xfrm>
+          <a:prstGeom prst="ellipse">
+            <a:avLst/>
+          </a:prstGeom>
+          <a:solidFill>
+            <a:schemeClr val="bg1"/>
+          </a:solidFill>
+          <a:ln w="19050">
+            <a:solidFill>
+              <a:schemeClr val="tx2"/>
+            </a:solidFill>
+          </a:ln>
+        </p:spPr>
+        <p:style>
+          <a:lnRef idx="2">
+            <a:schemeClr val="accent1">
+              <a:shade val="15000"/>
+            </a:schemeClr>
+          </a:lnRef>
+          <a:fillRef idx="1">
+            <a:schemeClr val="accent1"/>
+          </a:fillRef>
+          <a:effectRef idx="0">
+            <a:schemeClr val="accent1"/>
+          </a:effectRef>
+          <a:fontRef idx="minor">
+            <a:schemeClr val="lt1"/>
+          </a:fontRef>
+        </p:style>
+        <p:txBody>
+          <a:bodyPr rtlCol="0" anchor="ctr"/>
+          <a:lstStyle/>
+          <a:p>
+            <a:pPr algn="ctr"/>
+            <a:r>
+              <a:rPr lang="en-KR" sz="1000">
+                <a:solidFill>
+                  <a:schemeClr val="tx2"/>
+                </a:solidFill>
+              </a:rPr>
+              <a:t>5</a:t>
+            </a:r>
+          </a:p>
+        </p:txBody>
+      </p:sp>
+      <p:sp>
+        <p:nvSpPr>
+          <p:cNvPr id="101" name="Oval 100">
+            <a:extLst>
+              <a:ext uri="{FF2B5EF4-FFF2-40B4-BE49-F238E27FC236}">
+                <a16:creationId xmlns:a16="http://schemas.microsoft.com/office/drawing/2014/main" id="{33D86303-EAC0-3720-B09F-68558C54C56E}"/>
+              </a:ext>
+            </a:extLst>
+          </p:cNvPr>
+          <p:cNvSpPr/>
+          <p:nvPr/>
+        </p:nvSpPr>
+        <p:spPr>
+          <a:xfrm>
+            <a:off x="6875532" y="2239625"/>
+            <a:ext cx="216024" cy="216024"/>
+          </a:xfrm>
+          <a:prstGeom prst="ellipse">
+            <a:avLst/>
+          </a:prstGeom>
+          <a:solidFill>
+            <a:schemeClr val="bg1"/>
+          </a:solidFill>
+          <a:ln w="19050">
+            <a:solidFill>
+              <a:schemeClr val="tx2"/>
+            </a:solidFill>
+          </a:ln>
+        </p:spPr>
+        <p:style>
+          <a:lnRef idx="2">
+            <a:schemeClr val="accent1">
+              <a:shade val="15000"/>
+            </a:schemeClr>
+          </a:lnRef>
+          <a:fillRef idx="1">
+            <a:schemeClr val="accent1"/>
+          </a:fillRef>
+          <a:effectRef idx="0">
+            <a:schemeClr val="accent1"/>
+          </a:effectRef>
+          <a:fontRef idx="minor">
+            <a:schemeClr val="lt1"/>
+          </a:fontRef>
+        </p:style>
+        <p:txBody>
+          <a:bodyPr rtlCol="0" anchor="ctr"/>
+          <a:lstStyle/>
+          <a:p>
+            <a:pPr algn="ctr"/>
+            <a:r>
+              <a:rPr lang="en-KR" sz="1000">
+                <a:solidFill>
+                  <a:schemeClr val="tx2"/>
+                </a:solidFill>
+              </a:rPr>
+              <a:t>6</a:t>
+            </a:r>
+          </a:p>
+        </p:txBody>
+      </p:sp>
+      <p:cxnSp>
+        <p:nvCxnSpPr>
+          <p:cNvPr id="102" name="Straight Arrow Connector 101">
+            <a:extLst>
+              <a:ext uri="{FF2B5EF4-FFF2-40B4-BE49-F238E27FC236}">
+                <a16:creationId xmlns:a16="http://schemas.microsoft.com/office/drawing/2014/main" id="{2363DC0F-71E6-06D1-B6D7-FEDA667304C0}"/>
+              </a:ext>
+            </a:extLst>
+          </p:cNvPr>
+          <p:cNvCxnSpPr>
+            <a:cxnSpLocks/>
+            <a:stCxn id="101" idx="0"/>
+            <a:endCxn id="52" idx="2"/>
+          </p:cNvCxnSpPr>
+          <p:nvPr/>
+        </p:nvCxnSpPr>
+        <p:spPr>
+          <a:xfrm flipV="1">
+            <a:off x="6983544" y="1854491"/>
+            <a:ext cx="0" cy="385134"/>
+          </a:xfrm>
+          <a:prstGeom prst="straightConnector1">
+            <a:avLst/>
+          </a:prstGeom>
+          <a:ln>
+            <a:solidFill>
+              <a:schemeClr val="tx2"/>
+            </a:solidFill>
+            <a:tailEnd type="triangle"/>
+          </a:ln>
+        </p:spPr>
+        <p:style>
+          <a:lnRef idx="1">
+            <a:schemeClr val="dk1"/>
+          </a:lnRef>
+          <a:fillRef idx="0">
+            <a:schemeClr val="dk1"/>
+          </a:fillRef>
+          <a:effectRef idx="0">
+            <a:schemeClr val="dk1"/>
+          </a:effectRef>
+          <a:fontRef idx="minor">
+            <a:schemeClr val="tx1"/>
+          </a:fontRef>
+        </p:style>
+      </p:cxnSp>
+      <p:sp>
+        <p:nvSpPr>
+          <p:cNvPr id="119" name="TextBox 118">
+            <a:extLst>
+              <a:ext uri="{FF2B5EF4-FFF2-40B4-BE49-F238E27FC236}">
+                <a16:creationId xmlns:a16="http://schemas.microsoft.com/office/drawing/2014/main" id="{F297BFAB-A880-228E-DF95-F2B1520E3B58}"/>
+              </a:ext>
+            </a:extLst>
+          </p:cNvPr>
+          <p:cNvSpPr txBox="1"/>
+          <p:nvPr/>
+        </p:nvSpPr>
+        <p:spPr>
+          <a:xfrm>
+            <a:off x="4715100" y="2981139"/>
+            <a:ext cx="768159" cy="369332"/>
+          </a:xfrm>
+          <a:prstGeom prst="rect">
+            <a:avLst/>
+          </a:prstGeom>
+          <a:noFill/>
+        </p:spPr>
+        <p:txBody>
+          <a:bodyPr wrap="none" rtlCol="0">
+            <a:spAutoFit/>
+          </a:bodyPr>
+          <a:lstStyle/>
+          <a:p>
+            <a:pPr algn="ctr"/>
+            <a:r>
+              <a:rPr lang="en-KR" sz="900">
+                <a:solidFill>
+                  <a:schemeClr val="tx2"/>
+                </a:solidFill>
+              </a:rPr>
+              <a:t>Connect to</a:t>
+            </a:r>
+          </a:p>
+          <a:p>
+            <a:pPr algn="ctr"/>
+            <a:r>
+              <a:rPr lang="en-KR" sz="900">
+                <a:solidFill>
+                  <a:schemeClr val="tx2"/>
+                </a:solidFill>
+              </a:rPr>
+              <a:t>driver</a:t>
+            </a:r>
+          </a:p>
+        </p:txBody>
+      </p:sp>
+      <p:sp>
+        <p:nvSpPr>
+          <p:cNvPr id="1029" name="TextBox 1028">
+            <a:extLst>
+              <a:ext uri="{FF2B5EF4-FFF2-40B4-BE49-F238E27FC236}">
+                <a16:creationId xmlns:a16="http://schemas.microsoft.com/office/drawing/2014/main" id="{5CDCB13E-7E28-B93D-D881-E8E76FB08B7B}"/>
+              </a:ext>
+            </a:extLst>
+          </p:cNvPr>
+          <p:cNvSpPr txBox="1"/>
+          <p:nvPr/>
+        </p:nvSpPr>
+        <p:spPr>
+          <a:xfrm>
+            <a:off x="587729" y="2862739"/>
+            <a:ext cx="920445" cy="369332"/>
+          </a:xfrm>
+          <a:prstGeom prst="rect">
+            <a:avLst/>
+          </a:prstGeom>
+          <a:noFill/>
+        </p:spPr>
+        <p:txBody>
+          <a:bodyPr wrap="none" rtlCol="0">
+            <a:spAutoFit/>
+          </a:bodyPr>
+          <a:lstStyle/>
+          <a:p>
+            <a:pPr algn="ctr"/>
+            <a:r>
+              <a:rPr lang="en-KR" sz="900">
+                <a:solidFill>
+                  <a:srgbClr val="C00000"/>
+                </a:solidFill>
+              </a:rPr>
+              <a:t>Write driver’s </a:t>
+            </a:r>
+          </a:p>
+          <a:p>
+            <a:pPr algn="ctr"/>
+            <a:r>
+              <a:rPr lang="en-KR" sz="900">
+                <a:solidFill>
+                  <a:srgbClr val="C00000"/>
+                </a:solidFill>
+              </a:rPr>
+              <a:t>event logs</a:t>
+            </a:r>
+          </a:p>
+        </p:txBody>
+      </p:sp>
+      <p:sp>
+        <p:nvSpPr>
+          <p:cNvPr id="1030" name="Oval 1029">
+            <a:extLst>
+              <a:ext uri="{FF2B5EF4-FFF2-40B4-BE49-F238E27FC236}">
+                <a16:creationId xmlns:a16="http://schemas.microsoft.com/office/drawing/2014/main" id="{D9432618-5149-A391-EA1D-74F144DF5177}"/>
+              </a:ext>
+            </a:extLst>
+          </p:cNvPr>
+          <p:cNvSpPr/>
+          <p:nvPr/>
+        </p:nvSpPr>
+        <p:spPr>
+          <a:xfrm>
+            <a:off x="2895073" y="3375663"/>
+            <a:ext cx="216024" cy="216024"/>
+          </a:xfrm>
+          <a:prstGeom prst="ellipse">
+            <a:avLst/>
+          </a:prstGeom>
+          <a:solidFill>
+            <a:schemeClr val="bg1"/>
+          </a:solidFill>
+          <a:ln w="19050">
+            <a:solidFill>
+              <a:srgbClr val="C00000"/>
+            </a:solidFill>
+          </a:ln>
+        </p:spPr>
+        <p:style>
+          <a:lnRef idx="2">
+            <a:schemeClr val="accent1">
+              <a:shade val="15000"/>
+            </a:schemeClr>
+          </a:lnRef>
+          <a:fillRef idx="1">
+            <a:schemeClr val="accent1"/>
+          </a:fillRef>
+          <a:effectRef idx="0">
+            <a:schemeClr val="accent1"/>
+          </a:effectRef>
+          <a:fontRef idx="minor">
+            <a:schemeClr val="lt1"/>
+          </a:fontRef>
+        </p:style>
+        <p:txBody>
+          <a:bodyPr rtlCol="0" anchor="ctr"/>
+          <a:lstStyle/>
+          <a:p>
+            <a:pPr algn="ctr"/>
+            <a:r>
+              <a:rPr lang="en-KR" sz="1000">
+                <a:solidFill>
+                  <a:srgbClr val="C00000"/>
+                </a:solidFill>
+              </a:rPr>
+              <a:t>2</a:t>
+            </a:r>
+          </a:p>
+        </p:txBody>
+      </p:sp>
+      <p:sp>
+        <p:nvSpPr>
+          <p:cNvPr id="1040" name="TextBox 1039">
+            <a:extLst>
+              <a:ext uri="{FF2B5EF4-FFF2-40B4-BE49-F238E27FC236}">
+                <a16:creationId xmlns:a16="http://schemas.microsoft.com/office/drawing/2014/main" id="{C29BCD48-11B4-D550-9F86-658496870C65}"/>
+              </a:ext>
+            </a:extLst>
+          </p:cNvPr>
+          <p:cNvSpPr txBox="1"/>
+          <p:nvPr/>
+        </p:nvSpPr>
+        <p:spPr>
+          <a:xfrm>
+            <a:off x="2086424" y="3847397"/>
+            <a:ext cx="782587" cy="369332"/>
+          </a:xfrm>
+          <a:prstGeom prst="rect">
+            <a:avLst/>
+          </a:prstGeom>
+          <a:noFill/>
+        </p:spPr>
+        <p:txBody>
+          <a:bodyPr wrap="none" rtlCol="0">
+            <a:spAutoFit/>
+          </a:bodyPr>
+          <a:lstStyle/>
+          <a:p>
+            <a:pPr algn="ctr"/>
+            <a:r>
+              <a:rPr lang="en-KR" sz="900">
+                <a:solidFill>
+                  <a:srgbClr val="C00000"/>
+                </a:solidFill>
+              </a:rPr>
+              <a:t>Get driver’s</a:t>
+            </a:r>
+          </a:p>
+          <a:p>
+            <a:pPr algn="ctr"/>
+            <a:r>
+              <a:rPr lang="en-KR" sz="900">
+                <a:solidFill>
+                  <a:srgbClr val="C00000"/>
+                </a:solidFill>
+              </a:rPr>
+              <a:t>event logs</a:t>
+            </a:r>
+          </a:p>
+        </p:txBody>
+      </p:sp>
+      <p:sp>
+        <p:nvSpPr>
+          <p:cNvPr id="1044" name="Oval 1043">
+            <a:extLst>
+              <a:ext uri="{FF2B5EF4-FFF2-40B4-BE49-F238E27FC236}">
+                <a16:creationId xmlns:a16="http://schemas.microsoft.com/office/drawing/2014/main" id="{6444CC20-BF11-D17A-3709-C7809DCB9AE9}"/>
+              </a:ext>
+            </a:extLst>
+          </p:cNvPr>
+          <p:cNvSpPr/>
+          <p:nvPr/>
+        </p:nvSpPr>
+        <p:spPr>
+          <a:xfrm>
+            <a:off x="3987719" y="3188017"/>
+            <a:ext cx="216024" cy="216024"/>
+          </a:xfrm>
+          <a:prstGeom prst="ellipse">
+            <a:avLst/>
+          </a:prstGeom>
+          <a:solidFill>
+            <a:schemeClr val="bg1"/>
+          </a:solidFill>
+          <a:ln w="19050">
+            <a:solidFill>
+              <a:srgbClr val="C00000"/>
+            </a:solidFill>
+          </a:ln>
+        </p:spPr>
+        <p:style>
+          <a:lnRef idx="2">
+            <a:schemeClr val="accent1">
+              <a:shade val="15000"/>
+            </a:schemeClr>
+          </a:lnRef>
+          <a:fillRef idx="1">
+            <a:schemeClr val="accent1"/>
+          </a:fillRef>
+          <a:effectRef idx="0">
+            <a:schemeClr val="accent1"/>
+          </a:effectRef>
+          <a:fontRef idx="minor">
+            <a:schemeClr val="lt1"/>
+          </a:fontRef>
+        </p:style>
+        <p:txBody>
+          <a:bodyPr rtlCol="0" anchor="ctr"/>
+          <a:lstStyle/>
+          <a:p>
+            <a:pPr algn="ctr"/>
+            <a:r>
+              <a:rPr lang="en-KR" sz="1000">
+                <a:solidFill>
+                  <a:srgbClr val="C00000"/>
+                </a:solidFill>
+              </a:rPr>
+              <a:t>3</a:t>
+            </a:r>
+          </a:p>
+        </p:txBody>
+      </p:sp>
+      <p:sp>
+        <p:nvSpPr>
+          <p:cNvPr id="1048" name="TextBox 1047">
+            <a:extLst>
+              <a:ext uri="{FF2B5EF4-FFF2-40B4-BE49-F238E27FC236}">
+                <a16:creationId xmlns:a16="http://schemas.microsoft.com/office/drawing/2014/main" id="{A284C8B5-8D41-BBDD-7EE4-56D545335FAB}"/>
+              </a:ext>
+            </a:extLst>
+          </p:cNvPr>
+          <p:cNvSpPr txBox="1"/>
+          <p:nvPr/>
+        </p:nvSpPr>
+        <p:spPr>
+          <a:xfrm>
+            <a:off x="5113022" y="1984977"/>
+            <a:ext cx="859531" cy="369332"/>
+          </a:xfrm>
+          <a:prstGeom prst="rect">
+            <a:avLst/>
+          </a:prstGeom>
+          <a:noFill/>
+        </p:spPr>
+        <p:txBody>
+          <a:bodyPr wrap="none" rtlCol="0">
+            <a:spAutoFit/>
+          </a:bodyPr>
+          <a:lstStyle/>
+          <a:p>
+            <a:pPr algn="ctr"/>
+            <a:r>
+              <a:rPr lang="en-KR" sz="900">
+                <a:solidFill>
+                  <a:srgbClr val="C00000"/>
+                </a:solidFill>
+              </a:rPr>
+              <a:t>Send driver’s</a:t>
+            </a:r>
+          </a:p>
+          <a:p>
+            <a:pPr algn="ctr"/>
+            <a:r>
+              <a:rPr lang="en-KR" sz="900">
+                <a:solidFill>
+                  <a:srgbClr val="C00000"/>
+                </a:solidFill>
+              </a:rPr>
+              <a:t>event logs</a:t>
+            </a:r>
+          </a:p>
+        </p:txBody>
+      </p:sp>
+      <p:cxnSp>
+        <p:nvCxnSpPr>
+          <p:cNvPr id="1068" name="Straight Arrow Connector 1067">
+            <a:extLst>
+              <a:ext uri="{FF2B5EF4-FFF2-40B4-BE49-F238E27FC236}">
+                <a16:creationId xmlns:a16="http://schemas.microsoft.com/office/drawing/2014/main" id="{7AA6B91B-0691-FF65-3C8F-9952199C4C78}"/>
+              </a:ext>
+            </a:extLst>
+          </p:cNvPr>
+          <p:cNvCxnSpPr>
+            <a:cxnSpLocks/>
+          </p:cNvCxnSpPr>
+          <p:nvPr/>
+        </p:nvCxnSpPr>
+        <p:spPr>
+          <a:xfrm>
+            <a:off x="652278" y="4614664"/>
+            <a:ext cx="344305" cy="0"/>
+          </a:xfrm>
+          <a:prstGeom prst="straightConnector1">
+            <a:avLst/>
+          </a:prstGeom>
+          <a:ln>
+            <a:solidFill>
+              <a:schemeClr val="tx2"/>
+            </a:solidFill>
+            <a:tailEnd type="triangle"/>
+          </a:ln>
+        </p:spPr>
+        <p:style>
+          <a:lnRef idx="1">
+            <a:schemeClr val="dk1"/>
+          </a:lnRef>
+          <a:fillRef idx="0">
+            <a:schemeClr val="dk1"/>
+          </a:fillRef>
+          <a:effectRef idx="0">
+            <a:schemeClr val="dk1"/>
+          </a:effectRef>
+          <a:fontRef idx="minor">
+            <a:schemeClr val="tx1"/>
+          </a:fontRef>
+        </p:style>
+      </p:cxnSp>
+      <p:sp>
+        <p:nvSpPr>
+          <p:cNvPr id="1072" name="TextBox 1071">
+            <a:extLst>
+              <a:ext uri="{FF2B5EF4-FFF2-40B4-BE49-F238E27FC236}">
+                <a16:creationId xmlns:a16="http://schemas.microsoft.com/office/drawing/2014/main" id="{CC8E8409-67AB-E9D7-DAAA-A3A1BEF4B9CE}"/>
+              </a:ext>
+            </a:extLst>
+          </p:cNvPr>
+          <p:cNvSpPr txBox="1"/>
+          <p:nvPr/>
+        </p:nvSpPr>
+        <p:spPr>
+          <a:xfrm>
+            <a:off x="996583" y="4494633"/>
+            <a:ext cx="899605" cy="230832"/>
+          </a:xfrm>
+          <a:prstGeom prst="rect">
+            <a:avLst/>
+          </a:prstGeom>
+          <a:noFill/>
+        </p:spPr>
+        <p:txBody>
+          <a:bodyPr wrap="none" rtlCol="0">
+            <a:spAutoFit/>
+          </a:bodyPr>
+          <a:lstStyle/>
+          <a:p>
+            <a:r>
+              <a:rPr lang="en-KR" sz="900"/>
+              <a:t>Spark Job Init</a:t>
+            </a:r>
+          </a:p>
+        </p:txBody>
+      </p:sp>
+      <p:cxnSp>
+        <p:nvCxnSpPr>
+          <p:cNvPr id="1073" name="Straight Arrow Connector 1072">
+            <a:extLst>
+              <a:ext uri="{FF2B5EF4-FFF2-40B4-BE49-F238E27FC236}">
+                <a16:creationId xmlns:a16="http://schemas.microsoft.com/office/drawing/2014/main" id="{7A64B2FA-F6A1-EDD7-E876-A81135F1486C}"/>
+              </a:ext>
+            </a:extLst>
+          </p:cNvPr>
+          <p:cNvCxnSpPr>
+            <a:cxnSpLocks/>
+          </p:cNvCxnSpPr>
+          <p:nvPr/>
+        </p:nvCxnSpPr>
+        <p:spPr>
+          <a:xfrm>
+            <a:off x="1896661" y="4614664"/>
+            <a:ext cx="344305" cy="0"/>
+          </a:xfrm>
+          <a:prstGeom prst="straightConnector1">
+            <a:avLst/>
+          </a:prstGeom>
+          <a:ln>
+            <a:solidFill>
+              <a:srgbClr val="C00000"/>
+            </a:solidFill>
+            <a:tailEnd type="triangle"/>
+          </a:ln>
+        </p:spPr>
+        <p:style>
+          <a:lnRef idx="1">
+            <a:schemeClr val="dk1"/>
+          </a:lnRef>
+          <a:fillRef idx="0">
+            <a:schemeClr val="dk1"/>
+          </a:fillRef>
+          <a:effectRef idx="0">
+            <a:schemeClr val="dk1"/>
+          </a:effectRef>
+          <a:fontRef idx="minor">
+            <a:schemeClr val="tx1"/>
+          </a:fontRef>
+        </p:style>
+      </p:cxnSp>
+      <p:sp>
+        <p:nvSpPr>
+          <p:cNvPr id="1074" name="TextBox 1073">
+            <a:extLst>
+              <a:ext uri="{FF2B5EF4-FFF2-40B4-BE49-F238E27FC236}">
+                <a16:creationId xmlns:a16="http://schemas.microsoft.com/office/drawing/2014/main" id="{09E565D8-DFFC-AC88-380C-FF947C8F493C}"/>
+              </a:ext>
+            </a:extLst>
+          </p:cNvPr>
+          <p:cNvSpPr txBox="1"/>
+          <p:nvPr/>
+        </p:nvSpPr>
+        <p:spPr>
+          <a:xfrm>
+            <a:off x="2246728" y="4494633"/>
+            <a:ext cx="1244250" cy="230832"/>
+          </a:xfrm>
+          <a:prstGeom prst="rect">
+            <a:avLst/>
+          </a:prstGeom>
+          <a:noFill/>
+        </p:spPr>
+        <p:txBody>
+          <a:bodyPr wrap="none" rtlCol="0">
+            <a:spAutoFit/>
+          </a:bodyPr>
+          <a:lstStyle/>
+          <a:p>
+            <a:r>
+              <a:rPr lang="en-KR" sz="900"/>
+              <a:t>Spark History Server</a:t>
+            </a:r>
+          </a:p>
+        </p:txBody>
+      </p:sp>
+      <p:sp>
+        <p:nvSpPr>
+          <p:cNvPr id="7" name="TextBox 6">
+            <a:extLst>
+              <a:ext uri="{FF2B5EF4-FFF2-40B4-BE49-F238E27FC236}">
+                <a16:creationId xmlns:a16="http://schemas.microsoft.com/office/drawing/2014/main" id="{8DC4E225-64BF-1FFD-1CAC-F81A1E2382B6}"/>
+              </a:ext>
+            </a:extLst>
+          </p:cNvPr>
+          <p:cNvSpPr txBox="1"/>
+          <p:nvPr/>
+        </p:nvSpPr>
+        <p:spPr>
+          <a:xfrm>
+            <a:off x="2483059" y="2086317"/>
+            <a:ext cx="810021" cy="369332"/>
+          </a:xfrm>
+          <a:prstGeom prst="rect">
+            <a:avLst/>
+          </a:prstGeom>
+          <a:noFill/>
+        </p:spPr>
+        <p:txBody>
+          <a:bodyPr wrap="square" rtlCol="0">
+            <a:spAutoFit/>
+          </a:bodyPr>
+          <a:lstStyle/>
+          <a:p>
+            <a:pPr algn="ctr"/>
+            <a:r>
+              <a:rPr lang="en-KR" sz="900"/>
+              <a:t>Get Driver’s </a:t>
+            </a:r>
+          </a:p>
+          <a:p>
+            <a:pPr algn="ctr"/>
+            <a:r>
+              <a:rPr lang="en-KR" sz="900"/>
+              <a:t>Config</a:t>
+            </a:r>
+          </a:p>
+        </p:txBody>
+      </p:sp>
+      <p:sp>
+        <p:nvSpPr>
+          <p:cNvPr id="21" name="모서리가 둥근 직사각형 2">
+            <a:extLst>
+              <a:ext uri="{FF2B5EF4-FFF2-40B4-BE49-F238E27FC236}">
+                <a16:creationId xmlns:a16="http://schemas.microsoft.com/office/drawing/2014/main" id="{CF24FD5D-733E-3CB8-C56C-9E56320D3936}"/>
+              </a:ext>
+            </a:extLst>
+          </p:cNvPr>
+          <p:cNvSpPr/>
+          <p:nvPr/>
+        </p:nvSpPr>
+        <p:spPr>
+          <a:xfrm>
+            <a:off x="693427" y="2482313"/>
+            <a:ext cx="1401376" cy="386745"/>
+          </a:xfrm>
+          <a:prstGeom prst="roundRect">
+            <a:avLst>
+              <a:gd name="adj" fmla="val 13068"/>
+            </a:avLst>
+          </a:prstGeom>
+          <a:ln w="12700"/>
+        </p:spPr>
+        <p:style>
+          <a:lnRef idx="2">
+            <a:schemeClr val="dk1"/>
+          </a:lnRef>
+          <a:fillRef idx="1">
+            <a:schemeClr val="lt1"/>
+          </a:fillRef>
+          <a:effectRef idx="0">
+            <a:schemeClr val="dk1"/>
+          </a:effectRef>
+          <a:fontRef idx="minor">
+            <a:schemeClr val="dk1"/>
+          </a:fontRef>
+        </p:style>
+        <p:txBody>
+          <a:bodyPr rtlCol="0" anchor="ctr"/>
+          <a:lstStyle/>
+          <a:p>
+            <a:pPr algn="ctr"/>
+            <a:r>
+              <a:rPr lang="en-US" altLang="ko-KR" sz="1000"/>
+              <a:t>Prometheus</a:t>
+            </a:r>
+            <a:endParaRPr lang="ko-KR" altLang="en-US" sz="1000"/>
+          </a:p>
+        </p:txBody>
+      </p:sp>
+      <p:sp>
+        <p:nvSpPr>
+          <p:cNvPr id="49" name="TextBox 48">
+            <a:extLst>
+              <a:ext uri="{FF2B5EF4-FFF2-40B4-BE49-F238E27FC236}">
+                <a16:creationId xmlns:a16="http://schemas.microsoft.com/office/drawing/2014/main" id="{FFFD63B2-5F3F-5A78-1BFB-226BEFD6A9D5}"/>
+              </a:ext>
+            </a:extLst>
+          </p:cNvPr>
+          <p:cNvSpPr txBox="1"/>
+          <p:nvPr/>
+        </p:nvSpPr>
+        <p:spPr>
+          <a:xfrm>
+            <a:off x="1730505" y="2300793"/>
+            <a:ext cx="728084" cy="369332"/>
+          </a:xfrm>
+          <a:prstGeom prst="rect">
+            <a:avLst/>
+          </a:prstGeom>
+          <a:noFill/>
+        </p:spPr>
+        <p:txBody>
+          <a:bodyPr wrap="none" rtlCol="0">
+            <a:spAutoFit/>
+          </a:bodyPr>
+          <a:lstStyle/>
+          <a:p>
+            <a:pPr algn="ctr"/>
+            <a:r>
+              <a:rPr lang="en-KR" sz="900">
+                <a:solidFill>
+                  <a:schemeClr val="tx2"/>
+                </a:solidFill>
+              </a:rPr>
+              <a:t>Create</a:t>
+            </a:r>
+          </a:p>
+          <a:p>
+            <a:pPr algn="ctr"/>
+            <a:r>
+              <a:rPr lang="en-KR" sz="900">
+                <a:solidFill>
+                  <a:schemeClr val="tx2"/>
+                </a:solidFill>
+              </a:rPr>
+              <a:t>driver pod</a:t>
+            </a:r>
+          </a:p>
+        </p:txBody>
+      </p:sp>
+      <p:cxnSp>
+        <p:nvCxnSpPr>
+          <p:cNvPr id="25" name="Elbow Connector 24">
+            <a:extLst>
+              <a:ext uri="{FF2B5EF4-FFF2-40B4-BE49-F238E27FC236}">
+                <a16:creationId xmlns:a16="http://schemas.microsoft.com/office/drawing/2014/main" id="{B867CDDD-5785-AAD4-4A74-FEAD986F8EA2}"/>
+              </a:ext>
+            </a:extLst>
+          </p:cNvPr>
+          <p:cNvCxnSpPr>
+            <a:cxnSpLocks/>
+            <a:stCxn id="21" idx="3"/>
+            <a:endCxn id="11" idx="1"/>
+          </p:cNvCxnSpPr>
+          <p:nvPr/>
+        </p:nvCxnSpPr>
+        <p:spPr>
+          <a:xfrm>
+            <a:off x="2094803" y="2675686"/>
+            <a:ext cx="909632" cy="305455"/>
+          </a:xfrm>
+          <a:prstGeom prst="bentConnector3">
+            <a:avLst>
+              <a:gd name="adj1" fmla="val 42820"/>
+            </a:avLst>
+          </a:prstGeom>
+          <a:ln>
+            <a:solidFill>
+              <a:schemeClr val="tx1"/>
+            </a:solidFill>
+            <a:tailEnd type="triangle"/>
+          </a:ln>
+        </p:spPr>
+        <p:style>
+          <a:lnRef idx="1">
+            <a:schemeClr val="accent1"/>
+          </a:lnRef>
+          <a:fillRef idx="0">
+            <a:schemeClr val="accent1"/>
+          </a:fillRef>
+          <a:effectRef idx="0">
+            <a:schemeClr val="accent1"/>
+          </a:effectRef>
+          <a:fontRef idx="minor">
+            <a:schemeClr val="tx1"/>
+          </a:fontRef>
+        </p:style>
+      </p:cxnSp>
+      <p:sp>
+        <p:nvSpPr>
+          <p:cNvPr id="33" name="TextBox 32">
+            <a:extLst>
+              <a:ext uri="{FF2B5EF4-FFF2-40B4-BE49-F238E27FC236}">
+                <a16:creationId xmlns:a16="http://schemas.microsoft.com/office/drawing/2014/main" id="{36645CF3-BD10-86F3-79AC-097973818375}"/>
+              </a:ext>
+            </a:extLst>
+          </p:cNvPr>
+          <p:cNvSpPr txBox="1"/>
+          <p:nvPr/>
+        </p:nvSpPr>
+        <p:spPr>
+          <a:xfrm>
+            <a:off x="1742725" y="2820419"/>
+            <a:ext cx="733997" cy="230832"/>
+          </a:xfrm>
+          <a:prstGeom prst="rect">
+            <a:avLst/>
+          </a:prstGeom>
+          <a:noFill/>
+        </p:spPr>
+        <p:txBody>
+          <a:bodyPr wrap="square" rtlCol="0">
+            <a:spAutoFit/>
+          </a:bodyPr>
+          <a:lstStyle/>
+          <a:p>
+            <a:pPr algn="ctr"/>
+            <a:r>
+              <a:rPr lang="en-KR" sz="900"/>
+              <a:t>Get Metric</a:t>
+            </a:r>
+          </a:p>
+        </p:txBody>
+      </p:sp>
+      <p:sp>
+        <p:nvSpPr>
+          <p:cNvPr id="122" name="Oval 121">
+            <a:extLst>
+              <a:ext uri="{FF2B5EF4-FFF2-40B4-BE49-F238E27FC236}">
+                <a16:creationId xmlns:a16="http://schemas.microsoft.com/office/drawing/2014/main" id="{C9AAA6F1-1E38-9F94-76F7-A033B7448B42}"/>
+              </a:ext>
+            </a:extLst>
+          </p:cNvPr>
+          <p:cNvSpPr/>
+          <p:nvPr/>
+        </p:nvSpPr>
+        <p:spPr>
+          <a:xfrm>
+            <a:off x="2895073" y="3000714"/>
+            <a:ext cx="216024" cy="216024"/>
+          </a:xfrm>
+          <a:prstGeom prst="ellipse">
+            <a:avLst/>
+          </a:prstGeom>
+          <a:solidFill>
+            <a:schemeClr val="bg1"/>
+          </a:solidFill>
+          <a:ln w="19050">
+            <a:solidFill>
+              <a:srgbClr val="C00000"/>
+            </a:solidFill>
+          </a:ln>
+        </p:spPr>
+        <p:style>
+          <a:lnRef idx="2">
+            <a:schemeClr val="accent1">
+              <a:shade val="15000"/>
+            </a:schemeClr>
+          </a:lnRef>
+          <a:fillRef idx="1">
+            <a:schemeClr val="accent1"/>
+          </a:fillRef>
+          <a:effectRef idx="0">
+            <a:schemeClr val="accent1"/>
+          </a:effectRef>
+          <a:fontRef idx="minor">
+            <a:schemeClr val="lt1"/>
+          </a:fontRef>
+        </p:style>
+        <p:txBody>
+          <a:bodyPr rtlCol="0" anchor="ctr"/>
+          <a:lstStyle/>
+          <a:p>
+            <a:pPr algn="ctr"/>
+            <a:r>
+              <a:rPr lang="en-KR" sz="1000">
+                <a:solidFill>
+                  <a:srgbClr val="C00000"/>
+                </a:solidFill>
+              </a:rPr>
+              <a:t>1</a:t>
+            </a:r>
+          </a:p>
+        </p:txBody>
+      </p:sp>
+      <p:sp>
+        <p:nvSpPr>
+          <p:cNvPr id="6" name="모서리가 둥근 직사각형 2">
+            <a:extLst>
+              <a:ext uri="{FF2B5EF4-FFF2-40B4-BE49-F238E27FC236}">
+                <a16:creationId xmlns:a16="http://schemas.microsoft.com/office/drawing/2014/main" id="{789698CC-38A5-3E67-DC20-83590CD5D2B4}"/>
+              </a:ext>
+            </a:extLst>
+          </p:cNvPr>
+          <p:cNvSpPr/>
+          <p:nvPr/>
+        </p:nvSpPr>
+        <p:spPr>
+          <a:xfrm>
+            <a:off x="7795204" y="1346428"/>
+            <a:ext cx="1096289" cy="508063"/>
+          </a:xfrm>
+          <a:prstGeom prst="roundRect">
+            <a:avLst>
+              <a:gd name="adj" fmla="val 13068"/>
+            </a:avLst>
+          </a:prstGeom>
+          <a:ln w="12700"/>
+        </p:spPr>
+        <p:style>
+          <a:lnRef idx="2">
+            <a:schemeClr val="dk1"/>
+          </a:lnRef>
+          <a:fillRef idx="1">
+            <a:schemeClr val="lt1"/>
+          </a:fillRef>
+          <a:effectRef idx="0">
+            <a:schemeClr val="dk1"/>
+          </a:effectRef>
+          <a:fontRef idx="minor">
+            <a:schemeClr val="dk1"/>
+          </a:fontRef>
+        </p:style>
+        <p:txBody>
+          <a:bodyPr rtlCol="0" anchor="ctr"/>
+          <a:lstStyle/>
+          <a:p>
+            <a:pPr algn="ctr"/>
+            <a:r>
+              <a:rPr lang="en-US" altLang="ko-KR" sz="1000"/>
+              <a:t>Executor Config </a:t>
+            </a:r>
+          </a:p>
+          <a:p>
+            <a:pPr algn="ctr"/>
+            <a:r>
+              <a:rPr lang="en-US" altLang="ko-KR" sz="1000"/>
+              <a:t>/ ConfigMap</a:t>
+            </a:r>
+            <a:endParaRPr lang="ko-KR" altLang="en-US" sz="1000"/>
+          </a:p>
+        </p:txBody>
+      </p:sp>
+    </p:spTree>
+    <p:extLst>
+      <p:ext uri="{BB962C8B-B14F-4D97-AF65-F5344CB8AC3E}">
+        <p14:creationId xmlns:p14="http://schemas.microsoft.com/office/powerpoint/2010/main" val="2273627738"/>
+      </p:ext>
+    </p:extLst>
+  </p:cSld>
+  <p:clrMapOvr>
+    <a:masterClrMapping/>
+  </p:clrMapOvr>
+</p:sld>
+</file>
+
+<file path=ppt/slides/slide7.xml><?xml version="1.0" encoding="utf-8"?>
+<p:sld xmlns:a="http://schemas.openxmlformats.org/drawingml/2006/main" xmlns:r="http://schemas.openxmlformats.org/officeDocument/2006/relationships" xmlns:p="http://schemas.openxmlformats.org/presentationml/2006/main">
+  <p:cSld>
+    <p:spTree>
+      <p:nvGrpSpPr>
+        <p:cNvPr id="1" name=""/>
+        <p:cNvGrpSpPr/>
+        <p:nvPr/>
+      </p:nvGrpSpPr>
+      <p:grpSpPr>
+        <a:xfrm>
+          <a:off x="0" y="0"/>
+          <a:ext cx="0" cy="0"/>
+          <a:chOff x="0" y="0"/>
+          <a:chExt cx="0" cy="0"/>
+        </a:xfrm>
+      </p:grpSpPr>
+      <p:sp>
+        <p:nvSpPr>
+          <p:cNvPr id="2" name="제목 1">
+            <a:extLst>
+              <a:ext uri="{FF2B5EF4-FFF2-40B4-BE49-F238E27FC236}">
+                <a16:creationId xmlns:a16="http://schemas.microsoft.com/office/drawing/2014/main" id="{42D92FD6-97D5-22EF-2A04-0BC282BD0B3C}"/>
+              </a:ext>
+            </a:extLst>
+          </p:cNvPr>
+          <p:cNvSpPr txBox="1">
+            <a:spLocks/>
+          </p:cNvSpPr>
+          <p:nvPr/>
+        </p:nvSpPr>
+        <p:spPr>
+          <a:xfrm>
+            <a:off x="565354" y="-92546"/>
+            <a:ext cx="8229600" cy="857250"/>
+          </a:xfrm>
+          <a:prstGeom prst="rect">
+            <a:avLst/>
+          </a:prstGeom>
+        </p:spPr>
+        <p:txBody>
+          <a:bodyPr>
+            <a:normAutofit/>
+          </a:bodyPr>
+          <a:lstStyle>
+            <a:lvl1pPr algn="ctr" defTabSz="914400" rtl="0" eaLnBrk="1" latinLnBrk="1" hangingPunct="1">
+              <a:spcBef>
+                <a:spcPct val="0"/>
+              </a:spcBef>
+              <a:buNone/>
+              <a:defRPr sz="4400" kern="1200">
+                <a:solidFill>
+                  <a:schemeClr val="tx1"/>
+                </a:solidFill>
+                <a:latin typeface="+mj-lt"/>
+                <a:ea typeface="+mj-ea"/>
+                <a:cs typeface="+mj-cs"/>
+              </a:defRPr>
+            </a:lvl1pPr>
+          </a:lstStyle>
+          <a:p>
+            <a:r>
+              <a:rPr lang="en-US" altLang="ko-KR" sz="3600"/>
+              <a:t>spark-operator Architecture </a:t>
+            </a:r>
+            <a:endParaRPr lang="ko-KR" altLang="en-US" sz="3600"/>
+          </a:p>
+        </p:txBody>
+      </p:sp>
+      <p:sp>
+        <p:nvSpPr>
+          <p:cNvPr id="4" name="Rounded Rectangle 3">
+            <a:extLst>
+              <a:ext uri="{FF2B5EF4-FFF2-40B4-BE49-F238E27FC236}">
+                <a16:creationId xmlns:a16="http://schemas.microsoft.com/office/drawing/2014/main" id="{032F9A66-C9C5-8E1B-D886-62625B7ED27A}"/>
+              </a:ext>
+            </a:extLst>
+          </p:cNvPr>
+          <p:cNvSpPr/>
+          <p:nvPr/>
+        </p:nvSpPr>
+        <p:spPr>
+          <a:xfrm>
+            <a:off x="2411760" y="764704"/>
+            <a:ext cx="6579383" cy="3872931"/>
+          </a:xfrm>
+          <a:prstGeom prst="roundRect">
+            <a:avLst>
+              <a:gd name="adj" fmla="val 1789"/>
+            </a:avLst>
+          </a:prstGeom>
+          <a:noFill/>
+          <a:ln w="12700">
+            <a:solidFill>
+              <a:schemeClr val="tx1"/>
+            </a:solidFill>
+            <a:prstDash val="dash"/>
+          </a:ln>
+        </p:spPr>
+        <p:style>
+          <a:lnRef idx="2">
+            <a:schemeClr val="accent1">
+              <a:shade val="50000"/>
+            </a:schemeClr>
+          </a:lnRef>
+          <a:fillRef idx="1">
+            <a:schemeClr val="accent1"/>
+          </a:fillRef>
+          <a:effectRef idx="0">
+            <a:schemeClr val="accent1"/>
+          </a:effectRef>
+          <a:fontRef idx="minor">
+            <a:schemeClr val="lt1"/>
+          </a:fontRef>
+        </p:style>
+        <p:txBody>
+          <a:bodyPr rtlCol="0" anchor="b"/>
+          <a:lstStyle/>
+          <a:p>
+            <a:pPr algn="ctr"/>
+            <a:r>
+              <a:rPr lang="en-KR" sz="1100" b="1">
+                <a:solidFill>
+                  <a:sysClr val="windowText" lastClr="000000"/>
+                </a:solidFill>
+              </a:rPr>
+              <a:t>Kubernetes Cluster</a:t>
+            </a:r>
+          </a:p>
+        </p:txBody>
+      </p:sp>
+      <p:sp>
+        <p:nvSpPr>
+          <p:cNvPr id="6" name="모서리가 둥근 직사각형 2">
+            <a:extLst>
+              <a:ext uri="{FF2B5EF4-FFF2-40B4-BE49-F238E27FC236}">
+                <a16:creationId xmlns:a16="http://schemas.microsoft.com/office/drawing/2014/main" id="{B13F75DA-C81E-1A63-0FF9-6B317B7BB70A}"/>
+              </a:ext>
+            </a:extLst>
+          </p:cNvPr>
+          <p:cNvSpPr/>
+          <p:nvPr/>
+        </p:nvSpPr>
+        <p:spPr>
+          <a:xfrm>
+            <a:off x="2483768" y="2837433"/>
+            <a:ext cx="1368152" cy="1440154"/>
+          </a:xfrm>
+          <a:prstGeom prst="roundRect">
+            <a:avLst>
+              <a:gd name="adj" fmla="val 7293"/>
+            </a:avLst>
+          </a:prstGeom>
+          <a:ln w="12700"/>
+        </p:spPr>
+        <p:style>
+          <a:lnRef idx="2">
+            <a:schemeClr val="dk1"/>
+          </a:lnRef>
+          <a:fillRef idx="1">
+            <a:schemeClr val="lt1"/>
+          </a:fillRef>
+          <a:effectRef idx="0">
+            <a:schemeClr val="dk1"/>
+          </a:effectRef>
+          <a:fontRef idx="minor">
+            <a:schemeClr val="dk1"/>
+          </a:fontRef>
+        </p:style>
+        <p:txBody>
+          <a:bodyPr rtlCol="0" anchor="b"/>
+          <a:lstStyle/>
+          <a:p>
+            <a:pPr algn="ctr"/>
+            <a:r>
+              <a:rPr lang="en-US" altLang="ko-KR" sz="1100"/>
+              <a:t>Worker Node A</a:t>
+            </a:r>
+            <a:endParaRPr lang="ko-KR" altLang="en-US" sz="1100"/>
+          </a:p>
+        </p:txBody>
+      </p:sp>
+      <p:sp>
+        <p:nvSpPr>
+          <p:cNvPr id="7" name="모서리가 둥근 직사각형 2">
+            <a:extLst>
+              <a:ext uri="{FF2B5EF4-FFF2-40B4-BE49-F238E27FC236}">
+                <a16:creationId xmlns:a16="http://schemas.microsoft.com/office/drawing/2014/main" id="{FDCF06AD-CF54-6BAE-8B86-089E73048F9E}"/>
+              </a:ext>
+            </a:extLst>
+          </p:cNvPr>
+          <p:cNvSpPr/>
+          <p:nvPr/>
+        </p:nvSpPr>
+        <p:spPr>
+          <a:xfrm>
+            <a:off x="4175513" y="2837433"/>
+            <a:ext cx="1368152" cy="1440154"/>
+          </a:xfrm>
+          <a:prstGeom prst="roundRect">
+            <a:avLst>
+              <a:gd name="adj" fmla="val 7293"/>
+            </a:avLst>
+          </a:prstGeom>
+          <a:ln w="12700"/>
+        </p:spPr>
+        <p:style>
+          <a:lnRef idx="2">
+            <a:schemeClr val="dk1"/>
+          </a:lnRef>
+          <a:fillRef idx="1">
+            <a:schemeClr val="lt1"/>
+          </a:fillRef>
+          <a:effectRef idx="0">
+            <a:schemeClr val="dk1"/>
+          </a:effectRef>
+          <a:fontRef idx="minor">
+            <a:schemeClr val="dk1"/>
+          </a:fontRef>
+        </p:style>
+        <p:txBody>
+          <a:bodyPr rtlCol="0" anchor="b"/>
+          <a:lstStyle/>
+          <a:p>
+            <a:pPr algn="ctr"/>
+            <a:r>
+              <a:rPr lang="en-US" altLang="ko-KR" sz="1100"/>
+              <a:t>Worker Node B</a:t>
+            </a:r>
+            <a:endParaRPr lang="ko-KR" altLang="en-US" sz="1100"/>
+          </a:p>
+        </p:txBody>
+      </p:sp>
+      <p:sp>
+        <p:nvSpPr>
+          <p:cNvPr id="9" name="모서리가 둥근 직사각형 2">
+            <a:extLst>
+              <a:ext uri="{FF2B5EF4-FFF2-40B4-BE49-F238E27FC236}">
+                <a16:creationId xmlns:a16="http://schemas.microsoft.com/office/drawing/2014/main" id="{A736CA6D-20C2-AC90-2206-C2246A0CE419}"/>
+              </a:ext>
+            </a:extLst>
+          </p:cNvPr>
+          <p:cNvSpPr/>
+          <p:nvPr/>
+        </p:nvSpPr>
+        <p:spPr>
+          <a:xfrm>
+            <a:off x="5867421" y="2837433"/>
+            <a:ext cx="1368152" cy="1440154"/>
+          </a:xfrm>
+          <a:prstGeom prst="roundRect">
+            <a:avLst>
+              <a:gd name="adj" fmla="val 7293"/>
+            </a:avLst>
+          </a:prstGeom>
+          <a:ln w="12700"/>
+        </p:spPr>
+        <p:style>
+          <a:lnRef idx="2">
+            <a:schemeClr val="dk1"/>
+          </a:lnRef>
+          <a:fillRef idx="1">
+            <a:schemeClr val="lt1"/>
+          </a:fillRef>
+          <a:effectRef idx="0">
+            <a:schemeClr val="dk1"/>
+          </a:effectRef>
+          <a:fontRef idx="minor">
+            <a:schemeClr val="dk1"/>
+          </a:fontRef>
+        </p:style>
+        <p:txBody>
+          <a:bodyPr rtlCol="0" anchor="b"/>
+          <a:lstStyle/>
+          <a:p>
+            <a:pPr algn="ctr"/>
+            <a:r>
+              <a:rPr lang="en-US" altLang="ko-KR" sz="1100"/>
+              <a:t>Worker Node C</a:t>
+            </a:r>
+            <a:endParaRPr lang="ko-KR" altLang="en-US" sz="1100"/>
+          </a:p>
+        </p:txBody>
+      </p:sp>
+      <p:sp>
+        <p:nvSpPr>
+          <p:cNvPr id="13" name="모서리가 둥근 직사각형 2">
+            <a:extLst>
+              <a:ext uri="{FF2B5EF4-FFF2-40B4-BE49-F238E27FC236}">
+                <a16:creationId xmlns:a16="http://schemas.microsoft.com/office/drawing/2014/main" id="{95969EE8-F4BA-3A16-8C9B-D34CCD609DF5}"/>
+              </a:ext>
+            </a:extLst>
+          </p:cNvPr>
+          <p:cNvSpPr/>
+          <p:nvPr/>
+        </p:nvSpPr>
+        <p:spPr>
+          <a:xfrm>
+            <a:off x="2572388" y="2981449"/>
+            <a:ext cx="1190912" cy="386745"/>
+          </a:xfrm>
+          <a:prstGeom prst="roundRect">
+            <a:avLst>
+              <a:gd name="adj" fmla="val 13068"/>
+            </a:avLst>
+          </a:prstGeom>
+          <a:ln w="12700"/>
+        </p:spPr>
+        <p:style>
+          <a:lnRef idx="2">
+            <a:schemeClr val="dk1"/>
+          </a:lnRef>
+          <a:fillRef idx="1">
+            <a:schemeClr val="lt1"/>
+          </a:fillRef>
+          <a:effectRef idx="0">
+            <a:schemeClr val="dk1"/>
+          </a:effectRef>
+          <a:fontRef idx="minor">
+            <a:schemeClr val="dk1"/>
+          </a:fontRef>
+        </p:style>
+        <p:txBody>
+          <a:bodyPr rtlCol="0" anchor="ctr"/>
+          <a:lstStyle/>
+          <a:p>
+            <a:pPr algn="ctr"/>
+            <a:r>
+              <a:rPr lang="en-US" altLang="ko-KR" sz="1000"/>
+              <a:t>Driver / Pod</a:t>
+            </a:r>
+            <a:endParaRPr lang="ko-KR" altLang="en-US" sz="1000"/>
+          </a:p>
+        </p:txBody>
+      </p:sp>
+      <p:sp>
+        <p:nvSpPr>
+          <p:cNvPr id="14" name="모서리가 둥근 직사각형 2">
+            <a:extLst>
+              <a:ext uri="{FF2B5EF4-FFF2-40B4-BE49-F238E27FC236}">
+                <a16:creationId xmlns:a16="http://schemas.microsoft.com/office/drawing/2014/main" id="{3406526D-113D-711C-DECD-7E851D996144}"/>
+              </a:ext>
+            </a:extLst>
+          </p:cNvPr>
+          <p:cNvSpPr/>
+          <p:nvPr/>
+        </p:nvSpPr>
+        <p:spPr>
+          <a:xfrm>
+            <a:off x="261380" y="2249083"/>
+            <a:ext cx="1401376" cy="386745"/>
+          </a:xfrm>
+          <a:prstGeom prst="roundRect">
+            <a:avLst>
+              <a:gd name="adj" fmla="val 13068"/>
+            </a:avLst>
+          </a:prstGeom>
+          <a:ln w="12700"/>
+        </p:spPr>
+        <p:style>
+          <a:lnRef idx="2">
+            <a:schemeClr val="dk1"/>
+          </a:lnRef>
+          <a:fillRef idx="1">
+            <a:schemeClr val="lt1"/>
+          </a:fillRef>
+          <a:effectRef idx="0">
+            <a:schemeClr val="dk1"/>
+          </a:effectRef>
+          <a:fontRef idx="minor">
+            <a:schemeClr val="dk1"/>
+          </a:fontRef>
+        </p:style>
+        <p:txBody>
+          <a:bodyPr rtlCol="0" anchor="ctr"/>
+          <a:lstStyle/>
+          <a:p>
+            <a:pPr algn="ctr"/>
+            <a:r>
+              <a:rPr lang="en-US" altLang="ko-KR" sz="1000" b="1">
+                <a:solidFill>
+                  <a:schemeClr val="tx1"/>
+                </a:solidFill>
+              </a:rPr>
+              <a:t>sparkctl CLI</a:t>
+            </a:r>
+            <a:endParaRPr lang="ko-KR" altLang="en-US" sz="1000" b="1">
+              <a:solidFill>
+                <a:schemeClr val="tx1"/>
+              </a:solidFill>
+            </a:endParaRPr>
+          </a:p>
+        </p:txBody>
+      </p:sp>
+      <p:sp>
+        <p:nvSpPr>
+          <p:cNvPr id="15" name="모서리가 둥근 직사각형 2">
+            <a:extLst>
+              <a:ext uri="{FF2B5EF4-FFF2-40B4-BE49-F238E27FC236}">
+                <a16:creationId xmlns:a16="http://schemas.microsoft.com/office/drawing/2014/main" id="{BF44C6D3-6833-2F92-38FA-AC996E5D3242}"/>
+              </a:ext>
+            </a:extLst>
+          </p:cNvPr>
+          <p:cNvSpPr/>
+          <p:nvPr/>
+        </p:nvSpPr>
+        <p:spPr>
+          <a:xfrm>
+            <a:off x="2572388" y="3485505"/>
+            <a:ext cx="1190912" cy="386745"/>
+          </a:xfrm>
+          <a:prstGeom prst="roundRect">
+            <a:avLst>
+              <a:gd name="adj" fmla="val 13068"/>
+            </a:avLst>
+          </a:prstGeom>
+          <a:ln w="12700"/>
+        </p:spPr>
+        <p:style>
+          <a:lnRef idx="2">
+            <a:schemeClr val="dk1"/>
+          </a:lnRef>
+          <a:fillRef idx="1">
+            <a:schemeClr val="lt1"/>
+          </a:fillRef>
+          <a:effectRef idx="0">
+            <a:schemeClr val="dk1"/>
+          </a:effectRef>
+          <a:fontRef idx="minor">
+            <a:schemeClr val="dk1"/>
+          </a:fontRef>
+        </p:style>
+        <p:txBody>
+          <a:bodyPr rtlCol="0" anchor="ctr"/>
+          <a:lstStyle/>
+          <a:p>
+            <a:pPr algn="ctr"/>
+            <a:r>
+              <a:rPr lang="en-US" altLang="ko-KR" sz="1000"/>
+              <a:t>Spark History Server / Pod</a:t>
+            </a:r>
+            <a:endParaRPr lang="ko-KR" altLang="en-US" sz="1000"/>
+          </a:p>
+        </p:txBody>
+      </p:sp>
+      <p:sp>
+        <p:nvSpPr>
+          <p:cNvPr id="16" name="모서리가 둥근 직사각형 2">
+            <a:extLst>
+              <a:ext uri="{FF2B5EF4-FFF2-40B4-BE49-F238E27FC236}">
+                <a16:creationId xmlns:a16="http://schemas.microsoft.com/office/drawing/2014/main" id="{00993319-16EA-4433-7236-565402EBD797}"/>
+              </a:ext>
+            </a:extLst>
+          </p:cNvPr>
+          <p:cNvSpPr/>
+          <p:nvPr/>
+        </p:nvSpPr>
+        <p:spPr>
+          <a:xfrm>
+            <a:off x="4264133" y="3485505"/>
+            <a:ext cx="1190912" cy="386745"/>
+          </a:xfrm>
+          <a:prstGeom prst="roundRect">
+            <a:avLst>
+              <a:gd name="adj" fmla="val 13068"/>
+            </a:avLst>
+          </a:prstGeom>
+          <a:ln w="12700"/>
+        </p:spPr>
+        <p:style>
+          <a:lnRef idx="2">
+            <a:schemeClr val="dk1"/>
+          </a:lnRef>
+          <a:fillRef idx="1">
+            <a:schemeClr val="lt1"/>
+          </a:fillRef>
+          <a:effectRef idx="0">
+            <a:schemeClr val="dk1"/>
+          </a:effectRef>
+          <a:fontRef idx="minor">
+            <a:schemeClr val="dk1"/>
+          </a:fontRef>
+        </p:style>
+        <p:txBody>
+          <a:bodyPr rtlCol="0" anchor="ctr"/>
+          <a:lstStyle/>
+          <a:p>
+            <a:pPr algn="ctr"/>
+            <a:r>
+              <a:rPr lang="en-US" altLang="ko-KR" sz="1000"/>
+              <a:t>Executor / Pod</a:t>
+            </a:r>
+            <a:endParaRPr lang="ko-KR" altLang="en-US" sz="1000"/>
+          </a:p>
+        </p:txBody>
+      </p:sp>
+      <p:sp>
+        <p:nvSpPr>
+          <p:cNvPr id="17" name="모서리가 둥근 직사각형 2">
+            <a:extLst>
+              <a:ext uri="{FF2B5EF4-FFF2-40B4-BE49-F238E27FC236}">
+                <a16:creationId xmlns:a16="http://schemas.microsoft.com/office/drawing/2014/main" id="{9BAC20C6-B2B6-8164-BCB1-BE141EB7F287}"/>
+              </a:ext>
+            </a:extLst>
+          </p:cNvPr>
+          <p:cNvSpPr/>
+          <p:nvPr/>
+        </p:nvSpPr>
+        <p:spPr>
+          <a:xfrm>
+            <a:off x="4264133" y="2981448"/>
+            <a:ext cx="1190912" cy="386745"/>
+          </a:xfrm>
+          <a:prstGeom prst="roundRect">
+            <a:avLst>
+              <a:gd name="adj" fmla="val 13068"/>
+            </a:avLst>
+          </a:prstGeom>
+          <a:ln w="12700"/>
+        </p:spPr>
+        <p:style>
+          <a:lnRef idx="2">
+            <a:schemeClr val="dk1"/>
+          </a:lnRef>
+          <a:fillRef idx="1">
+            <a:schemeClr val="lt1"/>
+          </a:fillRef>
+          <a:effectRef idx="0">
+            <a:schemeClr val="dk1"/>
+          </a:effectRef>
+          <a:fontRef idx="minor">
+            <a:schemeClr val="dk1"/>
+          </a:fontRef>
+        </p:style>
+        <p:txBody>
+          <a:bodyPr rtlCol="0" anchor="ctr"/>
+          <a:lstStyle/>
+          <a:p>
+            <a:pPr algn="ctr"/>
+            <a:r>
+              <a:rPr lang="en-US" altLang="ko-KR" sz="1000"/>
+              <a:t>Executor / Pod</a:t>
+            </a:r>
+            <a:endParaRPr lang="ko-KR" altLang="en-US" sz="1000"/>
+          </a:p>
+        </p:txBody>
+      </p:sp>
+      <p:sp>
+        <p:nvSpPr>
+          <p:cNvPr id="19" name="모서리가 둥근 직사각형 2">
+            <a:extLst>
+              <a:ext uri="{FF2B5EF4-FFF2-40B4-BE49-F238E27FC236}">
+                <a16:creationId xmlns:a16="http://schemas.microsoft.com/office/drawing/2014/main" id="{02183FC5-4CBF-BDDE-4845-576BF882202C}"/>
+              </a:ext>
+            </a:extLst>
+          </p:cNvPr>
+          <p:cNvSpPr/>
+          <p:nvPr/>
+        </p:nvSpPr>
+        <p:spPr>
+          <a:xfrm>
+            <a:off x="5956041" y="2981448"/>
+            <a:ext cx="1190912" cy="386745"/>
+          </a:xfrm>
+          <a:prstGeom prst="roundRect">
+            <a:avLst>
+              <a:gd name="adj" fmla="val 13068"/>
+            </a:avLst>
+          </a:prstGeom>
+          <a:ln w="12700"/>
+        </p:spPr>
+        <p:style>
+          <a:lnRef idx="2">
+            <a:schemeClr val="dk1"/>
+          </a:lnRef>
+          <a:fillRef idx="1">
+            <a:schemeClr val="lt1"/>
+          </a:fillRef>
+          <a:effectRef idx="0">
+            <a:schemeClr val="dk1"/>
+          </a:effectRef>
+          <a:fontRef idx="minor">
+            <a:schemeClr val="dk1"/>
+          </a:fontRef>
+        </p:style>
+        <p:txBody>
+          <a:bodyPr rtlCol="0" anchor="ctr"/>
+          <a:lstStyle/>
+          <a:p>
+            <a:pPr algn="ctr"/>
+            <a:r>
+              <a:rPr lang="en-US" altLang="ko-KR" sz="1000"/>
+              <a:t>Executor / Pod</a:t>
+            </a:r>
+            <a:endParaRPr lang="ko-KR" altLang="en-US" sz="1000"/>
+          </a:p>
+        </p:txBody>
+      </p:sp>
+      <p:sp>
+        <p:nvSpPr>
+          <p:cNvPr id="21" name="모서리가 둥근 직사각형 2">
+            <a:extLst>
+              <a:ext uri="{FF2B5EF4-FFF2-40B4-BE49-F238E27FC236}">
+                <a16:creationId xmlns:a16="http://schemas.microsoft.com/office/drawing/2014/main" id="{9A479CD5-F083-E556-C97D-836A921655BB}"/>
+              </a:ext>
+            </a:extLst>
+          </p:cNvPr>
+          <p:cNvSpPr/>
+          <p:nvPr/>
+        </p:nvSpPr>
+        <p:spPr>
+          <a:xfrm>
+            <a:off x="2483768" y="1540109"/>
+            <a:ext cx="1096289" cy="508063"/>
+          </a:xfrm>
+          <a:prstGeom prst="roundRect">
+            <a:avLst>
+              <a:gd name="adj" fmla="val 13068"/>
+            </a:avLst>
+          </a:prstGeom>
+          <a:ln w="12700"/>
+        </p:spPr>
+        <p:style>
+          <a:lnRef idx="2">
+            <a:schemeClr val="dk1"/>
+          </a:lnRef>
+          <a:fillRef idx="1">
+            <a:schemeClr val="lt1"/>
+          </a:fillRef>
+          <a:effectRef idx="0">
+            <a:schemeClr val="dk1"/>
+          </a:effectRef>
+          <a:fontRef idx="minor">
+            <a:schemeClr val="dk1"/>
+          </a:fontRef>
+        </p:style>
+        <p:txBody>
+          <a:bodyPr rtlCol="0" anchor="ctr"/>
+          <a:lstStyle/>
+          <a:p>
+            <a:pPr algn="ctr"/>
+            <a:r>
+              <a:rPr lang="en-US" altLang="ko-KR" sz="1000"/>
+              <a:t>Driver Config </a:t>
+            </a:r>
+          </a:p>
+          <a:p>
+            <a:pPr algn="ctr"/>
+            <a:r>
+              <a:rPr lang="en-US" altLang="ko-KR" sz="1000"/>
+              <a:t>/ ConfigMap</a:t>
+            </a:r>
+            <a:endParaRPr lang="ko-KR" altLang="en-US" sz="1000"/>
+          </a:p>
+        </p:txBody>
+      </p:sp>
+      <p:sp>
+        <p:nvSpPr>
+          <p:cNvPr id="22" name="모서리가 둥근 직사각형 2">
+            <a:extLst>
+              <a:ext uri="{FF2B5EF4-FFF2-40B4-BE49-F238E27FC236}">
+                <a16:creationId xmlns:a16="http://schemas.microsoft.com/office/drawing/2014/main" id="{A3F54CD6-D683-8624-CACC-EEE7D695357B}"/>
+              </a:ext>
+            </a:extLst>
+          </p:cNvPr>
+          <p:cNvSpPr/>
+          <p:nvPr/>
+        </p:nvSpPr>
+        <p:spPr>
+          <a:xfrm>
+            <a:off x="5867421" y="1540109"/>
+            <a:ext cx="1368152" cy="508063"/>
+          </a:xfrm>
+          <a:prstGeom prst="roundRect">
+            <a:avLst>
+              <a:gd name="adj" fmla="val 13068"/>
+            </a:avLst>
+          </a:prstGeom>
+          <a:ln w="12700"/>
+        </p:spPr>
+        <p:style>
+          <a:lnRef idx="2">
+            <a:schemeClr val="dk1"/>
+          </a:lnRef>
+          <a:fillRef idx="1">
+            <a:schemeClr val="lt1"/>
+          </a:fillRef>
+          <a:effectRef idx="0">
+            <a:schemeClr val="dk1"/>
+          </a:effectRef>
+          <a:fontRef idx="minor">
+            <a:schemeClr val="dk1"/>
+          </a:fontRef>
+        </p:style>
+        <p:txBody>
+          <a:bodyPr rtlCol="0" anchor="ctr"/>
+          <a:lstStyle/>
+          <a:p>
+            <a:pPr algn="ctr"/>
+            <a:r>
+              <a:rPr lang="en-US" altLang="ko-KR" sz="1000"/>
+              <a:t>Driver Service</a:t>
+            </a:r>
+          </a:p>
+          <a:p>
+            <a:pPr algn="ctr"/>
+            <a:r>
+              <a:rPr lang="en-US" altLang="ko-KR" sz="1000"/>
+              <a:t>/ Service (Headless)</a:t>
+            </a:r>
+            <a:endParaRPr lang="ko-KR" altLang="en-US" sz="1000"/>
+          </a:p>
+        </p:txBody>
+      </p:sp>
+      <p:sp>
+        <p:nvSpPr>
+          <p:cNvPr id="23" name="모서리가 둥근 직사각형 2">
+            <a:extLst>
+              <a:ext uri="{FF2B5EF4-FFF2-40B4-BE49-F238E27FC236}">
+                <a16:creationId xmlns:a16="http://schemas.microsoft.com/office/drawing/2014/main" id="{3D2A28DD-EFA2-0DEA-3193-382B09F6AA5C}"/>
+              </a:ext>
+            </a:extLst>
+          </p:cNvPr>
+          <p:cNvSpPr/>
+          <p:nvPr/>
+        </p:nvSpPr>
+        <p:spPr>
+          <a:xfrm>
+            <a:off x="5956041" y="3485504"/>
+            <a:ext cx="1190912" cy="386745"/>
+          </a:xfrm>
+          <a:prstGeom prst="roundRect">
+            <a:avLst>
+              <a:gd name="adj" fmla="val 13068"/>
+            </a:avLst>
+          </a:prstGeom>
+          <a:ln w="12700"/>
+        </p:spPr>
+        <p:style>
+          <a:lnRef idx="2">
+            <a:schemeClr val="dk1"/>
+          </a:lnRef>
+          <a:fillRef idx="1">
+            <a:schemeClr val="lt1"/>
+          </a:fillRef>
+          <a:effectRef idx="0">
+            <a:schemeClr val="dk1"/>
+          </a:effectRef>
+          <a:fontRef idx="minor">
+            <a:schemeClr val="dk1"/>
+          </a:fontRef>
+        </p:style>
+        <p:txBody>
+          <a:bodyPr rtlCol="0" anchor="ctr"/>
+          <a:lstStyle/>
+          <a:p>
+            <a:pPr algn="ctr"/>
+            <a:r>
+              <a:rPr lang="en-US" altLang="ko-KR" sz="1000"/>
+              <a:t>Executor / Pod</a:t>
+            </a:r>
+            <a:endParaRPr lang="ko-KR" altLang="en-US" sz="1000"/>
+          </a:p>
+        </p:txBody>
+      </p:sp>
+      <p:sp>
+        <p:nvSpPr>
+          <p:cNvPr id="24" name="Rounded Rectangle 23">
+            <a:extLst>
+              <a:ext uri="{FF2B5EF4-FFF2-40B4-BE49-F238E27FC236}">
+                <a16:creationId xmlns:a16="http://schemas.microsoft.com/office/drawing/2014/main" id="{3CD5D9FB-F30B-276F-CE17-37BD405E7319}"/>
+              </a:ext>
+            </a:extLst>
+          </p:cNvPr>
+          <p:cNvSpPr/>
+          <p:nvPr/>
+        </p:nvSpPr>
+        <p:spPr>
+          <a:xfrm>
+            <a:off x="4221079" y="2549407"/>
+            <a:ext cx="2972970" cy="1383108"/>
+          </a:xfrm>
+          <a:prstGeom prst="roundRect">
+            <a:avLst>
+              <a:gd name="adj" fmla="val 3462"/>
+            </a:avLst>
+          </a:prstGeom>
+          <a:noFill/>
+          <a:ln w="12700">
+            <a:solidFill>
+              <a:schemeClr val="tx1"/>
+            </a:solidFill>
+            <a:prstDash val="dash"/>
+          </a:ln>
+        </p:spPr>
+        <p:style>
+          <a:lnRef idx="2">
+            <a:schemeClr val="accent1">
+              <a:shade val="50000"/>
+            </a:schemeClr>
+          </a:lnRef>
+          <a:fillRef idx="1">
+            <a:schemeClr val="accent1"/>
+          </a:fillRef>
+          <a:effectRef idx="0">
+            <a:schemeClr val="accent1"/>
+          </a:effectRef>
+          <a:fontRef idx="minor">
+            <a:schemeClr val="lt1"/>
+          </a:fontRef>
+        </p:style>
+        <p:txBody>
+          <a:bodyPr rtlCol="0" anchor="t"/>
+          <a:lstStyle/>
+          <a:p>
+            <a:pPr algn="ctr"/>
+            <a:r>
+              <a:rPr lang="en-KR" sz="1000" b="1">
+                <a:solidFill>
+                  <a:sysClr val="windowText" lastClr="000000"/>
+                </a:solidFill>
+              </a:rPr>
+              <a:t>Executors</a:t>
+            </a:r>
+          </a:p>
+        </p:txBody>
+      </p:sp>
+      <p:pic>
+        <p:nvPicPr>
+          <p:cNvPr id="25" name="Picture 2" descr="사람 - 무료 사회적인개 아이콘">
+            <a:extLst>
+              <a:ext uri="{FF2B5EF4-FFF2-40B4-BE49-F238E27FC236}">
+                <a16:creationId xmlns:a16="http://schemas.microsoft.com/office/drawing/2014/main" id="{B80E734D-1706-9169-12D8-320D352B926A}"/>
+              </a:ext>
+            </a:extLst>
+          </p:cNvPr>
+          <p:cNvPicPr>
+            <a:picLocks noChangeAspect="1" noChangeArrowheads="1"/>
+          </p:cNvPicPr>
+          <p:nvPr/>
+        </p:nvPicPr>
+        <p:blipFill>
+          <a:blip r:embed="rId3">
+            <a:extLst>
+              <a:ext uri="{28A0092B-C50C-407E-A947-70E740481C1C}">
+                <a14:useLocalDpi xmlns:a14="http://schemas.microsoft.com/office/drawing/2010/main" val="0"/>
+              </a:ext>
+            </a:extLst>
+          </a:blip>
+          <a:srcRect/>
+          <a:stretch>
+            <a:fillRect/>
+          </a:stretch>
+        </p:blipFill>
+        <p:spPr bwMode="auto">
+          <a:xfrm>
+            <a:off x="684304" y="1128046"/>
+            <a:ext cx="558919" cy="558919"/>
+          </a:xfrm>
+          <a:prstGeom prst="rect">
+            <a:avLst/>
+          </a:prstGeom>
+          <a:noFill/>
+          <a:extLst>
+            <a:ext uri="{909E8E84-426E-40DD-AFC4-6F175D3DCCD1}">
+              <a14:hiddenFill xmlns:a14="http://schemas.microsoft.com/office/drawing/2010/main">
+                <a:solidFill>
+                  <a:srgbClr val="FFFFFF"/>
+                </a:solidFill>
+              </a14:hiddenFill>
+            </a:ext>
+          </a:extLst>
+        </p:spPr>
+      </p:pic>
+      <p:cxnSp>
+        <p:nvCxnSpPr>
+          <p:cNvPr id="26" name="Straight Arrow Connector 25">
+            <a:extLst>
+              <a:ext uri="{FF2B5EF4-FFF2-40B4-BE49-F238E27FC236}">
+                <a16:creationId xmlns:a16="http://schemas.microsoft.com/office/drawing/2014/main" id="{21F7ABA5-A6A1-0EF8-9BA8-FA9E316684BA}"/>
+              </a:ext>
+            </a:extLst>
+          </p:cNvPr>
+          <p:cNvCxnSpPr>
+            <a:cxnSpLocks/>
+            <a:stCxn id="31" idx="4"/>
+            <a:endCxn id="14" idx="0"/>
+          </p:cNvCxnSpPr>
+          <p:nvPr/>
+        </p:nvCxnSpPr>
+        <p:spPr>
+          <a:xfrm flipH="1">
+            <a:off x="962068" y="2012170"/>
+            <a:ext cx="2236" cy="236913"/>
+          </a:xfrm>
+          <a:prstGeom prst="straightConnector1">
+            <a:avLst/>
+          </a:prstGeom>
+          <a:ln>
+            <a:solidFill>
+              <a:schemeClr val="tx2"/>
+            </a:solidFill>
+            <a:tailEnd type="triangle"/>
+          </a:ln>
+        </p:spPr>
+        <p:style>
+          <a:lnRef idx="1">
+            <a:schemeClr val="dk1"/>
+          </a:lnRef>
+          <a:fillRef idx="0">
+            <a:schemeClr val="dk1"/>
+          </a:fillRef>
+          <a:effectRef idx="0">
+            <a:schemeClr val="dk1"/>
+          </a:effectRef>
+          <a:fontRef idx="minor">
+            <a:schemeClr val="tx1"/>
+          </a:fontRef>
+        </p:style>
+      </p:cxnSp>
+      <p:sp>
+        <p:nvSpPr>
+          <p:cNvPr id="27" name="TextBox 26">
+            <a:extLst>
+              <a:ext uri="{FF2B5EF4-FFF2-40B4-BE49-F238E27FC236}">
+                <a16:creationId xmlns:a16="http://schemas.microsoft.com/office/drawing/2014/main" id="{DB7C5C5A-F426-3672-3614-35859515C1F6}"/>
+              </a:ext>
+            </a:extLst>
+          </p:cNvPr>
+          <p:cNvSpPr txBox="1"/>
+          <p:nvPr/>
+        </p:nvSpPr>
+        <p:spPr>
+          <a:xfrm>
+            <a:off x="748071" y="1588075"/>
+            <a:ext cx="444352" cy="246221"/>
+          </a:xfrm>
+          <a:prstGeom prst="rect">
+            <a:avLst/>
+          </a:prstGeom>
+          <a:noFill/>
+        </p:spPr>
+        <p:txBody>
+          <a:bodyPr wrap="none" rtlCol="0">
+            <a:spAutoFit/>
+          </a:bodyPr>
+          <a:lstStyle/>
+          <a:p>
+            <a:r>
+              <a:rPr lang="en-US" sz="1000"/>
+              <a:t>User</a:t>
+            </a:r>
+            <a:endParaRPr lang="en-KR" sz="1000"/>
+          </a:p>
+        </p:txBody>
+      </p:sp>
+      <p:cxnSp>
+        <p:nvCxnSpPr>
+          <p:cNvPr id="29" name="Elbow Connector 28">
+            <a:extLst>
+              <a:ext uri="{FF2B5EF4-FFF2-40B4-BE49-F238E27FC236}">
+                <a16:creationId xmlns:a16="http://schemas.microsoft.com/office/drawing/2014/main" id="{988F914F-E020-9401-D69E-28A118CF784E}"/>
+              </a:ext>
+            </a:extLst>
+          </p:cNvPr>
+          <p:cNvCxnSpPr>
+            <a:cxnSpLocks/>
+            <a:stCxn id="71" idx="0"/>
+            <a:endCxn id="44" idx="2"/>
+          </p:cNvCxnSpPr>
+          <p:nvPr/>
+        </p:nvCxnSpPr>
+        <p:spPr>
+          <a:xfrm rot="5400000" flipH="1" flipV="1">
+            <a:off x="3473861" y="2103236"/>
+            <a:ext cx="1304415" cy="1194289"/>
+          </a:xfrm>
+          <a:prstGeom prst="bentConnector3">
+            <a:avLst>
+              <a:gd name="adj1" fmla="val 46580"/>
+            </a:avLst>
+          </a:prstGeom>
+          <a:ln>
+            <a:solidFill>
+              <a:srgbClr val="C00000"/>
+            </a:solidFill>
+            <a:tailEnd type="triangle"/>
+          </a:ln>
+        </p:spPr>
+        <p:style>
+          <a:lnRef idx="1">
+            <a:schemeClr val="dk1"/>
+          </a:lnRef>
+          <a:fillRef idx="0">
+            <a:schemeClr val="dk1"/>
+          </a:fillRef>
+          <a:effectRef idx="0">
+            <a:schemeClr val="dk1"/>
+          </a:effectRef>
+          <a:fontRef idx="minor">
+            <a:schemeClr val="tx1"/>
+          </a:fontRef>
+        </p:style>
+      </p:cxnSp>
+      <p:sp>
+        <p:nvSpPr>
+          <p:cNvPr id="31" name="Oval 30">
+            <a:extLst>
+              <a:ext uri="{FF2B5EF4-FFF2-40B4-BE49-F238E27FC236}">
+                <a16:creationId xmlns:a16="http://schemas.microsoft.com/office/drawing/2014/main" id="{29A14831-DE4A-DB56-88F6-981EE4B6888C}"/>
+              </a:ext>
+            </a:extLst>
+          </p:cNvPr>
+          <p:cNvSpPr/>
+          <p:nvPr/>
+        </p:nvSpPr>
+        <p:spPr>
+          <a:xfrm>
+            <a:off x="856292" y="1796146"/>
+            <a:ext cx="216024" cy="216024"/>
+          </a:xfrm>
+          <a:prstGeom prst="ellipse">
+            <a:avLst/>
+          </a:prstGeom>
+          <a:solidFill>
+            <a:schemeClr val="bg1"/>
+          </a:solidFill>
+          <a:ln w="19050">
+            <a:solidFill>
+              <a:schemeClr val="tx2"/>
+            </a:solidFill>
+          </a:ln>
+        </p:spPr>
+        <p:style>
+          <a:lnRef idx="2">
+            <a:schemeClr val="accent1">
+              <a:shade val="15000"/>
+            </a:schemeClr>
+          </a:lnRef>
+          <a:fillRef idx="1">
+            <a:schemeClr val="accent1"/>
+          </a:fillRef>
+          <a:effectRef idx="0">
+            <a:schemeClr val="accent1"/>
+          </a:effectRef>
+          <a:fontRef idx="minor">
+            <a:schemeClr val="lt1"/>
+          </a:fontRef>
+        </p:style>
+        <p:txBody>
+          <a:bodyPr rtlCol="0" anchor="ctr"/>
+          <a:lstStyle/>
+          <a:p>
+            <a:pPr algn="ctr"/>
+            <a:r>
+              <a:rPr lang="en-KR" sz="1000">
+                <a:solidFill>
+                  <a:schemeClr val="tx2"/>
+                </a:solidFill>
+              </a:rPr>
+              <a:t>1</a:t>
+            </a:r>
+          </a:p>
+        </p:txBody>
+      </p:sp>
+      <p:cxnSp>
+        <p:nvCxnSpPr>
+          <p:cNvPr id="33" name="Straight Arrow Connector 32">
+            <a:extLst>
+              <a:ext uri="{FF2B5EF4-FFF2-40B4-BE49-F238E27FC236}">
+                <a16:creationId xmlns:a16="http://schemas.microsoft.com/office/drawing/2014/main" id="{51A07F08-509F-7C0C-EFFE-7545F385859D}"/>
+              </a:ext>
+            </a:extLst>
+          </p:cNvPr>
+          <p:cNvCxnSpPr>
+            <a:cxnSpLocks/>
+          </p:cNvCxnSpPr>
+          <p:nvPr/>
+        </p:nvCxnSpPr>
+        <p:spPr>
+          <a:xfrm flipV="1">
+            <a:off x="2699793" y="2048172"/>
+            <a:ext cx="0" cy="933276"/>
+          </a:xfrm>
+          <a:prstGeom prst="straightConnector1">
+            <a:avLst/>
+          </a:prstGeom>
+          <a:ln>
+            <a:tailEnd type="triangle"/>
+          </a:ln>
+        </p:spPr>
+        <p:style>
+          <a:lnRef idx="1">
+            <a:schemeClr val="dk1"/>
+          </a:lnRef>
+          <a:fillRef idx="0">
+            <a:schemeClr val="dk1"/>
+          </a:fillRef>
+          <a:effectRef idx="0">
+            <a:schemeClr val="dk1"/>
+          </a:effectRef>
+          <a:fontRef idx="minor">
+            <a:schemeClr val="tx1"/>
+          </a:fontRef>
+        </p:style>
+      </p:cxnSp>
+      <p:sp>
+        <p:nvSpPr>
+          <p:cNvPr id="36" name="모서리가 둥근 직사각형 2">
+            <a:extLst>
+              <a:ext uri="{FF2B5EF4-FFF2-40B4-BE49-F238E27FC236}">
+                <a16:creationId xmlns:a16="http://schemas.microsoft.com/office/drawing/2014/main" id="{470F24E7-137F-81D1-A2A1-6935C194AE5A}"/>
+              </a:ext>
+            </a:extLst>
+          </p:cNvPr>
+          <p:cNvSpPr/>
+          <p:nvPr/>
+        </p:nvSpPr>
+        <p:spPr>
+          <a:xfrm>
+            <a:off x="261380" y="3485504"/>
+            <a:ext cx="1401376" cy="386745"/>
+          </a:xfrm>
+          <a:prstGeom prst="roundRect">
+            <a:avLst>
+              <a:gd name="adj" fmla="val 13068"/>
+            </a:avLst>
+          </a:prstGeom>
+          <a:ln w="12700"/>
+        </p:spPr>
+        <p:style>
+          <a:lnRef idx="2">
+            <a:schemeClr val="dk1"/>
+          </a:lnRef>
+          <a:fillRef idx="1">
+            <a:schemeClr val="lt1"/>
+          </a:fillRef>
+          <a:effectRef idx="0">
+            <a:schemeClr val="dk1"/>
+          </a:effectRef>
+          <a:fontRef idx="minor">
+            <a:schemeClr val="dk1"/>
+          </a:fontRef>
+        </p:style>
+        <p:txBody>
+          <a:bodyPr rtlCol="0" anchor="ctr"/>
+          <a:lstStyle/>
+          <a:p>
+            <a:pPr algn="ctr"/>
+            <a:r>
+              <a:rPr lang="en-US" altLang="ko-KR" sz="1000"/>
+              <a:t>HDFS</a:t>
+            </a:r>
+            <a:endParaRPr lang="ko-KR" altLang="en-US" sz="1000"/>
+          </a:p>
+        </p:txBody>
+      </p:sp>
+      <p:sp>
+        <p:nvSpPr>
+          <p:cNvPr id="37" name="모서리가 둥근 직사각형 2">
+            <a:extLst>
+              <a:ext uri="{FF2B5EF4-FFF2-40B4-BE49-F238E27FC236}">
+                <a16:creationId xmlns:a16="http://schemas.microsoft.com/office/drawing/2014/main" id="{0469FAE1-675A-C882-4D4F-4E18FBEE154C}"/>
+              </a:ext>
+            </a:extLst>
+          </p:cNvPr>
+          <p:cNvSpPr/>
+          <p:nvPr/>
+        </p:nvSpPr>
+        <p:spPr>
+          <a:xfrm>
+            <a:off x="261380" y="4008153"/>
+            <a:ext cx="1401376" cy="386745"/>
+          </a:xfrm>
+          <a:prstGeom prst="roundRect">
+            <a:avLst>
+              <a:gd name="adj" fmla="val 13068"/>
+            </a:avLst>
+          </a:prstGeom>
+          <a:ln w="12700"/>
+        </p:spPr>
+        <p:style>
+          <a:lnRef idx="2">
+            <a:schemeClr val="dk1"/>
+          </a:lnRef>
+          <a:fillRef idx="1">
+            <a:schemeClr val="lt1"/>
+          </a:fillRef>
+          <a:effectRef idx="0">
+            <a:schemeClr val="dk1"/>
+          </a:effectRef>
+          <a:fontRef idx="minor">
+            <a:schemeClr val="dk1"/>
+          </a:fontRef>
+        </p:style>
+        <p:txBody>
+          <a:bodyPr rtlCol="0" anchor="ctr"/>
+          <a:lstStyle/>
+          <a:p>
+            <a:pPr algn="ctr"/>
+            <a:r>
+              <a:rPr lang="en-US" altLang="ko-KR" sz="1000"/>
+              <a:t>AWS S3</a:t>
+            </a:r>
+            <a:endParaRPr lang="ko-KR" altLang="en-US" sz="1000"/>
+          </a:p>
+        </p:txBody>
+      </p:sp>
+      <p:cxnSp>
+        <p:nvCxnSpPr>
+          <p:cNvPr id="38" name="Elbow Connector 37">
+            <a:extLst>
+              <a:ext uri="{FF2B5EF4-FFF2-40B4-BE49-F238E27FC236}">
+                <a16:creationId xmlns:a16="http://schemas.microsoft.com/office/drawing/2014/main" id="{5A8E4BB5-F644-CFC3-17B3-BD913C736091}"/>
+              </a:ext>
+            </a:extLst>
+          </p:cNvPr>
+          <p:cNvCxnSpPr>
+            <a:cxnSpLocks/>
+            <a:stCxn id="68" idx="2"/>
+            <a:endCxn id="39" idx="3"/>
+          </p:cNvCxnSpPr>
+          <p:nvPr/>
+        </p:nvCxnSpPr>
+        <p:spPr>
+          <a:xfrm rot="10800000" flipV="1">
+            <a:off x="1706716" y="3677355"/>
+            <a:ext cx="756310" cy="354093"/>
+          </a:xfrm>
+          <a:prstGeom prst="bentConnector3">
+            <a:avLst>
+              <a:gd name="adj1" fmla="val 50000"/>
+            </a:avLst>
+          </a:prstGeom>
+          <a:ln>
+            <a:solidFill>
+              <a:srgbClr val="C00000"/>
+            </a:solidFill>
+            <a:tailEnd type="triangle"/>
+          </a:ln>
+        </p:spPr>
+        <p:style>
+          <a:lnRef idx="1">
+            <a:schemeClr val="dk1"/>
+          </a:lnRef>
+          <a:fillRef idx="0">
+            <a:schemeClr val="dk1"/>
+          </a:fillRef>
+          <a:effectRef idx="0">
+            <a:schemeClr val="dk1"/>
+          </a:effectRef>
+          <a:fontRef idx="minor">
+            <a:schemeClr val="tx1"/>
+          </a:fontRef>
+        </p:style>
+      </p:cxnSp>
+      <p:sp>
+        <p:nvSpPr>
+          <p:cNvPr id="39" name="Rounded Rectangle 38">
+            <a:extLst>
+              <a:ext uri="{FF2B5EF4-FFF2-40B4-BE49-F238E27FC236}">
+                <a16:creationId xmlns:a16="http://schemas.microsoft.com/office/drawing/2014/main" id="{0A4667C6-099E-CF63-5272-608FE00E9B77}"/>
+              </a:ext>
+            </a:extLst>
+          </p:cNvPr>
+          <p:cNvSpPr/>
+          <p:nvPr/>
+        </p:nvSpPr>
+        <p:spPr>
+          <a:xfrm>
+            <a:off x="220231" y="3424820"/>
+            <a:ext cx="1486485" cy="1213258"/>
+          </a:xfrm>
+          <a:prstGeom prst="roundRect">
+            <a:avLst>
+              <a:gd name="adj" fmla="val 3462"/>
+            </a:avLst>
+          </a:prstGeom>
+          <a:noFill/>
+          <a:ln w="12700">
+            <a:solidFill>
+              <a:schemeClr val="tx1"/>
+            </a:solidFill>
+            <a:prstDash val="dash"/>
+          </a:ln>
+        </p:spPr>
+        <p:style>
+          <a:lnRef idx="2">
+            <a:schemeClr val="accent1">
+              <a:shade val="50000"/>
+            </a:schemeClr>
+          </a:lnRef>
+          <a:fillRef idx="1">
+            <a:schemeClr val="accent1"/>
+          </a:fillRef>
+          <a:effectRef idx="0">
+            <a:schemeClr val="accent1"/>
+          </a:effectRef>
+          <a:fontRef idx="minor">
+            <a:schemeClr val="lt1"/>
+          </a:fontRef>
+        </p:style>
+        <p:txBody>
+          <a:bodyPr rtlCol="0" anchor="b"/>
+          <a:lstStyle/>
+          <a:p>
+            <a:pPr algn="ctr"/>
+            <a:r>
+              <a:rPr lang="en-KR" sz="1000" b="1">
+                <a:solidFill>
+                  <a:sysClr val="windowText" lastClr="000000"/>
+                </a:solidFill>
+              </a:rPr>
+              <a:t>Storages </a:t>
+            </a:r>
+          </a:p>
+        </p:txBody>
+      </p:sp>
+      <p:sp>
+        <p:nvSpPr>
+          <p:cNvPr id="40" name="Freeform 39">
+            <a:extLst>
+              <a:ext uri="{FF2B5EF4-FFF2-40B4-BE49-F238E27FC236}">
+                <a16:creationId xmlns:a16="http://schemas.microsoft.com/office/drawing/2014/main" id="{581BDC4E-AFCD-3609-E3E3-A3C3CB9EFD6C}"/>
+              </a:ext>
+            </a:extLst>
+          </p:cNvPr>
+          <p:cNvSpPr/>
+          <p:nvPr/>
+        </p:nvSpPr>
+        <p:spPr>
+          <a:xfrm>
+            <a:off x="986289" y="3310726"/>
+            <a:ext cx="1476738" cy="114094"/>
+          </a:xfrm>
+          <a:custGeom>
+            <a:avLst/>
+            <a:gdLst>
+              <a:gd name="connsiteX0" fmla="*/ 857644 w 857644"/>
+              <a:gd name="connsiteY0" fmla="*/ 0 h 170267"/>
+              <a:gd name="connsiteX1" fmla="*/ 0 w 857644"/>
+              <a:gd name="connsiteY1" fmla="*/ 0 h 170267"/>
+              <a:gd name="connsiteX2" fmla="*/ 0 w 857644"/>
+              <a:gd name="connsiteY2" fmla="*/ 170267 h 170267"/>
+              <a:gd name="connsiteX3" fmla="*/ 0 w 857644"/>
+              <a:gd name="connsiteY3" fmla="*/ 170267 h 170267"/>
+            </a:gdLst>
+            <a:ahLst/>
+            <a:cxnLst>
+              <a:cxn ang="0">
+                <a:pos x="connsiteX0" y="connsiteY0"/>
+              </a:cxn>
+              <a:cxn ang="0">
+                <a:pos x="connsiteX1" y="connsiteY1"/>
+              </a:cxn>
+              <a:cxn ang="0">
+                <a:pos x="connsiteX2" y="connsiteY2"/>
+              </a:cxn>
+              <a:cxn ang="0">
+                <a:pos x="connsiteX3" y="connsiteY3"/>
+              </a:cxn>
+            </a:cxnLst>
+            <a:rect l="l" t="t" r="r" b="b"/>
+            <a:pathLst>
+              <a:path w="857644" h="170267">
+                <a:moveTo>
+                  <a:pt x="857644" y="0"/>
+                </a:moveTo>
+                <a:lnTo>
+                  <a:pt x="0" y="0"/>
+                </a:lnTo>
+                <a:lnTo>
+                  <a:pt x="0" y="170267"/>
+                </a:lnTo>
+                <a:lnTo>
+                  <a:pt x="0" y="170267"/>
+                </a:lnTo>
+              </a:path>
+            </a:pathLst>
+          </a:custGeom>
+          <a:noFill/>
+          <a:ln w="12700">
+            <a:solidFill>
+              <a:srgbClr val="C00000"/>
+            </a:solidFill>
+            <a:headEnd type="none" w="med" len="med"/>
+            <a:tailEnd type="triangle" w="med" len="med"/>
+          </a:ln>
+        </p:spPr>
+        <p:style>
+          <a:lnRef idx="2">
+            <a:schemeClr val="accent1">
+              <a:shade val="15000"/>
+            </a:schemeClr>
+          </a:lnRef>
+          <a:fillRef idx="1">
+            <a:schemeClr val="accent1"/>
+          </a:fillRef>
+          <a:effectRef idx="0">
+            <a:schemeClr val="accent1"/>
+          </a:effectRef>
+          <a:fontRef idx="minor">
+            <a:schemeClr val="lt1"/>
+          </a:fontRef>
+        </p:style>
+        <p:txBody>
+          <a:bodyPr rtlCol="0" anchor="ctr"/>
+          <a:lstStyle/>
+          <a:p>
+            <a:pPr algn="ctr"/>
+            <a:endParaRPr lang="en-KR"/>
+          </a:p>
+        </p:txBody>
+      </p:sp>
+      <p:sp>
+        <p:nvSpPr>
+          <p:cNvPr id="41" name="Freeform 40">
+            <a:extLst>
+              <a:ext uri="{FF2B5EF4-FFF2-40B4-BE49-F238E27FC236}">
+                <a16:creationId xmlns:a16="http://schemas.microsoft.com/office/drawing/2014/main" id="{8211AB21-F7CF-0E7B-D930-E9CEFA178008}"/>
+              </a:ext>
+            </a:extLst>
+          </p:cNvPr>
+          <p:cNvSpPr/>
+          <p:nvPr/>
+        </p:nvSpPr>
+        <p:spPr>
+          <a:xfrm rot="5400000" flipV="1">
+            <a:off x="3675701" y="2325192"/>
+            <a:ext cx="177142" cy="913619"/>
+          </a:xfrm>
+          <a:custGeom>
+            <a:avLst/>
+            <a:gdLst>
+              <a:gd name="connsiteX0" fmla="*/ 857644 w 857644"/>
+              <a:gd name="connsiteY0" fmla="*/ 0 h 170267"/>
+              <a:gd name="connsiteX1" fmla="*/ 0 w 857644"/>
+              <a:gd name="connsiteY1" fmla="*/ 0 h 170267"/>
+              <a:gd name="connsiteX2" fmla="*/ 0 w 857644"/>
+              <a:gd name="connsiteY2" fmla="*/ 170267 h 170267"/>
+              <a:gd name="connsiteX3" fmla="*/ 0 w 857644"/>
+              <a:gd name="connsiteY3" fmla="*/ 170267 h 170267"/>
+            </a:gdLst>
+            <a:ahLst/>
+            <a:cxnLst>
+              <a:cxn ang="0">
+                <a:pos x="connsiteX0" y="connsiteY0"/>
+              </a:cxn>
+              <a:cxn ang="0">
+                <a:pos x="connsiteX1" y="connsiteY1"/>
+              </a:cxn>
+              <a:cxn ang="0">
+                <a:pos x="connsiteX2" y="connsiteY2"/>
+              </a:cxn>
+              <a:cxn ang="0">
+                <a:pos x="connsiteX3" y="connsiteY3"/>
+              </a:cxn>
+            </a:cxnLst>
+            <a:rect l="l" t="t" r="r" b="b"/>
+            <a:pathLst>
+              <a:path w="857644" h="170267">
+                <a:moveTo>
+                  <a:pt x="857644" y="0"/>
+                </a:moveTo>
+                <a:lnTo>
+                  <a:pt x="0" y="0"/>
+                </a:lnTo>
+                <a:lnTo>
+                  <a:pt x="0" y="170267"/>
+                </a:lnTo>
+                <a:lnTo>
+                  <a:pt x="0" y="170267"/>
+                </a:lnTo>
+              </a:path>
+            </a:pathLst>
+          </a:custGeom>
+          <a:noFill/>
+          <a:ln w="12700">
+            <a:solidFill>
+              <a:schemeClr val="tx2"/>
+            </a:solidFill>
+            <a:headEnd type="none" w="med" len="med"/>
+            <a:tailEnd type="triangle" w="med" len="med"/>
+          </a:ln>
+        </p:spPr>
+        <p:style>
+          <a:lnRef idx="2">
+            <a:schemeClr val="accent1">
+              <a:shade val="15000"/>
+            </a:schemeClr>
+          </a:lnRef>
+          <a:fillRef idx="1">
+            <a:schemeClr val="accent1"/>
+          </a:fillRef>
+          <a:effectRef idx="0">
+            <a:schemeClr val="accent1"/>
+          </a:effectRef>
+          <a:fontRef idx="minor">
+            <a:schemeClr val="lt1"/>
+          </a:fontRef>
+        </p:style>
+        <p:txBody>
+          <a:bodyPr rtlCol="0" anchor="ctr"/>
+          <a:lstStyle/>
+          <a:p>
+            <a:pPr algn="ctr"/>
+            <a:endParaRPr lang="en-KR"/>
+          </a:p>
+        </p:txBody>
+      </p:sp>
+      <p:sp>
+        <p:nvSpPr>
+          <p:cNvPr id="42" name="Oval 41">
+            <a:extLst>
+              <a:ext uri="{FF2B5EF4-FFF2-40B4-BE49-F238E27FC236}">
+                <a16:creationId xmlns:a16="http://schemas.microsoft.com/office/drawing/2014/main" id="{E9FA68D6-FC29-8DBE-B8DA-CFA600B028BE}"/>
+              </a:ext>
+            </a:extLst>
+          </p:cNvPr>
+          <p:cNvSpPr/>
+          <p:nvPr/>
+        </p:nvSpPr>
+        <p:spPr>
+          <a:xfrm>
+            <a:off x="4160592" y="3066873"/>
+            <a:ext cx="216024" cy="216024"/>
+          </a:xfrm>
+          <a:prstGeom prst="ellipse">
+            <a:avLst/>
+          </a:prstGeom>
+          <a:solidFill>
+            <a:schemeClr val="bg1"/>
+          </a:solidFill>
+          <a:ln w="19050">
+            <a:solidFill>
+              <a:schemeClr val="tx2"/>
+            </a:solidFill>
+          </a:ln>
+        </p:spPr>
+        <p:style>
+          <a:lnRef idx="2">
+            <a:schemeClr val="accent1">
+              <a:shade val="15000"/>
+            </a:schemeClr>
+          </a:lnRef>
+          <a:fillRef idx="1">
+            <a:schemeClr val="accent1"/>
+          </a:fillRef>
+          <a:effectRef idx="0">
+            <a:schemeClr val="accent1"/>
+          </a:effectRef>
+          <a:fontRef idx="minor">
+            <a:schemeClr val="lt1"/>
+          </a:fontRef>
+        </p:style>
+        <p:txBody>
+          <a:bodyPr rtlCol="0" anchor="ctr"/>
+          <a:lstStyle/>
+          <a:p>
+            <a:pPr algn="ctr"/>
+            <a:r>
+              <a:rPr lang="en-KR" sz="1000">
+                <a:solidFill>
+                  <a:schemeClr val="tx2"/>
+                </a:solidFill>
+              </a:rPr>
+              <a:t>9</a:t>
+            </a:r>
+          </a:p>
+        </p:txBody>
+      </p:sp>
+      <p:cxnSp>
+        <p:nvCxnSpPr>
+          <p:cNvPr id="43" name="Straight Arrow Connector 42">
+            <a:extLst>
+              <a:ext uri="{FF2B5EF4-FFF2-40B4-BE49-F238E27FC236}">
+                <a16:creationId xmlns:a16="http://schemas.microsoft.com/office/drawing/2014/main" id="{1558DDC2-3835-7E94-9FCF-DB4EA217A40E}"/>
+              </a:ext>
+            </a:extLst>
+          </p:cNvPr>
+          <p:cNvCxnSpPr>
+            <a:cxnSpLocks/>
+            <a:stCxn id="42" idx="2"/>
+          </p:cNvCxnSpPr>
+          <p:nvPr/>
+        </p:nvCxnSpPr>
+        <p:spPr>
+          <a:xfrm flipH="1">
+            <a:off x="3763300" y="3174885"/>
+            <a:ext cx="397292" cy="1965"/>
+          </a:xfrm>
+          <a:prstGeom prst="straightConnector1">
+            <a:avLst/>
+          </a:prstGeom>
+          <a:ln>
+            <a:solidFill>
+              <a:schemeClr val="tx2"/>
+            </a:solidFill>
+            <a:tailEnd type="triangle"/>
+          </a:ln>
+        </p:spPr>
+        <p:style>
+          <a:lnRef idx="1">
+            <a:schemeClr val="dk1"/>
+          </a:lnRef>
+          <a:fillRef idx="0">
+            <a:schemeClr val="dk1"/>
+          </a:fillRef>
+          <a:effectRef idx="0">
+            <a:schemeClr val="dk1"/>
+          </a:effectRef>
+          <a:fontRef idx="minor">
+            <a:schemeClr val="tx1"/>
+          </a:fontRef>
+        </p:style>
+      </p:cxnSp>
+      <p:sp>
+        <p:nvSpPr>
+          <p:cNvPr id="44" name="모서리가 둥근 직사각형 2">
+            <a:extLst>
+              <a:ext uri="{FF2B5EF4-FFF2-40B4-BE49-F238E27FC236}">
+                <a16:creationId xmlns:a16="http://schemas.microsoft.com/office/drawing/2014/main" id="{37608E22-B0C3-2411-ED2B-0D929072F31D}"/>
+              </a:ext>
+            </a:extLst>
+          </p:cNvPr>
+          <p:cNvSpPr/>
+          <p:nvPr/>
+        </p:nvSpPr>
+        <p:spPr>
+          <a:xfrm>
+            <a:off x="3905623" y="1540109"/>
+            <a:ext cx="1635179" cy="508063"/>
+          </a:xfrm>
+          <a:prstGeom prst="roundRect">
+            <a:avLst>
+              <a:gd name="adj" fmla="val 13068"/>
+            </a:avLst>
+          </a:prstGeom>
+          <a:ln w="12700"/>
+        </p:spPr>
+        <p:style>
+          <a:lnRef idx="2">
+            <a:schemeClr val="dk1"/>
+          </a:lnRef>
+          <a:fillRef idx="1">
+            <a:schemeClr val="lt1"/>
+          </a:fillRef>
+          <a:effectRef idx="0">
+            <a:schemeClr val="dk1"/>
+          </a:effectRef>
+          <a:fontRef idx="minor">
+            <a:schemeClr val="dk1"/>
+          </a:fontRef>
+        </p:style>
+        <p:txBody>
+          <a:bodyPr rtlCol="0" anchor="ctr"/>
+          <a:lstStyle/>
+          <a:p>
+            <a:pPr algn="ctr"/>
+            <a:r>
+              <a:rPr lang="en-US" altLang="ko-KR" sz="1000"/>
+              <a:t>Spark History Server Web UI</a:t>
+            </a:r>
+          </a:p>
+          <a:p>
+            <a:pPr algn="ctr"/>
+            <a:r>
+              <a:rPr lang="en-US" altLang="ko-KR" sz="1000"/>
+              <a:t>/ Service</a:t>
+            </a:r>
+            <a:endParaRPr lang="ko-KR" altLang="en-US" sz="1050"/>
+          </a:p>
+        </p:txBody>
+      </p:sp>
+      <p:cxnSp>
+        <p:nvCxnSpPr>
+          <p:cNvPr id="45" name="Elbow Connector 44">
+            <a:extLst>
+              <a:ext uri="{FF2B5EF4-FFF2-40B4-BE49-F238E27FC236}">
+                <a16:creationId xmlns:a16="http://schemas.microsoft.com/office/drawing/2014/main" id="{955994B2-13F7-F1E3-EB67-6D9C6183E62B}"/>
+              </a:ext>
+            </a:extLst>
+          </p:cNvPr>
+          <p:cNvCxnSpPr>
+            <a:cxnSpLocks/>
+            <a:stCxn id="55" idx="0"/>
+            <a:endCxn id="46" idx="4"/>
+          </p:cNvCxnSpPr>
+          <p:nvPr/>
+        </p:nvCxnSpPr>
+        <p:spPr>
+          <a:xfrm rot="5400000" flipH="1" flipV="1">
+            <a:off x="4200240" y="798853"/>
+            <a:ext cx="822398" cy="3321040"/>
+          </a:xfrm>
+          <a:prstGeom prst="bentConnector3">
+            <a:avLst>
+              <a:gd name="adj1" fmla="val 80452"/>
+            </a:avLst>
+          </a:prstGeom>
+          <a:ln>
+            <a:solidFill>
+              <a:schemeClr val="tx2"/>
+            </a:solidFill>
+            <a:tailEnd type="triangle"/>
+          </a:ln>
+        </p:spPr>
+        <p:style>
+          <a:lnRef idx="1">
+            <a:schemeClr val="dk1"/>
+          </a:lnRef>
+          <a:fillRef idx="0">
+            <a:schemeClr val="dk1"/>
+          </a:fillRef>
+          <a:effectRef idx="0">
+            <a:schemeClr val="dk1"/>
+          </a:effectRef>
+          <a:fontRef idx="minor">
+            <a:schemeClr val="tx1"/>
+          </a:fontRef>
+        </p:style>
+      </p:cxnSp>
+      <p:sp>
+        <p:nvSpPr>
+          <p:cNvPr id="46" name="Oval 45">
+            <a:extLst>
+              <a:ext uri="{FF2B5EF4-FFF2-40B4-BE49-F238E27FC236}">
+                <a16:creationId xmlns:a16="http://schemas.microsoft.com/office/drawing/2014/main" id="{B6F454C7-EC24-5078-0E43-E6D12DD33C7D}"/>
+              </a:ext>
+            </a:extLst>
+          </p:cNvPr>
+          <p:cNvSpPr/>
+          <p:nvPr/>
+        </p:nvSpPr>
+        <p:spPr>
+          <a:xfrm>
+            <a:off x="6199951" y="1904158"/>
+            <a:ext cx="144016" cy="144016"/>
+          </a:xfrm>
+          <a:prstGeom prst="ellipse">
+            <a:avLst/>
+          </a:prstGeom>
+          <a:noFill/>
+          <a:ln>
+            <a:noFill/>
+          </a:ln>
+        </p:spPr>
+        <p:style>
+          <a:lnRef idx="2">
+            <a:schemeClr val="accent1">
+              <a:shade val="15000"/>
+            </a:schemeClr>
+          </a:lnRef>
+          <a:fillRef idx="1">
+            <a:schemeClr val="accent1"/>
+          </a:fillRef>
+          <a:effectRef idx="0">
+            <a:schemeClr val="accent1"/>
+          </a:effectRef>
+          <a:fontRef idx="minor">
+            <a:schemeClr val="lt1"/>
+          </a:fontRef>
+        </p:style>
+        <p:txBody>
+          <a:bodyPr rtlCol="0" anchor="ctr"/>
+          <a:lstStyle/>
+          <a:p>
+            <a:pPr algn="ctr"/>
+            <a:endParaRPr lang="en-KR"/>
+          </a:p>
+        </p:txBody>
+      </p:sp>
+      <p:sp>
+        <p:nvSpPr>
+          <p:cNvPr id="47" name="TextBox 46">
+            <a:extLst>
+              <a:ext uri="{FF2B5EF4-FFF2-40B4-BE49-F238E27FC236}">
+                <a16:creationId xmlns:a16="http://schemas.microsoft.com/office/drawing/2014/main" id="{4F8DDD97-42E0-3C03-D137-2937F022B3DE}"/>
+              </a:ext>
+            </a:extLst>
+          </p:cNvPr>
+          <p:cNvSpPr txBox="1"/>
+          <p:nvPr/>
+        </p:nvSpPr>
+        <p:spPr>
+          <a:xfrm>
+            <a:off x="259701" y="1993781"/>
+            <a:ext cx="800220" cy="230832"/>
+          </a:xfrm>
+          <a:prstGeom prst="rect">
+            <a:avLst/>
+          </a:prstGeom>
+          <a:noFill/>
+        </p:spPr>
+        <p:txBody>
+          <a:bodyPr wrap="none" rtlCol="0">
+            <a:spAutoFit/>
+          </a:bodyPr>
+          <a:lstStyle/>
+          <a:p>
+            <a:pPr algn="ctr"/>
+            <a:r>
+              <a:rPr lang="en-KR" sz="900">
+                <a:solidFill>
+                  <a:schemeClr val="tx2"/>
+                </a:solidFill>
+              </a:rPr>
+              <a:t>Submit job </a:t>
+            </a:r>
+          </a:p>
+        </p:txBody>
+      </p:sp>
+      <p:sp>
+        <p:nvSpPr>
+          <p:cNvPr id="48" name="TextBox 47">
+            <a:extLst>
+              <a:ext uri="{FF2B5EF4-FFF2-40B4-BE49-F238E27FC236}">
+                <a16:creationId xmlns:a16="http://schemas.microsoft.com/office/drawing/2014/main" id="{D8A5CDB6-4864-FF50-99C7-B51994A288C6}"/>
+              </a:ext>
+            </a:extLst>
+          </p:cNvPr>
+          <p:cNvSpPr txBox="1"/>
+          <p:nvPr/>
+        </p:nvSpPr>
+        <p:spPr>
+          <a:xfrm>
+            <a:off x="7360804" y="2459373"/>
+            <a:ext cx="923651" cy="369332"/>
+          </a:xfrm>
+          <a:prstGeom prst="rect">
+            <a:avLst/>
+          </a:prstGeom>
+          <a:noFill/>
+        </p:spPr>
+        <p:txBody>
+          <a:bodyPr wrap="none" rtlCol="0">
+            <a:spAutoFit/>
+          </a:bodyPr>
+          <a:lstStyle/>
+          <a:p>
+            <a:pPr algn="ctr"/>
+            <a:r>
+              <a:rPr lang="en-KR" sz="900">
+                <a:solidFill>
+                  <a:schemeClr val="tx2"/>
+                </a:solidFill>
+              </a:rPr>
+              <a:t>Create</a:t>
+            </a:r>
+          </a:p>
+          <a:p>
+            <a:pPr algn="ctr"/>
+            <a:r>
+              <a:rPr lang="en-KR" sz="900">
+                <a:solidFill>
+                  <a:schemeClr val="tx2"/>
+                </a:solidFill>
+              </a:rPr>
+              <a:t>driver’s config</a:t>
+            </a:r>
+          </a:p>
+        </p:txBody>
+      </p:sp>
+      <p:sp>
+        <p:nvSpPr>
+          <p:cNvPr id="54" name="TextBox 53">
+            <a:extLst>
+              <a:ext uri="{FF2B5EF4-FFF2-40B4-BE49-F238E27FC236}">
+                <a16:creationId xmlns:a16="http://schemas.microsoft.com/office/drawing/2014/main" id="{8A8DE6AC-6475-7389-AA2D-691D0B6D3091}"/>
+              </a:ext>
+            </a:extLst>
+          </p:cNvPr>
+          <p:cNvSpPr txBox="1"/>
+          <p:nvPr/>
+        </p:nvSpPr>
+        <p:spPr>
+          <a:xfrm>
+            <a:off x="5363447" y="2323140"/>
+            <a:ext cx="1165704" cy="230832"/>
+          </a:xfrm>
+          <a:prstGeom prst="rect">
+            <a:avLst/>
+          </a:prstGeom>
+          <a:noFill/>
+        </p:spPr>
+        <p:txBody>
+          <a:bodyPr wrap="none" rtlCol="0">
+            <a:spAutoFit/>
+          </a:bodyPr>
+          <a:lstStyle/>
+          <a:p>
+            <a:pPr algn="ctr"/>
+            <a:r>
+              <a:rPr lang="en-KR" sz="900">
+                <a:solidFill>
+                  <a:schemeClr val="tx2"/>
+                </a:solidFill>
+              </a:rPr>
+              <a:t>Get driver’s pod IP</a:t>
+            </a:r>
+          </a:p>
+        </p:txBody>
+      </p:sp>
+      <p:sp>
+        <p:nvSpPr>
+          <p:cNvPr id="55" name="Oval 54">
+            <a:extLst>
+              <a:ext uri="{FF2B5EF4-FFF2-40B4-BE49-F238E27FC236}">
+                <a16:creationId xmlns:a16="http://schemas.microsoft.com/office/drawing/2014/main" id="{C3D76488-694A-0D89-84E8-DEF7250ECB93}"/>
+              </a:ext>
+            </a:extLst>
+          </p:cNvPr>
+          <p:cNvSpPr/>
+          <p:nvPr/>
+        </p:nvSpPr>
+        <p:spPr>
+          <a:xfrm>
+            <a:off x="2842907" y="2870572"/>
+            <a:ext cx="216024" cy="216024"/>
+          </a:xfrm>
+          <a:prstGeom prst="ellipse">
+            <a:avLst/>
+          </a:prstGeom>
+          <a:solidFill>
+            <a:schemeClr val="bg1"/>
+          </a:solidFill>
+          <a:ln w="19050">
+            <a:solidFill>
+              <a:schemeClr val="tx2"/>
+            </a:solidFill>
+          </a:ln>
+        </p:spPr>
+        <p:style>
+          <a:lnRef idx="2">
+            <a:schemeClr val="accent1">
+              <a:shade val="15000"/>
+            </a:schemeClr>
+          </a:lnRef>
+          <a:fillRef idx="1">
+            <a:schemeClr val="accent1"/>
+          </a:fillRef>
+          <a:effectRef idx="0">
+            <a:schemeClr val="accent1"/>
+          </a:effectRef>
+          <a:fontRef idx="minor">
+            <a:schemeClr val="lt1"/>
+          </a:fontRef>
+        </p:style>
+        <p:txBody>
+          <a:bodyPr rtlCol="0" anchor="ctr"/>
+          <a:lstStyle/>
+          <a:p>
+            <a:pPr algn="ctr"/>
+            <a:r>
+              <a:rPr lang="en-KR" sz="1000">
+                <a:solidFill>
+                  <a:schemeClr val="tx2"/>
+                </a:solidFill>
+              </a:rPr>
+              <a:t>6</a:t>
+            </a:r>
+          </a:p>
+        </p:txBody>
+      </p:sp>
+      <p:sp>
+        <p:nvSpPr>
+          <p:cNvPr id="58" name="TextBox 57">
+            <a:extLst>
+              <a:ext uri="{FF2B5EF4-FFF2-40B4-BE49-F238E27FC236}">
+                <a16:creationId xmlns:a16="http://schemas.microsoft.com/office/drawing/2014/main" id="{92073557-1629-32D5-DEC0-F06090CB393A}"/>
+              </a:ext>
+            </a:extLst>
+          </p:cNvPr>
+          <p:cNvSpPr txBox="1"/>
+          <p:nvPr/>
+        </p:nvSpPr>
+        <p:spPr>
+          <a:xfrm>
+            <a:off x="2940368" y="2206059"/>
+            <a:ext cx="1253869" cy="230832"/>
+          </a:xfrm>
+          <a:prstGeom prst="rect">
+            <a:avLst/>
+          </a:prstGeom>
+          <a:noFill/>
+        </p:spPr>
+        <p:txBody>
+          <a:bodyPr wrap="none" rtlCol="0">
+            <a:spAutoFit/>
+          </a:bodyPr>
+          <a:lstStyle/>
+          <a:p>
+            <a:pPr algn="ctr"/>
+            <a:r>
+              <a:rPr lang="en-KR" sz="900">
+                <a:solidFill>
+                  <a:schemeClr val="tx2"/>
+                </a:solidFill>
+              </a:rPr>
+              <a:t>Create driver service</a:t>
+            </a:r>
+          </a:p>
+        </p:txBody>
+      </p:sp>
+      <p:sp>
+        <p:nvSpPr>
+          <p:cNvPr id="59" name="TextBox 58">
+            <a:extLst>
+              <a:ext uri="{FF2B5EF4-FFF2-40B4-BE49-F238E27FC236}">
+                <a16:creationId xmlns:a16="http://schemas.microsoft.com/office/drawing/2014/main" id="{FF134564-7142-A9B2-3BB5-9CE90A771B19}"/>
+              </a:ext>
+            </a:extLst>
+          </p:cNvPr>
+          <p:cNvSpPr txBox="1"/>
+          <p:nvPr/>
+        </p:nvSpPr>
+        <p:spPr>
+          <a:xfrm>
+            <a:off x="3191152" y="2469419"/>
+            <a:ext cx="1061509" cy="230832"/>
+          </a:xfrm>
+          <a:prstGeom prst="rect">
+            <a:avLst/>
+          </a:prstGeom>
+          <a:noFill/>
+        </p:spPr>
+        <p:txBody>
+          <a:bodyPr wrap="none" rtlCol="0">
+            <a:spAutoFit/>
+          </a:bodyPr>
+          <a:lstStyle/>
+          <a:p>
+            <a:pPr algn="ctr"/>
+            <a:r>
+              <a:rPr lang="en-KR" sz="900">
+                <a:solidFill>
+                  <a:schemeClr val="tx2"/>
+                </a:solidFill>
+              </a:rPr>
+              <a:t>Create executors</a:t>
+            </a:r>
+          </a:p>
+        </p:txBody>
+      </p:sp>
+      <p:sp>
+        <p:nvSpPr>
+          <p:cNvPr id="60" name="Oval 59">
+            <a:extLst>
+              <a:ext uri="{FF2B5EF4-FFF2-40B4-BE49-F238E27FC236}">
+                <a16:creationId xmlns:a16="http://schemas.microsoft.com/office/drawing/2014/main" id="{3179757C-91C7-DBF3-9487-30B44294F396}"/>
+              </a:ext>
+            </a:extLst>
+          </p:cNvPr>
+          <p:cNvSpPr/>
+          <p:nvPr/>
+        </p:nvSpPr>
+        <p:spPr>
+          <a:xfrm>
+            <a:off x="3203177" y="2870572"/>
+            <a:ext cx="216024" cy="216024"/>
+          </a:xfrm>
+          <a:prstGeom prst="ellipse">
+            <a:avLst/>
+          </a:prstGeom>
+          <a:solidFill>
+            <a:schemeClr val="bg1"/>
+          </a:solidFill>
+          <a:ln w="19050">
+            <a:solidFill>
+              <a:schemeClr val="tx2"/>
+            </a:solidFill>
+          </a:ln>
+        </p:spPr>
+        <p:style>
+          <a:lnRef idx="2">
+            <a:schemeClr val="accent1">
+              <a:shade val="15000"/>
+            </a:schemeClr>
+          </a:lnRef>
+          <a:fillRef idx="1">
+            <a:schemeClr val="accent1"/>
+          </a:fillRef>
+          <a:effectRef idx="0">
+            <a:schemeClr val="accent1"/>
+          </a:effectRef>
+          <a:fontRef idx="minor">
+            <a:schemeClr val="lt1"/>
+          </a:fontRef>
+        </p:style>
+        <p:txBody>
+          <a:bodyPr rtlCol="0" anchor="ctr"/>
+          <a:lstStyle/>
+          <a:p>
+            <a:pPr algn="ctr"/>
+            <a:r>
+              <a:rPr lang="en-KR" sz="1000">
+                <a:solidFill>
+                  <a:schemeClr val="tx2"/>
+                </a:solidFill>
+              </a:rPr>
+              <a:t>7</a:t>
+            </a:r>
+          </a:p>
+        </p:txBody>
+      </p:sp>
+      <p:sp>
+        <p:nvSpPr>
+          <p:cNvPr id="61" name="Oval 60">
+            <a:extLst>
+              <a:ext uri="{FF2B5EF4-FFF2-40B4-BE49-F238E27FC236}">
+                <a16:creationId xmlns:a16="http://schemas.microsoft.com/office/drawing/2014/main" id="{2B78F996-0CFB-A1DD-6E76-9F395E9B102E}"/>
+              </a:ext>
+            </a:extLst>
+          </p:cNvPr>
+          <p:cNvSpPr/>
+          <p:nvPr/>
+        </p:nvSpPr>
+        <p:spPr>
+          <a:xfrm>
+            <a:off x="6443485" y="2433306"/>
+            <a:ext cx="216024" cy="216024"/>
+          </a:xfrm>
+          <a:prstGeom prst="ellipse">
+            <a:avLst/>
+          </a:prstGeom>
+          <a:solidFill>
+            <a:schemeClr val="bg1"/>
+          </a:solidFill>
+          <a:ln w="19050">
+            <a:solidFill>
+              <a:schemeClr val="tx2"/>
+            </a:solidFill>
+          </a:ln>
+        </p:spPr>
+        <p:style>
+          <a:lnRef idx="2">
+            <a:schemeClr val="accent1">
+              <a:shade val="15000"/>
+            </a:schemeClr>
+          </a:lnRef>
+          <a:fillRef idx="1">
+            <a:schemeClr val="accent1"/>
+          </a:fillRef>
+          <a:effectRef idx="0">
+            <a:schemeClr val="accent1"/>
+          </a:effectRef>
+          <a:fontRef idx="minor">
+            <a:schemeClr val="lt1"/>
+          </a:fontRef>
+        </p:style>
+        <p:txBody>
+          <a:bodyPr rtlCol="0" anchor="ctr"/>
+          <a:lstStyle/>
+          <a:p>
+            <a:pPr algn="ctr"/>
+            <a:r>
+              <a:rPr lang="en-KR" sz="1000">
+                <a:solidFill>
+                  <a:schemeClr val="tx2"/>
+                </a:solidFill>
+              </a:rPr>
+              <a:t>8</a:t>
+            </a:r>
+          </a:p>
+        </p:txBody>
+      </p:sp>
+      <p:cxnSp>
+        <p:nvCxnSpPr>
+          <p:cNvPr id="62" name="Straight Arrow Connector 61">
+            <a:extLst>
+              <a:ext uri="{FF2B5EF4-FFF2-40B4-BE49-F238E27FC236}">
+                <a16:creationId xmlns:a16="http://schemas.microsoft.com/office/drawing/2014/main" id="{7479CE41-05FF-1B97-7AC3-B16563C7BABC}"/>
+              </a:ext>
+            </a:extLst>
+          </p:cNvPr>
+          <p:cNvCxnSpPr>
+            <a:cxnSpLocks/>
+            <a:stCxn id="61" idx="0"/>
+            <a:endCxn id="22" idx="2"/>
+          </p:cNvCxnSpPr>
+          <p:nvPr/>
+        </p:nvCxnSpPr>
+        <p:spPr>
+          <a:xfrm flipV="1">
+            <a:off x="6551497" y="2048172"/>
+            <a:ext cx="0" cy="385134"/>
+          </a:xfrm>
+          <a:prstGeom prst="straightConnector1">
+            <a:avLst/>
+          </a:prstGeom>
+          <a:ln>
+            <a:solidFill>
+              <a:schemeClr val="tx2"/>
+            </a:solidFill>
+            <a:tailEnd type="triangle"/>
+          </a:ln>
+        </p:spPr>
+        <p:style>
+          <a:lnRef idx="1">
+            <a:schemeClr val="dk1"/>
+          </a:lnRef>
+          <a:fillRef idx="0">
+            <a:schemeClr val="dk1"/>
+          </a:fillRef>
+          <a:effectRef idx="0">
+            <a:schemeClr val="dk1"/>
+          </a:effectRef>
+          <a:fontRef idx="minor">
+            <a:schemeClr val="tx1"/>
+          </a:fontRef>
+        </p:style>
+      </p:cxnSp>
+      <p:sp>
+        <p:nvSpPr>
+          <p:cNvPr id="63" name="TextBox 62">
+            <a:extLst>
+              <a:ext uri="{FF2B5EF4-FFF2-40B4-BE49-F238E27FC236}">
+                <a16:creationId xmlns:a16="http://schemas.microsoft.com/office/drawing/2014/main" id="{A655F797-6E42-2265-87BF-B19E97BEA321}"/>
+              </a:ext>
+            </a:extLst>
+          </p:cNvPr>
+          <p:cNvSpPr txBox="1"/>
+          <p:nvPr/>
+        </p:nvSpPr>
+        <p:spPr>
+          <a:xfrm>
+            <a:off x="4299539" y="3167921"/>
+            <a:ext cx="768159" cy="369332"/>
+          </a:xfrm>
+          <a:prstGeom prst="rect">
+            <a:avLst/>
+          </a:prstGeom>
+          <a:noFill/>
+        </p:spPr>
+        <p:txBody>
+          <a:bodyPr wrap="none" rtlCol="0">
+            <a:spAutoFit/>
+          </a:bodyPr>
+          <a:lstStyle/>
+          <a:p>
+            <a:pPr algn="ctr"/>
+            <a:r>
+              <a:rPr lang="en-KR" sz="900">
+                <a:solidFill>
+                  <a:schemeClr val="tx2"/>
+                </a:solidFill>
+              </a:rPr>
+              <a:t>Connect to</a:t>
+            </a:r>
+          </a:p>
+          <a:p>
+            <a:pPr algn="ctr"/>
+            <a:r>
+              <a:rPr lang="en-KR" sz="900">
+                <a:solidFill>
+                  <a:schemeClr val="tx2"/>
+                </a:solidFill>
+              </a:rPr>
+              <a:t>driver</a:t>
+            </a:r>
+          </a:p>
+        </p:txBody>
+      </p:sp>
+      <p:sp>
+        <p:nvSpPr>
+          <p:cNvPr id="64" name="Oval 63">
+            <a:extLst>
+              <a:ext uri="{FF2B5EF4-FFF2-40B4-BE49-F238E27FC236}">
+                <a16:creationId xmlns:a16="http://schemas.microsoft.com/office/drawing/2014/main" id="{55C0B068-B937-4EC8-532A-113042946BBA}"/>
+              </a:ext>
+            </a:extLst>
+          </p:cNvPr>
+          <p:cNvSpPr/>
+          <p:nvPr/>
+        </p:nvSpPr>
+        <p:spPr>
+          <a:xfrm>
+            <a:off x="2463026" y="3189850"/>
+            <a:ext cx="216024" cy="216024"/>
+          </a:xfrm>
+          <a:prstGeom prst="ellipse">
+            <a:avLst/>
+          </a:prstGeom>
+          <a:solidFill>
+            <a:schemeClr val="bg1"/>
+          </a:solidFill>
+          <a:ln w="19050">
+            <a:solidFill>
+              <a:srgbClr val="C00000"/>
+            </a:solidFill>
+          </a:ln>
+        </p:spPr>
+        <p:style>
+          <a:lnRef idx="2">
+            <a:schemeClr val="accent1">
+              <a:shade val="15000"/>
+            </a:schemeClr>
+          </a:lnRef>
+          <a:fillRef idx="1">
+            <a:schemeClr val="accent1"/>
+          </a:fillRef>
+          <a:effectRef idx="0">
+            <a:schemeClr val="accent1"/>
+          </a:effectRef>
+          <a:fontRef idx="minor">
+            <a:schemeClr val="lt1"/>
+          </a:fontRef>
+        </p:style>
+        <p:txBody>
+          <a:bodyPr rtlCol="0" anchor="ctr"/>
+          <a:lstStyle/>
+          <a:p>
+            <a:pPr algn="ctr"/>
+            <a:r>
+              <a:rPr lang="en-KR" sz="1000">
+                <a:solidFill>
+                  <a:srgbClr val="C00000"/>
+                </a:solidFill>
+              </a:rPr>
+              <a:t>1</a:t>
+            </a:r>
+          </a:p>
+        </p:txBody>
+      </p:sp>
+      <p:sp>
+        <p:nvSpPr>
+          <p:cNvPr id="65" name="TextBox 64">
+            <a:extLst>
+              <a:ext uri="{FF2B5EF4-FFF2-40B4-BE49-F238E27FC236}">
+                <a16:creationId xmlns:a16="http://schemas.microsoft.com/office/drawing/2014/main" id="{DDF918DB-B27F-76D3-2BC3-FF16DE01F257}"/>
+              </a:ext>
+            </a:extLst>
+          </p:cNvPr>
+          <p:cNvSpPr txBox="1"/>
+          <p:nvPr/>
+        </p:nvSpPr>
+        <p:spPr>
+          <a:xfrm>
+            <a:off x="155682" y="3056420"/>
+            <a:ext cx="920445" cy="369332"/>
+          </a:xfrm>
+          <a:prstGeom prst="rect">
+            <a:avLst/>
+          </a:prstGeom>
+          <a:noFill/>
+        </p:spPr>
+        <p:txBody>
+          <a:bodyPr wrap="none" rtlCol="0">
+            <a:spAutoFit/>
+          </a:bodyPr>
+          <a:lstStyle/>
+          <a:p>
+            <a:pPr algn="ctr"/>
+            <a:r>
+              <a:rPr lang="en-KR" sz="900">
+                <a:solidFill>
+                  <a:srgbClr val="C00000"/>
+                </a:solidFill>
+              </a:rPr>
+              <a:t>Write driver’s </a:t>
+            </a:r>
+          </a:p>
+          <a:p>
+            <a:pPr algn="ctr"/>
+            <a:r>
+              <a:rPr lang="en-KR" sz="900">
+                <a:solidFill>
+                  <a:srgbClr val="C00000"/>
+                </a:solidFill>
+              </a:rPr>
+              <a:t>event logs</a:t>
+            </a:r>
+          </a:p>
+        </p:txBody>
+      </p:sp>
+      <p:sp>
+        <p:nvSpPr>
+          <p:cNvPr id="68" name="Oval 67">
+            <a:extLst>
+              <a:ext uri="{FF2B5EF4-FFF2-40B4-BE49-F238E27FC236}">
+                <a16:creationId xmlns:a16="http://schemas.microsoft.com/office/drawing/2014/main" id="{FC63A846-DF07-2A10-6AA3-174D71C6FE16}"/>
+              </a:ext>
+            </a:extLst>
+          </p:cNvPr>
+          <p:cNvSpPr/>
+          <p:nvPr/>
+        </p:nvSpPr>
+        <p:spPr>
+          <a:xfrm>
+            <a:off x="2463026" y="3569344"/>
+            <a:ext cx="216024" cy="216024"/>
+          </a:xfrm>
+          <a:prstGeom prst="ellipse">
+            <a:avLst/>
+          </a:prstGeom>
+          <a:solidFill>
+            <a:schemeClr val="bg1"/>
+          </a:solidFill>
+          <a:ln w="19050">
+            <a:solidFill>
+              <a:srgbClr val="C00000"/>
+            </a:solidFill>
+          </a:ln>
+        </p:spPr>
+        <p:style>
+          <a:lnRef idx="2">
+            <a:schemeClr val="accent1">
+              <a:shade val="15000"/>
+            </a:schemeClr>
+          </a:lnRef>
+          <a:fillRef idx="1">
+            <a:schemeClr val="accent1"/>
+          </a:fillRef>
+          <a:effectRef idx="0">
+            <a:schemeClr val="accent1"/>
+          </a:effectRef>
+          <a:fontRef idx="minor">
+            <a:schemeClr val="lt1"/>
+          </a:fontRef>
+        </p:style>
+        <p:txBody>
+          <a:bodyPr rtlCol="0" anchor="ctr"/>
+          <a:lstStyle/>
+          <a:p>
+            <a:pPr algn="ctr"/>
+            <a:r>
+              <a:rPr lang="en-KR" sz="1000">
+                <a:solidFill>
+                  <a:srgbClr val="C00000"/>
+                </a:solidFill>
+              </a:rPr>
+              <a:t>2</a:t>
+            </a:r>
+          </a:p>
+        </p:txBody>
+      </p:sp>
+      <p:sp>
+        <p:nvSpPr>
+          <p:cNvPr id="69" name="TextBox 68">
+            <a:extLst>
+              <a:ext uri="{FF2B5EF4-FFF2-40B4-BE49-F238E27FC236}">
+                <a16:creationId xmlns:a16="http://schemas.microsoft.com/office/drawing/2014/main" id="{73FDC059-B1DA-D984-0F4B-373AD586C42E}"/>
+              </a:ext>
+            </a:extLst>
+          </p:cNvPr>
+          <p:cNvSpPr txBox="1"/>
+          <p:nvPr/>
+        </p:nvSpPr>
+        <p:spPr>
+          <a:xfrm>
+            <a:off x="1654377" y="4041078"/>
+            <a:ext cx="782587" cy="369332"/>
+          </a:xfrm>
+          <a:prstGeom prst="rect">
+            <a:avLst/>
+          </a:prstGeom>
+          <a:noFill/>
+        </p:spPr>
+        <p:txBody>
+          <a:bodyPr wrap="none" rtlCol="0">
+            <a:spAutoFit/>
+          </a:bodyPr>
+          <a:lstStyle/>
+          <a:p>
+            <a:pPr algn="ctr"/>
+            <a:r>
+              <a:rPr lang="en-KR" sz="900">
+                <a:solidFill>
+                  <a:srgbClr val="C00000"/>
+                </a:solidFill>
+              </a:rPr>
+              <a:t>Get driver’s</a:t>
+            </a:r>
+          </a:p>
+          <a:p>
+            <a:pPr algn="ctr"/>
+            <a:r>
+              <a:rPr lang="en-KR" sz="900">
+                <a:solidFill>
+                  <a:srgbClr val="C00000"/>
+                </a:solidFill>
+              </a:rPr>
+              <a:t>event logs</a:t>
+            </a:r>
+          </a:p>
+        </p:txBody>
+      </p:sp>
+      <p:sp>
+        <p:nvSpPr>
+          <p:cNvPr id="71" name="Oval 70">
+            <a:extLst>
+              <a:ext uri="{FF2B5EF4-FFF2-40B4-BE49-F238E27FC236}">
+                <a16:creationId xmlns:a16="http://schemas.microsoft.com/office/drawing/2014/main" id="{9635FDF7-0210-E3B2-93B3-32C3F2069144}"/>
+              </a:ext>
+            </a:extLst>
+          </p:cNvPr>
+          <p:cNvSpPr/>
+          <p:nvPr/>
+        </p:nvSpPr>
+        <p:spPr>
+          <a:xfrm>
+            <a:off x="3420912" y="3352587"/>
+            <a:ext cx="216024" cy="216024"/>
+          </a:xfrm>
+          <a:prstGeom prst="ellipse">
+            <a:avLst/>
+          </a:prstGeom>
+          <a:solidFill>
+            <a:schemeClr val="bg1"/>
+          </a:solidFill>
+          <a:ln w="19050">
+            <a:solidFill>
+              <a:srgbClr val="C00000"/>
+            </a:solidFill>
+          </a:ln>
+        </p:spPr>
+        <p:style>
+          <a:lnRef idx="2">
+            <a:schemeClr val="accent1">
+              <a:shade val="15000"/>
+            </a:schemeClr>
+          </a:lnRef>
+          <a:fillRef idx="1">
+            <a:schemeClr val="accent1"/>
+          </a:fillRef>
+          <a:effectRef idx="0">
+            <a:schemeClr val="accent1"/>
+          </a:effectRef>
+          <a:fontRef idx="minor">
+            <a:schemeClr val="lt1"/>
+          </a:fontRef>
+        </p:style>
+        <p:txBody>
+          <a:bodyPr rtlCol="0" anchor="ctr"/>
+          <a:lstStyle/>
+          <a:p>
+            <a:pPr algn="ctr"/>
+            <a:r>
+              <a:rPr lang="en-KR" sz="1000">
+                <a:solidFill>
+                  <a:srgbClr val="C00000"/>
+                </a:solidFill>
+              </a:rPr>
+              <a:t>3</a:t>
+            </a:r>
+          </a:p>
+        </p:txBody>
+      </p:sp>
+      <p:sp>
+        <p:nvSpPr>
+          <p:cNvPr id="72" name="TextBox 71">
+            <a:extLst>
+              <a:ext uri="{FF2B5EF4-FFF2-40B4-BE49-F238E27FC236}">
+                <a16:creationId xmlns:a16="http://schemas.microsoft.com/office/drawing/2014/main" id="{12C9E2F2-5F8D-7894-9EC4-EA89AB908347}"/>
+              </a:ext>
+            </a:extLst>
+          </p:cNvPr>
+          <p:cNvSpPr txBox="1"/>
+          <p:nvPr/>
+        </p:nvSpPr>
+        <p:spPr>
+          <a:xfrm>
+            <a:off x="4680975" y="2178658"/>
+            <a:ext cx="859531" cy="369332"/>
+          </a:xfrm>
+          <a:prstGeom prst="rect">
+            <a:avLst/>
+          </a:prstGeom>
+          <a:noFill/>
+        </p:spPr>
+        <p:txBody>
+          <a:bodyPr wrap="none" rtlCol="0">
+            <a:spAutoFit/>
+          </a:bodyPr>
+          <a:lstStyle/>
+          <a:p>
+            <a:pPr algn="ctr"/>
+            <a:r>
+              <a:rPr lang="en-KR" sz="900">
+                <a:solidFill>
+                  <a:srgbClr val="C00000"/>
+                </a:solidFill>
+              </a:rPr>
+              <a:t>Send driver’s</a:t>
+            </a:r>
+          </a:p>
+          <a:p>
+            <a:pPr algn="ctr"/>
+            <a:r>
+              <a:rPr lang="en-KR" sz="900">
+                <a:solidFill>
+                  <a:srgbClr val="C00000"/>
+                </a:solidFill>
+              </a:rPr>
+              <a:t>event logs</a:t>
+            </a:r>
+          </a:p>
+        </p:txBody>
+      </p:sp>
+      <p:sp>
+        <p:nvSpPr>
+          <p:cNvPr id="75" name="모서리가 둥근 직사각형 2">
+            <a:extLst>
+              <a:ext uri="{FF2B5EF4-FFF2-40B4-BE49-F238E27FC236}">
+                <a16:creationId xmlns:a16="http://schemas.microsoft.com/office/drawing/2014/main" id="{B7439CF9-D92D-80D7-459F-CCDAF96B049A}"/>
+              </a:ext>
+            </a:extLst>
+          </p:cNvPr>
+          <p:cNvSpPr/>
+          <p:nvPr/>
+        </p:nvSpPr>
+        <p:spPr>
+          <a:xfrm>
+            <a:off x="7541906" y="2837433"/>
+            <a:ext cx="1368152" cy="1440154"/>
+          </a:xfrm>
+          <a:prstGeom prst="roundRect">
+            <a:avLst>
+              <a:gd name="adj" fmla="val 7293"/>
+            </a:avLst>
+          </a:prstGeom>
+          <a:ln w="12700"/>
+        </p:spPr>
+        <p:style>
+          <a:lnRef idx="2">
+            <a:schemeClr val="dk1"/>
+          </a:lnRef>
+          <a:fillRef idx="1">
+            <a:schemeClr val="lt1"/>
+          </a:fillRef>
+          <a:effectRef idx="0">
+            <a:schemeClr val="dk1"/>
+          </a:effectRef>
+          <a:fontRef idx="minor">
+            <a:schemeClr val="dk1"/>
+          </a:fontRef>
+        </p:style>
+        <p:txBody>
+          <a:bodyPr rtlCol="0" anchor="b"/>
+          <a:lstStyle/>
+          <a:p>
+            <a:pPr algn="ctr"/>
+            <a:r>
+              <a:rPr lang="en-US" altLang="ko-KR" sz="1100"/>
+              <a:t>Worker Node D</a:t>
+            </a:r>
+            <a:endParaRPr lang="ko-KR" altLang="en-US" sz="1100"/>
+          </a:p>
+        </p:txBody>
+      </p:sp>
+      <p:sp>
+        <p:nvSpPr>
+          <p:cNvPr id="76" name="모서리가 둥근 직사각형 2">
+            <a:extLst>
+              <a:ext uri="{FF2B5EF4-FFF2-40B4-BE49-F238E27FC236}">
+                <a16:creationId xmlns:a16="http://schemas.microsoft.com/office/drawing/2014/main" id="{6BFA17E7-3D00-157E-0D6D-2047431486BF}"/>
+              </a:ext>
+            </a:extLst>
+          </p:cNvPr>
+          <p:cNvSpPr/>
+          <p:nvPr/>
+        </p:nvSpPr>
+        <p:spPr>
+          <a:xfrm>
+            <a:off x="7630526" y="2981448"/>
+            <a:ext cx="1190912" cy="890801"/>
+          </a:xfrm>
+          <a:prstGeom prst="roundRect">
+            <a:avLst>
+              <a:gd name="adj" fmla="val 9041"/>
+            </a:avLst>
+          </a:prstGeom>
+          <a:ln w="12700"/>
+        </p:spPr>
+        <p:style>
+          <a:lnRef idx="2">
+            <a:schemeClr val="dk1"/>
+          </a:lnRef>
+          <a:fillRef idx="1">
+            <a:schemeClr val="lt1"/>
+          </a:fillRef>
+          <a:effectRef idx="0">
+            <a:schemeClr val="dk1"/>
+          </a:effectRef>
+          <a:fontRef idx="minor">
+            <a:schemeClr val="dk1"/>
+          </a:fontRef>
+        </p:style>
+        <p:txBody>
+          <a:bodyPr rtlCol="0" anchor="b"/>
+          <a:lstStyle/>
+          <a:p>
+            <a:pPr algn="ctr"/>
+            <a:r>
+              <a:rPr lang="en-US" altLang="ko-KR" sz="1000" b="1"/>
+              <a:t>spark-operator </a:t>
+            </a:r>
+            <a:br>
+              <a:rPr lang="en-US" altLang="ko-KR" sz="1000" b="1"/>
+            </a:br>
+            <a:r>
+              <a:rPr lang="en-US" altLang="ko-KR" sz="1000"/>
+              <a:t>/ Pod</a:t>
+            </a:r>
+            <a:endParaRPr lang="ko-KR" altLang="en-US" sz="1000"/>
+          </a:p>
+        </p:txBody>
+      </p:sp>
+      <p:sp>
+        <p:nvSpPr>
+          <p:cNvPr id="79" name="모서리가 둥근 직사각형 2">
+            <a:extLst>
+              <a:ext uri="{FF2B5EF4-FFF2-40B4-BE49-F238E27FC236}">
+                <a16:creationId xmlns:a16="http://schemas.microsoft.com/office/drawing/2014/main" id="{5668E099-6809-7EDA-FCDB-55210BB41384}"/>
+              </a:ext>
+            </a:extLst>
+          </p:cNvPr>
+          <p:cNvSpPr/>
+          <p:nvPr/>
+        </p:nvSpPr>
+        <p:spPr>
+          <a:xfrm>
+            <a:off x="7698325" y="3072694"/>
+            <a:ext cx="1047740" cy="386745"/>
+          </a:xfrm>
+          <a:prstGeom prst="roundRect">
+            <a:avLst>
+              <a:gd name="adj" fmla="val 13068"/>
+            </a:avLst>
+          </a:prstGeom>
+          <a:ln w="12700"/>
+        </p:spPr>
+        <p:style>
+          <a:lnRef idx="2">
+            <a:schemeClr val="dk1"/>
+          </a:lnRef>
+          <a:fillRef idx="1">
+            <a:schemeClr val="lt1"/>
+          </a:fillRef>
+          <a:effectRef idx="0">
+            <a:schemeClr val="dk1"/>
+          </a:effectRef>
+          <a:fontRef idx="minor">
+            <a:schemeClr val="dk1"/>
+          </a:fontRef>
+        </p:style>
+        <p:txBody>
+          <a:bodyPr rtlCol="0" anchor="ctr"/>
+          <a:lstStyle/>
+          <a:p>
+            <a:pPr algn="ctr"/>
+            <a:r>
+              <a:rPr lang="en-US" altLang="ko-KR" sz="900" b="1"/>
+              <a:t>spark-submit CLI</a:t>
+            </a:r>
+            <a:endParaRPr lang="ko-KR" altLang="en-US" sz="900" b="1"/>
+          </a:p>
+        </p:txBody>
+      </p:sp>
+      <p:sp>
+        <p:nvSpPr>
+          <p:cNvPr id="80" name="모서리가 둥근 직사각형 2">
+            <a:extLst>
+              <a:ext uri="{FF2B5EF4-FFF2-40B4-BE49-F238E27FC236}">
+                <a16:creationId xmlns:a16="http://schemas.microsoft.com/office/drawing/2014/main" id="{203981CE-5480-F7BE-04FE-6141F74CCFB9}"/>
+              </a:ext>
+            </a:extLst>
+          </p:cNvPr>
+          <p:cNvSpPr/>
+          <p:nvPr/>
+        </p:nvSpPr>
+        <p:spPr>
+          <a:xfrm>
+            <a:off x="2483767" y="848240"/>
+            <a:ext cx="1421855" cy="508063"/>
+          </a:xfrm>
+          <a:prstGeom prst="roundRect">
+            <a:avLst>
+              <a:gd name="adj" fmla="val 13068"/>
+            </a:avLst>
+          </a:prstGeom>
+          <a:ln w="12700"/>
+        </p:spPr>
+        <p:style>
+          <a:lnRef idx="2">
+            <a:schemeClr val="dk1"/>
+          </a:lnRef>
+          <a:fillRef idx="1">
+            <a:schemeClr val="lt1"/>
+          </a:fillRef>
+          <a:effectRef idx="0">
+            <a:schemeClr val="dk1"/>
+          </a:effectRef>
+          <a:fontRef idx="minor">
+            <a:schemeClr val="dk1"/>
+          </a:fontRef>
+        </p:style>
+        <p:txBody>
+          <a:bodyPr rtlCol="0" anchor="ctr"/>
+          <a:lstStyle/>
+          <a:p>
+            <a:pPr algn="ctr"/>
+            <a:r>
+              <a:rPr lang="en-US" altLang="ko-KR" sz="1000" b="1"/>
+              <a:t>SparkApplication</a:t>
+            </a:r>
+          </a:p>
+          <a:p>
+            <a:pPr algn="ctr"/>
+            <a:r>
+              <a:rPr lang="en-US" altLang="ko-KR" sz="1000"/>
+              <a:t>/ Custom Resource</a:t>
+            </a:r>
+            <a:endParaRPr lang="ko-KR" altLang="en-US" sz="1000"/>
+          </a:p>
+        </p:txBody>
+      </p:sp>
+      <p:sp>
+        <p:nvSpPr>
+          <p:cNvPr id="81" name="모서리가 둥근 직사각형 2">
+            <a:extLst>
+              <a:ext uri="{FF2B5EF4-FFF2-40B4-BE49-F238E27FC236}">
+                <a16:creationId xmlns:a16="http://schemas.microsoft.com/office/drawing/2014/main" id="{3AD1C164-17CC-5C80-F429-59E21D8A3B20}"/>
+              </a:ext>
+            </a:extLst>
+          </p:cNvPr>
+          <p:cNvSpPr/>
+          <p:nvPr/>
+        </p:nvSpPr>
+        <p:spPr>
+          <a:xfrm>
+            <a:off x="4146747" y="848240"/>
+            <a:ext cx="1935820" cy="508063"/>
+          </a:xfrm>
+          <a:prstGeom prst="roundRect">
+            <a:avLst>
+              <a:gd name="adj" fmla="val 13068"/>
+            </a:avLst>
+          </a:prstGeom>
+          <a:ln w="12700"/>
+        </p:spPr>
+        <p:style>
+          <a:lnRef idx="2">
+            <a:schemeClr val="dk1"/>
+          </a:lnRef>
+          <a:fillRef idx="1">
+            <a:schemeClr val="lt1"/>
+          </a:fillRef>
+          <a:effectRef idx="0">
+            <a:schemeClr val="dk1"/>
+          </a:effectRef>
+          <a:fontRef idx="minor">
+            <a:schemeClr val="dk1"/>
+          </a:fontRef>
+        </p:style>
+        <p:txBody>
+          <a:bodyPr rtlCol="0" anchor="ctr"/>
+          <a:lstStyle/>
+          <a:p>
+            <a:pPr algn="ctr"/>
+            <a:r>
+              <a:rPr lang="en-US" altLang="ko-KR" sz="1000" b="1"/>
+              <a:t>ScheduledSparkApplication</a:t>
+            </a:r>
+          </a:p>
+          <a:p>
+            <a:pPr algn="ctr"/>
+            <a:r>
+              <a:rPr lang="en-US" altLang="ko-KR" sz="1000"/>
+              <a:t>/ Custom Resource</a:t>
+            </a:r>
+            <a:endParaRPr lang="ko-KR" altLang="en-US" sz="1000"/>
+          </a:p>
+        </p:txBody>
+      </p:sp>
+      <p:sp>
+        <p:nvSpPr>
+          <p:cNvPr id="83" name="모서리가 둥근 직사각형 2">
+            <a:extLst>
+              <a:ext uri="{FF2B5EF4-FFF2-40B4-BE49-F238E27FC236}">
+                <a16:creationId xmlns:a16="http://schemas.microsoft.com/office/drawing/2014/main" id="{1071C5DB-E8F4-90CB-587F-810A1330B841}"/>
+              </a:ext>
+            </a:extLst>
+          </p:cNvPr>
+          <p:cNvSpPr/>
+          <p:nvPr/>
+        </p:nvSpPr>
+        <p:spPr>
+          <a:xfrm>
+            <a:off x="6297626" y="848240"/>
+            <a:ext cx="1935820" cy="508063"/>
+          </a:xfrm>
+          <a:prstGeom prst="roundRect">
+            <a:avLst>
+              <a:gd name="adj" fmla="val 13068"/>
+            </a:avLst>
+          </a:prstGeom>
+          <a:ln w="12700"/>
+        </p:spPr>
+        <p:style>
+          <a:lnRef idx="2">
+            <a:schemeClr val="dk1"/>
+          </a:lnRef>
+          <a:fillRef idx="1">
+            <a:schemeClr val="lt1"/>
+          </a:fillRef>
+          <a:effectRef idx="0">
+            <a:schemeClr val="dk1"/>
+          </a:effectRef>
+          <a:fontRef idx="minor">
+            <a:schemeClr val="dk1"/>
+          </a:fontRef>
+        </p:style>
+        <p:txBody>
+          <a:bodyPr rtlCol="0" anchor="ctr"/>
+          <a:lstStyle/>
+          <a:p>
+            <a:pPr algn="ctr"/>
+            <a:r>
+              <a:rPr lang="en-US" altLang="ko-KR" sz="1000"/>
+              <a:t>Spark Web UI</a:t>
+            </a:r>
+          </a:p>
+          <a:p>
+            <a:pPr algn="ctr"/>
+            <a:r>
+              <a:rPr lang="en-US" altLang="ko-KR" sz="1000"/>
+              <a:t>/ Service, Ingress</a:t>
+            </a:r>
+            <a:endParaRPr lang="ko-KR" altLang="en-US" sz="1000"/>
+          </a:p>
+        </p:txBody>
+      </p:sp>
+      <p:cxnSp>
+        <p:nvCxnSpPr>
+          <p:cNvPr id="84" name="Elbow Connector 83">
+            <a:extLst>
+              <a:ext uri="{FF2B5EF4-FFF2-40B4-BE49-F238E27FC236}">
+                <a16:creationId xmlns:a16="http://schemas.microsoft.com/office/drawing/2014/main" id="{CF4D5F5B-3797-AD0E-EAF0-4D212F60BD81}"/>
+              </a:ext>
+            </a:extLst>
+          </p:cNvPr>
+          <p:cNvCxnSpPr>
+            <a:cxnSpLocks/>
+            <a:stCxn id="44" idx="0"/>
+            <a:endCxn id="25" idx="3"/>
+          </p:cNvCxnSpPr>
+          <p:nvPr/>
+        </p:nvCxnSpPr>
+        <p:spPr>
+          <a:xfrm rot="16200000" flipV="1">
+            <a:off x="2916917" y="-266187"/>
+            <a:ext cx="132603" cy="3479990"/>
+          </a:xfrm>
+          <a:prstGeom prst="bentConnector2">
+            <a:avLst/>
+          </a:prstGeom>
+          <a:ln>
+            <a:solidFill>
+              <a:srgbClr val="C00000"/>
+            </a:solidFill>
+            <a:tailEnd type="triangle"/>
+          </a:ln>
+        </p:spPr>
+        <p:style>
+          <a:lnRef idx="1">
+            <a:schemeClr val="dk1"/>
+          </a:lnRef>
+          <a:fillRef idx="0">
+            <a:schemeClr val="dk1"/>
+          </a:fillRef>
+          <a:effectRef idx="0">
+            <a:schemeClr val="dk1"/>
+          </a:effectRef>
+          <a:fontRef idx="minor">
+            <a:schemeClr val="tx1"/>
+          </a:fontRef>
+        </p:style>
+      </p:cxnSp>
+      <p:cxnSp>
+        <p:nvCxnSpPr>
+          <p:cNvPr id="88" name="Elbow Connector 87">
+            <a:extLst>
+              <a:ext uri="{FF2B5EF4-FFF2-40B4-BE49-F238E27FC236}">
+                <a16:creationId xmlns:a16="http://schemas.microsoft.com/office/drawing/2014/main" id="{656D8460-A872-BC45-7985-A9AE1913A69B}"/>
+              </a:ext>
+            </a:extLst>
+          </p:cNvPr>
+          <p:cNvCxnSpPr>
+            <a:cxnSpLocks/>
+            <a:stCxn id="89" idx="0"/>
+            <a:endCxn id="21" idx="0"/>
+          </p:cNvCxnSpPr>
+          <p:nvPr/>
+        </p:nvCxnSpPr>
+        <p:spPr>
+          <a:xfrm rot="16200000" flipV="1">
+            <a:off x="4928159" y="-356137"/>
+            <a:ext cx="1399116" cy="5191608"/>
+          </a:xfrm>
+          <a:prstGeom prst="bentConnector3">
+            <a:avLst>
+              <a:gd name="adj1" fmla="val 107002"/>
+            </a:avLst>
+          </a:prstGeom>
+          <a:ln>
+            <a:solidFill>
+              <a:schemeClr val="tx2"/>
+            </a:solidFill>
+            <a:tailEnd type="triangle"/>
+          </a:ln>
+        </p:spPr>
+        <p:style>
+          <a:lnRef idx="1">
+            <a:schemeClr val="dk1"/>
+          </a:lnRef>
+          <a:fillRef idx="0">
+            <a:schemeClr val="dk1"/>
+          </a:fillRef>
+          <a:effectRef idx="0">
+            <a:schemeClr val="dk1"/>
+          </a:effectRef>
+          <a:fontRef idx="minor">
+            <a:schemeClr val="tx1"/>
+          </a:fontRef>
+        </p:style>
+      </p:cxnSp>
+      <p:sp>
+        <p:nvSpPr>
+          <p:cNvPr id="89" name="Oval 88">
+            <a:extLst>
+              <a:ext uri="{FF2B5EF4-FFF2-40B4-BE49-F238E27FC236}">
+                <a16:creationId xmlns:a16="http://schemas.microsoft.com/office/drawing/2014/main" id="{960CC63C-D132-E631-5609-AF66D7DA51F0}"/>
+              </a:ext>
+            </a:extLst>
+          </p:cNvPr>
+          <p:cNvSpPr/>
+          <p:nvPr/>
+        </p:nvSpPr>
+        <p:spPr>
+          <a:xfrm>
+            <a:off x="8115509" y="2939225"/>
+            <a:ext cx="216024" cy="216024"/>
+          </a:xfrm>
+          <a:prstGeom prst="ellipse">
+            <a:avLst/>
+          </a:prstGeom>
+          <a:solidFill>
+            <a:schemeClr val="bg1"/>
+          </a:solidFill>
+          <a:ln w="19050">
+            <a:solidFill>
+              <a:schemeClr val="tx2"/>
+            </a:solidFill>
+          </a:ln>
+        </p:spPr>
+        <p:style>
+          <a:lnRef idx="2">
+            <a:schemeClr val="accent1">
+              <a:shade val="15000"/>
+            </a:schemeClr>
+          </a:lnRef>
+          <a:fillRef idx="1">
+            <a:schemeClr val="accent1"/>
+          </a:fillRef>
+          <a:effectRef idx="0">
+            <a:schemeClr val="accent1"/>
+          </a:effectRef>
+          <a:fontRef idx="minor">
+            <a:schemeClr val="lt1"/>
+          </a:fontRef>
+        </p:style>
+        <p:txBody>
+          <a:bodyPr rtlCol="0" anchor="ctr"/>
+          <a:lstStyle/>
+          <a:p>
+            <a:pPr algn="ctr"/>
+            <a:r>
+              <a:rPr lang="en-KR" sz="1000">
+                <a:solidFill>
+                  <a:schemeClr val="tx2"/>
+                </a:solidFill>
+              </a:rPr>
+              <a:t>4</a:t>
+            </a:r>
+          </a:p>
+        </p:txBody>
+      </p:sp>
+      <p:sp>
+        <p:nvSpPr>
+          <p:cNvPr id="98" name="TextBox 97">
+            <a:extLst>
+              <a:ext uri="{FF2B5EF4-FFF2-40B4-BE49-F238E27FC236}">
+                <a16:creationId xmlns:a16="http://schemas.microsoft.com/office/drawing/2014/main" id="{B10CE22B-46BB-19F6-F3E1-132F941E155C}"/>
+              </a:ext>
+            </a:extLst>
+          </p:cNvPr>
+          <p:cNvSpPr txBox="1"/>
+          <p:nvPr/>
+        </p:nvSpPr>
+        <p:spPr>
+          <a:xfrm>
+            <a:off x="7240141" y="4215976"/>
+            <a:ext cx="728084" cy="369332"/>
+          </a:xfrm>
+          <a:prstGeom prst="rect">
+            <a:avLst/>
+          </a:prstGeom>
+          <a:noFill/>
+        </p:spPr>
+        <p:txBody>
+          <a:bodyPr wrap="none" rtlCol="0">
+            <a:spAutoFit/>
+          </a:bodyPr>
+          <a:lstStyle/>
+          <a:p>
+            <a:pPr algn="ctr"/>
+            <a:r>
+              <a:rPr lang="en-KR" sz="900">
+                <a:solidFill>
+                  <a:schemeClr val="tx2"/>
+                </a:solidFill>
+              </a:rPr>
+              <a:t>Create</a:t>
+            </a:r>
+          </a:p>
+          <a:p>
+            <a:pPr algn="ctr"/>
+            <a:r>
+              <a:rPr lang="en-KR" sz="900">
+                <a:solidFill>
+                  <a:schemeClr val="tx2"/>
+                </a:solidFill>
+              </a:rPr>
+              <a:t>driver pod</a:t>
+            </a:r>
+          </a:p>
+        </p:txBody>
+      </p:sp>
+      <p:sp>
+        <p:nvSpPr>
+          <p:cNvPr id="99" name="Oval 98">
+            <a:extLst>
+              <a:ext uri="{FF2B5EF4-FFF2-40B4-BE49-F238E27FC236}">
+                <a16:creationId xmlns:a16="http://schemas.microsoft.com/office/drawing/2014/main" id="{6F95D839-6704-95F3-5FF5-39F046F02042}"/>
+              </a:ext>
+            </a:extLst>
+          </p:cNvPr>
+          <p:cNvSpPr/>
+          <p:nvPr/>
+        </p:nvSpPr>
+        <p:spPr>
+          <a:xfrm>
+            <a:off x="7591835" y="3160164"/>
+            <a:ext cx="216024" cy="216024"/>
+          </a:xfrm>
+          <a:prstGeom prst="ellipse">
+            <a:avLst/>
+          </a:prstGeom>
+          <a:solidFill>
+            <a:schemeClr val="bg1"/>
+          </a:solidFill>
+          <a:ln w="19050">
+            <a:solidFill>
+              <a:schemeClr val="tx2"/>
+            </a:solidFill>
+          </a:ln>
+        </p:spPr>
+        <p:style>
+          <a:lnRef idx="2">
+            <a:schemeClr val="accent1">
+              <a:shade val="15000"/>
+            </a:schemeClr>
+          </a:lnRef>
+          <a:fillRef idx="1">
+            <a:schemeClr val="accent1"/>
+          </a:fillRef>
+          <a:effectRef idx="0">
+            <a:schemeClr val="accent1"/>
+          </a:effectRef>
+          <a:fontRef idx="minor">
+            <a:schemeClr val="lt1"/>
+          </a:fontRef>
+        </p:style>
+        <p:txBody>
+          <a:bodyPr rtlCol="0" anchor="ctr"/>
+          <a:lstStyle/>
+          <a:p>
+            <a:pPr algn="ctr"/>
+            <a:r>
+              <a:rPr lang="en-KR" sz="1000">
+                <a:solidFill>
+                  <a:schemeClr val="tx2"/>
+                </a:solidFill>
+              </a:rPr>
+              <a:t>5</a:t>
+            </a:r>
+          </a:p>
+        </p:txBody>
+      </p:sp>
+      <p:sp>
+        <p:nvSpPr>
+          <p:cNvPr id="101" name="Oval 100">
+            <a:extLst>
+              <a:ext uri="{FF2B5EF4-FFF2-40B4-BE49-F238E27FC236}">
+                <a16:creationId xmlns:a16="http://schemas.microsoft.com/office/drawing/2014/main" id="{00DECB79-158A-EE5A-6844-BA31C8B4F272}"/>
+              </a:ext>
+            </a:extLst>
+          </p:cNvPr>
+          <p:cNvSpPr/>
+          <p:nvPr/>
+        </p:nvSpPr>
+        <p:spPr>
+          <a:xfrm>
+            <a:off x="1364448" y="2140139"/>
+            <a:ext cx="216024" cy="216024"/>
+          </a:xfrm>
+          <a:prstGeom prst="ellipse">
+            <a:avLst/>
+          </a:prstGeom>
+          <a:solidFill>
+            <a:schemeClr val="bg1"/>
+          </a:solidFill>
+          <a:ln w="19050">
+            <a:solidFill>
+              <a:schemeClr val="tx2"/>
+            </a:solidFill>
+          </a:ln>
+        </p:spPr>
+        <p:style>
+          <a:lnRef idx="2">
+            <a:schemeClr val="accent1">
+              <a:shade val="15000"/>
+            </a:schemeClr>
+          </a:lnRef>
+          <a:fillRef idx="1">
+            <a:schemeClr val="accent1"/>
+          </a:fillRef>
+          <a:effectRef idx="0">
+            <a:schemeClr val="accent1"/>
+          </a:effectRef>
+          <a:fontRef idx="minor">
+            <a:schemeClr val="lt1"/>
+          </a:fontRef>
+        </p:style>
+        <p:txBody>
+          <a:bodyPr rtlCol="0" anchor="ctr"/>
+          <a:lstStyle/>
+          <a:p>
+            <a:pPr algn="ctr"/>
+            <a:r>
+              <a:rPr lang="en-KR" sz="1000">
+                <a:solidFill>
+                  <a:schemeClr val="tx2"/>
+                </a:solidFill>
+              </a:rPr>
+              <a:t>2</a:t>
+            </a:r>
+          </a:p>
+        </p:txBody>
+      </p:sp>
+      <p:cxnSp>
+        <p:nvCxnSpPr>
+          <p:cNvPr id="102" name="Elbow Connector 101">
+            <a:extLst>
+              <a:ext uri="{FF2B5EF4-FFF2-40B4-BE49-F238E27FC236}">
+                <a16:creationId xmlns:a16="http://schemas.microsoft.com/office/drawing/2014/main" id="{B86B53C3-380D-241B-834D-5C9BB6FC1664}"/>
+              </a:ext>
+            </a:extLst>
+          </p:cNvPr>
+          <p:cNvCxnSpPr>
+            <a:cxnSpLocks/>
+            <a:stCxn id="101" idx="0"/>
+            <a:endCxn id="80" idx="0"/>
+          </p:cNvCxnSpPr>
+          <p:nvPr/>
+        </p:nvCxnSpPr>
+        <p:spPr>
+          <a:xfrm rot="5400000" flipH="1" flipV="1">
+            <a:off x="1687628" y="633073"/>
+            <a:ext cx="1291899" cy="1722235"/>
+          </a:xfrm>
+          <a:prstGeom prst="bentConnector3">
+            <a:avLst>
+              <a:gd name="adj1" fmla="val 117695"/>
+            </a:avLst>
+          </a:prstGeom>
+          <a:ln>
+            <a:solidFill>
+              <a:schemeClr val="tx2"/>
+            </a:solidFill>
+            <a:tailEnd type="triangle"/>
+          </a:ln>
+        </p:spPr>
+        <p:style>
+          <a:lnRef idx="1">
+            <a:schemeClr val="dk1"/>
+          </a:lnRef>
+          <a:fillRef idx="0">
+            <a:schemeClr val="dk1"/>
+          </a:fillRef>
+          <a:effectRef idx="0">
+            <a:schemeClr val="dk1"/>
+          </a:effectRef>
+          <a:fontRef idx="minor">
+            <a:schemeClr val="tx1"/>
+          </a:fontRef>
+        </p:style>
+      </p:cxnSp>
+      <p:cxnSp>
+        <p:nvCxnSpPr>
+          <p:cNvPr id="108" name="Elbow Connector 107">
+            <a:extLst>
+              <a:ext uri="{FF2B5EF4-FFF2-40B4-BE49-F238E27FC236}">
+                <a16:creationId xmlns:a16="http://schemas.microsoft.com/office/drawing/2014/main" id="{D42663DB-3AA6-7D7F-42FF-A73A5CE62F79}"/>
+              </a:ext>
+            </a:extLst>
+          </p:cNvPr>
+          <p:cNvCxnSpPr>
+            <a:cxnSpLocks/>
+            <a:stCxn id="1131" idx="6"/>
+            <a:endCxn id="81" idx="0"/>
+          </p:cNvCxnSpPr>
+          <p:nvPr/>
+        </p:nvCxnSpPr>
+        <p:spPr>
+          <a:xfrm flipV="1">
+            <a:off x="1380400" y="848240"/>
+            <a:ext cx="3734257" cy="787163"/>
+          </a:xfrm>
+          <a:prstGeom prst="bentConnector4">
+            <a:avLst>
+              <a:gd name="adj1" fmla="val 2470"/>
+              <a:gd name="adj2" fmla="val 129041"/>
+            </a:avLst>
+          </a:prstGeom>
+          <a:ln>
+            <a:solidFill>
+              <a:schemeClr val="tx2"/>
+            </a:solidFill>
+            <a:tailEnd type="triangle"/>
+          </a:ln>
+        </p:spPr>
+        <p:style>
+          <a:lnRef idx="1">
+            <a:schemeClr val="dk1"/>
+          </a:lnRef>
+          <a:fillRef idx="0">
+            <a:schemeClr val="dk1"/>
+          </a:fillRef>
+          <a:effectRef idx="0">
+            <a:schemeClr val="dk1"/>
+          </a:effectRef>
+          <a:fontRef idx="minor">
+            <a:schemeClr val="tx1"/>
+          </a:fontRef>
+        </p:style>
+      </p:cxnSp>
+      <p:cxnSp>
+        <p:nvCxnSpPr>
+          <p:cNvPr id="117" name="Elbow Connector 116">
+            <a:extLst>
+              <a:ext uri="{FF2B5EF4-FFF2-40B4-BE49-F238E27FC236}">
+                <a16:creationId xmlns:a16="http://schemas.microsoft.com/office/drawing/2014/main" id="{7DC9B4E0-9100-7049-6266-65F81D781693}"/>
+              </a:ext>
+            </a:extLst>
+          </p:cNvPr>
+          <p:cNvCxnSpPr>
+            <a:cxnSpLocks/>
+            <a:stCxn id="83" idx="0"/>
+            <a:endCxn id="25" idx="0"/>
+          </p:cNvCxnSpPr>
+          <p:nvPr/>
+        </p:nvCxnSpPr>
+        <p:spPr>
+          <a:xfrm rot="16200000" flipH="1" flipV="1">
+            <a:off x="3974747" y="-2162743"/>
+            <a:ext cx="279806" cy="6301772"/>
+          </a:xfrm>
+          <a:prstGeom prst="bentConnector3">
+            <a:avLst>
+              <a:gd name="adj1" fmla="val -102124"/>
+            </a:avLst>
+          </a:prstGeom>
+          <a:ln>
+            <a:solidFill>
+              <a:srgbClr val="00B050"/>
+            </a:solidFill>
+            <a:tailEnd type="triangle"/>
+          </a:ln>
+        </p:spPr>
+        <p:style>
+          <a:lnRef idx="1">
+            <a:schemeClr val="dk1"/>
+          </a:lnRef>
+          <a:fillRef idx="0">
+            <a:schemeClr val="dk1"/>
+          </a:fillRef>
+          <a:effectRef idx="0">
+            <a:schemeClr val="dk1"/>
+          </a:effectRef>
+          <a:fontRef idx="minor">
+            <a:schemeClr val="tx1"/>
+          </a:fontRef>
+        </p:style>
+      </p:cxnSp>
+      <p:cxnSp>
+        <p:nvCxnSpPr>
+          <p:cNvPr id="122" name="Elbow Connector 121">
+            <a:extLst>
+              <a:ext uri="{FF2B5EF4-FFF2-40B4-BE49-F238E27FC236}">
+                <a16:creationId xmlns:a16="http://schemas.microsoft.com/office/drawing/2014/main" id="{9BEA5223-4721-C84A-4052-6418535C1A17}"/>
+              </a:ext>
+            </a:extLst>
+          </p:cNvPr>
+          <p:cNvCxnSpPr>
+            <a:cxnSpLocks/>
+            <a:stCxn id="1031" idx="0"/>
+            <a:endCxn id="83" idx="2"/>
+          </p:cNvCxnSpPr>
+          <p:nvPr/>
+        </p:nvCxnSpPr>
+        <p:spPr>
+          <a:xfrm rot="5400000" flipH="1" flipV="1">
+            <a:off x="4706559" y="311596"/>
+            <a:ext cx="1514269" cy="3603685"/>
+          </a:xfrm>
+          <a:prstGeom prst="bentConnector3">
+            <a:avLst>
+              <a:gd name="adj1" fmla="val 5592"/>
+            </a:avLst>
+          </a:prstGeom>
+          <a:ln>
+            <a:solidFill>
+              <a:srgbClr val="00B050"/>
+            </a:solidFill>
+            <a:tailEnd type="triangle"/>
+          </a:ln>
+        </p:spPr>
+        <p:style>
+          <a:lnRef idx="1">
+            <a:schemeClr val="dk1"/>
+          </a:lnRef>
+          <a:fillRef idx="0">
+            <a:schemeClr val="dk1"/>
+          </a:fillRef>
+          <a:effectRef idx="0">
+            <a:schemeClr val="dk1"/>
+          </a:effectRef>
+          <a:fontRef idx="minor">
+            <a:schemeClr val="tx1"/>
+          </a:fontRef>
+        </p:style>
+      </p:cxnSp>
+      <p:sp>
+        <p:nvSpPr>
+          <p:cNvPr id="1031" name="Oval 1030">
+            <a:extLst>
+              <a:ext uri="{FF2B5EF4-FFF2-40B4-BE49-F238E27FC236}">
+                <a16:creationId xmlns:a16="http://schemas.microsoft.com/office/drawing/2014/main" id="{8A6AF2F6-F375-D17C-245D-9C8790DF1A06}"/>
+              </a:ext>
+            </a:extLst>
+          </p:cNvPr>
+          <p:cNvSpPr/>
+          <p:nvPr/>
+        </p:nvSpPr>
+        <p:spPr>
+          <a:xfrm>
+            <a:off x="3553839" y="2870572"/>
+            <a:ext cx="216024" cy="216024"/>
+          </a:xfrm>
+          <a:prstGeom prst="ellipse">
+            <a:avLst/>
+          </a:prstGeom>
+          <a:solidFill>
+            <a:schemeClr val="bg1"/>
+          </a:solidFill>
+          <a:ln w="19050">
+            <a:solidFill>
+              <a:srgbClr val="00B050"/>
+            </a:solidFill>
+          </a:ln>
+        </p:spPr>
+        <p:style>
+          <a:lnRef idx="2">
+            <a:schemeClr val="accent1">
+              <a:shade val="15000"/>
+            </a:schemeClr>
+          </a:lnRef>
+          <a:fillRef idx="1">
+            <a:schemeClr val="accent1"/>
+          </a:fillRef>
+          <a:effectRef idx="0">
+            <a:schemeClr val="accent1"/>
+          </a:effectRef>
+          <a:fontRef idx="minor">
+            <a:schemeClr val="lt1"/>
+          </a:fontRef>
+        </p:style>
+        <p:txBody>
+          <a:bodyPr rtlCol="0" anchor="ctr"/>
+          <a:lstStyle/>
+          <a:p>
+            <a:pPr algn="ctr"/>
+            <a:r>
+              <a:rPr lang="en-KR" sz="1000">
+                <a:solidFill>
+                  <a:srgbClr val="00B050"/>
+                </a:solidFill>
+              </a:rPr>
+              <a:t>1</a:t>
+            </a:r>
+          </a:p>
+        </p:txBody>
+      </p:sp>
+      <p:sp>
+        <p:nvSpPr>
+          <p:cNvPr id="1037" name="TextBox 1036">
+            <a:extLst>
+              <a:ext uri="{FF2B5EF4-FFF2-40B4-BE49-F238E27FC236}">
+                <a16:creationId xmlns:a16="http://schemas.microsoft.com/office/drawing/2014/main" id="{2E863616-6471-0C8B-496B-7017414D87B9}"/>
+              </a:ext>
+            </a:extLst>
+          </p:cNvPr>
+          <p:cNvSpPr txBox="1"/>
+          <p:nvPr/>
+        </p:nvSpPr>
+        <p:spPr>
+          <a:xfrm>
+            <a:off x="1408268" y="594440"/>
+            <a:ext cx="1063112" cy="507831"/>
+          </a:xfrm>
+          <a:prstGeom prst="rect">
+            <a:avLst/>
+          </a:prstGeom>
+          <a:noFill/>
+        </p:spPr>
+        <p:txBody>
+          <a:bodyPr wrap="none" rtlCol="0">
+            <a:spAutoFit/>
+          </a:bodyPr>
+          <a:lstStyle/>
+          <a:p>
+            <a:pPr algn="ctr"/>
+            <a:r>
+              <a:rPr lang="en-KR" sz="900">
+                <a:solidFill>
+                  <a:schemeClr val="tx2"/>
+                </a:solidFill>
+              </a:rPr>
+              <a:t>Create </a:t>
+            </a:r>
+          </a:p>
+          <a:p>
+            <a:pPr algn="ctr"/>
+            <a:r>
+              <a:rPr lang="en-KR" sz="900">
+                <a:solidFill>
+                  <a:schemeClr val="tx2"/>
+                </a:solidFill>
+              </a:rPr>
+              <a:t>SparkApplication</a:t>
+            </a:r>
+          </a:p>
+          <a:p>
+            <a:pPr algn="ctr"/>
+            <a:r>
+              <a:rPr lang="en-KR" sz="900">
+                <a:solidFill>
+                  <a:schemeClr val="tx2"/>
+                </a:solidFill>
+              </a:rPr>
+              <a:t>Object</a:t>
+            </a:r>
+          </a:p>
+        </p:txBody>
+      </p:sp>
+      <p:cxnSp>
+        <p:nvCxnSpPr>
+          <p:cNvPr id="1079" name="Elbow Connector 1078">
+            <a:extLst>
+              <a:ext uri="{FF2B5EF4-FFF2-40B4-BE49-F238E27FC236}">
+                <a16:creationId xmlns:a16="http://schemas.microsoft.com/office/drawing/2014/main" id="{B7996968-770E-AEAE-129B-43D583AFD560}"/>
+              </a:ext>
+            </a:extLst>
+          </p:cNvPr>
+          <p:cNvCxnSpPr>
+            <a:cxnSpLocks/>
+            <a:stCxn id="99" idx="2"/>
+            <a:endCxn id="1091" idx="4"/>
+          </p:cNvCxnSpPr>
+          <p:nvPr/>
+        </p:nvCxnSpPr>
+        <p:spPr>
+          <a:xfrm rot="10800000" flipV="1">
+            <a:off x="3690893" y="3268176"/>
+            <a:ext cx="3900943" cy="105880"/>
+          </a:xfrm>
+          <a:prstGeom prst="bentConnector4">
+            <a:avLst>
+              <a:gd name="adj1" fmla="val 5088"/>
+              <a:gd name="adj2" fmla="val 1045598"/>
+            </a:avLst>
+          </a:prstGeom>
+          <a:ln>
+            <a:solidFill>
+              <a:schemeClr val="tx2"/>
+            </a:solidFill>
+            <a:tailEnd type="triangle"/>
+          </a:ln>
+        </p:spPr>
+        <p:style>
+          <a:lnRef idx="1">
+            <a:schemeClr val="dk1"/>
+          </a:lnRef>
+          <a:fillRef idx="0">
+            <a:schemeClr val="dk1"/>
+          </a:fillRef>
+          <a:effectRef idx="0">
+            <a:schemeClr val="dk1"/>
+          </a:effectRef>
+          <a:fontRef idx="minor">
+            <a:schemeClr val="tx1"/>
+          </a:fontRef>
+        </p:style>
+      </p:cxnSp>
+      <p:sp>
+        <p:nvSpPr>
+          <p:cNvPr id="1091" name="Oval 1090">
+            <a:extLst>
+              <a:ext uri="{FF2B5EF4-FFF2-40B4-BE49-F238E27FC236}">
+                <a16:creationId xmlns:a16="http://schemas.microsoft.com/office/drawing/2014/main" id="{2F20A531-B8A8-2962-3DBD-9128CED41B9F}"/>
+              </a:ext>
+            </a:extLst>
+          </p:cNvPr>
+          <p:cNvSpPr/>
+          <p:nvPr/>
+        </p:nvSpPr>
+        <p:spPr>
+          <a:xfrm>
+            <a:off x="3615911" y="3224095"/>
+            <a:ext cx="149961" cy="149961"/>
+          </a:xfrm>
+          <a:prstGeom prst="ellipse">
+            <a:avLst/>
+          </a:prstGeom>
+          <a:noFill/>
+          <a:ln>
+            <a:noFill/>
+          </a:ln>
+        </p:spPr>
+        <p:style>
+          <a:lnRef idx="2">
+            <a:schemeClr val="accent1">
+              <a:shade val="15000"/>
+            </a:schemeClr>
+          </a:lnRef>
+          <a:fillRef idx="1">
+            <a:schemeClr val="accent1"/>
+          </a:fillRef>
+          <a:effectRef idx="0">
+            <a:schemeClr val="accent1"/>
+          </a:effectRef>
+          <a:fontRef idx="minor">
+            <a:schemeClr val="lt1"/>
+          </a:fontRef>
+        </p:style>
+        <p:txBody>
+          <a:bodyPr rtlCol="0" anchor="ctr"/>
+          <a:lstStyle/>
+          <a:p>
+            <a:pPr algn="ctr"/>
+            <a:endParaRPr lang="en-KR"/>
+          </a:p>
+        </p:txBody>
+      </p:sp>
+      <p:sp>
+        <p:nvSpPr>
+          <p:cNvPr id="1118" name="Oval 1117">
+            <a:extLst>
+              <a:ext uri="{FF2B5EF4-FFF2-40B4-BE49-F238E27FC236}">
+                <a16:creationId xmlns:a16="http://schemas.microsoft.com/office/drawing/2014/main" id="{FB901DD9-58C9-AC09-A617-FF9BE968A1D7}"/>
+              </a:ext>
+            </a:extLst>
+          </p:cNvPr>
+          <p:cNvSpPr/>
+          <p:nvPr/>
+        </p:nvSpPr>
+        <p:spPr>
+          <a:xfrm>
+            <a:off x="8459716" y="2837433"/>
+            <a:ext cx="216024" cy="216024"/>
+          </a:xfrm>
+          <a:prstGeom prst="ellipse">
+            <a:avLst/>
+          </a:prstGeom>
+          <a:solidFill>
+            <a:schemeClr val="bg1"/>
+          </a:solidFill>
+          <a:ln w="19050">
+            <a:solidFill>
+              <a:schemeClr val="tx2"/>
+            </a:solidFill>
+          </a:ln>
+        </p:spPr>
+        <p:style>
+          <a:lnRef idx="2">
+            <a:schemeClr val="accent1">
+              <a:shade val="15000"/>
+            </a:schemeClr>
+          </a:lnRef>
+          <a:fillRef idx="1">
+            <a:schemeClr val="accent1"/>
+          </a:fillRef>
+          <a:effectRef idx="0">
+            <a:schemeClr val="accent1"/>
+          </a:effectRef>
+          <a:fontRef idx="minor">
+            <a:schemeClr val="lt1"/>
+          </a:fontRef>
+        </p:style>
+        <p:txBody>
+          <a:bodyPr rtlCol="0" anchor="ctr"/>
+          <a:lstStyle/>
+          <a:p>
+            <a:pPr algn="ctr"/>
+            <a:r>
+              <a:rPr lang="en-KR" sz="1000">
+                <a:solidFill>
+                  <a:schemeClr val="tx2"/>
+                </a:solidFill>
+              </a:rPr>
+              <a:t>3</a:t>
+            </a:r>
+          </a:p>
+        </p:txBody>
+      </p:sp>
+      <p:cxnSp>
+        <p:nvCxnSpPr>
+          <p:cNvPr id="1119" name="Elbow Connector 1118">
+            <a:extLst>
+              <a:ext uri="{FF2B5EF4-FFF2-40B4-BE49-F238E27FC236}">
+                <a16:creationId xmlns:a16="http://schemas.microsoft.com/office/drawing/2014/main" id="{678AC701-755D-248A-420F-C2DD27B63469}"/>
+              </a:ext>
+            </a:extLst>
+          </p:cNvPr>
+          <p:cNvCxnSpPr>
+            <a:cxnSpLocks/>
+            <a:stCxn id="1118" idx="0"/>
+            <a:endCxn id="83" idx="3"/>
+          </p:cNvCxnSpPr>
+          <p:nvPr/>
+        </p:nvCxnSpPr>
+        <p:spPr>
+          <a:xfrm rot="16200000" flipV="1">
+            <a:off x="7533007" y="1802712"/>
+            <a:ext cx="1735161" cy="334282"/>
+          </a:xfrm>
+          <a:prstGeom prst="bentConnector2">
+            <a:avLst/>
+          </a:prstGeom>
+          <a:ln>
+            <a:solidFill>
+              <a:schemeClr val="tx2"/>
+            </a:solidFill>
+            <a:tailEnd type="triangle"/>
+          </a:ln>
+        </p:spPr>
+        <p:style>
+          <a:lnRef idx="1">
+            <a:schemeClr val="dk1"/>
+          </a:lnRef>
+          <a:fillRef idx="0">
+            <a:schemeClr val="dk1"/>
+          </a:fillRef>
+          <a:effectRef idx="0">
+            <a:schemeClr val="dk1"/>
+          </a:effectRef>
+          <a:fontRef idx="minor">
+            <a:schemeClr val="tx1"/>
+          </a:fontRef>
+        </p:style>
+      </p:cxnSp>
+      <p:sp>
+        <p:nvSpPr>
+          <p:cNvPr id="1127" name="Oval 1126">
+            <a:extLst>
+              <a:ext uri="{FF2B5EF4-FFF2-40B4-BE49-F238E27FC236}">
+                <a16:creationId xmlns:a16="http://schemas.microsoft.com/office/drawing/2014/main" id="{AE51AC2A-C4F1-09D4-3A27-FB833264C555}"/>
+              </a:ext>
+            </a:extLst>
+          </p:cNvPr>
+          <p:cNvSpPr/>
+          <p:nvPr/>
+        </p:nvSpPr>
+        <p:spPr>
+          <a:xfrm>
+            <a:off x="1108243" y="1469780"/>
+            <a:ext cx="149961" cy="149961"/>
+          </a:xfrm>
+          <a:prstGeom prst="ellipse">
+            <a:avLst/>
+          </a:prstGeom>
+          <a:noFill/>
+          <a:ln>
+            <a:noFill/>
+          </a:ln>
+        </p:spPr>
+        <p:style>
+          <a:lnRef idx="2">
+            <a:schemeClr val="accent1">
+              <a:shade val="15000"/>
+            </a:schemeClr>
+          </a:lnRef>
+          <a:fillRef idx="1">
+            <a:schemeClr val="accent1"/>
+          </a:fillRef>
+          <a:effectRef idx="0">
+            <a:schemeClr val="accent1"/>
+          </a:effectRef>
+          <a:fontRef idx="minor">
+            <a:schemeClr val="lt1"/>
+          </a:fontRef>
+        </p:style>
+        <p:txBody>
+          <a:bodyPr rtlCol="0" anchor="ctr"/>
+          <a:lstStyle/>
+          <a:p>
+            <a:pPr algn="ctr"/>
+            <a:endParaRPr lang="en-KR"/>
+          </a:p>
+        </p:txBody>
+      </p:sp>
+      <p:sp>
+        <p:nvSpPr>
+          <p:cNvPr id="1131" name="Oval 1130">
+            <a:extLst>
+              <a:ext uri="{FF2B5EF4-FFF2-40B4-BE49-F238E27FC236}">
+                <a16:creationId xmlns:a16="http://schemas.microsoft.com/office/drawing/2014/main" id="{94BA51C1-8060-5D0D-4BCA-7491B912E548}"/>
+              </a:ext>
+            </a:extLst>
+          </p:cNvPr>
+          <p:cNvSpPr/>
+          <p:nvPr/>
+        </p:nvSpPr>
+        <p:spPr>
+          <a:xfrm>
+            <a:off x="1164376" y="1527391"/>
+            <a:ext cx="216024" cy="216024"/>
+          </a:xfrm>
+          <a:prstGeom prst="ellipse">
+            <a:avLst/>
+          </a:prstGeom>
+          <a:solidFill>
+            <a:schemeClr val="bg1"/>
+          </a:solidFill>
+          <a:ln w="19050">
+            <a:solidFill>
+              <a:schemeClr val="tx2"/>
+            </a:solidFill>
+          </a:ln>
+        </p:spPr>
+        <p:style>
+          <a:lnRef idx="2">
+            <a:schemeClr val="accent1">
+              <a:shade val="15000"/>
+            </a:schemeClr>
+          </a:lnRef>
+          <a:fillRef idx="1">
+            <a:schemeClr val="accent1"/>
+          </a:fillRef>
+          <a:effectRef idx="0">
+            <a:schemeClr val="accent1"/>
+          </a:effectRef>
+          <a:fontRef idx="minor">
+            <a:schemeClr val="lt1"/>
+          </a:fontRef>
+        </p:style>
+        <p:txBody>
+          <a:bodyPr rtlCol="0" anchor="ctr"/>
+          <a:lstStyle/>
+          <a:p>
+            <a:pPr algn="ctr"/>
+            <a:r>
+              <a:rPr lang="en-KR" sz="1000">
+                <a:solidFill>
+                  <a:schemeClr val="tx2"/>
+                </a:solidFill>
+              </a:rPr>
+              <a:t>2</a:t>
+            </a:r>
+          </a:p>
+        </p:txBody>
+      </p:sp>
+      <p:cxnSp>
+        <p:nvCxnSpPr>
+          <p:cNvPr id="1147" name="Straight Arrow Connector 1146">
+            <a:extLst>
+              <a:ext uri="{FF2B5EF4-FFF2-40B4-BE49-F238E27FC236}">
+                <a16:creationId xmlns:a16="http://schemas.microsoft.com/office/drawing/2014/main" id="{1D074DBB-F190-D314-1B06-B010E5BA03B5}"/>
+              </a:ext>
+            </a:extLst>
+          </p:cNvPr>
+          <p:cNvCxnSpPr>
+            <a:cxnSpLocks/>
+          </p:cNvCxnSpPr>
+          <p:nvPr/>
+        </p:nvCxnSpPr>
+        <p:spPr>
+          <a:xfrm>
+            <a:off x="218501" y="4811468"/>
+            <a:ext cx="344305" cy="0"/>
+          </a:xfrm>
+          <a:prstGeom prst="straightConnector1">
+            <a:avLst/>
+          </a:prstGeom>
+          <a:ln>
+            <a:solidFill>
+              <a:schemeClr val="tx2"/>
+            </a:solidFill>
+            <a:tailEnd type="triangle"/>
+          </a:ln>
+        </p:spPr>
+        <p:style>
+          <a:lnRef idx="1">
+            <a:schemeClr val="dk1"/>
+          </a:lnRef>
+          <a:fillRef idx="0">
+            <a:schemeClr val="dk1"/>
+          </a:fillRef>
+          <a:effectRef idx="0">
+            <a:schemeClr val="dk1"/>
+          </a:effectRef>
+          <a:fontRef idx="minor">
+            <a:schemeClr val="tx1"/>
+          </a:fontRef>
+        </p:style>
+      </p:cxnSp>
+      <p:sp>
+        <p:nvSpPr>
+          <p:cNvPr id="1148" name="TextBox 1147">
+            <a:extLst>
+              <a:ext uri="{FF2B5EF4-FFF2-40B4-BE49-F238E27FC236}">
+                <a16:creationId xmlns:a16="http://schemas.microsoft.com/office/drawing/2014/main" id="{B1086A9F-6672-5771-FED3-2242F006CB08}"/>
+              </a:ext>
+            </a:extLst>
+          </p:cNvPr>
+          <p:cNvSpPr txBox="1"/>
+          <p:nvPr/>
+        </p:nvSpPr>
+        <p:spPr>
+          <a:xfrm>
+            <a:off x="562806" y="4691437"/>
+            <a:ext cx="899605" cy="230832"/>
+          </a:xfrm>
+          <a:prstGeom prst="rect">
+            <a:avLst/>
+          </a:prstGeom>
+          <a:noFill/>
+        </p:spPr>
+        <p:txBody>
+          <a:bodyPr wrap="none" rtlCol="0">
+            <a:spAutoFit/>
+          </a:bodyPr>
+          <a:lstStyle/>
+          <a:p>
+            <a:r>
+              <a:rPr lang="en-KR" sz="900"/>
+              <a:t>Spark Job Init</a:t>
+            </a:r>
+          </a:p>
+        </p:txBody>
+      </p:sp>
+      <p:cxnSp>
+        <p:nvCxnSpPr>
+          <p:cNvPr id="1149" name="Straight Arrow Connector 1148">
+            <a:extLst>
+              <a:ext uri="{FF2B5EF4-FFF2-40B4-BE49-F238E27FC236}">
+                <a16:creationId xmlns:a16="http://schemas.microsoft.com/office/drawing/2014/main" id="{4B7DCD21-5A61-60EF-0CC9-C0D828CDE361}"/>
+              </a:ext>
+            </a:extLst>
+          </p:cNvPr>
+          <p:cNvCxnSpPr>
+            <a:cxnSpLocks/>
+          </p:cNvCxnSpPr>
+          <p:nvPr/>
+        </p:nvCxnSpPr>
+        <p:spPr>
+          <a:xfrm>
+            <a:off x="1462884" y="4811468"/>
+            <a:ext cx="344305" cy="0"/>
+          </a:xfrm>
+          <a:prstGeom prst="straightConnector1">
+            <a:avLst/>
+          </a:prstGeom>
+          <a:ln>
+            <a:solidFill>
+              <a:srgbClr val="C00000"/>
+            </a:solidFill>
+            <a:tailEnd type="triangle"/>
+          </a:ln>
+        </p:spPr>
+        <p:style>
+          <a:lnRef idx="1">
+            <a:schemeClr val="dk1"/>
+          </a:lnRef>
+          <a:fillRef idx="0">
+            <a:schemeClr val="dk1"/>
+          </a:fillRef>
+          <a:effectRef idx="0">
+            <a:schemeClr val="dk1"/>
+          </a:effectRef>
+          <a:fontRef idx="minor">
+            <a:schemeClr val="tx1"/>
+          </a:fontRef>
+        </p:style>
+      </p:cxnSp>
+      <p:sp>
+        <p:nvSpPr>
+          <p:cNvPr id="1150" name="TextBox 1149">
+            <a:extLst>
+              <a:ext uri="{FF2B5EF4-FFF2-40B4-BE49-F238E27FC236}">
+                <a16:creationId xmlns:a16="http://schemas.microsoft.com/office/drawing/2014/main" id="{075E2A83-0A52-66C6-1581-CD1FECC3ECC3}"/>
+              </a:ext>
+            </a:extLst>
+          </p:cNvPr>
+          <p:cNvSpPr txBox="1"/>
+          <p:nvPr/>
+        </p:nvSpPr>
+        <p:spPr>
+          <a:xfrm>
+            <a:off x="1812951" y="4691437"/>
+            <a:ext cx="1244250" cy="230832"/>
+          </a:xfrm>
+          <a:prstGeom prst="rect">
+            <a:avLst/>
+          </a:prstGeom>
+          <a:noFill/>
+        </p:spPr>
+        <p:txBody>
+          <a:bodyPr wrap="none" rtlCol="0">
+            <a:spAutoFit/>
+          </a:bodyPr>
+          <a:lstStyle/>
+          <a:p>
+            <a:r>
+              <a:rPr lang="en-KR" sz="900"/>
+              <a:t>Spark History Server</a:t>
+            </a:r>
+          </a:p>
+        </p:txBody>
+      </p:sp>
+      <p:cxnSp>
+        <p:nvCxnSpPr>
+          <p:cNvPr id="1151" name="Straight Arrow Connector 1150">
+            <a:extLst>
+              <a:ext uri="{FF2B5EF4-FFF2-40B4-BE49-F238E27FC236}">
+                <a16:creationId xmlns:a16="http://schemas.microsoft.com/office/drawing/2014/main" id="{1E4399FE-D77E-66D9-4E3B-5F67E24DAC19}"/>
+              </a:ext>
+            </a:extLst>
+          </p:cNvPr>
+          <p:cNvCxnSpPr>
+            <a:cxnSpLocks/>
+          </p:cNvCxnSpPr>
+          <p:nvPr/>
+        </p:nvCxnSpPr>
+        <p:spPr>
+          <a:xfrm>
+            <a:off x="3067444" y="4811468"/>
+            <a:ext cx="344305" cy="0"/>
+          </a:xfrm>
+          <a:prstGeom prst="straightConnector1">
+            <a:avLst/>
+          </a:prstGeom>
+          <a:ln>
+            <a:solidFill>
+              <a:srgbClr val="00B050"/>
+            </a:solidFill>
+            <a:tailEnd type="triangle"/>
+          </a:ln>
+        </p:spPr>
+        <p:style>
+          <a:lnRef idx="1">
+            <a:schemeClr val="dk1"/>
+          </a:lnRef>
+          <a:fillRef idx="0">
+            <a:schemeClr val="dk1"/>
+          </a:fillRef>
+          <a:effectRef idx="0">
+            <a:schemeClr val="dk1"/>
+          </a:effectRef>
+          <a:fontRef idx="minor">
+            <a:schemeClr val="tx1"/>
+          </a:fontRef>
+        </p:style>
+      </p:cxnSp>
+      <p:sp>
+        <p:nvSpPr>
+          <p:cNvPr id="1152" name="TextBox 1151">
+            <a:extLst>
+              <a:ext uri="{FF2B5EF4-FFF2-40B4-BE49-F238E27FC236}">
+                <a16:creationId xmlns:a16="http://schemas.microsoft.com/office/drawing/2014/main" id="{A64BB1E3-448D-D4E4-203B-EFC8C96C18A2}"/>
+              </a:ext>
+            </a:extLst>
+          </p:cNvPr>
+          <p:cNvSpPr txBox="1"/>
+          <p:nvPr/>
+        </p:nvSpPr>
+        <p:spPr>
+          <a:xfrm>
+            <a:off x="3407741" y="4691437"/>
+            <a:ext cx="907621" cy="230832"/>
+          </a:xfrm>
+          <a:prstGeom prst="rect">
+            <a:avLst/>
+          </a:prstGeom>
+          <a:noFill/>
+        </p:spPr>
+        <p:txBody>
+          <a:bodyPr wrap="none" rtlCol="0">
+            <a:spAutoFit/>
+          </a:bodyPr>
+          <a:lstStyle/>
+          <a:p>
+            <a:r>
+              <a:rPr lang="en-US" sz="900"/>
+              <a:t>Spark Web UI</a:t>
+            </a:r>
+          </a:p>
+        </p:txBody>
+      </p:sp>
+      <p:sp>
+        <p:nvSpPr>
+          <p:cNvPr id="10" name="TextBox 9">
+            <a:extLst>
+              <a:ext uri="{FF2B5EF4-FFF2-40B4-BE49-F238E27FC236}">
+                <a16:creationId xmlns:a16="http://schemas.microsoft.com/office/drawing/2014/main" id="{1C60B1F1-97E8-8152-DBDA-13923D97BA9D}"/>
+              </a:ext>
+            </a:extLst>
+          </p:cNvPr>
+          <p:cNvSpPr txBox="1"/>
+          <p:nvPr/>
+        </p:nvSpPr>
+        <p:spPr>
+          <a:xfrm>
+            <a:off x="1927395" y="2302064"/>
+            <a:ext cx="810021" cy="369332"/>
+          </a:xfrm>
+          <a:prstGeom prst="rect">
+            <a:avLst/>
+          </a:prstGeom>
+          <a:noFill/>
+        </p:spPr>
+        <p:txBody>
+          <a:bodyPr wrap="square" rtlCol="0">
+            <a:spAutoFit/>
+          </a:bodyPr>
+          <a:lstStyle/>
+          <a:p>
+            <a:pPr algn="ctr"/>
+            <a:r>
+              <a:rPr lang="en-KR" sz="900"/>
+              <a:t>Get Driver’s </a:t>
+            </a:r>
+          </a:p>
+          <a:p>
+            <a:pPr algn="ctr"/>
+            <a:r>
+              <a:rPr lang="en-KR" sz="900"/>
+              <a:t>Config</a:t>
+            </a:r>
+          </a:p>
+        </p:txBody>
+      </p:sp>
+      <p:sp>
+        <p:nvSpPr>
+          <p:cNvPr id="32" name="모서리가 둥근 직사각형 2">
+            <a:extLst>
+              <a:ext uri="{FF2B5EF4-FFF2-40B4-BE49-F238E27FC236}">
+                <a16:creationId xmlns:a16="http://schemas.microsoft.com/office/drawing/2014/main" id="{A26EF336-4648-E57D-8284-143D1DCABD18}"/>
+              </a:ext>
+            </a:extLst>
+          </p:cNvPr>
+          <p:cNvSpPr/>
+          <p:nvPr/>
+        </p:nvSpPr>
+        <p:spPr>
+          <a:xfrm>
+            <a:off x="263516" y="2707076"/>
+            <a:ext cx="1401376" cy="386745"/>
+          </a:xfrm>
+          <a:prstGeom prst="roundRect">
+            <a:avLst>
+              <a:gd name="adj" fmla="val 13068"/>
+            </a:avLst>
+          </a:prstGeom>
+          <a:ln w="12700"/>
+        </p:spPr>
+        <p:style>
+          <a:lnRef idx="2">
+            <a:schemeClr val="dk1"/>
+          </a:lnRef>
+          <a:fillRef idx="1">
+            <a:schemeClr val="lt1"/>
+          </a:fillRef>
+          <a:effectRef idx="0">
+            <a:schemeClr val="dk1"/>
+          </a:effectRef>
+          <a:fontRef idx="minor">
+            <a:schemeClr val="dk1"/>
+          </a:fontRef>
+        </p:style>
+        <p:txBody>
+          <a:bodyPr rtlCol="0" anchor="ctr"/>
+          <a:lstStyle/>
+          <a:p>
+            <a:pPr algn="ctr"/>
+            <a:r>
+              <a:rPr lang="en-US" altLang="ko-KR" sz="1000"/>
+              <a:t>Prometheus</a:t>
+            </a:r>
+            <a:endParaRPr lang="ko-KR" altLang="en-US" sz="1000"/>
+          </a:p>
+        </p:txBody>
+      </p:sp>
+      <p:cxnSp>
+        <p:nvCxnSpPr>
+          <p:cNvPr id="49" name="Elbow Connector 48">
+            <a:extLst>
+              <a:ext uri="{FF2B5EF4-FFF2-40B4-BE49-F238E27FC236}">
+                <a16:creationId xmlns:a16="http://schemas.microsoft.com/office/drawing/2014/main" id="{CAFC981E-2E74-7F1B-00B9-504782C1F8CF}"/>
+              </a:ext>
+            </a:extLst>
+          </p:cNvPr>
+          <p:cNvCxnSpPr>
+            <a:cxnSpLocks/>
+            <a:stCxn id="32" idx="3"/>
+          </p:cNvCxnSpPr>
+          <p:nvPr/>
+        </p:nvCxnSpPr>
+        <p:spPr>
+          <a:xfrm>
+            <a:off x="1664892" y="2900449"/>
+            <a:ext cx="907495" cy="202519"/>
+          </a:xfrm>
+          <a:prstGeom prst="bentConnector3">
+            <a:avLst>
+              <a:gd name="adj1" fmla="val 50000"/>
+            </a:avLst>
+          </a:prstGeom>
+          <a:ln>
+            <a:solidFill>
+              <a:schemeClr val="tx1"/>
+            </a:solidFill>
+            <a:tailEnd type="triangle"/>
+          </a:ln>
+        </p:spPr>
+        <p:style>
+          <a:lnRef idx="1">
+            <a:schemeClr val="accent1"/>
+          </a:lnRef>
+          <a:fillRef idx="0">
+            <a:schemeClr val="accent1"/>
+          </a:fillRef>
+          <a:effectRef idx="0">
+            <a:schemeClr val="accent1"/>
+          </a:effectRef>
+          <a:fontRef idx="minor">
+            <a:schemeClr val="tx1"/>
+          </a:fontRef>
+        </p:style>
+      </p:cxnSp>
+      <p:sp>
+        <p:nvSpPr>
+          <p:cNvPr id="53" name="TextBox 52">
+            <a:extLst>
+              <a:ext uri="{FF2B5EF4-FFF2-40B4-BE49-F238E27FC236}">
+                <a16:creationId xmlns:a16="http://schemas.microsoft.com/office/drawing/2014/main" id="{71E51C5D-4D8F-FBF6-E020-C955980D3D85}"/>
+              </a:ext>
+            </a:extLst>
+          </p:cNvPr>
+          <p:cNvSpPr txBox="1"/>
+          <p:nvPr/>
+        </p:nvSpPr>
+        <p:spPr>
+          <a:xfrm>
+            <a:off x="1653676" y="2674233"/>
+            <a:ext cx="733997" cy="230832"/>
+          </a:xfrm>
+          <a:prstGeom prst="rect">
+            <a:avLst/>
+          </a:prstGeom>
+          <a:noFill/>
+        </p:spPr>
+        <p:txBody>
+          <a:bodyPr wrap="square" rtlCol="0">
+            <a:spAutoFit/>
+          </a:bodyPr>
+          <a:lstStyle/>
+          <a:p>
+            <a:pPr algn="ctr"/>
+            <a:r>
+              <a:rPr lang="en-KR" sz="900"/>
+              <a:t>Get Metric</a:t>
+            </a:r>
+          </a:p>
+        </p:txBody>
+      </p:sp>
+    </p:spTree>
+    <p:extLst>
+      <p:ext uri="{BB962C8B-B14F-4D97-AF65-F5344CB8AC3E}">
+        <p14:creationId xmlns:p14="http://schemas.microsoft.com/office/powerpoint/2010/main" val="1916018866"/>
+      </p:ext>
+    </p:extLst>
+  </p:cSld>
+  <p:clrMapOvr>
+    <a:masterClrMapping/>
+  </p:clrMapOvr>
+</p:sld>
+</file>
+
+<file path=ppt/slides/slide8.xml><?xml version="1.0" encoding="utf-8"?>
+<p:sld xmlns:a="http://schemas.openxmlformats.org/drawingml/2006/main" xmlns:r="http://schemas.openxmlformats.org/officeDocument/2006/relationships" xmlns:p="http://schemas.openxmlformats.org/presentationml/2006/main">
+  <p:cSld>
+    <p:spTree>
+      <p:nvGrpSpPr>
+        <p:cNvPr id="1" name=""/>
+        <p:cNvGrpSpPr/>
+        <p:nvPr/>
+      </p:nvGrpSpPr>
+      <p:grpSpPr>
+        <a:xfrm>
+          <a:off x="0" y="0"/>
+          <a:ext cx="0" cy="0"/>
+          <a:chOff x="0" y="0"/>
+          <a:chExt cx="0" cy="0"/>
+        </a:xfrm>
+      </p:grpSpPr>
+      <p:sp>
+        <p:nvSpPr>
+          <p:cNvPr id="2" name="제목 1">
+            <a:extLst>
+              <a:ext uri="{FF2B5EF4-FFF2-40B4-BE49-F238E27FC236}">
+                <a16:creationId xmlns:a16="http://schemas.microsoft.com/office/drawing/2014/main" id="{42D92FD6-97D5-22EF-2A04-0BC282BD0B3C}"/>
+              </a:ext>
+            </a:extLst>
+          </p:cNvPr>
+          <p:cNvSpPr txBox="1">
+            <a:spLocks/>
+          </p:cNvSpPr>
+          <p:nvPr/>
+        </p:nvSpPr>
+        <p:spPr>
+          <a:xfrm>
+            <a:off x="565354" y="-92546"/>
+            <a:ext cx="8229600" cy="857250"/>
+          </a:xfrm>
+          <a:prstGeom prst="rect">
+            <a:avLst/>
+          </a:prstGeom>
+        </p:spPr>
+        <p:txBody>
+          <a:bodyPr>
+            <a:normAutofit/>
+          </a:bodyPr>
+          <a:lstStyle>
+            <a:lvl1pPr algn="ctr" defTabSz="914400" rtl="0" eaLnBrk="1" latinLnBrk="1" hangingPunct="1">
+              <a:spcBef>
+                <a:spcPct val="0"/>
+              </a:spcBef>
+              <a:buNone/>
+              <a:defRPr sz="4400" kern="1200">
+                <a:solidFill>
+                  <a:schemeClr val="tx1"/>
+                </a:solidFill>
+                <a:latin typeface="+mj-lt"/>
+                <a:ea typeface="+mj-ea"/>
+                <a:cs typeface="+mj-cs"/>
+              </a:defRPr>
+            </a:lvl1pPr>
+          </a:lstStyle>
+          <a:p>
+            <a:r>
+              <a:rPr lang="en-US" altLang="ko-KR" sz="3600"/>
+              <a:t>spark-submit CLI Architecture </a:t>
+            </a:r>
+            <a:endParaRPr lang="ko-KR" altLang="en-US" sz="3600"/>
+          </a:p>
+        </p:txBody>
+      </p:sp>
+      <p:sp>
+        <p:nvSpPr>
+          <p:cNvPr id="3" name="Rounded Rectangle 2">
+            <a:extLst>
+              <a:ext uri="{FF2B5EF4-FFF2-40B4-BE49-F238E27FC236}">
+                <a16:creationId xmlns:a16="http://schemas.microsoft.com/office/drawing/2014/main" id="{25E9F0C1-2970-13C4-9734-BA70C6732AC3}"/>
+              </a:ext>
+            </a:extLst>
+          </p:cNvPr>
+          <p:cNvSpPr/>
+          <p:nvPr/>
+        </p:nvSpPr>
+        <p:spPr>
+          <a:xfrm>
+            <a:off x="2843807" y="1275607"/>
+            <a:ext cx="4879389" cy="3168346"/>
+          </a:xfrm>
+          <a:prstGeom prst="roundRect">
+            <a:avLst>
+              <a:gd name="adj" fmla="val 4006"/>
+            </a:avLst>
+          </a:prstGeom>
+          <a:noFill/>
+          <a:ln w="12700">
+            <a:solidFill>
+              <a:schemeClr val="tx1"/>
+            </a:solidFill>
+            <a:prstDash val="dash"/>
+          </a:ln>
+        </p:spPr>
+        <p:style>
+          <a:lnRef idx="2">
+            <a:schemeClr val="accent1">
+              <a:shade val="50000"/>
+            </a:schemeClr>
+          </a:lnRef>
+          <a:fillRef idx="1">
+            <a:schemeClr val="accent1"/>
+          </a:fillRef>
+          <a:effectRef idx="0">
+            <a:schemeClr val="accent1"/>
+          </a:effectRef>
+          <a:fontRef idx="minor">
+            <a:schemeClr val="lt1"/>
+          </a:fontRef>
+        </p:style>
+        <p:txBody>
+          <a:bodyPr rtlCol="0" anchor="b"/>
+          <a:lstStyle/>
+          <a:p>
+            <a:pPr algn="ctr"/>
+            <a:r>
+              <a:rPr lang="en-KR" sz="1100" b="1">
+                <a:solidFill>
+                  <a:sysClr val="windowText" lastClr="000000"/>
+                </a:solidFill>
+              </a:rPr>
+              <a:t>Kubernetes Cluster</a:t>
+            </a:r>
+          </a:p>
+        </p:txBody>
+      </p:sp>
+      <p:sp>
+        <p:nvSpPr>
+          <p:cNvPr id="5" name="모서리가 둥근 직사각형 2">
+            <a:extLst>
+              <a:ext uri="{FF2B5EF4-FFF2-40B4-BE49-F238E27FC236}">
+                <a16:creationId xmlns:a16="http://schemas.microsoft.com/office/drawing/2014/main" id="{4549A605-BC64-4D2E-C955-87168B1269B0}"/>
+              </a:ext>
+            </a:extLst>
+          </p:cNvPr>
+          <p:cNvSpPr/>
+          <p:nvPr/>
+        </p:nvSpPr>
+        <p:spPr>
+          <a:xfrm>
+            <a:off x="2915815" y="2643752"/>
+            <a:ext cx="1368152" cy="1440154"/>
+          </a:xfrm>
+          <a:prstGeom prst="roundRect">
+            <a:avLst>
+              <a:gd name="adj" fmla="val 7293"/>
+            </a:avLst>
+          </a:prstGeom>
+          <a:ln w="12700"/>
+        </p:spPr>
+        <p:style>
+          <a:lnRef idx="2">
+            <a:schemeClr val="dk1"/>
+          </a:lnRef>
+          <a:fillRef idx="1">
+            <a:schemeClr val="lt1"/>
+          </a:fillRef>
+          <a:effectRef idx="0">
+            <a:schemeClr val="dk1"/>
+          </a:effectRef>
+          <a:fontRef idx="minor">
+            <a:schemeClr val="dk1"/>
+          </a:fontRef>
+        </p:style>
+        <p:txBody>
+          <a:bodyPr rtlCol="0" anchor="b"/>
+          <a:lstStyle/>
+          <a:p>
+            <a:pPr algn="ctr"/>
+            <a:r>
+              <a:rPr lang="en-US" altLang="ko-KR" sz="1100"/>
+              <a:t>Worker Node A</a:t>
+            </a:r>
+            <a:endParaRPr lang="ko-KR" altLang="en-US" sz="1100"/>
+          </a:p>
+        </p:txBody>
+      </p:sp>
+      <p:sp>
+        <p:nvSpPr>
+          <p:cNvPr id="8" name="모서리가 둥근 직사각형 2">
+            <a:extLst>
+              <a:ext uri="{FF2B5EF4-FFF2-40B4-BE49-F238E27FC236}">
+                <a16:creationId xmlns:a16="http://schemas.microsoft.com/office/drawing/2014/main" id="{A49E2A25-1E87-5A6A-3E47-B21903F713DA}"/>
+              </a:ext>
+            </a:extLst>
+          </p:cNvPr>
+          <p:cNvSpPr/>
+          <p:nvPr/>
+        </p:nvSpPr>
+        <p:spPr>
+          <a:xfrm>
+            <a:off x="4607560" y="2643752"/>
+            <a:ext cx="1368152" cy="1440154"/>
+          </a:xfrm>
+          <a:prstGeom prst="roundRect">
+            <a:avLst>
+              <a:gd name="adj" fmla="val 7293"/>
+            </a:avLst>
+          </a:prstGeom>
+          <a:ln w="12700"/>
+        </p:spPr>
+        <p:style>
+          <a:lnRef idx="2">
+            <a:schemeClr val="dk1"/>
+          </a:lnRef>
+          <a:fillRef idx="1">
+            <a:schemeClr val="lt1"/>
+          </a:fillRef>
+          <a:effectRef idx="0">
+            <a:schemeClr val="dk1"/>
+          </a:effectRef>
+          <a:fontRef idx="minor">
+            <a:schemeClr val="dk1"/>
+          </a:fontRef>
+        </p:style>
+        <p:txBody>
+          <a:bodyPr rtlCol="0" anchor="b"/>
+          <a:lstStyle/>
+          <a:p>
+            <a:pPr algn="ctr"/>
+            <a:r>
+              <a:rPr lang="en-US" altLang="ko-KR" sz="1100"/>
+              <a:t>Worker Node B</a:t>
+            </a:r>
+            <a:endParaRPr lang="ko-KR" altLang="en-US" sz="1100"/>
+          </a:p>
+        </p:txBody>
+      </p:sp>
+      <p:sp>
+        <p:nvSpPr>
+          <p:cNvPr id="10" name="모서리가 둥근 직사각형 2">
+            <a:extLst>
+              <a:ext uri="{FF2B5EF4-FFF2-40B4-BE49-F238E27FC236}">
+                <a16:creationId xmlns:a16="http://schemas.microsoft.com/office/drawing/2014/main" id="{5CC4C4CC-4394-24D2-F95E-1B91AC293343}"/>
+              </a:ext>
+            </a:extLst>
+          </p:cNvPr>
+          <p:cNvSpPr/>
+          <p:nvPr/>
+        </p:nvSpPr>
+        <p:spPr>
+          <a:xfrm>
+            <a:off x="6299468" y="2643752"/>
+            <a:ext cx="1368152" cy="1440154"/>
+          </a:xfrm>
+          <a:prstGeom prst="roundRect">
+            <a:avLst>
+              <a:gd name="adj" fmla="val 7293"/>
+            </a:avLst>
+          </a:prstGeom>
+          <a:ln w="12700"/>
+        </p:spPr>
+        <p:style>
+          <a:lnRef idx="2">
+            <a:schemeClr val="dk1"/>
+          </a:lnRef>
+          <a:fillRef idx="1">
+            <a:schemeClr val="lt1"/>
+          </a:fillRef>
+          <a:effectRef idx="0">
+            <a:schemeClr val="dk1"/>
+          </a:effectRef>
+          <a:fontRef idx="minor">
+            <a:schemeClr val="dk1"/>
+          </a:fontRef>
+        </p:style>
+        <p:txBody>
+          <a:bodyPr rtlCol="0" anchor="b"/>
+          <a:lstStyle/>
+          <a:p>
+            <a:pPr algn="ctr"/>
+            <a:r>
+              <a:rPr lang="en-US" altLang="ko-KR" sz="1100"/>
+              <a:t>Worker Node C</a:t>
+            </a:r>
+            <a:endParaRPr lang="ko-KR" altLang="en-US" sz="1100"/>
+          </a:p>
+        </p:txBody>
+      </p:sp>
+      <p:sp>
+        <p:nvSpPr>
+          <p:cNvPr id="11" name="모서리가 둥근 직사각형 2">
+            <a:extLst>
+              <a:ext uri="{FF2B5EF4-FFF2-40B4-BE49-F238E27FC236}">
+                <a16:creationId xmlns:a16="http://schemas.microsoft.com/office/drawing/2014/main" id="{870B7103-77DB-AAB9-FC43-C36E7AEE5176}"/>
+              </a:ext>
+            </a:extLst>
+          </p:cNvPr>
+          <p:cNvSpPr/>
+          <p:nvPr/>
+        </p:nvSpPr>
+        <p:spPr>
+          <a:xfrm>
+            <a:off x="3004435" y="2787768"/>
+            <a:ext cx="1190912" cy="386745"/>
+          </a:xfrm>
+          <a:prstGeom prst="roundRect">
+            <a:avLst>
+              <a:gd name="adj" fmla="val 13068"/>
+            </a:avLst>
+          </a:prstGeom>
+          <a:ln w="12700"/>
+        </p:spPr>
+        <p:style>
+          <a:lnRef idx="2">
+            <a:schemeClr val="dk1"/>
+          </a:lnRef>
+          <a:fillRef idx="1">
+            <a:schemeClr val="lt1"/>
+          </a:fillRef>
+          <a:effectRef idx="0">
+            <a:schemeClr val="dk1"/>
+          </a:effectRef>
+          <a:fontRef idx="minor">
+            <a:schemeClr val="dk1"/>
+          </a:fontRef>
+        </p:style>
+        <p:txBody>
+          <a:bodyPr rtlCol="0" anchor="ctr"/>
+          <a:lstStyle/>
+          <a:p>
+            <a:pPr algn="ctr"/>
+            <a:r>
+              <a:rPr lang="en-US" altLang="ko-KR" sz="1000"/>
+              <a:t>Driver / Pod</a:t>
+            </a:r>
+            <a:endParaRPr lang="ko-KR" altLang="en-US" sz="1000"/>
+          </a:p>
+        </p:txBody>
+      </p:sp>
+      <p:sp>
+        <p:nvSpPr>
+          <p:cNvPr id="12" name="모서리가 둥근 직사각형 2">
+            <a:extLst>
+              <a:ext uri="{FF2B5EF4-FFF2-40B4-BE49-F238E27FC236}">
+                <a16:creationId xmlns:a16="http://schemas.microsoft.com/office/drawing/2014/main" id="{8F4580A2-2795-D606-221C-33D957496623}"/>
+              </a:ext>
+            </a:extLst>
+          </p:cNvPr>
+          <p:cNvSpPr/>
+          <p:nvPr/>
+        </p:nvSpPr>
+        <p:spPr>
+          <a:xfrm>
+            <a:off x="693427" y="2196073"/>
+            <a:ext cx="1401376" cy="386745"/>
+          </a:xfrm>
+          <a:prstGeom prst="roundRect">
+            <a:avLst>
+              <a:gd name="adj" fmla="val 13068"/>
+            </a:avLst>
+          </a:prstGeom>
+          <a:ln w="12700"/>
+        </p:spPr>
+        <p:style>
+          <a:lnRef idx="2">
+            <a:schemeClr val="dk1"/>
+          </a:lnRef>
+          <a:fillRef idx="1">
+            <a:schemeClr val="lt1"/>
+          </a:fillRef>
+          <a:effectRef idx="0">
+            <a:schemeClr val="dk1"/>
+          </a:effectRef>
+          <a:fontRef idx="minor">
+            <a:schemeClr val="dk1"/>
+          </a:fontRef>
+        </p:style>
+        <p:txBody>
+          <a:bodyPr rtlCol="0" anchor="ctr"/>
+          <a:lstStyle/>
+          <a:p>
+            <a:pPr algn="ctr"/>
+            <a:r>
+              <a:rPr lang="en-US" altLang="ko-KR" sz="1000" b="1"/>
+              <a:t>spark-submit CLI</a:t>
+            </a:r>
+            <a:endParaRPr lang="ko-KR" altLang="en-US" sz="1000" b="1"/>
+          </a:p>
+        </p:txBody>
+      </p:sp>
+      <p:sp>
+        <p:nvSpPr>
+          <p:cNvPr id="18" name="모서리가 둥근 직사각형 2">
+            <a:extLst>
+              <a:ext uri="{FF2B5EF4-FFF2-40B4-BE49-F238E27FC236}">
+                <a16:creationId xmlns:a16="http://schemas.microsoft.com/office/drawing/2014/main" id="{0BE74BAC-CCCF-0A1E-E11F-47A743EE3D76}"/>
+              </a:ext>
+            </a:extLst>
+          </p:cNvPr>
+          <p:cNvSpPr/>
+          <p:nvPr/>
+        </p:nvSpPr>
+        <p:spPr>
+          <a:xfrm>
+            <a:off x="3004435" y="3291824"/>
+            <a:ext cx="1190912" cy="386745"/>
+          </a:xfrm>
+          <a:prstGeom prst="roundRect">
+            <a:avLst>
+              <a:gd name="adj" fmla="val 13068"/>
+            </a:avLst>
+          </a:prstGeom>
+          <a:ln w="12700"/>
+        </p:spPr>
+        <p:style>
+          <a:lnRef idx="2">
+            <a:schemeClr val="dk1"/>
+          </a:lnRef>
+          <a:fillRef idx="1">
+            <a:schemeClr val="lt1"/>
+          </a:fillRef>
+          <a:effectRef idx="0">
+            <a:schemeClr val="dk1"/>
+          </a:effectRef>
+          <a:fontRef idx="minor">
+            <a:schemeClr val="dk1"/>
+          </a:fontRef>
+        </p:style>
+        <p:txBody>
+          <a:bodyPr rtlCol="0" anchor="ctr"/>
+          <a:lstStyle/>
+          <a:p>
+            <a:pPr algn="ctr"/>
+            <a:r>
+              <a:rPr lang="en-US" altLang="ko-KR" sz="1000"/>
+              <a:t>Spark History Server / Pod</a:t>
+            </a:r>
+            <a:endParaRPr lang="ko-KR" altLang="en-US" sz="1000"/>
+          </a:p>
+        </p:txBody>
+      </p:sp>
+      <p:sp>
+        <p:nvSpPr>
+          <p:cNvPr id="20" name="모서리가 둥근 직사각형 2">
+            <a:extLst>
+              <a:ext uri="{FF2B5EF4-FFF2-40B4-BE49-F238E27FC236}">
+                <a16:creationId xmlns:a16="http://schemas.microsoft.com/office/drawing/2014/main" id="{C08BAA54-B1F1-29B9-35FD-3A8E56FFED64}"/>
+              </a:ext>
+            </a:extLst>
+          </p:cNvPr>
+          <p:cNvSpPr/>
+          <p:nvPr/>
+        </p:nvSpPr>
+        <p:spPr>
+          <a:xfrm>
+            <a:off x="4696180" y="3291824"/>
+            <a:ext cx="1190912" cy="386745"/>
+          </a:xfrm>
+          <a:prstGeom prst="roundRect">
+            <a:avLst>
+              <a:gd name="adj" fmla="val 13068"/>
+            </a:avLst>
+          </a:prstGeom>
+          <a:ln w="12700"/>
+        </p:spPr>
+        <p:style>
+          <a:lnRef idx="2">
+            <a:schemeClr val="dk1"/>
+          </a:lnRef>
+          <a:fillRef idx="1">
+            <a:schemeClr val="lt1"/>
+          </a:fillRef>
+          <a:effectRef idx="0">
+            <a:schemeClr val="dk1"/>
+          </a:effectRef>
+          <a:fontRef idx="minor">
+            <a:schemeClr val="dk1"/>
+          </a:fontRef>
+        </p:style>
+        <p:txBody>
+          <a:bodyPr rtlCol="0" anchor="ctr"/>
+          <a:lstStyle/>
+          <a:p>
+            <a:pPr algn="ctr"/>
+            <a:r>
+              <a:rPr lang="en-US" altLang="ko-KR" sz="1000"/>
+              <a:t>Executor / Pod</a:t>
+            </a:r>
+            <a:endParaRPr lang="ko-KR" altLang="en-US" sz="1000"/>
+          </a:p>
+        </p:txBody>
+      </p:sp>
+      <p:sp>
+        <p:nvSpPr>
+          <p:cNvPr id="30" name="모서리가 둥근 직사각형 2">
+            <a:extLst>
+              <a:ext uri="{FF2B5EF4-FFF2-40B4-BE49-F238E27FC236}">
+                <a16:creationId xmlns:a16="http://schemas.microsoft.com/office/drawing/2014/main" id="{237169D2-E52F-A9F0-128A-66AA7DD7C3F0}"/>
+              </a:ext>
+            </a:extLst>
+          </p:cNvPr>
+          <p:cNvSpPr/>
+          <p:nvPr/>
+        </p:nvSpPr>
+        <p:spPr>
+          <a:xfrm>
+            <a:off x="4696180" y="2787767"/>
+            <a:ext cx="1190912" cy="386745"/>
+          </a:xfrm>
+          <a:prstGeom prst="roundRect">
+            <a:avLst>
+              <a:gd name="adj" fmla="val 13068"/>
+            </a:avLst>
+          </a:prstGeom>
+          <a:ln w="12700"/>
+        </p:spPr>
+        <p:style>
+          <a:lnRef idx="2">
+            <a:schemeClr val="dk1"/>
+          </a:lnRef>
+          <a:fillRef idx="1">
+            <a:schemeClr val="lt1"/>
+          </a:fillRef>
+          <a:effectRef idx="0">
+            <a:schemeClr val="dk1"/>
+          </a:effectRef>
+          <a:fontRef idx="minor">
+            <a:schemeClr val="dk1"/>
+          </a:fontRef>
+        </p:style>
+        <p:txBody>
+          <a:bodyPr rtlCol="0" anchor="ctr"/>
+          <a:lstStyle/>
+          <a:p>
+            <a:pPr algn="ctr"/>
+            <a:r>
+              <a:rPr lang="en-US" altLang="ko-KR" sz="1000"/>
+              <a:t>Executor / Pod</a:t>
+            </a:r>
+            <a:endParaRPr lang="ko-KR" altLang="en-US" sz="1000"/>
+          </a:p>
+        </p:txBody>
+      </p:sp>
+      <p:sp>
+        <p:nvSpPr>
+          <p:cNvPr id="32" name="모서리가 둥근 직사각형 2">
+            <a:extLst>
+              <a:ext uri="{FF2B5EF4-FFF2-40B4-BE49-F238E27FC236}">
+                <a16:creationId xmlns:a16="http://schemas.microsoft.com/office/drawing/2014/main" id="{1354C772-CAEC-95EB-FFE3-19FA05F037E3}"/>
+              </a:ext>
+            </a:extLst>
+          </p:cNvPr>
+          <p:cNvSpPr/>
+          <p:nvPr/>
+        </p:nvSpPr>
+        <p:spPr>
+          <a:xfrm>
+            <a:off x="6388088" y="2787767"/>
+            <a:ext cx="1190912" cy="386745"/>
+          </a:xfrm>
+          <a:prstGeom prst="roundRect">
+            <a:avLst>
+              <a:gd name="adj" fmla="val 13068"/>
+            </a:avLst>
+          </a:prstGeom>
+          <a:ln w="12700"/>
+        </p:spPr>
+        <p:style>
+          <a:lnRef idx="2">
+            <a:schemeClr val="dk1"/>
+          </a:lnRef>
+          <a:fillRef idx="1">
+            <a:schemeClr val="lt1"/>
+          </a:fillRef>
+          <a:effectRef idx="0">
+            <a:schemeClr val="dk1"/>
+          </a:effectRef>
+          <a:fontRef idx="minor">
+            <a:schemeClr val="dk1"/>
+          </a:fontRef>
+        </p:style>
+        <p:txBody>
+          <a:bodyPr rtlCol="0" anchor="ctr"/>
+          <a:lstStyle/>
+          <a:p>
+            <a:pPr algn="ctr"/>
+            <a:r>
+              <a:rPr lang="en-US" altLang="ko-KR" sz="1000"/>
+              <a:t>Executor / Pod</a:t>
+            </a:r>
+            <a:endParaRPr lang="ko-KR" altLang="en-US" sz="1000"/>
+          </a:p>
+        </p:txBody>
+      </p:sp>
+      <p:sp>
+        <p:nvSpPr>
+          <p:cNvPr id="50" name="모서리가 둥근 직사각형 2">
+            <a:extLst>
+              <a:ext uri="{FF2B5EF4-FFF2-40B4-BE49-F238E27FC236}">
+                <a16:creationId xmlns:a16="http://schemas.microsoft.com/office/drawing/2014/main" id="{9DC68ADA-F451-0CCE-5586-EB5438D4E7C1}"/>
+              </a:ext>
+            </a:extLst>
+          </p:cNvPr>
+          <p:cNvSpPr/>
+          <p:nvPr/>
+        </p:nvSpPr>
+        <p:spPr>
+          <a:xfrm>
+            <a:off x="2915815" y="1346428"/>
+            <a:ext cx="1096289" cy="508063"/>
+          </a:xfrm>
+          <a:prstGeom prst="roundRect">
+            <a:avLst>
+              <a:gd name="adj" fmla="val 13068"/>
+            </a:avLst>
+          </a:prstGeom>
+          <a:ln w="12700"/>
+        </p:spPr>
+        <p:style>
+          <a:lnRef idx="2">
+            <a:schemeClr val="dk1"/>
+          </a:lnRef>
+          <a:fillRef idx="1">
+            <a:schemeClr val="lt1"/>
+          </a:fillRef>
+          <a:effectRef idx="0">
+            <a:schemeClr val="dk1"/>
+          </a:effectRef>
+          <a:fontRef idx="minor">
+            <a:schemeClr val="dk1"/>
+          </a:fontRef>
+        </p:style>
+        <p:txBody>
+          <a:bodyPr rtlCol="0" anchor="ctr"/>
+          <a:lstStyle/>
+          <a:p>
+            <a:pPr algn="ctr"/>
+            <a:r>
+              <a:rPr lang="en-US" altLang="ko-KR" sz="1000"/>
+              <a:t>Driver Config </a:t>
+            </a:r>
+          </a:p>
+          <a:p>
+            <a:pPr algn="ctr"/>
+            <a:r>
+              <a:rPr lang="en-US" altLang="ko-KR" sz="1000"/>
+              <a:t>/ ConfigMap</a:t>
+            </a:r>
+            <a:endParaRPr lang="ko-KR" altLang="en-US" sz="1000"/>
+          </a:p>
+        </p:txBody>
+      </p:sp>
+      <p:sp>
+        <p:nvSpPr>
+          <p:cNvPr id="52" name="모서리가 둥근 직사각형 2">
+            <a:extLst>
+              <a:ext uri="{FF2B5EF4-FFF2-40B4-BE49-F238E27FC236}">
+                <a16:creationId xmlns:a16="http://schemas.microsoft.com/office/drawing/2014/main" id="{D9FF5154-1FCB-8303-0C33-365F3B7A695D}"/>
+              </a:ext>
+            </a:extLst>
+          </p:cNvPr>
+          <p:cNvSpPr/>
+          <p:nvPr/>
+        </p:nvSpPr>
+        <p:spPr>
+          <a:xfrm>
+            <a:off x="6299468" y="1346428"/>
+            <a:ext cx="1368152" cy="508063"/>
+          </a:xfrm>
+          <a:prstGeom prst="roundRect">
+            <a:avLst>
+              <a:gd name="adj" fmla="val 13068"/>
+            </a:avLst>
+          </a:prstGeom>
+          <a:ln w="12700"/>
+        </p:spPr>
+        <p:style>
+          <a:lnRef idx="2">
+            <a:schemeClr val="dk1"/>
+          </a:lnRef>
+          <a:fillRef idx="1">
+            <a:schemeClr val="lt1"/>
+          </a:fillRef>
+          <a:effectRef idx="0">
+            <a:schemeClr val="dk1"/>
+          </a:effectRef>
+          <a:fontRef idx="minor">
+            <a:schemeClr val="dk1"/>
+          </a:fontRef>
+        </p:style>
+        <p:txBody>
+          <a:bodyPr rtlCol="0" anchor="ctr"/>
+          <a:lstStyle/>
+          <a:p>
+            <a:pPr algn="ctr"/>
+            <a:r>
+              <a:rPr lang="en-US" altLang="ko-KR" sz="1000"/>
+              <a:t>Driver Service</a:t>
+            </a:r>
+          </a:p>
+          <a:p>
+            <a:pPr algn="ctr"/>
+            <a:r>
+              <a:rPr lang="en-US" altLang="ko-KR" sz="1000"/>
+              <a:t>/ Service (Headless)</a:t>
+            </a:r>
+            <a:endParaRPr lang="ko-KR" altLang="en-US" sz="1000"/>
+          </a:p>
+        </p:txBody>
+      </p:sp>
+      <p:sp>
+        <p:nvSpPr>
+          <p:cNvPr id="53" name="모서리가 둥근 직사각형 2">
+            <a:extLst>
+              <a:ext uri="{FF2B5EF4-FFF2-40B4-BE49-F238E27FC236}">
+                <a16:creationId xmlns:a16="http://schemas.microsoft.com/office/drawing/2014/main" id="{65EF8AC6-68B4-E8F0-B6E0-BA72261162BA}"/>
+              </a:ext>
+            </a:extLst>
+          </p:cNvPr>
+          <p:cNvSpPr/>
+          <p:nvPr/>
+        </p:nvSpPr>
+        <p:spPr>
+          <a:xfrm>
+            <a:off x="6388088" y="3291823"/>
+            <a:ext cx="1190912" cy="386745"/>
+          </a:xfrm>
+          <a:prstGeom prst="roundRect">
+            <a:avLst>
+              <a:gd name="adj" fmla="val 13068"/>
+            </a:avLst>
+          </a:prstGeom>
+          <a:ln w="12700"/>
+        </p:spPr>
+        <p:style>
+          <a:lnRef idx="2">
+            <a:schemeClr val="dk1"/>
+          </a:lnRef>
+          <a:fillRef idx="1">
+            <a:schemeClr val="lt1"/>
+          </a:fillRef>
+          <a:effectRef idx="0">
+            <a:schemeClr val="dk1"/>
+          </a:effectRef>
+          <a:fontRef idx="minor">
+            <a:schemeClr val="dk1"/>
+          </a:fontRef>
+        </p:style>
+        <p:txBody>
+          <a:bodyPr rtlCol="0" anchor="ctr"/>
+          <a:lstStyle/>
+          <a:p>
+            <a:pPr algn="ctr"/>
+            <a:r>
+              <a:rPr lang="en-US" altLang="ko-KR" sz="1000"/>
+              <a:t>Executor / Pod</a:t>
+            </a:r>
+            <a:endParaRPr lang="ko-KR" altLang="en-US" sz="1000"/>
+          </a:p>
+        </p:txBody>
+      </p:sp>
+      <p:sp>
+        <p:nvSpPr>
+          <p:cNvPr id="66" name="Rounded Rectangle 65">
+            <a:extLst>
+              <a:ext uri="{FF2B5EF4-FFF2-40B4-BE49-F238E27FC236}">
+                <a16:creationId xmlns:a16="http://schemas.microsoft.com/office/drawing/2014/main" id="{61A09058-9133-1534-6F75-59B14374210C}"/>
+              </a:ext>
+            </a:extLst>
+          </p:cNvPr>
+          <p:cNvSpPr/>
+          <p:nvPr/>
+        </p:nvSpPr>
+        <p:spPr>
+          <a:xfrm>
+            <a:off x="4653126" y="2355726"/>
+            <a:ext cx="2972970" cy="1383108"/>
+          </a:xfrm>
+          <a:prstGeom prst="roundRect">
+            <a:avLst>
+              <a:gd name="adj" fmla="val 3462"/>
+            </a:avLst>
+          </a:prstGeom>
+          <a:noFill/>
+          <a:ln w="12700">
+            <a:solidFill>
+              <a:schemeClr val="tx1"/>
+            </a:solidFill>
+            <a:prstDash val="dash"/>
+          </a:ln>
+        </p:spPr>
+        <p:style>
+          <a:lnRef idx="2">
+            <a:schemeClr val="accent1">
+              <a:shade val="50000"/>
+            </a:schemeClr>
+          </a:lnRef>
+          <a:fillRef idx="1">
+            <a:schemeClr val="accent1"/>
+          </a:fillRef>
+          <a:effectRef idx="0">
+            <a:schemeClr val="accent1"/>
+          </a:effectRef>
+          <a:fontRef idx="minor">
+            <a:schemeClr val="lt1"/>
+          </a:fontRef>
+        </p:style>
+        <p:txBody>
+          <a:bodyPr rtlCol="0" anchor="t"/>
+          <a:lstStyle/>
+          <a:p>
+            <a:pPr algn="ctr"/>
+            <a:r>
+              <a:rPr lang="en-KR" sz="1000" b="1">
+                <a:solidFill>
+                  <a:sysClr val="windowText" lastClr="000000"/>
+                </a:solidFill>
+              </a:rPr>
+              <a:t>Executors</a:t>
+            </a:r>
+          </a:p>
+        </p:txBody>
+      </p:sp>
+      <p:pic>
+        <p:nvPicPr>
+          <p:cNvPr id="1026" name="Picture 2" descr="사람 - 무료 사회적인개 아이콘">
+            <a:extLst>
+              <a:ext uri="{FF2B5EF4-FFF2-40B4-BE49-F238E27FC236}">
+                <a16:creationId xmlns:a16="http://schemas.microsoft.com/office/drawing/2014/main" id="{5511788A-9777-BF16-EA55-3E15C4A83CAA}"/>
+              </a:ext>
+            </a:extLst>
+          </p:cNvPr>
+          <p:cNvPicPr>
+            <a:picLocks noChangeAspect="1" noChangeArrowheads="1"/>
+          </p:cNvPicPr>
+          <p:nvPr/>
+        </p:nvPicPr>
+        <p:blipFill>
+          <a:blip r:embed="rId3">
+            <a:extLst>
+              <a:ext uri="{28A0092B-C50C-407E-A947-70E740481C1C}">
+                <a14:useLocalDpi xmlns:a14="http://schemas.microsoft.com/office/drawing/2010/main" val="0"/>
+              </a:ext>
+            </a:extLst>
+          </a:blip>
+          <a:srcRect/>
+          <a:stretch>
+            <a:fillRect/>
+          </a:stretch>
+        </p:blipFill>
+        <p:spPr bwMode="auto">
+          <a:xfrm>
+            <a:off x="1116351" y="934365"/>
+            <a:ext cx="558919" cy="558919"/>
+          </a:xfrm>
+          <a:prstGeom prst="rect">
+            <a:avLst/>
+          </a:prstGeom>
+          <a:noFill/>
+          <a:extLst>
+            <a:ext uri="{909E8E84-426E-40DD-AFC4-6F175D3DCCD1}">
+              <a14:hiddenFill xmlns:a14="http://schemas.microsoft.com/office/drawing/2010/main">
+                <a:solidFill>
+                  <a:srgbClr val="FFFFFF"/>
+                </a:solidFill>
+              </a14:hiddenFill>
+            </a:ext>
+          </a:extLst>
+        </p:spPr>
+      </p:pic>
+      <p:cxnSp>
+        <p:nvCxnSpPr>
+          <p:cNvPr id="67" name="Straight Arrow Connector 66">
+            <a:extLst>
+              <a:ext uri="{FF2B5EF4-FFF2-40B4-BE49-F238E27FC236}">
+                <a16:creationId xmlns:a16="http://schemas.microsoft.com/office/drawing/2014/main" id="{12030ECF-D3CD-3C7C-DD45-B4093F2983A1}"/>
+              </a:ext>
+            </a:extLst>
+          </p:cNvPr>
+          <p:cNvCxnSpPr>
+            <a:cxnSpLocks/>
+            <a:stCxn id="91" idx="4"/>
+            <a:endCxn id="12" idx="0"/>
+          </p:cNvCxnSpPr>
+          <p:nvPr/>
+        </p:nvCxnSpPr>
+        <p:spPr>
+          <a:xfrm flipH="1">
+            <a:off x="1394115" y="1818489"/>
+            <a:ext cx="2236" cy="377584"/>
+          </a:xfrm>
+          <a:prstGeom prst="straightConnector1">
+            <a:avLst/>
+          </a:prstGeom>
+          <a:ln>
+            <a:solidFill>
+              <a:schemeClr val="tx2"/>
+            </a:solidFill>
+            <a:tailEnd type="triangle"/>
+          </a:ln>
+        </p:spPr>
+        <p:style>
+          <a:lnRef idx="1">
+            <a:schemeClr val="dk1"/>
+          </a:lnRef>
+          <a:fillRef idx="0">
+            <a:schemeClr val="dk1"/>
+          </a:fillRef>
+          <a:effectRef idx="0">
+            <a:schemeClr val="dk1"/>
+          </a:effectRef>
+          <a:fontRef idx="minor">
+            <a:schemeClr val="tx1"/>
+          </a:fontRef>
+        </p:style>
+      </p:cxnSp>
+      <p:sp>
+        <p:nvSpPr>
+          <p:cNvPr id="70" name="TextBox 69">
+            <a:extLst>
+              <a:ext uri="{FF2B5EF4-FFF2-40B4-BE49-F238E27FC236}">
+                <a16:creationId xmlns:a16="http://schemas.microsoft.com/office/drawing/2014/main" id="{3CB6BB73-9335-434E-5C5D-BCE6298077DA}"/>
+              </a:ext>
+            </a:extLst>
+          </p:cNvPr>
+          <p:cNvSpPr txBox="1"/>
+          <p:nvPr/>
+        </p:nvSpPr>
+        <p:spPr>
+          <a:xfrm>
+            <a:off x="1180118" y="1394394"/>
+            <a:ext cx="444352" cy="246221"/>
+          </a:xfrm>
+          <a:prstGeom prst="rect">
+            <a:avLst/>
+          </a:prstGeom>
+          <a:noFill/>
+        </p:spPr>
+        <p:txBody>
+          <a:bodyPr wrap="none" rtlCol="0">
+            <a:spAutoFit/>
+          </a:bodyPr>
+          <a:lstStyle/>
+          <a:p>
+            <a:r>
+              <a:rPr lang="en-US" sz="1000"/>
+              <a:t>User</a:t>
+            </a:r>
+            <a:endParaRPr lang="en-KR" sz="1000"/>
+          </a:p>
+        </p:txBody>
+      </p:sp>
+      <p:cxnSp>
+        <p:nvCxnSpPr>
+          <p:cNvPr id="78" name="Elbow Connector 77">
+            <a:extLst>
+              <a:ext uri="{FF2B5EF4-FFF2-40B4-BE49-F238E27FC236}">
+                <a16:creationId xmlns:a16="http://schemas.microsoft.com/office/drawing/2014/main" id="{070E0060-91D8-6C59-76DD-9DF4EE2777CC}"/>
+              </a:ext>
+            </a:extLst>
+          </p:cNvPr>
+          <p:cNvCxnSpPr>
+            <a:cxnSpLocks/>
+            <a:stCxn id="1114" idx="0"/>
+            <a:endCxn id="1026" idx="3"/>
+          </p:cNvCxnSpPr>
+          <p:nvPr/>
+        </p:nvCxnSpPr>
+        <p:spPr>
+          <a:xfrm rot="16200000" flipV="1">
+            <a:off x="3348964" y="-459868"/>
+            <a:ext cx="132603" cy="3479990"/>
+          </a:xfrm>
+          <a:prstGeom prst="bentConnector2">
+            <a:avLst/>
+          </a:prstGeom>
+          <a:ln>
+            <a:solidFill>
+              <a:srgbClr val="C00000"/>
+            </a:solidFill>
+            <a:tailEnd type="triangle"/>
+          </a:ln>
+        </p:spPr>
+        <p:style>
+          <a:lnRef idx="1">
+            <a:schemeClr val="dk1"/>
+          </a:lnRef>
+          <a:fillRef idx="0">
+            <a:schemeClr val="dk1"/>
+          </a:fillRef>
+          <a:effectRef idx="0">
+            <a:schemeClr val="dk1"/>
+          </a:effectRef>
+          <a:fontRef idx="minor">
+            <a:schemeClr val="tx1"/>
+          </a:fontRef>
+        </p:style>
+      </p:cxnSp>
+      <p:cxnSp>
+        <p:nvCxnSpPr>
+          <p:cNvPr id="85" name="Elbow Connector 84">
+            <a:extLst>
+              <a:ext uri="{FF2B5EF4-FFF2-40B4-BE49-F238E27FC236}">
+                <a16:creationId xmlns:a16="http://schemas.microsoft.com/office/drawing/2014/main" id="{193ABD5E-2F7B-0B72-9C05-C0EBD1E6D99B}"/>
+              </a:ext>
+            </a:extLst>
+          </p:cNvPr>
+          <p:cNvCxnSpPr>
+            <a:cxnSpLocks/>
+            <a:stCxn id="1044" idx="0"/>
+            <a:endCxn id="1114" idx="2"/>
+          </p:cNvCxnSpPr>
+          <p:nvPr/>
+        </p:nvCxnSpPr>
+        <p:spPr>
+          <a:xfrm rot="5400000" flipH="1" flipV="1">
+            <a:off x="3958732" y="1991490"/>
+            <a:ext cx="1333526" cy="1059529"/>
+          </a:xfrm>
+          <a:prstGeom prst="bentConnector3">
+            <a:avLst>
+              <a:gd name="adj1" fmla="val 46552"/>
+            </a:avLst>
+          </a:prstGeom>
+          <a:ln>
+            <a:solidFill>
+              <a:srgbClr val="C00000"/>
+            </a:solidFill>
+            <a:tailEnd type="triangle"/>
+          </a:ln>
+        </p:spPr>
+        <p:style>
+          <a:lnRef idx="1">
+            <a:schemeClr val="dk1"/>
+          </a:lnRef>
+          <a:fillRef idx="0">
+            <a:schemeClr val="dk1"/>
+          </a:fillRef>
+          <a:effectRef idx="0">
+            <a:schemeClr val="dk1"/>
+          </a:effectRef>
+          <a:fontRef idx="minor">
+            <a:schemeClr val="tx1"/>
+          </a:fontRef>
+        </p:style>
+      </p:cxnSp>
+      <p:sp>
+        <p:nvSpPr>
+          <p:cNvPr id="91" name="Oval 90">
+            <a:extLst>
+              <a:ext uri="{FF2B5EF4-FFF2-40B4-BE49-F238E27FC236}">
+                <a16:creationId xmlns:a16="http://schemas.microsoft.com/office/drawing/2014/main" id="{98E0E014-3205-B2E7-5949-2BFF608208D3}"/>
+              </a:ext>
+            </a:extLst>
+          </p:cNvPr>
+          <p:cNvSpPr/>
+          <p:nvPr/>
+        </p:nvSpPr>
+        <p:spPr>
+          <a:xfrm>
+            <a:off x="1288339" y="1602465"/>
+            <a:ext cx="216024" cy="216024"/>
+          </a:xfrm>
+          <a:prstGeom prst="ellipse">
+            <a:avLst/>
+          </a:prstGeom>
+          <a:solidFill>
+            <a:schemeClr val="bg1"/>
+          </a:solidFill>
+          <a:ln w="19050">
+            <a:solidFill>
+              <a:schemeClr val="tx2"/>
+            </a:solidFill>
+          </a:ln>
+        </p:spPr>
+        <p:style>
+          <a:lnRef idx="2">
+            <a:schemeClr val="accent1">
+              <a:shade val="15000"/>
+            </a:schemeClr>
+          </a:lnRef>
+          <a:fillRef idx="1">
+            <a:schemeClr val="accent1"/>
+          </a:fillRef>
+          <a:effectRef idx="0">
+            <a:schemeClr val="accent1"/>
+          </a:effectRef>
+          <a:fontRef idx="minor">
+            <a:schemeClr val="lt1"/>
+          </a:fontRef>
+        </p:style>
+        <p:txBody>
+          <a:bodyPr rtlCol="0" anchor="ctr"/>
+          <a:lstStyle/>
+          <a:p>
+            <a:pPr algn="ctr"/>
+            <a:r>
+              <a:rPr lang="en-KR" sz="1000">
+                <a:solidFill>
+                  <a:schemeClr val="tx2"/>
+                </a:solidFill>
+              </a:rPr>
+              <a:t>1</a:t>
+            </a:r>
+          </a:p>
+        </p:txBody>
+      </p:sp>
+      <p:cxnSp>
+        <p:nvCxnSpPr>
+          <p:cNvPr id="96" name="Straight Arrow Connector 95">
+            <a:extLst>
+              <a:ext uri="{FF2B5EF4-FFF2-40B4-BE49-F238E27FC236}">
+                <a16:creationId xmlns:a16="http://schemas.microsoft.com/office/drawing/2014/main" id="{D2965823-9322-29F9-9C45-174CC7BDA338}"/>
+              </a:ext>
+            </a:extLst>
+          </p:cNvPr>
+          <p:cNvCxnSpPr>
+            <a:cxnSpLocks/>
+          </p:cNvCxnSpPr>
+          <p:nvPr/>
+        </p:nvCxnSpPr>
+        <p:spPr>
+          <a:xfrm>
+            <a:off x="3131840" y="1853179"/>
+            <a:ext cx="0" cy="934589"/>
+          </a:xfrm>
+          <a:prstGeom prst="straightConnector1">
+            <a:avLst/>
+          </a:prstGeom>
+          <a:ln>
+            <a:tailEnd type="triangle"/>
+          </a:ln>
+        </p:spPr>
+        <p:style>
+          <a:lnRef idx="1">
+            <a:schemeClr val="dk1"/>
+          </a:lnRef>
+          <a:fillRef idx="0">
+            <a:schemeClr val="dk1"/>
+          </a:fillRef>
+          <a:effectRef idx="0">
+            <a:schemeClr val="dk1"/>
+          </a:effectRef>
+          <a:fontRef idx="minor">
+            <a:schemeClr val="tx1"/>
+          </a:fontRef>
+        </p:style>
+      </p:cxnSp>
+      <p:cxnSp>
+        <p:nvCxnSpPr>
+          <p:cNvPr id="120" name="Elbow Connector 119">
+            <a:extLst>
+              <a:ext uri="{FF2B5EF4-FFF2-40B4-BE49-F238E27FC236}">
+                <a16:creationId xmlns:a16="http://schemas.microsoft.com/office/drawing/2014/main" id="{22EA938F-29F8-0F65-4F82-70F42AB86439}"/>
+              </a:ext>
+            </a:extLst>
+          </p:cNvPr>
+          <p:cNvCxnSpPr>
+            <a:cxnSpLocks/>
+            <a:stCxn id="64" idx="6"/>
+            <a:endCxn id="50" idx="1"/>
+          </p:cNvCxnSpPr>
+          <p:nvPr/>
+        </p:nvCxnSpPr>
+        <p:spPr>
+          <a:xfrm flipV="1">
+            <a:off x="2212540" y="1600460"/>
+            <a:ext cx="703275" cy="669966"/>
+          </a:xfrm>
+          <a:prstGeom prst="bentConnector3">
+            <a:avLst>
+              <a:gd name="adj1" fmla="val 48434"/>
+            </a:avLst>
+          </a:prstGeom>
+          <a:ln>
+            <a:solidFill>
+              <a:schemeClr val="tx2"/>
+            </a:solidFill>
+            <a:tailEnd type="triangle"/>
+          </a:ln>
+        </p:spPr>
+        <p:style>
+          <a:lnRef idx="1">
+            <a:schemeClr val="dk1"/>
+          </a:lnRef>
+          <a:fillRef idx="0">
+            <a:schemeClr val="dk1"/>
+          </a:fillRef>
+          <a:effectRef idx="0">
+            <a:schemeClr val="dk1"/>
+          </a:effectRef>
+          <a:fontRef idx="minor">
+            <a:schemeClr val="tx1"/>
+          </a:fontRef>
+        </p:style>
+      </p:cxnSp>
+      <p:cxnSp>
+        <p:nvCxnSpPr>
+          <p:cNvPr id="123" name="Elbow Connector 122">
+            <a:extLst>
+              <a:ext uri="{FF2B5EF4-FFF2-40B4-BE49-F238E27FC236}">
+                <a16:creationId xmlns:a16="http://schemas.microsoft.com/office/drawing/2014/main" id="{072811F0-9D7C-903C-69F0-81F3AB86506A}"/>
+              </a:ext>
+            </a:extLst>
+          </p:cNvPr>
+          <p:cNvCxnSpPr>
+            <a:cxnSpLocks/>
+            <a:stCxn id="68" idx="6"/>
+          </p:cNvCxnSpPr>
+          <p:nvPr/>
+        </p:nvCxnSpPr>
+        <p:spPr>
+          <a:xfrm>
+            <a:off x="2208747" y="2518820"/>
+            <a:ext cx="795687" cy="343919"/>
+          </a:xfrm>
+          <a:prstGeom prst="bentConnector3">
+            <a:avLst>
+              <a:gd name="adj1" fmla="val 44085"/>
+            </a:avLst>
+          </a:prstGeom>
+          <a:ln>
+            <a:solidFill>
+              <a:schemeClr val="tx2"/>
+            </a:solidFill>
+            <a:tailEnd type="triangle"/>
+          </a:ln>
+        </p:spPr>
+        <p:style>
+          <a:lnRef idx="1">
+            <a:schemeClr val="dk1"/>
+          </a:lnRef>
+          <a:fillRef idx="0">
+            <a:schemeClr val="dk1"/>
+          </a:fillRef>
+          <a:effectRef idx="0">
+            <a:schemeClr val="dk1"/>
+          </a:effectRef>
+          <a:fontRef idx="minor">
+            <a:schemeClr val="tx1"/>
+          </a:fontRef>
+        </p:style>
+      </p:cxnSp>
+      <p:sp>
+        <p:nvSpPr>
+          <p:cNvPr id="1041" name="모서리가 둥근 직사각형 2">
+            <a:extLst>
+              <a:ext uri="{FF2B5EF4-FFF2-40B4-BE49-F238E27FC236}">
+                <a16:creationId xmlns:a16="http://schemas.microsoft.com/office/drawing/2014/main" id="{78912B6A-4DC7-0660-85AF-A36CA6409A20}"/>
+              </a:ext>
+            </a:extLst>
+          </p:cNvPr>
+          <p:cNvSpPr/>
+          <p:nvPr/>
+        </p:nvSpPr>
+        <p:spPr>
+          <a:xfrm>
+            <a:off x="693427" y="3291823"/>
+            <a:ext cx="1401376" cy="386745"/>
+          </a:xfrm>
+          <a:prstGeom prst="roundRect">
+            <a:avLst>
+              <a:gd name="adj" fmla="val 13068"/>
+            </a:avLst>
+          </a:prstGeom>
+          <a:ln w="12700"/>
+        </p:spPr>
+        <p:style>
+          <a:lnRef idx="2">
+            <a:schemeClr val="dk1"/>
+          </a:lnRef>
+          <a:fillRef idx="1">
+            <a:schemeClr val="lt1"/>
+          </a:fillRef>
+          <a:effectRef idx="0">
+            <a:schemeClr val="dk1"/>
+          </a:effectRef>
+          <a:fontRef idx="minor">
+            <a:schemeClr val="dk1"/>
+          </a:fontRef>
+        </p:style>
+        <p:txBody>
+          <a:bodyPr rtlCol="0" anchor="ctr"/>
+          <a:lstStyle/>
+          <a:p>
+            <a:pPr algn="ctr"/>
+            <a:r>
+              <a:rPr lang="en-US" altLang="ko-KR" sz="1000"/>
+              <a:t>HDFS</a:t>
+            </a:r>
+            <a:endParaRPr lang="ko-KR" altLang="en-US" sz="1000"/>
+          </a:p>
+        </p:txBody>
+      </p:sp>
+      <p:sp>
+        <p:nvSpPr>
+          <p:cNvPr id="1042" name="모서리가 둥근 직사각형 2">
+            <a:extLst>
+              <a:ext uri="{FF2B5EF4-FFF2-40B4-BE49-F238E27FC236}">
+                <a16:creationId xmlns:a16="http://schemas.microsoft.com/office/drawing/2014/main" id="{4DF38BB4-9819-888D-B773-28F265C2B963}"/>
+              </a:ext>
+            </a:extLst>
+          </p:cNvPr>
+          <p:cNvSpPr/>
+          <p:nvPr/>
+        </p:nvSpPr>
+        <p:spPr>
+          <a:xfrm>
+            <a:off x="693427" y="3814472"/>
+            <a:ext cx="1401376" cy="386745"/>
+          </a:xfrm>
+          <a:prstGeom prst="roundRect">
+            <a:avLst>
+              <a:gd name="adj" fmla="val 13068"/>
+            </a:avLst>
+          </a:prstGeom>
+          <a:ln w="12700"/>
+        </p:spPr>
+        <p:style>
+          <a:lnRef idx="2">
+            <a:schemeClr val="dk1"/>
+          </a:lnRef>
+          <a:fillRef idx="1">
+            <a:schemeClr val="lt1"/>
+          </a:fillRef>
+          <a:effectRef idx="0">
+            <a:schemeClr val="dk1"/>
+          </a:effectRef>
+          <a:fontRef idx="minor">
+            <a:schemeClr val="dk1"/>
+          </a:fontRef>
+        </p:style>
+        <p:txBody>
+          <a:bodyPr rtlCol="0" anchor="ctr"/>
+          <a:lstStyle/>
+          <a:p>
+            <a:pPr algn="ctr"/>
+            <a:r>
+              <a:rPr lang="en-US" altLang="ko-KR" sz="1000"/>
+              <a:t>AWS S3</a:t>
+            </a:r>
+            <a:endParaRPr lang="ko-KR" altLang="en-US" sz="1000"/>
+          </a:p>
+        </p:txBody>
+      </p:sp>
+      <p:cxnSp>
+        <p:nvCxnSpPr>
+          <p:cNvPr id="1077" name="Elbow Connector 1076">
+            <a:extLst>
+              <a:ext uri="{FF2B5EF4-FFF2-40B4-BE49-F238E27FC236}">
+                <a16:creationId xmlns:a16="http://schemas.microsoft.com/office/drawing/2014/main" id="{7EA25DC9-362B-8CE0-A5E0-DD576139EB91}"/>
+              </a:ext>
+            </a:extLst>
+          </p:cNvPr>
+          <p:cNvCxnSpPr>
+            <a:cxnSpLocks/>
+            <a:stCxn id="1030" idx="2"/>
+            <a:endCxn id="1086" idx="3"/>
+          </p:cNvCxnSpPr>
+          <p:nvPr/>
+        </p:nvCxnSpPr>
+        <p:spPr>
+          <a:xfrm rot="10800000" flipV="1">
+            <a:off x="2138763" y="3483674"/>
+            <a:ext cx="756310" cy="354093"/>
+          </a:xfrm>
+          <a:prstGeom prst="bentConnector3">
+            <a:avLst>
+              <a:gd name="adj1" fmla="val 50000"/>
+            </a:avLst>
+          </a:prstGeom>
+          <a:ln>
+            <a:solidFill>
+              <a:srgbClr val="C00000"/>
+            </a:solidFill>
+            <a:tailEnd type="triangle"/>
+          </a:ln>
+        </p:spPr>
+        <p:style>
+          <a:lnRef idx="1">
+            <a:schemeClr val="dk1"/>
+          </a:lnRef>
+          <a:fillRef idx="0">
+            <a:schemeClr val="dk1"/>
+          </a:fillRef>
+          <a:effectRef idx="0">
+            <a:schemeClr val="dk1"/>
+          </a:effectRef>
+          <a:fontRef idx="minor">
+            <a:schemeClr val="tx1"/>
+          </a:fontRef>
+        </p:style>
+      </p:cxnSp>
+      <p:sp>
+        <p:nvSpPr>
+          <p:cNvPr id="1086" name="Rounded Rectangle 1085">
+            <a:extLst>
+              <a:ext uri="{FF2B5EF4-FFF2-40B4-BE49-F238E27FC236}">
+                <a16:creationId xmlns:a16="http://schemas.microsoft.com/office/drawing/2014/main" id="{EFB2A99B-C801-D583-6B1D-6C50018A5544}"/>
+              </a:ext>
+            </a:extLst>
+          </p:cNvPr>
+          <p:cNvSpPr/>
+          <p:nvPr/>
+        </p:nvSpPr>
+        <p:spPr>
+          <a:xfrm>
+            <a:off x="652278" y="3231139"/>
+            <a:ext cx="1486485" cy="1213258"/>
+          </a:xfrm>
+          <a:prstGeom prst="roundRect">
+            <a:avLst>
+              <a:gd name="adj" fmla="val 3462"/>
+            </a:avLst>
+          </a:prstGeom>
+          <a:noFill/>
+          <a:ln w="12700">
+            <a:solidFill>
+              <a:schemeClr val="tx1"/>
+            </a:solidFill>
+            <a:prstDash val="dash"/>
+          </a:ln>
+        </p:spPr>
+        <p:style>
+          <a:lnRef idx="2">
+            <a:schemeClr val="accent1">
+              <a:shade val="50000"/>
+            </a:schemeClr>
+          </a:lnRef>
+          <a:fillRef idx="1">
+            <a:schemeClr val="accent1"/>
+          </a:fillRef>
+          <a:effectRef idx="0">
+            <a:schemeClr val="accent1"/>
+          </a:effectRef>
+          <a:fontRef idx="minor">
+            <a:schemeClr val="lt1"/>
+          </a:fontRef>
+        </p:style>
+        <p:txBody>
+          <a:bodyPr rtlCol="0" anchor="b"/>
+          <a:lstStyle/>
+          <a:p>
+            <a:pPr algn="ctr"/>
+            <a:r>
+              <a:rPr lang="en-KR" sz="1000" b="1">
+                <a:solidFill>
+                  <a:sysClr val="windowText" lastClr="000000"/>
+                </a:solidFill>
+              </a:rPr>
+              <a:t>Storages </a:t>
+            </a:r>
+          </a:p>
+        </p:txBody>
+      </p:sp>
+      <p:sp>
+        <p:nvSpPr>
+          <p:cNvPr id="1097" name="Freeform 1096">
+            <a:extLst>
+              <a:ext uri="{FF2B5EF4-FFF2-40B4-BE49-F238E27FC236}">
+                <a16:creationId xmlns:a16="http://schemas.microsoft.com/office/drawing/2014/main" id="{869B0BFD-C700-87CA-E5D4-B6F0FF47645B}"/>
+              </a:ext>
+            </a:extLst>
+          </p:cNvPr>
+          <p:cNvSpPr/>
+          <p:nvPr/>
+        </p:nvSpPr>
+        <p:spPr>
+          <a:xfrm>
+            <a:off x="1418336" y="3060872"/>
+            <a:ext cx="1476738" cy="170267"/>
+          </a:xfrm>
+          <a:custGeom>
+            <a:avLst/>
+            <a:gdLst>
+              <a:gd name="connsiteX0" fmla="*/ 857644 w 857644"/>
+              <a:gd name="connsiteY0" fmla="*/ 0 h 170267"/>
+              <a:gd name="connsiteX1" fmla="*/ 0 w 857644"/>
+              <a:gd name="connsiteY1" fmla="*/ 0 h 170267"/>
+              <a:gd name="connsiteX2" fmla="*/ 0 w 857644"/>
+              <a:gd name="connsiteY2" fmla="*/ 170267 h 170267"/>
+              <a:gd name="connsiteX3" fmla="*/ 0 w 857644"/>
+              <a:gd name="connsiteY3" fmla="*/ 170267 h 170267"/>
+            </a:gdLst>
+            <a:ahLst/>
+            <a:cxnLst>
+              <a:cxn ang="0">
+                <a:pos x="connsiteX0" y="connsiteY0"/>
+              </a:cxn>
+              <a:cxn ang="0">
+                <a:pos x="connsiteX1" y="connsiteY1"/>
+              </a:cxn>
+              <a:cxn ang="0">
+                <a:pos x="connsiteX2" y="connsiteY2"/>
+              </a:cxn>
+              <a:cxn ang="0">
+                <a:pos x="connsiteX3" y="connsiteY3"/>
+              </a:cxn>
+            </a:cxnLst>
+            <a:rect l="l" t="t" r="r" b="b"/>
+            <a:pathLst>
+              <a:path w="857644" h="170267">
+                <a:moveTo>
+                  <a:pt x="857644" y="0"/>
+                </a:moveTo>
+                <a:lnTo>
+                  <a:pt x="0" y="0"/>
+                </a:lnTo>
+                <a:lnTo>
+                  <a:pt x="0" y="170267"/>
+                </a:lnTo>
+                <a:lnTo>
+                  <a:pt x="0" y="170267"/>
+                </a:lnTo>
+              </a:path>
+            </a:pathLst>
+          </a:custGeom>
+          <a:noFill/>
+          <a:ln w="12700">
+            <a:solidFill>
+              <a:srgbClr val="C00000"/>
+            </a:solidFill>
+            <a:headEnd type="none" w="med" len="med"/>
+            <a:tailEnd type="triangle" w="med" len="med"/>
+          </a:ln>
+        </p:spPr>
+        <p:style>
+          <a:lnRef idx="2">
+            <a:schemeClr val="accent1">
+              <a:shade val="15000"/>
+            </a:schemeClr>
+          </a:lnRef>
+          <a:fillRef idx="1">
+            <a:schemeClr val="accent1"/>
+          </a:fillRef>
+          <a:effectRef idx="0">
+            <a:schemeClr val="accent1"/>
+          </a:effectRef>
+          <a:fontRef idx="minor">
+            <a:schemeClr val="lt1"/>
+          </a:fontRef>
+        </p:style>
+        <p:txBody>
+          <a:bodyPr rtlCol="0" anchor="ctr"/>
+          <a:lstStyle/>
+          <a:p>
+            <a:pPr algn="ctr"/>
+            <a:endParaRPr lang="en-KR"/>
+          </a:p>
+        </p:txBody>
+      </p:sp>
+      <p:sp>
+        <p:nvSpPr>
+          <p:cNvPr id="1098" name="Freeform 1097">
+            <a:extLst>
+              <a:ext uri="{FF2B5EF4-FFF2-40B4-BE49-F238E27FC236}">
+                <a16:creationId xmlns:a16="http://schemas.microsoft.com/office/drawing/2014/main" id="{E3D2E82C-E0A9-0ED4-6D37-EDBD06146C80}"/>
+              </a:ext>
+            </a:extLst>
+          </p:cNvPr>
+          <p:cNvSpPr/>
+          <p:nvPr/>
+        </p:nvSpPr>
+        <p:spPr>
+          <a:xfrm rot="5400000" flipV="1">
+            <a:off x="4131294" y="2155059"/>
+            <a:ext cx="177142" cy="866524"/>
+          </a:xfrm>
+          <a:custGeom>
+            <a:avLst/>
+            <a:gdLst>
+              <a:gd name="connsiteX0" fmla="*/ 857644 w 857644"/>
+              <a:gd name="connsiteY0" fmla="*/ 0 h 170267"/>
+              <a:gd name="connsiteX1" fmla="*/ 0 w 857644"/>
+              <a:gd name="connsiteY1" fmla="*/ 0 h 170267"/>
+              <a:gd name="connsiteX2" fmla="*/ 0 w 857644"/>
+              <a:gd name="connsiteY2" fmla="*/ 170267 h 170267"/>
+              <a:gd name="connsiteX3" fmla="*/ 0 w 857644"/>
+              <a:gd name="connsiteY3" fmla="*/ 170267 h 170267"/>
+            </a:gdLst>
+            <a:ahLst/>
+            <a:cxnLst>
+              <a:cxn ang="0">
+                <a:pos x="connsiteX0" y="connsiteY0"/>
+              </a:cxn>
+              <a:cxn ang="0">
+                <a:pos x="connsiteX1" y="connsiteY1"/>
+              </a:cxn>
+              <a:cxn ang="0">
+                <a:pos x="connsiteX2" y="connsiteY2"/>
+              </a:cxn>
+              <a:cxn ang="0">
+                <a:pos x="connsiteX3" y="connsiteY3"/>
+              </a:cxn>
+            </a:cxnLst>
+            <a:rect l="l" t="t" r="r" b="b"/>
+            <a:pathLst>
+              <a:path w="857644" h="170267">
+                <a:moveTo>
+                  <a:pt x="857644" y="0"/>
+                </a:moveTo>
+                <a:lnTo>
+                  <a:pt x="0" y="0"/>
+                </a:lnTo>
+                <a:lnTo>
+                  <a:pt x="0" y="170267"/>
+                </a:lnTo>
+                <a:lnTo>
+                  <a:pt x="0" y="170267"/>
+                </a:lnTo>
+              </a:path>
+            </a:pathLst>
+          </a:custGeom>
+          <a:noFill/>
+          <a:ln w="12700">
+            <a:solidFill>
+              <a:schemeClr val="tx2"/>
+            </a:solidFill>
+            <a:headEnd type="none" w="med" len="med"/>
+            <a:tailEnd type="triangle" w="med" len="med"/>
+          </a:ln>
+        </p:spPr>
+        <p:style>
+          <a:lnRef idx="2">
+            <a:schemeClr val="accent1">
+              <a:shade val="15000"/>
+            </a:schemeClr>
+          </a:lnRef>
+          <a:fillRef idx="1">
+            <a:schemeClr val="accent1"/>
+          </a:fillRef>
+          <a:effectRef idx="0">
+            <a:schemeClr val="accent1"/>
+          </a:effectRef>
+          <a:fontRef idx="minor">
+            <a:schemeClr val="lt1"/>
+          </a:fontRef>
+        </p:style>
+        <p:txBody>
+          <a:bodyPr rtlCol="0" anchor="ctr"/>
+          <a:lstStyle/>
+          <a:p>
+            <a:pPr algn="ctr"/>
+            <a:endParaRPr lang="en-KR"/>
+          </a:p>
+        </p:txBody>
+      </p:sp>
+      <p:sp>
+        <p:nvSpPr>
+          <p:cNvPr id="1103" name="Oval 1102">
+            <a:extLst>
+              <a:ext uri="{FF2B5EF4-FFF2-40B4-BE49-F238E27FC236}">
+                <a16:creationId xmlns:a16="http://schemas.microsoft.com/office/drawing/2014/main" id="{D1CD71D9-FE6E-6799-4113-71EEE8B30F53}"/>
+              </a:ext>
+            </a:extLst>
+          </p:cNvPr>
+          <p:cNvSpPr/>
+          <p:nvPr/>
+        </p:nvSpPr>
+        <p:spPr>
+          <a:xfrm>
+            <a:off x="4592639" y="2875307"/>
+            <a:ext cx="216024" cy="216024"/>
+          </a:xfrm>
+          <a:prstGeom prst="ellipse">
+            <a:avLst/>
+          </a:prstGeom>
+          <a:solidFill>
+            <a:schemeClr val="bg1"/>
+          </a:solidFill>
+          <a:ln w="19050">
+            <a:solidFill>
+              <a:schemeClr val="tx2"/>
+            </a:solidFill>
+          </a:ln>
+        </p:spPr>
+        <p:style>
+          <a:lnRef idx="2">
+            <a:schemeClr val="accent1">
+              <a:shade val="15000"/>
+            </a:schemeClr>
+          </a:lnRef>
+          <a:fillRef idx="1">
+            <a:schemeClr val="accent1"/>
+          </a:fillRef>
+          <a:effectRef idx="0">
+            <a:schemeClr val="accent1"/>
+          </a:effectRef>
+          <a:fontRef idx="minor">
+            <a:schemeClr val="lt1"/>
+          </a:fontRef>
+        </p:style>
+        <p:txBody>
+          <a:bodyPr rtlCol="0" anchor="ctr"/>
+          <a:lstStyle/>
+          <a:p>
+            <a:pPr algn="ctr"/>
+            <a:r>
+              <a:rPr lang="en-KR" sz="1000">
+                <a:solidFill>
+                  <a:schemeClr val="tx2"/>
+                </a:solidFill>
+              </a:rPr>
+              <a:t>7</a:t>
+            </a:r>
+          </a:p>
+        </p:txBody>
+      </p:sp>
+      <p:cxnSp>
+        <p:nvCxnSpPr>
+          <p:cNvPr id="1105" name="Straight Arrow Connector 1104">
+            <a:extLst>
+              <a:ext uri="{FF2B5EF4-FFF2-40B4-BE49-F238E27FC236}">
+                <a16:creationId xmlns:a16="http://schemas.microsoft.com/office/drawing/2014/main" id="{2A14C28D-F841-D919-710F-E1EF6CEE3317}"/>
+              </a:ext>
+            </a:extLst>
+          </p:cNvPr>
+          <p:cNvCxnSpPr>
+            <a:cxnSpLocks/>
+            <a:stCxn id="1103" idx="2"/>
+            <a:endCxn id="11" idx="3"/>
+          </p:cNvCxnSpPr>
+          <p:nvPr/>
+        </p:nvCxnSpPr>
+        <p:spPr>
+          <a:xfrm flipH="1" flipV="1">
+            <a:off x="4195347" y="2981141"/>
+            <a:ext cx="397292" cy="2178"/>
+          </a:xfrm>
+          <a:prstGeom prst="straightConnector1">
+            <a:avLst/>
+          </a:prstGeom>
+          <a:ln>
+            <a:solidFill>
+              <a:schemeClr val="tx2"/>
+            </a:solidFill>
+            <a:tailEnd type="triangle"/>
+          </a:ln>
+        </p:spPr>
+        <p:style>
+          <a:lnRef idx="1">
+            <a:schemeClr val="dk1"/>
+          </a:lnRef>
+          <a:fillRef idx="0">
+            <a:schemeClr val="dk1"/>
+          </a:fillRef>
+          <a:effectRef idx="0">
+            <a:schemeClr val="dk1"/>
+          </a:effectRef>
+          <a:fontRef idx="minor">
+            <a:schemeClr val="tx1"/>
+          </a:fontRef>
+        </p:style>
+      </p:cxnSp>
+      <p:sp>
+        <p:nvSpPr>
+          <p:cNvPr id="1114" name="모서리가 둥근 직사각형 2">
+            <a:extLst>
+              <a:ext uri="{FF2B5EF4-FFF2-40B4-BE49-F238E27FC236}">
+                <a16:creationId xmlns:a16="http://schemas.microsoft.com/office/drawing/2014/main" id="{B90DEE95-5A15-FA7B-672A-4EC38DD2DDF0}"/>
+              </a:ext>
+            </a:extLst>
+          </p:cNvPr>
+          <p:cNvSpPr/>
+          <p:nvPr/>
+        </p:nvSpPr>
+        <p:spPr>
+          <a:xfrm>
+            <a:off x="4337670" y="1346428"/>
+            <a:ext cx="1635179" cy="508063"/>
+          </a:xfrm>
+          <a:prstGeom prst="roundRect">
+            <a:avLst>
+              <a:gd name="adj" fmla="val 13068"/>
+            </a:avLst>
+          </a:prstGeom>
+          <a:ln w="12700"/>
+        </p:spPr>
+        <p:style>
+          <a:lnRef idx="2">
+            <a:schemeClr val="dk1"/>
+          </a:lnRef>
+          <a:fillRef idx="1">
+            <a:schemeClr val="lt1"/>
+          </a:fillRef>
+          <a:effectRef idx="0">
+            <a:schemeClr val="dk1"/>
+          </a:effectRef>
+          <a:fontRef idx="minor">
+            <a:schemeClr val="dk1"/>
+          </a:fontRef>
+        </p:style>
+        <p:txBody>
+          <a:bodyPr rtlCol="0" anchor="ctr"/>
+          <a:lstStyle/>
+          <a:p>
+            <a:pPr algn="ctr"/>
+            <a:r>
+              <a:rPr lang="en-US" altLang="ko-KR" sz="1000"/>
+              <a:t>Spark History Server Web UI</a:t>
+            </a:r>
+          </a:p>
+          <a:p>
+            <a:pPr algn="ctr"/>
+            <a:r>
+              <a:rPr lang="en-US" altLang="ko-KR" sz="1000"/>
+              <a:t>/ Service</a:t>
+            </a:r>
+            <a:endParaRPr lang="ko-KR" altLang="en-US" sz="1050"/>
+          </a:p>
+        </p:txBody>
+      </p:sp>
+      <p:cxnSp>
+        <p:nvCxnSpPr>
+          <p:cNvPr id="9" name="Elbow Connector 8">
+            <a:extLst>
+              <a:ext uri="{FF2B5EF4-FFF2-40B4-BE49-F238E27FC236}">
+                <a16:creationId xmlns:a16="http://schemas.microsoft.com/office/drawing/2014/main" id="{6DE1D6A0-720F-4861-BD21-163626F1A772}"/>
+              </a:ext>
+            </a:extLst>
+          </p:cNvPr>
+          <p:cNvCxnSpPr>
+            <a:cxnSpLocks/>
+            <a:stCxn id="55" idx="0"/>
+            <a:endCxn id="41" idx="4"/>
+          </p:cNvCxnSpPr>
+          <p:nvPr/>
+        </p:nvCxnSpPr>
+        <p:spPr>
+          <a:xfrm rot="5400000" flipH="1" flipV="1">
+            <a:off x="4632287" y="605172"/>
+            <a:ext cx="822398" cy="3321040"/>
+          </a:xfrm>
+          <a:prstGeom prst="bentConnector3">
+            <a:avLst>
+              <a:gd name="adj1" fmla="val 80452"/>
+            </a:avLst>
+          </a:prstGeom>
+          <a:ln>
+            <a:solidFill>
+              <a:schemeClr val="tx2"/>
+            </a:solidFill>
+            <a:tailEnd type="triangle"/>
+          </a:ln>
+        </p:spPr>
+        <p:style>
+          <a:lnRef idx="1">
+            <a:schemeClr val="dk1"/>
+          </a:lnRef>
+          <a:fillRef idx="0">
+            <a:schemeClr val="dk1"/>
+          </a:fillRef>
+          <a:effectRef idx="0">
+            <a:schemeClr val="dk1"/>
+          </a:effectRef>
+          <a:fontRef idx="minor">
+            <a:schemeClr val="tx1"/>
+          </a:fontRef>
+        </p:style>
+      </p:cxnSp>
+      <p:sp>
+        <p:nvSpPr>
+          <p:cNvPr id="41" name="Oval 40">
+            <a:extLst>
+              <a:ext uri="{FF2B5EF4-FFF2-40B4-BE49-F238E27FC236}">
+                <a16:creationId xmlns:a16="http://schemas.microsoft.com/office/drawing/2014/main" id="{39E983EE-419B-29FA-3205-FB72F95DD389}"/>
+              </a:ext>
+            </a:extLst>
+          </p:cNvPr>
+          <p:cNvSpPr/>
+          <p:nvPr/>
+        </p:nvSpPr>
+        <p:spPr>
+          <a:xfrm>
+            <a:off x="6631998" y="1710477"/>
+            <a:ext cx="144016" cy="144016"/>
+          </a:xfrm>
+          <a:prstGeom prst="ellipse">
+            <a:avLst/>
+          </a:prstGeom>
+          <a:noFill/>
+          <a:ln>
+            <a:noFill/>
+          </a:ln>
+        </p:spPr>
+        <p:style>
+          <a:lnRef idx="2">
+            <a:schemeClr val="accent1">
+              <a:shade val="15000"/>
+            </a:schemeClr>
+          </a:lnRef>
+          <a:fillRef idx="1">
+            <a:schemeClr val="accent1"/>
+          </a:fillRef>
+          <a:effectRef idx="0">
+            <a:schemeClr val="accent1"/>
+          </a:effectRef>
+          <a:fontRef idx="minor">
+            <a:schemeClr val="lt1"/>
+          </a:fontRef>
+        </p:style>
+        <p:txBody>
+          <a:bodyPr rtlCol="0" anchor="ctr"/>
+          <a:lstStyle/>
+          <a:p>
+            <a:pPr algn="ctr"/>
+            <a:endParaRPr lang="en-KR"/>
+          </a:p>
+        </p:txBody>
+      </p:sp>
+      <p:sp>
+        <p:nvSpPr>
+          <p:cNvPr id="47" name="TextBox 46">
+            <a:extLst>
+              <a:ext uri="{FF2B5EF4-FFF2-40B4-BE49-F238E27FC236}">
+                <a16:creationId xmlns:a16="http://schemas.microsoft.com/office/drawing/2014/main" id="{2D9FA476-C5EB-C345-C6BA-45F11904819B}"/>
+              </a:ext>
+            </a:extLst>
+          </p:cNvPr>
+          <p:cNvSpPr txBox="1"/>
+          <p:nvPr/>
+        </p:nvSpPr>
+        <p:spPr>
+          <a:xfrm>
             <a:off x="691748" y="1846558"/>
             <a:ext cx="800220" cy="230832"/>
           </a:xfrm>
@@ -22626,7 +31104,7 @@
 </p:sld>
 </file>
 
-<file path=ppt/slides/slide7.xml><?xml version="1.0" encoding="utf-8"?>
+<file path=ppt/slides/slide9.xml><?xml version="1.0" encoding="utf-8"?>
 <p:sld xmlns:a="http://schemas.openxmlformats.org/drawingml/2006/main" xmlns:r="http://schemas.openxmlformats.org/officeDocument/2006/relationships" xmlns:p="http://schemas.openxmlformats.org/presentationml/2006/main">
   <p:cSld>
     <p:spTree>

--- a/images/theory_analysis/Spark_Kubernetes/Spark_Kubernetes.pptx
+++ b/images/theory_analysis/Spark_Kubernetes/Spark_Kubernetes.pptx
@@ -8,11 +8,11 @@
     <p:notesMasterId r:id="rId11"/>
   </p:notesMasterIdLst>
   <p:sldIdLst>
-    <p:sldId id="367" r:id="rId2"/>
-    <p:sldId id="371" r:id="rId3"/>
+    <p:sldId id="376" r:id="rId2"/>
+    <p:sldId id="377" r:id="rId3"/>
     <p:sldId id="370" r:id="rId4"/>
-    <p:sldId id="376" r:id="rId5"/>
-    <p:sldId id="377" r:id="rId6"/>
+    <p:sldId id="367" r:id="rId5"/>
+    <p:sldId id="371" r:id="rId6"/>
     <p:sldId id="374" r:id="rId7"/>
     <p:sldId id="375" r:id="rId8"/>
     <p:sldId id="372" r:id="rId9"/>
@@ -221,7 +221,7 @@
           <a:p>
             <a:fld id="{6CD5550B-26C4-49A9-A5BA-636EF7BE6CE9}" type="datetimeFigureOut">
               <a:rPr lang="ko-KR" altLang="en-US" smtClean="0"/>
-              <a:t>2023. 8. 19.</a:t>
+              <a:t>2023. 8. 20.</a:t>
             </a:fld>
             <a:endParaRPr lang="ko-KR" altLang="en-US"/>
           </a:p>
@@ -562,7 +562,7 @@
     </p:spTree>
     <p:extLst>
       <p:ext uri="{BB962C8B-B14F-4D97-AF65-F5344CB8AC3E}">
-        <p14:creationId xmlns:p14="http://schemas.microsoft.com/office/powerpoint/2010/main" val="1854327045"/>
+        <p14:creationId xmlns:p14="http://schemas.microsoft.com/office/powerpoint/2010/main" val="4071978296"/>
       </p:ext>
     </p:extLst>
   </p:cSld>
@@ -646,7 +646,7 @@
     </p:spTree>
     <p:extLst>
       <p:ext uri="{BB962C8B-B14F-4D97-AF65-F5344CB8AC3E}">
-        <p14:creationId xmlns:p14="http://schemas.microsoft.com/office/powerpoint/2010/main" val="2477633367"/>
+        <p14:creationId xmlns:p14="http://schemas.microsoft.com/office/powerpoint/2010/main" val="4223191444"/>
       </p:ext>
     </p:extLst>
   </p:cSld>
@@ -730,7 +730,7 @@
     </p:spTree>
     <p:extLst>
       <p:ext uri="{BB962C8B-B14F-4D97-AF65-F5344CB8AC3E}">
-        <p14:creationId xmlns:p14="http://schemas.microsoft.com/office/powerpoint/2010/main" val="4071978296"/>
+        <p14:creationId xmlns:p14="http://schemas.microsoft.com/office/powerpoint/2010/main" val="1854327045"/>
       </p:ext>
     </p:extLst>
   </p:cSld>
@@ -814,7 +814,7 @@
     </p:spTree>
     <p:extLst>
       <p:ext uri="{BB962C8B-B14F-4D97-AF65-F5344CB8AC3E}">
-        <p14:creationId xmlns:p14="http://schemas.microsoft.com/office/powerpoint/2010/main" val="4223191444"/>
+        <p14:creationId xmlns:p14="http://schemas.microsoft.com/office/powerpoint/2010/main" val="2477633367"/>
       </p:ext>
     </p:extLst>
   </p:cSld>
@@ -1339,7 +1339,7 @@
           <a:p>
             <a:fld id="{FB30EDBD-1C2D-4C1E-B459-B60219FAB484}" type="datetimeFigureOut">
               <a:rPr lang="ko-KR" altLang="en-US" smtClean="0"/>
-              <a:t>2023. 8. 19.</a:t>
+              <a:t>2023. 8. 20.</a:t>
             </a:fld>
             <a:endParaRPr lang="ko-KR" altLang="en-US"/>
           </a:p>
@@ -1502,7 +1502,7 @@
           <a:p>
             <a:fld id="{FB30EDBD-1C2D-4C1E-B459-B60219FAB484}" type="datetimeFigureOut">
               <a:rPr lang="ko-KR" altLang="en-US" smtClean="0"/>
-              <a:t>2023. 8. 19.</a:t>
+              <a:t>2023. 8. 20.</a:t>
             </a:fld>
             <a:endParaRPr lang="ko-KR" altLang="en-US"/>
           </a:p>
@@ -1675,7 +1675,7 @@
           <a:p>
             <a:fld id="{FB30EDBD-1C2D-4C1E-B459-B60219FAB484}" type="datetimeFigureOut">
               <a:rPr lang="ko-KR" altLang="en-US" smtClean="0"/>
-              <a:t>2023. 8. 19.</a:t>
+              <a:t>2023. 8. 20.</a:t>
             </a:fld>
             <a:endParaRPr lang="ko-KR" altLang="en-US"/>
           </a:p>
@@ -1838,7 +1838,7 @@
           <a:p>
             <a:fld id="{FB30EDBD-1C2D-4C1E-B459-B60219FAB484}" type="datetimeFigureOut">
               <a:rPr lang="ko-KR" altLang="en-US" smtClean="0"/>
-              <a:t>2023. 8. 19.</a:t>
+              <a:t>2023. 8. 20.</a:t>
             </a:fld>
             <a:endParaRPr lang="ko-KR" altLang="en-US"/>
           </a:p>
@@ -2078,7 +2078,7 @@
           <a:p>
             <a:fld id="{FB30EDBD-1C2D-4C1E-B459-B60219FAB484}" type="datetimeFigureOut">
               <a:rPr lang="ko-KR" altLang="en-US" smtClean="0"/>
-              <a:t>2023. 8. 19.</a:t>
+              <a:t>2023. 8. 20.</a:t>
             </a:fld>
             <a:endParaRPr lang="ko-KR" altLang="en-US"/>
           </a:p>
@@ -2358,7 +2358,7 @@
           <a:p>
             <a:fld id="{FB30EDBD-1C2D-4C1E-B459-B60219FAB484}" type="datetimeFigureOut">
               <a:rPr lang="ko-KR" altLang="en-US" smtClean="0"/>
-              <a:t>2023. 8. 19.</a:t>
+              <a:t>2023. 8. 20.</a:t>
             </a:fld>
             <a:endParaRPr lang="ko-KR" altLang="en-US"/>
           </a:p>
@@ -2772,7 +2772,7 @@
           <a:p>
             <a:fld id="{FB30EDBD-1C2D-4C1E-B459-B60219FAB484}" type="datetimeFigureOut">
               <a:rPr lang="ko-KR" altLang="en-US" smtClean="0"/>
-              <a:t>2023. 8. 19.</a:t>
+              <a:t>2023. 8. 20.</a:t>
             </a:fld>
             <a:endParaRPr lang="ko-KR" altLang="en-US"/>
           </a:p>
@@ -2884,7 +2884,7 @@
           <a:p>
             <a:fld id="{FB30EDBD-1C2D-4C1E-B459-B60219FAB484}" type="datetimeFigureOut">
               <a:rPr lang="ko-KR" altLang="en-US" smtClean="0"/>
-              <a:t>2023. 8. 19.</a:t>
+              <a:t>2023. 8. 20.</a:t>
             </a:fld>
             <a:endParaRPr lang="ko-KR" altLang="en-US"/>
           </a:p>
@@ -2974,7 +2974,7 @@
           <a:p>
             <a:fld id="{FB30EDBD-1C2D-4C1E-B459-B60219FAB484}" type="datetimeFigureOut">
               <a:rPr lang="ko-KR" altLang="en-US" smtClean="0"/>
-              <a:t>2023. 8. 19.</a:t>
+              <a:t>2023. 8. 20.</a:t>
             </a:fld>
             <a:endParaRPr lang="ko-KR" altLang="en-US"/>
           </a:p>
@@ -3244,7 +3244,7 @@
           <a:p>
             <a:fld id="{FB30EDBD-1C2D-4C1E-B459-B60219FAB484}" type="datetimeFigureOut">
               <a:rPr lang="ko-KR" altLang="en-US" smtClean="0"/>
-              <a:t>2023. 8. 19.</a:t>
+              <a:t>2023. 8. 20.</a:t>
             </a:fld>
             <a:endParaRPr lang="ko-KR" altLang="en-US"/>
           </a:p>
@@ -3491,7 +3491,7 @@
           <a:p>
             <a:fld id="{FB30EDBD-1C2D-4C1E-B459-B60219FAB484}" type="datetimeFigureOut">
               <a:rPr lang="ko-KR" altLang="en-US" smtClean="0"/>
-              <a:t>2023. 8. 19.</a:t>
+              <a:t>2023. 8. 20.</a:t>
             </a:fld>
             <a:endParaRPr lang="ko-KR" altLang="en-US"/>
           </a:p>
@@ -3697,7 +3697,7 @@
           <a:p>
             <a:fld id="{FB30EDBD-1C2D-4C1E-B459-B60219FAB484}" type="datetimeFigureOut">
               <a:rPr lang="ko-KR" altLang="en-US" smtClean="0"/>
-              <a:t>2023. 8. 19.</a:t>
+              <a:t>2023. 8. 20.</a:t>
             </a:fld>
             <a:endParaRPr lang="ko-KR" altLang="en-US"/>
           </a:p>
@@ -6717,8 +6717,8 @@
         </p:nvSpPr>
         <p:spPr>
           <a:xfrm>
-            <a:off x="2108866" y="3847397"/>
-            <a:ext cx="737702" cy="369332"/>
+            <a:off x="2086424" y="3847397"/>
+            <a:ext cx="782587" cy="369332"/>
           </a:xfrm>
           <a:prstGeom prst="rect">
             <a:avLst/>
@@ -6738,7 +6738,7 @@
                   <a:srgbClr val="C00000"/>
                 </a:solidFill>
               </a:rPr>
-              <a:t>Get event </a:t>
+              <a:t>Get driver’s</a:t>
             </a:r>
           </a:p>
           <a:p>
@@ -6749,7 +6749,7 @@
                   <a:srgbClr val="C00000"/>
                 </a:solidFill>
               </a:rPr>
-              <a:t>logs</a:t>
+              <a:t>event logs</a:t>
             </a:r>
           </a:p>
         </p:txBody>
@@ -7503,167 +7503,10 @@
           </a:p>
         </p:txBody>
       </p:sp>
-      <p:sp>
-        <p:nvSpPr>
-          <p:cNvPr id="13" name="TextBox 12">
-            <a:extLst>
-              <a:ext uri="{FF2B5EF4-FFF2-40B4-BE49-F238E27FC236}">
-                <a16:creationId xmlns:a16="http://schemas.microsoft.com/office/drawing/2014/main" id="{B8D4A3C3-667A-B9E0-E431-903F46171542}"/>
-              </a:ext>
-            </a:extLst>
-          </p:cNvPr>
-          <p:cNvSpPr txBox="1"/>
-          <p:nvPr/>
-        </p:nvSpPr>
-        <p:spPr>
-          <a:xfrm>
-            <a:off x="6112339" y="4055401"/>
-            <a:ext cx="1072731" cy="369332"/>
-          </a:xfrm>
-          <a:prstGeom prst="rect">
-            <a:avLst/>
-          </a:prstGeom>
-          <a:noFill/>
-        </p:spPr>
-        <p:txBody>
-          <a:bodyPr wrap="none" rtlCol="0">
-            <a:spAutoFit/>
-          </a:bodyPr>
-          <a:lstStyle/>
-          <a:p>
-            <a:pPr algn="ctr"/>
-            <a:r>
-              <a:rPr lang="en-KR" sz="900">
-                <a:solidFill>
-                  <a:srgbClr val="C00000"/>
-                </a:solidFill>
-              </a:rPr>
-              <a:t>Write executor’s </a:t>
-            </a:r>
-          </a:p>
-          <a:p>
-            <a:pPr algn="ctr"/>
-            <a:r>
-              <a:rPr lang="en-KR" sz="900">
-                <a:solidFill>
-                  <a:srgbClr val="C00000"/>
-                </a:solidFill>
-              </a:rPr>
-              <a:t>event logs</a:t>
-            </a:r>
-          </a:p>
-        </p:txBody>
-      </p:sp>
-      <p:cxnSp>
-        <p:nvCxnSpPr>
-          <p:cNvPr id="14" name="Elbow Connector 13">
-            <a:extLst>
-              <a:ext uri="{FF2B5EF4-FFF2-40B4-BE49-F238E27FC236}">
-                <a16:creationId xmlns:a16="http://schemas.microsoft.com/office/drawing/2014/main" id="{CEEB0C5E-CFD5-5FFE-B0FC-79CDE1E81B79}"/>
-              </a:ext>
-            </a:extLst>
-          </p:cNvPr>
-          <p:cNvCxnSpPr>
-            <a:cxnSpLocks/>
-            <a:stCxn id="66" idx="2"/>
-          </p:cNvCxnSpPr>
-          <p:nvPr/>
-        </p:nvCxnSpPr>
-        <p:spPr>
-          <a:xfrm rot="5400000">
-            <a:off x="3824712" y="2057035"/>
-            <a:ext cx="633100" cy="3996699"/>
-          </a:xfrm>
-          <a:prstGeom prst="bentConnector2">
-            <a:avLst/>
-          </a:prstGeom>
-          <a:ln>
-            <a:solidFill>
-              <a:srgbClr val="C00000"/>
-            </a:solidFill>
-            <a:tailEnd type="triangle"/>
-          </a:ln>
-        </p:spPr>
-        <p:style>
-          <a:lnRef idx="1">
-            <a:schemeClr val="dk1"/>
-          </a:lnRef>
-          <a:fillRef idx="0">
-            <a:schemeClr val="dk1"/>
-          </a:fillRef>
-          <a:effectRef idx="0">
-            <a:schemeClr val="dk1"/>
-          </a:effectRef>
-          <a:fontRef idx="minor">
-            <a:schemeClr val="tx1"/>
-          </a:fontRef>
-        </p:style>
-      </p:cxnSp>
-      <p:sp>
-        <p:nvSpPr>
-          <p:cNvPr id="17" name="Oval 16">
-            <a:extLst>
-              <a:ext uri="{FF2B5EF4-FFF2-40B4-BE49-F238E27FC236}">
-                <a16:creationId xmlns:a16="http://schemas.microsoft.com/office/drawing/2014/main" id="{1C8AB65F-D112-65C0-8180-C05FF6255A14}"/>
-              </a:ext>
-            </a:extLst>
-          </p:cNvPr>
-          <p:cNvSpPr/>
-          <p:nvPr/>
-        </p:nvSpPr>
-        <p:spPr>
-          <a:xfrm>
-            <a:off x="6029578" y="3635721"/>
-            <a:ext cx="216024" cy="216024"/>
-          </a:xfrm>
-          <a:prstGeom prst="ellipse">
-            <a:avLst/>
-          </a:prstGeom>
-          <a:solidFill>
-            <a:schemeClr val="bg1"/>
-          </a:solidFill>
-          <a:ln w="19050">
-            <a:solidFill>
-              <a:srgbClr val="C00000"/>
-            </a:solidFill>
-          </a:ln>
-        </p:spPr>
-        <p:style>
-          <a:lnRef idx="2">
-            <a:schemeClr val="accent1">
-              <a:shade val="15000"/>
-            </a:schemeClr>
-          </a:lnRef>
-          <a:fillRef idx="1">
-            <a:schemeClr val="accent1"/>
-          </a:fillRef>
-          <a:effectRef idx="0">
-            <a:schemeClr val="accent1"/>
-          </a:effectRef>
-          <a:fontRef idx="minor">
-            <a:schemeClr val="lt1"/>
-          </a:fontRef>
-        </p:style>
-        <p:txBody>
-          <a:bodyPr rtlCol="0" anchor="ctr"/>
-          <a:lstStyle/>
-          <a:p>
-            <a:pPr algn="ctr"/>
-            <a:r>
-              <a:rPr lang="en-KR" sz="1000">
-                <a:solidFill>
-                  <a:srgbClr val="C00000"/>
-                </a:solidFill>
-              </a:rPr>
-              <a:t>1</a:t>
-            </a:r>
-          </a:p>
-        </p:txBody>
-      </p:sp>
     </p:spTree>
     <p:extLst>
       <p:ext uri="{BB962C8B-B14F-4D97-AF65-F5344CB8AC3E}">
-        <p14:creationId xmlns:p14="http://schemas.microsoft.com/office/powerpoint/2010/main" val="1472867161"/>
+        <p14:creationId xmlns:p14="http://schemas.microsoft.com/office/powerpoint/2010/main" val="165735801"/>
       </p:ext>
     </p:extLst>
   </p:cSld>
@@ -10036,8 +9879,8 @@
         </p:nvSpPr>
         <p:spPr>
           <a:xfrm>
-            <a:off x="1676819" y="4041078"/>
-            <a:ext cx="737702" cy="369332"/>
+            <a:off x="1654377" y="4041078"/>
+            <a:ext cx="782587" cy="369332"/>
           </a:xfrm>
           <a:prstGeom prst="rect">
             <a:avLst/>
@@ -10057,7 +9900,7 @@
                   <a:srgbClr val="C00000"/>
                 </a:solidFill>
               </a:rPr>
-              <a:t>Get event </a:t>
+              <a:t>Get driver’s</a:t>
             </a:r>
           </a:p>
           <a:p>
@@ -10068,7 +9911,7 @@
                   <a:srgbClr val="C00000"/>
                 </a:solidFill>
               </a:rPr>
-              <a:t>logs</a:t>
+              <a:t>event logs</a:t>
             </a:r>
           </a:p>
         </p:txBody>
@@ -10688,7 +10531,7 @@
         </p:nvSpPr>
         <p:spPr>
           <a:xfrm>
-            <a:off x="7276402" y="4225744"/>
+            <a:off x="7240141" y="4215976"/>
             <a:ext cx="728084" cy="369332"/>
           </a:xfrm>
           <a:prstGeom prst="rect">
@@ -11067,8 +10910,8 @@
         </p:nvSpPr>
         <p:spPr>
           <a:xfrm>
-            <a:off x="1510860" y="594440"/>
-            <a:ext cx="857927" cy="369332"/>
+            <a:off x="1408268" y="594440"/>
+            <a:ext cx="1063112" cy="507831"/>
           </a:xfrm>
           <a:prstGeom prst="rect">
             <a:avLst/>
@@ -11099,7 +10942,18 @@
                   <a:schemeClr val="tx2"/>
                 </a:solidFill>
               </a:rPr>
-              <a:t>Spark Object</a:t>
+              <a:t>SparkApplication</a:t>
+            </a:r>
+          </a:p>
+          <a:p>
+            <a:pPr algn="ctr"/>
+            <a:r>
+              <a:rPr lang="en-KR" sz="900">
+                <a:solidFill>
+                  <a:schemeClr val="tx2"/>
+                </a:solidFill>
+              </a:rPr>
+              <a:t>Object</a:t>
             </a:r>
           </a:p>
         </p:txBody>
@@ -12140,163 +11994,6 @@
           </a:fontRef>
         </p:style>
       </p:cxnSp>
-      <p:sp>
-        <p:nvSpPr>
-          <p:cNvPr id="3" name="TextBox 2">
-            <a:extLst>
-              <a:ext uri="{FF2B5EF4-FFF2-40B4-BE49-F238E27FC236}">
-                <a16:creationId xmlns:a16="http://schemas.microsoft.com/office/drawing/2014/main" id="{805BCA1D-3E78-F2B2-7A4F-D97ADE955E96}"/>
-              </a:ext>
-            </a:extLst>
-          </p:cNvPr>
-          <p:cNvSpPr txBox="1"/>
-          <p:nvPr/>
-        </p:nvSpPr>
-        <p:spPr>
-          <a:xfrm>
-            <a:off x="6163565" y="4587995"/>
-            <a:ext cx="1072731" cy="369332"/>
-          </a:xfrm>
-          <a:prstGeom prst="rect">
-            <a:avLst/>
-          </a:prstGeom>
-          <a:noFill/>
-        </p:spPr>
-        <p:txBody>
-          <a:bodyPr wrap="none" rtlCol="0">
-            <a:spAutoFit/>
-          </a:bodyPr>
-          <a:lstStyle/>
-          <a:p>
-            <a:pPr algn="ctr"/>
-            <a:r>
-              <a:rPr lang="en-KR" sz="900">
-                <a:solidFill>
-                  <a:srgbClr val="C00000"/>
-                </a:solidFill>
-              </a:rPr>
-              <a:t>Write executor’s </a:t>
-            </a:r>
-          </a:p>
-          <a:p>
-            <a:pPr algn="ctr"/>
-            <a:r>
-              <a:rPr lang="en-KR" sz="900">
-                <a:solidFill>
-                  <a:srgbClr val="C00000"/>
-                </a:solidFill>
-              </a:rPr>
-              <a:t>event logs</a:t>
-            </a:r>
-          </a:p>
-        </p:txBody>
-      </p:sp>
-      <p:cxnSp>
-        <p:nvCxnSpPr>
-          <p:cNvPr id="5" name="Elbow Connector 4">
-            <a:extLst>
-              <a:ext uri="{FF2B5EF4-FFF2-40B4-BE49-F238E27FC236}">
-                <a16:creationId xmlns:a16="http://schemas.microsoft.com/office/drawing/2014/main" id="{435E022D-5BFB-5976-1E2B-5C86F4268402}"/>
-              </a:ext>
-            </a:extLst>
-          </p:cNvPr>
-          <p:cNvCxnSpPr>
-            <a:cxnSpLocks/>
-            <a:stCxn id="18" idx="4"/>
-          </p:cNvCxnSpPr>
-          <p:nvPr/>
-        </p:nvCxnSpPr>
-        <p:spPr>
-          <a:xfrm rot="5400000">
-            <a:off x="4147257" y="1607275"/>
-            <a:ext cx="513691" cy="5400393"/>
-          </a:xfrm>
-          <a:prstGeom prst="bentConnector2">
-            <a:avLst/>
-          </a:prstGeom>
-          <a:ln>
-            <a:solidFill>
-              <a:srgbClr val="C00000"/>
-            </a:solidFill>
-            <a:tailEnd type="triangle"/>
-          </a:ln>
-        </p:spPr>
-        <p:style>
-          <a:lnRef idx="1">
-            <a:schemeClr val="dk1"/>
-          </a:lnRef>
-          <a:fillRef idx="0">
-            <a:schemeClr val="dk1"/>
-          </a:fillRef>
-          <a:effectRef idx="0">
-            <a:schemeClr val="dk1"/>
-          </a:effectRef>
-          <a:fontRef idx="minor">
-            <a:schemeClr val="tx1"/>
-          </a:fontRef>
-        </p:style>
-      </p:cxnSp>
-      <p:sp>
-        <p:nvSpPr>
-          <p:cNvPr id="18" name="Oval 17">
-            <a:extLst>
-              <a:ext uri="{FF2B5EF4-FFF2-40B4-BE49-F238E27FC236}">
-                <a16:creationId xmlns:a16="http://schemas.microsoft.com/office/drawing/2014/main" id="{CDFA7CF2-F133-A447-4ADE-82ECB3D8D15C}"/>
-              </a:ext>
-            </a:extLst>
-          </p:cNvPr>
-          <p:cNvSpPr/>
-          <p:nvPr/>
-        </p:nvSpPr>
-        <p:spPr>
-          <a:xfrm>
-            <a:off x="6996286" y="3834602"/>
-            <a:ext cx="216024" cy="216024"/>
-          </a:xfrm>
-          <a:prstGeom prst="ellipse">
-            <a:avLst/>
-          </a:prstGeom>
-          <a:solidFill>
-            <a:schemeClr val="bg1"/>
-          </a:solidFill>
-          <a:ln w="19050">
-            <a:solidFill>
-              <a:srgbClr val="C00000"/>
-            </a:solidFill>
-          </a:ln>
-        </p:spPr>
-        <p:style>
-          <a:lnRef idx="2">
-            <a:schemeClr val="accent1">
-              <a:shade val="15000"/>
-            </a:schemeClr>
-          </a:lnRef>
-          <a:fillRef idx="1">
-            <a:schemeClr val="accent1"/>
-          </a:fillRef>
-          <a:effectRef idx="0">
-            <a:schemeClr val="accent1"/>
-          </a:effectRef>
-          <a:fontRef idx="minor">
-            <a:schemeClr val="lt1"/>
-          </a:fontRef>
-        </p:style>
-        <p:txBody>
-          <a:bodyPr rtlCol="0" anchor="ctr"/>
-          <a:lstStyle/>
-          <a:p>
-            <a:pPr algn="ctr"/>
-            <a:r>
-              <a:rPr lang="en-KR" sz="1000">
-                <a:solidFill>
-                  <a:srgbClr val="C00000"/>
-                </a:solidFill>
-              </a:rPr>
-              <a:t>1</a:t>
-            </a:r>
-          </a:p>
-        </p:txBody>
-      </p:sp>
       <p:cxnSp>
         <p:nvCxnSpPr>
           <p:cNvPr id="122" name="Elbow Connector 121">
@@ -12348,7 +12045,7 @@
     </p:spTree>
     <p:extLst>
       <p:ext uri="{BB962C8B-B14F-4D97-AF65-F5344CB8AC3E}">
-        <p14:creationId xmlns:p14="http://schemas.microsoft.com/office/powerpoint/2010/main" val="809275274"/>
+        <p14:creationId xmlns:p14="http://schemas.microsoft.com/office/powerpoint/2010/main" val="2865881758"/>
       </p:ext>
     </p:extLst>
   </p:cSld>
@@ -15055,8 +14752,8 @@
         </p:nvSpPr>
         <p:spPr>
           <a:xfrm>
-            <a:off x="2086424" y="3847397"/>
-            <a:ext cx="782587" cy="369332"/>
+            <a:off x="2108866" y="3847397"/>
+            <a:ext cx="737702" cy="369332"/>
           </a:xfrm>
           <a:prstGeom prst="rect">
             <a:avLst/>
@@ -15076,7 +14773,7 @@
                   <a:srgbClr val="C00000"/>
                 </a:solidFill>
               </a:rPr>
-              <a:t>Get driver’s</a:t>
+              <a:t>Get event </a:t>
             </a:r>
           </a:p>
           <a:p>
@@ -15087,7 +14784,7 @@
                   <a:srgbClr val="C00000"/>
                 </a:solidFill>
               </a:rPr>
-              <a:t>event logs</a:t>
+              <a:t>logs</a:t>
             </a:r>
           </a:p>
         </p:txBody>
@@ -15841,10 +15538,167 @@
           </a:p>
         </p:txBody>
       </p:sp>
+      <p:sp>
+        <p:nvSpPr>
+          <p:cNvPr id="13" name="TextBox 12">
+            <a:extLst>
+              <a:ext uri="{FF2B5EF4-FFF2-40B4-BE49-F238E27FC236}">
+                <a16:creationId xmlns:a16="http://schemas.microsoft.com/office/drawing/2014/main" id="{B8D4A3C3-667A-B9E0-E431-903F46171542}"/>
+              </a:ext>
+            </a:extLst>
+          </p:cNvPr>
+          <p:cNvSpPr txBox="1"/>
+          <p:nvPr/>
+        </p:nvSpPr>
+        <p:spPr>
+          <a:xfrm>
+            <a:off x="6112339" y="4055401"/>
+            <a:ext cx="1072731" cy="369332"/>
+          </a:xfrm>
+          <a:prstGeom prst="rect">
+            <a:avLst/>
+          </a:prstGeom>
+          <a:noFill/>
+        </p:spPr>
+        <p:txBody>
+          <a:bodyPr wrap="none" rtlCol="0">
+            <a:spAutoFit/>
+          </a:bodyPr>
+          <a:lstStyle/>
+          <a:p>
+            <a:pPr algn="ctr"/>
+            <a:r>
+              <a:rPr lang="en-KR" sz="900">
+                <a:solidFill>
+                  <a:srgbClr val="C00000"/>
+                </a:solidFill>
+              </a:rPr>
+              <a:t>Write executor’s </a:t>
+            </a:r>
+          </a:p>
+          <a:p>
+            <a:pPr algn="ctr"/>
+            <a:r>
+              <a:rPr lang="en-KR" sz="900">
+                <a:solidFill>
+                  <a:srgbClr val="C00000"/>
+                </a:solidFill>
+              </a:rPr>
+              <a:t>event logs</a:t>
+            </a:r>
+          </a:p>
+        </p:txBody>
+      </p:sp>
+      <p:cxnSp>
+        <p:nvCxnSpPr>
+          <p:cNvPr id="14" name="Elbow Connector 13">
+            <a:extLst>
+              <a:ext uri="{FF2B5EF4-FFF2-40B4-BE49-F238E27FC236}">
+                <a16:creationId xmlns:a16="http://schemas.microsoft.com/office/drawing/2014/main" id="{CEEB0C5E-CFD5-5FFE-B0FC-79CDE1E81B79}"/>
+              </a:ext>
+            </a:extLst>
+          </p:cNvPr>
+          <p:cNvCxnSpPr>
+            <a:cxnSpLocks/>
+            <a:stCxn id="66" idx="2"/>
+          </p:cNvCxnSpPr>
+          <p:nvPr/>
+        </p:nvCxnSpPr>
+        <p:spPr>
+          <a:xfrm rot="5400000">
+            <a:off x="3824712" y="2057035"/>
+            <a:ext cx="633100" cy="3996699"/>
+          </a:xfrm>
+          <a:prstGeom prst="bentConnector2">
+            <a:avLst/>
+          </a:prstGeom>
+          <a:ln>
+            <a:solidFill>
+              <a:srgbClr val="C00000"/>
+            </a:solidFill>
+            <a:tailEnd type="triangle"/>
+          </a:ln>
+        </p:spPr>
+        <p:style>
+          <a:lnRef idx="1">
+            <a:schemeClr val="dk1"/>
+          </a:lnRef>
+          <a:fillRef idx="0">
+            <a:schemeClr val="dk1"/>
+          </a:fillRef>
+          <a:effectRef idx="0">
+            <a:schemeClr val="dk1"/>
+          </a:effectRef>
+          <a:fontRef idx="minor">
+            <a:schemeClr val="tx1"/>
+          </a:fontRef>
+        </p:style>
+      </p:cxnSp>
+      <p:sp>
+        <p:nvSpPr>
+          <p:cNvPr id="17" name="Oval 16">
+            <a:extLst>
+              <a:ext uri="{FF2B5EF4-FFF2-40B4-BE49-F238E27FC236}">
+                <a16:creationId xmlns:a16="http://schemas.microsoft.com/office/drawing/2014/main" id="{1C8AB65F-D112-65C0-8180-C05FF6255A14}"/>
+              </a:ext>
+            </a:extLst>
+          </p:cNvPr>
+          <p:cNvSpPr/>
+          <p:nvPr/>
+        </p:nvSpPr>
+        <p:spPr>
+          <a:xfrm>
+            <a:off x="6029578" y="3635721"/>
+            <a:ext cx="216024" cy="216024"/>
+          </a:xfrm>
+          <a:prstGeom prst="ellipse">
+            <a:avLst/>
+          </a:prstGeom>
+          <a:solidFill>
+            <a:schemeClr val="bg1"/>
+          </a:solidFill>
+          <a:ln w="19050">
+            <a:solidFill>
+              <a:srgbClr val="C00000"/>
+            </a:solidFill>
+          </a:ln>
+        </p:spPr>
+        <p:style>
+          <a:lnRef idx="2">
+            <a:schemeClr val="accent1">
+              <a:shade val="15000"/>
+            </a:schemeClr>
+          </a:lnRef>
+          <a:fillRef idx="1">
+            <a:schemeClr val="accent1"/>
+          </a:fillRef>
+          <a:effectRef idx="0">
+            <a:schemeClr val="accent1"/>
+          </a:effectRef>
+          <a:fontRef idx="minor">
+            <a:schemeClr val="lt1"/>
+          </a:fontRef>
+        </p:style>
+        <p:txBody>
+          <a:bodyPr rtlCol="0" anchor="ctr"/>
+          <a:lstStyle/>
+          <a:p>
+            <a:pPr algn="ctr"/>
+            <a:r>
+              <a:rPr lang="en-KR" sz="1000">
+                <a:solidFill>
+                  <a:srgbClr val="C00000"/>
+                </a:solidFill>
+              </a:rPr>
+              <a:t>1</a:t>
+            </a:r>
+          </a:p>
+        </p:txBody>
+      </p:sp>
     </p:spTree>
     <p:extLst>
       <p:ext uri="{BB962C8B-B14F-4D97-AF65-F5344CB8AC3E}">
-        <p14:creationId xmlns:p14="http://schemas.microsoft.com/office/powerpoint/2010/main" val="165735801"/>
+        <p14:creationId xmlns:p14="http://schemas.microsoft.com/office/powerpoint/2010/main" val="1472867161"/>
       </p:ext>
     </p:extLst>
   </p:cSld>
@@ -18217,8 +18071,8 @@
         </p:nvSpPr>
         <p:spPr>
           <a:xfrm>
-            <a:off x="1654377" y="4041078"/>
-            <a:ext cx="782587" cy="369332"/>
+            <a:off x="1676819" y="4041078"/>
+            <a:ext cx="737702" cy="369332"/>
           </a:xfrm>
           <a:prstGeom prst="rect">
             <a:avLst/>
@@ -18238,7 +18092,7 @@
                   <a:srgbClr val="C00000"/>
                 </a:solidFill>
               </a:rPr>
-              <a:t>Get driver’s</a:t>
+              <a:t>Get event </a:t>
             </a:r>
           </a:p>
           <a:p>
@@ -18249,7 +18103,7 @@
                   <a:srgbClr val="C00000"/>
                 </a:solidFill>
               </a:rPr>
-              <a:t>event logs</a:t>
+              <a:t>logs</a:t>
             </a:r>
           </a:p>
         </p:txBody>
@@ -18869,7 +18723,7 @@
         </p:nvSpPr>
         <p:spPr>
           <a:xfrm>
-            <a:off x="7240141" y="4215976"/>
+            <a:off x="7276402" y="4225744"/>
             <a:ext cx="728084" cy="369332"/>
           </a:xfrm>
           <a:prstGeom prst="rect">
@@ -19173,54 +19027,6 @@
           </a:fontRef>
         </p:style>
       </p:cxnSp>
-      <p:cxnSp>
-        <p:nvCxnSpPr>
-          <p:cNvPr id="122" name="Elbow Connector 121">
-            <a:extLst>
-              <a:ext uri="{FF2B5EF4-FFF2-40B4-BE49-F238E27FC236}">
-                <a16:creationId xmlns:a16="http://schemas.microsoft.com/office/drawing/2014/main" id="{9BEA5223-4721-C84A-4052-6418535C1A17}"/>
-              </a:ext>
-            </a:extLst>
-          </p:cNvPr>
-          <p:cNvCxnSpPr>
-            <a:cxnSpLocks/>
-            <a:stCxn id="1031" idx="0"/>
-            <a:endCxn id="83" idx="2"/>
-          </p:cNvCxnSpPr>
-          <p:nvPr/>
-        </p:nvCxnSpPr>
-        <p:spPr>
-          <a:xfrm rot="5400000" flipH="1" flipV="1">
-            <a:off x="4706559" y="311596"/>
-            <a:ext cx="1514269" cy="3603685"/>
-          </a:xfrm>
-          <a:prstGeom prst="bentConnector3">
-            <a:avLst>
-              <a:gd name="adj1" fmla="val 5592"/>
-            </a:avLst>
-          </a:prstGeom>
-          <a:ln>
-            <a:solidFill>
-              <a:srgbClr val="00B050"/>
-            </a:solidFill>
-            <a:tailEnd type="triangle"/>
-          </a:ln>
-        </p:spPr>
-        <p:style>
-          <a:lnRef idx="1">
-            <a:schemeClr val="dk1"/>
-          </a:lnRef>
-          <a:fillRef idx="0">
-            <a:schemeClr val="dk1"/>
-          </a:fillRef>
-          <a:effectRef idx="0">
-            <a:schemeClr val="dk1"/>
-          </a:effectRef>
-          <a:fontRef idx="minor">
-            <a:schemeClr val="tx1"/>
-          </a:fontRef>
-        </p:style>
-      </p:cxnSp>
       <p:sp>
         <p:nvSpPr>
           <p:cNvPr id="1031" name="Oval 1030">
@@ -19296,8 +19102,8 @@
         </p:nvSpPr>
         <p:spPr>
           <a:xfrm>
-            <a:off x="1408268" y="594440"/>
-            <a:ext cx="1063112" cy="507831"/>
+            <a:off x="1510860" y="594440"/>
+            <a:ext cx="857927" cy="369332"/>
           </a:xfrm>
           <a:prstGeom prst="rect">
             <a:avLst/>
@@ -19328,18 +19134,7 @@
                   <a:schemeClr val="tx2"/>
                 </a:solidFill>
               </a:rPr>
-              <a:t>SparkApplication</a:t>
-            </a:r>
-          </a:p>
-          <a:p>
-            <a:pPr algn="ctr"/>
-            <a:r>
-              <a:rPr lang="en-KR" sz="900">
-                <a:solidFill>
-                  <a:schemeClr val="tx2"/>
-                </a:solidFill>
-              </a:rPr>
-              <a:t>Object</a:t>
+              <a:t>Spark Object</a:t>
             </a:r>
           </a:p>
         </p:txBody>
@@ -20380,10 +20175,215 @@
           </a:fontRef>
         </p:style>
       </p:cxnSp>
+      <p:sp>
+        <p:nvSpPr>
+          <p:cNvPr id="3" name="TextBox 2">
+            <a:extLst>
+              <a:ext uri="{FF2B5EF4-FFF2-40B4-BE49-F238E27FC236}">
+                <a16:creationId xmlns:a16="http://schemas.microsoft.com/office/drawing/2014/main" id="{805BCA1D-3E78-F2B2-7A4F-D97ADE955E96}"/>
+              </a:ext>
+            </a:extLst>
+          </p:cNvPr>
+          <p:cNvSpPr txBox="1"/>
+          <p:nvPr/>
+        </p:nvSpPr>
+        <p:spPr>
+          <a:xfrm>
+            <a:off x="6163565" y="4587995"/>
+            <a:ext cx="1072731" cy="369332"/>
+          </a:xfrm>
+          <a:prstGeom prst="rect">
+            <a:avLst/>
+          </a:prstGeom>
+          <a:noFill/>
+        </p:spPr>
+        <p:txBody>
+          <a:bodyPr wrap="none" rtlCol="0">
+            <a:spAutoFit/>
+          </a:bodyPr>
+          <a:lstStyle/>
+          <a:p>
+            <a:pPr algn="ctr"/>
+            <a:r>
+              <a:rPr lang="en-KR" sz="900">
+                <a:solidFill>
+                  <a:srgbClr val="C00000"/>
+                </a:solidFill>
+              </a:rPr>
+              <a:t>Write executor’s </a:t>
+            </a:r>
+          </a:p>
+          <a:p>
+            <a:pPr algn="ctr"/>
+            <a:r>
+              <a:rPr lang="en-KR" sz="900">
+                <a:solidFill>
+                  <a:srgbClr val="C00000"/>
+                </a:solidFill>
+              </a:rPr>
+              <a:t>event logs</a:t>
+            </a:r>
+          </a:p>
+        </p:txBody>
+      </p:sp>
+      <p:cxnSp>
+        <p:nvCxnSpPr>
+          <p:cNvPr id="5" name="Elbow Connector 4">
+            <a:extLst>
+              <a:ext uri="{FF2B5EF4-FFF2-40B4-BE49-F238E27FC236}">
+                <a16:creationId xmlns:a16="http://schemas.microsoft.com/office/drawing/2014/main" id="{435E022D-5BFB-5976-1E2B-5C86F4268402}"/>
+              </a:ext>
+            </a:extLst>
+          </p:cNvPr>
+          <p:cNvCxnSpPr>
+            <a:cxnSpLocks/>
+            <a:stCxn id="18" idx="4"/>
+          </p:cNvCxnSpPr>
+          <p:nvPr/>
+        </p:nvCxnSpPr>
+        <p:spPr>
+          <a:xfrm rot="5400000">
+            <a:off x="4147257" y="1607275"/>
+            <a:ext cx="513691" cy="5400393"/>
+          </a:xfrm>
+          <a:prstGeom prst="bentConnector2">
+            <a:avLst/>
+          </a:prstGeom>
+          <a:ln>
+            <a:solidFill>
+              <a:srgbClr val="C00000"/>
+            </a:solidFill>
+            <a:tailEnd type="triangle"/>
+          </a:ln>
+        </p:spPr>
+        <p:style>
+          <a:lnRef idx="1">
+            <a:schemeClr val="dk1"/>
+          </a:lnRef>
+          <a:fillRef idx="0">
+            <a:schemeClr val="dk1"/>
+          </a:fillRef>
+          <a:effectRef idx="0">
+            <a:schemeClr val="dk1"/>
+          </a:effectRef>
+          <a:fontRef idx="minor">
+            <a:schemeClr val="tx1"/>
+          </a:fontRef>
+        </p:style>
+      </p:cxnSp>
+      <p:sp>
+        <p:nvSpPr>
+          <p:cNvPr id="18" name="Oval 17">
+            <a:extLst>
+              <a:ext uri="{FF2B5EF4-FFF2-40B4-BE49-F238E27FC236}">
+                <a16:creationId xmlns:a16="http://schemas.microsoft.com/office/drawing/2014/main" id="{CDFA7CF2-F133-A447-4ADE-82ECB3D8D15C}"/>
+              </a:ext>
+            </a:extLst>
+          </p:cNvPr>
+          <p:cNvSpPr/>
+          <p:nvPr/>
+        </p:nvSpPr>
+        <p:spPr>
+          <a:xfrm>
+            <a:off x="6996286" y="3834602"/>
+            <a:ext cx="216024" cy="216024"/>
+          </a:xfrm>
+          <a:prstGeom prst="ellipse">
+            <a:avLst/>
+          </a:prstGeom>
+          <a:solidFill>
+            <a:schemeClr val="bg1"/>
+          </a:solidFill>
+          <a:ln w="19050">
+            <a:solidFill>
+              <a:srgbClr val="C00000"/>
+            </a:solidFill>
+          </a:ln>
+        </p:spPr>
+        <p:style>
+          <a:lnRef idx="2">
+            <a:schemeClr val="accent1">
+              <a:shade val="15000"/>
+            </a:schemeClr>
+          </a:lnRef>
+          <a:fillRef idx="1">
+            <a:schemeClr val="accent1"/>
+          </a:fillRef>
+          <a:effectRef idx="0">
+            <a:schemeClr val="accent1"/>
+          </a:effectRef>
+          <a:fontRef idx="minor">
+            <a:schemeClr val="lt1"/>
+          </a:fontRef>
+        </p:style>
+        <p:txBody>
+          <a:bodyPr rtlCol="0" anchor="ctr"/>
+          <a:lstStyle/>
+          <a:p>
+            <a:pPr algn="ctr"/>
+            <a:r>
+              <a:rPr lang="en-KR" sz="1000">
+                <a:solidFill>
+                  <a:srgbClr val="C00000"/>
+                </a:solidFill>
+              </a:rPr>
+              <a:t>1</a:t>
+            </a:r>
+          </a:p>
+        </p:txBody>
+      </p:sp>
+      <p:cxnSp>
+        <p:nvCxnSpPr>
+          <p:cNvPr id="122" name="Elbow Connector 121">
+            <a:extLst>
+              <a:ext uri="{FF2B5EF4-FFF2-40B4-BE49-F238E27FC236}">
+                <a16:creationId xmlns:a16="http://schemas.microsoft.com/office/drawing/2014/main" id="{9BEA5223-4721-C84A-4052-6418535C1A17}"/>
+              </a:ext>
+            </a:extLst>
+          </p:cNvPr>
+          <p:cNvCxnSpPr>
+            <a:cxnSpLocks/>
+            <a:stCxn id="1031" idx="0"/>
+            <a:endCxn id="83" idx="2"/>
+          </p:cNvCxnSpPr>
+          <p:nvPr/>
+        </p:nvCxnSpPr>
+        <p:spPr>
+          <a:xfrm rot="5400000" flipH="1" flipV="1">
+            <a:off x="4706559" y="311596"/>
+            <a:ext cx="1514269" cy="3603685"/>
+          </a:xfrm>
+          <a:prstGeom prst="bentConnector3">
+            <a:avLst>
+              <a:gd name="adj1" fmla="val 5592"/>
+            </a:avLst>
+          </a:prstGeom>
+          <a:ln>
+            <a:solidFill>
+              <a:srgbClr val="00B050"/>
+            </a:solidFill>
+            <a:tailEnd type="triangle"/>
+          </a:ln>
+        </p:spPr>
+        <p:style>
+          <a:lnRef idx="1">
+            <a:schemeClr val="dk1"/>
+          </a:lnRef>
+          <a:fillRef idx="0">
+            <a:schemeClr val="dk1"/>
+          </a:fillRef>
+          <a:effectRef idx="0">
+            <a:schemeClr val="dk1"/>
+          </a:effectRef>
+          <a:fontRef idx="minor">
+            <a:schemeClr val="tx1"/>
+          </a:fontRef>
+        </p:style>
+      </p:cxnSp>
     </p:spTree>
     <p:extLst>
       <p:ext uri="{BB962C8B-B14F-4D97-AF65-F5344CB8AC3E}">
-        <p14:creationId xmlns:p14="http://schemas.microsoft.com/office/powerpoint/2010/main" val="2865881758"/>
+        <p14:creationId xmlns:p14="http://schemas.microsoft.com/office/powerpoint/2010/main" val="809275274"/>
       </p:ext>
     </p:extLst>
   </p:cSld>

--- a/images/theory_analysis/Spark_Kubernetes/Spark_Kubernetes.pptx
+++ b/images/theory_analysis/Spark_Kubernetes/Spark_Kubernetes.pptx
@@ -221,7 +221,7 @@
           <a:p>
             <a:fld id="{6CD5550B-26C4-49A9-A5BA-636EF7BE6CE9}" type="datetimeFigureOut">
               <a:rPr lang="ko-KR" altLang="en-US" smtClean="0"/>
-              <a:t>2023. 8. 20.</a:t>
+              <a:t>2023. 8. 22.</a:t>
             </a:fld>
             <a:endParaRPr lang="ko-KR" altLang="en-US"/>
           </a:p>
@@ -1339,7 +1339,7 @@
           <a:p>
             <a:fld id="{FB30EDBD-1C2D-4C1E-B459-B60219FAB484}" type="datetimeFigureOut">
               <a:rPr lang="ko-KR" altLang="en-US" smtClean="0"/>
-              <a:t>2023. 8. 20.</a:t>
+              <a:t>2023. 8. 22.</a:t>
             </a:fld>
             <a:endParaRPr lang="ko-KR" altLang="en-US"/>
           </a:p>
@@ -1502,7 +1502,7 @@
           <a:p>
             <a:fld id="{FB30EDBD-1C2D-4C1E-B459-B60219FAB484}" type="datetimeFigureOut">
               <a:rPr lang="ko-KR" altLang="en-US" smtClean="0"/>
-              <a:t>2023. 8. 20.</a:t>
+              <a:t>2023. 8. 22.</a:t>
             </a:fld>
             <a:endParaRPr lang="ko-KR" altLang="en-US"/>
           </a:p>
@@ -1675,7 +1675,7 @@
           <a:p>
             <a:fld id="{FB30EDBD-1C2D-4C1E-B459-B60219FAB484}" type="datetimeFigureOut">
               <a:rPr lang="ko-KR" altLang="en-US" smtClean="0"/>
-              <a:t>2023. 8. 20.</a:t>
+              <a:t>2023. 8. 22.</a:t>
             </a:fld>
             <a:endParaRPr lang="ko-KR" altLang="en-US"/>
           </a:p>
@@ -1838,7 +1838,7 @@
           <a:p>
             <a:fld id="{FB30EDBD-1C2D-4C1E-B459-B60219FAB484}" type="datetimeFigureOut">
               <a:rPr lang="ko-KR" altLang="en-US" smtClean="0"/>
-              <a:t>2023. 8. 20.</a:t>
+              <a:t>2023. 8. 22.</a:t>
             </a:fld>
             <a:endParaRPr lang="ko-KR" altLang="en-US"/>
           </a:p>
@@ -2078,7 +2078,7 @@
           <a:p>
             <a:fld id="{FB30EDBD-1C2D-4C1E-B459-B60219FAB484}" type="datetimeFigureOut">
               <a:rPr lang="ko-KR" altLang="en-US" smtClean="0"/>
-              <a:t>2023. 8. 20.</a:t>
+              <a:t>2023. 8. 22.</a:t>
             </a:fld>
             <a:endParaRPr lang="ko-KR" altLang="en-US"/>
           </a:p>
@@ -2358,7 +2358,7 @@
           <a:p>
             <a:fld id="{FB30EDBD-1C2D-4C1E-B459-B60219FAB484}" type="datetimeFigureOut">
               <a:rPr lang="ko-KR" altLang="en-US" smtClean="0"/>
-              <a:t>2023. 8. 20.</a:t>
+              <a:t>2023. 8. 22.</a:t>
             </a:fld>
             <a:endParaRPr lang="ko-KR" altLang="en-US"/>
           </a:p>
@@ -2772,7 +2772,7 @@
           <a:p>
             <a:fld id="{FB30EDBD-1C2D-4C1E-B459-B60219FAB484}" type="datetimeFigureOut">
               <a:rPr lang="ko-KR" altLang="en-US" smtClean="0"/>
-              <a:t>2023. 8. 20.</a:t>
+              <a:t>2023. 8. 22.</a:t>
             </a:fld>
             <a:endParaRPr lang="ko-KR" altLang="en-US"/>
           </a:p>
@@ -2884,7 +2884,7 @@
           <a:p>
             <a:fld id="{FB30EDBD-1C2D-4C1E-B459-B60219FAB484}" type="datetimeFigureOut">
               <a:rPr lang="ko-KR" altLang="en-US" smtClean="0"/>
-              <a:t>2023. 8. 20.</a:t>
+              <a:t>2023. 8. 22.</a:t>
             </a:fld>
             <a:endParaRPr lang="ko-KR" altLang="en-US"/>
           </a:p>
@@ -2974,7 +2974,7 @@
           <a:p>
             <a:fld id="{FB30EDBD-1C2D-4C1E-B459-B60219FAB484}" type="datetimeFigureOut">
               <a:rPr lang="ko-KR" altLang="en-US" smtClean="0"/>
-              <a:t>2023. 8. 20.</a:t>
+              <a:t>2023. 8. 22.</a:t>
             </a:fld>
             <a:endParaRPr lang="ko-KR" altLang="en-US"/>
           </a:p>
@@ -3244,7 +3244,7 @@
           <a:p>
             <a:fld id="{FB30EDBD-1C2D-4C1E-B459-B60219FAB484}" type="datetimeFigureOut">
               <a:rPr lang="ko-KR" altLang="en-US" smtClean="0"/>
-              <a:t>2023. 8. 20.</a:t>
+              <a:t>2023. 8. 22.</a:t>
             </a:fld>
             <a:endParaRPr lang="ko-KR" altLang="en-US"/>
           </a:p>
@@ -3491,7 +3491,7 @@
           <a:p>
             <a:fld id="{FB30EDBD-1C2D-4C1E-B459-B60219FAB484}" type="datetimeFigureOut">
               <a:rPr lang="ko-KR" altLang="en-US" smtClean="0"/>
-              <a:t>2023. 8. 20.</a:t>
+              <a:t>2023. 8. 22.</a:t>
             </a:fld>
             <a:endParaRPr lang="ko-KR" altLang="en-US"/>
           </a:p>
@@ -3697,7 +3697,7 @@
           <a:p>
             <a:fld id="{FB30EDBD-1C2D-4C1E-B459-B60219FAB484}" type="datetimeFigureOut">
               <a:rPr lang="ko-KR" altLang="en-US" smtClean="0"/>
-              <a:t>2023. 8. 20.</a:t>
+              <a:t>2023. 8. 22.</a:t>
             </a:fld>
             <a:endParaRPr lang="ko-KR" altLang="en-US"/>
           </a:p>
@@ -5009,15 +5009,15 @@
           </p:cNvPr>
           <p:cNvCxnSpPr>
             <a:cxnSpLocks/>
-            <a:stCxn id="1114" idx="0"/>
-            <a:endCxn id="1026" idx="3"/>
+            <a:stCxn id="1026" idx="3"/>
+            <a:endCxn id="1114" idx="0"/>
           </p:cNvCxnSpPr>
           <p:nvPr/>
         </p:nvCxnSpPr>
         <p:spPr>
-          <a:xfrm rot="16200000" flipV="1">
-            <a:off x="3059449" y="-288835"/>
-            <a:ext cx="251085" cy="3019441"/>
+          <a:xfrm>
+            <a:off x="1675270" y="1095343"/>
+            <a:ext cx="3019441" cy="251085"/>
           </a:xfrm>
           <a:prstGeom prst="bentConnector2">
             <a:avLst/>
@@ -5055,19 +5055,18 @@
           </p:cNvPr>
           <p:cNvCxnSpPr>
             <a:cxnSpLocks/>
-            <a:stCxn id="1044" idx="0"/>
-            <a:endCxn id="1114" idx="2"/>
+            <a:stCxn id="1044" idx="4"/>
           </p:cNvCxnSpPr>
           <p:nvPr/>
         </p:nvCxnSpPr>
         <p:spPr>
-          <a:xfrm rot="5400000" flipH="1" flipV="1">
-            <a:off x="3728458" y="2221764"/>
-            <a:ext cx="1333526" cy="598980"/>
+          <a:xfrm rot="5400000">
+            <a:off x="3923109" y="2005090"/>
+            <a:ext cx="1375728" cy="1197738"/>
           </a:xfrm>
           <a:prstGeom prst="bentConnector3">
             <a:avLst>
-              <a:gd name="adj1" fmla="val 46484"/>
+              <a:gd name="adj1" fmla="val 47640"/>
             </a:avLst>
           </a:prstGeom>
           <a:ln>
@@ -5169,56 +5168,11 @@
         </p:nvCxnSpPr>
         <p:spPr>
           <a:xfrm flipV="1">
-            <a:off x="3203848" y="1854491"/>
+            <a:off x="3132549" y="1854491"/>
             <a:ext cx="0" cy="933276"/>
           </a:xfrm>
           <a:prstGeom prst="straightConnector1">
             <a:avLst/>
-          </a:prstGeom>
-          <a:ln>
-            <a:tailEnd type="triangle"/>
-          </a:ln>
-        </p:spPr>
-        <p:style>
-          <a:lnRef idx="1">
-            <a:schemeClr val="dk1"/>
-          </a:lnRef>
-          <a:fillRef idx="0">
-            <a:schemeClr val="dk1"/>
-          </a:fillRef>
-          <a:effectRef idx="0">
-            <a:schemeClr val="dk1"/>
-          </a:effectRef>
-          <a:fontRef idx="minor">
-            <a:schemeClr val="tx1"/>
-          </a:fontRef>
-        </p:style>
-      </p:cxnSp>
-      <p:cxnSp>
-        <p:nvCxnSpPr>
-          <p:cNvPr id="120" name="Elbow Connector 119">
-            <a:extLst>
-              <a:ext uri="{FF2B5EF4-FFF2-40B4-BE49-F238E27FC236}">
-                <a16:creationId xmlns:a16="http://schemas.microsoft.com/office/drawing/2014/main" id="{22EA938F-29F8-0F65-4F82-70F42AB86439}"/>
-              </a:ext>
-            </a:extLst>
-          </p:cNvPr>
-          <p:cNvCxnSpPr>
-            <a:cxnSpLocks/>
-            <a:stCxn id="64" idx="6"/>
-            <a:endCxn id="50" idx="1"/>
-          </p:cNvCxnSpPr>
-          <p:nvPr/>
-        </p:nvCxnSpPr>
-        <p:spPr>
-          <a:xfrm flipV="1">
-            <a:off x="2212540" y="1600460"/>
-            <a:ext cx="703275" cy="400507"/>
-          </a:xfrm>
-          <a:prstGeom prst="bentConnector3">
-            <a:avLst>
-              <a:gd name="adj1" fmla="val 50000"/>
-            </a:avLst>
           </a:prstGeom>
           <a:ln>
             <a:solidFill>
@@ -5244,6 +5198,54 @@
       </p:cxnSp>
       <p:cxnSp>
         <p:nvCxnSpPr>
+          <p:cNvPr id="120" name="Elbow Connector 119">
+            <a:extLst>
+              <a:ext uri="{FF2B5EF4-FFF2-40B4-BE49-F238E27FC236}">
+                <a16:creationId xmlns:a16="http://schemas.microsoft.com/office/drawing/2014/main" id="{22EA938F-29F8-0F65-4F82-70F42AB86439}"/>
+              </a:ext>
+            </a:extLst>
+          </p:cNvPr>
+          <p:cNvCxnSpPr>
+            <a:cxnSpLocks/>
+            <a:stCxn id="64" idx="6"/>
+            <a:endCxn id="50" idx="1"/>
+          </p:cNvCxnSpPr>
+          <p:nvPr/>
+        </p:nvCxnSpPr>
+        <p:spPr>
+          <a:xfrm flipV="1">
+            <a:off x="2212540" y="1600460"/>
+            <a:ext cx="703275" cy="400507"/>
+          </a:xfrm>
+          <a:prstGeom prst="bentConnector3">
+            <a:avLst>
+              <a:gd name="adj1" fmla="val 50000"/>
+            </a:avLst>
+          </a:prstGeom>
+          <a:ln>
+            <a:solidFill>
+              <a:schemeClr val="tx2"/>
+            </a:solidFill>
+            <a:tailEnd type="triangle"/>
+          </a:ln>
+        </p:spPr>
+        <p:style>
+          <a:lnRef idx="1">
+            <a:schemeClr val="dk1"/>
+          </a:lnRef>
+          <a:fillRef idx="0">
+            <a:schemeClr val="dk1"/>
+          </a:fillRef>
+          <a:effectRef idx="0">
+            <a:schemeClr val="dk1"/>
+          </a:effectRef>
+          <a:fontRef idx="minor">
+            <a:schemeClr val="tx1"/>
+          </a:fontRef>
+        </p:style>
+      </p:cxnSp>
+      <p:cxnSp>
+        <p:nvCxnSpPr>
           <p:cNvPr id="123" name="Elbow Connector 122">
             <a:extLst>
               <a:ext uri="{FF2B5EF4-FFF2-40B4-BE49-F238E27FC236}">
@@ -5264,7 +5266,7 @@
           </a:xfrm>
           <a:prstGeom prst="bentConnector3">
             <a:avLst>
-              <a:gd name="adj1" fmla="val 44042"/>
+              <a:gd name="adj1" fmla="val 36159"/>
             </a:avLst>
           </a:prstGeom>
           <a:ln>
@@ -5749,7 +5751,7 @@
                   <a:schemeClr val="tx2"/>
                 </a:solidFill>
               </a:rPr>
-              <a:t>7</a:t>
+              <a:t>9</a:t>
             </a:r>
           </a:p>
         </p:txBody>
@@ -6061,7 +6063,7 @@
         </p:nvSpPr>
         <p:spPr>
           <a:xfrm>
-            <a:off x="6557003" y="1972644"/>
+            <a:off x="6557003" y="2010654"/>
             <a:ext cx="822661" cy="369332"/>
           </a:xfrm>
           <a:prstGeom prst="rect">
@@ -6154,7 +6156,7 @@
                   <a:schemeClr val="tx2"/>
                 </a:solidFill>
               </a:rPr>
-              <a:t>4</a:t>
+              <a:t>5</a:t>
             </a:r>
           </a:p>
         </p:txBody>
@@ -6327,7 +6329,7 @@
                   <a:schemeClr val="tx2"/>
                 </a:solidFill>
               </a:rPr>
-              <a:t>&amp; executor Config</a:t>
+              <a:t>&amp; executor config</a:t>
             </a:r>
           </a:p>
         </p:txBody>
@@ -6428,7 +6430,7 @@
                   <a:schemeClr val="tx2"/>
                 </a:solidFill>
               </a:rPr>
-              <a:t>5</a:t>
+              <a:t>6</a:t>
             </a:r>
           </a:p>
         </p:txBody>
@@ -6447,7 +6449,7 @@
         </p:nvSpPr>
         <p:spPr>
           <a:xfrm>
-            <a:off x="7184679" y="2239625"/>
+            <a:off x="7184679" y="2243841"/>
             <a:ext cx="216024" cy="216024"/>
           </a:xfrm>
           <a:prstGeom prst="ellipse">
@@ -6489,7 +6491,7 @@
                   <a:schemeClr val="tx2"/>
                 </a:solidFill>
               </a:rPr>
-              <a:t>6</a:t>
+              <a:t>7</a:t>
             </a:r>
           </a:p>
         </p:txBody>
@@ -6513,7 +6515,7 @@
         <p:spPr>
           <a:xfrm flipV="1">
             <a:off x="7292691" y="1854491"/>
-            <a:ext cx="0" cy="385134"/>
+            <a:ext cx="0" cy="389350"/>
           </a:xfrm>
           <a:prstGeom prst="straightConnector1">
             <a:avLst/>
@@ -6698,7 +6700,7 @@
                   <a:srgbClr val="C00000"/>
                 </a:solidFill>
               </a:rPr>
-              <a:t>2</a:t>
+              <a:t>4</a:t>
             </a:r>
           </a:p>
         </p:txBody>
@@ -6768,7 +6770,7 @@
         </p:nvSpPr>
         <p:spPr>
           <a:xfrm>
-            <a:off x="3987719" y="3188017"/>
+            <a:off x="5101830" y="1700071"/>
             <a:ext cx="216024" cy="216024"/>
           </a:xfrm>
           <a:prstGeom prst="ellipse">
@@ -6829,8 +6831,8 @@
         </p:nvSpPr>
         <p:spPr>
           <a:xfrm>
-            <a:off x="4670444" y="1984977"/>
-            <a:ext cx="859531" cy="369332"/>
+            <a:off x="4492388" y="1953650"/>
+            <a:ext cx="782587" cy="369332"/>
           </a:xfrm>
           <a:prstGeom prst="rect">
             <a:avLst/>
@@ -6850,7 +6852,7 @@
                   <a:srgbClr val="C00000"/>
                 </a:solidFill>
               </a:rPr>
-              <a:t>Send driver’s</a:t>
+              <a:t>Get driver’s</a:t>
             </a:r>
           </a:p>
           <a:p>
@@ -7038,7 +7040,7 @@
         </p:nvSpPr>
         <p:spPr>
           <a:xfrm>
-            <a:off x="2483059" y="2086317"/>
+            <a:off x="2427732" y="2298577"/>
             <a:ext cx="810021" cy="369332"/>
           </a:xfrm>
           <a:prstGeom prst="rect">
@@ -7054,14 +7056,22 @@
           <a:p>
             <a:pPr algn="ctr"/>
             <a:r>
-              <a:rPr lang="en-KR" sz="900"/>
+              <a:rPr lang="en-KR" sz="900">
+                <a:solidFill>
+                  <a:schemeClr val="tx2"/>
+                </a:solidFill>
+              </a:rPr>
               <a:t>Get driver’s </a:t>
             </a:r>
           </a:p>
           <a:p>
             <a:pPr algn="ctr"/>
             <a:r>
-              <a:rPr lang="en-KR" sz="900"/>
+              <a:rPr lang="en-KR" sz="900">
+                <a:solidFill>
+                  <a:schemeClr val="tx2"/>
+                </a:solidFill>
+              </a:rPr>
               <a:t>config</a:t>
             </a:r>
           </a:p>
@@ -7192,7 +7202,7 @@
           </a:xfrm>
           <a:prstGeom prst="bentConnector3">
             <a:avLst>
-              <a:gd name="adj1" fmla="val 42820"/>
+              <a:gd name="adj1" fmla="val 37130"/>
             </a:avLst>
           </a:prstGeom>
           <a:ln>
@@ -7444,6 +7454,9 @@
             <a:avLst/>
           </a:prstGeom>
           <a:ln>
+            <a:solidFill>
+              <a:schemeClr val="tx2"/>
+            </a:solidFill>
             <a:tailEnd type="triangle"/>
           </a:ln>
         </p:spPr>
@@ -7476,7 +7489,7 @@
         </p:nvSpPr>
         <p:spPr>
           <a:xfrm>
-            <a:off x="5440393" y="1953650"/>
+            <a:off x="5236576" y="2008911"/>
             <a:ext cx="964298" cy="369332"/>
           </a:xfrm>
           <a:prstGeom prst="rect">
@@ -7492,14 +7505,260 @@
           <a:p>
             <a:pPr algn="ctr"/>
             <a:r>
-              <a:rPr lang="en-KR" sz="900"/>
+              <a:rPr lang="en-KR" sz="900">
+                <a:solidFill>
+                  <a:schemeClr val="tx2"/>
+                </a:solidFill>
+              </a:rPr>
               <a:t>Get </a:t>
             </a:r>
             <a:r>
-              <a:rPr lang="en-US" sz="900"/>
+              <a:rPr lang="en-US" sz="900">
+                <a:solidFill>
+                  <a:schemeClr val="tx2"/>
+                </a:solidFill>
+              </a:rPr>
               <a:t>executor’s config</a:t>
             </a:r>
-            <a:endParaRPr lang="en-KR" sz="900"/>
+            <a:endParaRPr lang="en-KR" sz="900">
+              <a:solidFill>
+                <a:schemeClr val="tx2"/>
+              </a:solidFill>
+            </a:endParaRPr>
+          </a:p>
+        </p:txBody>
+      </p:sp>
+      <p:sp>
+        <p:nvSpPr>
+          <p:cNvPr id="13" name="Oval 12">
+            <a:extLst>
+              <a:ext uri="{FF2B5EF4-FFF2-40B4-BE49-F238E27FC236}">
+                <a16:creationId xmlns:a16="http://schemas.microsoft.com/office/drawing/2014/main" id="{58F4C974-C786-B5E7-1FAE-0FBACA76BE2E}"/>
+              </a:ext>
+            </a:extLst>
+          </p:cNvPr>
+          <p:cNvSpPr/>
+          <p:nvPr/>
+        </p:nvSpPr>
+        <p:spPr>
+          <a:xfrm>
+            <a:off x="1651507" y="993333"/>
+            <a:ext cx="216024" cy="216024"/>
+          </a:xfrm>
+          <a:prstGeom prst="ellipse">
+            <a:avLst/>
+          </a:prstGeom>
+          <a:solidFill>
+            <a:schemeClr val="bg1"/>
+          </a:solidFill>
+          <a:ln w="19050">
+            <a:solidFill>
+              <a:srgbClr val="C00000"/>
+            </a:solidFill>
+          </a:ln>
+        </p:spPr>
+        <p:style>
+          <a:lnRef idx="2">
+            <a:schemeClr val="accent1">
+              <a:shade val="15000"/>
+            </a:schemeClr>
+          </a:lnRef>
+          <a:fillRef idx="1">
+            <a:schemeClr val="accent1"/>
+          </a:fillRef>
+          <a:effectRef idx="0">
+            <a:schemeClr val="accent1"/>
+          </a:effectRef>
+          <a:fontRef idx="minor">
+            <a:schemeClr val="lt1"/>
+          </a:fontRef>
+        </p:style>
+        <p:txBody>
+          <a:bodyPr rtlCol="0" anchor="ctr"/>
+          <a:lstStyle/>
+          <a:p>
+            <a:pPr algn="ctr"/>
+            <a:r>
+              <a:rPr lang="en-KR" sz="1000">
+                <a:solidFill>
+                  <a:srgbClr val="C00000"/>
+                </a:solidFill>
+              </a:rPr>
+              <a:t>2</a:t>
+            </a:r>
+          </a:p>
+        </p:txBody>
+      </p:sp>
+      <p:sp>
+        <p:nvSpPr>
+          <p:cNvPr id="24" name="TextBox 23">
+            <a:extLst>
+              <a:ext uri="{FF2B5EF4-FFF2-40B4-BE49-F238E27FC236}">
+                <a16:creationId xmlns:a16="http://schemas.microsoft.com/office/drawing/2014/main" id="{B9F4E6FC-EC03-814A-EF54-909C6788CA4E}"/>
+              </a:ext>
+            </a:extLst>
+          </p:cNvPr>
+          <p:cNvSpPr txBox="1"/>
+          <p:nvPr/>
+        </p:nvSpPr>
+        <p:spPr>
+          <a:xfrm>
+            <a:off x="1855434" y="1061215"/>
+            <a:ext cx="782587" cy="369332"/>
+          </a:xfrm>
+          <a:prstGeom prst="rect">
+            <a:avLst/>
+          </a:prstGeom>
+          <a:noFill/>
+        </p:spPr>
+        <p:txBody>
+          <a:bodyPr wrap="none" rtlCol="0">
+            <a:spAutoFit/>
+          </a:bodyPr>
+          <a:lstStyle/>
+          <a:p>
+            <a:pPr algn="ctr"/>
+            <a:r>
+              <a:rPr lang="en-KR" sz="900">
+                <a:solidFill>
+                  <a:srgbClr val="C00000"/>
+                </a:solidFill>
+              </a:rPr>
+              <a:t>Get driver’s</a:t>
+            </a:r>
+          </a:p>
+          <a:p>
+            <a:pPr algn="ctr"/>
+            <a:r>
+              <a:rPr lang="en-KR" sz="900">
+                <a:solidFill>
+                  <a:srgbClr val="C00000"/>
+                </a:solidFill>
+              </a:rPr>
+              <a:t>event logs</a:t>
+            </a:r>
+          </a:p>
+        </p:txBody>
+      </p:sp>
+      <p:sp>
+        <p:nvSpPr>
+          <p:cNvPr id="38" name="Oval 37">
+            <a:extLst>
+              <a:ext uri="{FF2B5EF4-FFF2-40B4-BE49-F238E27FC236}">
+                <a16:creationId xmlns:a16="http://schemas.microsoft.com/office/drawing/2014/main" id="{7CC890B1-3DA9-A300-3176-7C83614B2BA1}"/>
+              </a:ext>
+            </a:extLst>
+          </p:cNvPr>
+          <p:cNvSpPr/>
+          <p:nvPr/>
+        </p:nvSpPr>
+        <p:spPr>
+          <a:xfrm>
+            <a:off x="3018038" y="2676891"/>
+            <a:ext cx="216024" cy="216024"/>
+          </a:xfrm>
+          <a:prstGeom prst="ellipse">
+            <a:avLst/>
+          </a:prstGeom>
+          <a:solidFill>
+            <a:schemeClr val="bg1"/>
+          </a:solidFill>
+          <a:ln w="19050">
+            <a:solidFill>
+              <a:schemeClr val="tx2"/>
+            </a:solidFill>
+          </a:ln>
+        </p:spPr>
+        <p:style>
+          <a:lnRef idx="2">
+            <a:schemeClr val="accent1">
+              <a:shade val="15000"/>
+            </a:schemeClr>
+          </a:lnRef>
+          <a:fillRef idx="1">
+            <a:schemeClr val="accent1"/>
+          </a:fillRef>
+          <a:effectRef idx="0">
+            <a:schemeClr val="accent1"/>
+          </a:effectRef>
+          <a:fontRef idx="minor">
+            <a:schemeClr val="lt1"/>
+          </a:fontRef>
+        </p:style>
+        <p:txBody>
+          <a:bodyPr rtlCol="0" anchor="ctr"/>
+          <a:lstStyle/>
+          <a:p>
+            <a:pPr algn="ctr"/>
+            <a:r>
+              <a:rPr lang="en-KR" sz="1000">
+                <a:solidFill>
+                  <a:schemeClr val="tx2"/>
+                </a:solidFill>
+              </a:rPr>
+              <a:t>4</a:t>
+            </a:r>
+          </a:p>
+        </p:txBody>
+      </p:sp>
+      <p:sp>
+        <p:nvSpPr>
+          <p:cNvPr id="45" name="Oval 44">
+            <a:extLst>
+              <a:ext uri="{FF2B5EF4-FFF2-40B4-BE49-F238E27FC236}">
+                <a16:creationId xmlns:a16="http://schemas.microsoft.com/office/drawing/2014/main" id="{FEA13499-9FFE-6A50-6364-299427498268}"/>
+              </a:ext>
+            </a:extLst>
+          </p:cNvPr>
+          <p:cNvSpPr/>
+          <p:nvPr/>
+        </p:nvSpPr>
+        <p:spPr>
+          <a:xfrm>
+            <a:off x="6028622" y="2239625"/>
+            <a:ext cx="216024" cy="216024"/>
+          </a:xfrm>
+          <a:prstGeom prst="ellipse">
+            <a:avLst/>
+          </a:prstGeom>
+          <a:solidFill>
+            <a:schemeClr val="bg1"/>
+          </a:solidFill>
+          <a:ln w="19050">
+            <a:solidFill>
+              <a:schemeClr val="tx2"/>
+            </a:solidFill>
+          </a:ln>
+        </p:spPr>
+        <p:style>
+          <a:lnRef idx="2">
+            <a:schemeClr val="accent1">
+              <a:shade val="15000"/>
+            </a:schemeClr>
+          </a:lnRef>
+          <a:fillRef idx="1">
+            <a:schemeClr val="accent1"/>
+          </a:fillRef>
+          <a:effectRef idx="0">
+            <a:schemeClr val="accent1"/>
+          </a:effectRef>
+          <a:fontRef idx="minor">
+            <a:schemeClr val="lt1"/>
+          </a:fontRef>
+        </p:style>
+        <p:txBody>
+          <a:bodyPr rtlCol="0" anchor="ctr"/>
+          <a:lstStyle/>
+          <a:p>
+            <a:pPr algn="ctr"/>
+            <a:r>
+              <a:rPr lang="en-KR" sz="1000">
+                <a:solidFill>
+                  <a:schemeClr val="tx2"/>
+                </a:solidFill>
+              </a:rPr>
+              <a:t>8</a:t>
+            </a:r>
           </a:p>
         </p:txBody>
       </p:sp>
@@ -7549,7 +7808,7 @@
         </p:nvSpPr>
         <p:spPr>
           <a:xfrm>
-            <a:off x="565354" y="-92546"/>
+            <a:off x="565354" y="-233174"/>
             <a:ext cx="8229600" cy="857250"/>
           </a:xfrm>
           <a:prstGeom prst="rect">
@@ -7599,8 +7858,8 @@
         </p:nvSpPr>
         <p:spPr>
           <a:xfrm>
-            <a:off x="2411760" y="764704"/>
-            <a:ext cx="6579383" cy="3872931"/>
+            <a:off x="2411760" y="670560"/>
+            <a:ext cx="6579383" cy="3967075"/>
           </a:xfrm>
           <a:prstGeom prst="roundRect">
             <a:avLst>
@@ -8425,19 +8684,18 @@
           </p:cNvPr>
           <p:cNvCxnSpPr>
             <a:cxnSpLocks/>
-            <a:stCxn id="71" idx="0"/>
-            <a:endCxn id="11" idx="2"/>
+            <a:stCxn id="71" idx="4"/>
           </p:cNvCxnSpPr>
           <p:nvPr/>
         </p:nvCxnSpPr>
         <p:spPr>
-          <a:xfrm rot="5400000" flipH="1" flipV="1">
-            <a:off x="3241895" y="2339874"/>
-            <a:ext cx="1299742" cy="725684"/>
+          <a:xfrm rot="5400000">
+            <a:off x="3449415" y="2138177"/>
+            <a:ext cx="1384912" cy="1309742"/>
           </a:xfrm>
           <a:prstGeom prst="bentConnector3">
             <a:avLst>
-              <a:gd name="adj1" fmla="val 47294"/>
+              <a:gd name="adj1" fmla="val 45965"/>
             </a:avLst>
           </a:prstGeom>
           <a:ln>
@@ -8546,6 +8804,9 @@
             <a:avLst/>
           </a:prstGeom>
           <a:ln>
+            <a:solidFill>
+              <a:schemeClr val="tx2"/>
+            </a:solidFill>
             <a:tailEnd type="triangle"/>
           </a:ln>
         </p:spPr>
@@ -9018,14 +9279,11 @@
           <a:lstStyle/>
           <a:p>
             <a:pPr algn="ctr"/>
-            <a:r>
-              <a:rPr lang="en-KR" sz="1000">
-                <a:solidFill>
-                  <a:schemeClr val="tx2"/>
-                </a:solidFill>
-              </a:rPr>
-              <a:t>9</a:t>
-            </a:r>
+            <a:endParaRPr lang="en-KR" sz="1000">
+              <a:solidFill>
+                <a:schemeClr val="tx2"/>
+              </a:solidFill>
+            </a:endParaRPr>
           </a:p>
         </p:txBody>
       </p:sp>
@@ -9097,7 +9355,7 @@
           </a:xfrm>
           <a:prstGeom prst="bentConnector3">
             <a:avLst>
-              <a:gd name="adj1" fmla="val 85637"/>
+              <a:gd name="adj1" fmla="val 86388"/>
             </a:avLst>
           </a:prstGeom>
           <a:ln>
@@ -9226,8 +9484,8 @@
         </p:nvSpPr>
         <p:spPr>
           <a:xfrm>
-            <a:off x="7360804" y="2459373"/>
-            <a:ext cx="923651" cy="369332"/>
+            <a:off x="8126069" y="2491555"/>
+            <a:ext cx="1008609" cy="369332"/>
           </a:xfrm>
           <a:prstGeom prst="rect">
             <a:avLst/>
@@ -9247,7 +9505,7 @@
                   <a:schemeClr val="tx2"/>
                 </a:solidFill>
               </a:rPr>
-              <a:t>Create</a:t>
+              <a:t>Get spark job’s </a:t>
             </a:r>
           </a:p>
           <a:p>
@@ -9258,7 +9516,7 @@
                   <a:schemeClr val="tx2"/>
                 </a:solidFill>
               </a:rPr>
-              <a:t>driver’s config</a:t>
+              <a:t>configs</a:t>
             </a:r>
           </a:p>
         </p:txBody>
@@ -9277,7 +9535,7 @@
         </p:nvSpPr>
         <p:spPr>
           <a:xfrm>
-            <a:off x="6085550" y="2175404"/>
+            <a:off x="6113450" y="2206416"/>
             <a:ext cx="822661" cy="369332"/>
           </a:xfrm>
           <a:prstGeom prst="rect">
@@ -9370,7 +9628,7 @@
                   <a:schemeClr val="tx2"/>
                 </a:solidFill>
               </a:rPr>
-              <a:t>6</a:t>
+              <a:t>7</a:t>
             </a:r>
           </a:p>
         </p:txBody>
@@ -9421,7 +9679,7 @@
                   <a:schemeClr val="tx2"/>
                 </a:solidFill>
               </a:rPr>
-              <a:t>&amp; executor Config</a:t>
+              <a:t>&amp; executor config</a:t>
             </a:r>
           </a:p>
           <a:p>
@@ -9530,7 +9788,7 @@
                   <a:schemeClr val="tx2"/>
                 </a:solidFill>
               </a:rPr>
-              <a:t>7</a:t>
+              <a:t>8</a:t>
             </a:r>
           </a:p>
         </p:txBody>
@@ -9591,7 +9849,7 @@
                   <a:schemeClr val="tx2"/>
                 </a:solidFill>
               </a:rPr>
-              <a:t>8</a:t>
+              <a:t>9</a:t>
             </a:r>
           </a:p>
         </p:txBody>
@@ -9860,7 +10118,7 @@
                   <a:srgbClr val="C00000"/>
                 </a:solidFill>
               </a:rPr>
-              <a:t>2</a:t>
+              <a:t>4</a:t>
             </a:r>
           </a:p>
         </p:txBody>
@@ -9918,10 +10176,61 @@
       </p:sp>
       <p:sp>
         <p:nvSpPr>
-          <p:cNvPr id="71" name="Oval 70">
-            <a:extLst>
-              <a:ext uri="{FF2B5EF4-FFF2-40B4-BE49-F238E27FC236}">
-                <a16:creationId xmlns:a16="http://schemas.microsoft.com/office/drawing/2014/main" id="{9635FDF7-0210-E3B2-93B3-32C3F2069144}"/>
+          <p:cNvPr id="72" name="TextBox 71">
+            <a:extLst>
+              <a:ext uri="{FF2B5EF4-FFF2-40B4-BE49-F238E27FC236}">
+                <a16:creationId xmlns:a16="http://schemas.microsoft.com/office/drawing/2014/main" id="{12C9E2F2-5F8D-7894-9EC4-EA89AB908347}"/>
+              </a:ext>
+            </a:extLst>
+          </p:cNvPr>
+          <p:cNvSpPr txBox="1"/>
+          <p:nvPr/>
+        </p:nvSpPr>
+        <p:spPr>
+          <a:xfrm>
+            <a:off x="4078276" y="2163343"/>
+            <a:ext cx="822661" cy="369332"/>
+          </a:xfrm>
+          <a:prstGeom prst="rect">
+            <a:avLst/>
+          </a:prstGeom>
+          <a:noFill/>
+        </p:spPr>
+        <p:txBody>
+          <a:bodyPr wrap="none" rtlCol="0">
+            <a:spAutoFit/>
+          </a:bodyPr>
+          <a:lstStyle/>
+          <a:p>
+            <a:pPr algn="ctr"/>
+            <a:r>
+              <a:rPr lang="en-KR" sz="900">
+                <a:solidFill>
+                  <a:srgbClr val="C00000"/>
+                </a:solidFill>
+              </a:rPr>
+              <a:t>Get driver’s </a:t>
+            </a:r>
+          </a:p>
+          <a:p>
+            <a:pPr algn="ctr"/>
+            <a:r>
+              <a:rPr lang="en-KR" sz="900">
+                <a:solidFill>
+                  <a:srgbClr val="C00000"/>
+                </a:solidFill>
+              </a:rPr>
+              <a:t>event logs</a:t>
+            </a:r>
+          </a:p>
+        </p:txBody>
+      </p:sp>
+      <p:sp>
+        <p:nvSpPr>
+          <p:cNvPr id="75" name="모서리가 둥근 직사각형 2">
+            <a:extLst>
+              <a:ext uri="{FF2B5EF4-FFF2-40B4-BE49-F238E27FC236}">
+                <a16:creationId xmlns:a16="http://schemas.microsoft.com/office/drawing/2014/main" id="{B7439CF9-D92D-80D7-459F-CCDAF96B049A}"/>
               </a:ext>
             </a:extLst>
           </p:cNvPr>
@@ -9930,7 +10239,1937 @@
         </p:nvSpPr>
         <p:spPr>
           <a:xfrm>
-            <a:off x="3420912" y="3352587"/>
+            <a:off x="7541906" y="2837433"/>
+            <a:ext cx="1368152" cy="1440154"/>
+          </a:xfrm>
+          <a:prstGeom prst="roundRect">
+            <a:avLst>
+              <a:gd name="adj" fmla="val 7293"/>
+            </a:avLst>
+          </a:prstGeom>
+          <a:ln w="12700"/>
+        </p:spPr>
+        <p:style>
+          <a:lnRef idx="2">
+            <a:schemeClr val="dk1"/>
+          </a:lnRef>
+          <a:fillRef idx="1">
+            <a:schemeClr val="lt1"/>
+          </a:fillRef>
+          <a:effectRef idx="0">
+            <a:schemeClr val="dk1"/>
+          </a:effectRef>
+          <a:fontRef idx="minor">
+            <a:schemeClr val="dk1"/>
+          </a:fontRef>
+        </p:style>
+        <p:txBody>
+          <a:bodyPr rtlCol="0" anchor="b"/>
+          <a:lstStyle/>
+          <a:p>
+            <a:pPr algn="ctr"/>
+            <a:r>
+              <a:rPr lang="en-US" altLang="ko-KR" sz="1100"/>
+              <a:t>Worker Node D</a:t>
+            </a:r>
+            <a:endParaRPr lang="ko-KR" altLang="en-US" sz="1100"/>
+          </a:p>
+        </p:txBody>
+      </p:sp>
+      <p:sp>
+        <p:nvSpPr>
+          <p:cNvPr id="76" name="모서리가 둥근 직사각형 2">
+            <a:extLst>
+              <a:ext uri="{FF2B5EF4-FFF2-40B4-BE49-F238E27FC236}">
+                <a16:creationId xmlns:a16="http://schemas.microsoft.com/office/drawing/2014/main" id="{6BFA17E7-3D00-157E-0D6D-2047431486BF}"/>
+              </a:ext>
+            </a:extLst>
+          </p:cNvPr>
+          <p:cNvSpPr/>
+          <p:nvPr/>
+        </p:nvSpPr>
+        <p:spPr>
+          <a:xfrm>
+            <a:off x="7630526" y="2981448"/>
+            <a:ext cx="1190912" cy="890801"/>
+          </a:xfrm>
+          <a:prstGeom prst="roundRect">
+            <a:avLst>
+              <a:gd name="adj" fmla="val 9041"/>
+            </a:avLst>
+          </a:prstGeom>
+          <a:ln w="12700"/>
+        </p:spPr>
+        <p:style>
+          <a:lnRef idx="2">
+            <a:schemeClr val="dk1"/>
+          </a:lnRef>
+          <a:fillRef idx="1">
+            <a:schemeClr val="lt1"/>
+          </a:fillRef>
+          <a:effectRef idx="0">
+            <a:schemeClr val="dk1"/>
+          </a:effectRef>
+          <a:fontRef idx="minor">
+            <a:schemeClr val="dk1"/>
+          </a:fontRef>
+        </p:style>
+        <p:txBody>
+          <a:bodyPr rtlCol="0" anchor="b"/>
+          <a:lstStyle/>
+          <a:p>
+            <a:pPr algn="ctr"/>
+            <a:r>
+              <a:rPr lang="en-US" altLang="ko-KR" sz="1000" b="1"/>
+              <a:t>spark-operator </a:t>
+            </a:r>
+            <a:br>
+              <a:rPr lang="en-US" altLang="ko-KR" sz="1000" b="1"/>
+            </a:br>
+            <a:r>
+              <a:rPr lang="en-US" altLang="ko-KR" sz="1000"/>
+              <a:t>/ Pod</a:t>
+            </a:r>
+            <a:endParaRPr lang="ko-KR" altLang="en-US" sz="1000"/>
+          </a:p>
+        </p:txBody>
+      </p:sp>
+      <p:sp>
+        <p:nvSpPr>
+          <p:cNvPr id="79" name="모서리가 둥근 직사각형 2">
+            <a:extLst>
+              <a:ext uri="{FF2B5EF4-FFF2-40B4-BE49-F238E27FC236}">
+                <a16:creationId xmlns:a16="http://schemas.microsoft.com/office/drawing/2014/main" id="{5668E099-6809-7EDA-FCDB-55210BB41384}"/>
+              </a:ext>
+            </a:extLst>
+          </p:cNvPr>
+          <p:cNvSpPr/>
+          <p:nvPr/>
+        </p:nvSpPr>
+        <p:spPr>
+          <a:xfrm>
+            <a:off x="7698325" y="3072694"/>
+            <a:ext cx="1047740" cy="386745"/>
+          </a:xfrm>
+          <a:prstGeom prst="roundRect">
+            <a:avLst>
+              <a:gd name="adj" fmla="val 13068"/>
+            </a:avLst>
+          </a:prstGeom>
+          <a:ln w="12700"/>
+        </p:spPr>
+        <p:style>
+          <a:lnRef idx="2">
+            <a:schemeClr val="dk1"/>
+          </a:lnRef>
+          <a:fillRef idx="1">
+            <a:schemeClr val="lt1"/>
+          </a:fillRef>
+          <a:effectRef idx="0">
+            <a:schemeClr val="dk1"/>
+          </a:effectRef>
+          <a:fontRef idx="minor">
+            <a:schemeClr val="dk1"/>
+          </a:fontRef>
+        </p:style>
+        <p:txBody>
+          <a:bodyPr rtlCol="0" anchor="ctr"/>
+          <a:lstStyle/>
+          <a:p>
+            <a:pPr algn="ctr"/>
+            <a:r>
+              <a:rPr lang="en-US" altLang="ko-KR" sz="900" b="1"/>
+              <a:t>spark-submit CLI</a:t>
+            </a:r>
+            <a:endParaRPr lang="ko-KR" altLang="en-US" sz="900" b="1"/>
+          </a:p>
+        </p:txBody>
+      </p:sp>
+      <p:sp>
+        <p:nvSpPr>
+          <p:cNvPr id="80" name="모서리가 둥근 직사각형 2">
+            <a:extLst>
+              <a:ext uri="{FF2B5EF4-FFF2-40B4-BE49-F238E27FC236}">
+                <a16:creationId xmlns:a16="http://schemas.microsoft.com/office/drawing/2014/main" id="{203981CE-5480-F7BE-04FE-6141F74CCFB9}"/>
+              </a:ext>
+            </a:extLst>
+          </p:cNvPr>
+          <p:cNvSpPr/>
+          <p:nvPr/>
+        </p:nvSpPr>
+        <p:spPr>
+          <a:xfrm>
+            <a:off x="2483767" y="720802"/>
+            <a:ext cx="1421855" cy="508063"/>
+          </a:xfrm>
+          <a:prstGeom prst="roundRect">
+            <a:avLst>
+              <a:gd name="adj" fmla="val 13068"/>
+            </a:avLst>
+          </a:prstGeom>
+          <a:ln w="12700"/>
+        </p:spPr>
+        <p:style>
+          <a:lnRef idx="2">
+            <a:schemeClr val="dk1"/>
+          </a:lnRef>
+          <a:fillRef idx="1">
+            <a:schemeClr val="lt1"/>
+          </a:fillRef>
+          <a:effectRef idx="0">
+            <a:schemeClr val="dk1"/>
+          </a:effectRef>
+          <a:fontRef idx="minor">
+            <a:schemeClr val="dk1"/>
+          </a:fontRef>
+        </p:style>
+        <p:txBody>
+          <a:bodyPr rtlCol="0" anchor="ctr"/>
+          <a:lstStyle/>
+          <a:p>
+            <a:pPr algn="ctr"/>
+            <a:r>
+              <a:rPr lang="en-US" altLang="ko-KR" sz="1000" b="1"/>
+              <a:t>SparkApplication</a:t>
+            </a:r>
+          </a:p>
+          <a:p>
+            <a:pPr algn="ctr"/>
+            <a:r>
+              <a:rPr lang="en-US" altLang="ko-KR" sz="1000"/>
+              <a:t>/ Custom Resource</a:t>
+            </a:r>
+            <a:endParaRPr lang="ko-KR" altLang="en-US" sz="1000"/>
+          </a:p>
+        </p:txBody>
+      </p:sp>
+      <p:sp>
+        <p:nvSpPr>
+          <p:cNvPr id="81" name="모서리가 둥근 직사각형 2">
+            <a:extLst>
+              <a:ext uri="{FF2B5EF4-FFF2-40B4-BE49-F238E27FC236}">
+                <a16:creationId xmlns:a16="http://schemas.microsoft.com/office/drawing/2014/main" id="{3AD1C164-17CC-5C80-F429-59E21D8A3B20}"/>
+              </a:ext>
+            </a:extLst>
+          </p:cNvPr>
+          <p:cNvSpPr/>
+          <p:nvPr/>
+        </p:nvSpPr>
+        <p:spPr>
+          <a:xfrm>
+            <a:off x="4146747" y="720802"/>
+            <a:ext cx="1935820" cy="508063"/>
+          </a:xfrm>
+          <a:prstGeom prst="roundRect">
+            <a:avLst>
+              <a:gd name="adj" fmla="val 13068"/>
+            </a:avLst>
+          </a:prstGeom>
+          <a:ln w="12700"/>
+        </p:spPr>
+        <p:style>
+          <a:lnRef idx="2">
+            <a:schemeClr val="dk1"/>
+          </a:lnRef>
+          <a:fillRef idx="1">
+            <a:schemeClr val="lt1"/>
+          </a:fillRef>
+          <a:effectRef idx="0">
+            <a:schemeClr val="dk1"/>
+          </a:effectRef>
+          <a:fontRef idx="minor">
+            <a:schemeClr val="dk1"/>
+          </a:fontRef>
+        </p:style>
+        <p:txBody>
+          <a:bodyPr rtlCol="0" anchor="ctr"/>
+          <a:lstStyle/>
+          <a:p>
+            <a:pPr algn="ctr"/>
+            <a:r>
+              <a:rPr lang="en-US" altLang="ko-KR" sz="1000" b="1"/>
+              <a:t>ScheduledSparkApplication</a:t>
+            </a:r>
+          </a:p>
+          <a:p>
+            <a:pPr algn="ctr"/>
+            <a:r>
+              <a:rPr lang="en-US" altLang="ko-KR" sz="1000"/>
+              <a:t>/ Custom Resource</a:t>
+            </a:r>
+            <a:endParaRPr lang="ko-KR" altLang="en-US" sz="1000"/>
+          </a:p>
+        </p:txBody>
+      </p:sp>
+      <p:sp>
+        <p:nvSpPr>
+          <p:cNvPr id="83" name="모서리가 둥근 직사각형 2">
+            <a:extLst>
+              <a:ext uri="{FF2B5EF4-FFF2-40B4-BE49-F238E27FC236}">
+                <a16:creationId xmlns:a16="http://schemas.microsoft.com/office/drawing/2014/main" id="{1071C5DB-E8F4-90CB-587F-810A1330B841}"/>
+              </a:ext>
+            </a:extLst>
+          </p:cNvPr>
+          <p:cNvSpPr/>
+          <p:nvPr/>
+        </p:nvSpPr>
+        <p:spPr>
+          <a:xfrm>
+            <a:off x="6297626" y="720802"/>
+            <a:ext cx="1935820" cy="508063"/>
+          </a:xfrm>
+          <a:prstGeom prst="roundRect">
+            <a:avLst>
+              <a:gd name="adj" fmla="val 13068"/>
+            </a:avLst>
+          </a:prstGeom>
+          <a:ln w="12700"/>
+        </p:spPr>
+        <p:style>
+          <a:lnRef idx="2">
+            <a:schemeClr val="dk1"/>
+          </a:lnRef>
+          <a:fillRef idx="1">
+            <a:schemeClr val="lt1"/>
+          </a:fillRef>
+          <a:effectRef idx="0">
+            <a:schemeClr val="dk1"/>
+          </a:effectRef>
+          <a:fontRef idx="minor">
+            <a:schemeClr val="dk1"/>
+          </a:fontRef>
+        </p:style>
+        <p:txBody>
+          <a:bodyPr rtlCol="0" anchor="ctr"/>
+          <a:lstStyle/>
+          <a:p>
+            <a:pPr algn="ctr"/>
+            <a:r>
+              <a:rPr lang="en-US" altLang="ko-KR" sz="1000"/>
+              <a:t>Spark Web UI</a:t>
+            </a:r>
+          </a:p>
+          <a:p>
+            <a:pPr algn="ctr"/>
+            <a:r>
+              <a:rPr lang="en-US" altLang="ko-KR" sz="1000"/>
+              <a:t>/ Service, Ingress</a:t>
+            </a:r>
+            <a:endParaRPr lang="ko-KR" altLang="en-US" sz="1000"/>
+          </a:p>
+        </p:txBody>
+      </p:sp>
+      <p:cxnSp>
+        <p:nvCxnSpPr>
+          <p:cNvPr id="84" name="Elbow Connector 83">
+            <a:extLst>
+              <a:ext uri="{FF2B5EF4-FFF2-40B4-BE49-F238E27FC236}">
+                <a16:creationId xmlns:a16="http://schemas.microsoft.com/office/drawing/2014/main" id="{CF4D5F5B-3797-AD0E-EAF0-4D212F60BD81}"/>
+              </a:ext>
+            </a:extLst>
+          </p:cNvPr>
+          <p:cNvCxnSpPr>
+            <a:cxnSpLocks/>
+            <a:stCxn id="5" idx="6"/>
+            <a:endCxn id="11" idx="0"/>
+          </p:cNvCxnSpPr>
+          <p:nvPr/>
+        </p:nvCxnSpPr>
+        <p:spPr>
+          <a:xfrm>
+            <a:off x="1376150" y="1389525"/>
+            <a:ext cx="2878458" cy="155257"/>
+          </a:xfrm>
+          <a:prstGeom prst="bentConnector2">
+            <a:avLst/>
+          </a:prstGeom>
+          <a:ln>
+            <a:solidFill>
+              <a:srgbClr val="C00000"/>
+            </a:solidFill>
+            <a:tailEnd type="triangle"/>
+          </a:ln>
+        </p:spPr>
+        <p:style>
+          <a:lnRef idx="1">
+            <a:schemeClr val="dk1"/>
+          </a:lnRef>
+          <a:fillRef idx="0">
+            <a:schemeClr val="dk1"/>
+          </a:fillRef>
+          <a:effectRef idx="0">
+            <a:schemeClr val="dk1"/>
+          </a:effectRef>
+          <a:fontRef idx="minor">
+            <a:schemeClr val="tx1"/>
+          </a:fontRef>
+        </p:style>
+      </p:cxnSp>
+      <p:cxnSp>
+        <p:nvCxnSpPr>
+          <p:cNvPr id="88" name="Elbow Connector 87">
+            <a:extLst>
+              <a:ext uri="{FF2B5EF4-FFF2-40B4-BE49-F238E27FC236}">
+                <a16:creationId xmlns:a16="http://schemas.microsoft.com/office/drawing/2014/main" id="{656D8460-A872-BC45-7985-A9AE1913A69B}"/>
+              </a:ext>
+            </a:extLst>
+          </p:cNvPr>
+          <p:cNvCxnSpPr>
+            <a:cxnSpLocks/>
+            <a:stCxn id="89" idx="0"/>
+            <a:endCxn id="21" idx="0"/>
+          </p:cNvCxnSpPr>
+          <p:nvPr/>
+        </p:nvCxnSpPr>
+        <p:spPr>
+          <a:xfrm rot="16200000" flipV="1">
+            <a:off x="4846868" y="-274846"/>
+            <a:ext cx="1399116" cy="5029025"/>
+          </a:xfrm>
+          <a:prstGeom prst="bentConnector3">
+            <a:avLst>
+              <a:gd name="adj1" fmla="val 107892"/>
+            </a:avLst>
+          </a:prstGeom>
+          <a:ln>
+            <a:solidFill>
+              <a:schemeClr val="tx2"/>
+            </a:solidFill>
+            <a:tailEnd type="triangle"/>
+          </a:ln>
+        </p:spPr>
+        <p:style>
+          <a:lnRef idx="1">
+            <a:schemeClr val="dk1"/>
+          </a:lnRef>
+          <a:fillRef idx="0">
+            <a:schemeClr val="dk1"/>
+          </a:fillRef>
+          <a:effectRef idx="0">
+            <a:schemeClr val="dk1"/>
+          </a:effectRef>
+          <a:fontRef idx="minor">
+            <a:schemeClr val="tx1"/>
+          </a:fontRef>
+        </p:style>
+      </p:cxnSp>
+      <p:sp>
+        <p:nvSpPr>
+          <p:cNvPr id="89" name="Oval 88">
+            <a:extLst>
+              <a:ext uri="{FF2B5EF4-FFF2-40B4-BE49-F238E27FC236}">
+                <a16:creationId xmlns:a16="http://schemas.microsoft.com/office/drawing/2014/main" id="{960CC63C-D132-E631-5609-AF66D7DA51F0}"/>
+              </a:ext>
+            </a:extLst>
+          </p:cNvPr>
+          <p:cNvSpPr/>
+          <p:nvPr/>
+        </p:nvSpPr>
+        <p:spPr>
+          <a:xfrm>
+            <a:off x="7952926" y="2939225"/>
+            <a:ext cx="216024" cy="216024"/>
+          </a:xfrm>
+          <a:prstGeom prst="ellipse">
+            <a:avLst/>
+          </a:prstGeom>
+          <a:solidFill>
+            <a:schemeClr val="bg1"/>
+          </a:solidFill>
+          <a:ln w="19050">
+            <a:solidFill>
+              <a:schemeClr val="tx2"/>
+            </a:solidFill>
+          </a:ln>
+        </p:spPr>
+        <p:style>
+          <a:lnRef idx="2">
+            <a:schemeClr val="accent1">
+              <a:shade val="15000"/>
+            </a:schemeClr>
+          </a:lnRef>
+          <a:fillRef idx="1">
+            <a:schemeClr val="accent1"/>
+          </a:fillRef>
+          <a:effectRef idx="0">
+            <a:schemeClr val="accent1"/>
+          </a:effectRef>
+          <a:fontRef idx="minor">
+            <a:schemeClr val="lt1"/>
+          </a:fontRef>
+        </p:style>
+        <p:txBody>
+          <a:bodyPr rtlCol="0" anchor="ctr"/>
+          <a:lstStyle/>
+          <a:p>
+            <a:pPr algn="ctr"/>
+            <a:r>
+              <a:rPr lang="en-KR" sz="1000">
+                <a:solidFill>
+                  <a:schemeClr val="tx2"/>
+                </a:solidFill>
+              </a:rPr>
+              <a:t>4</a:t>
+            </a:r>
+          </a:p>
+        </p:txBody>
+      </p:sp>
+      <p:sp>
+        <p:nvSpPr>
+          <p:cNvPr id="98" name="TextBox 97">
+            <a:extLst>
+              <a:ext uri="{FF2B5EF4-FFF2-40B4-BE49-F238E27FC236}">
+                <a16:creationId xmlns:a16="http://schemas.microsoft.com/office/drawing/2014/main" id="{B10CE22B-46BB-19F6-F3E1-132F941E155C}"/>
+              </a:ext>
+            </a:extLst>
+          </p:cNvPr>
+          <p:cNvSpPr txBox="1"/>
+          <p:nvPr/>
+        </p:nvSpPr>
+        <p:spPr>
+          <a:xfrm>
+            <a:off x="7240141" y="4263185"/>
+            <a:ext cx="728084" cy="369332"/>
+          </a:xfrm>
+          <a:prstGeom prst="rect">
+            <a:avLst/>
+          </a:prstGeom>
+          <a:noFill/>
+        </p:spPr>
+        <p:txBody>
+          <a:bodyPr wrap="none" rtlCol="0">
+            <a:spAutoFit/>
+          </a:bodyPr>
+          <a:lstStyle/>
+          <a:p>
+            <a:pPr algn="ctr"/>
+            <a:r>
+              <a:rPr lang="en-KR" sz="900">
+                <a:solidFill>
+                  <a:schemeClr val="tx2"/>
+                </a:solidFill>
+              </a:rPr>
+              <a:t>Create</a:t>
+            </a:r>
+          </a:p>
+          <a:p>
+            <a:pPr algn="ctr"/>
+            <a:r>
+              <a:rPr lang="en-KR" sz="900">
+                <a:solidFill>
+                  <a:schemeClr val="tx2"/>
+                </a:solidFill>
+              </a:rPr>
+              <a:t>driver pod</a:t>
+            </a:r>
+          </a:p>
+        </p:txBody>
+      </p:sp>
+      <p:sp>
+        <p:nvSpPr>
+          <p:cNvPr id="99" name="Oval 98">
+            <a:extLst>
+              <a:ext uri="{FF2B5EF4-FFF2-40B4-BE49-F238E27FC236}">
+                <a16:creationId xmlns:a16="http://schemas.microsoft.com/office/drawing/2014/main" id="{6F95D839-6704-95F3-5FF5-39F046F02042}"/>
+              </a:ext>
+            </a:extLst>
+          </p:cNvPr>
+          <p:cNvSpPr/>
+          <p:nvPr/>
+        </p:nvSpPr>
+        <p:spPr>
+          <a:xfrm>
+            <a:off x="7591835" y="3160164"/>
+            <a:ext cx="216024" cy="216024"/>
+          </a:xfrm>
+          <a:prstGeom prst="ellipse">
+            <a:avLst/>
+          </a:prstGeom>
+          <a:solidFill>
+            <a:schemeClr val="bg1"/>
+          </a:solidFill>
+          <a:ln w="19050">
+            <a:solidFill>
+              <a:schemeClr val="tx2"/>
+            </a:solidFill>
+          </a:ln>
+        </p:spPr>
+        <p:style>
+          <a:lnRef idx="2">
+            <a:schemeClr val="accent1">
+              <a:shade val="15000"/>
+            </a:schemeClr>
+          </a:lnRef>
+          <a:fillRef idx="1">
+            <a:schemeClr val="accent1"/>
+          </a:fillRef>
+          <a:effectRef idx="0">
+            <a:schemeClr val="accent1"/>
+          </a:effectRef>
+          <a:fontRef idx="minor">
+            <a:schemeClr val="lt1"/>
+          </a:fontRef>
+        </p:style>
+        <p:txBody>
+          <a:bodyPr rtlCol="0" anchor="ctr"/>
+          <a:lstStyle/>
+          <a:p>
+            <a:pPr algn="ctr"/>
+            <a:r>
+              <a:rPr lang="en-KR" sz="1000">
+                <a:solidFill>
+                  <a:schemeClr val="tx2"/>
+                </a:solidFill>
+              </a:rPr>
+              <a:t>5</a:t>
+            </a:r>
+          </a:p>
+        </p:txBody>
+      </p:sp>
+      <p:sp>
+        <p:nvSpPr>
+          <p:cNvPr id="101" name="Oval 100">
+            <a:extLst>
+              <a:ext uri="{FF2B5EF4-FFF2-40B4-BE49-F238E27FC236}">
+                <a16:creationId xmlns:a16="http://schemas.microsoft.com/office/drawing/2014/main" id="{00DECB79-158A-EE5A-6844-BA31C8B4F272}"/>
+              </a:ext>
+            </a:extLst>
+          </p:cNvPr>
+          <p:cNvSpPr/>
+          <p:nvPr/>
+        </p:nvSpPr>
+        <p:spPr>
+          <a:xfrm>
+            <a:off x="1364448" y="2140139"/>
+            <a:ext cx="216024" cy="216024"/>
+          </a:xfrm>
+          <a:prstGeom prst="ellipse">
+            <a:avLst/>
+          </a:prstGeom>
+          <a:solidFill>
+            <a:schemeClr val="bg1"/>
+          </a:solidFill>
+          <a:ln w="19050">
+            <a:solidFill>
+              <a:schemeClr val="tx2"/>
+            </a:solidFill>
+          </a:ln>
+        </p:spPr>
+        <p:style>
+          <a:lnRef idx="2">
+            <a:schemeClr val="accent1">
+              <a:shade val="15000"/>
+            </a:schemeClr>
+          </a:lnRef>
+          <a:fillRef idx="1">
+            <a:schemeClr val="accent1"/>
+          </a:fillRef>
+          <a:effectRef idx="0">
+            <a:schemeClr val="accent1"/>
+          </a:effectRef>
+          <a:fontRef idx="minor">
+            <a:schemeClr val="lt1"/>
+          </a:fontRef>
+        </p:style>
+        <p:txBody>
+          <a:bodyPr rtlCol="0" anchor="ctr"/>
+          <a:lstStyle/>
+          <a:p>
+            <a:pPr algn="ctr"/>
+            <a:r>
+              <a:rPr lang="en-KR" sz="1000">
+                <a:solidFill>
+                  <a:schemeClr val="tx2"/>
+                </a:solidFill>
+              </a:rPr>
+              <a:t>2</a:t>
+            </a:r>
+          </a:p>
+        </p:txBody>
+      </p:sp>
+      <p:cxnSp>
+        <p:nvCxnSpPr>
+          <p:cNvPr id="102" name="Elbow Connector 101">
+            <a:extLst>
+              <a:ext uri="{FF2B5EF4-FFF2-40B4-BE49-F238E27FC236}">
+                <a16:creationId xmlns:a16="http://schemas.microsoft.com/office/drawing/2014/main" id="{B86B53C3-380D-241B-834D-5C9BB6FC1664}"/>
+              </a:ext>
+            </a:extLst>
+          </p:cNvPr>
+          <p:cNvCxnSpPr>
+            <a:cxnSpLocks/>
+            <a:stCxn id="101" idx="0"/>
+            <a:endCxn id="80" idx="0"/>
+          </p:cNvCxnSpPr>
+          <p:nvPr/>
+        </p:nvCxnSpPr>
+        <p:spPr>
+          <a:xfrm rot="5400000" flipH="1" flipV="1">
+            <a:off x="1623909" y="569354"/>
+            <a:ext cx="1419337" cy="1722235"/>
+          </a:xfrm>
+          <a:prstGeom prst="bentConnector3">
+            <a:avLst>
+              <a:gd name="adj1" fmla="val 116106"/>
+            </a:avLst>
+          </a:prstGeom>
+          <a:ln>
+            <a:solidFill>
+              <a:schemeClr val="tx2"/>
+            </a:solidFill>
+            <a:tailEnd type="triangle"/>
+          </a:ln>
+        </p:spPr>
+        <p:style>
+          <a:lnRef idx="1">
+            <a:schemeClr val="dk1"/>
+          </a:lnRef>
+          <a:fillRef idx="0">
+            <a:schemeClr val="dk1"/>
+          </a:fillRef>
+          <a:effectRef idx="0">
+            <a:schemeClr val="dk1"/>
+          </a:effectRef>
+          <a:fontRef idx="minor">
+            <a:schemeClr val="tx1"/>
+          </a:fontRef>
+        </p:style>
+      </p:cxnSp>
+      <p:cxnSp>
+        <p:nvCxnSpPr>
+          <p:cNvPr id="108" name="Elbow Connector 107">
+            <a:extLst>
+              <a:ext uri="{FF2B5EF4-FFF2-40B4-BE49-F238E27FC236}">
+                <a16:creationId xmlns:a16="http://schemas.microsoft.com/office/drawing/2014/main" id="{D42663DB-3AA6-7D7F-42FF-A73A5CE62F79}"/>
+              </a:ext>
+            </a:extLst>
+          </p:cNvPr>
+          <p:cNvCxnSpPr>
+            <a:cxnSpLocks/>
+            <a:stCxn id="1131" idx="6"/>
+            <a:endCxn id="81" idx="0"/>
+          </p:cNvCxnSpPr>
+          <p:nvPr/>
+        </p:nvCxnSpPr>
+        <p:spPr>
+          <a:xfrm flipV="1">
+            <a:off x="1380400" y="720802"/>
+            <a:ext cx="3734257" cy="914601"/>
+          </a:xfrm>
+          <a:prstGeom prst="bentConnector4">
+            <a:avLst>
+              <a:gd name="adj1" fmla="val 2595"/>
+              <a:gd name="adj2" fmla="val 124995"/>
+            </a:avLst>
+          </a:prstGeom>
+          <a:ln>
+            <a:solidFill>
+              <a:schemeClr val="tx2"/>
+            </a:solidFill>
+            <a:tailEnd type="triangle"/>
+          </a:ln>
+        </p:spPr>
+        <p:style>
+          <a:lnRef idx="1">
+            <a:schemeClr val="dk1"/>
+          </a:lnRef>
+          <a:fillRef idx="0">
+            <a:schemeClr val="dk1"/>
+          </a:fillRef>
+          <a:effectRef idx="0">
+            <a:schemeClr val="dk1"/>
+          </a:effectRef>
+          <a:fontRef idx="minor">
+            <a:schemeClr val="tx1"/>
+          </a:fontRef>
+        </p:style>
+      </p:cxnSp>
+      <p:cxnSp>
+        <p:nvCxnSpPr>
+          <p:cNvPr id="117" name="Elbow Connector 116">
+            <a:extLst>
+              <a:ext uri="{FF2B5EF4-FFF2-40B4-BE49-F238E27FC236}">
+                <a16:creationId xmlns:a16="http://schemas.microsoft.com/office/drawing/2014/main" id="{7DC9B4E0-9100-7049-6266-65F81D781693}"/>
+              </a:ext>
+            </a:extLst>
+          </p:cNvPr>
+          <p:cNvCxnSpPr>
+            <a:cxnSpLocks/>
+            <a:stCxn id="95" idx="0"/>
+            <a:endCxn id="83" idx="0"/>
+          </p:cNvCxnSpPr>
+          <p:nvPr/>
+        </p:nvCxnSpPr>
+        <p:spPr>
+          <a:xfrm rot="5400000" flipH="1" flipV="1">
+            <a:off x="4008268" y="-2328522"/>
+            <a:ext cx="207943" cy="6306593"/>
+          </a:xfrm>
+          <a:prstGeom prst="bentConnector3">
+            <a:avLst>
+              <a:gd name="adj1" fmla="val 239250"/>
+            </a:avLst>
+          </a:prstGeom>
+          <a:ln>
+            <a:solidFill>
+              <a:srgbClr val="00B050"/>
+            </a:solidFill>
+            <a:tailEnd type="triangle"/>
+          </a:ln>
+        </p:spPr>
+        <p:style>
+          <a:lnRef idx="1">
+            <a:schemeClr val="dk1"/>
+          </a:lnRef>
+          <a:fillRef idx="0">
+            <a:schemeClr val="dk1"/>
+          </a:fillRef>
+          <a:effectRef idx="0">
+            <a:schemeClr val="dk1"/>
+          </a:effectRef>
+          <a:fontRef idx="minor">
+            <a:schemeClr val="tx1"/>
+          </a:fontRef>
+        </p:style>
+      </p:cxnSp>
+      <p:sp>
+        <p:nvSpPr>
+          <p:cNvPr id="1031" name="Oval 1030">
+            <a:extLst>
+              <a:ext uri="{FF2B5EF4-FFF2-40B4-BE49-F238E27FC236}">
+                <a16:creationId xmlns:a16="http://schemas.microsoft.com/office/drawing/2014/main" id="{8A6AF2F6-F375-D17C-245D-9C8790DF1A06}"/>
+              </a:ext>
+            </a:extLst>
+          </p:cNvPr>
+          <p:cNvSpPr/>
+          <p:nvPr/>
+        </p:nvSpPr>
+        <p:spPr>
+          <a:xfrm>
+            <a:off x="7888522" y="1027221"/>
+            <a:ext cx="216024" cy="216024"/>
+          </a:xfrm>
+          <a:prstGeom prst="ellipse">
+            <a:avLst/>
+          </a:prstGeom>
+          <a:solidFill>
+            <a:schemeClr val="bg1"/>
+          </a:solidFill>
+          <a:ln w="19050">
+            <a:solidFill>
+              <a:srgbClr val="00B050"/>
+            </a:solidFill>
+          </a:ln>
+        </p:spPr>
+        <p:style>
+          <a:lnRef idx="2">
+            <a:schemeClr val="accent1">
+              <a:shade val="15000"/>
+            </a:schemeClr>
+          </a:lnRef>
+          <a:fillRef idx="1">
+            <a:schemeClr val="accent1"/>
+          </a:fillRef>
+          <a:effectRef idx="0">
+            <a:schemeClr val="accent1"/>
+          </a:effectRef>
+          <a:fontRef idx="minor">
+            <a:schemeClr val="lt1"/>
+          </a:fontRef>
+        </p:style>
+        <p:txBody>
+          <a:bodyPr rtlCol="0" anchor="ctr"/>
+          <a:lstStyle/>
+          <a:p>
+            <a:pPr algn="ctr"/>
+            <a:r>
+              <a:rPr lang="en-KR" sz="1000">
+                <a:solidFill>
+                  <a:srgbClr val="00B050"/>
+                </a:solidFill>
+              </a:rPr>
+              <a:t>2</a:t>
+            </a:r>
+          </a:p>
+        </p:txBody>
+      </p:sp>
+      <p:sp>
+        <p:nvSpPr>
+          <p:cNvPr id="1037" name="TextBox 1036">
+            <a:extLst>
+              <a:ext uri="{FF2B5EF4-FFF2-40B4-BE49-F238E27FC236}">
+                <a16:creationId xmlns:a16="http://schemas.microsoft.com/office/drawing/2014/main" id="{2E863616-6471-0C8B-496B-7017414D87B9}"/>
+              </a:ext>
+            </a:extLst>
+          </p:cNvPr>
+          <p:cNvSpPr txBox="1"/>
+          <p:nvPr/>
+        </p:nvSpPr>
+        <p:spPr>
+          <a:xfrm>
+            <a:off x="1408268" y="594440"/>
+            <a:ext cx="1063112" cy="507831"/>
+          </a:xfrm>
+          <a:prstGeom prst="rect">
+            <a:avLst/>
+          </a:prstGeom>
+          <a:noFill/>
+        </p:spPr>
+        <p:txBody>
+          <a:bodyPr wrap="none" rtlCol="0">
+            <a:spAutoFit/>
+          </a:bodyPr>
+          <a:lstStyle/>
+          <a:p>
+            <a:pPr algn="ctr"/>
+            <a:r>
+              <a:rPr lang="en-KR" sz="900">
+                <a:solidFill>
+                  <a:schemeClr val="tx2"/>
+                </a:solidFill>
+              </a:rPr>
+              <a:t>Create </a:t>
+            </a:r>
+          </a:p>
+          <a:p>
+            <a:pPr algn="ctr"/>
+            <a:r>
+              <a:rPr lang="en-KR" sz="900">
+                <a:solidFill>
+                  <a:schemeClr val="tx2"/>
+                </a:solidFill>
+              </a:rPr>
+              <a:t>SparkApplication</a:t>
+            </a:r>
+          </a:p>
+          <a:p>
+            <a:pPr algn="ctr"/>
+            <a:r>
+              <a:rPr lang="en-KR" sz="900">
+                <a:solidFill>
+                  <a:schemeClr val="tx2"/>
+                </a:solidFill>
+              </a:rPr>
+              <a:t>object</a:t>
+            </a:r>
+          </a:p>
+        </p:txBody>
+      </p:sp>
+      <p:cxnSp>
+        <p:nvCxnSpPr>
+          <p:cNvPr id="1079" name="Elbow Connector 1078">
+            <a:extLst>
+              <a:ext uri="{FF2B5EF4-FFF2-40B4-BE49-F238E27FC236}">
+                <a16:creationId xmlns:a16="http://schemas.microsoft.com/office/drawing/2014/main" id="{B7996968-770E-AEAE-129B-43D583AFD560}"/>
+              </a:ext>
+            </a:extLst>
+          </p:cNvPr>
+          <p:cNvCxnSpPr>
+            <a:cxnSpLocks/>
+            <a:stCxn id="99" idx="2"/>
+            <a:endCxn id="1091" idx="4"/>
+          </p:cNvCxnSpPr>
+          <p:nvPr/>
+        </p:nvCxnSpPr>
+        <p:spPr>
+          <a:xfrm rot="10800000" flipV="1">
+            <a:off x="3690893" y="3268176"/>
+            <a:ext cx="3900943" cy="105880"/>
+          </a:xfrm>
+          <a:prstGeom prst="bentConnector4">
+            <a:avLst>
+              <a:gd name="adj1" fmla="val 5088"/>
+              <a:gd name="adj2" fmla="val 1045598"/>
+            </a:avLst>
+          </a:prstGeom>
+          <a:ln>
+            <a:solidFill>
+              <a:schemeClr val="tx2"/>
+            </a:solidFill>
+            <a:tailEnd type="triangle"/>
+          </a:ln>
+        </p:spPr>
+        <p:style>
+          <a:lnRef idx="1">
+            <a:schemeClr val="dk1"/>
+          </a:lnRef>
+          <a:fillRef idx="0">
+            <a:schemeClr val="dk1"/>
+          </a:fillRef>
+          <a:effectRef idx="0">
+            <a:schemeClr val="dk1"/>
+          </a:effectRef>
+          <a:fontRef idx="minor">
+            <a:schemeClr val="tx1"/>
+          </a:fontRef>
+        </p:style>
+      </p:cxnSp>
+      <p:sp>
+        <p:nvSpPr>
+          <p:cNvPr id="1091" name="Oval 1090">
+            <a:extLst>
+              <a:ext uri="{FF2B5EF4-FFF2-40B4-BE49-F238E27FC236}">
+                <a16:creationId xmlns:a16="http://schemas.microsoft.com/office/drawing/2014/main" id="{2F20A531-B8A8-2962-3DBD-9128CED41B9F}"/>
+              </a:ext>
+            </a:extLst>
+          </p:cNvPr>
+          <p:cNvSpPr/>
+          <p:nvPr/>
+        </p:nvSpPr>
+        <p:spPr>
+          <a:xfrm>
+            <a:off x="3615911" y="3224095"/>
+            <a:ext cx="149961" cy="149961"/>
+          </a:xfrm>
+          <a:prstGeom prst="ellipse">
+            <a:avLst/>
+          </a:prstGeom>
+          <a:noFill/>
+          <a:ln>
+            <a:noFill/>
+          </a:ln>
+        </p:spPr>
+        <p:style>
+          <a:lnRef idx="2">
+            <a:schemeClr val="accent1">
+              <a:shade val="15000"/>
+            </a:schemeClr>
+          </a:lnRef>
+          <a:fillRef idx="1">
+            <a:schemeClr val="accent1"/>
+          </a:fillRef>
+          <a:effectRef idx="0">
+            <a:schemeClr val="accent1"/>
+          </a:effectRef>
+          <a:fontRef idx="minor">
+            <a:schemeClr val="lt1"/>
+          </a:fontRef>
+        </p:style>
+        <p:txBody>
+          <a:bodyPr rtlCol="0" anchor="ctr"/>
+          <a:lstStyle/>
+          <a:p>
+            <a:pPr algn="ctr"/>
+            <a:endParaRPr lang="en-KR"/>
+          </a:p>
+        </p:txBody>
+      </p:sp>
+      <p:sp>
+        <p:nvSpPr>
+          <p:cNvPr id="1127" name="Oval 1126">
+            <a:extLst>
+              <a:ext uri="{FF2B5EF4-FFF2-40B4-BE49-F238E27FC236}">
+                <a16:creationId xmlns:a16="http://schemas.microsoft.com/office/drawing/2014/main" id="{AE51AC2A-C4F1-09D4-3A27-FB833264C555}"/>
+              </a:ext>
+            </a:extLst>
+          </p:cNvPr>
+          <p:cNvSpPr/>
+          <p:nvPr/>
+        </p:nvSpPr>
+        <p:spPr>
+          <a:xfrm>
+            <a:off x="1108243" y="1469780"/>
+            <a:ext cx="149961" cy="149961"/>
+          </a:xfrm>
+          <a:prstGeom prst="ellipse">
+            <a:avLst/>
+          </a:prstGeom>
+          <a:noFill/>
+          <a:ln>
+            <a:noFill/>
+          </a:ln>
+        </p:spPr>
+        <p:style>
+          <a:lnRef idx="2">
+            <a:schemeClr val="accent1">
+              <a:shade val="15000"/>
+            </a:schemeClr>
+          </a:lnRef>
+          <a:fillRef idx="1">
+            <a:schemeClr val="accent1"/>
+          </a:fillRef>
+          <a:effectRef idx="0">
+            <a:schemeClr val="accent1"/>
+          </a:effectRef>
+          <a:fontRef idx="minor">
+            <a:schemeClr val="lt1"/>
+          </a:fontRef>
+        </p:style>
+        <p:txBody>
+          <a:bodyPr rtlCol="0" anchor="ctr"/>
+          <a:lstStyle/>
+          <a:p>
+            <a:pPr algn="ctr"/>
+            <a:endParaRPr lang="en-KR"/>
+          </a:p>
+        </p:txBody>
+      </p:sp>
+      <p:sp>
+        <p:nvSpPr>
+          <p:cNvPr id="1131" name="Oval 1130">
+            <a:extLst>
+              <a:ext uri="{FF2B5EF4-FFF2-40B4-BE49-F238E27FC236}">
+                <a16:creationId xmlns:a16="http://schemas.microsoft.com/office/drawing/2014/main" id="{94BA51C1-8060-5D0D-4BCA-7491B912E548}"/>
+              </a:ext>
+            </a:extLst>
+          </p:cNvPr>
+          <p:cNvSpPr/>
+          <p:nvPr/>
+        </p:nvSpPr>
+        <p:spPr>
+          <a:xfrm>
+            <a:off x="1164376" y="1527391"/>
+            <a:ext cx="216024" cy="216024"/>
+          </a:xfrm>
+          <a:prstGeom prst="ellipse">
+            <a:avLst/>
+          </a:prstGeom>
+          <a:solidFill>
+            <a:schemeClr val="bg1"/>
+          </a:solidFill>
+          <a:ln w="19050">
+            <a:solidFill>
+              <a:schemeClr val="tx2"/>
+            </a:solidFill>
+          </a:ln>
+        </p:spPr>
+        <p:style>
+          <a:lnRef idx="2">
+            <a:schemeClr val="accent1">
+              <a:shade val="15000"/>
+            </a:schemeClr>
+          </a:lnRef>
+          <a:fillRef idx="1">
+            <a:schemeClr val="accent1"/>
+          </a:fillRef>
+          <a:effectRef idx="0">
+            <a:schemeClr val="accent1"/>
+          </a:effectRef>
+          <a:fontRef idx="minor">
+            <a:schemeClr val="lt1"/>
+          </a:fontRef>
+        </p:style>
+        <p:txBody>
+          <a:bodyPr rtlCol="0" anchor="ctr"/>
+          <a:lstStyle/>
+          <a:p>
+            <a:pPr algn="ctr"/>
+            <a:r>
+              <a:rPr lang="en-KR" sz="1000">
+                <a:solidFill>
+                  <a:schemeClr val="tx2"/>
+                </a:solidFill>
+              </a:rPr>
+              <a:t>2</a:t>
+            </a:r>
+          </a:p>
+        </p:txBody>
+      </p:sp>
+      <p:cxnSp>
+        <p:nvCxnSpPr>
+          <p:cNvPr id="1147" name="Straight Arrow Connector 1146">
+            <a:extLst>
+              <a:ext uri="{FF2B5EF4-FFF2-40B4-BE49-F238E27FC236}">
+                <a16:creationId xmlns:a16="http://schemas.microsoft.com/office/drawing/2014/main" id="{1D074DBB-F190-D314-1B06-B010E5BA03B5}"/>
+              </a:ext>
+            </a:extLst>
+          </p:cNvPr>
+          <p:cNvCxnSpPr>
+            <a:cxnSpLocks/>
+          </p:cNvCxnSpPr>
+          <p:nvPr/>
+        </p:nvCxnSpPr>
+        <p:spPr>
+          <a:xfrm>
+            <a:off x="218501" y="4811468"/>
+            <a:ext cx="344305" cy="0"/>
+          </a:xfrm>
+          <a:prstGeom prst="straightConnector1">
+            <a:avLst/>
+          </a:prstGeom>
+          <a:ln>
+            <a:solidFill>
+              <a:schemeClr val="tx2"/>
+            </a:solidFill>
+            <a:tailEnd type="triangle"/>
+          </a:ln>
+        </p:spPr>
+        <p:style>
+          <a:lnRef idx="1">
+            <a:schemeClr val="dk1"/>
+          </a:lnRef>
+          <a:fillRef idx="0">
+            <a:schemeClr val="dk1"/>
+          </a:fillRef>
+          <a:effectRef idx="0">
+            <a:schemeClr val="dk1"/>
+          </a:effectRef>
+          <a:fontRef idx="minor">
+            <a:schemeClr val="tx1"/>
+          </a:fontRef>
+        </p:style>
+      </p:cxnSp>
+      <p:sp>
+        <p:nvSpPr>
+          <p:cNvPr id="1148" name="TextBox 1147">
+            <a:extLst>
+              <a:ext uri="{FF2B5EF4-FFF2-40B4-BE49-F238E27FC236}">
+                <a16:creationId xmlns:a16="http://schemas.microsoft.com/office/drawing/2014/main" id="{B1086A9F-6672-5771-FED3-2242F006CB08}"/>
+              </a:ext>
+            </a:extLst>
+          </p:cNvPr>
+          <p:cNvSpPr txBox="1"/>
+          <p:nvPr/>
+        </p:nvSpPr>
+        <p:spPr>
+          <a:xfrm>
+            <a:off x="562806" y="4691437"/>
+            <a:ext cx="899605" cy="230832"/>
+          </a:xfrm>
+          <a:prstGeom prst="rect">
+            <a:avLst/>
+          </a:prstGeom>
+          <a:noFill/>
+        </p:spPr>
+        <p:txBody>
+          <a:bodyPr wrap="none" rtlCol="0">
+            <a:spAutoFit/>
+          </a:bodyPr>
+          <a:lstStyle/>
+          <a:p>
+            <a:r>
+              <a:rPr lang="en-KR" sz="900"/>
+              <a:t>Spark Job Init</a:t>
+            </a:r>
+          </a:p>
+        </p:txBody>
+      </p:sp>
+      <p:cxnSp>
+        <p:nvCxnSpPr>
+          <p:cNvPr id="1149" name="Straight Arrow Connector 1148">
+            <a:extLst>
+              <a:ext uri="{FF2B5EF4-FFF2-40B4-BE49-F238E27FC236}">
+                <a16:creationId xmlns:a16="http://schemas.microsoft.com/office/drawing/2014/main" id="{4B7DCD21-5A61-60EF-0CC9-C0D828CDE361}"/>
+              </a:ext>
+            </a:extLst>
+          </p:cNvPr>
+          <p:cNvCxnSpPr>
+            <a:cxnSpLocks/>
+          </p:cNvCxnSpPr>
+          <p:nvPr/>
+        </p:nvCxnSpPr>
+        <p:spPr>
+          <a:xfrm>
+            <a:off x="1462884" y="4811468"/>
+            <a:ext cx="344305" cy="0"/>
+          </a:xfrm>
+          <a:prstGeom prst="straightConnector1">
+            <a:avLst/>
+          </a:prstGeom>
+          <a:ln>
+            <a:solidFill>
+              <a:srgbClr val="C00000"/>
+            </a:solidFill>
+            <a:tailEnd type="triangle"/>
+          </a:ln>
+        </p:spPr>
+        <p:style>
+          <a:lnRef idx="1">
+            <a:schemeClr val="dk1"/>
+          </a:lnRef>
+          <a:fillRef idx="0">
+            <a:schemeClr val="dk1"/>
+          </a:fillRef>
+          <a:effectRef idx="0">
+            <a:schemeClr val="dk1"/>
+          </a:effectRef>
+          <a:fontRef idx="minor">
+            <a:schemeClr val="tx1"/>
+          </a:fontRef>
+        </p:style>
+      </p:cxnSp>
+      <p:sp>
+        <p:nvSpPr>
+          <p:cNvPr id="1150" name="TextBox 1149">
+            <a:extLst>
+              <a:ext uri="{FF2B5EF4-FFF2-40B4-BE49-F238E27FC236}">
+                <a16:creationId xmlns:a16="http://schemas.microsoft.com/office/drawing/2014/main" id="{075E2A83-0A52-66C6-1581-CD1FECC3ECC3}"/>
+              </a:ext>
+            </a:extLst>
+          </p:cNvPr>
+          <p:cNvSpPr txBox="1"/>
+          <p:nvPr/>
+        </p:nvSpPr>
+        <p:spPr>
+          <a:xfrm>
+            <a:off x="1812951" y="4691437"/>
+            <a:ext cx="1244250" cy="230832"/>
+          </a:xfrm>
+          <a:prstGeom prst="rect">
+            <a:avLst/>
+          </a:prstGeom>
+          <a:noFill/>
+        </p:spPr>
+        <p:txBody>
+          <a:bodyPr wrap="none" rtlCol="0">
+            <a:spAutoFit/>
+          </a:bodyPr>
+          <a:lstStyle/>
+          <a:p>
+            <a:r>
+              <a:rPr lang="en-KR" sz="900"/>
+              <a:t>Spark History Server</a:t>
+            </a:r>
+          </a:p>
+        </p:txBody>
+      </p:sp>
+      <p:cxnSp>
+        <p:nvCxnSpPr>
+          <p:cNvPr id="1151" name="Straight Arrow Connector 1150">
+            <a:extLst>
+              <a:ext uri="{FF2B5EF4-FFF2-40B4-BE49-F238E27FC236}">
+                <a16:creationId xmlns:a16="http://schemas.microsoft.com/office/drawing/2014/main" id="{1E4399FE-D77E-66D9-4E3B-5F67E24DAC19}"/>
+              </a:ext>
+            </a:extLst>
+          </p:cNvPr>
+          <p:cNvCxnSpPr>
+            <a:cxnSpLocks/>
+          </p:cNvCxnSpPr>
+          <p:nvPr/>
+        </p:nvCxnSpPr>
+        <p:spPr>
+          <a:xfrm>
+            <a:off x="3067444" y="4811468"/>
+            <a:ext cx="344305" cy="0"/>
+          </a:xfrm>
+          <a:prstGeom prst="straightConnector1">
+            <a:avLst/>
+          </a:prstGeom>
+          <a:ln>
+            <a:solidFill>
+              <a:srgbClr val="00B050"/>
+            </a:solidFill>
+            <a:tailEnd type="triangle"/>
+          </a:ln>
+        </p:spPr>
+        <p:style>
+          <a:lnRef idx="1">
+            <a:schemeClr val="dk1"/>
+          </a:lnRef>
+          <a:fillRef idx="0">
+            <a:schemeClr val="dk1"/>
+          </a:fillRef>
+          <a:effectRef idx="0">
+            <a:schemeClr val="dk1"/>
+          </a:effectRef>
+          <a:fontRef idx="minor">
+            <a:schemeClr val="tx1"/>
+          </a:fontRef>
+        </p:style>
+      </p:cxnSp>
+      <p:sp>
+        <p:nvSpPr>
+          <p:cNvPr id="1152" name="TextBox 1151">
+            <a:extLst>
+              <a:ext uri="{FF2B5EF4-FFF2-40B4-BE49-F238E27FC236}">
+                <a16:creationId xmlns:a16="http://schemas.microsoft.com/office/drawing/2014/main" id="{A64BB1E3-448D-D4E4-203B-EFC8C96C18A2}"/>
+              </a:ext>
+            </a:extLst>
+          </p:cNvPr>
+          <p:cNvSpPr txBox="1"/>
+          <p:nvPr/>
+        </p:nvSpPr>
+        <p:spPr>
+          <a:xfrm>
+            <a:off x="3407741" y="4691437"/>
+            <a:ext cx="907621" cy="230832"/>
+          </a:xfrm>
+          <a:prstGeom prst="rect">
+            <a:avLst/>
+          </a:prstGeom>
+          <a:noFill/>
+        </p:spPr>
+        <p:txBody>
+          <a:bodyPr wrap="none" rtlCol="0">
+            <a:spAutoFit/>
+          </a:bodyPr>
+          <a:lstStyle/>
+          <a:p>
+            <a:r>
+              <a:rPr lang="en-US" sz="900"/>
+              <a:t>Spark Web UI</a:t>
+            </a:r>
+          </a:p>
+        </p:txBody>
+      </p:sp>
+      <p:sp>
+        <p:nvSpPr>
+          <p:cNvPr id="10" name="TextBox 9">
+            <a:extLst>
+              <a:ext uri="{FF2B5EF4-FFF2-40B4-BE49-F238E27FC236}">
+                <a16:creationId xmlns:a16="http://schemas.microsoft.com/office/drawing/2014/main" id="{1C60B1F1-97E8-8152-DBDA-13923D97BA9D}"/>
+              </a:ext>
+            </a:extLst>
+          </p:cNvPr>
+          <p:cNvSpPr txBox="1"/>
+          <p:nvPr/>
+        </p:nvSpPr>
+        <p:spPr>
+          <a:xfrm>
+            <a:off x="1969074" y="2302064"/>
+            <a:ext cx="810021" cy="369332"/>
+          </a:xfrm>
+          <a:prstGeom prst="rect">
+            <a:avLst/>
+          </a:prstGeom>
+          <a:noFill/>
+        </p:spPr>
+        <p:txBody>
+          <a:bodyPr wrap="square" rtlCol="0">
+            <a:spAutoFit/>
+          </a:bodyPr>
+          <a:lstStyle/>
+          <a:p>
+            <a:pPr algn="ctr"/>
+            <a:r>
+              <a:rPr lang="en-KR" sz="900">
+                <a:solidFill>
+                  <a:schemeClr val="tx2"/>
+                </a:solidFill>
+              </a:rPr>
+              <a:t>Get driver’s </a:t>
+            </a:r>
+          </a:p>
+          <a:p>
+            <a:pPr algn="ctr"/>
+            <a:r>
+              <a:rPr lang="en-KR" sz="900">
+                <a:solidFill>
+                  <a:schemeClr val="tx2"/>
+                </a:solidFill>
+              </a:rPr>
+              <a:t>config</a:t>
+            </a:r>
+          </a:p>
+        </p:txBody>
+      </p:sp>
+      <p:sp>
+        <p:nvSpPr>
+          <p:cNvPr id="32" name="모서리가 둥근 직사각형 2">
+            <a:extLst>
+              <a:ext uri="{FF2B5EF4-FFF2-40B4-BE49-F238E27FC236}">
+                <a16:creationId xmlns:a16="http://schemas.microsoft.com/office/drawing/2014/main" id="{A26EF336-4648-E57D-8284-143D1DCABD18}"/>
+              </a:ext>
+            </a:extLst>
+          </p:cNvPr>
+          <p:cNvSpPr/>
+          <p:nvPr/>
+        </p:nvSpPr>
+        <p:spPr>
+          <a:xfrm>
+            <a:off x="263516" y="2707076"/>
+            <a:ext cx="1401376" cy="386745"/>
+          </a:xfrm>
+          <a:prstGeom prst="roundRect">
+            <a:avLst>
+              <a:gd name="adj" fmla="val 13068"/>
+            </a:avLst>
+          </a:prstGeom>
+          <a:ln w="12700"/>
+        </p:spPr>
+        <p:style>
+          <a:lnRef idx="2">
+            <a:schemeClr val="dk1"/>
+          </a:lnRef>
+          <a:fillRef idx="1">
+            <a:schemeClr val="lt1"/>
+          </a:fillRef>
+          <a:effectRef idx="0">
+            <a:schemeClr val="dk1"/>
+          </a:effectRef>
+          <a:fontRef idx="minor">
+            <a:schemeClr val="dk1"/>
+          </a:fontRef>
+        </p:style>
+        <p:txBody>
+          <a:bodyPr rtlCol="0" anchor="ctr"/>
+          <a:lstStyle/>
+          <a:p>
+            <a:pPr algn="ctr"/>
+            <a:r>
+              <a:rPr lang="en-US" altLang="ko-KR" sz="1000"/>
+              <a:t>Prometheus</a:t>
+            </a:r>
+            <a:endParaRPr lang="ko-KR" altLang="en-US" sz="1000"/>
+          </a:p>
+        </p:txBody>
+      </p:sp>
+      <p:cxnSp>
+        <p:nvCxnSpPr>
+          <p:cNvPr id="49" name="Elbow Connector 48">
+            <a:extLst>
+              <a:ext uri="{FF2B5EF4-FFF2-40B4-BE49-F238E27FC236}">
+                <a16:creationId xmlns:a16="http://schemas.microsoft.com/office/drawing/2014/main" id="{CAFC981E-2E74-7F1B-00B9-504782C1F8CF}"/>
+              </a:ext>
+            </a:extLst>
+          </p:cNvPr>
+          <p:cNvCxnSpPr>
+            <a:cxnSpLocks/>
+            <a:stCxn id="32" idx="3"/>
+          </p:cNvCxnSpPr>
+          <p:nvPr/>
+        </p:nvCxnSpPr>
+        <p:spPr>
+          <a:xfrm>
+            <a:off x="1664892" y="2900449"/>
+            <a:ext cx="907495" cy="202519"/>
+          </a:xfrm>
+          <a:prstGeom prst="bentConnector3">
+            <a:avLst>
+              <a:gd name="adj1" fmla="val 50000"/>
+            </a:avLst>
+          </a:prstGeom>
+          <a:ln>
+            <a:solidFill>
+              <a:schemeClr val="tx1"/>
+            </a:solidFill>
+            <a:tailEnd type="triangle"/>
+          </a:ln>
+        </p:spPr>
+        <p:style>
+          <a:lnRef idx="1">
+            <a:schemeClr val="accent1"/>
+          </a:lnRef>
+          <a:fillRef idx="0">
+            <a:schemeClr val="accent1"/>
+          </a:fillRef>
+          <a:effectRef idx="0">
+            <a:schemeClr val="accent1"/>
+          </a:effectRef>
+          <a:fontRef idx="minor">
+            <a:schemeClr val="tx1"/>
+          </a:fontRef>
+        </p:style>
+      </p:cxnSp>
+      <p:sp>
+        <p:nvSpPr>
+          <p:cNvPr id="53" name="TextBox 52">
+            <a:extLst>
+              <a:ext uri="{FF2B5EF4-FFF2-40B4-BE49-F238E27FC236}">
+                <a16:creationId xmlns:a16="http://schemas.microsoft.com/office/drawing/2014/main" id="{71E51C5D-4D8F-FBF6-E020-C955980D3D85}"/>
+              </a:ext>
+            </a:extLst>
+          </p:cNvPr>
+          <p:cNvSpPr txBox="1"/>
+          <p:nvPr/>
+        </p:nvSpPr>
+        <p:spPr>
+          <a:xfrm>
+            <a:off x="1653676" y="2674233"/>
+            <a:ext cx="733997" cy="230832"/>
+          </a:xfrm>
+          <a:prstGeom prst="rect">
+            <a:avLst/>
+          </a:prstGeom>
+          <a:noFill/>
+        </p:spPr>
+        <p:txBody>
+          <a:bodyPr wrap="square" rtlCol="0">
+            <a:spAutoFit/>
+          </a:bodyPr>
+          <a:lstStyle/>
+          <a:p>
+            <a:pPr algn="ctr"/>
+            <a:r>
+              <a:rPr lang="en-KR" sz="900"/>
+              <a:t>Get Metric</a:t>
+            </a:r>
+          </a:p>
+        </p:txBody>
+      </p:sp>
+      <p:sp>
+        <p:nvSpPr>
+          <p:cNvPr id="8" name="모서리가 둥근 직사각형 2">
+            <a:extLst>
+              <a:ext uri="{FF2B5EF4-FFF2-40B4-BE49-F238E27FC236}">
+                <a16:creationId xmlns:a16="http://schemas.microsoft.com/office/drawing/2014/main" id="{9A5DC9BA-46EF-9C63-1FBD-975DC9153CA3}"/>
+              </a:ext>
+            </a:extLst>
+          </p:cNvPr>
+          <p:cNvSpPr/>
+          <p:nvPr/>
+        </p:nvSpPr>
+        <p:spPr>
+          <a:xfrm>
+            <a:off x="6168512" y="1544782"/>
+            <a:ext cx="1368152" cy="508063"/>
+          </a:xfrm>
+          <a:prstGeom prst="roundRect">
+            <a:avLst>
+              <a:gd name="adj" fmla="val 13068"/>
+            </a:avLst>
+          </a:prstGeom>
+          <a:ln w="12700"/>
+        </p:spPr>
+        <p:style>
+          <a:lnRef idx="2">
+            <a:schemeClr val="dk1"/>
+          </a:lnRef>
+          <a:fillRef idx="1">
+            <a:schemeClr val="lt1"/>
+          </a:fillRef>
+          <a:effectRef idx="0">
+            <a:schemeClr val="dk1"/>
+          </a:effectRef>
+          <a:fontRef idx="minor">
+            <a:schemeClr val="dk1"/>
+          </a:fontRef>
+        </p:style>
+        <p:txBody>
+          <a:bodyPr rtlCol="0" anchor="ctr"/>
+          <a:lstStyle/>
+          <a:p>
+            <a:pPr algn="ctr"/>
+            <a:r>
+              <a:rPr lang="en-US" altLang="ko-KR" sz="1000"/>
+              <a:t>Driver Service</a:t>
+            </a:r>
+          </a:p>
+          <a:p>
+            <a:pPr algn="ctr"/>
+            <a:r>
+              <a:rPr lang="en-US" altLang="ko-KR" sz="1000"/>
+              <a:t>/ Service (Headless)</a:t>
+            </a:r>
+            <a:endParaRPr lang="ko-KR" altLang="en-US" sz="1000"/>
+          </a:p>
+        </p:txBody>
+      </p:sp>
+      <p:sp>
+        <p:nvSpPr>
+          <p:cNvPr id="11" name="모서리가 둥근 직사각형 2">
+            <a:extLst>
+              <a:ext uri="{FF2B5EF4-FFF2-40B4-BE49-F238E27FC236}">
+                <a16:creationId xmlns:a16="http://schemas.microsoft.com/office/drawing/2014/main" id="{D6C5CB90-A156-DBD0-23EB-99302A39C95D}"/>
+              </a:ext>
+            </a:extLst>
+          </p:cNvPr>
+          <p:cNvSpPr/>
+          <p:nvPr/>
+        </p:nvSpPr>
+        <p:spPr>
+          <a:xfrm>
+            <a:off x="3706463" y="1544782"/>
+            <a:ext cx="1096290" cy="508063"/>
+          </a:xfrm>
+          <a:prstGeom prst="roundRect">
+            <a:avLst>
+              <a:gd name="adj" fmla="val 13068"/>
+            </a:avLst>
+          </a:prstGeom>
+          <a:ln w="12700"/>
+        </p:spPr>
+        <p:style>
+          <a:lnRef idx="2">
+            <a:schemeClr val="dk1"/>
+          </a:lnRef>
+          <a:fillRef idx="1">
+            <a:schemeClr val="lt1"/>
+          </a:fillRef>
+          <a:effectRef idx="0">
+            <a:schemeClr val="dk1"/>
+          </a:effectRef>
+          <a:fontRef idx="minor">
+            <a:schemeClr val="dk1"/>
+          </a:fontRef>
+        </p:style>
+        <p:txBody>
+          <a:bodyPr rtlCol="0" anchor="ctr"/>
+          <a:lstStyle/>
+          <a:p>
+            <a:pPr algn="ctr"/>
+            <a:r>
+              <a:rPr lang="en-US" altLang="ko-KR" sz="1000"/>
+              <a:t>Spark History Server Web UI</a:t>
+            </a:r>
+          </a:p>
+          <a:p>
+            <a:pPr algn="ctr"/>
+            <a:r>
+              <a:rPr lang="en-US" altLang="ko-KR" sz="1000"/>
+              <a:t>/ Service</a:t>
+            </a:r>
+            <a:endParaRPr lang="ko-KR" altLang="en-US" sz="1050"/>
+          </a:p>
+        </p:txBody>
+      </p:sp>
+      <p:sp>
+        <p:nvSpPr>
+          <p:cNvPr id="12" name="모서리가 둥근 직사각형 2">
+            <a:extLst>
+              <a:ext uri="{FF2B5EF4-FFF2-40B4-BE49-F238E27FC236}">
+                <a16:creationId xmlns:a16="http://schemas.microsoft.com/office/drawing/2014/main" id="{8A4641BF-608B-8C3E-64F0-83A60568A3AE}"/>
+              </a:ext>
+            </a:extLst>
+          </p:cNvPr>
+          <p:cNvSpPr/>
+          <p:nvPr/>
+        </p:nvSpPr>
+        <p:spPr>
+          <a:xfrm>
+            <a:off x="4937488" y="1544782"/>
+            <a:ext cx="1096289" cy="508063"/>
+          </a:xfrm>
+          <a:prstGeom prst="roundRect">
+            <a:avLst>
+              <a:gd name="adj" fmla="val 13068"/>
+            </a:avLst>
+          </a:prstGeom>
+          <a:ln w="12700"/>
+        </p:spPr>
+        <p:style>
+          <a:lnRef idx="2">
+            <a:schemeClr val="dk1"/>
+          </a:lnRef>
+          <a:fillRef idx="1">
+            <a:schemeClr val="lt1"/>
+          </a:fillRef>
+          <a:effectRef idx="0">
+            <a:schemeClr val="dk1"/>
+          </a:effectRef>
+          <a:fontRef idx="minor">
+            <a:schemeClr val="dk1"/>
+          </a:fontRef>
+        </p:style>
+        <p:txBody>
+          <a:bodyPr rtlCol="0" anchor="ctr"/>
+          <a:lstStyle/>
+          <a:p>
+            <a:pPr algn="ctr"/>
+            <a:r>
+              <a:rPr lang="en-US" altLang="ko-KR" sz="1000"/>
+              <a:t>Executor Config </a:t>
+            </a:r>
+          </a:p>
+          <a:p>
+            <a:pPr algn="ctr"/>
+            <a:r>
+              <a:rPr lang="en-US" altLang="ko-KR" sz="1000"/>
+              <a:t>/ ConfigMap</a:t>
+            </a:r>
+            <a:endParaRPr lang="ko-KR" altLang="en-US" sz="1000"/>
+          </a:p>
+        </p:txBody>
+      </p:sp>
+      <p:cxnSp>
+        <p:nvCxnSpPr>
+          <p:cNvPr id="34" name="Elbow Connector 33">
+            <a:extLst>
+              <a:ext uri="{FF2B5EF4-FFF2-40B4-BE49-F238E27FC236}">
+                <a16:creationId xmlns:a16="http://schemas.microsoft.com/office/drawing/2014/main" id="{2142C60F-5D30-2B60-0647-20BC2668E86C}"/>
+              </a:ext>
+            </a:extLst>
+          </p:cNvPr>
+          <p:cNvCxnSpPr>
+            <a:cxnSpLocks/>
+            <a:stCxn id="55" idx="0"/>
+            <a:endCxn id="12" idx="2"/>
+          </p:cNvCxnSpPr>
+          <p:nvPr/>
+        </p:nvCxnSpPr>
+        <p:spPr>
+          <a:xfrm rot="5400000" flipH="1" flipV="1">
+            <a:off x="3809413" y="1194352"/>
+            <a:ext cx="817727" cy="2534714"/>
+          </a:xfrm>
+          <a:prstGeom prst="bentConnector3">
+            <a:avLst>
+              <a:gd name="adj1" fmla="val 86548"/>
+            </a:avLst>
+          </a:prstGeom>
+          <a:ln>
+            <a:solidFill>
+              <a:schemeClr val="tx2"/>
+            </a:solidFill>
+            <a:tailEnd type="triangle"/>
+          </a:ln>
+        </p:spPr>
+        <p:style>
+          <a:lnRef idx="1">
+            <a:schemeClr val="dk1"/>
+          </a:lnRef>
+          <a:fillRef idx="0">
+            <a:schemeClr val="dk1"/>
+          </a:fillRef>
+          <a:effectRef idx="0">
+            <a:schemeClr val="dk1"/>
+          </a:effectRef>
+          <a:fontRef idx="minor">
+            <a:schemeClr val="tx1"/>
+          </a:fontRef>
+        </p:style>
+      </p:cxnSp>
+      <p:sp>
+        <p:nvSpPr>
+          <p:cNvPr id="57" name="TextBox 56">
+            <a:extLst>
+              <a:ext uri="{FF2B5EF4-FFF2-40B4-BE49-F238E27FC236}">
+                <a16:creationId xmlns:a16="http://schemas.microsoft.com/office/drawing/2014/main" id="{0F6E0E0F-363B-C846-8830-821595FBBF52}"/>
+              </a:ext>
+            </a:extLst>
+          </p:cNvPr>
+          <p:cNvSpPr txBox="1"/>
+          <p:nvPr/>
+        </p:nvSpPr>
+        <p:spPr>
+          <a:xfrm>
+            <a:off x="4821294" y="2211170"/>
+            <a:ext cx="964298" cy="369332"/>
+          </a:xfrm>
+          <a:prstGeom prst="rect">
+            <a:avLst/>
+          </a:prstGeom>
+          <a:noFill/>
+        </p:spPr>
+        <p:txBody>
+          <a:bodyPr wrap="square" rtlCol="0">
+            <a:spAutoFit/>
+          </a:bodyPr>
+          <a:lstStyle/>
+          <a:p>
+            <a:pPr algn="ctr"/>
+            <a:r>
+              <a:rPr lang="en-KR" sz="900">
+                <a:solidFill>
+                  <a:schemeClr val="tx2"/>
+                </a:solidFill>
+              </a:rPr>
+              <a:t>Get </a:t>
+            </a:r>
+            <a:r>
+              <a:rPr lang="en-US" sz="900">
+                <a:solidFill>
+                  <a:schemeClr val="tx2"/>
+                </a:solidFill>
+              </a:rPr>
+              <a:t>executor’s config</a:t>
+            </a:r>
+            <a:endParaRPr lang="en-KR" sz="900">
+              <a:solidFill>
+                <a:schemeClr val="tx2"/>
+              </a:solidFill>
+            </a:endParaRPr>
+          </a:p>
+        </p:txBody>
+      </p:sp>
+      <p:cxnSp>
+        <p:nvCxnSpPr>
+          <p:cNvPr id="66" name="Straight Arrow Connector 65">
+            <a:extLst>
+              <a:ext uri="{FF2B5EF4-FFF2-40B4-BE49-F238E27FC236}">
+                <a16:creationId xmlns:a16="http://schemas.microsoft.com/office/drawing/2014/main" id="{D563DDA0-3E45-04DD-5EE4-893211900E1F}"/>
+              </a:ext>
+            </a:extLst>
+          </p:cNvPr>
+          <p:cNvCxnSpPr>
+            <a:cxnSpLocks/>
+            <a:stCxn id="24" idx="0"/>
+          </p:cNvCxnSpPr>
+          <p:nvPr/>
+        </p:nvCxnSpPr>
+        <p:spPr>
+          <a:xfrm flipH="1" flipV="1">
+            <a:off x="5707096" y="2052845"/>
+            <a:ext cx="468" cy="496562"/>
+          </a:xfrm>
+          <a:prstGeom prst="straightConnector1">
+            <a:avLst/>
+          </a:prstGeom>
+          <a:ln>
+            <a:solidFill>
+              <a:schemeClr val="tx2"/>
+            </a:solidFill>
+            <a:tailEnd type="triangle"/>
+          </a:ln>
+        </p:spPr>
+        <p:style>
+          <a:lnRef idx="1">
+            <a:schemeClr val="dk1"/>
+          </a:lnRef>
+          <a:fillRef idx="0">
+            <a:schemeClr val="dk1"/>
+          </a:fillRef>
+          <a:effectRef idx="0">
+            <a:schemeClr val="dk1"/>
+          </a:effectRef>
+          <a:fontRef idx="minor">
+            <a:schemeClr val="tx1"/>
+          </a:fontRef>
+        </p:style>
+      </p:cxnSp>
+      <p:cxnSp>
+        <p:nvCxnSpPr>
+          <p:cNvPr id="122" name="Elbow Connector 121">
+            <a:extLst>
+              <a:ext uri="{FF2B5EF4-FFF2-40B4-BE49-F238E27FC236}">
+                <a16:creationId xmlns:a16="http://schemas.microsoft.com/office/drawing/2014/main" id="{9BEA5223-4721-C84A-4052-6418535C1A17}"/>
+              </a:ext>
+            </a:extLst>
+          </p:cNvPr>
+          <p:cNvCxnSpPr>
+            <a:cxnSpLocks/>
+            <a:stCxn id="1031" idx="4"/>
+            <a:endCxn id="124" idx="0"/>
+          </p:cNvCxnSpPr>
+          <p:nvPr/>
+        </p:nvCxnSpPr>
+        <p:spPr>
+          <a:xfrm rot="5400000">
+            <a:off x="4937411" y="-79760"/>
+            <a:ext cx="1736118" cy="4382128"/>
+          </a:xfrm>
+          <a:prstGeom prst="bentConnector3">
+            <a:avLst>
+              <a:gd name="adj1" fmla="val 88624"/>
+            </a:avLst>
+          </a:prstGeom>
+          <a:ln>
+            <a:solidFill>
+              <a:srgbClr val="00B050"/>
+            </a:solidFill>
+            <a:tailEnd type="triangle"/>
+          </a:ln>
+        </p:spPr>
+        <p:style>
+          <a:lnRef idx="1">
+            <a:schemeClr val="dk1"/>
+          </a:lnRef>
+          <a:fillRef idx="0">
+            <a:schemeClr val="dk1"/>
+          </a:fillRef>
+          <a:effectRef idx="0">
+            <a:schemeClr val="dk1"/>
+          </a:effectRef>
+          <a:fontRef idx="minor">
+            <a:schemeClr val="tx1"/>
+          </a:fontRef>
+        </p:style>
+      </p:cxnSp>
+      <p:sp>
+        <p:nvSpPr>
+          <p:cNvPr id="5" name="Oval 4">
+            <a:extLst>
+              <a:ext uri="{FF2B5EF4-FFF2-40B4-BE49-F238E27FC236}">
+                <a16:creationId xmlns:a16="http://schemas.microsoft.com/office/drawing/2014/main" id="{CA12FA8E-DFB1-DD08-C1E1-19351D5DCD30}"/>
+              </a:ext>
+            </a:extLst>
+          </p:cNvPr>
+          <p:cNvSpPr/>
+          <p:nvPr/>
+        </p:nvSpPr>
+        <p:spPr>
+          <a:xfrm>
+            <a:off x="1160126" y="1281513"/>
             <a:ext cx="216024" cy="216024"/>
           </a:xfrm>
           <a:prstGeom prst="ellipse">
@@ -9972,17 +12211,17 @@
                   <a:srgbClr val="C00000"/>
                 </a:solidFill>
               </a:rPr>
-              <a:t>3</a:t>
-            </a:r>
-          </a:p>
-        </p:txBody>
-      </p:sp>
-      <p:sp>
-        <p:nvSpPr>
-          <p:cNvPr id="72" name="TextBox 71">
-            <a:extLst>
-              <a:ext uri="{FF2B5EF4-FFF2-40B4-BE49-F238E27FC236}">
-                <a16:creationId xmlns:a16="http://schemas.microsoft.com/office/drawing/2014/main" id="{12C9E2F2-5F8D-7894-9EC4-EA89AB908347}"/>
+              <a:t>2</a:t>
+            </a:r>
+          </a:p>
+        </p:txBody>
+      </p:sp>
+      <p:sp>
+        <p:nvSpPr>
+          <p:cNvPr id="22" name="TextBox 21">
+            <a:extLst>
+              <a:ext uri="{FF2B5EF4-FFF2-40B4-BE49-F238E27FC236}">
+                <a16:creationId xmlns:a16="http://schemas.microsoft.com/office/drawing/2014/main" id="{4AF134B5-7C89-9CC7-B510-03896032C668}"/>
               </a:ext>
             </a:extLst>
           </p:cNvPr>
@@ -9991,8 +12230,8 @@
         </p:nvSpPr>
         <p:spPr>
           <a:xfrm>
-            <a:off x="4218324" y="2178658"/>
-            <a:ext cx="859531" cy="369332"/>
+            <a:off x="1529965" y="1365023"/>
+            <a:ext cx="822661" cy="369332"/>
           </a:xfrm>
           <a:prstGeom prst="rect">
             <a:avLst/>
@@ -10012,7 +12251,7 @@
                   <a:srgbClr val="C00000"/>
                 </a:solidFill>
               </a:rPr>
-              <a:t>Send driver’s</a:t>
+              <a:t>Get driver’s </a:t>
             </a:r>
           </a:p>
           <a:p>
@@ -10030,10 +12269,10 @@
       </p:sp>
       <p:sp>
         <p:nvSpPr>
-          <p:cNvPr id="75" name="모서리가 둥근 직사각형 2">
-            <a:extLst>
-              <a:ext uri="{FF2B5EF4-FFF2-40B4-BE49-F238E27FC236}">
-                <a16:creationId xmlns:a16="http://schemas.microsoft.com/office/drawing/2014/main" id="{B7439CF9-D92D-80D7-459F-CCDAF96B049A}"/>
+          <p:cNvPr id="71" name="Oval 70">
+            <a:extLst>
+              <a:ext uri="{FF2B5EF4-FFF2-40B4-BE49-F238E27FC236}">
+                <a16:creationId xmlns:a16="http://schemas.microsoft.com/office/drawing/2014/main" id="{9635FDF7-0210-E3B2-93B3-32C3F2069144}"/>
               </a:ext>
             </a:extLst>
           </p:cNvPr>
@@ -10042,426 +12281,272 @@
         </p:nvSpPr>
         <p:spPr>
           <a:xfrm>
-            <a:off x="7541906" y="2837433"/>
-            <a:ext cx="1368152" cy="1440154"/>
-          </a:xfrm>
-          <a:prstGeom prst="roundRect">
-            <a:avLst>
-              <a:gd name="adj" fmla="val 7293"/>
-            </a:avLst>
-          </a:prstGeom>
-          <a:ln w="12700"/>
-        </p:spPr>
-        <p:style>
-          <a:lnRef idx="2">
-            <a:schemeClr val="dk1"/>
-          </a:lnRef>
-          <a:fillRef idx="1">
-            <a:schemeClr val="lt1"/>
-          </a:fillRef>
-          <a:effectRef idx="0">
-            <a:schemeClr val="dk1"/>
-          </a:effectRef>
-          <a:fontRef idx="minor">
-            <a:schemeClr val="dk1"/>
-          </a:fontRef>
-        </p:style>
-        <p:txBody>
-          <a:bodyPr rtlCol="0" anchor="b"/>
-          <a:lstStyle/>
-          <a:p>
-            <a:pPr algn="ctr"/>
-            <a:r>
-              <a:rPr lang="en-US" altLang="ko-KR" sz="1100"/>
-              <a:t>Worker Node D</a:t>
-            </a:r>
-            <a:endParaRPr lang="ko-KR" altLang="en-US" sz="1100"/>
-          </a:p>
-        </p:txBody>
-      </p:sp>
-      <p:sp>
-        <p:nvSpPr>
-          <p:cNvPr id="76" name="모서리가 둥근 직사각형 2">
-            <a:extLst>
-              <a:ext uri="{FF2B5EF4-FFF2-40B4-BE49-F238E27FC236}">
-                <a16:creationId xmlns:a16="http://schemas.microsoft.com/office/drawing/2014/main" id="{6BFA17E7-3D00-157E-0D6D-2047431486BF}"/>
-              </a:ext>
-            </a:extLst>
-          </p:cNvPr>
-          <p:cNvSpPr/>
-          <p:nvPr/>
-        </p:nvSpPr>
-        <p:spPr>
-          <a:xfrm>
-            <a:off x="7630526" y="2981448"/>
-            <a:ext cx="1190912" cy="890801"/>
-          </a:xfrm>
-          <a:prstGeom prst="roundRect">
-            <a:avLst>
-              <a:gd name="adj" fmla="val 9041"/>
-            </a:avLst>
-          </a:prstGeom>
-          <a:ln w="12700"/>
-        </p:spPr>
-        <p:style>
-          <a:lnRef idx="2">
-            <a:schemeClr val="dk1"/>
-          </a:lnRef>
-          <a:fillRef idx="1">
-            <a:schemeClr val="lt1"/>
-          </a:fillRef>
-          <a:effectRef idx="0">
-            <a:schemeClr val="dk1"/>
-          </a:effectRef>
-          <a:fontRef idx="minor">
-            <a:schemeClr val="dk1"/>
-          </a:fontRef>
-        </p:style>
-        <p:txBody>
-          <a:bodyPr rtlCol="0" anchor="b"/>
-          <a:lstStyle/>
-          <a:p>
-            <a:pPr algn="ctr"/>
-            <a:r>
-              <a:rPr lang="en-US" altLang="ko-KR" sz="1000" b="1"/>
-              <a:t>spark-operator </a:t>
-            </a:r>
-            <a:br>
-              <a:rPr lang="en-US" altLang="ko-KR" sz="1000" b="1"/>
-            </a:br>
-            <a:r>
-              <a:rPr lang="en-US" altLang="ko-KR" sz="1000"/>
-              <a:t>/ Pod</a:t>
-            </a:r>
-            <a:endParaRPr lang="ko-KR" altLang="en-US" sz="1000"/>
-          </a:p>
-        </p:txBody>
-      </p:sp>
-      <p:sp>
-        <p:nvSpPr>
-          <p:cNvPr id="79" name="모서리가 둥근 직사각형 2">
-            <a:extLst>
-              <a:ext uri="{FF2B5EF4-FFF2-40B4-BE49-F238E27FC236}">
-                <a16:creationId xmlns:a16="http://schemas.microsoft.com/office/drawing/2014/main" id="{5668E099-6809-7EDA-FCDB-55210BB41384}"/>
-              </a:ext>
-            </a:extLst>
-          </p:cNvPr>
-          <p:cNvSpPr/>
-          <p:nvPr/>
-        </p:nvSpPr>
-        <p:spPr>
-          <a:xfrm>
-            <a:off x="7698325" y="3072694"/>
-            <a:ext cx="1047740" cy="386745"/>
-          </a:xfrm>
-          <a:prstGeom prst="roundRect">
-            <a:avLst>
-              <a:gd name="adj" fmla="val 13068"/>
-            </a:avLst>
-          </a:prstGeom>
-          <a:ln w="12700"/>
-        </p:spPr>
-        <p:style>
-          <a:lnRef idx="2">
-            <a:schemeClr val="dk1"/>
-          </a:lnRef>
-          <a:fillRef idx="1">
-            <a:schemeClr val="lt1"/>
-          </a:fillRef>
-          <a:effectRef idx="0">
-            <a:schemeClr val="dk1"/>
-          </a:effectRef>
-          <a:fontRef idx="minor">
-            <a:schemeClr val="dk1"/>
-          </a:fontRef>
-        </p:style>
-        <p:txBody>
-          <a:bodyPr rtlCol="0" anchor="ctr"/>
-          <a:lstStyle/>
-          <a:p>
-            <a:pPr algn="ctr"/>
-            <a:r>
-              <a:rPr lang="en-US" altLang="ko-KR" sz="900" b="1"/>
-              <a:t>spark-submit CLI</a:t>
-            </a:r>
-            <a:endParaRPr lang="ko-KR" altLang="en-US" sz="900" b="1"/>
-          </a:p>
-        </p:txBody>
-      </p:sp>
-      <p:sp>
-        <p:nvSpPr>
-          <p:cNvPr id="80" name="모서리가 둥근 직사각형 2">
-            <a:extLst>
-              <a:ext uri="{FF2B5EF4-FFF2-40B4-BE49-F238E27FC236}">
-                <a16:creationId xmlns:a16="http://schemas.microsoft.com/office/drawing/2014/main" id="{203981CE-5480-F7BE-04FE-6141F74CCFB9}"/>
-              </a:ext>
-            </a:extLst>
-          </p:cNvPr>
-          <p:cNvSpPr/>
-          <p:nvPr/>
-        </p:nvSpPr>
-        <p:spPr>
-          <a:xfrm>
-            <a:off x="2483767" y="848240"/>
-            <a:ext cx="1421855" cy="508063"/>
-          </a:xfrm>
-          <a:prstGeom prst="roundRect">
-            <a:avLst>
-              <a:gd name="adj" fmla="val 13068"/>
-            </a:avLst>
-          </a:prstGeom>
-          <a:ln w="12700"/>
-        </p:spPr>
-        <p:style>
-          <a:lnRef idx="2">
-            <a:schemeClr val="dk1"/>
-          </a:lnRef>
-          <a:fillRef idx="1">
-            <a:schemeClr val="lt1"/>
-          </a:fillRef>
-          <a:effectRef idx="0">
-            <a:schemeClr val="dk1"/>
-          </a:effectRef>
-          <a:fontRef idx="minor">
-            <a:schemeClr val="dk1"/>
-          </a:fontRef>
-        </p:style>
-        <p:txBody>
-          <a:bodyPr rtlCol="0" anchor="ctr"/>
-          <a:lstStyle/>
-          <a:p>
-            <a:pPr algn="ctr"/>
-            <a:r>
-              <a:rPr lang="en-US" altLang="ko-KR" sz="1000" b="1"/>
-              <a:t>SparkApplication</a:t>
-            </a:r>
-          </a:p>
-          <a:p>
-            <a:pPr algn="ctr"/>
-            <a:r>
-              <a:rPr lang="en-US" altLang="ko-KR" sz="1000"/>
-              <a:t>/ Custom Resource</a:t>
-            </a:r>
-            <a:endParaRPr lang="ko-KR" altLang="en-US" sz="1000"/>
-          </a:p>
-        </p:txBody>
-      </p:sp>
-      <p:sp>
-        <p:nvSpPr>
-          <p:cNvPr id="81" name="모서리가 둥근 직사각형 2">
-            <a:extLst>
-              <a:ext uri="{FF2B5EF4-FFF2-40B4-BE49-F238E27FC236}">
-                <a16:creationId xmlns:a16="http://schemas.microsoft.com/office/drawing/2014/main" id="{3AD1C164-17CC-5C80-F429-59E21D8A3B20}"/>
-              </a:ext>
-            </a:extLst>
-          </p:cNvPr>
-          <p:cNvSpPr/>
-          <p:nvPr/>
-        </p:nvSpPr>
-        <p:spPr>
-          <a:xfrm>
-            <a:off x="4146747" y="848240"/>
-            <a:ext cx="1935820" cy="508063"/>
-          </a:xfrm>
-          <a:prstGeom prst="roundRect">
-            <a:avLst>
-              <a:gd name="adj" fmla="val 13068"/>
-            </a:avLst>
-          </a:prstGeom>
-          <a:ln w="12700"/>
-        </p:spPr>
-        <p:style>
-          <a:lnRef idx="2">
-            <a:schemeClr val="dk1"/>
-          </a:lnRef>
-          <a:fillRef idx="1">
-            <a:schemeClr val="lt1"/>
-          </a:fillRef>
-          <a:effectRef idx="0">
-            <a:schemeClr val="dk1"/>
-          </a:effectRef>
-          <a:fontRef idx="minor">
-            <a:schemeClr val="dk1"/>
-          </a:fontRef>
-        </p:style>
-        <p:txBody>
-          <a:bodyPr rtlCol="0" anchor="ctr"/>
-          <a:lstStyle/>
-          <a:p>
-            <a:pPr algn="ctr"/>
-            <a:r>
-              <a:rPr lang="en-US" altLang="ko-KR" sz="1000" b="1"/>
-              <a:t>ScheduledSparkApplication</a:t>
-            </a:r>
-          </a:p>
-          <a:p>
-            <a:pPr algn="ctr"/>
-            <a:r>
-              <a:rPr lang="en-US" altLang="ko-KR" sz="1000"/>
-              <a:t>/ Custom Resource</a:t>
-            </a:r>
-            <a:endParaRPr lang="ko-KR" altLang="en-US" sz="1000"/>
-          </a:p>
-        </p:txBody>
-      </p:sp>
-      <p:sp>
-        <p:nvSpPr>
-          <p:cNvPr id="83" name="모서리가 둥근 직사각형 2">
-            <a:extLst>
-              <a:ext uri="{FF2B5EF4-FFF2-40B4-BE49-F238E27FC236}">
-                <a16:creationId xmlns:a16="http://schemas.microsoft.com/office/drawing/2014/main" id="{1071C5DB-E8F4-90CB-587F-810A1330B841}"/>
-              </a:ext>
-            </a:extLst>
-          </p:cNvPr>
-          <p:cNvSpPr/>
-          <p:nvPr/>
-        </p:nvSpPr>
-        <p:spPr>
-          <a:xfrm>
-            <a:off x="6297626" y="848240"/>
-            <a:ext cx="1935820" cy="508063"/>
-          </a:xfrm>
-          <a:prstGeom prst="roundRect">
-            <a:avLst>
-              <a:gd name="adj" fmla="val 13068"/>
-            </a:avLst>
-          </a:prstGeom>
-          <a:ln w="12700"/>
-        </p:spPr>
-        <p:style>
-          <a:lnRef idx="2">
-            <a:schemeClr val="dk1"/>
-          </a:lnRef>
-          <a:fillRef idx="1">
-            <a:schemeClr val="lt1"/>
-          </a:fillRef>
-          <a:effectRef idx="0">
-            <a:schemeClr val="dk1"/>
-          </a:effectRef>
-          <a:fontRef idx="minor">
-            <a:schemeClr val="dk1"/>
-          </a:fontRef>
-        </p:style>
-        <p:txBody>
-          <a:bodyPr rtlCol="0" anchor="ctr"/>
-          <a:lstStyle/>
-          <a:p>
-            <a:pPr algn="ctr"/>
-            <a:r>
-              <a:rPr lang="en-US" altLang="ko-KR" sz="1000"/>
-              <a:t>Spark Web UI</a:t>
-            </a:r>
-          </a:p>
-          <a:p>
-            <a:pPr algn="ctr"/>
-            <a:r>
-              <a:rPr lang="en-US" altLang="ko-KR" sz="1000"/>
-              <a:t>/ Service, Ingress</a:t>
-            </a:r>
-            <a:endParaRPr lang="ko-KR" altLang="en-US" sz="1000"/>
-          </a:p>
-        </p:txBody>
-      </p:sp>
-      <p:cxnSp>
-        <p:nvCxnSpPr>
-          <p:cNvPr id="84" name="Elbow Connector 83">
-            <a:extLst>
-              <a:ext uri="{FF2B5EF4-FFF2-40B4-BE49-F238E27FC236}">
-                <a16:creationId xmlns:a16="http://schemas.microsoft.com/office/drawing/2014/main" id="{CF4D5F5B-3797-AD0E-EAF0-4D212F60BD81}"/>
-              </a:ext>
-            </a:extLst>
-          </p:cNvPr>
-          <p:cNvCxnSpPr>
-            <a:cxnSpLocks/>
-            <a:stCxn id="11" idx="0"/>
-            <a:endCxn id="25" idx="3"/>
-          </p:cNvCxnSpPr>
-          <p:nvPr/>
-        </p:nvCxnSpPr>
-        <p:spPr>
-          <a:xfrm rot="16200000" flipV="1">
-            <a:off x="2680278" y="-29549"/>
-            <a:ext cx="137276" cy="3011385"/>
-          </a:xfrm>
-          <a:prstGeom prst="bentConnector2">
-            <a:avLst/>
-          </a:prstGeom>
-          <a:ln>
+            <a:off x="4688730" y="1884568"/>
+            <a:ext cx="216024" cy="216024"/>
+          </a:xfrm>
+          <a:prstGeom prst="ellipse">
+            <a:avLst/>
+          </a:prstGeom>
+          <a:solidFill>
+            <a:schemeClr val="bg1"/>
+          </a:solidFill>
+          <a:ln w="19050">
             <a:solidFill>
               <a:srgbClr val="C00000"/>
             </a:solidFill>
-            <a:tailEnd type="triangle"/>
           </a:ln>
         </p:spPr>
         <p:style>
-          <a:lnRef idx="1">
-            <a:schemeClr val="dk1"/>
-          </a:lnRef>
-          <a:fillRef idx="0">
-            <a:schemeClr val="dk1"/>
-          </a:fillRef>
-          <a:effectRef idx="0">
-            <a:schemeClr val="dk1"/>
-          </a:effectRef>
-          <a:fontRef idx="minor">
-            <a:schemeClr val="tx1"/>
-          </a:fontRef>
-        </p:style>
-      </p:cxnSp>
-      <p:cxnSp>
-        <p:nvCxnSpPr>
-          <p:cNvPr id="88" name="Elbow Connector 87">
-            <a:extLst>
-              <a:ext uri="{FF2B5EF4-FFF2-40B4-BE49-F238E27FC236}">
-                <a16:creationId xmlns:a16="http://schemas.microsoft.com/office/drawing/2014/main" id="{656D8460-A872-BC45-7985-A9AE1913A69B}"/>
-              </a:ext>
-            </a:extLst>
-          </p:cNvPr>
-          <p:cNvCxnSpPr>
-            <a:cxnSpLocks/>
-            <a:stCxn id="89" idx="0"/>
-            <a:endCxn id="21" idx="0"/>
-          </p:cNvCxnSpPr>
-          <p:nvPr/>
-        </p:nvCxnSpPr>
-        <p:spPr>
-          <a:xfrm rot="16200000" flipV="1">
-            <a:off x="4928159" y="-356137"/>
-            <a:ext cx="1399116" cy="5191608"/>
-          </a:xfrm>
-          <a:prstGeom prst="bentConnector3">
-            <a:avLst>
-              <a:gd name="adj1" fmla="val 107002"/>
-            </a:avLst>
-          </a:prstGeom>
+          <a:lnRef idx="2">
+            <a:schemeClr val="accent1">
+              <a:shade val="15000"/>
+            </a:schemeClr>
+          </a:lnRef>
+          <a:fillRef idx="1">
+            <a:schemeClr val="accent1"/>
+          </a:fillRef>
+          <a:effectRef idx="0">
+            <a:schemeClr val="accent1"/>
+          </a:effectRef>
+          <a:fontRef idx="minor">
+            <a:schemeClr val="lt1"/>
+          </a:fontRef>
+        </p:style>
+        <p:txBody>
+          <a:bodyPr rtlCol="0" anchor="ctr"/>
+          <a:lstStyle/>
+          <a:p>
+            <a:pPr algn="ctr"/>
+            <a:r>
+              <a:rPr lang="en-KR" sz="1000">
+                <a:solidFill>
+                  <a:srgbClr val="C00000"/>
+                </a:solidFill>
+              </a:rPr>
+              <a:t>3</a:t>
+            </a:r>
+          </a:p>
+        </p:txBody>
+      </p:sp>
+      <p:sp>
+        <p:nvSpPr>
+          <p:cNvPr id="95" name="Oval 94">
+            <a:extLst>
+              <a:ext uri="{FF2B5EF4-FFF2-40B4-BE49-F238E27FC236}">
+                <a16:creationId xmlns:a16="http://schemas.microsoft.com/office/drawing/2014/main" id="{109E6D05-10FF-0647-AFB9-B59950C0ED36}"/>
+              </a:ext>
+            </a:extLst>
+          </p:cNvPr>
+          <p:cNvSpPr/>
+          <p:nvPr/>
+        </p:nvSpPr>
+        <p:spPr>
+          <a:xfrm>
+            <a:off x="850931" y="928745"/>
+            <a:ext cx="216024" cy="216024"/>
+          </a:xfrm>
+          <a:prstGeom prst="ellipse">
+            <a:avLst/>
+          </a:prstGeom>
+          <a:solidFill>
+            <a:schemeClr val="bg1"/>
+          </a:solidFill>
+          <a:ln w="19050">
+            <a:solidFill>
+              <a:srgbClr val="00B050"/>
+            </a:solidFill>
+          </a:ln>
+        </p:spPr>
+        <p:style>
+          <a:lnRef idx="2">
+            <a:schemeClr val="accent1">
+              <a:shade val="15000"/>
+            </a:schemeClr>
+          </a:lnRef>
+          <a:fillRef idx="1">
+            <a:schemeClr val="accent1"/>
+          </a:fillRef>
+          <a:effectRef idx="0">
+            <a:schemeClr val="accent1"/>
+          </a:effectRef>
+          <a:fontRef idx="minor">
+            <a:schemeClr val="lt1"/>
+          </a:fontRef>
+        </p:style>
+        <p:txBody>
+          <a:bodyPr rtlCol="0" anchor="ctr"/>
+          <a:lstStyle/>
+          <a:p>
+            <a:pPr algn="ctr"/>
+            <a:r>
+              <a:rPr lang="en-KR" sz="1000">
+                <a:solidFill>
+                  <a:srgbClr val="00B050"/>
+                </a:solidFill>
+              </a:rPr>
+              <a:t>1</a:t>
+            </a:r>
+          </a:p>
+        </p:txBody>
+      </p:sp>
+      <p:sp>
+        <p:nvSpPr>
+          <p:cNvPr id="104" name="TextBox 103">
+            <a:extLst>
+              <a:ext uri="{FF2B5EF4-FFF2-40B4-BE49-F238E27FC236}">
+                <a16:creationId xmlns:a16="http://schemas.microsoft.com/office/drawing/2014/main" id="{21E0FCD8-7CFB-1B55-0DA7-9AECA0FF7D68}"/>
+              </a:ext>
+            </a:extLst>
+          </p:cNvPr>
+          <p:cNvSpPr txBox="1"/>
+          <p:nvPr/>
+        </p:nvSpPr>
+        <p:spPr>
+          <a:xfrm>
+            <a:off x="321865" y="568762"/>
+            <a:ext cx="724878" cy="369332"/>
+          </a:xfrm>
+          <a:prstGeom prst="rect">
+            <a:avLst/>
+          </a:prstGeom>
+          <a:noFill/>
+        </p:spPr>
+        <p:txBody>
+          <a:bodyPr wrap="none" rtlCol="0">
+            <a:spAutoFit/>
+          </a:bodyPr>
+          <a:lstStyle/>
+          <a:p>
+            <a:pPr algn="ctr"/>
+            <a:r>
+              <a:rPr lang="en-KR" sz="900">
+                <a:solidFill>
+                  <a:srgbClr val="00B050"/>
+                </a:solidFill>
+              </a:rPr>
+              <a:t>Get spark </a:t>
+            </a:r>
+          </a:p>
+          <a:p>
+            <a:pPr algn="ctr"/>
+            <a:r>
+              <a:rPr lang="en-KR" sz="900">
+                <a:solidFill>
+                  <a:srgbClr val="00B050"/>
+                </a:solidFill>
+              </a:rPr>
+              <a:t>state</a:t>
+            </a:r>
+          </a:p>
+        </p:txBody>
+      </p:sp>
+      <p:sp>
+        <p:nvSpPr>
+          <p:cNvPr id="121" name="TextBox 120">
+            <a:extLst>
+              <a:ext uri="{FF2B5EF4-FFF2-40B4-BE49-F238E27FC236}">
+                <a16:creationId xmlns:a16="http://schemas.microsoft.com/office/drawing/2014/main" id="{E01947E7-E5FD-B924-2B59-F4C801A8D283}"/>
+              </a:ext>
+            </a:extLst>
+          </p:cNvPr>
+          <p:cNvSpPr txBox="1"/>
+          <p:nvPr/>
+        </p:nvSpPr>
+        <p:spPr>
+          <a:xfrm>
+            <a:off x="7369410" y="1380301"/>
+            <a:ext cx="724878" cy="369332"/>
+          </a:xfrm>
+          <a:prstGeom prst="rect">
+            <a:avLst/>
+          </a:prstGeom>
+          <a:noFill/>
+        </p:spPr>
+        <p:txBody>
+          <a:bodyPr wrap="none" rtlCol="0">
+            <a:spAutoFit/>
+          </a:bodyPr>
+          <a:lstStyle/>
+          <a:p>
+            <a:pPr algn="ctr"/>
+            <a:r>
+              <a:rPr lang="en-KR" sz="900">
+                <a:solidFill>
+                  <a:srgbClr val="00B050"/>
+                </a:solidFill>
+              </a:rPr>
+              <a:t>Get spark </a:t>
+            </a:r>
+          </a:p>
+          <a:p>
+            <a:pPr algn="ctr"/>
+            <a:r>
+              <a:rPr lang="en-KR" sz="900">
+                <a:solidFill>
+                  <a:srgbClr val="00B050"/>
+                </a:solidFill>
+              </a:rPr>
+              <a:t>state</a:t>
+            </a:r>
+          </a:p>
+        </p:txBody>
+      </p:sp>
+      <p:sp>
+        <p:nvSpPr>
+          <p:cNvPr id="124" name="Oval 123">
+            <a:extLst>
+              <a:ext uri="{FF2B5EF4-FFF2-40B4-BE49-F238E27FC236}">
+                <a16:creationId xmlns:a16="http://schemas.microsoft.com/office/drawing/2014/main" id="{4585AAAD-6463-B030-1847-1F4D7F219079}"/>
+              </a:ext>
+            </a:extLst>
+          </p:cNvPr>
+          <p:cNvSpPr/>
+          <p:nvPr/>
+        </p:nvSpPr>
+        <p:spPr>
+          <a:xfrm>
+            <a:off x="3542398" y="2979363"/>
+            <a:ext cx="144016" cy="144016"/>
+          </a:xfrm>
+          <a:prstGeom prst="ellipse">
+            <a:avLst/>
+          </a:prstGeom>
+          <a:noFill/>
           <a:ln>
-            <a:solidFill>
-              <a:schemeClr val="tx2"/>
-            </a:solidFill>
-            <a:tailEnd type="triangle"/>
+            <a:noFill/>
           </a:ln>
         </p:spPr>
         <p:style>
-          <a:lnRef idx="1">
-            <a:schemeClr val="dk1"/>
-          </a:lnRef>
-          <a:fillRef idx="0">
-            <a:schemeClr val="dk1"/>
-          </a:fillRef>
-          <a:effectRef idx="0">
-            <a:schemeClr val="dk1"/>
-          </a:effectRef>
-          <a:fontRef idx="minor">
-            <a:schemeClr val="tx1"/>
-          </a:fontRef>
-        </p:style>
-      </p:cxnSp>
-      <p:sp>
-        <p:nvSpPr>
-          <p:cNvPr id="89" name="Oval 88">
-            <a:extLst>
-              <a:ext uri="{FF2B5EF4-FFF2-40B4-BE49-F238E27FC236}">
-                <a16:creationId xmlns:a16="http://schemas.microsoft.com/office/drawing/2014/main" id="{960CC63C-D132-E631-5609-AF66D7DA51F0}"/>
+          <a:lnRef idx="2">
+            <a:schemeClr val="accent1">
+              <a:shade val="15000"/>
+            </a:schemeClr>
+          </a:lnRef>
+          <a:fillRef idx="1">
+            <a:schemeClr val="accent1"/>
+          </a:fillRef>
+          <a:effectRef idx="0">
+            <a:schemeClr val="accent1"/>
+          </a:effectRef>
+          <a:fontRef idx="minor">
+            <a:schemeClr val="lt1"/>
+          </a:fontRef>
+        </p:style>
+        <p:txBody>
+          <a:bodyPr rtlCol="0" anchor="ctr"/>
+          <a:lstStyle/>
+          <a:p>
+            <a:pPr algn="ctr"/>
+            <a:endParaRPr lang="en-KR"/>
+          </a:p>
+        </p:txBody>
+      </p:sp>
+      <p:sp>
+        <p:nvSpPr>
+          <p:cNvPr id="1032" name="Oval 1031">
+            <a:extLst>
+              <a:ext uri="{FF2B5EF4-FFF2-40B4-BE49-F238E27FC236}">
+                <a16:creationId xmlns:a16="http://schemas.microsoft.com/office/drawing/2014/main" id="{51D8CCC0-C2D8-5BC1-2E89-EAC0A51E205A}"/>
               </a:ext>
             </a:extLst>
           </p:cNvPr>
@@ -10470,7 +12555,7 @@
         </p:nvSpPr>
         <p:spPr>
           <a:xfrm>
-            <a:off x="8115509" y="2939225"/>
+            <a:off x="2591360" y="2870572"/>
             <a:ext cx="216024" cy="216024"/>
           </a:xfrm>
           <a:prstGeom prst="ellipse">
@@ -10512,68 +12597,17 @@
                   <a:schemeClr val="tx2"/>
                 </a:solidFill>
               </a:rPr>
-              <a:t>4</a:t>
-            </a:r>
-          </a:p>
-        </p:txBody>
-      </p:sp>
-      <p:sp>
-        <p:nvSpPr>
-          <p:cNvPr id="98" name="TextBox 97">
-            <a:extLst>
-              <a:ext uri="{FF2B5EF4-FFF2-40B4-BE49-F238E27FC236}">
-                <a16:creationId xmlns:a16="http://schemas.microsoft.com/office/drawing/2014/main" id="{B10CE22B-46BB-19F6-F3E1-132F941E155C}"/>
-              </a:ext>
-            </a:extLst>
-          </p:cNvPr>
-          <p:cNvSpPr txBox="1"/>
-          <p:nvPr/>
-        </p:nvSpPr>
-        <p:spPr>
-          <a:xfrm>
-            <a:off x="7240141" y="4215976"/>
-            <a:ext cx="728084" cy="369332"/>
-          </a:xfrm>
-          <a:prstGeom prst="rect">
-            <a:avLst/>
-          </a:prstGeom>
-          <a:noFill/>
-        </p:spPr>
-        <p:txBody>
-          <a:bodyPr wrap="none" rtlCol="0">
-            <a:spAutoFit/>
-          </a:bodyPr>
-          <a:lstStyle/>
-          <a:p>
-            <a:pPr algn="ctr"/>
-            <a:r>
-              <a:rPr lang="en-KR" sz="900">
-                <a:solidFill>
-                  <a:schemeClr val="tx2"/>
-                </a:solidFill>
-              </a:rPr>
-              <a:t>Create</a:t>
-            </a:r>
-          </a:p>
-          <a:p>
-            <a:pPr algn="ctr"/>
-            <a:r>
-              <a:rPr lang="en-KR" sz="900">
-                <a:solidFill>
-                  <a:schemeClr val="tx2"/>
-                </a:solidFill>
-              </a:rPr>
-              <a:t>driver pod</a:t>
-            </a:r>
-          </a:p>
-        </p:txBody>
-      </p:sp>
-      <p:sp>
-        <p:nvSpPr>
-          <p:cNvPr id="99" name="Oval 98">
-            <a:extLst>
-              <a:ext uri="{FF2B5EF4-FFF2-40B4-BE49-F238E27FC236}">
-                <a16:creationId xmlns:a16="http://schemas.microsoft.com/office/drawing/2014/main" id="{6F95D839-6704-95F3-5FF5-39F046F02042}"/>
+              <a:t>6</a:t>
+            </a:r>
+          </a:p>
+        </p:txBody>
+      </p:sp>
+      <p:sp>
+        <p:nvSpPr>
+          <p:cNvPr id="1033" name="Oval 1032">
+            <a:extLst>
+              <a:ext uri="{FF2B5EF4-FFF2-40B4-BE49-F238E27FC236}">
+                <a16:creationId xmlns:a16="http://schemas.microsoft.com/office/drawing/2014/main" id="{DEA94EFC-A826-D0D7-D2DF-628A4E17B213}"/>
               </a:ext>
             </a:extLst>
           </p:cNvPr>
@@ -10582,7 +12616,7 @@
         </p:nvSpPr>
         <p:spPr>
           <a:xfrm>
-            <a:off x="7591835" y="3160164"/>
+            <a:off x="5601771" y="2428375"/>
             <a:ext cx="216024" cy="216024"/>
           </a:xfrm>
           <a:prstGeom prst="ellipse">
@@ -10618,23 +12652,156 @@
           <a:lstStyle/>
           <a:p>
             <a:pPr algn="ctr"/>
+            <a:endParaRPr lang="en-KR" sz="1000">
+              <a:solidFill>
+                <a:schemeClr val="tx2"/>
+              </a:solidFill>
+            </a:endParaRPr>
+          </a:p>
+        </p:txBody>
+      </p:sp>
+      <p:sp>
+        <p:nvSpPr>
+          <p:cNvPr id="1036" name="TextBox 1035">
+            <a:extLst>
+              <a:ext uri="{FF2B5EF4-FFF2-40B4-BE49-F238E27FC236}">
+                <a16:creationId xmlns:a16="http://schemas.microsoft.com/office/drawing/2014/main" id="{E25E64A1-4705-EE3D-C25E-E556B7F723C8}"/>
+              </a:ext>
+            </a:extLst>
+          </p:cNvPr>
+          <p:cNvSpPr txBox="1"/>
+          <p:nvPr/>
+        </p:nvSpPr>
+        <p:spPr>
+          <a:xfrm>
+            <a:off x="4066327" y="3058123"/>
+            <a:ext cx="396030" cy="246221"/>
+          </a:xfrm>
+          <a:prstGeom prst="rect">
+            <a:avLst/>
+          </a:prstGeom>
+          <a:noFill/>
+        </p:spPr>
+        <p:txBody>
+          <a:bodyPr wrap="square" rtlCol="0">
+            <a:spAutoFit/>
+          </a:bodyPr>
+          <a:lstStyle/>
+          <a:p>
+            <a:pPr algn="ctr"/>
             <a:r>
               <a:rPr lang="en-KR" sz="1000">
                 <a:solidFill>
                   <a:schemeClr val="tx2"/>
                 </a:solidFill>
               </a:rPr>
-              <a:t>5</a:t>
-            </a:r>
-          </a:p>
-        </p:txBody>
-      </p:sp>
-      <p:sp>
-        <p:nvSpPr>
-          <p:cNvPr id="101" name="Oval 100">
-            <a:extLst>
-              <a:ext uri="{FF2B5EF4-FFF2-40B4-BE49-F238E27FC236}">
-                <a16:creationId xmlns:a16="http://schemas.microsoft.com/office/drawing/2014/main" id="{00DECB79-158A-EE5A-6844-BA31C8B4F272}"/>
+              <a:t>11</a:t>
+            </a:r>
+          </a:p>
+        </p:txBody>
+      </p:sp>
+      <p:cxnSp>
+        <p:nvCxnSpPr>
+          <p:cNvPr id="1038" name="Elbow Connector 1037">
+            <a:extLst>
+              <a:ext uri="{FF2B5EF4-FFF2-40B4-BE49-F238E27FC236}">
+                <a16:creationId xmlns:a16="http://schemas.microsoft.com/office/drawing/2014/main" id="{0F340557-EAD8-C8C5-AD1D-0A29BB8D4791}"/>
+              </a:ext>
+            </a:extLst>
+          </p:cNvPr>
+          <p:cNvCxnSpPr>
+            <a:cxnSpLocks/>
+            <a:stCxn id="1050" idx="0"/>
+            <a:endCxn id="80" idx="2"/>
+          </p:cNvCxnSpPr>
+          <p:nvPr/>
+        </p:nvCxnSpPr>
+        <p:spPr>
+          <a:xfrm rot="16200000" flipV="1">
+            <a:off x="4956237" y="-532677"/>
+            <a:ext cx="1710360" cy="5233444"/>
+          </a:xfrm>
+          <a:prstGeom prst="bentConnector3">
+            <a:avLst>
+              <a:gd name="adj1" fmla="val 93126"/>
+            </a:avLst>
+          </a:prstGeom>
+          <a:ln>
+            <a:solidFill>
+              <a:schemeClr val="tx2"/>
+            </a:solidFill>
+            <a:tailEnd type="triangle"/>
+          </a:ln>
+        </p:spPr>
+        <p:style>
+          <a:lnRef idx="1">
+            <a:schemeClr val="dk1"/>
+          </a:lnRef>
+          <a:fillRef idx="0">
+            <a:schemeClr val="dk1"/>
+          </a:fillRef>
+          <a:effectRef idx="0">
+            <a:schemeClr val="dk1"/>
+          </a:effectRef>
+          <a:fontRef idx="minor">
+            <a:schemeClr val="tx1"/>
+          </a:fontRef>
+        </p:style>
+      </p:cxnSp>
+      <p:cxnSp>
+        <p:nvCxnSpPr>
+          <p:cNvPr id="1047" name="Elbow Connector 1046">
+            <a:extLst>
+              <a:ext uri="{FF2B5EF4-FFF2-40B4-BE49-F238E27FC236}">
+                <a16:creationId xmlns:a16="http://schemas.microsoft.com/office/drawing/2014/main" id="{EED33780-72DC-BB61-BC61-F7397F75B758}"/>
+              </a:ext>
+            </a:extLst>
+          </p:cNvPr>
+          <p:cNvCxnSpPr>
+            <a:cxnSpLocks/>
+            <a:stCxn id="1050" idx="0"/>
+            <a:endCxn id="81" idx="2"/>
+          </p:cNvCxnSpPr>
+          <p:nvPr/>
+        </p:nvCxnSpPr>
+        <p:spPr>
+          <a:xfrm rot="16200000" flipV="1">
+            <a:off x="5916218" y="427304"/>
+            <a:ext cx="1710360" cy="3313482"/>
+          </a:xfrm>
+          <a:prstGeom prst="bentConnector3">
+            <a:avLst>
+              <a:gd name="adj1" fmla="val 93126"/>
+            </a:avLst>
+          </a:prstGeom>
+          <a:ln>
+            <a:solidFill>
+              <a:schemeClr val="tx2"/>
+            </a:solidFill>
+            <a:tailEnd type="triangle"/>
+          </a:ln>
+        </p:spPr>
+        <p:style>
+          <a:lnRef idx="1">
+            <a:schemeClr val="dk1"/>
+          </a:lnRef>
+          <a:fillRef idx="0">
+            <a:schemeClr val="dk1"/>
+          </a:fillRef>
+          <a:effectRef idx="0">
+            <a:schemeClr val="dk1"/>
+          </a:effectRef>
+          <a:fontRef idx="minor">
+            <a:schemeClr val="tx1"/>
+          </a:fontRef>
+        </p:style>
+      </p:cxnSp>
+      <p:sp>
+        <p:nvSpPr>
+          <p:cNvPr id="1050" name="Oval 1049">
+            <a:extLst>
+              <a:ext uri="{FF2B5EF4-FFF2-40B4-BE49-F238E27FC236}">
+                <a16:creationId xmlns:a16="http://schemas.microsoft.com/office/drawing/2014/main" id="{FB302A2E-ADA9-E051-BDBB-BF74A9887845}"/>
               </a:ext>
             </a:extLst>
           </p:cNvPr>
@@ -10643,7 +12810,7 @@
         </p:nvSpPr>
         <p:spPr>
           <a:xfrm>
-            <a:off x="1364448" y="2140139"/>
+            <a:off x="8320127" y="2939225"/>
             <a:ext cx="216024" cy="216024"/>
           </a:xfrm>
           <a:prstGeom prst="ellipse">
@@ -10685,223 +12852,57 @@
                   <a:schemeClr val="tx2"/>
                 </a:solidFill>
               </a:rPr>
-              <a:t>2</a:t>
-            </a:r>
-          </a:p>
-        </p:txBody>
-      </p:sp>
-      <p:cxnSp>
-        <p:nvCxnSpPr>
-          <p:cNvPr id="102" name="Elbow Connector 101">
-            <a:extLst>
-              <a:ext uri="{FF2B5EF4-FFF2-40B4-BE49-F238E27FC236}">
-                <a16:creationId xmlns:a16="http://schemas.microsoft.com/office/drawing/2014/main" id="{B86B53C3-380D-241B-834D-5C9BB6FC1664}"/>
-              </a:ext>
-            </a:extLst>
-          </p:cNvPr>
-          <p:cNvCxnSpPr>
-            <a:cxnSpLocks/>
-            <a:stCxn id="101" idx="0"/>
-            <a:endCxn id="80" idx="0"/>
-          </p:cNvCxnSpPr>
-          <p:nvPr/>
-        </p:nvCxnSpPr>
-        <p:spPr>
-          <a:xfrm rot="5400000" flipH="1" flipV="1">
-            <a:off x="1687628" y="633073"/>
-            <a:ext cx="1291899" cy="1722235"/>
-          </a:xfrm>
-          <a:prstGeom prst="bentConnector3">
-            <a:avLst>
-              <a:gd name="adj1" fmla="val 117695"/>
-            </a:avLst>
-          </a:prstGeom>
-          <a:ln>
-            <a:solidFill>
-              <a:schemeClr val="tx2"/>
-            </a:solidFill>
-            <a:tailEnd type="triangle"/>
-          </a:ln>
-        </p:spPr>
-        <p:style>
-          <a:lnRef idx="1">
-            <a:schemeClr val="dk1"/>
-          </a:lnRef>
-          <a:fillRef idx="0">
-            <a:schemeClr val="dk1"/>
-          </a:fillRef>
-          <a:effectRef idx="0">
-            <a:schemeClr val="dk1"/>
-          </a:effectRef>
-          <a:fontRef idx="minor">
-            <a:schemeClr val="tx1"/>
-          </a:fontRef>
-        </p:style>
-      </p:cxnSp>
-      <p:cxnSp>
-        <p:nvCxnSpPr>
-          <p:cNvPr id="108" name="Elbow Connector 107">
-            <a:extLst>
-              <a:ext uri="{FF2B5EF4-FFF2-40B4-BE49-F238E27FC236}">
-                <a16:creationId xmlns:a16="http://schemas.microsoft.com/office/drawing/2014/main" id="{D42663DB-3AA6-7D7F-42FF-A73A5CE62F79}"/>
-              </a:ext>
-            </a:extLst>
-          </p:cNvPr>
-          <p:cNvCxnSpPr>
-            <a:cxnSpLocks/>
-            <a:stCxn id="1131" idx="6"/>
-            <a:endCxn id="81" idx="0"/>
-          </p:cNvCxnSpPr>
-          <p:nvPr/>
-        </p:nvCxnSpPr>
-        <p:spPr>
-          <a:xfrm flipV="1">
-            <a:off x="1380400" y="848240"/>
-            <a:ext cx="3734257" cy="787163"/>
-          </a:xfrm>
-          <a:prstGeom prst="bentConnector4">
-            <a:avLst>
-              <a:gd name="adj1" fmla="val 2470"/>
-              <a:gd name="adj2" fmla="val 129041"/>
-            </a:avLst>
-          </a:prstGeom>
-          <a:ln>
-            <a:solidFill>
-              <a:schemeClr val="tx2"/>
-            </a:solidFill>
-            <a:tailEnd type="triangle"/>
-          </a:ln>
-        </p:spPr>
-        <p:style>
-          <a:lnRef idx="1">
-            <a:schemeClr val="dk1"/>
-          </a:lnRef>
-          <a:fillRef idx="0">
-            <a:schemeClr val="dk1"/>
-          </a:fillRef>
-          <a:effectRef idx="0">
-            <a:schemeClr val="dk1"/>
-          </a:effectRef>
-          <a:fontRef idx="minor">
-            <a:schemeClr val="tx1"/>
-          </a:fontRef>
-        </p:style>
-      </p:cxnSp>
-      <p:cxnSp>
-        <p:nvCxnSpPr>
-          <p:cNvPr id="117" name="Elbow Connector 116">
-            <a:extLst>
-              <a:ext uri="{FF2B5EF4-FFF2-40B4-BE49-F238E27FC236}">
-                <a16:creationId xmlns:a16="http://schemas.microsoft.com/office/drawing/2014/main" id="{7DC9B4E0-9100-7049-6266-65F81D781693}"/>
-              </a:ext>
-            </a:extLst>
-          </p:cNvPr>
-          <p:cNvCxnSpPr>
-            <a:cxnSpLocks/>
-            <a:stCxn id="83" idx="0"/>
-            <a:endCxn id="25" idx="0"/>
-          </p:cNvCxnSpPr>
-          <p:nvPr/>
-        </p:nvCxnSpPr>
-        <p:spPr>
-          <a:xfrm rot="16200000" flipH="1" flipV="1">
-            <a:off x="3974747" y="-2162743"/>
-            <a:ext cx="279806" cy="6301772"/>
-          </a:xfrm>
-          <a:prstGeom prst="bentConnector3">
-            <a:avLst>
-              <a:gd name="adj1" fmla="val -102124"/>
-            </a:avLst>
-          </a:prstGeom>
-          <a:ln>
-            <a:solidFill>
-              <a:srgbClr val="00B050"/>
-            </a:solidFill>
-            <a:tailEnd type="triangle"/>
-          </a:ln>
-        </p:spPr>
-        <p:style>
-          <a:lnRef idx="1">
-            <a:schemeClr val="dk1"/>
-          </a:lnRef>
-          <a:fillRef idx="0">
-            <a:schemeClr val="dk1"/>
-          </a:fillRef>
-          <a:effectRef idx="0">
-            <a:schemeClr val="dk1"/>
-          </a:effectRef>
-          <a:fontRef idx="minor">
-            <a:schemeClr val="tx1"/>
-          </a:fontRef>
-        </p:style>
-      </p:cxnSp>
-      <p:sp>
-        <p:nvSpPr>
-          <p:cNvPr id="1031" name="Oval 1030">
-            <a:extLst>
-              <a:ext uri="{FF2B5EF4-FFF2-40B4-BE49-F238E27FC236}">
-                <a16:creationId xmlns:a16="http://schemas.microsoft.com/office/drawing/2014/main" id="{8A6AF2F6-F375-D17C-245D-9C8790DF1A06}"/>
-              </a:ext>
-            </a:extLst>
-          </p:cNvPr>
-          <p:cNvSpPr/>
-          <p:nvPr/>
-        </p:nvSpPr>
-        <p:spPr>
-          <a:xfrm>
-            <a:off x="3553839" y="2870572"/>
-            <a:ext cx="216024" cy="216024"/>
-          </a:xfrm>
-          <a:prstGeom prst="ellipse">
-            <a:avLst/>
-          </a:prstGeom>
-          <a:solidFill>
-            <a:schemeClr val="bg1"/>
-          </a:solidFill>
-          <a:ln w="19050">
-            <a:solidFill>
-              <a:srgbClr val="00B050"/>
-            </a:solidFill>
-          </a:ln>
-        </p:spPr>
-        <p:style>
-          <a:lnRef idx="2">
-            <a:schemeClr val="accent1">
-              <a:shade val="15000"/>
-            </a:schemeClr>
-          </a:lnRef>
-          <a:fillRef idx="1">
-            <a:schemeClr val="accent1"/>
-          </a:fillRef>
-          <a:effectRef idx="0">
-            <a:schemeClr val="accent1"/>
-          </a:effectRef>
-          <a:fontRef idx="minor">
-            <a:schemeClr val="lt1"/>
-          </a:fontRef>
-        </p:style>
-        <p:txBody>
-          <a:bodyPr rtlCol="0" anchor="ctr"/>
+              <a:t>3</a:t>
+            </a:r>
+          </a:p>
+        </p:txBody>
+      </p:sp>
+      <p:sp>
+        <p:nvSpPr>
+          <p:cNvPr id="1068" name="TextBox 1067">
+            <a:extLst>
+              <a:ext uri="{FF2B5EF4-FFF2-40B4-BE49-F238E27FC236}">
+                <a16:creationId xmlns:a16="http://schemas.microsoft.com/office/drawing/2014/main" id="{672ABE6F-0906-3CB4-289B-F508264FC62D}"/>
+              </a:ext>
+            </a:extLst>
+          </p:cNvPr>
+          <p:cNvSpPr txBox="1"/>
+          <p:nvPr/>
+        </p:nvSpPr>
+        <p:spPr>
+          <a:xfrm>
+            <a:off x="5511768" y="2424218"/>
+            <a:ext cx="396030" cy="246221"/>
+          </a:xfrm>
+          <a:prstGeom prst="rect">
+            <a:avLst/>
+          </a:prstGeom>
+          <a:noFill/>
+        </p:spPr>
+        <p:txBody>
+          <a:bodyPr wrap="square" rtlCol="0">
+            <a:spAutoFit/>
+          </a:bodyPr>
           <a:lstStyle/>
           <a:p>
             <a:pPr algn="ctr"/>
             <a:r>
               <a:rPr lang="en-KR" sz="1000">
                 <a:solidFill>
-                  <a:srgbClr val="00B050"/>
+                  <a:schemeClr val="tx2"/>
                 </a:solidFill>
               </a:rPr>
-              <a:t>1</a:t>
-            </a:r>
-          </a:p>
-        </p:txBody>
-      </p:sp>
-      <p:sp>
-        <p:nvSpPr>
-          <p:cNvPr id="1037" name="TextBox 1036">
-            <a:extLst>
-              <a:ext uri="{FF2B5EF4-FFF2-40B4-BE49-F238E27FC236}">
-                <a16:creationId xmlns:a16="http://schemas.microsoft.com/office/drawing/2014/main" id="{2E863616-6471-0C8B-496B-7017414D87B9}"/>
+              <a:t>10</a:t>
+            </a:r>
+          </a:p>
+        </p:txBody>
+      </p:sp>
+      <p:sp>
+        <p:nvSpPr>
+          <p:cNvPr id="1069" name="TextBox 1068">
+            <a:extLst>
+              <a:ext uri="{FF2B5EF4-FFF2-40B4-BE49-F238E27FC236}">
+                <a16:creationId xmlns:a16="http://schemas.microsoft.com/office/drawing/2014/main" id="{843377E1-7B8E-7637-4CDB-736E5592ADD4}"/>
               </a:ext>
             </a:extLst>
           </p:cNvPr>
@@ -10910,8 +12911,8 @@
         </p:nvSpPr>
         <p:spPr>
           <a:xfrm>
-            <a:off x="1408268" y="594440"/>
-            <a:ext cx="1063112" cy="507831"/>
+            <a:off x="7200290" y="2485387"/>
+            <a:ext cx="923650" cy="369332"/>
           </a:xfrm>
           <a:prstGeom prst="rect">
             <a:avLst/>
@@ -10931,7 +12932,7 @@
                   <a:schemeClr val="tx2"/>
                 </a:solidFill>
               </a:rPr>
-              <a:t>Create </a:t>
+              <a:t>Create</a:t>
             </a:r>
           </a:p>
           <a:p>
@@ -10942,1106 +12943,11 @@
                   <a:schemeClr val="tx2"/>
                 </a:solidFill>
               </a:rPr>
-              <a:t>SparkApplication</a:t>
-            </a:r>
-          </a:p>
-          <a:p>
-            <a:pPr algn="ctr"/>
-            <a:r>
-              <a:rPr lang="en-KR" sz="900">
-                <a:solidFill>
-                  <a:schemeClr val="tx2"/>
-                </a:solidFill>
-              </a:rPr>
-              <a:t>Object</a:t>
-            </a:r>
-          </a:p>
-        </p:txBody>
-      </p:sp>
-      <p:cxnSp>
-        <p:nvCxnSpPr>
-          <p:cNvPr id="1079" name="Elbow Connector 1078">
-            <a:extLst>
-              <a:ext uri="{FF2B5EF4-FFF2-40B4-BE49-F238E27FC236}">
-                <a16:creationId xmlns:a16="http://schemas.microsoft.com/office/drawing/2014/main" id="{B7996968-770E-AEAE-129B-43D583AFD560}"/>
-              </a:ext>
-            </a:extLst>
-          </p:cNvPr>
-          <p:cNvCxnSpPr>
-            <a:cxnSpLocks/>
-            <a:stCxn id="99" idx="2"/>
-            <a:endCxn id="1091" idx="4"/>
-          </p:cNvCxnSpPr>
-          <p:nvPr/>
-        </p:nvCxnSpPr>
-        <p:spPr>
-          <a:xfrm rot="10800000" flipV="1">
-            <a:off x="3690893" y="3268176"/>
-            <a:ext cx="3900943" cy="105880"/>
-          </a:xfrm>
-          <a:prstGeom prst="bentConnector4">
-            <a:avLst>
-              <a:gd name="adj1" fmla="val 5088"/>
-              <a:gd name="adj2" fmla="val 1045598"/>
-            </a:avLst>
-          </a:prstGeom>
-          <a:ln>
-            <a:solidFill>
-              <a:schemeClr val="tx2"/>
-            </a:solidFill>
-            <a:tailEnd type="triangle"/>
-          </a:ln>
-        </p:spPr>
-        <p:style>
-          <a:lnRef idx="1">
-            <a:schemeClr val="dk1"/>
-          </a:lnRef>
-          <a:fillRef idx="0">
-            <a:schemeClr val="dk1"/>
-          </a:fillRef>
-          <a:effectRef idx="0">
-            <a:schemeClr val="dk1"/>
-          </a:effectRef>
-          <a:fontRef idx="minor">
-            <a:schemeClr val="tx1"/>
-          </a:fontRef>
-        </p:style>
-      </p:cxnSp>
-      <p:sp>
-        <p:nvSpPr>
-          <p:cNvPr id="1091" name="Oval 1090">
-            <a:extLst>
-              <a:ext uri="{FF2B5EF4-FFF2-40B4-BE49-F238E27FC236}">
-                <a16:creationId xmlns:a16="http://schemas.microsoft.com/office/drawing/2014/main" id="{2F20A531-B8A8-2962-3DBD-9128CED41B9F}"/>
-              </a:ext>
-            </a:extLst>
-          </p:cNvPr>
-          <p:cNvSpPr/>
-          <p:nvPr/>
-        </p:nvSpPr>
-        <p:spPr>
-          <a:xfrm>
-            <a:off x="3615911" y="3224095"/>
-            <a:ext cx="149961" cy="149961"/>
-          </a:xfrm>
-          <a:prstGeom prst="ellipse">
-            <a:avLst/>
-          </a:prstGeom>
-          <a:noFill/>
-          <a:ln>
-            <a:noFill/>
-          </a:ln>
-        </p:spPr>
-        <p:style>
-          <a:lnRef idx="2">
-            <a:schemeClr val="accent1">
-              <a:shade val="15000"/>
-            </a:schemeClr>
-          </a:lnRef>
-          <a:fillRef idx="1">
-            <a:schemeClr val="accent1"/>
-          </a:fillRef>
-          <a:effectRef idx="0">
-            <a:schemeClr val="accent1"/>
-          </a:effectRef>
-          <a:fontRef idx="minor">
-            <a:schemeClr val="lt1"/>
-          </a:fontRef>
-        </p:style>
-        <p:txBody>
-          <a:bodyPr rtlCol="0" anchor="ctr"/>
-          <a:lstStyle/>
-          <a:p>
-            <a:pPr algn="ctr"/>
-            <a:endParaRPr lang="en-KR"/>
-          </a:p>
-        </p:txBody>
-      </p:sp>
-      <p:sp>
-        <p:nvSpPr>
-          <p:cNvPr id="1118" name="Oval 1117">
-            <a:extLst>
-              <a:ext uri="{FF2B5EF4-FFF2-40B4-BE49-F238E27FC236}">
-                <a16:creationId xmlns:a16="http://schemas.microsoft.com/office/drawing/2014/main" id="{FB901DD9-58C9-AC09-A617-FF9BE968A1D7}"/>
-              </a:ext>
-            </a:extLst>
-          </p:cNvPr>
-          <p:cNvSpPr/>
-          <p:nvPr/>
-        </p:nvSpPr>
-        <p:spPr>
-          <a:xfrm>
-            <a:off x="8459716" y="2837433"/>
-            <a:ext cx="216024" cy="216024"/>
-          </a:xfrm>
-          <a:prstGeom prst="ellipse">
-            <a:avLst/>
-          </a:prstGeom>
-          <a:solidFill>
-            <a:schemeClr val="bg1"/>
-          </a:solidFill>
-          <a:ln w="19050">
-            <a:solidFill>
-              <a:schemeClr val="tx2"/>
-            </a:solidFill>
-          </a:ln>
-        </p:spPr>
-        <p:style>
-          <a:lnRef idx="2">
-            <a:schemeClr val="accent1">
-              <a:shade val="15000"/>
-            </a:schemeClr>
-          </a:lnRef>
-          <a:fillRef idx="1">
-            <a:schemeClr val="accent1"/>
-          </a:fillRef>
-          <a:effectRef idx="0">
-            <a:schemeClr val="accent1"/>
-          </a:effectRef>
-          <a:fontRef idx="minor">
-            <a:schemeClr val="lt1"/>
-          </a:fontRef>
-        </p:style>
-        <p:txBody>
-          <a:bodyPr rtlCol="0" anchor="ctr"/>
-          <a:lstStyle/>
-          <a:p>
-            <a:pPr algn="ctr"/>
-            <a:r>
-              <a:rPr lang="en-KR" sz="1000">
-                <a:solidFill>
-                  <a:schemeClr val="tx2"/>
-                </a:solidFill>
-              </a:rPr>
-              <a:t>3</a:t>
-            </a:r>
-          </a:p>
-        </p:txBody>
-      </p:sp>
-      <p:cxnSp>
-        <p:nvCxnSpPr>
-          <p:cNvPr id="1119" name="Elbow Connector 1118">
-            <a:extLst>
-              <a:ext uri="{FF2B5EF4-FFF2-40B4-BE49-F238E27FC236}">
-                <a16:creationId xmlns:a16="http://schemas.microsoft.com/office/drawing/2014/main" id="{678AC701-755D-248A-420F-C2DD27B63469}"/>
-              </a:ext>
-            </a:extLst>
-          </p:cNvPr>
-          <p:cNvCxnSpPr>
-            <a:cxnSpLocks/>
-            <a:stCxn id="1118" idx="0"/>
-            <a:endCxn id="83" idx="3"/>
-          </p:cNvCxnSpPr>
-          <p:nvPr/>
-        </p:nvCxnSpPr>
-        <p:spPr>
-          <a:xfrm rot="16200000" flipV="1">
-            <a:off x="7533007" y="1802712"/>
-            <a:ext cx="1735161" cy="334282"/>
-          </a:xfrm>
-          <a:prstGeom prst="bentConnector2">
-            <a:avLst/>
-          </a:prstGeom>
-          <a:ln>
-            <a:solidFill>
-              <a:schemeClr val="tx2"/>
-            </a:solidFill>
-            <a:tailEnd type="triangle"/>
-          </a:ln>
-        </p:spPr>
-        <p:style>
-          <a:lnRef idx="1">
-            <a:schemeClr val="dk1"/>
-          </a:lnRef>
-          <a:fillRef idx="0">
-            <a:schemeClr val="dk1"/>
-          </a:fillRef>
-          <a:effectRef idx="0">
-            <a:schemeClr val="dk1"/>
-          </a:effectRef>
-          <a:fontRef idx="minor">
-            <a:schemeClr val="tx1"/>
-          </a:fontRef>
-        </p:style>
-      </p:cxnSp>
-      <p:sp>
-        <p:nvSpPr>
-          <p:cNvPr id="1127" name="Oval 1126">
-            <a:extLst>
-              <a:ext uri="{FF2B5EF4-FFF2-40B4-BE49-F238E27FC236}">
-                <a16:creationId xmlns:a16="http://schemas.microsoft.com/office/drawing/2014/main" id="{AE51AC2A-C4F1-09D4-3A27-FB833264C555}"/>
-              </a:ext>
-            </a:extLst>
-          </p:cNvPr>
-          <p:cNvSpPr/>
-          <p:nvPr/>
-        </p:nvSpPr>
-        <p:spPr>
-          <a:xfrm>
-            <a:off x="1108243" y="1469780"/>
-            <a:ext cx="149961" cy="149961"/>
-          </a:xfrm>
-          <a:prstGeom prst="ellipse">
-            <a:avLst/>
-          </a:prstGeom>
-          <a:noFill/>
-          <a:ln>
-            <a:noFill/>
-          </a:ln>
-        </p:spPr>
-        <p:style>
-          <a:lnRef idx="2">
-            <a:schemeClr val="accent1">
-              <a:shade val="15000"/>
-            </a:schemeClr>
-          </a:lnRef>
-          <a:fillRef idx="1">
-            <a:schemeClr val="accent1"/>
-          </a:fillRef>
-          <a:effectRef idx="0">
-            <a:schemeClr val="accent1"/>
-          </a:effectRef>
-          <a:fontRef idx="minor">
-            <a:schemeClr val="lt1"/>
-          </a:fontRef>
-        </p:style>
-        <p:txBody>
-          <a:bodyPr rtlCol="0" anchor="ctr"/>
-          <a:lstStyle/>
-          <a:p>
-            <a:pPr algn="ctr"/>
-            <a:endParaRPr lang="en-KR"/>
-          </a:p>
-        </p:txBody>
-      </p:sp>
-      <p:sp>
-        <p:nvSpPr>
-          <p:cNvPr id="1131" name="Oval 1130">
-            <a:extLst>
-              <a:ext uri="{FF2B5EF4-FFF2-40B4-BE49-F238E27FC236}">
-                <a16:creationId xmlns:a16="http://schemas.microsoft.com/office/drawing/2014/main" id="{94BA51C1-8060-5D0D-4BCA-7491B912E548}"/>
-              </a:ext>
-            </a:extLst>
-          </p:cNvPr>
-          <p:cNvSpPr/>
-          <p:nvPr/>
-        </p:nvSpPr>
-        <p:spPr>
-          <a:xfrm>
-            <a:off x="1164376" y="1527391"/>
-            <a:ext cx="216024" cy="216024"/>
-          </a:xfrm>
-          <a:prstGeom prst="ellipse">
-            <a:avLst/>
-          </a:prstGeom>
-          <a:solidFill>
-            <a:schemeClr val="bg1"/>
-          </a:solidFill>
-          <a:ln w="19050">
-            <a:solidFill>
-              <a:schemeClr val="tx2"/>
-            </a:solidFill>
-          </a:ln>
-        </p:spPr>
-        <p:style>
-          <a:lnRef idx="2">
-            <a:schemeClr val="accent1">
-              <a:shade val="15000"/>
-            </a:schemeClr>
-          </a:lnRef>
-          <a:fillRef idx="1">
-            <a:schemeClr val="accent1"/>
-          </a:fillRef>
-          <a:effectRef idx="0">
-            <a:schemeClr val="accent1"/>
-          </a:effectRef>
-          <a:fontRef idx="minor">
-            <a:schemeClr val="lt1"/>
-          </a:fontRef>
-        </p:style>
-        <p:txBody>
-          <a:bodyPr rtlCol="0" anchor="ctr"/>
-          <a:lstStyle/>
-          <a:p>
-            <a:pPr algn="ctr"/>
-            <a:r>
-              <a:rPr lang="en-KR" sz="1000">
-                <a:solidFill>
-                  <a:schemeClr val="tx2"/>
-                </a:solidFill>
-              </a:rPr>
-              <a:t>2</a:t>
-            </a:r>
-          </a:p>
-        </p:txBody>
-      </p:sp>
-      <p:cxnSp>
-        <p:nvCxnSpPr>
-          <p:cNvPr id="1147" name="Straight Arrow Connector 1146">
-            <a:extLst>
-              <a:ext uri="{FF2B5EF4-FFF2-40B4-BE49-F238E27FC236}">
-                <a16:creationId xmlns:a16="http://schemas.microsoft.com/office/drawing/2014/main" id="{1D074DBB-F190-D314-1B06-B010E5BA03B5}"/>
-              </a:ext>
-            </a:extLst>
-          </p:cNvPr>
-          <p:cNvCxnSpPr>
-            <a:cxnSpLocks/>
-          </p:cNvCxnSpPr>
-          <p:nvPr/>
-        </p:nvCxnSpPr>
-        <p:spPr>
-          <a:xfrm>
-            <a:off x="218501" y="4811468"/>
-            <a:ext cx="344305" cy="0"/>
-          </a:xfrm>
-          <a:prstGeom prst="straightConnector1">
-            <a:avLst/>
-          </a:prstGeom>
-          <a:ln>
-            <a:solidFill>
-              <a:schemeClr val="tx2"/>
-            </a:solidFill>
-            <a:tailEnd type="triangle"/>
-          </a:ln>
-        </p:spPr>
-        <p:style>
-          <a:lnRef idx="1">
-            <a:schemeClr val="dk1"/>
-          </a:lnRef>
-          <a:fillRef idx="0">
-            <a:schemeClr val="dk1"/>
-          </a:fillRef>
-          <a:effectRef idx="0">
-            <a:schemeClr val="dk1"/>
-          </a:effectRef>
-          <a:fontRef idx="minor">
-            <a:schemeClr val="tx1"/>
-          </a:fontRef>
-        </p:style>
-      </p:cxnSp>
-      <p:sp>
-        <p:nvSpPr>
-          <p:cNvPr id="1148" name="TextBox 1147">
-            <a:extLst>
-              <a:ext uri="{FF2B5EF4-FFF2-40B4-BE49-F238E27FC236}">
-                <a16:creationId xmlns:a16="http://schemas.microsoft.com/office/drawing/2014/main" id="{B1086A9F-6672-5771-FED3-2242F006CB08}"/>
-              </a:ext>
-            </a:extLst>
-          </p:cNvPr>
-          <p:cNvSpPr txBox="1"/>
-          <p:nvPr/>
-        </p:nvSpPr>
-        <p:spPr>
-          <a:xfrm>
-            <a:off x="562806" y="4691437"/>
-            <a:ext cx="899605" cy="230832"/>
-          </a:xfrm>
-          <a:prstGeom prst="rect">
-            <a:avLst/>
-          </a:prstGeom>
-          <a:noFill/>
-        </p:spPr>
-        <p:txBody>
-          <a:bodyPr wrap="none" rtlCol="0">
-            <a:spAutoFit/>
-          </a:bodyPr>
-          <a:lstStyle/>
-          <a:p>
-            <a:r>
-              <a:rPr lang="en-KR" sz="900"/>
-              <a:t>Spark Job Init</a:t>
-            </a:r>
-          </a:p>
-        </p:txBody>
-      </p:sp>
-      <p:cxnSp>
-        <p:nvCxnSpPr>
-          <p:cNvPr id="1149" name="Straight Arrow Connector 1148">
-            <a:extLst>
-              <a:ext uri="{FF2B5EF4-FFF2-40B4-BE49-F238E27FC236}">
-                <a16:creationId xmlns:a16="http://schemas.microsoft.com/office/drawing/2014/main" id="{4B7DCD21-5A61-60EF-0CC9-C0D828CDE361}"/>
-              </a:ext>
-            </a:extLst>
-          </p:cNvPr>
-          <p:cNvCxnSpPr>
-            <a:cxnSpLocks/>
-          </p:cNvCxnSpPr>
-          <p:nvPr/>
-        </p:nvCxnSpPr>
-        <p:spPr>
-          <a:xfrm>
-            <a:off x="1462884" y="4811468"/>
-            <a:ext cx="344305" cy="0"/>
-          </a:xfrm>
-          <a:prstGeom prst="straightConnector1">
-            <a:avLst/>
-          </a:prstGeom>
-          <a:ln>
-            <a:solidFill>
-              <a:srgbClr val="C00000"/>
-            </a:solidFill>
-            <a:tailEnd type="triangle"/>
-          </a:ln>
-        </p:spPr>
-        <p:style>
-          <a:lnRef idx="1">
-            <a:schemeClr val="dk1"/>
-          </a:lnRef>
-          <a:fillRef idx="0">
-            <a:schemeClr val="dk1"/>
-          </a:fillRef>
-          <a:effectRef idx="0">
-            <a:schemeClr val="dk1"/>
-          </a:effectRef>
-          <a:fontRef idx="minor">
-            <a:schemeClr val="tx1"/>
-          </a:fontRef>
-        </p:style>
-      </p:cxnSp>
-      <p:sp>
-        <p:nvSpPr>
-          <p:cNvPr id="1150" name="TextBox 1149">
-            <a:extLst>
-              <a:ext uri="{FF2B5EF4-FFF2-40B4-BE49-F238E27FC236}">
-                <a16:creationId xmlns:a16="http://schemas.microsoft.com/office/drawing/2014/main" id="{075E2A83-0A52-66C6-1581-CD1FECC3ECC3}"/>
-              </a:ext>
-            </a:extLst>
-          </p:cNvPr>
-          <p:cNvSpPr txBox="1"/>
-          <p:nvPr/>
-        </p:nvSpPr>
-        <p:spPr>
-          <a:xfrm>
-            <a:off x="1812951" y="4691437"/>
-            <a:ext cx="1244250" cy="230832"/>
-          </a:xfrm>
-          <a:prstGeom prst="rect">
-            <a:avLst/>
-          </a:prstGeom>
-          <a:noFill/>
-        </p:spPr>
-        <p:txBody>
-          <a:bodyPr wrap="none" rtlCol="0">
-            <a:spAutoFit/>
-          </a:bodyPr>
-          <a:lstStyle/>
-          <a:p>
-            <a:r>
-              <a:rPr lang="en-KR" sz="900"/>
-              <a:t>Spark History Server</a:t>
-            </a:r>
-          </a:p>
-        </p:txBody>
-      </p:sp>
-      <p:cxnSp>
-        <p:nvCxnSpPr>
-          <p:cNvPr id="1151" name="Straight Arrow Connector 1150">
-            <a:extLst>
-              <a:ext uri="{FF2B5EF4-FFF2-40B4-BE49-F238E27FC236}">
-                <a16:creationId xmlns:a16="http://schemas.microsoft.com/office/drawing/2014/main" id="{1E4399FE-D77E-66D9-4E3B-5F67E24DAC19}"/>
-              </a:ext>
-            </a:extLst>
-          </p:cNvPr>
-          <p:cNvCxnSpPr>
-            <a:cxnSpLocks/>
-          </p:cNvCxnSpPr>
-          <p:nvPr/>
-        </p:nvCxnSpPr>
-        <p:spPr>
-          <a:xfrm>
-            <a:off x="3067444" y="4811468"/>
-            <a:ext cx="344305" cy="0"/>
-          </a:xfrm>
-          <a:prstGeom prst="straightConnector1">
-            <a:avLst/>
-          </a:prstGeom>
-          <a:ln>
-            <a:solidFill>
-              <a:srgbClr val="00B050"/>
-            </a:solidFill>
-            <a:tailEnd type="triangle"/>
-          </a:ln>
-        </p:spPr>
-        <p:style>
-          <a:lnRef idx="1">
-            <a:schemeClr val="dk1"/>
-          </a:lnRef>
-          <a:fillRef idx="0">
-            <a:schemeClr val="dk1"/>
-          </a:fillRef>
-          <a:effectRef idx="0">
-            <a:schemeClr val="dk1"/>
-          </a:effectRef>
-          <a:fontRef idx="minor">
-            <a:schemeClr val="tx1"/>
-          </a:fontRef>
-        </p:style>
-      </p:cxnSp>
-      <p:sp>
-        <p:nvSpPr>
-          <p:cNvPr id="1152" name="TextBox 1151">
-            <a:extLst>
-              <a:ext uri="{FF2B5EF4-FFF2-40B4-BE49-F238E27FC236}">
-                <a16:creationId xmlns:a16="http://schemas.microsoft.com/office/drawing/2014/main" id="{A64BB1E3-448D-D4E4-203B-EFC8C96C18A2}"/>
-              </a:ext>
-            </a:extLst>
-          </p:cNvPr>
-          <p:cNvSpPr txBox="1"/>
-          <p:nvPr/>
-        </p:nvSpPr>
-        <p:spPr>
-          <a:xfrm>
-            <a:off x="3407741" y="4691437"/>
-            <a:ext cx="907621" cy="230832"/>
-          </a:xfrm>
-          <a:prstGeom prst="rect">
-            <a:avLst/>
-          </a:prstGeom>
-          <a:noFill/>
-        </p:spPr>
-        <p:txBody>
-          <a:bodyPr wrap="none" rtlCol="0">
-            <a:spAutoFit/>
-          </a:bodyPr>
-          <a:lstStyle/>
-          <a:p>
-            <a:r>
-              <a:rPr lang="en-US" sz="900"/>
-              <a:t>Spark Web UI</a:t>
-            </a:r>
-          </a:p>
-        </p:txBody>
-      </p:sp>
-      <p:sp>
-        <p:nvSpPr>
-          <p:cNvPr id="10" name="TextBox 9">
-            <a:extLst>
-              <a:ext uri="{FF2B5EF4-FFF2-40B4-BE49-F238E27FC236}">
-                <a16:creationId xmlns:a16="http://schemas.microsoft.com/office/drawing/2014/main" id="{1C60B1F1-97E8-8152-DBDA-13923D97BA9D}"/>
-              </a:ext>
-            </a:extLst>
-          </p:cNvPr>
-          <p:cNvSpPr txBox="1"/>
-          <p:nvPr/>
-        </p:nvSpPr>
-        <p:spPr>
-          <a:xfrm>
-            <a:off x="1927395" y="2302064"/>
-            <a:ext cx="810021" cy="369332"/>
-          </a:xfrm>
-          <a:prstGeom prst="rect">
-            <a:avLst/>
-          </a:prstGeom>
-          <a:noFill/>
-        </p:spPr>
-        <p:txBody>
-          <a:bodyPr wrap="square" rtlCol="0">
-            <a:spAutoFit/>
-          </a:bodyPr>
-          <a:lstStyle/>
-          <a:p>
-            <a:pPr algn="ctr"/>
-            <a:r>
-              <a:rPr lang="en-KR" sz="900"/>
-              <a:t>Get driver’s </a:t>
-            </a:r>
-          </a:p>
-          <a:p>
-            <a:pPr algn="ctr"/>
-            <a:r>
-              <a:rPr lang="en-KR" sz="900"/>
-              <a:t>config</a:t>
-            </a:r>
-          </a:p>
-        </p:txBody>
-      </p:sp>
-      <p:sp>
-        <p:nvSpPr>
-          <p:cNvPr id="32" name="모서리가 둥근 직사각형 2">
-            <a:extLst>
-              <a:ext uri="{FF2B5EF4-FFF2-40B4-BE49-F238E27FC236}">
-                <a16:creationId xmlns:a16="http://schemas.microsoft.com/office/drawing/2014/main" id="{A26EF336-4648-E57D-8284-143D1DCABD18}"/>
-              </a:ext>
-            </a:extLst>
-          </p:cNvPr>
-          <p:cNvSpPr/>
-          <p:nvPr/>
-        </p:nvSpPr>
-        <p:spPr>
-          <a:xfrm>
-            <a:off x="263516" y="2707076"/>
-            <a:ext cx="1401376" cy="386745"/>
-          </a:xfrm>
-          <a:prstGeom prst="roundRect">
-            <a:avLst>
-              <a:gd name="adj" fmla="val 13068"/>
-            </a:avLst>
-          </a:prstGeom>
-          <a:ln w="12700"/>
-        </p:spPr>
-        <p:style>
-          <a:lnRef idx="2">
-            <a:schemeClr val="dk1"/>
-          </a:lnRef>
-          <a:fillRef idx="1">
-            <a:schemeClr val="lt1"/>
-          </a:fillRef>
-          <a:effectRef idx="0">
-            <a:schemeClr val="dk1"/>
-          </a:effectRef>
-          <a:fontRef idx="minor">
-            <a:schemeClr val="dk1"/>
-          </a:fontRef>
-        </p:style>
-        <p:txBody>
-          <a:bodyPr rtlCol="0" anchor="ctr"/>
-          <a:lstStyle/>
-          <a:p>
-            <a:pPr algn="ctr"/>
-            <a:r>
-              <a:rPr lang="en-US" altLang="ko-KR" sz="1000"/>
-              <a:t>Prometheus</a:t>
-            </a:r>
-            <a:endParaRPr lang="ko-KR" altLang="en-US" sz="1000"/>
-          </a:p>
-        </p:txBody>
-      </p:sp>
-      <p:cxnSp>
-        <p:nvCxnSpPr>
-          <p:cNvPr id="49" name="Elbow Connector 48">
-            <a:extLst>
-              <a:ext uri="{FF2B5EF4-FFF2-40B4-BE49-F238E27FC236}">
-                <a16:creationId xmlns:a16="http://schemas.microsoft.com/office/drawing/2014/main" id="{CAFC981E-2E74-7F1B-00B9-504782C1F8CF}"/>
-              </a:ext>
-            </a:extLst>
-          </p:cNvPr>
-          <p:cNvCxnSpPr>
-            <a:cxnSpLocks/>
-            <a:stCxn id="32" idx="3"/>
-          </p:cNvCxnSpPr>
-          <p:nvPr/>
-        </p:nvCxnSpPr>
-        <p:spPr>
-          <a:xfrm>
-            <a:off x="1664892" y="2900449"/>
-            <a:ext cx="907495" cy="202519"/>
-          </a:xfrm>
-          <a:prstGeom prst="bentConnector3">
-            <a:avLst>
-              <a:gd name="adj1" fmla="val 50000"/>
-            </a:avLst>
-          </a:prstGeom>
-          <a:ln>
-            <a:solidFill>
-              <a:schemeClr val="tx1"/>
-            </a:solidFill>
-            <a:tailEnd type="triangle"/>
-          </a:ln>
-        </p:spPr>
-        <p:style>
-          <a:lnRef idx="1">
-            <a:schemeClr val="accent1"/>
-          </a:lnRef>
-          <a:fillRef idx="0">
-            <a:schemeClr val="accent1"/>
-          </a:fillRef>
-          <a:effectRef idx="0">
-            <a:schemeClr val="accent1"/>
-          </a:effectRef>
-          <a:fontRef idx="minor">
-            <a:schemeClr val="tx1"/>
-          </a:fontRef>
-        </p:style>
-      </p:cxnSp>
-      <p:sp>
-        <p:nvSpPr>
-          <p:cNvPr id="53" name="TextBox 52">
-            <a:extLst>
-              <a:ext uri="{FF2B5EF4-FFF2-40B4-BE49-F238E27FC236}">
-                <a16:creationId xmlns:a16="http://schemas.microsoft.com/office/drawing/2014/main" id="{71E51C5D-4D8F-FBF6-E020-C955980D3D85}"/>
-              </a:ext>
-            </a:extLst>
-          </p:cNvPr>
-          <p:cNvSpPr txBox="1"/>
-          <p:nvPr/>
-        </p:nvSpPr>
-        <p:spPr>
-          <a:xfrm>
-            <a:off x="1653676" y="2674233"/>
-            <a:ext cx="733997" cy="230832"/>
-          </a:xfrm>
-          <a:prstGeom prst="rect">
-            <a:avLst/>
-          </a:prstGeom>
-          <a:noFill/>
-        </p:spPr>
-        <p:txBody>
-          <a:bodyPr wrap="square" rtlCol="0">
-            <a:spAutoFit/>
-          </a:bodyPr>
-          <a:lstStyle/>
-          <a:p>
-            <a:pPr algn="ctr"/>
-            <a:r>
-              <a:rPr lang="en-KR" sz="900"/>
-              <a:t>Get Metric</a:t>
-            </a:r>
-          </a:p>
-        </p:txBody>
-      </p:sp>
-      <p:sp>
-        <p:nvSpPr>
-          <p:cNvPr id="8" name="모서리가 둥근 직사각형 2">
-            <a:extLst>
-              <a:ext uri="{FF2B5EF4-FFF2-40B4-BE49-F238E27FC236}">
-                <a16:creationId xmlns:a16="http://schemas.microsoft.com/office/drawing/2014/main" id="{9A5DC9BA-46EF-9C63-1FBD-975DC9153CA3}"/>
-              </a:ext>
-            </a:extLst>
-          </p:cNvPr>
-          <p:cNvSpPr/>
-          <p:nvPr/>
-        </p:nvSpPr>
-        <p:spPr>
-          <a:xfrm>
-            <a:off x="6168512" y="1544782"/>
-            <a:ext cx="1368152" cy="508063"/>
-          </a:xfrm>
-          <a:prstGeom prst="roundRect">
-            <a:avLst>
-              <a:gd name="adj" fmla="val 13068"/>
-            </a:avLst>
-          </a:prstGeom>
-          <a:ln w="12700"/>
-        </p:spPr>
-        <p:style>
-          <a:lnRef idx="2">
-            <a:schemeClr val="dk1"/>
-          </a:lnRef>
-          <a:fillRef idx="1">
-            <a:schemeClr val="lt1"/>
-          </a:fillRef>
-          <a:effectRef idx="0">
-            <a:schemeClr val="dk1"/>
-          </a:effectRef>
-          <a:fontRef idx="minor">
-            <a:schemeClr val="dk1"/>
-          </a:fontRef>
-        </p:style>
-        <p:txBody>
-          <a:bodyPr rtlCol="0" anchor="ctr"/>
-          <a:lstStyle/>
-          <a:p>
-            <a:pPr algn="ctr"/>
-            <a:r>
-              <a:rPr lang="en-US" altLang="ko-KR" sz="1000"/>
-              <a:t>Driver Service</a:t>
-            </a:r>
-          </a:p>
-          <a:p>
-            <a:pPr algn="ctr"/>
-            <a:r>
-              <a:rPr lang="en-US" altLang="ko-KR" sz="1000"/>
-              <a:t>/ Service (Headless)</a:t>
-            </a:r>
-            <a:endParaRPr lang="ko-KR" altLang="en-US" sz="1000"/>
-          </a:p>
-        </p:txBody>
-      </p:sp>
-      <p:sp>
-        <p:nvSpPr>
-          <p:cNvPr id="11" name="모서리가 둥근 직사각형 2">
-            <a:extLst>
-              <a:ext uri="{FF2B5EF4-FFF2-40B4-BE49-F238E27FC236}">
-                <a16:creationId xmlns:a16="http://schemas.microsoft.com/office/drawing/2014/main" id="{D6C5CB90-A156-DBD0-23EB-99302A39C95D}"/>
-              </a:ext>
-            </a:extLst>
-          </p:cNvPr>
-          <p:cNvSpPr/>
-          <p:nvPr/>
-        </p:nvSpPr>
-        <p:spPr>
-          <a:xfrm>
-            <a:off x="3706463" y="1544782"/>
-            <a:ext cx="1096290" cy="508063"/>
-          </a:xfrm>
-          <a:prstGeom prst="roundRect">
-            <a:avLst>
-              <a:gd name="adj" fmla="val 13068"/>
-            </a:avLst>
-          </a:prstGeom>
-          <a:ln w="12700"/>
-        </p:spPr>
-        <p:style>
-          <a:lnRef idx="2">
-            <a:schemeClr val="dk1"/>
-          </a:lnRef>
-          <a:fillRef idx="1">
-            <a:schemeClr val="lt1"/>
-          </a:fillRef>
-          <a:effectRef idx="0">
-            <a:schemeClr val="dk1"/>
-          </a:effectRef>
-          <a:fontRef idx="minor">
-            <a:schemeClr val="dk1"/>
-          </a:fontRef>
-        </p:style>
-        <p:txBody>
-          <a:bodyPr rtlCol="0" anchor="ctr"/>
-          <a:lstStyle/>
-          <a:p>
-            <a:pPr algn="ctr"/>
-            <a:r>
-              <a:rPr lang="en-US" altLang="ko-KR" sz="1000"/>
-              <a:t>Spark History Server Web UI</a:t>
-            </a:r>
-          </a:p>
-          <a:p>
-            <a:pPr algn="ctr"/>
-            <a:r>
-              <a:rPr lang="en-US" altLang="ko-KR" sz="1000"/>
-              <a:t>/ Service</a:t>
-            </a:r>
-            <a:endParaRPr lang="ko-KR" altLang="en-US" sz="1050"/>
-          </a:p>
-        </p:txBody>
-      </p:sp>
-      <p:sp>
-        <p:nvSpPr>
-          <p:cNvPr id="12" name="모서리가 둥근 직사각형 2">
-            <a:extLst>
-              <a:ext uri="{FF2B5EF4-FFF2-40B4-BE49-F238E27FC236}">
-                <a16:creationId xmlns:a16="http://schemas.microsoft.com/office/drawing/2014/main" id="{8A4641BF-608B-8C3E-64F0-83A60568A3AE}"/>
-              </a:ext>
-            </a:extLst>
-          </p:cNvPr>
-          <p:cNvSpPr/>
-          <p:nvPr/>
-        </p:nvSpPr>
-        <p:spPr>
-          <a:xfrm>
-            <a:off x="4937488" y="1544782"/>
-            <a:ext cx="1096289" cy="508063"/>
-          </a:xfrm>
-          <a:prstGeom prst="roundRect">
-            <a:avLst>
-              <a:gd name="adj" fmla="val 13068"/>
-            </a:avLst>
-          </a:prstGeom>
-          <a:ln w="12700"/>
-        </p:spPr>
-        <p:style>
-          <a:lnRef idx="2">
-            <a:schemeClr val="dk1"/>
-          </a:lnRef>
-          <a:fillRef idx="1">
-            <a:schemeClr val="lt1"/>
-          </a:fillRef>
-          <a:effectRef idx="0">
-            <a:schemeClr val="dk1"/>
-          </a:effectRef>
-          <a:fontRef idx="minor">
-            <a:schemeClr val="dk1"/>
-          </a:fontRef>
-        </p:style>
-        <p:txBody>
-          <a:bodyPr rtlCol="0" anchor="ctr"/>
-          <a:lstStyle/>
-          <a:p>
-            <a:pPr algn="ctr"/>
-            <a:r>
-              <a:rPr lang="en-US" altLang="ko-KR" sz="1000"/>
-              <a:t>Executor Config </a:t>
-            </a:r>
-          </a:p>
-          <a:p>
-            <a:pPr algn="ctr"/>
-            <a:r>
-              <a:rPr lang="en-US" altLang="ko-KR" sz="1000"/>
-              <a:t>/ ConfigMap</a:t>
-            </a:r>
-            <a:endParaRPr lang="ko-KR" altLang="en-US" sz="1000"/>
-          </a:p>
-        </p:txBody>
-      </p:sp>
-      <p:cxnSp>
-        <p:nvCxnSpPr>
-          <p:cNvPr id="34" name="Elbow Connector 33">
-            <a:extLst>
-              <a:ext uri="{FF2B5EF4-FFF2-40B4-BE49-F238E27FC236}">
-                <a16:creationId xmlns:a16="http://schemas.microsoft.com/office/drawing/2014/main" id="{2142C60F-5D30-2B60-0647-20BC2668E86C}"/>
-              </a:ext>
-            </a:extLst>
-          </p:cNvPr>
-          <p:cNvCxnSpPr>
-            <a:cxnSpLocks/>
-            <a:stCxn id="55" idx="0"/>
-            <a:endCxn id="12" idx="2"/>
-          </p:cNvCxnSpPr>
-          <p:nvPr/>
-        </p:nvCxnSpPr>
-        <p:spPr>
-          <a:xfrm rot="5400000" flipH="1" flipV="1">
-            <a:off x="3809413" y="1194352"/>
-            <a:ext cx="817727" cy="2534714"/>
-          </a:xfrm>
-          <a:prstGeom prst="bentConnector3">
-            <a:avLst>
-              <a:gd name="adj1" fmla="val 86557"/>
-            </a:avLst>
-          </a:prstGeom>
-          <a:ln>
-            <a:solidFill>
-              <a:schemeClr val="tx2"/>
-            </a:solidFill>
-            <a:tailEnd type="triangle"/>
-          </a:ln>
-        </p:spPr>
-        <p:style>
-          <a:lnRef idx="1">
-            <a:schemeClr val="dk1"/>
-          </a:lnRef>
-          <a:fillRef idx="0">
-            <a:schemeClr val="dk1"/>
-          </a:fillRef>
-          <a:effectRef idx="0">
-            <a:schemeClr val="dk1"/>
-          </a:effectRef>
-          <a:fontRef idx="minor">
-            <a:schemeClr val="tx1"/>
-          </a:fontRef>
-        </p:style>
-      </p:cxnSp>
-      <p:sp>
-        <p:nvSpPr>
-          <p:cNvPr id="57" name="TextBox 56">
-            <a:extLst>
-              <a:ext uri="{FF2B5EF4-FFF2-40B4-BE49-F238E27FC236}">
-                <a16:creationId xmlns:a16="http://schemas.microsoft.com/office/drawing/2014/main" id="{0F6E0E0F-363B-C846-8830-821595FBBF52}"/>
-              </a:ext>
-            </a:extLst>
-          </p:cNvPr>
-          <p:cNvSpPr txBox="1"/>
-          <p:nvPr/>
-        </p:nvSpPr>
-        <p:spPr>
-          <a:xfrm>
-            <a:off x="5010238" y="2156751"/>
-            <a:ext cx="964298" cy="369332"/>
-          </a:xfrm>
-          <a:prstGeom prst="rect">
-            <a:avLst/>
-          </a:prstGeom>
-          <a:noFill/>
-        </p:spPr>
-        <p:txBody>
-          <a:bodyPr wrap="square" rtlCol="0">
-            <a:spAutoFit/>
-          </a:bodyPr>
-          <a:lstStyle/>
-          <a:p>
-            <a:pPr algn="ctr"/>
-            <a:r>
-              <a:rPr lang="en-KR" sz="900"/>
-              <a:t>Get </a:t>
-            </a:r>
-            <a:r>
-              <a:rPr lang="en-US" sz="900"/>
-              <a:t>executor’s config</a:t>
-            </a:r>
-            <a:endParaRPr lang="en-KR" sz="900"/>
-          </a:p>
-        </p:txBody>
-      </p:sp>
-      <p:cxnSp>
-        <p:nvCxnSpPr>
-          <p:cNvPr id="66" name="Straight Arrow Connector 65">
-            <a:extLst>
-              <a:ext uri="{FF2B5EF4-FFF2-40B4-BE49-F238E27FC236}">
-                <a16:creationId xmlns:a16="http://schemas.microsoft.com/office/drawing/2014/main" id="{D563DDA0-3E45-04DD-5EE4-893211900E1F}"/>
-              </a:ext>
-            </a:extLst>
-          </p:cNvPr>
-          <p:cNvCxnSpPr>
-            <a:cxnSpLocks/>
-            <a:stCxn id="24" idx="0"/>
-          </p:cNvCxnSpPr>
-          <p:nvPr/>
-        </p:nvCxnSpPr>
-        <p:spPr>
-          <a:xfrm flipH="1" flipV="1">
-            <a:off x="5707096" y="2052845"/>
-            <a:ext cx="468" cy="496562"/>
-          </a:xfrm>
-          <a:prstGeom prst="straightConnector1">
-            <a:avLst/>
-          </a:prstGeom>
-          <a:ln>
-            <a:tailEnd type="triangle"/>
-          </a:ln>
-        </p:spPr>
-        <p:style>
-          <a:lnRef idx="1">
-            <a:schemeClr val="dk1"/>
-          </a:lnRef>
-          <a:fillRef idx="0">
-            <a:schemeClr val="dk1"/>
-          </a:fillRef>
-          <a:effectRef idx="0">
-            <a:schemeClr val="dk1"/>
-          </a:effectRef>
-          <a:fontRef idx="minor">
-            <a:schemeClr val="tx1"/>
-          </a:fontRef>
-        </p:style>
-      </p:cxnSp>
-      <p:cxnSp>
-        <p:nvCxnSpPr>
-          <p:cNvPr id="122" name="Elbow Connector 121">
-            <a:extLst>
-              <a:ext uri="{FF2B5EF4-FFF2-40B4-BE49-F238E27FC236}">
-                <a16:creationId xmlns:a16="http://schemas.microsoft.com/office/drawing/2014/main" id="{9BEA5223-4721-C84A-4052-6418535C1A17}"/>
-              </a:ext>
-            </a:extLst>
-          </p:cNvPr>
-          <p:cNvCxnSpPr>
-            <a:cxnSpLocks/>
-            <a:stCxn id="1031" idx="0"/>
-            <a:endCxn id="83" idx="2"/>
-          </p:cNvCxnSpPr>
-          <p:nvPr/>
-        </p:nvCxnSpPr>
-        <p:spPr>
-          <a:xfrm rot="5400000" flipH="1" flipV="1">
-            <a:off x="4706559" y="311596"/>
-            <a:ext cx="1514269" cy="3603685"/>
-          </a:xfrm>
-          <a:prstGeom prst="bentConnector3">
-            <a:avLst>
-              <a:gd name="adj1" fmla="val 5592"/>
-            </a:avLst>
-          </a:prstGeom>
-          <a:ln>
-            <a:solidFill>
-              <a:srgbClr val="00B050"/>
-            </a:solidFill>
-            <a:tailEnd type="triangle"/>
-          </a:ln>
-        </p:spPr>
-        <p:style>
-          <a:lnRef idx="1">
-            <a:schemeClr val="dk1"/>
-          </a:lnRef>
-          <a:fillRef idx="0">
-            <a:schemeClr val="dk1"/>
-          </a:fillRef>
-          <a:effectRef idx="0">
-            <a:schemeClr val="dk1"/>
-          </a:effectRef>
-          <a:fontRef idx="minor">
-            <a:schemeClr val="tx1"/>
-          </a:fontRef>
-        </p:style>
-      </p:cxnSp>
+              <a:t>driver’s config</a:t>
+            </a:r>
+          </a:p>
+        </p:txBody>
+      </p:sp>
     </p:spTree>
     <p:extLst>
       <p:ext uri="{BB962C8B-B14F-4D97-AF65-F5344CB8AC3E}">
